--- a/01 Classes/Aula 07 RAD Python - Tipos de Dados Aglomerados.pptx
+++ b/01 Classes/Aula 07 RAD Python - Tipos de Dados Aglomerados.pptx
@@ -5,33 +5,34 @@
     <p:sldMasterId id="2147483671" r:id="rId1"/>
   </p:sldMasterIdLst>
   <p:notesMasterIdLst>
-    <p:notesMasterId r:id="rId26"/>
+    <p:notesMasterId r:id="rId27"/>
   </p:notesMasterIdLst>
   <p:sldIdLst>
-    <p:sldId id="291" r:id="rId2"/>
-    <p:sldId id="354" r:id="rId3"/>
+    <p:sldId id="355" r:id="rId2"/>
+    <p:sldId id="291" r:id="rId3"/>
     <p:sldId id="331" r:id="rId4"/>
     <p:sldId id="338" r:id="rId5"/>
     <p:sldId id="349" r:id="rId6"/>
-    <p:sldId id="348" r:id="rId7"/>
-    <p:sldId id="350" r:id="rId8"/>
-    <p:sldId id="351" r:id="rId9"/>
-    <p:sldId id="352" r:id="rId10"/>
-    <p:sldId id="340" r:id="rId11"/>
-    <p:sldId id="341" r:id="rId12"/>
-    <p:sldId id="343" r:id="rId13"/>
-    <p:sldId id="342" r:id="rId14"/>
-    <p:sldId id="339" r:id="rId15"/>
-    <p:sldId id="344" r:id="rId16"/>
-    <p:sldId id="345" r:id="rId17"/>
-    <p:sldId id="346" r:id="rId18"/>
-    <p:sldId id="347" r:id="rId19"/>
-    <p:sldId id="353" r:id="rId20"/>
-    <p:sldId id="323" r:id="rId21"/>
-    <p:sldId id="333" r:id="rId22"/>
-    <p:sldId id="334" r:id="rId23"/>
-    <p:sldId id="337" r:id="rId24"/>
-    <p:sldId id="355" r:id="rId25"/>
+    <p:sldId id="354" r:id="rId7"/>
+    <p:sldId id="348" r:id="rId8"/>
+    <p:sldId id="350" r:id="rId9"/>
+    <p:sldId id="351" r:id="rId10"/>
+    <p:sldId id="352" r:id="rId11"/>
+    <p:sldId id="340" r:id="rId12"/>
+    <p:sldId id="341" r:id="rId13"/>
+    <p:sldId id="343" r:id="rId14"/>
+    <p:sldId id="342" r:id="rId15"/>
+    <p:sldId id="339" r:id="rId16"/>
+    <p:sldId id="344" r:id="rId17"/>
+    <p:sldId id="345" r:id="rId18"/>
+    <p:sldId id="346" r:id="rId19"/>
+    <p:sldId id="347" r:id="rId20"/>
+    <p:sldId id="353" r:id="rId21"/>
+    <p:sldId id="323" r:id="rId22"/>
+    <p:sldId id="333" r:id="rId23"/>
+    <p:sldId id="334" r:id="rId24"/>
+    <p:sldId id="337" r:id="rId25"/>
+    <p:sldId id="309" r:id="rId26"/>
   </p:sldIdLst>
   <p:sldSz cx="9144000" cy="5143500" type="screen16x9"/>
   <p:notesSz cx="6858000" cy="9144000"/>
@@ -446,7 +447,7 @@
     </p:spTree>
     <p:extLst>
       <p:ext uri="{BB962C8B-B14F-4D97-AF65-F5344CB8AC3E}">
-        <p14:creationId xmlns:p14="http://schemas.microsoft.com/office/powerpoint/2010/main" val="1087326955"/>
+        <p14:creationId xmlns:p14="http://schemas.microsoft.com/office/powerpoint/2010/main" val="874626551"/>
       </p:ext>
     </p:extLst>
   </p:cSld>
@@ -512,7 +513,7 @@
     </p:spTree>
     <p:extLst>
       <p:ext uri="{BB962C8B-B14F-4D97-AF65-F5344CB8AC3E}">
-        <p14:creationId xmlns:p14="http://schemas.microsoft.com/office/powerpoint/2010/main" val="1193636002"/>
+        <p14:creationId xmlns:p14="http://schemas.microsoft.com/office/powerpoint/2010/main" val="1087326955"/>
       </p:ext>
     </p:extLst>
   </p:cSld>
@@ -578,7 +579,7 @@
     </p:spTree>
     <p:extLst>
       <p:ext uri="{BB962C8B-B14F-4D97-AF65-F5344CB8AC3E}">
-        <p14:creationId xmlns:p14="http://schemas.microsoft.com/office/powerpoint/2010/main" val="3877086868"/>
+        <p14:creationId xmlns:p14="http://schemas.microsoft.com/office/powerpoint/2010/main" val="1193636002"/>
       </p:ext>
     </p:extLst>
   </p:cSld>
@@ -644,7 +645,7 @@
     </p:spTree>
     <p:extLst>
       <p:ext uri="{BB962C8B-B14F-4D97-AF65-F5344CB8AC3E}">
-        <p14:creationId xmlns:p14="http://schemas.microsoft.com/office/powerpoint/2010/main" val="3685178982"/>
+        <p14:creationId xmlns:p14="http://schemas.microsoft.com/office/powerpoint/2010/main" val="3877086868"/>
       </p:ext>
     </p:extLst>
   </p:cSld>
@@ -710,7 +711,7 @@
     </p:spTree>
     <p:extLst>
       <p:ext uri="{BB962C8B-B14F-4D97-AF65-F5344CB8AC3E}">
-        <p14:creationId xmlns:p14="http://schemas.microsoft.com/office/powerpoint/2010/main" val="1805732158"/>
+        <p14:creationId xmlns:p14="http://schemas.microsoft.com/office/powerpoint/2010/main" val="3685178982"/>
       </p:ext>
     </p:extLst>
   </p:cSld>
@@ -776,7 +777,7 @@
     </p:spTree>
     <p:extLst>
       <p:ext uri="{BB962C8B-B14F-4D97-AF65-F5344CB8AC3E}">
-        <p14:creationId xmlns:p14="http://schemas.microsoft.com/office/powerpoint/2010/main" val="1661230793"/>
+        <p14:creationId xmlns:p14="http://schemas.microsoft.com/office/powerpoint/2010/main" val="1805732158"/>
       </p:ext>
     </p:extLst>
   </p:cSld>
@@ -842,7 +843,7 @@
     </p:spTree>
     <p:extLst>
       <p:ext uri="{BB962C8B-B14F-4D97-AF65-F5344CB8AC3E}">
-        <p14:creationId xmlns:p14="http://schemas.microsoft.com/office/powerpoint/2010/main" val="731967856"/>
+        <p14:creationId xmlns:p14="http://schemas.microsoft.com/office/powerpoint/2010/main" val="1661230793"/>
       </p:ext>
     </p:extLst>
   </p:cSld>
@@ -908,7 +909,7 @@
     </p:spTree>
     <p:extLst>
       <p:ext uri="{BB962C8B-B14F-4D97-AF65-F5344CB8AC3E}">
-        <p14:creationId xmlns:p14="http://schemas.microsoft.com/office/powerpoint/2010/main" val="3398795520"/>
+        <p14:creationId xmlns:p14="http://schemas.microsoft.com/office/powerpoint/2010/main" val="731967856"/>
       </p:ext>
     </p:extLst>
   </p:cSld>
@@ -974,7 +975,7 @@
     </p:spTree>
     <p:extLst>
       <p:ext uri="{BB962C8B-B14F-4D97-AF65-F5344CB8AC3E}">
-        <p14:creationId xmlns:p14="http://schemas.microsoft.com/office/powerpoint/2010/main" val="2709569597"/>
+        <p14:creationId xmlns:p14="http://schemas.microsoft.com/office/powerpoint/2010/main" val="3398795520"/>
       </p:ext>
     </p:extLst>
   </p:cSld>
@@ -1040,7 +1041,7 @@
     </p:spTree>
     <p:extLst>
       <p:ext uri="{BB962C8B-B14F-4D97-AF65-F5344CB8AC3E}">
-        <p14:creationId xmlns:p14="http://schemas.microsoft.com/office/powerpoint/2010/main" val="585304384"/>
+        <p14:creationId xmlns:p14="http://schemas.microsoft.com/office/powerpoint/2010/main" val="2709569597"/>
       </p:ext>
     </p:extLst>
   </p:cSld>
@@ -1172,6 +1173,72 @@
     </p:spTree>
     <p:extLst>
       <p:ext uri="{BB962C8B-B14F-4D97-AF65-F5344CB8AC3E}">
+        <p14:creationId xmlns:p14="http://schemas.microsoft.com/office/powerpoint/2010/main" val="585304384"/>
+      </p:ext>
+    </p:extLst>
+  </p:cSld>
+  <p:clrMapOvr>
+    <a:masterClrMapping/>
+  </p:clrMapOvr>
+</p:notes>
+</file>
+
+<file path=ppt/notesSlides/notesSlide21.xml><?xml version="1.0" encoding="utf-8"?>
+<p:notes xmlns:a="http://schemas.openxmlformats.org/drawingml/2006/main" xmlns:r="http://schemas.openxmlformats.org/officeDocument/2006/relationships" xmlns:p="http://schemas.openxmlformats.org/presentationml/2006/main">
+  <p:cSld>
+    <p:spTree>
+      <p:nvGrpSpPr>
+        <p:cNvPr id="1" name=""/>
+        <p:cNvGrpSpPr/>
+        <p:nvPr/>
+      </p:nvGrpSpPr>
+      <p:grpSpPr>
+        <a:xfrm>
+          <a:off x="0" y="0"/>
+          <a:ext cx="0" cy="0"/>
+          <a:chOff x="0" y="0"/>
+          <a:chExt cx="0" cy="0"/>
+        </a:xfrm>
+      </p:grpSpPr>
+      <p:sp>
+        <p:nvSpPr>
+          <p:cNvPr id="2" name="Espaço Reservado para Imagem de Slide 1"/>
+          <p:cNvSpPr>
+            <a:spLocks noGrp="1" noRot="1" noChangeAspect="1"/>
+          </p:cNvSpPr>
+          <p:nvPr>
+            <p:ph type="sldImg"/>
+          </p:nvPr>
+        </p:nvSpPr>
+        <p:spPr>
+          <a:xfrm>
+            <a:off x="381000" y="685800"/>
+            <a:ext cx="6096000" cy="3429000"/>
+          </a:xfrm>
+        </p:spPr>
+      </p:sp>
+      <p:sp>
+        <p:nvSpPr>
+          <p:cNvPr id="3" name="Espaço Reservado para Anotações 2"/>
+          <p:cNvSpPr>
+            <a:spLocks noGrp="1"/>
+          </p:cNvSpPr>
+          <p:nvPr>
+            <p:ph type="body" idx="1"/>
+          </p:nvPr>
+        </p:nvSpPr>
+        <p:spPr/>
+        <p:txBody>
+          <a:bodyPr/>
+          <a:lstStyle/>
+          <a:p>
+            <a:endParaRPr lang="pt-BR" dirty="0"/>
+          </a:p>
+        </p:txBody>
+      </p:sp>
+    </p:spTree>
+    <p:extLst>
+      <p:ext uri="{BB962C8B-B14F-4D97-AF65-F5344CB8AC3E}">
         <p14:creationId xmlns:p14="http://schemas.microsoft.com/office/powerpoint/2010/main" val="2296249050"/>
       </p:ext>
     </p:extLst>
@@ -1182,7 +1249,7 @@
 </p:notes>
 </file>
 
-<file path=ppt/notesSlides/notesSlide21.xml><?xml version="1.0" encoding="utf-8"?>
+<file path=ppt/notesSlides/notesSlide22.xml><?xml version="1.0" encoding="utf-8"?>
 <p:notes xmlns:a="http://schemas.openxmlformats.org/drawingml/2006/main" xmlns:r="http://schemas.openxmlformats.org/officeDocument/2006/relationships" xmlns:p="http://schemas.openxmlformats.org/presentationml/2006/main">
   <p:cSld>
     <p:spTree>
@@ -1370,7 +1437,7 @@
     </p:spTree>
     <p:extLst>
       <p:ext uri="{BB962C8B-B14F-4D97-AF65-F5344CB8AC3E}">
-        <p14:creationId xmlns:p14="http://schemas.microsoft.com/office/powerpoint/2010/main" val="1236734081"/>
+        <p14:creationId xmlns:p14="http://schemas.microsoft.com/office/powerpoint/2010/main" val="275655036"/>
       </p:ext>
     </p:extLst>
   </p:cSld>
@@ -1436,7 +1503,7 @@
     </p:spTree>
     <p:extLst>
       <p:ext uri="{BB962C8B-B14F-4D97-AF65-F5344CB8AC3E}">
-        <p14:creationId xmlns:p14="http://schemas.microsoft.com/office/powerpoint/2010/main" val="3813042706"/>
+        <p14:creationId xmlns:p14="http://schemas.microsoft.com/office/powerpoint/2010/main" val="1236734081"/>
       </p:ext>
     </p:extLst>
   </p:cSld>
@@ -1502,7 +1569,7 @@
     </p:spTree>
     <p:extLst>
       <p:ext uri="{BB962C8B-B14F-4D97-AF65-F5344CB8AC3E}">
-        <p14:creationId xmlns:p14="http://schemas.microsoft.com/office/powerpoint/2010/main" val="3581898231"/>
+        <p14:creationId xmlns:p14="http://schemas.microsoft.com/office/powerpoint/2010/main" val="3813042706"/>
       </p:ext>
     </p:extLst>
   </p:cSld>
@@ -1568,7 +1635,7 @@
     </p:spTree>
     <p:extLst>
       <p:ext uri="{BB962C8B-B14F-4D97-AF65-F5344CB8AC3E}">
-        <p14:creationId xmlns:p14="http://schemas.microsoft.com/office/powerpoint/2010/main" val="3821292597"/>
+        <p14:creationId xmlns:p14="http://schemas.microsoft.com/office/powerpoint/2010/main" val="3581898231"/>
       </p:ext>
     </p:extLst>
   </p:cSld>
@@ -1634,7 +1701,7 @@
     </p:spTree>
     <p:extLst>
       <p:ext uri="{BB962C8B-B14F-4D97-AF65-F5344CB8AC3E}">
-        <p14:creationId xmlns:p14="http://schemas.microsoft.com/office/powerpoint/2010/main" val="1131444248"/>
+        <p14:creationId xmlns:p14="http://schemas.microsoft.com/office/powerpoint/2010/main" val="3821292597"/>
       </p:ext>
     </p:extLst>
   </p:cSld>
@@ -1700,7 +1767,7 @@
     </p:spTree>
     <p:extLst>
       <p:ext uri="{BB962C8B-B14F-4D97-AF65-F5344CB8AC3E}">
-        <p14:creationId xmlns:p14="http://schemas.microsoft.com/office/powerpoint/2010/main" val="874626551"/>
+        <p14:creationId xmlns:p14="http://schemas.microsoft.com/office/powerpoint/2010/main" val="1131444248"/>
       </p:ext>
     </p:extLst>
   </p:cSld>
@@ -1849,7 +1916,7 @@
           <a:p>
             <a:fld id="{48A87A34-81AB-432B-8DAE-1953F412C126}" type="datetimeFigureOut">
               <a:rPr lang="en-US" smtClean="0"/>
-              <a:t>8/26/2022</a:t>
+              <a:t>9/17/2022</a:t>
             </a:fld>
             <a:endParaRPr lang="en-US" dirty="0"/>
           </a:p>
@@ -2060,7 +2127,7 @@
           <a:p>
             <a:fld id="{48A87A34-81AB-432B-8DAE-1953F412C126}" type="datetimeFigureOut">
               <a:rPr lang="en-US" smtClean="0"/>
-              <a:t>8/26/2022</a:t>
+              <a:t>9/17/2022</a:t>
             </a:fld>
             <a:endParaRPr lang="en-US" dirty="0"/>
           </a:p>
@@ -2275,7 +2342,7 @@
           <a:p>
             <a:fld id="{48A87A34-81AB-432B-8DAE-1953F412C126}" type="datetimeFigureOut">
               <a:rPr lang="en-US" smtClean="0"/>
-              <a:t>8/26/2022</a:t>
+              <a:t>9/17/2022</a:t>
             </a:fld>
             <a:endParaRPr lang="en-US" dirty="0"/>
           </a:p>
@@ -2643,7 +2710,7 @@
           <a:p>
             <a:fld id="{48A87A34-81AB-432B-8DAE-1953F412C126}" type="datetimeFigureOut">
               <a:rPr lang="en-US" smtClean="0"/>
-              <a:t>8/26/2022</a:t>
+              <a:t>9/17/2022</a:t>
             </a:fld>
             <a:endParaRPr lang="en-US" dirty="0"/>
           </a:p>
@@ -2922,7 +2989,7 @@
           <a:p>
             <a:fld id="{48A87A34-81AB-432B-8DAE-1953F412C126}" type="datetimeFigureOut">
               <a:rPr lang="en-US" smtClean="0"/>
-              <a:t>8/26/2022</a:t>
+              <a:t>9/17/2022</a:t>
             </a:fld>
             <a:endParaRPr lang="en-US" dirty="0"/>
           </a:p>
@@ -3190,7 +3257,7 @@
           <a:p>
             <a:fld id="{48A87A34-81AB-432B-8DAE-1953F412C126}" type="datetimeFigureOut">
               <a:rPr lang="en-US" smtClean="0"/>
-              <a:t>8/26/2022</a:t>
+              <a:t>9/17/2022</a:t>
             </a:fld>
             <a:endParaRPr lang="en-US" dirty="0"/>
           </a:p>
@@ -3606,7 +3673,7 @@
           <a:p>
             <a:fld id="{48A87A34-81AB-432B-8DAE-1953F412C126}" type="datetimeFigureOut">
               <a:rPr lang="en-US" smtClean="0"/>
-              <a:t>8/26/2022</a:t>
+              <a:t>9/17/2022</a:t>
             </a:fld>
             <a:endParaRPr lang="en-US" dirty="0"/>
           </a:p>
@@ -3755,7 +3822,7 @@
           <a:p>
             <a:fld id="{48A87A34-81AB-432B-8DAE-1953F412C126}" type="datetimeFigureOut">
               <a:rPr lang="en-US" smtClean="0"/>
-              <a:t>8/26/2022</a:t>
+              <a:t>9/17/2022</a:t>
             </a:fld>
             <a:endParaRPr lang="en-US" dirty="0"/>
           </a:p>
@@ -3881,7 +3948,7 @@
           <a:p>
             <a:fld id="{48A87A34-81AB-432B-8DAE-1953F412C126}" type="datetimeFigureOut">
               <a:rPr lang="en-US" smtClean="0"/>
-              <a:t>8/26/2022</a:t>
+              <a:t>9/17/2022</a:t>
             </a:fld>
             <a:endParaRPr lang="en-US" dirty="0"/>
           </a:p>
@@ -4132,7 +4199,7 @@
           <a:p>
             <a:fld id="{48A87A34-81AB-432B-8DAE-1953F412C126}" type="datetimeFigureOut">
               <a:rPr lang="en-US" smtClean="0"/>
-              <a:t>8/26/2022</a:t>
+              <a:t>9/17/2022</a:t>
             </a:fld>
             <a:endParaRPr lang="en-US" dirty="0"/>
           </a:p>
@@ -4578,7 +4645,7 @@
             <a:fld id="{48A87A34-81AB-432B-8DAE-1953F412C126}" type="datetimeFigureOut">
               <a:rPr lang="en-US" smtClean="0"/>
               <a:pPr/>
-              <a:t>8/26/2022</a:t>
+              <a:t>9/17/2022</a:t>
             </a:fld>
             <a:endParaRPr lang="en-US" dirty="0"/>
           </a:p>
@@ -4906,7 +4973,7 @@
             <a:fld id="{48A87A34-81AB-432B-8DAE-1953F412C126}" type="datetimeFigureOut">
               <a:rPr lang="en-US" smtClean="0"/>
               <a:pPr/>
-              <a:t>8/26/2022</a:t>
+              <a:t>9/17/2022</a:t>
             </a:fld>
             <a:endParaRPr lang="en-US" dirty="0"/>
           </a:p>
@@ -5613,8 +5680,6 @@
                 <a:solidFill>
                   <a:schemeClr val="bg1"/>
                 </a:solidFill>
-                <a:latin typeface="Calibri" panose="020F0502020204030204" pitchFamily="34" charset="0"/>
-                <a:cs typeface="Calibri" panose="020F0502020204030204" pitchFamily="34" charset="0"/>
               </a:rPr>
               <a:t>Desenvolvimento Rápido de Aplicações em Python</a:t>
             </a:r>
@@ -5927,6 +5992,11 @@
         </p:txBody>
       </p:sp>
     </p:spTree>
+    <p:extLst>
+      <p:ext uri="{BB962C8B-B14F-4D97-AF65-F5344CB8AC3E}">
+        <p14:creationId xmlns:p14="http://schemas.microsoft.com/office/powerpoint/2010/main" val="1003343500"/>
+      </p:ext>
+    </p:extLst>
   </p:cSld>
   <p:clrMapOvr>
     <a:masterClrMapping/>
@@ -5974,7 +6044,7 @@
                   <a:srgbClr val="0070C0"/>
                 </a:solidFill>
               </a:rPr>
-              <a:t>Python – TD </a:t>
+              <a:t>Python – </a:t>
             </a:r>
             <a:r>
               <a:rPr lang="en-US" b="1" dirty="0" err="1">
@@ -5982,6 +6052,22 @@
                   <a:srgbClr val="0070C0"/>
                 </a:solidFill>
               </a:rPr>
+              <a:t>TDados</a:t>
+            </a:r>
+            <a:r>
+              <a:rPr lang="en-US" b="1" dirty="0">
+                <a:solidFill>
+                  <a:srgbClr val="0070C0"/>
+                </a:solidFill>
+              </a:rPr>
+              <a:t> </a:t>
+            </a:r>
+            <a:r>
+              <a:rPr lang="en-US" b="1" dirty="0" err="1">
+                <a:solidFill>
+                  <a:srgbClr val="0070C0"/>
+                </a:solidFill>
+              </a:rPr>
               <a:t>Aglomerados</a:t>
             </a:r>
             <a:r>
@@ -5998,7 +6084,7 @@
                   <a:srgbClr val="0070C0"/>
                 </a:solidFill>
               </a:rPr>
-              <a:t>Registros</a:t>
+              <a:t>Listas</a:t>
             </a:r>
             <a:endParaRPr lang="en-US" b="1" dirty="0">
               <a:solidFill>
@@ -6030,6 +6116,379 @@
           </a:bodyPr>
           <a:lstStyle/>
           <a:p>
+            <a:pPr marL="0" indent="0" algn="just">
+              <a:buNone/>
+            </a:pPr>
+            <a:r>
+              <a:rPr lang="pt-BR" b="1" dirty="0">
+                <a:solidFill>
+                  <a:srgbClr val="FF0000"/>
+                </a:solidFill>
+                <a:latin typeface="Times New Roman" panose="02020603050405020304" pitchFamily="18" charset="0"/>
+                <a:cs typeface="Times New Roman" panose="02020603050405020304" pitchFamily="18" charset="0"/>
+              </a:rPr>
+              <a:t>Exemplo Lista: </a:t>
+            </a:r>
+            <a:r>
+              <a:rPr lang="pt-BR" dirty="0" err="1">
+                <a:solidFill>
+                  <a:schemeClr val="tx1"/>
+                </a:solidFill>
+                <a:latin typeface="Times New Roman" panose="02020603050405020304" pitchFamily="18" charset="0"/>
+                <a:cs typeface="Times New Roman" panose="02020603050405020304" pitchFamily="18" charset="0"/>
+              </a:rPr>
+              <a:t>umaLista</a:t>
+            </a:r>
+            <a:r>
+              <a:rPr lang="pt-BR" dirty="0">
+                <a:solidFill>
+                  <a:schemeClr val="tx1"/>
+                </a:solidFill>
+                <a:latin typeface="Times New Roman" panose="02020603050405020304" pitchFamily="18" charset="0"/>
+                <a:cs typeface="Times New Roman" panose="02020603050405020304" pitchFamily="18" charset="0"/>
+              </a:rPr>
+              <a:t> = [1, 4, 8, 5, 7, 9]</a:t>
+            </a:r>
+          </a:p>
+          <a:p>
+            <a:pPr algn="just">
+              <a:buFontTx/>
+              <a:buChar char="-"/>
+            </a:pPr>
+            <a:r>
+              <a:rPr lang="pt-BR" dirty="0">
+                <a:solidFill>
+                  <a:schemeClr val="tx1"/>
+                </a:solidFill>
+                <a:latin typeface="Times New Roman" panose="02020603050405020304" pitchFamily="18" charset="0"/>
+                <a:cs typeface="Times New Roman" panose="02020603050405020304" pitchFamily="18" charset="0"/>
+              </a:rPr>
+              <a:t>Apagar, uma faixa da lista com </a:t>
+            </a:r>
+            <a:r>
+              <a:rPr lang="pt-BR" dirty="0" err="1">
+                <a:solidFill>
+                  <a:schemeClr val="tx1"/>
+                </a:solidFill>
+                <a:latin typeface="Times New Roman" panose="02020603050405020304" pitchFamily="18" charset="0"/>
+                <a:cs typeface="Times New Roman" panose="02020603050405020304" pitchFamily="18" charset="0"/>
+              </a:rPr>
+              <a:t>del</a:t>
+            </a:r>
+            <a:endParaRPr lang="pt-BR" b="1" dirty="0">
+              <a:solidFill>
+                <a:srgbClr val="FF0000"/>
+              </a:solidFill>
+              <a:latin typeface="Times New Roman" panose="02020603050405020304" pitchFamily="18" charset="0"/>
+              <a:cs typeface="Times New Roman" panose="02020603050405020304" pitchFamily="18" charset="0"/>
+            </a:endParaRPr>
+          </a:p>
+          <a:p>
+            <a:pPr marL="0" indent="0" algn="just">
+              <a:buNone/>
+            </a:pPr>
+            <a:r>
+              <a:rPr lang="pt-BR" dirty="0">
+                <a:solidFill>
+                  <a:schemeClr val="tx1"/>
+                </a:solidFill>
+                <a:latin typeface="Times New Roman" panose="02020603050405020304" pitchFamily="18" charset="0"/>
+                <a:cs typeface="Times New Roman" panose="02020603050405020304" pitchFamily="18" charset="0"/>
+              </a:rPr>
+              <a:t>   Ex.: </a:t>
+            </a:r>
+            <a:r>
+              <a:rPr lang="pt-BR" b="1" dirty="0" err="1">
+                <a:solidFill>
+                  <a:schemeClr val="tx1"/>
+                </a:solidFill>
+                <a:latin typeface="Times New Roman" panose="02020603050405020304" pitchFamily="18" charset="0"/>
+                <a:cs typeface="Times New Roman" panose="02020603050405020304" pitchFamily="18" charset="0"/>
+              </a:rPr>
+              <a:t>del</a:t>
+            </a:r>
+            <a:r>
+              <a:rPr lang="pt-BR" dirty="0">
+                <a:solidFill>
+                  <a:schemeClr val="tx1"/>
+                </a:solidFill>
+                <a:latin typeface="Times New Roman" panose="02020603050405020304" pitchFamily="18" charset="0"/>
+                <a:cs typeface="Times New Roman" panose="02020603050405020304" pitchFamily="18" charset="0"/>
+              </a:rPr>
+              <a:t> </a:t>
+            </a:r>
+            <a:r>
+              <a:rPr lang="pt-BR" dirty="0" err="1">
+                <a:solidFill>
+                  <a:schemeClr val="tx1"/>
+                </a:solidFill>
+                <a:latin typeface="Times New Roman" panose="02020603050405020304" pitchFamily="18" charset="0"/>
+                <a:cs typeface="Times New Roman" panose="02020603050405020304" pitchFamily="18" charset="0"/>
+              </a:rPr>
+              <a:t>umaLista</a:t>
+            </a:r>
+            <a:r>
+              <a:rPr lang="pt-BR" dirty="0">
+                <a:solidFill>
+                  <a:schemeClr val="tx1"/>
+                </a:solidFill>
+                <a:latin typeface="Times New Roman" panose="02020603050405020304" pitchFamily="18" charset="0"/>
+                <a:cs typeface="Times New Roman" panose="02020603050405020304" pitchFamily="18" charset="0"/>
+              </a:rPr>
+              <a:t>[1:3]; </a:t>
+            </a:r>
+          </a:p>
+          <a:p>
+            <a:pPr marL="0" indent="0" algn="just">
+              <a:buNone/>
+            </a:pPr>
+            <a:r>
+              <a:rPr lang="pt-BR" dirty="0">
+                <a:latin typeface="Times New Roman" panose="02020603050405020304" pitchFamily="18" charset="0"/>
+                <a:cs typeface="Times New Roman" panose="02020603050405020304" pitchFamily="18" charset="0"/>
+              </a:rPr>
+              <a:t>          </a:t>
+            </a:r>
+            <a:r>
+              <a:rPr lang="pt-BR" b="1" dirty="0">
+                <a:solidFill>
+                  <a:schemeClr val="tx1"/>
+                </a:solidFill>
+                <a:latin typeface="Times New Roman" panose="02020603050405020304" pitchFamily="18" charset="0"/>
+                <a:cs typeface="Times New Roman" panose="02020603050405020304" pitchFamily="18" charset="0"/>
+              </a:rPr>
+              <a:t>print</a:t>
+            </a:r>
+            <a:r>
+              <a:rPr lang="pt-BR" dirty="0">
+                <a:solidFill>
+                  <a:schemeClr val="tx1"/>
+                </a:solidFill>
+                <a:latin typeface="Times New Roman" panose="02020603050405020304" pitchFamily="18" charset="0"/>
+                <a:cs typeface="Times New Roman" panose="02020603050405020304" pitchFamily="18" charset="0"/>
+              </a:rPr>
+              <a:t>(</a:t>
+            </a:r>
+            <a:r>
+              <a:rPr lang="pt-BR" dirty="0" err="1">
+                <a:solidFill>
+                  <a:schemeClr val="tx1"/>
+                </a:solidFill>
+                <a:latin typeface="Times New Roman" panose="02020603050405020304" pitchFamily="18" charset="0"/>
+                <a:cs typeface="Times New Roman" panose="02020603050405020304" pitchFamily="18" charset="0"/>
+              </a:rPr>
+              <a:t>umaLista</a:t>
+            </a:r>
+            <a:r>
+              <a:rPr lang="pt-BR" dirty="0">
+                <a:solidFill>
+                  <a:schemeClr val="tx1"/>
+                </a:solidFill>
+                <a:latin typeface="Times New Roman" panose="02020603050405020304" pitchFamily="18" charset="0"/>
+                <a:cs typeface="Times New Roman" panose="02020603050405020304" pitchFamily="18" charset="0"/>
+              </a:rPr>
+              <a:t>) # 1, 5, 7, 9</a:t>
+            </a:r>
+          </a:p>
+          <a:p>
+            <a:pPr algn="just">
+              <a:buFontTx/>
+              <a:buChar char="-"/>
+            </a:pPr>
+            <a:r>
+              <a:rPr lang="pt-BR" dirty="0">
+                <a:solidFill>
+                  <a:schemeClr val="tx1"/>
+                </a:solidFill>
+                <a:latin typeface="Times New Roman" panose="02020603050405020304" pitchFamily="18" charset="0"/>
+                <a:cs typeface="Times New Roman" panose="02020603050405020304" pitchFamily="18" charset="0"/>
+              </a:rPr>
+              <a:t>Apagar lista totalmente</a:t>
+            </a:r>
+            <a:endParaRPr lang="pt-BR" b="1" dirty="0">
+              <a:solidFill>
+                <a:srgbClr val="FF0000"/>
+              </a:solidFill>
+              <a:latin typeface="Times New Roman" panose="02020603050405020304" pitchFamily="18" charset="0"/>
+              <a:cs typeface="Times New Roman" panose="02020603050405020304" pitchFamily="18" charset="0"/>
+            </a:endParaRPr>
+          </a:p>
+          <a:p>
+            <a:pPr marL="0" indent="0" algn="just">
+              <a:buNone/>
+            </a:pPr>
+            <a:r>
+              <a:rPr lang="pt-BR" dirty="0">
+                <a:solidFill>
+                  <a:schemeClr val="tx1"/>
+                </a:solidFill>
+                <a:latin typeface="Times New Roman" panose="02020603050405020304" pitchFamily="18" charset="0"/>
+                <a:cs typeface="Times New Roman" panose="02020603050405020304" pitchFamily="18" charset="0"/>
+              </a:rPr>
+              <a:t>   Ex.: </a:t>
+            </a:r>
+            <a:r>
+              <a:rPr lang="pt-BR" b="1" dirty="0" err="1">
+                <a:solidFill>
+                  <a:schemeClr val="tx1"/>
+                </a:solidFill>
+                <a:latin typeface="Times New Roman" panose="02020603050405020304" pitchFamily="18" charset="0"/>
+                <a:cs typeface="Times New Roman" panose="02020603050405020304" pitchFamily="18" charset="0"/>
+              </a:rPr>
+              <a:t>del</a:t>
+            </a:r>
+            <a:r>
+              <a:rPr lang="pt-BR" dirty="0">
+                <a:solidFill>
+                  <a:schemeClr val="tx1"/>
+                </a:solidFill>
+                <a:latin typeface="Times New Roman" panose="02020603050405020304" pitchFamily="18" charset="0"/>
+                <a:cs typeface="Times New Roman" panose="02020603050405020304" pitchFamily="18" charset="0"/>
+              </a:rPr>
+              <a:t> </a:t>
+            </a:r>
+            <a:r>
+              <a:rPr lang="pt-BR" dirty="0" err="1">
+                <a:solidFill>
+                  <a:schemeClr val="tx1"/>
+                </a:solidFill>
+                <a:latin typeface="Times New Roman" panose="02020603050405020304" pitchFamily="18" charset="0"/>
+                <a:cs typeface="Times New Roman" panose="02020603050405020304" pitchFamily="18" charset="0"/>
+              </a:rPr>
+              <a:t>umaLista</a:t>
+            </a:r>
+            <a:endParaRPr lang="pt-BR" dirty="0">
+              <a:solidFill>
+                <a:schemeClr val="tx1"/>
+              </a:solidFill>
+              <a:latin typeface="Times New Roman" panose="02020603050405020304" pitchFamily="18" charset="0"/>
+              <a:cs typeface="Times New Roman" panose="02020603050405020304" pitchFamily="18" charset="0"/>
+            </a:endParaRPr>
+          </a:p>
+          <a:p>
+            <a:pPr marL="0" indent="0" algn="just">
+              <a:buNone/>
+            </a:pPr>
+            <a:endParaRPr lang="pt-BR" dirty="0">
+              <a:solidFill>
+                <a:schemeClr val="tx1"/>
+              </a:solidFill>
+              <a:latin typeface="Times New Roman" panose="02020603050405020304" pitchFamily="18" charset="0"/>
+              <a:cs typeface="Times New Roman" panose="02020603050405020304" pitchFamily="18" charset="0"/>
+            </a:endParaRPr>
+          </a:p>
+        </p:txBody>
+      </p:sp>
+    </p:spTree>
+    <p:extLst>
+      <p:ext uri="{BB962C8B-B14F-4D97-AF65-F5344CB8AC3E}">
+        <p14:creationId xmlns:p14="http://schemas.microsoft.com/office/powerpoint/2010/main" val="2615201603"/>
+      </p:ext>
+    </p:extLst>
+  </p:cSld>
+  <p:clrMapOvr>
+    <a:masterClrMapping/>
+  </p:clrMapOvr>
+  <p:transition spd="med"/>
+</p:sld>
+</file>
+
+<file path=ppt/slides/slide11.xml><?xml version="1.0" encoding="utf-8"?>
+<p:sld xmlns:a="http://schemas.openxmlformats.org/drawingml/2006/main" xmlns:r="http://schemas.openxmlformats.org/officeDocument/2006/relationships" xmlns:p="http://schemas.openxmlformats.org/presentationml/2006/main">
+  <p:cSld>
+    <p:spTree>
+      <p:nvGrpSpPr>
+        <p:cNvPr id="1" name=""/>
+        <p:cNvGrpSpPr/>
+        <p:nvPr/>
+      </p:nvGrpSpPr>
+      <p:grpSpPr>
+        <a:xfrm>
+          <a:off x="0" y="0"/>
+          <a:ext cx="0" cy="0"/>
+          <a:chOff x="0" y="0"/>
+          <a:chExt cx="0" cy="0"/>
+        </a:xfrm>
+      </p:grpSpPr>
+      <p:sp>
+        <p:nvSpPr>
+          <p:cNvPr id="6" name="Title 1"/>
+          <p:cNvSpPr>
+            <a:spLocks noGrp="1"/>
+          </p:cNvSpPr>
+          <p:nvPr>
+            <p:ph type="title"/>
+          </p:nvPr>
+        </p:nvSpPr>
+        <p:spPr/>
+        <p:txBody>
+          <a:bodyPr>
+            <a:normAutofit/>
+          </a:bodyPr>
+          <a:lstStyle/>
+          <a:p>
+            <a:r>
+              <a:rPr lang="en-US" b="1" dirty="0">
+                <a:solidFill>
+                  <a:srgbClr val="0070C0"/>
+                </a:solidFill>
+              </a:rPr>
+              <a:t>Python – TD </a:t>
+            </a:r>
+            <a:r>
+              <a:rPr lang="en-US" b="1" dirty="0" err="1">
+                <a:solidFill>
+                  <a:srgbClr val="0070C0"/>
+                </a:solidFill>
+              </a:rPr>
+              <a:t>Aglomerados</a:t>
+            </a:r>
+            <a:r>
+              <a:rPr lang="en-US" b="1" dirty="0">
+                <a:solidFill>
+                  <a:srgbClr val="0070C0"/>
+                </a:solidFill>
+              </a:rPr>
+              <a:t> </a:t>
+            </a:r>
+            <a:r>
+              <a:rPr lang="en-US" b="1" dirty="0" err="1">
+                <a:solidFill>
+                  <a:srgbClr val="0070C0"/>
+                </a:solidFill>
+              </a:rPr>
+              <a:t>Registros</a:t>
+            </a:r>
+            <a:endParaRPr lang="en-US" b="1" dirty="0">
+              <a:solidFill>
+                <a:srgbClr val="0070C0"/>
+              </a:solidFill>
+            </a:endParaRPr>
+          </a:p>
+        </p:txBody>
+      </p:sp>
+      <p:sp>
+        <p:nvSpPr>
+          <p:cNvPr id="8" name="Text Placeholder 2"/>
+          <p:cNvSpPr>
+            <a:spLocks noGrp="1"/>
+          </p:cNvSpPr>
+          <p:nvPr>
+            <p:ph type="body" sz="half" idx="1"/>
+          </p:nvPr>
+        </p:nvSpPr>
+        <p:spPr>
+          <a:xfrm>
+            <a:off x="142865" y="1200150"/>
+            <a:ext cx="8865056" cy="3737370"/>
+          </a:xfrm>
+        </p:spPr>
+        <p:txBody>
+          <a:bodyPr>
+            <a:noAutofit/>
+          </a:bodyPr>
+          <a:lstStyle/>
+          <a:p>
             <a:pPr algn="just">
               <a:buFont typeface="Wingdings" panose="05000000000000000000" pitchFamily="2" charset="2"/>
               <a:buChar char="§"/>
@@ -6084,7 +6543,7 @@
                 <a:latin typeface="Times New Roman" panose="02020603050405020304" pitchFamily="18" charset="0"/>
                 <a:cs typeface="Times New Roman" panose="02020603050405020304" pitchFamily="18" charset="0"/>
               </a:rPr>
-              <a:t> (C, C++, Fortran, F# (F Sharp .NET)</a:t>
+              <a:t> ( C, C++, Fortran, F# (F Sharp .NET) )</a:t>
             </a:r>
           </a:p>
           <a:p>
@@ -6657,948 +7116,6 @@
 </p:sld>
 </file>
 
-<file path=ppt/slides/slide11.xml><?xml version="1.0" encoding="utf-8"?>
-<p:sld xmlns:a="http://schemas.openxmlformats.org/drawingml/2006/main" xmlns:r="http://schemas.openxmlformats.org/officeDocument/2006/relationships" xmlns:p="http://schemas.openxmlformats.org/presentationml/2006/main">
-  <p:cSld>
-    <p:spTree>
-      <p:nvGrpSpPr>
-        <p:cNvPr id="1" name=""/>
-        <p:cNvGrpSpPr/>
-        <p:nvPr/>
-      </p:nvGrpSpPr>
-      <p:grpSpPr>
-        <a:xfrm>
-          <a:off x="0" y="0"/>
-          <a:ext cx="0" cy="0"/>
-          <a:chOff x="0" y="0"/>
-          <a:chExt cx="0" cy="0"/>
-        </a:xfrm>
-      </p:grpSpPr>
-      <p:sp>
-        <p:nvSpPr>
-          <p:cNvPr id="6" name="Title 1"/>
-          <p:cNvSpPr>
-            <a:spLocks noGrp="1"/>
-          </p:cNvSpPr>
-          <p:nvPr>
-            <p:ph type="title"/>
-          </p:nvPr>
-        </p:nvSpPr>
-        <p:spPr/>
-        <p:txBody>
-          <a:bodyPr>
-            <a:normAutofit/>
-          </a:bodyPr>
-          <a:lstStyle/>
-          <a:p>
-            <a:r>
-              <a:rPr lang="en-US" b="1" dirty="0">
-                <a:solidFill>
-                  <a:srgbClr val="0070C0"/>
-                </a:solidFill>
-              </a:rPr>
-              <a:t>Python – TD </a:t>
-            </a:r>
-            <a:r>
-              <a:rPr lang="en-US" b="1" dirty="0" err="1">
-                <a:solidFill>
-                  <a:srgbClr val="0070C0"/>
-                </a:solidFill>
-              </a:rPr>
-              <a:t>Aglomerados</a:t>
-            </a:r>
-            <a:r>
-              <a:rPr lang="en-US" b="1" dirty="0">
-                <a:solidFill>
-                  <a:srgbClr val="0070C0"/>
-                </a:solidFill>
-              </a:rPr>
-              <a:t> </a:t>
-            </a:r>
-            <a:r>
-              <a:rPr lang="en-US" b="1" dirty="0" err="1">
-                <a:solidFill>
-                  <a:srgbClr val="0070C0"/>
-                </a:solidFill>
-              </a:rPr>
-              <a:t>Registros</a:t>
-            </a:r>
-            <a:endParaRPr lang="en-US" b="1" dirty="0">
-              <a:solidFill>
-                <a:srgbClr val="0070C0"/>
-              </a:solidFill>
-            </a:endParaRPr>
-          </a:p>
-        </p:txBody>
-      </p:sp>
-      <p:sp>
-        <p:nvSpPr>
-          <p:cNvPr id="8" name="Text Placeholder 2"/>
-          <p:cNvSpPr>
-            <a:spLocks noGrp="1"/>
-          </p:cNvSpPr>
-          <p:nvPr>
-            <p:ph type="body" sz="half" idx="1"/>
-          </p:nvPr>
-        </p:nvSpPr>
-        <p:spPr>
-          <a:xfrm>
-            <a:off x="142865" y="1200150"/>
-            <a:ext cx="8865056" cy="3737370"/>
-          </a:xfrm>
-        </p:spPr>
-        <p:txBody>
-          <a:bodyPr>
-            <a:noAutofit/>
-          </a:bodyPr>
-          <a:lstStyle/>
-          <a:p>
-            <a:pPr marL="0" indent="0" algn="just">
-              <a:buNone/>
-            </a:pPr>
-            <a:r>
-              <a:rPr lang="pt-BR" sz="2400" b="1" dirty="0">
-                <a:solidFill>
-                  <a:srgbClr val="FF0000"/>
-                </a:solidFill>
-                <a:latin typeface="Times New Roman" panose="02020603050405020304" pitchFamily="18" charset="0"/>
-                <a:cs typeface="Times New Roman" panose="02020603050405020304" pitchFamily="18" charset="0"/>
-              </a:rPr>
-              <a:t>Registro (Exemplo: linguagem C)</a:t>
-            </a:r>
-            <a:endParaRPr lang="pt-BR" sz="2400" dirty="0">
-              <a:solidFill>
-                <a:schemeClr val="tx1"/>
-              </a:solidFill>
-              <a:latin typeface="Times New Roman" panose="02020603050405020304" pitchFamily="18" charset="0"/>
-              <a:cs typeface="Times New Roman" panose="02020603050405020304" pitchFamily="18" charset="0"/>
-            </a:endParaRPr>
-          </a:p>
-          <a:p>
-            <a:pPr marL="0" indent="0" algn="just">
-              <a:buNone/>
-            </a:pPr>
-            <a:r>
-              <a:rPr lang="pt-BR" sz="2000" dirty="0">
-                <a:solidFill>
-                  <a:schemeClr val="tx1"/>
-                </a:solidFill>
-                <a:latin typeface="Times New Roman" panose="02020603050405020304" pitchFamily="18" charset="0"/>
-                <a:cs typeface="Times New Roman" panose="02020603050405020304" pitchFamily="18" charset="0"/>
-              </a:rPr>
-              <a:t> </a:t>
-            </a:r>
-          </a:p>
-          <a:p>
-            <a:pPr marL="0" indent="0" algn="just">
-              <a:buNone/>
-            </a:pPr>
-            <a:endParaRPr lang="pt-BR" sz="2000" dirty="0">
-              <a:solidFill>
-                <a:schemeClr val="tx1"/>
-              </a:solidFill>
-              <a:latin typeface="Times New Roman" panose="02020603050405020304" pitchFamily="18" charset="0"/>
-              <a:cs typeface="Times New Roman" panose="02020603050405020304" pitchFamily="18" charset="0"/>
-            </a:endParaRPr>
-          </a:p>
-        </p:txBody>
-      </p:sp>
-      <p:sp>
-        <p:nvSpPr>
-          <p:cNvPr id="3" name="CaixaDeTexto 2">
-            <a:extLst>
-              <a:ext uri="{FF2B5EF4-FFF2-40B4-BE49-F238E27FC236}">
-                <a16:creationId xmlns:a16="http://schemas.microsoft.com/office/drawing/2014/main" id="{6709984F-2047-4B0A-8173-791A8AE310FF}"/>
-              </a:ext>
-            </a:extLst>
-          </p:cNvPr>
-          <p:cNvSpPr txBox="1"/>
-          <p:nvPr/>
-        </p:nvSpPr>
-        <p:spPr>
-          <a:xfrm>
-            <a:off x="638827" y="1648389"/>
-            <a:ext cx="3181611" cy="3046988"/>
-          </a:xfrm>
-          <a:prstGeom prst="rect">
-            <a:avLst/>
-          </a:prstGeom>
-          <a:noFill/>
-        </p:spPr>
-        <p:txBody>
-          <a:bodyPr wrap="square" rtlCol="0">
-            <a:spAutoFit/>
-          </a:bodyPr>
-          <a:lstStyle/>
-          <a:p>
-            <a:pPr marL="0" indent="0" algn="just">
-              <a:buNone/>
-            </a:pPr>
-            <a:r>
-              <a:rPr lang="pt-BR" sz="2400" dirty="0">
-                <a:solidFill>
-                  <a:schemeClr val="tx1"/>
-                </a:solidFill>
-                <a:latin typeface="Times New Roman" panose="02020603050405020304" pitchFamily="18" charset="0"/>
-                <a:cs typeface="Times New Roman" panose="02020603050405020304" pitchFamily="18" charset="0"/>
-              </a:rPr>
-              <a:t>#</a:t>
-            </a:r>
-            <a:r>
-              <a:rPr lang="pt-BR" sz="2400" b="1" dirty="0">
-                <a:solidFill>
-                  <a:schemeClr val="tx1"/>
-                </a:solidFill>
-                <a:latin typeface="Times New Roman" panose="02020603050405020304" pitchFamily="18" charset="0"/>
-                <a:cs typeface="Times New Roman" panose="02020603050405020304" pitchFamily="18" charset="0"/>
-              </a:rPr>
-              <a:t>include</a:t>
-            </a:r>
-            <a:r>
-              <a:rPr lang="pt-BR" sz="2400" dirty="0">
-                <a:solidFill>
-                  <a:schemeClr val="tx1"/>
-                </a:solidFill>
-                <a:latin typeface="Times New Roman" panose="02020603050405020304" pitchFamily="18" charset="0"/>
-                <a:cs typeface="Times New Roman" panose="02020603050405020304" pitchFamily="18" charset="0"/>
-              </a:rPr>
-              <a:t> &lt;</a:t>
-            </a:r>
-            <a:r>
-              <a:rPr lang="pt-BR" sz="2400" b="1" dirty="0" err="1">
-                <a:solidFill>
-                  <a:srgbClr val="FF0000"/>
-                </a:solidFill>
-                <a:latin typeface="Times New Roman" panose="02020603050405020304" pitchFamily="18" charset="0"/>
-                <a:cs typeface="Times New Roman" panose="02020603050405020304" pitchFamily="18" charset="0"/>
-              </a:rPr>
-              <a:t>iostream</a:t>
-            </a:r>
-            <a:r>
-              <a:rPr lang="pt-BR" sz="2400" dirty="0">
-                <a:solidFill>
-                  <a:schemeClr val="tx1"/>
-                </a:solidFill>
-                <a:latin typeface="Times New Roman" panose="02020603050405020304" pitchFamily="18" charset="0"/>
-                <a:cs typeface="Times New Roman" panose="02020603050405020304" pitchFamily="18" charset="0"/>
-              </a:rPr>
-              <a:t>&gt;	</a:t>
-            </a:r>
-            <a:endParaRPr lang="pt-BR" sz="2400" b="1" dirty="0">
-              <a:solidFill>
-                <a:srgbClr val="FF0000"/>
-              </a:solidFill>
-              <a:latin typeface="Times New Roman" panose="02020603050405020304" pitchFamily="18" charset="0"/>
-              <a:cs typeface="Times New Roman" panose="02020603050405020304" pitchFamily="18" charset="0"/>
-            </a:endParaRPr>
-          </a:p>
-          <a:p>
-            <a:pPr marL="0" indent="0" algn="just">
-              <a:buNone/>
-            </a:pPr>
-            <a:r>
-              <a:rPr lang="pt-BR" sz="2400" b="1" dirty="0" err="1">
-                <a:solidFill>
-                  <a:schemeClr val="tx1"/>
-                </a:solidFill>
-                <a:latin typeface="Times New Roman" panose="02020603050405020304" pitchFamily="18" charset="0"/>
-                <a:cs typeface="Times New Roman" panose="02020603050405020304" pitchFamily="18" charset="0"/>
-              </a:rPr>
-              <a:t>using</a:t>
-            </a:r>
-            <a:r>
-              <a:rPr lang="pt-BR" sz="2400" dirty="0">
-                <a:solidFill>
-                  <a:schemeClr val="tx1"/>
-                </a:solidFill>
-                <a:latin typeface="Times New Roman" panose="02020603050405020304" pitchFamily="18" charset="0"/>
-                <a:cs typeface="Times New Roman" panose="02020603050405020304" pitchFamily="18" charset="0"/>
-              </a:rPr>
-              <a:t> </a:t>
-            </a:r>
-            <a:r>
-              <a:rPr lang="pt-BR" sz="2400" b="1" dirty="0" err="1">
-                <a:solidFill>
-                  <a:srgbClr val="FF0000"/>
-                </a:solidFill>
-                <a:latin typeface="Times New Roman" panose="02020603050405020304" pitchFamily="18" charset="0"/>
-                <a:cs typeface="Times New Roman" panose="02020603050405020304" pitchFamily="18" charset="0"/>
-              </a:rPr>
-              <a:t>namespace</a:t>
-            </a:r>
-            <a:r>
-              <a:rPr lang="pt-BR" sz="2400" dirty="0">
-                <a:solidFill>
-                  <a:schemeClr val="tx1"/>
-                </a:solidFill>
-                <a:latin typeface="Times New Roman" panose="02020603050405020304" pitchFamily="18" charset="0"/>
-                <a:cs typeface="Times New Roman" panose="02020603050405020304" pitchFamily="18" charset="0"/>
-              </a:rPr>
-              <a:t> </a:t>
-            </a:r>
-            <a:r>
-              <a:rPr lang="pt-BR" sz="2400" dirty="0" err="1">
-                <a:solidFill>
-                  <a:schemeClr val="tx1"/>
-                </a:solidFill>
-                <a:latin typeface="Times New Roman" panose="02020603050405020304" pitchFamily="18" charset="0"/>
-                <a:cs typeface="Times New Roman" panose="02020603050405020304" pitchFamily="18" charset="0"/>
-              </a:rPr>
-              <a:t>std</a:t>
-            </a:r>
-            <a:r>
-              <a:rPr lang="pt-BR" sz="2400" dirty="0">
-                <a:solidFill>
-                  <a:schemeClr val="tx1"/>
-                </a:solidFill>
-                <a:latin typeface="Times New Roman" panose="02020603050405020304" pitchFamily="18" charset="0"/>
-                <a:cs typeface="Times New Roman" panose="02020603050405020304" pitchFamily="18" charset="0"/>
-              </a:rPr>
-              <a:t>;</a:t>
-            </a:r>
-          </a:p>
-          <a:p>
-            <a:pPr marL="0" indent="0" algn="just">
-              <a:buNone/>
-            </a:pPr>
-            <a:r>
-              <a:rPr lang="pt-BR" sz="2400" b="1" dirty="0" err="1">
-                <a:solidFill>
-                  <a:schemeClr val="tx1"/>
-                </a:solidFill>
-                <a:latin typeface="Times New Roman" panose="02020603050405020304" pitchFamily="18" charset="0"/>
-                <a:cs typeface="Times New Roman" panose="02020603050405020304" pitchFamily="18" charset="0"/>
-              </a:rPr>
-              <a:t>struct</a:t>
-            </a:r>
-            <a:r>
-              <a:rPr lang="pt-BR" sz="2400" dirty="0">
-                <a:solidFill>
-                  <a:schemeClr val="tx1"/>
-                </a:solidFill>
-                <a:latin typeface="Times New Roman" panose="02020603050405020304" pitchFamily="18" charset="0"/>
-                <a:cs typeface="Times New Roman" panose="02020603050405020304" pitchFamily="18" charset="0"/>
-              </a:rPr>
-              <a:t> </a:t>
-            </a:r>
-            <a:r>
-              <a:rPr lang="pt-BR" sz="2400" b="1" dirty="0">
-                <a:solidFill>
-                  <a:srgbClr val="FF0000"/>
-                </a:solidFill>
-                <a:latin typeface="Times New Roman" panose="02020603050405020304" pitchFamily="18" charset="0"/>
-                <a:cs typeface="Times New Roman" panose="02020603050405020304" pitchFamily="18" charset="0"/>
-              </a:rPr>
-              <a:t>Cliente</a:t>
-            </a:r>
-            <a:r>
-              <a:rPr lang="pt-BR" sz="2400" dirty="0">
-                <a:solidFill>
-                  <a:schemeClr val="tx1"/>
-                </a:solidFill>
-                <a:latin typeface="Times New Roman" panose="02020603050405020304" pitchFamily="18" charset="0"/>
-                <a:cs typeface="Times New Roman" panose="02020603050405020304" pitchFamily="18" charset="0"/>
-              </a:rPr>
-              <a:t> {</a:t>
-            </a:r>
-          </a:p>
-          <a:p>
-            <a:pPr marL="0" indent="0" algn="just">
-              <a:buNone/>
-            </a:pPr>
-            <a:r>
-              <a:rPr lang="pt-BR" sz="2400" dirty="0">
-                <a:solidFill>
-                  <a:schemeClr val="tx1"/>
-                </a:solidFill>
-                <a:latin typeface="Times New Roman" panose="02020603050405020304" pitchFamily="18" charset="0"/>
-                <a:cs typeface="Times New Roman" panose="02020603050405020304" pitchFamily="18" charset="0"/>
-              </a:rPr>
-              <a:t>	</a:t>
-            </a:r>
-            <a:r>
-              <a:rPr lang="pt-BR" sz="2400" b="1" dirty="0">
-                <a:solidFill>
-                  <a:schemeClr val="tx1"/>
-                </a:solidFill>
-                <a:latin typeface="Times New Roman" panose="02020603050405020304" pitchFamily="18" charset="0"/>
-                <a:cs typeface="Times New Roman" panose="02020603050405020304" pitchFamily="18" charset="0"/>
-              </a:rPr>
-              <a:t>char</a:t>
-            </a:r>
-            <a:r>
-              <a:rPr lang="pt-BR" sz="2400" dirty="0">
-                <a:solidFill>
-                  <a:schemeClr val="tx1"/>
-                </a:solidFill>
-                <a:latin typeface="Times New Roman" panose="02020603050405020304" pitchFamily="18" charset="0"/>
-                <a:cs typeface="Times New Roman" panose="02020603050405020304" pitchFamily="18" charset="0"/>
-              </a:rPr>
-              <a:t> nome[200];</a:t>
-            </a:r>
-          </a:p>
-          <a:p>
-            <a:pPr marL="0" indent="0" algn="just">
-              <a:buNone/>
-            </a:pPr>
-            <a:r>
-              <a:rPr lang="pt-BR" sz="2400" dirty="0">
-                <a:solidFill>
-                  <a:schemeClr val="tx1"/>
-                </a:solidFill>
-                <a:latin typeface="Times New Roman" panose="02020603050405020304" pitchFamily="18" charset="0"/>
-                <a:cs typeface="Times New Roman" panose="02020603050405020304" pitchFamily="18" charset="0"/>
-              </a:rPr>
-              <a:t>	</a:t>
-            </a:r>
-            <a:r>
-              <a:rPr lang="pt-BR" sz="2400" b="1" dirty="0">
-                <a:solidFill>
-                  <a:schemeClr val="tx1"/>
-                </a:solidFill>
-                <a:latin typeface="Times New Roman" panose="02020603050405020304" pitchFamily="18" charset="0"/>
-                <a:cs typeface="Times New Roman" panose="02020603050405020304" pitchFamily="18" charset="0"/>
-              </a:rPr>
-              <a:t>char</a:t>
-            </a:r>
-            <a:r>
-              <a:rPr lang="pt-BR" sz="2400" dirty="0">
-                <a:solidFill>
-                  <a:schemeClr val="tx1"/>
-                </a:solidFill>
-                <a:latin typeface="Times New Roman" panose="02020603050405020304" pitchFamily="18" charset="0"/>
-                <a:cs typeface="Times New Roman" panose="02020603050405020304" pitchFamily="18" charset="0"/>
-              </a:rPr>
-              <a:t> </a:t>
-            </a:r>
-            <a:r>
-              <a:rPr lang="pt-BR" sz="2400" dirty="0" err="1">
-                <a:solidFill>
-                  <a:schemeClr val="tx1"/>
-                </a:solidFill>
-                <a:latin typeface="Times New Roman" panose="02020603050405020304" pitchFamily="18" charset="0"/>
-                <a:cs typeface="Times New Roman" panose="02020603050405020304" pitchFamily="18" charset="0"/>
-              </a:rPr>
-              <a:t>cpf</a:t>
-            </a:r>
-            <a:r>
-              <a:rPr lang="pt-BR" sz="2400" dirty="0">
-                <a:solidFill>
-                  <a:schemeClr val="tx1"/>
-                </a:solidFill>
-                <a:latin typeface="Times New Roman" panose="02020603050405020304" pitchFamily="18" charset="0"/>
-                <a:cs typeface="Times New Roman" panose="02020603050405020304" pitchFamily="18" charset="0"/>
-              </a:rPr>
-              <a:t>[11];</a:t>
-            </a:r>
-          </a:p>
-          <a:p>
-            <a:pPr marL="0" indent="0" algn="just">
-              <a:buNone/>
-            </a:pPr>
-            <a:r>
-              <a:rPr lang="pt-BR" sz="2400" dirty="0">
-                <a:solidFill>
-                  <a:schemeClr val="tx1"/>
-                </a:solidFill>
-                <a:latin typeface="Times New Roman" panose="02020603050405020304" pitchFamily="18" charset="0"/>
-                <a:cs typeface="Times New Roman" panose="02020603050405020304" pitchFamily="18" charset="0"/>
-              </a:rPr>
-              <a:t>	</a:t>
-            </a:r>
-            <a:r>
-              <a:rPr lang="pt-BR" sz="2400" b="1" dirty="0" err="1">
-                <a:solidFill>
-                  <a:schemeClr val="tx1"/>
-                </a:solidFill>
-                <a:latin typeface="Times New Roman" panose="02020603050405020304" pitchFamily="18" charset="0"/>
-                <a:cs typeface="Times New Roman" panose="02020603050405020304" pitchFamily="18" charset="0"/>
-              </a:rPr>
-              <a:t>float</a:t>
-            </a:r>
-            <a:r>
-              <a:rPr lang="pt-BR" sz="2400" dirty="0">
-                <a:solidFill>
-                  <a:schemeClr val="tx1"/>
-                </a:solidFill>
-                <a:latin typeface="Times New Roman" panose="02020603050405020304" pitchFamily="18" charset="0"/>
-                <a:cs typeface="Times New Roman" panose="02020603050405020304" pitchFamily="18" charset="0"/>
-              </a:rPr>
-              <a:t> limite;</a:t>
-            </a:r>
-          </a:p>
-          <a:p>
-            <a:pPr marL="0" indent="0" algn="just">
-              <a:buNone/>
-            </a:pPr>
-            <a:r>
-              <a:rPr lang="pt-BR" sz="2400" dirty="0">
-                <a:solidFill>
-                  <a:schemeClr val="tx1"/>
-                </a:solidFill>
-                <a:latin typeface="Times New Roman" panose="02020603050405020304" pitchFamily="18" charset="0"/>
-                <a:cs typeface="Times New Roman" panose="02020603050405020304" pitchFamily="18" charset="0"/>
-              </a:rPr>
-              <a:t>	</a:t>
-            </a:r>
-            <a:r>
-              <a:rPr lang="pt-BR" sz="2400" b="1" dirty="0" err="1">
-                <a:solidFill>
-                  <a:schemeClr val="tx1"/>
-                </a:solidFill>
-                <a:latin typeface="Times New Roman" panose="02020603050405020304" pitchFamily="18" charset="0"/>
-                <a:cs typeface="Times New Roman" panose="02020603050405020304" pitchFamily="18" charset="0"/>
-              </a:rPr>
-              <a:t>int</a:t>
-            </a:r>
-            <a:r>
-              <a:rPr lang="pt-BR" sz="2400" dirty="0">
-                <a:solidFill>
-                  <a:schemeClr val="tx1"/>
-                </a:solidFill>
-                <a:latin typeface="Times New Roman" panose="02020603050405020304" pitchFamily="18" charset="0"/>
-                <a:cs typeface="Times New Roman" panose="02020603050405020304" pitchFamily="18" charset="0"/>
-              </a:rPr>
-              <a:t> compras;</a:t>
-            </a:r>
-          </a:p>
-          <a:p>
-            <a:pPr marL="0" indent="0" algn="just">
-              <a:buNone/>
-            </a:pPr>
-            <a:r>
-              <a:rPr lang="pt-BR" sz="2400" dirty="0">
-                <a:solidFill>
-                  <a:schemeClr val="tx1"/>
-                </a:solidFill>
-                <a:latin typeface="Times New Roman" panose="02020603050405020304" pitchFamily="18" charset="0"/>
-                <a:cs typeface="Times New Roman" panose="02020603050405020304" pitchFamily="18" charset="0"/>
-              </a:rPr>
-              <a:t>};</a:t>
-            </a:r>
-            <a:endParaRPr lang="pt-BR" sz="2400" dirty="0"/>
-          </a:p>
-        </p:txBody>
-      </p:sp>
-      <p:sp>
-        <p:nvSpPr>
-          <p:cNvPr id="7" name="CaixaDeTexto 6">
-            <a:extLst>
-              <a:ext uri="{FF2B5EF4-FFF2-40B4-BE49-F238E27FC236}">
-                <a16:creationId xmlns:a16="http://schemas.microsoft.com/office/drawing/2014/main" id="{E4852F60-C492-4ADE-A7A1-83433CCBD955}"/>
-              </a:ext>
-            </a:extLst>
-          </p:cNvPr>
-          <p:cNvSpPr txBox="1"/>
-          <p:nvPr/>
-        </p:nvSpPr>
-        <p:spPr>
-          <a:xfrm>
-            <a:off x="3494762" y="1628888"/>
-            <a:ext cx="5513159" cy="2677656"/>
-          </a:xfrm>
-          <a:prstGeom prst="rect">
-            <a:avLst/>
-          </a:prstGeom>
-          <a:noFill/>
-        </p:spPr>
-        <p:txBody>
-          <a:bodyPr wrap="square" rtlCol="0">
-            <a:spAutoFit/>
-          </a:bodyPr>
-          <a:lstStyle/>
-          <a:p>
-            <a:pPr marL="0" indent="0" algn="just">
-              <a:buNone/>
-            </a:pPr>
-            <a:r>
-              <a:rPr lang="pt-BR" sz="2400" b="1" dirty="0" err="1">
-                <a:solidFill>
-                  <a:schemeClr val="tx1"/>
-                </a:solidFill>
-                <a:latin typeface="Times New Roman" panose="02020603050405020304" pitchFamily="18" charset="0"/>
-                <a:cs typeface="Times New Roman" panose="02020603050405020304" pitchFamily="18" charset="0"/>
-              </a:rPr>
-              <a:t>int</a:t>
-            </a:r>
-            <a:r>
-              <a:rPr lang="pt-BR" sz="2400" dirty="0">
-                <a:solidFill>
-                  <a:schemeClr val="tx1"/>
-                </a:solidFill>
-                <a:latin typeface="Times New Roman" panose="02020603050405020304" pitchFamily="18" charset="0"/>
-                <a:cs typeface="Times New Roman" panose="02020603050405020304" pitchFamily="18" charset="0"/>
-              </a:rPr>
-              <a:t> </a:t>
-            </a:r>
-            <a:r>
-              <a:rPr lang="pt-BR" sz="2400" dirty="0" err="1">
-                <a:solidFill>
-                  <a:schemeClr val="tx1"/>
-                </a:solidFill>
-                <a:latin typeface="Times New Roman" panose="02020603050405020304" pitchFamily="18" charset="0"/>
-                <a:cs typeface="Times New Roman" panose="02020603050405020304" pitchFamily="18" charset="0"/>
-              </a:rPr>
-              <a:t>main</a:t>
-            </a:r>
-            <a:r>
-              <a:rPr lang="pt-BR" sz="2400" dirty="0">
-                <a:solidFill>
-                  <a:schemeClr val="tx1"/>
-                </a:solidFill>
-                <a:latin typeface="Times New Roman" panose="02020603050405020304" pitchFamily="18" charset="0"/>
-                <a:cs typeface="Times New Roman" panose="02020603050405020304" pitchFamily="18" charset="0"/>
-              </a:rPr>
-              <a:t>() {</a:t>
-            </a:r>
-          </a:p>
-          <a:p>
-            <a:pPr marL="0" indent="0" algn="just">
-              <a:buNone/>
-            </a:pPr>
-            <a:r>
-              <a:rPr lang="pt-BR" sz="2400" b="1" dirty="0">
-                <a:solidFill>
-                  <a:schemeClr val="tx1"/>
-                </a:solidFill>
-                <a:latin typeface="Times New Roman" panose="02020603050405020304" pitchFamily="18" charset="0"/>
-                <a:cs typeface="Times New Roman" panose="02020603050405020304" pitchFamily="18" charset="0"/>
-              </a:rPr>
-              <a:t>   </a:t>
-            </a:r>
-            <a:r>
-              <a:rPr lang="pt-BR" sz="2400" b="1" dirty="0" err="1">
-                <a:solidFill>
-                  <a:schemeClr val="tx1"/>
-                </a:solidFill>
-                <a:latin typeface="Times New Roman" panose="02020603050405020304" pitchFamily="18" charset="0"/>
-                <a:cs typeface="Times New Roman" panose="02020603050405020304" pitchFamily="18" charset="0"/>
-              </a:rPr>
-              <a:t>struct</a:t>
-            </a:r>
-            <a:r>
-              <a:rPr lang="pt-BR" sz="2400" dirty="0">
-                <a:solidFill>
-                  <a:schemeClr val="tx1"/>
-                </a:solidFill>
-                <a:latin typeface="Times New Roman" panose="02020603050405020304" pitchFamily="18" charset="0"/>
-                <a:cs typeface="Times New Roman" panose="02020603050405020304" pitchFamily="18" charset="0"/>
-              </a:rPr>
-              <a:t> Cliente </a:t>
-            </a:r>
-            <a:r>
-              <a:rPr lang="pt-BR" sz="2400" b="1" dirty="0" err="1">
-                <a:solidFill>
-                  <a:srgbClr val="FF0000"/>
-                </a:solidFill>
-                <a:latin typeface="Times New Roman" panose="02020603050405020304" pitchFamily="18" charset="0"/>
-                <a:cs typeface="Times New Roman" panose="02020603050405020304" pitchFamily="18" charset="0"/>
-              </a:rPr>
-              <a:t>umCliente</a:t>
-            </a:r>
-            <a:r>
-              <a:rPr lang="pt-BR" sz="2400" dirty="0">
-                <a:solidFill>
-                  <a:schemeClr val="tx1"/>
-                </a:solidFill>
-                <a:latin typeface="Times New Roman" panose="02020603050405020304" pitchFamily="18" charset="0"/>
-                <a:cs typeface="Times New Roman" panose="02020603050405020304" pitchFamily="18" charset="0"/>
-              </a:rPr>
-              <a:t>;</a:t>
-            </a:r>
-          </a:p>
-          <a:p>
-            <a:pPr marL="0" indent="0" algn="just">
-              <a:buNone/>
-            </a:pPr>
-            <a:r>
-              <a:rPr lang="pt-BR" sz="2400" b="1" dirty="0">
-                <a:solidFill>
-                  <a:schemeClr val="tx1"/>
-                </a:solidFill>
-                <a:latin typeface="Times New Roman" panose="02020603050405020304" pitchFamily="18" charset="0"/>
-                <a:cs typeface="Times New Roman" panose="02020603050405020304" pitchFamily="18" charset="0"/>
-              </a:rPr>
-              <a:t>   </a:t>
-            </a:r>
-            <a:r>
-              <a:rPr lang="pt-BR" sz="2400" b="1" dirty="0" err="1">
-                <a:solidFill>
-                  <a:schemeClr val="tx1"/>
-                </a:solidFill>
-                <a:latin typeface="Times New Roman" panose="02020603050405020304" pitchFamily="18" charset="0"/>
-                <a:cs typeface="Times New Roman" panose="02020603050405020304" pitchFamily="18" charset="0"/>
-              </a:rPr>
-              <a:t>strcpy</a:t>
-            </a:r>
-            <a:r>
-              <a:rPr lang="pt-BR" sz="2400" dirty="0">
-                <a:solidFill>
-                  <a:schemeClr val="tx1"/>
-                </a:solidFill>
-                <a:latin typeface="Times New Roman" panose="02020603050405020304" pitchFamily="18" charset="0"/>
-                <a:cs typeface="Times New Roman" panose="02020603050405020304" pitchFamily="18" charset="0"/>
-              </a:rPr>
-              <a:t>(</a:t>
-            </a:r>
-            <a:r>
-              <a:rPr lang="pt-BR" sz="2400" b="1" dirty="0" err="1">
-                <a:solidFill>
-                  <a:srgbClr val="FF0000"/>
-                </a:solidFill>
-                <a:latin typeface="Times New Roman" panose="02020603050405020304" pitchFamily="18" charset="0"/>
-                <a:cs typeface="Times New Roman" panose="02020603050405020304" pitchFamily="18" charset="0"/>
-              </a:rPr>
-              <a:t>umCliente</a:t>
-            </a:r>
-            <a:r>
-              <a:rPr lang="pt-BR" sz="2400" dirty="0" err="1">
-                <a:solidFill>
-                  <a:schemeClr val="tx1"/>
-                </a:solidFill>
-                <a:latin typeface="Times New Roman" panose="02020603050405020304" pitchFamily="18" charset="0"/>
-                <a:cs typeface="Times New Roman" panose="02020603050405020304" pitchFamily="18" charset="0"/>
-              </a:rPr>
-              <a:t>.</a:t>
-            </a:r>
-            <a:r>
-              <a:rPr lang="pt-BR" sz="2400" b="1" dirty="0" err="1">
-                <a:solidFill>
-                  <a:schemeClr val="tx1"/>
-                </a:solidFill>
-                <a:latin typeface="Times New Roman" panose="02020603050405020304" pitchFamily="18" charset="0"/>
-                <a:cs typeface="Times New Roman" panose="02020603050405020304" pitchFamily="18" charset="0"/>
-              </a:rPr>
-              <a:t>nome</a:t>
-            </a:r>
-            <a:r>
-              <a:rPr lang="pt-BR" sz="2400" dirty="0">
-                <a:solidFill>
-                  <a:schemeClr val="tx1"/>
-                </a:solidFill>
-                <a:latin typeface="Times New Roman" panose="02020603050405020304" pitchFamily="18" charset="0"/>
-                <a:cs typeface="Times New Roman" panose="02020603050405020304" pitchFamily="18" charset="0"/>
-              </a:rPr>
-              <a:t>, "Fulano“);</a:t>
-            </a:r>
-          </a:p>
-          <a:p>
-            <a:pPr marL="0" indent="0" algn="just">
-              <a:buNone/>
-            </a:pPr>
-            <a:r>
-              <a:rPr lang="pt-BR" sz="2400" b="1" dirty="0">
-                <a:solidFill>
-                  <a:schemeClr val="tx1"/>
-                </a:solidFill>
-                <a:latin typeface="Times New Roman" panose="02020603050405020304" pitchFamily="18" charset="0"/>
-                <a:cs typeface="Times New Roman" panose="02020603050405020304" pitchFamily="18" charset="0"/>
-              </a:rPr>
-              <a:t>   </a:t>
-            </a:r>
-            <a:r>
-              <a:rPr lang="pt-BR" sz="2400" b="1" dirty="0" err="1">
-                <a:solidFill>
-                  <a:schemeClr val="tx1"/>
-                </a:solidFill>
-                <a:latin typeface="Times New Roman" panose="02020603050405020304" pitchFamily="18" charset="0"/>
-                <a:cs typeface="Times New Roman" panose="02020603050405020304" pitchFamily="18" charset="0"/>
-              </a:rPr>
-              <a:t>strcpy</a:t>
-            </a:r>
-            <a:r>
-              <a:rPr lang="pt-BR" sz="2400" dirty="0">
-                <a:solidFill>
-                  <a:schemeClr val="tx1"/>
-                </a:solidFill>
-                <a:latin typeface="Times New Roman" panose="02020603050405020304" pitchFamily="18" charset="0"/>
-                <a:cs typeface="Times New Roman" panose="02020603050405020304" pitchFamily="18" charset="0"/>
-              </a:rPr>
-              <a:t>(</a:t>
-            </a:r>
-            <a:r>
-              <a:rPr lang="pt-BR" sz="2400" b="1" dirty="0" err="1">
-                <a:solidFill>
-                  <a:srgbClr val="FF0000"/>
-                </a:solidFill>
-                <a:latin typeface="Times New Roman" panose="02020603050405020304" pitchFamily="18" charset="0"/>
-                <a:cs typeface="Times New Roman" panose="02020603050405020304" pitchFamily="18" charset="0"/>
-              </a:rPr>
-              <a:t>umCliente</a:t>
-            </a:r>
-            <a:r>
-              <a:rPr lang="pt-BR" sz="2400" dirty="0" err="1">
-                <a:solidFill>
-                  <a:schemeClr val="tx1"/>
-                </a:solidFill>
-                <a:latin typeface="Times New Roman" panose="02020603050405020304" pitchFamily="18" charset="0"/>
-                <a:cs typeface="Times New Roman" panose="02020603050405020304" pitchFamily="18" charset="0"/>
-              </a:rPr>
-              <a:t>.</a:t>
-            </a:r>
-            <a:r>
-              <a:rPr lang="pt-BR" sz="2400" b="1" dirty="0" err="1">
-                <a:solidFill>
-                  <a:schemeClr val="tx1"/>
-                </a:solidFill>
-                <a:latin typeface="Times New Roman" panose="02020603050405020304" pitchFamily="18" charset="0"/>
-                <a:cs typeface="Times New Roman" panose="02020603050405020304" pitchFamily="18" charset="0"/>
-              </a:rPr>
-              <a:t>cpf</a:t>
-            </a:r>
-            <a:r>
-              <a:rPr lang="pt-BR" sz="2400" dirty="0">
-                <a:solidFill>
-                  <a:schemeClr val="tx1"/>
-                </a:solidFill>
-                <a:latin typeface="Times New Roman" panose="02020603050405020304" pitchFamily="18" charset="0"/>
-                <a:cs typeface="Times New Roman" panose="02020603050405020304" pitchFamily="18" charset="0"/>
-              </a:rPr>
-              <a:t>, "01234567890“);</a:t>
-            </a:r>
-          </a:p>
-          <a:p>
-            <a:pPr marL="0" indent="0" algn="just">
-              <a:buNone/>
-            </a:pPr>
-            <a:r>
-              <a:rPr lang="pt-BR" sz="2400" b="1" dirty="0">
-                <a:solidFill>
-                  <a:srgbClr val="FF0000"/>
-                </a:solidFill>
-                <a:latin typeface="Times New Roman" panose="02020603050405020304" pitchFamily="18" charset="0"/>
-                <a:cs typeface="Times New Roman" panose="02020603050405020304" pitchFamily="18" charset="0"/>
-              </a:rPr>
-              <a:t>   </a:t>
-            </a:r>
-            <a:r>
-              <a:rPr lang="pt-BR" sz="2400" b="1" dirty="0" err="1">
-                <a:solidFill>
-                  <a:srgbClr val="FF0000"/>
-                </a:solidFill>
-                <a:latin typeface="Times New Roman" panose="02020603050405020304" pitchFamily="18" charset="0"/>
-                <a:cs typeface="Times New Roman" panose="02020603050405020304" pitchFamily="18" charset="0"/>
-              </a:rPr>
-              <a:t>umCliente</a:t>
-            </a:r>
-            <a:r>
-              <a:rPr lang="pt-BR" sz="2400" dirty="0" err="1">
-                <a:solidFill>
-                  <a:schemeClr val="tx1"/>
-                </a:solidFill>
-                <a:latin typeface="Times New Roman" panose="02020603050405020304" pitchFamily="18" charset="0"/>
-                <a:cs typeface="Times New Roman" panose="02020603050405020304" pitchFamily="18" charset="0"/>
-              </a:rPr>
-              <a:t>.</a:t>
-            </a:r>
-            <a:r>
-              <a:rPr lang="pt-BR" sz="2400" b="1" dirty="0" err="1">
-                <a:solidFill>
-                  <a:schemeClr val="tx1"/>
-                </a:solidFill>
-                <a:latin typeface="Times New Roman" panose="02020603050405020304" pitchFamily="18" charset="0"/>
-                <a:cs typeface="Times New Roman" panose="02020603050405020304" pitchFamily="18" charset="0"/>
-              </a:rPr>
-              <a:t>limite</a:t>
-            </a:r>
-            <a:r>
-              <a:rPr lang="pt-BR" sz="2400" dirty="0">
-                <a:solidFill>
-                  <a:schemeClr val="tx1"/>
-                </a:solidFill>
-                <a:latin typeface="Times New Roman" panose="02020603050405020304" pitchFamily="18" charset="0"/>
-                <a:cs typeface="Times New Roman" panose="02020603050405020304" pitchFamily="18" charset="0"/>
-              </a:rPr>
-              <a:t> = 5000.0;</a:t>
-            </a:r>
-          </a:p>
-          <a:p>
-            <a:pPr marL="0" indent="0" algn="just">
-              <a:buNone/>
-            </a:pPr>
-            <a:r>
-              <a:rPr lang="pt-BR" sz="2400" b="1" dirty="0">
-                <a:solidFill>
-                  <a:srgbClr val="FF0000"/>
-                </a:solidFill>
-                <a:latin typeface="Times New Roman" panose="02020603050405020304" pitchFamily="18" charset="0"/>
-                <a:cs typeface="Times New Roman" panose="02020603050405020304" pitchFamily="18" charset="0"/>
-              </a:rPr>
-              <a:t>   </a:t>
-            </a:r>
-            <a:r>
-              <a:rPr lang="pt-BR" sz="2400" b="1" dirty="0" err="1">
-                <a:solidFill>
-                  <a:srgbClr val="FF0000"/>
-                </a:solidFill>
-                <a:latin typeface="Times New Roman" panose="02020603050405020304" pitchFamily="18" charset="0"/>
-                <a:cs typeface="Times New Roman" panose="02020603050405020304" pitchFamily="18" charset="0"/>
-              </a:rPr>
-              <a:t>umCliente</a:t>
-            </a:r>
-            <a:r>
-              <a:rPr lang="pt-BR" sz="2400" dirty="0" err="1">
-                <a:solidFill>
-                  <a:schemeClr val="tx1"/>
-                </a:solidFill>
-                <a:latin typeface="Times New Roman" panose="02020603050405020304" pitchFamily="18" charset="0"/>
-                <a:cs typeface="Times New Roman" panose="02020603050405020304" pitchFamily="18" charset="0"/>
-              </a:rPr>
-              <a:t>.</a:t>
-            </a:r>
-            <a:r>
-              <a:rPr lang="pt-BR" sz="2400" b="1" dirty="0" err="1">
-                <a:solidFill>
-                  <a:schemeClr val="tx1"/>
-                </a:solidFill>
-                <a:latin typeface="Times New Roman" panose="02020603050405020304" pitchFamily="18" charset="0"/>
-                <a:cs typeface="Times New Roman" panose="02020603050405020304" pitchFamily="18" charset="0"/>
-              </a:rPr>
-              <a:t>compras</a:t>
-            </a:r>
-            <a:r>
-              <a:rPr lang="pt-BR" sz="2400" dirty="0">
-                <a:solidFill>
-                  <a:schemeClr val="tx1"/>
-                </a:solidFill>
-                <a:latin typeface="Times New Roman" panose="02020603050405020304" pitchFamily="18" charset="0"/>
-                <a:cs typeface="Times New Roman" panose="02020603050405020304" pitchFamily="18" charset="0"/>
-              </a:rPr>
-              <a:t> = 0;</a:t>
-            </a:r>
-          </a:p>
-          <a:p>
-            <a:pPr marL="0" indent="0" algn="just">
-              <a:buNone/>
-            </a:pPr>
-            <a:r>
-              <a:rPr lang="pt-BR" sz="2400" dirty="0">
-                <a:solidFill>
-                  <a:schemeClr val="tx1"/>
-                </a:solidFill>
-                <a:latin typeface="Times New Roman" panose="02020603050405020304" pitchFamily="18" charset="0"/>
-                <a:cs typeface="Times New Roman" panose="02020603050405020304" pitchFamily="18" charset="0"/>
-              </a:rPr>
-              <a:t>}</a:t>
-            </a:r>
-            <a:endParaRPr lang="pt-BR" sz="2400" dirty="0"/>
-          </a:p>
-        </p:txBody>
-      </p:sp>
-    </p:spTree>
-    <p:extLst>
-      <p:ext uri="{BB962C8B-B14F-4D97-AF65-F5344CB8AC3E}">
-        <p14:creationId xmlns:p14="http://schemas.microsoft.com/office/powerpoint/2010/main" val="671563937"/>
-      </p:ext>
-    </p:extLst>
-  </p:cSld>
-  <p:clrMapOvr>
-    <a:masterClrMapping/>
-  </p:clrMapOvr>
-  <p:transition spd="med"/>
-</p:sld>
-</file>
-
 <file path=ppt/slides/slide12.xml><?xml version="1.0" encoding="utf-8"?>
 <p:sld xmlns:a="http://schemas.openxmlformats.org/drawingml/2006/main" xmlns:r="http://schemas.openxmlformats.org/officeDocument/2006/relationships" xmlns:p="http://schemas.openxmlformats.org/presentationml/2006/main">
   <p:cSld>
@@ -7706,24 +7223,7 @@
                 <a:latin typeface="Times New Roman" panose="02020603050405020304" pitchFamily="18" charset="0"/>
                 <a:cs typeface="Times New Roman" panose="02020603050405020304" pitchFamily="18" charset="0"/>
               </a:rPr>
-              <a:t>Registro (Exemplo: </a:t>
-            </a:r>
-            <a:r>
-              <a:rPr lang="pt-BR" sz="2400" b="1" dirty="0">
-                <a:latin typeface="Times New Roman" panose="02020603050405020304" pitchFamily="18" charset="0"/>
-                <a:cs typeface="Times New Roman" panose="02020603050405020304" pitchFamily="18" charset="0"/>
-              </a:rPr>
-              <a:t>Python</a:t>
-            </a:r>
-            <a:r>
-              <a:rPr lang="pt-BR" sz="2400" b="1" dirty="0">
-                <a:solidFill>
-                  <a:srgbClr val="FF0000"/>
-                </a:solidFill>
-                <a:latin typeface="Times New Roman" panose="02020603050405020304" pitchFamily="18" charset="0"/>
-                <a:cs typeface="Times New Roman" panose="02020603050405020304" pitchFamily="18" charset="0"/>
-              </a:rPr>
-              <a:t>)</a:t>
+              <a:t>Registro (Exemplo: linguagem C)</a:t>
             </a:r>
             <a:endParaRPr lang="pt-BR" sz="2400" dirty="0">
               <a:solidFill>
@@ -7776,8 +7276,8 @@
         </p:nvSpPr>
         <p:spPr>
           <a:xfrm>
-            <a:off x="186182" y="1730007"/>
-            <a:ext cx="8206255" cy="2308324"/>
+            <a:off x="638827" y="1648389"/>
+            <a:ext cx="3181611" cy="3046988"/>
           </a:xfrm>
           <a:prstGeom prst="rect">
             <a:avLst/>
@@ -7790,208 +7290,764 @@
           </a:bodyPr>
           <a:lstStyle/>
           <a:p>
+            <a:pPr marL="0" indent="0" algn="just">
+              <a:buNone/>
+            </a:pPr>
+            <a:r>
+              <a:rPr lang="pt-BR" sz="2400" dirty="0">
+                <a:solidFill>
+                  <a:schemeClr val="tx1"/>
+                </a:solidFill>
+                <a:latin typeface="Times New Roman" panose="02020603050405020304" pitchFamily="18" charset="0"/>
+                <a:cs typeface="Times New Roman" panose="02020603050405020304" pitchFamily="18" charset="0"/>
+              </a:rPr>
+              <a:t>#</a:t>
+            </a:r>
+            <a:r>
+              <a:rPr lang="pt-BR" sz="2400" b="1" dirty="0">
+                <a:solidFill>
+                  <a:schemeClr val="tx1"/>
+                </a:solidFill>
+                <a:latin typeface="Times New Roman" panose="02020603050405020304" pitchFamily="18" charset="0"/>
+                <a:cs typeface="Times New Roman" panose="02020603050405020304" pitchFamily="18" charset="0"/>
+              </a:rPr>
+              <a:t>include</a:t>
+            </a:r>
+            <a:r>
+              <a:rPr lang="pt-BR" sz="2400" dirty="0">
+                <a:solidFill>
+                  <a:schemeClr val="tx1"/>
+                </a:solidFill>
+                <a:latin typeface="Times New Roman" panose="02020603050405020304" pitchFamily="18" charset="0"/>
+                <a:cs typeface="Times New Roman" panose="02020603050405020304" pitchFamily="18" charset="0"/>
+              </a:rPr>
+              <a:t> &lt;</a:t>
+            </a:r>
             <a:r>
               <a:rPr lang="pt-BR" sz="2400" b="1" dirty="0" err="1">
-                <a:latin typeface="Arial" panose="020B0604020202020204" pitchFamily="34" charset="0"/>
-                <a:cs typeface="Arial" panose="020B0604020202020204" pitchFamily="34" charset="0"/>
-              </a:rPr>
-              <a:t>import</a:t>
-            </a:r>
-            <a:r>
-              <a:rPr lang="pt-BR" sz="2400" b="1" dirty="0">
-                <a:latin typeface="Arial" panose="020B0604020202020204" pitchFamily="34" charset="0"/>
-                <a:cs typeface="Arial" panose="020B0604020202020204" pitchFamily="34" charset="0"/>
-              </a:rPr>
-              <a:t> </a:t>
-            </a:r>
-            <a:r>
-              <a:rPr lang="pt-BR" sz="2400" b="1" dirty="0" err="1">
                 <a:solidFill>
                   <a:srgbClr val="FF0000"/>
                 </a:solidFill>
-                <a:latin typeface="Arial" panose="020B0604020202020204" pitchFamily="34" charset="0"/>
-                <a:cs typeface="Arial" panose="020B0604020202020204" pitchFamily="34" charset="0"/>
-              </a:rPr>
-              <a:t>struct</a:t>
+                <a:latin typeface="Times New Roman" panose="02020603050405020304" pitchFamily="18" charset="0"/>
+                <a:cs typeface="Times New Roman" panose="02020603050405020304" pitchFamily="18" charset="0"/>
+              </a:rPr>
+              <a:t>iostream</a:t>
+            </a:r>
+            <a:r>
+              <a:rPr lang="pt-BR" sz="2400" dirty="0">
+                <a:solidFill>
+                  <a:schemeClr val="tx1"/>
+                </a:solidFill>
+                <a:latin typeface="Times New Roman" panose="02020603050405020304" pitchFamily="18" charset="0"/>
+                <a:cs typeface="Times New Roman" panose="02020603050405020304" pitchFamily="18" charset="0"/>
+              </a:rPr>
+              <a:t>&gt;	</a:t>
             </a:r>
             <a:endParaRPr lang="pt-BR" sz="2400" b="1" dirty="0">
               <a:solidFill>
                 <a:srgbClr val="FF0000"/>
               </a:solidFill>
-              <a:latin typeface="Arial" panose="020B0604020202020204" pitchFamily="34" charset="0"/>
-              <a:cs typeface="Arial" panose="020B0604020202020204" pitchFamily="34" charset="0"/>
+              <a:latin typeface="Times New Roman" panose="02020603050405020304" pitchFamily="18" charset="0"/>
+              <a:cs typeface="Times New Roman" panose="02020603050405020304" pitchFamily="18" charset="0"/>
             </a:endParaRPr>
           </a:p>
           <a:p>
+            <a:pPr marL="0" indent="0" algn="just">
+              <a:buNone/>
+            </a:pPr>
+            <a:r>
+              <a:rPr lang="pt-BR" sz="2400" b="1" dirty="0" err="1">
+                <a:solidFill>
+                  <a:schemeClr val="tx1"/>
+                </a:solidFill>
+                <a:latin typeface="Times New Roman" panose="02020603050405020304" pitchFamily="18" charset="0"/>
+                <a:cs typeface="Times New Roman" panose="02020603050405020304" pitchFamily="18" charset="0"/>
+              </a:rPr>
+              <a:t>using</a:t>
+            </a:r>
+            <a:r>
+              <a:rPr lang="pt-BR" sz="2400" dirty="0">
+                <a:solidFill>
+                  <a:schemeClr val="tx1"/>
+                </a:solidFill>
+                <a:latin typeface="Times New Roman" panose="02020603050405020304" pitchFamily="18" charset="0"/>
+                <a:cs typeface="Times New Roman" panose="02020603050405020304" pitchFamily="18" charset="0"/>
+              </a:rPr>
+              <a:t> </a:t>
+            </a:r>
+            <a:r>
+              <a:rPr lang="pt-BR" sz="2400" b="1" dirty="0" err="1">
+                <a:solidFill>
+                  <a:srgbClr val="FF0000"/>
+                </a:solidFill>
+                <a:latin typeface="Times New Roman" panose="02020603050405020304" pitchFamily="18" charset="0"/>
+                <a:cs typeface="Times New Roman" panose="02020603050405020304" pitchFamily="18" charset="0"/>
+              </a:rPr>
+              <a:t>namespace</a:t>
+            </a:r>
+            <a:r>
+              <a:rPr lang="pt-BR" sz="2400" dirty="0">
+                <a:solidFill>
+                  <a:schemeClr val="tx1"/>
+                </a:solidFill>
+                <a:latin typeface="Times New Roman" panose="02020603050405020304" pitchFamily="18" charset="0"/>
+                <a:cs typeface="Times New Roman" panose="02020603050405020304" pitchFamily="18" charset="0"/>
+              </a:rPr>
+              <a:t> </a:t>
+            </a:r>
+            <a:r>
+              <a:rPr lang="pt-BR" sz="2400" dirty="0" err="1">
+                <a:solidFill>
+                  <a:schemeClr val="tx1"/>
+                </a:solidFill>
+                <a:latin typeface="Times New Roman" panose="02020603050405020304" pitchFamily="18" charset="0"/>
+                <a:cs typeface="Times New Roman" panose="02020603050405020304" pitchFamily="18" charset="0"/>
+              </a:rPr>
+              <a:t>std</a:t>
+            </a:r>
+            <a:r>
+              <a:rPr lang="pt-BR" sz="2400" dirty="0">
+                <a:solidFill>
+                  <a:schemeClr val="tx1"/>
+                </a:solidFill>
+                <a:latin typeface="Times New Roman" panose="02020603050405020304" pitchFamily="18" charset="0"/>
+                <a:cs typeface="Times New Roman" panose="02020603050405020304" pitchFamily="18" charset="0"/>
+              </a:rPr>
+              <a:t>;</a:t>
+            </a:r>
+          </a:p>
+          <a:p>
+            <a:pPr marL="0" indent="0" algn="just">
+              <a:buNone/>
+            </a:pPr>
+            <a:r>
+              <a:rPr lang="pt-BR" sz="2400" b="1" dirty="0" err="1">
+                <a:solidFill>
+                  <a:schemeClr val="tx1"/>
+                </a:solidFill>
+                <a:latin typeface="Times New Roman" panose="02020603050405020304" pitchFamily="18" charset="0"/>
+                <a:cs typeface="Times New Roman" panose="02020603050405020304" pitchFamily="18" charset="0"/>
+              </a:rPr>
+              <a:t>struct</a:t>
+            </a:r>
+            <a:r>
+              <a:rPr lang="pt-BR" sz="2400" dirty="0">
+                <a:solidFill>
+                  <a:schemeClr val="tx1"/>
+                </a:solidFill>
+                <a:latin typeface="Times New Roman" panose="02020603050405020304" pitchFamily="18" charset="0"/>
+                <a:cs typeface="Times New Roman" panose="02020603050405020304" pitchFamily="18" charset="0"/>
+              </a:rPr>
+              <a:t> </a:t>
+            </a:r>
             <a:r>
               <a:rPr lang="pt-BR" sz="2400" b="1" dirty="0">
                 <a:solidFill>
                   <a:srgbClr val="FF0000"/>
                 </a:solidFill>
-                <a:latin typeface="Arial" panose="020B0604020202020204" pitchFamily="34" charset="0"/>
-                <a:cs typeface="Arial" panose="020B0604020202020204" pitchFamily="34" charset="0"/>
-              </a:rPr>
-              <a:t>Cliente = (‘80s I I 11s f I')</a:t>
-            </a:r>
-          </a:p>
-          <a:p>
+                <a:latin typeface="Times New Roman" panose="02020603050405020304" pitchFamily="18" charset="0"/>
+                <a:cs typeface="Times New Roman" panose="02020603050405020304" pitchFamily="18" charset="0"/>
+              </a:rPr>
+              <a:t>Cliente</a:t>
+            </a:r>
+            <a:r>
+              <a:rPr lang="pt-BR" sz="2400" dirty="0">
+                <a:solidFill>
+                  <a:schemeClr val="tx1"/>
+                </a:solidFill>
+                <a:latin typeface="Times New Roman" panose="02020603050405020304" pitchFamily="18" charset="0"/>
+                <a:cs typeface="Times New Roman" panose="02020603050405020304" pitchFamily="18" charset="0"/>
+              </a:rPr>
+              <a:t> {</a:t>
+            </a:r>
+          </a:p>
+          <a:p>
+            <a:pPr marL="0" indent="0" algn="just">
+              <a:buNone/>
+            </a:pPr>
+            <a:r>
+              <a:rPr lang="pt-BR" sz="2400" dirty="0">
+                <a:solidFill>
+                  <a:schemeClr val="tx1"/>
+                </a:solidFill>
+                <a:latin typeface="Times New Roman" panose="02020603050405020304" pitchFamily="18" charset="0"/>
+                <a:cs typeface="Times New Roman" panose="02020603050405020304" pitchFamily="18" charset="0"/>
+              </a:rPr>
+              <a:t>	</a:t>
+            </a:r>
+            <a:r>
+              <a:rPr lang="pt-BR" sz="2400" b="1" dirty="0">
+                <a:solidFill>
+                  <a:schemeClr val="tx1"/>
+                </a:solidFill>
+                <a:latin typeface="Times New Roman" panose="02020603050405020304" pitchFamily="18" charset="0"/>
+                <a:cs typeface="Times New Roman" panose="02020603050405020304" pitchFamily="18" charset="0"/>
+              </a:rPr>
+              <a:t>char</a:t>
+            </a:r>
+            <a:r>
+              <a:rPr lang="pt-BR" sz="2400" dirty="0">
+                <a:solidFill>
+                  <a:schemeClr val="tx1"/>
+                </a:solidFill>
+                <a:latin typeface="Times New Roman" panose="02020603050405020304" pitchFamily="18" charset="0"/>
+                <a:cs typeface="Times New Roman" panose="02020603050405020304" pitchFamily="18" charset="0"/>
+              </a:rPr>
+              <a:t> nome[200];</a:t>
+            </a:r>
+          </a:p>
+          <a:p>
+            <a:pPr marL="0" indent="0" algn="just">
+              <a:buNone/>
+            </a:pPr>
+            <a:r>
+              <a:rPr lang="pt-BR" sz="2400" dirty="0">
+                <a:solidFill>
+                  <a:schemeClr val="tx1"/>
+                </a:solidFill>
+                <a:latin typeface="Times New Roman" panose="02020603050405020304" pitchFamily="18" charset="0"/>
+                <a:cs typeface="Times New Roman" panose="02020603050405020304" pitchFamily="18" charset="0"/>
+              </a:rPr>
+              <a:t>	</a:t>
+            </a:r>
+            <a:r>
+              <a:rPr lang="pt-BR" sz="2400" b="1" dirty="0">
+                <a:solidFill>
+                  <a:schemeClr val="tx1"/>
+                </a:solidFill>
+                <a:latin typeface="Times New Roman" panose="02020603050405020304" pitchFamily="18" charset="0"/>
+                <a:cs typeface="Times New Roman" panose="02020603050405020304" pitchFamily="18" charset="0"/>
+              </a:rPr>
+              <a:t>char</a:t>
+            </a:r>
+            <a:r>
+              <a:rPr lang="pt-BR" sz="2400" dirty="0">
+                <a:solidFill>
+                  <a:schemeClr val="tx1"/>
+                </a:solidFill>
+                <a:latin typeface="Times New Roman" panose="02020603050405020304" pitchFamily="18" charset="0"/>
+                <a:cs typeface="Times New Roman" panose="02020603050405020304" pitchFamily="18" charset="0"/>
+              </a:rPr>
+              <a:t> </a:t>
+            </a:r>
             <a:r>
               <a:rPr lang="pt-BR" sz="2400" dirty="0" err="1">
-                <a:latin typeface="Arial" panose="020B0604020202020204" pitchFamily="34" charset="0"/>
-                <a:cs typeface="Arial" panose="020B0604020202020204" pitchFamily="34" charset="0"/>
+                <a:solidFill>
+                  <a:schemeClr val="tx1"/>
+                </a:solidFill>
+                <a:latin typeface="Times New Roman" panose="02020603050405020304" pitchFamily="18" charset="0"/>
+                <a:cs typeface="Times New Roman" panose="02020603050405020304" pitchFamily="18" charset="0"/>
+              </a:rPr>
+              <a:t>cpf</a:t>
+            </a:r>
+            <a:r>
+              <a:rPr lang="pt-BR" sz="2400" dirty="0">
+                <a:solidFill>
+                  <a:schemeClr val="tx1"/>
+                </a:solidFill>
+                <a:latin typeface="Times New Roman" panose="02020603050405020304" pitchFamily="18" charset="0"/>
+                <a:cs typeface="Times New Roman" panose="02020603050405020304" pitchFamily="18" charset="0"/>
+              </a:rPr>
+              <a:t>[11];</a:t>
+            </a:r>
+          </a:p>
+          <a:p>
+            <a:pPr marL="0" indent="0" algn="just">
+              <a:buNone/>
+            </a:pPr>
+            <a:r>
+              <a:rPr lang="pt-BR" sz="2400" dirty="0">
+                <a:solidFill>
+                  <a:schemeClr val="tx1"/>
+                </a:solidFill>
+                <a:latin typeface="Times New Roman" panose="02020603050405020304" pitchFamily="18" charset="0"/>
+                <a:cs typeface="Times New Roman" panose="02020603050405020304" pitchFamily="18" charset="0"/>
+              </a:rPr>
+              <a:t>	</a:t>
+            </a:r>
+            <a:r>
+              <a:rPr lang="pt-BR" sz="2400" b="1" dirty="0" err="1">
+                <a:solidFill>
+                  <a:schemeClr val="tx1"/>
+                </a:solidFill>
+                <a:latin typeface="Times New Roman" panose="02020603050405020304" pitchFamily="18" charset="0"/>
+                <a:cs typeface="Times New Roman" panose="02020603050405020304" pitchFamily="18" charset="0"/>
+              </a:rPr>
+              <a:t>float</a:t>
+            </a:r>
+            <a:r>
+              <a:rPr lang="pt-BR" sz="2400" dirty="0">
+                <a:solidFill>
+                  <a:schemeClr val="tx1"/>
+                </a:solidFill>
+                <a:latin typeface="Times New Roman" panose="02020603050405020304" pitchFamily="18" charset="0"/>
+                <a:cs typeface="Times New Roman" panose="02020603050405020304" pitchFamily="18" charset="0"/>
+              </a:rPr>
+              <a:t> limite;</a:t>
+            </a:r>
+          </a:p>
+          <a:p>
+            <a:pPr marL="0" indent="0" algn="just">
+              <a:buNone/>
+            </a:pPr>
+            <a:r>
+              <a:rPr lang="pt-BR" sz="2400" dirty="0">
+                <a:solidFill>
+                  <a:schemeClr val="tx1"/>
+                </a:solidFill>
+                <a:latin typeface="Times New Roman" panose="02020603050405020304" pitchFamily="18" charset="0"/>
+                <a:cs typeface="Times New Roman" panose="02020603050405020304" pitchFamily="18" charset="0"/>
+              </a:rPr>
+              <a:t>	</a:t>
+            </a:r>
+            <a:r>
+              <a:rPr lang="pt-BR" sz="2400" b="1" dirty="0" err="1">
+                <a:solidFill>
+                  <a:schemeClr val="tx1"/>
+                </a:solidFill>
+                <a:latin typeface="Times New Roman" panose="02020603050405020304" pitchFamily="18" charset="0"/>
+                <a:cs typeface="Times New Roman" panose="02020603050405020304" pitchFamily="18" charset="0"/>
+              </a:rPr>
+              <a:t>int</a:t>
+            </a:r>
+            <a:r>
+              <a:rPr lang="pt-BR" sz="2400" dirty="0">
+                <a:solidFill>
+                  <a:schemeClr val="tx1"/>
+                </a:solidFill>
+                <a:latin typeface="Times New Roman" panose="02020603050405020304" pitchFamily="18" charset="0"/>
+                <a:cs typeface="Times New Roman" panose="02020603050405020304" pitchFamily="18" charset="0"/>
+              </a:rPr>
+              <a:t> compras;</a:t>
+            </a:r>
+          </a:p>
+          <a:p>
+            <a:pPr marL="0" indent="0" algn="just">
+              <a:buNone/>
+            </a:pPr>
+            <a:r>
+              <a:rPr lang="pt-BR" sz="2400" dirty="0">
+                <a:solidFill>
+                  <a:schemeClr val="tx1"/>
+                </a:solidFill>
+                <a:latin typeface="Times New Roman" panose="02020603050405020304" pitchFamily="18" charset="0"/>
+                <a:cs typeface="Times New Roman" panose="02020603050405020304" pitchFamily="18" charset="0"/>
+              </a:rPr>
+              <a:t>};</a:t>
+            </a:r>
+            <a:endParaRPr lang="pt-BR" sz="2400" dirty="0"/>
+          </a:p>
+        </p:txBody>
+      </p:sp>
+      <p:sp>
+        <p:nvSpPr>
+          <p:cNvPr id="7" name="CaixaDeTexto 6">
+            <a:extLst>
+              <a:ext uri="{FF2B5EF4-FFF2-40B4-BE49-F238E27FC236}">
+                <a16:creationId xmlns:a16="http://schemas.microsoft.com/office/drawing/2014/main" id="{E4852F60-C492-4ADE-A7A1-83433CCBD955}"/>
+              </a:ext>
+            </a:extLst>
+          </p:cNvPr>
+          <p:cNvSpPr txBox="1"/>
+          <p:nvPr/>
+        </p:nvSpPr>
+        <p:spPr>
+          <a:xfrm>
+            <a:off x="3494762" y="1628888"/>
+            <a:ext cx="5513159" cy="2677656"/>
+          </a:xfrm>
+          <a:prstGeom prst="rect">
+            <a:avLst/>
+          </a:prstGeom>
+          <a:noFill/>
+        </p:spPr>
+        <p:txBody>
+          <a:bodyPr wrap="square" rtlCol="0">
+            <a:spAutoFit/>
+          </a:bodyPr>
+          <a:lstStyle/>
+          <a:p>
+            <a:pPr marL="0" indent="0" algn="just">
+              <a:buNone/>
+            </a:pPr>
+            <a:r>
+              <a:rPr lang="pt-BR" sz="2400" b="1" dirty="0" err="1">
+                <a:solidFill>
+                  <a:schemeClr val="tx1"/>
+                </a:solidFill>
+                <a:latin typeface="Times New Roman" panose="02020603050405020304" pitchFamily="18" charset="0"/>
+                <a:cs typeface="Times New Roman" panose="02020603050405020304" pitchFamily="18" charset="0"/>
+              </a:rPr>
+              <a:t>int</a:t>
+            </a:r>
+            <a:r>
+              <a:rPr lang="pt-BR" sz="2400" dirty="0">
+                <a:solidFill>
+                  <a:schemeClr val="tx1"/>
+                </a:solidFill>
+                <a:latin typeface="Times New Roman" panose="02020603050405020304" pitchFamily="18" charset="0"/>
+                <a:cs typeface="Times New Roman" panose="02020603050405020304" pitchFamily="18" charset="0"/>
+              </a:rPr>
+              <a:t> </a:t>
+            </a:r>
+            <a:r>
+              <a:rPr lang="pt-BR" sz="2400" dirty="0" err="1">
+                <a:solidFill>
+                  <a:schemeClr val="tx1"/>
+                </a:solidFill>
+                <a:latin typeface="Times New Roman" panose="02020603050405020304" pitchFamily="18" charset="0"/>
+                <a:cs typeface="Times New Roman" panose="02020603050405020304" pitchFamily="18" charset="0"/>
+              </a:rPr>
+              <a:t>main</a:t>
+            </a:r>
+            <a:r>
+              <a:rPr lang="pt-BR" sz="2400" dirty="0">
+                <a:solidFill>
+                  <a:schemeClr val="tx1"/>
+                </a:solidFill>
+                <a:latin typeface="Times New Roman" panose="02020603050405020304" pitchFamily="18" charset="0"/>
+                <a:cs typeface="Times New Roman" panose="02020603050405020304" pitchFamily="18" charset="0"/>
+              </a:rPr>
+              <a:t>() {</a:t>
+            </a:r>
+          </a:p>
+          <a:p>
+            <a:pPr marL="0" indent="0" algn="just">
+              <a:buNone/>
+            </a:pPr>
+            <a:r>
+              <a:rPr lang="pt-BR" sz="2400" b="1" dirty="0">
+                <a:solidFill>
+                  <a:schemeClr val="tx1"/>
+                </a:solidFill>
+                <a:latin typeface="Times New Roman" panose="02020603050405020304" pitchFamily="18" charset="0"/>
+                <a:cs typeface="Times New Roman" panose="02020603050405020304" pitchFamily="18" charset="0"/>
+              </a:rPr>
+              <a:t>   </a:t>
+            </a:r>
+            <a:r>
+              <a:rPr lang="pt-BR" sz="2400" b="1" dirty="0" err="1">
+                <a:solidFill>
+                  <a:schemeClr val="tx1"/>
+                </a:solidFill>
+                <a:latin typeface="Times New Roman" panose="02020603050405020304" pitchFamily="18" charset="0"/>
+                <a:cs typeface="Times New Roman" panose="02020603050405020304" pitchFamily="18" charset="0"/>
+              </a:rPr>
+              <a:t>struct</a:t>
+            </a:r>
+            <a:r>
+              <a:rPr lang="pt-BR" sz="2400" dirty="0">
+                <a:solidFill>
+                  <a:schemeClr val="tx1"/>
+                </a:solidFill>
+                <a:latin typeface="Times New Roman" panose="02020603050405020304" pitchFamily="18" charset="0"/>
+                <a:cs typeface="Times New Roman" panose="02020603050405020304" pitchFamily="18" charset="0"/>
+              </a:rPr>
+              <a:t> Cliente </a:t>
+            </a:r>
+            <a:r>
+              <a:rPr lang="pt-BR" sz="2400" b="1" dirty="0" err="1">
+                <a:solidFill>
+                  <a:srgbClr val="FF0000"/>
+                </a:solidFill>
+                <a:latin typeface="Times New Roman" panose="02020603050405020304" pitchFamily="18" charset="0"/>
+                <a:cs typeface="Times New Roman" panose="02020603050405020304" pitchFamily="18" charset="0"/>
               </a:rPr>
               <a:t>umCliente</a:t>
             </a:r>
             <a:r>
               <a:rPr lang="pt-BR" sz="2400" dirty="0">
-                <a:latin typeface="Arial" panose="020B0604020202020204" pitchFamily="34" charset="0"/>
-                <a:cs typeface="Arial" panose="020B0604020202020204" pitchFamily="34" charset="0"/>
-              </a:rPr>
-              <a:t> = </a:t>
+                <a:solidFill>
+                  <a:schemeClr val="tx1"/>
+                </a:solidFill>
+                <a:latin typeface="Times New Roman" panose="02020603050405020304" pitchFamily="18" charset="0"/>
+                <a:cs typeface="Times New Roman" panose="02020603050405020304" pitchFamily="18" charset="0"/>
+              </a:rPr>
+              <a:t>;</a:t>
+            </a:r>
+          </a:p>
+          <a:p>
+            <a:pPr marL="0" indent="0" algn="just">
+              <a:buNone/>
+            </a:pPr>
+            <a:r>
+              <a:rPr lang="pt-BR" sz="2400" b="1" dirty="0">
+                <a:solidFill>
+                  <a:schemeClr val="tx1"/>
+                </a:solidFill>
+                <a:latin typeface="Times New Roman" panose="02020603050405020304" pitchFamily="18" charset="0"/>
+                <a:cs typeface="Times New Roman" panose="02020603050405020304" pitchFamily="18" charset="0"/>
+              </a:rPr>
+              <a:t>   </a:t>
             </a:r>
             <a:r>
               <a:rPr lang="pt-BR" sz="2400" b="1" dirty="0" err="1">
                 <a:solidFill>
+                  <a:schemeClr val="tx1"/>
+                </a:solidFill>
+                <a:latin typeface="Times New Roman" panose="02020603050405020304" pitchFamily="18" charset="0"/>
+                <a:cs typeface="Times New Roman" panose="02020603050405020304" pitchFamily="18" charset="0"/>
+              </a:rPr>
+              <a:t>strcpy</a:t>
+            </a:r>
+            <a:r>
+              <a:rPr lang="pt-BR" sz="2400" dirty="0">
+                <a:solidFill>
+                  <a:schemeClr val="tx1"/>
+                </a:solidFill>
+                <a:latin typeface="Times New Roman" panose="02020603050405020304" pitchFamily="18" charset="0"/>
+                <a:cs typeface="Times New Roman" panose="02020603050405020304" pitchFamily="18" charset="0"/>
+              </a:rPr>
+              <a:t>(</a:t>
+            </a:r>
+            <a:r>
+              <a:rPr lang="pt-BR" sz="2400" b="1" dirty="0" err="1">
+                <a:solidFill>
                   <a:srgbClr val="FF0000"/>
                 </a:solidFill>
-                <a:latin typeface="Arial" panose="020B0604020202020204" pitchFamily="34" charset="0"/>
-                <a:cs typeface="Arial" panose="020B0604020202020204" pitchFamily="34" charset="0"/>
-              </a:rPr>
-              <a:t>struct</a:t>
+                <a:latin typeface="Times New Roman" panose="02020603050405020304" pitchFamily="18" charset="0"/>
+                <a:cs typeface="Times New Roman" panose="02020603050405020304" pitchFamily="18" charset="0"/>
+              </a:rPr>
+              <a:t>umCliente</a:t>
             </a:r>
             <a:r>
               <a:rPr lang="pt-BR" sz="2400" dirty="0" err="1">
-                <a:latin typeface="Arial" panose="020B0604020202020204" pitchFamily="34" charset="0"/>
-                <a:cs typeface="Arial" panose="020B0604020202020204" pitchFamily="34" charset="0"/>
+                <a:solidFill>
+                  <a:schemeClr val="tx1"/>
+                </a:solidFill>
+                <a:latin typeface="Times New Roman" panose="02020603050405020304" pitchFamily="18" charset="0"/>
+                <a:cs typeface="Times New Roman" panose="02020603050405020304" pitchFamily="18" charset="0"/>
               </a:rPr>
               <a:t>.</a:t>
             </a:r>
             <a:r>
               <a:rPr lang="pt-BR" sz="2400" b="1" dirty="0" err="1">
-                <a:latin typeface="Arial" panose="020B0604020202020204" pitchFamily="34" charset="0"/>
-                <a:cs typeface="Arial" panose="020B0604020202020204" pitchFamily="34" charset="0"/>
-              </a:rPr>
-              <a:t>pack</a:t>
+                <a:solidFill>
+                  <a:schemeClr val="tx1"/>
+                </a:solidFill>
+                <a:latin typeface="Times New Roman" panose="02020603050405020304" pitchFamily="18" charset="0"/>
+                <a:cs typeface="Times New Roman" panose="02020603050405020304" pitchFamily="18" charset="0"/>
+              </a:rPr>
+              <a:t>nome</a:t>
             </a:r>
             <a:r>
               <a:rPr lang="pt-BR" sz="2400" dirty="0">
-                <a:latin typeface="Arial" panose="020B0604020202020204" pitchFamily="34" charset="0"/>
-                <a:cs typeface="Arial" panose="020B0604020202020204" pitchFamily="34" charset="0"/>
-              </a:rPr>
-              <a:t>(Cliente, </a:t>
+                <a:solidFill>
+                  <a:schemeClr val="tx1"/>
+                </a:solidFill>
+                <a:latin typeface="Times New Roman" panose="02020603050405020304" pitchFamily="18" charset="0"/>
+                <a:cs typeface="Times New Roman" panose="02020603050405020304" pitchFamily="18" charset="0"/>
+              </a:rPr>
+              <a:t>, "Fulano“);</a:t>
+            </a:r>
+          </a:p>
+          <a:p>
+            <a:pPr marL="0" indent="0" algn="just">
+              <a:buNone/>
+            </a:pPr>
+            <a:r>
+              <a:rPr lang="pt-BR" sz="2400" b="1" dirty="0">
+                <a:solidFill>
+                  <a:schemeClr val="tx1"/>
+                </a:solidFill>
+                <a:latin typeface="Times New Roman" panose="02020603050405020304" pitchFamily="18" charset="0"/>
+                <a:cs typeface="Times New Roman" panose="02020603050405020304" pitchFamily="18" charset="0"/>
+              </a:rPr>
+              <a:t>   </a:t>
+            </a:r>
+            <a:r>
+              <a:rPr lang="pt-BR" sz="2400" b="1" dirty="0" err="1">
+                <a:solidFill>
+                  <a:schemeClr val="tx1"/>
+                </a:solidFill>
+                <a:latin typeface="Times New Roman" panose="02020603050405020304" pitchFamily="18" charset="0"/>
+                <a:cs typeface="Times New Roman" panose="02020603050405020304" pitchFamily="18" charset="0"/>
+              </a:rPr>
+              <a:t>strcpy</a:t>
+            </a:r>
+            <a:r>
+              <a:rPr lang="pt-BR" sz="2400" dirty="0">
+                <a:solidFill>
+                  <a:schemeClr val="tx1"/>
+                </a:solidFill>
+                <a:latin typeface="Times New Roman" panose="02020603050405020304" pitchFamily="18" charset="0"/>
+                <a:cs typeface="Times New Roman" panose="02020603050405020304" pitchFamily="18" charset="0"/>
+              </a:rPr>
+              <a:t>(</a:t>
+            </a:r>
+            <a:r>
+              <a:rPr lang="pt-BR" sz="2400" b="1" dirty="0" err="1">
+                <a:solidFill>
+                  <a:srgbClr val="FF0000"/>
+                </a:solidFill>
+                <a:latin typeface="Times New Roman" panose="02020603050405020304" pitchFamily="18" charset="0"/>
+                <a:cs typeface="Times New Roman" panose="02020603050405020304" pitchFamily="18" charset="0"/>
+              </a:rPr>
+              <a:t>umCliente</a:t>
             </a:r>
             <a:r>
               <a:rPr lang="pt-BR" sz="2400" dirty="0" err="1">
-                <a:latin typeface="Arial" panose="020B0604020202020204" pitchFamily="34" charset="0"/>
-                <a:cs typeface="Arial" panose="020B0604020202020204" pitchFamily="34" charset="0"/>
-              </a:rPr>
-              <a:t>b"Fulano</a:t>
+                <a:solidFill>
+                  <a:schemeClr val="tx1"/>
+                </a:solidFill>
+                <a:latin typeface="Times New Roman" panose="02020603050405020304" pitchFamily="18" charset="0"/>
+                <a:cs typeface="Times New Roman" panose="02020603050405020304" pitchFamily="18" charset="0"/>
+              </a:rPr>
+              <a:t>.</a:t>
+            </a:r>
+            <a:r>
+              <a:rPr lang="pt-BR" sz="2400" b="1" dirty="0" err="1">
+                <a:solidFill>
+                  <a:schemeClr val="tx1"/>
+                </a:solidFill>
+                <a:latin typeface="Times New Roman" panose="02020603050405020304" pitchFamily="18" charset="0"/>
+                <a:cs typeface="Times New Roman" panose="02020603050405020304" pitchFamily="18" charset="0"/>
+              </a:rPr>
+              <a:t>cpf</a:t>
             </a:r>
             <a:r>
               <a:rPr lang="pt-BR" sz="2400" dirty="0">
-                <a:latin typeface="Arial" panose="020B0604020202020204" pitchFamily="34" charset="0"/>
-                <a:cs typeface="Arial" panose="020B0604020202020204" pitchFamily="34" charset="0"/>
-              </a:rPr>
-              <a:t>", 0, 2, b’123456789001, 5000.00, 3)</a:t>
-            </a:r>
-          </a:p>
-          <a:p>
+                <a:solidFill>
+                  <a:schemeClr val="tx1"/>
+                </a:solidFill>
+                <a:latin typeface="Times New Roman" panose="02020603050405020304" pitchFamily="18" charset="0"/>
+                <a:cs typeface="Times New Roman" panose="02020603050405020304" pitchFamily="18" charset="0"/>
+              </a:rPr>
+              <a:t>, "01234567890“);</a:t>
+            </a:r>
+          </a:p>
+          <a:p>
+            <a:pPr marL="0" indent="0" algn="just">
+              <a:buNone/>
+            </a:pPr>
             <a:r>
               <a:rPr lang="pt-BR" sz="2400" b="1" dirty="0">
-                <a:latin typeface="Arial" panose="020B0604020202020204" pitchFamily="34" charset="0"/>
-                <a:cs typeface="Arial" panose="020B0604020202020204" pitchFamily="34" charset="0"/>
-              </a:rPr>
-              <a:t>print</a:t>
+                <a:solidFill>
+                  <a:srgbClr val="FF0000"/>
+                </a:solidFill>
+                <a:latin typeface="Times New Roman" panose="02020603050405020304" pitchFamily="18" charset="0"/>
+                <a:cs typeface="Times New Roman" panose="02020603050405020304" pitchFamily="18" charset="0"/>
+              </a:rPr>
+              <a:t>   </a:t>
+            </a:r>
+            <a:r>
+              <a:rPr lang="pt-BR" sz="2400" b="1" dirty="0" err="1">
+                <a:solidFill>
+                  <a:srgbClr val="FF0000"/>
+                </a:solidFill>
+                <a:latin typeface="Times New Roman" panose="02020603050405020304" pitchFamily="18" charset="0"/>
+                <a:cs typeface="Times New Roman" panose="02020603050405020304" pitchFamily="18" charset="0"/>
+              </a:rPr>
+              <a:t>umCliente</a:t>
+            </a:r>
+            <a:r>
+              <a:rPr lang="pt-BR" sz="2400" dirty="0" err="1">
+                <a:solidFill>
+                  <a:schemeClr val="tx1"/>
+                </a:solidFill>
+                <a:latin typeface="Times New Roman" panose="02020603050405020304" pitchFamily="18" charset="0"/>
+                <a:cs typeface="Times New Roman" panose="02020603050405020304" pitchFamily="18" charset="0"/>
+              </a:rPr>
+              <a:t>.</a:t>
+            </a:r>
+            <a:r>
+              <a:rPr lang="pt-BR" sz="2400" b="1" dirty="0" err="1">
+                <a:solidFill>
+                  <a:schemeClr val="tx1"/>
+                </a:solidFill>
+                <a:latin typeface="Times New Roman" panose="02020603050405020304" pitchFamily="18" charset="0"/>
+                <a:cs typeface="Times New Roman" panose="02020603050405020304" pitchFamily="18" charset="0"/>
+              </a:rPr>
+              <a:t>limite</a:t>
             </a:r>
             <a:r>
               <a:rPr lang="pt-BR" sz="2400" dirty="0">
-                <a:latin typeface="Arial" panose="020B0604020202020204" pitchFamily="34" charset="0"/>
-                <a:cs typeface="Arial" panose="020B0604020202020204" pitchFamily="34" charset="0"/>
-              </a:rPr>
-              <a:t>(</a:t>
+                <a:solidFill>
+                  <a:schemeClr val="tx1"/>
+                </a:solidFill>
+                <a:latin typeface="Times New Roman" panose="02020603050405020304" pitchFamily="18" charset="0"/>
+                <a:cs typeface="Times New Roman" panose="02020603050405020304" pitchFamily="18" charset="0"/>
+              </a:rPr>
+              <a:t> = 5000.0;</a:t>
+            </a:r>
+          </a:p>
+          <a:p>
+            <a:pPr marL="0" indent="0" algn="just">
+              <a:buNone/>
+            </a:pPr>
+            <a:r>
+              <a:rPr lang="pt-BR" sz="2400" b="1" dirty="0">
+                <a:solidFill>
+                  <a:srgbClr val="FF0000"/>
+                </a:solidFill>
+                <a:latin typeface="Times New Roman" panose="02020603050405020304" pitchFamily="18" charset="0"/>
+                <a:cs typeface="Times New Roman" panose="02020603050405020304" pitchFamily="18" charset="0"/>
+              </a:rPr>
+              <a:t>   </a:t>
+            </a:r>
+            <a:r>
+              <a:rPr lang="pt-BR" sz="2400" b="1" dirty="0" err="1">
+                <a:solidFill>
+                  <a:srgbClr val="FF0000"/>
+                </a:solidFill>
+                <a:latin typeface="Times New Roman" panose="02020603050405020304" pitchFamily="18" charset="0"/>
+                <a:cs typeface="Times New Roman" panose="02020603050405020304" pitchFamily="18" charset="0"/>
+              </a:rPr>
+              <a:t>umCliente</a:t>
             </a:r>
             <a:r>
               <a:rPr lang="pt-BR" sz="2400" dirty="0" err="1">
-                <a:latin typeface="Arial" panose="020B0604020202020204" pitchFamily="34" charset="0"/>
-                <a:cs typeface="Arial" panose="020B0604020202020204" pitchFamily="34" charset="0"/>
-              </a:rPr>
-              <a:t>umCliente</a:t>
+                <a:solidFill>
+                  <a:schemeClr val="tx1"/>
+                </a:solidFill>
+                <a:latin typeface="Times New Roman" panose="02020603050405020304" pitchFamily="18" charset="0"/>
+                <a:cs typeface="Times New Roman" panose="02020603050405020304" pitchFamily="18" charset="0"/>
+              </a:rPr>
+              <a:t>.</a:t>
+            </a:r>
+            <a:r>
+              <a:rPr lang="pt-BR" sz="2400" b="1" dirty="0" err="1">
+                <a:solidFill>
+                  <a:schemeClr val="tx1"/>
+                </a:solidFill>
+                <a:latin typeface="Times New Roman" panose="02020603050405020304" pitchFamily="18" charset="0"/>
+                <a:cs typeface="Times New Roman" panose="02020603050405020304" pitchFamily="18" charset="0"/>
+              </a:rPr>
+              <a:t>compras</a:t>
             </a:r>
             <a:r>
               <a:rPr lang="pt-BR" sz="2400" dirty="0">
-                <a:latin typeface="Arial" panose="020B0604020202020204" pitchFamily="34" charset="0"/>
-                <a:cs typeface="Arial" panose="020B0604020202020204" pitchFamily="34" charset="0"/>
-              </a:rPr>
-              <a:t>)</a:t>
-            </a:r>
-          </a:p>
-          <a:p>
-            <a:r>
-              <a:rPr lang="pt-BR" sz="2400" b="1" dirty="0">
-                <a:latin typeface="Arial" panose="020B0604020202020204" pitchFamily="34" charset="0"/>
-                <a:cs typeface="Arial" panose="020B0604020202020204" pitchFamily="34" charset="0"/>
-              </a:rPr>
-              <a:t>print</a:t>
-            </a:r>
+                <a:solidFill>
+                  <a:schemeClr val="tx1"/>
+                </a:solidFill>
+                <a:latin typeface="Times New Roman" panose="02020603050405020304" pitchFamily="18" charset="0"/>
+                <a:cs typeface="Times New Roman" panose="02020603050405020304" pitchFamily="18" charset="0"/>
+              </a:rPr>
+              <a:t> = 0;</a:t>
+            </a:r>
+          </a:p>
+          <a:p>
+            <a:pPr marL="0" indent="0" algn="just">
+              <a:buNone/>
+            </a:pPr>
             <a:r>
               <a:rPr lang="pt-BR" sz="2400" dirty="0">
-                <a:latin typeface="Arial" panose="020B0604020202020204" pitchFamily="34" charset="0"/>
-                <a:cs typeface="Arial" panose="020B0604020202020204" pitchFamily="34" charset="0"/>
-              </a:rPr>
-              <a:t>(</a:t>
-            </a:r>
-            <a:r>
-              <a:rPr lang="pt-BR" sz="2400" b="1" dirty="0" err="1">
-                <a:solidFill>
-                  <a:srgbClr val="FF0000"/>
-                </a:solidFill>
-                <a:latin typeface="Arial" panose="020B0604020202020204" pitchFamily="34" charset="0"/>
-                <a:cs typeface="Arial" panose="020B0604020202020204" pitchFamily="34" charset="0"/>
-              </a:rPr>
-              <a:t>struct</a:t>
-            </a:r>
-            <a:r>
-              <a:rPr lang="pt-BR" sz="2400" dirty="0" err="1">
-                <a:latin typeface="Arial" panose="020B0604020202020204" pitchFamily="34" charset="0"/>
-                <a:cs typeface="Arial" panose="020B0604020202020204" pitchFamily="34" charset="0"/>
-              </a:rPr>
-              <a:t>.</a:t>
-            </a:r>
-            <a:r>
-              <a:rPr lang="pt-BR" sz="2400" b="1" dirty="0" err="1">
-                <a:latin typeface="Arial" panose="020B0604020202020204" pitchFamily="34" charset="0"/>
-                <a:cs typeface="Arial" panose="020B0604020202020204" pitchFamily="34" charset="0"/>
-              </a:rPr>
-              <a:t>unpack</a:t>
-            </a:r>
-            <a:r>
-              <a:rPr lang="pt-BR" sz="2400" dirty="0">
-                <a:latin typeface="Arial" panose="020B0604020202020204" pitchFamily="34" charset="0"/>
-                <a:cs typeface="Arial" panose="020B0604020202020204" pitchFamily="34" charset="0"/>
-              </a:rPr>
-              <a:t>(Cliente, </a:t>
-            </a:r>
-            <a:r>
-              <a:rPr lang="pt-BR" sz="2400" dirty="0" err="1">
-                <a:latin typeface="Arial" panose="020B0604020202020204" pitchFamily="34" charset="0"/>
-                <a:cs typeface="Arial" panose="020B0604020202020204" pitchFamily="34" charset="0"/>
-              </a:rPr>
-              <a:t>umCliente</a:t>
-            </a:r>
-            <a:r>
-              <a:rPr lang="pt-BR" sz="2400" dirty="0">
-                <a:latin typeface="Arial" panose="020B0604020202020204" pitchFamily="34" charset="0"/>
-                <a:cs typeface="Arial" panose="020B0604020202020204" pitchFamily="34" charset="0"/>
-              </a:rPr>
-              <a:t>))</a:t>
-            </a:r>
+                <a:solidFill>
+                  <a:schemeClr val="tx1"/>
+                </a:solidFill>
+                <a:latin typeface="Times New Roman" panose="02020603050405020304" pitchFamily="18" charset="0"/>
+                <a:cs typeface="Times New Roman" panose="02020603050405020304" pitchFamily="18" charset="0"/>
+              </a:rPr>
+              <a:t>}</a:t>
+            </a:r>
+            <a:endParaRPr lang="pt-BR" sz="2400" dirty="0"/>
           </a:p>
         </p:txBody>
       </p:sp>
     </p:spTree>
     <p:extLst>
       <p:ext uri="{BB962C8B-B14F-4D97-AF65-F5344CB8AC3E}">
-        <p14:creationId xmlns:p14="http://schemas.microsoft.com/office/powerpoint/2010/main" val="1539438958"/>
+        <p14:creationId xmlns:p14="http://schemas.microsoft.com/office/powerpoint/2010/main" val="671563937"/>
       </p:ext>
     </p:extLst>
   </p:cSld>
@@ -8098,154 +8154,295 @@
           </a:bodyPr>
           <a:lstStyle/>
           <a:p>
-            <a:pPr algn="just">
-              <a:buFont typeface="Wingdings" panose="05000000000000000000" pitchFamily="2" charset="2"/>
-              <a:buChar char="§"/>
+            <a:pPr marL="0" indent="0" algn="just">
+              <a:buNone/>
             </a:pPr>
             <a:r>
-              <a:rPr lang="pt-BR" dirty="0">
-                <a:solidFill>
-                  <a:schemeClr val="tx1"/>
-                </a:solidFill>
-                <a:latin typeface="Times New Roman" panose="02020603050405020304" pitchFamily="18" charset="0"/>
-                <a:cs typeface="Times New Roman" panose="02020603050405020304" pitchFamily="18" charset="0"/>
-              </a:rPr>
-              <a:t>Registos em </a:t>
-            </a:r>
-            <a:r>
-              <a:rPr lang="pt-BR" dirty="0" err="1">
-                <a:solidFill>
-                  <a:schemeClr val="tx1"/>
-                </a:solidFill>
-                <a:latin typeface="Times New Roman" panose="02020603050405020304" pitchFamily="18" charset="0"/>
-                <a:cs typeface="Times New Roman" panose="02020603050405020304" pitchFamily="18" charset="0"/>
-              </a:rPr>
-              <a:t>Pyhton</a:t>
-            </a:r>
-            <a:r>
-              <a:rPr lang="pt-BR" dirty="0">
-                <a:solidFill>
-                  <a:schemeClr val="tx1"/>
-                </a:solidFill>
-                <a:latin typeface="Times New Roman" panose="02020603050405020304" pitchFamily="18" charset="0"/>
-                <a:cs typeface="Times New Roman" panose="02020603050405020304" pitchFamily="18" charset="0"/>
-              </a:rPr>
-              <a:t>: sem nomes dos campos</a:t>
-            </a:r>
+              <a:rPr lang="pt-BR" sz="2400" b="1" dirty="0">
+                <a:solidFill>
+                  <a:srgbClr val="FF0000"/>
+                </a:solidFill>
+                <a:latin typeface="Times New Roman" panose="02020603050405020304" pitchFamily="18" charset="0"/>
+                <a:cs typeface="Times New Roman" panose="02020603050405020304" pitchFamily="18" charset="0"/>
+              </a:rPr>
+              <a:t>Registro (Exemplo: </a:t>
+            </a:r>
+            <a:r>
+              <a:rPr lang="pt-BR" sz="2400" b="1" dirty="0">
+                <a:latin typeface="Times New Roman" panose="02020603050405020304" pitchFamily="18" charset="0"/>
+                <a:cs typeface="Times New Roman" panose="02020603050405020304" pitchFamily="18" charset="0"/>
+              </a:rPr>
+              <a:t>Python</a:t>
+            </a:r>
+            <a:r>
+              <a:rPr lang="pt-BR" sz="2400" b="1" dirty="0">
+                <a:solidFill>
+                  <a:srgbClr val="FF0000"/>
+                </a:solidFill>
+                <a:latin typeface="Times New Roman" panose="02020603050405020304" pitchFamily="18" charset="0"/>
+                <a:cs typeface="Times New Roman" panose="02020603050405020304" pitchFamily="18" charset="0"/>
+              </a:rPr>
+              <a:t>)</a:t>
+            </a:r>
+            <a:endParaRPr lang="pt-BR" sz="2400" dirty="0">
+              <a:solidFill>
+                <a:schemeClr val="tx1"/>
+              </a:solidFill>
+              <a:latin typeface="Times New Roman" panose="02020603050405020304" pitchFamily="18" charset="0"/>
+              <a:cs typeface="Times New Roman" panose="02020603050405020304" pitchFamily="18" charset="0"/>
+            </a:endParaRPr>
           </a:p>
           <a:p>
             <a:pPr marL="0" indent="0" algn="just">
               <a:buNone/>
             </a:pPr>
             <a:r>
-              <a:rPr lang="pt-BR" dirty="0">
-                <a:solidFill>
-                  <a:schemeClr val="tx1"/>
-                </a:solidFill>
-                <a:latin typeface="Times New Roman" panose="02020603050405020304" pitchFamily="18" charset="0"/>
-                <a:cs typeface="Times New Roman" panose="02020603050405020304" pitchFamily="18" charset="0"/>
-              </a:rPr>
-              <a:t>– </a:t>
-            </a:r>
-            <a:r>
-              <a:rPr lang="pt-BR" b="1" dirty="0">
-                <a:solidFill>
-                  <a:schemeClr val="tx1"/>
-                </a:solidFill>
-                <a:latin typeface="Times New Roman" panose="02020603050405020304" pitchFamily="18" charset="0"/>
-                <a:cs typeface="Times New Roman" panose="02020603050405020304" pitchFamily="18" charset="0"/>
-              </a:rPr>
-              <a:t>Foco primário</a:t>
-            </a:r>
-            <a:r>
-              <a:rPr lang="pt-BR" dirty="0">
-                <a:solidFill>
-                  <a:schemeClr val="tx1"/>
-                </a:solidFill>
-                <a:latin typeface="Times New Roman" panose="02020603050405020304" pitchFamily="18" charset="0"/>
-                <a:cs typeface="Times New Roman" panose="02020603050405020304" pitchFamily="18" charset="0"/>
-              </a:rPr>
-              <a:t>: trocar dados com C/C++</a:t>
+              <a:rPr lang="pt-BR" sz="2000" dirty="0">
+                <a:solidFill>
+                  <a:schemeClr val="tx1"/>
+                </a:solidFill>
+                <a:latin typeface="Times New Roman" panose="02020603050405020304" pitchFamily="18" charset="0"/>
+                <a:cs typeface="Times New Roman" panose="02020603050405020304" pitchFamily="18" charset="0"/>
+              </a:rPr>
+              <a:t> </a:t>
             </a:r>
           </a:p>
           <a:p>
             <a:pPr marL="0" indent="0" algn="just">
               <a:buNone/>
             </a:pPr>
-            <a:r>
-              <a:rPr lang="pt-BR" dirty="0">
-                <a:solidFill>
-                  <a:schemeClr val="tx1"/>
-                </a:solidFill>
-                <a:latin typeface="Times New Roman" panose="02020603050405020304" pitchFamily="18" charset="0"/>
-                <a:cs typeface="Times New Roman" panose="02020603050405020304" pitchFamily="18" charset="0"/>
-              </a:rPr>
-              <a:t>• Como guardar dados organizados em Python?</a:t>
-            </a:r>
-          </a:p>
-          <a:p>
-            <a:pPr marL="0" indent="0" algn="just">
-              <a:buNone/>
-            </a:pPr>
-            <a:r>
-              <a:rPr lang="pt-BR" dirty="0">
-                <a:solidFill>
-                  <a:schemeClr val="tx1"/>
-                </a:solidFill>
-                <a:latin typeface="Times New Roman" panose="02020603050405020304" pitchFamily="18" charset="0"/>
-                <a:cs typeface="Times New Roman" panose="02020603050405020304" pitchFamily="18" charset="0"/>
-              </a:rPr>
-              <a:t>– </a:t>
-            </a:r>
-            <a:r>
-              <a:rPr lang="pt-BR" b="1" dirty="0">
-                <a:solidFill>
-                  <a:schemeClr val="tx1"/>
-                </a:solidFill>
-                <a:latin typeface="Times New Roman" panose="02020603050405020304" pitchFamily="18" charset="0"/>
-                <a:cs typeface="Times New Roman" panose="02020603050405020304" pitchFamily="18" charset="0"/>
-              </a:rPr>
-              <a:t>Forma mais conveniente</a:t>
-            </a:r>
-            <a:r>
-              <a:rPr lang="pt-BR" dirty="0">
-                <a:solidFill>
-                  <a:schemeClr val="tx1"/>
-                </a:solidFill>
-                <a:latin typeface="Times New Roman" panose="02020603050405020304" pitchFamily="18" charset="0"/>
-                <a:cs typeface="Times New Roman" panose="02020603050405020304" pitchFamily="18" charset="0"/>
-              </a:rPr>
-              <a:t>... </a:t>
-            </a:r>
-            <a:r>
-              <a:rPr lang="pt-BR" b="1" dirty="0" err="1">
+            <a:endParaRPr lang="pt-BR" sz="2000" dirty="0">
+              <a:solidFill>
+                <a:schemeClr val="tx1"/>
+              </a:solidFill>
+              <a:latin typeface="Times New Roman" panose="02020603050405020304" pitchFamily="18" charset="0"/>
+              <a:cs typeface="Times New Roman" panose="02020603050405020304" pitchFamily="18" charset="0"/>
+            </a:endParaRPr>
+          </a:p>
+        </p:txBody>
+      </p:sp>
+      <p:sp>
+        <p:nvSpPr>
+          <p:cNvPr id="3" name="CaixaDeTexto 2">
+            <a:extLst>
+              <a:ext uri="{FF2B5EF4-FFF2-40B4-BE49-F238E27FC236}">
+                <a16:creationId xmlns:a16="http://schemas.microsoft.com/office/drawing/2014/main" id="{6709984F-2047-4B0A-8173-791A8AE310FF}"/>
+              </a:ext>
+            </a:extLst>
+          </p:cNvPr>
+          <p:cNvSpPr txBox="1"/>
+          <p:nvPr/>
+        </p:nvSpPr>
+        <p:spPr>
+          <a:xfrm>
+            <a:off x="186182" y="1730007"/>
+            <a:ext cx="8206255" cy="2308324"/>
+          </a:xfrm>
+          <a:prstGeom prst="rect">
+            <a:avLst/>
+          </a:prstGeom>
+          <a:noFill/>
+        </p:spPr>
+        <p:txBody>
+          <a:bodyPr wrap="square" rtlCol="0">
+            <a:spAutoFit/>
+          </a:bodyPr>
+          <a:lstStyle/>
+          <a:p>
+            <a:r>
+              <a:rPr lang="pt-BR" sz="2400" b="1" dirty="0" err="1">
+                <a:latin typeface="Arial" panose="020B0604020202020204" pitchFamily="34" charset="0"/>
+                <a:cs typeface="Arial" panose="020B0604020202020204" pitchFamily="34" charset="0"/>
+              </a:rPr>
+              <a:t>import</a:t>
+            </a:r>
+            <a:r>
+              <a:rPr lang="pt-BR" sz="2400" b="1" dirty="0">
+                <a:latin typeface="Arial" panose="020B0604020202020204" pitchFamily="34" charset="0"/>
+                <a:cs typeface="Arial" panose="020B0604020202020204" pitchFamily="34" charset="0"/>
+              </a:rPr>
+              <a:t> </a:t>
+            </a:r>
+            <a:r>
+              <a:rPr lang="pt-BR" sz="2400" b="1" dirty="0" err="1">
                 <a:solidFill>
                   <a:srgbClr val="FF0000"/>
                 </a:solidFill>
-                <a:latin typeface="Times New Roman" panose="02020603050405020304" pitchFamily="18" charset="0"/>
-                <a:cs typeface="Times New Roman" panose="02020603050405020304" pitchFamily="18" charset="0"/>
-              </a:rPr>
-              <a:t>Tuplas</a:t>
-            </a:r>
-            <a:r>
-              <a:rPr lang="pt-BR" b="1" dirty="0">
+                <a:latin typeface="Arial" panose="020B0604020202020204" pitchFamily="34" charset="0"/>
+                <a:cs typeface="Arial" panose="020B0604020202020204" pitchFamily="34" charset="0"/>
+              </a:rPr>
+              <a:t>struct</a:t>
+            </a:r>
+            <a:endParaRPr lang="pt-BR" sz="2400" b="1" dirty="0">
+              <a:solidFill>
+                <a:srgbClr val="FF0000"/>
+              </a:solidFill>
+              <a:latin typeface="Arial" panose="020B0604020202020204" pitchFamily="34" charset="0"/>
+              <a:cs typeface="Arial" panose="020B0604020202020204" pitchFamily="34" charset="0"/>
+            </a:endParaRPr>
+          </a:p>
+          <a:p>
+            <a:r>
+              <a:rPr lang="pt-BR" sz="2400" b="1" dirty="0">
                 <a:solidFill>
                   <a:srgbClr val="FF0000"/>
                 </a:solidFill>
-                <a:latin typeface="Times New Roman" panose="02020603050405020304" pitchFamily="18" charset="0"/>
-                <a:cs typeface="Times New Roman" panose="02020603050405020304" pitchFamily="18" charset="0"/>
-              </a:rPr>
-              <a:t> nomeadas</a:t>
-            </a:r>
-            <a:r>
-              <a:rPr lang="pt-BR" dirty="0">
-                <a:solidFill>
-                  <a:schemeClr val="tx1"/>
-                </a:solidFill>
-                <a:latin typeface="Times New Roman" panose="02020603050405020304" pitchFamily="18" charset="0"/>
-                <a:cs typeface="Times New Roman" panose="02020603050405020304" pitchFamily="18" charset="0"/>
+                <a:latin typeface="Arial" panose="020B0604020202020204" pitchFamily="34" charset="0"/>
+                <a:cs typeface="Arial" panose="020B0604020202020204" pitchFamily="34" charset="0"/>
+              </a:rPr>
+              <a:t>Cliente = (‘80s I I 11s f I')</a:t>
+            </a:r>
+          </a:p>
+          <a:p>
+            <a:r>
+              <a:rPr lang="pt-BR" sz="2400" dirty="0" err="1">
+                <a:latin typeface="Arial" panose="020B0604020202020204" pitchFamily="34" charset="0"/>
+                <a:cs typeface="Arial" panose="020B0604020202020204" pitchFamily="34" charset="0"/>
+              </a:rPr>
+              <a:t>umCliente</a:t>
+            </a:r>
+            <a:r>
+              <a:rPr lang="pt-BR" sz="2400" dirty="0">
+                <a:latin typeface="Arial" panose="020B0604020202020204" pitchFamily="34" charset="0"/>
+                <a:cs typeface="Arial" panose="020B0604020202020204" pitchFamily="34" charset="0"/>
+              </a:rPr>
+              <a:t> = </a:t>
+            </a:r>
+            <a:r>
+              <a:rPr lang="pt-BR" sz="2400" b="1" dirty="0" err="1">
+                <a:solidFill>
+                  <a:srgbClr val="FF0000"/>
+                </a:solidFill>
+                <a:latin typeface="Arial" panose="020B0604020202020204" pitchFamily="34" charset="0"/>
+                <a:cs typeface="Arial" panose="020B0604020202020204" pitchFamily="34" charset="0"/>
+              </a:rPr>
+              <a:t>struct</a:t>
+            </a:r>
+            <a:r>
+              <a:rPr lang="pt-BR" sz="2400" dirty="0" err="1">
+                <a:latin typeface="Arial" panose="020B0604020202020204" pitchFamily="34" charset="0"/>
+                <a:cs typeface="Arial" panose="020B0604020202020204" pitchFamily="34" charset="0"/>
               </a:rPr>
               <a:t>.</a:t>
+            </a:r>
+            <a:r>
+              <a:rPr lang="pt-BR" sz="2400" b="1" dirty="0" err="1">
+                <a:latin typeface="Arial" panose="020B0604020202020204" pitchFamily="34" charset="0"/>
+                <a:cs typeface="Arial" panose="020B0604020202020204" pitchFamily="34" charset="0"/>
+              </a:rPr>
+              <a:t>pack</a:t>
+            </a:r>
+            <a:r>
+              <a:rPr lang="pt-BR" sz="2400" dirty="0">
+                <a:latin typeface="Arial" panose="020B0604020202020204" pitchFamily="34" charset="0"/>
+                <a:cs typeface="Arial" panose="020B0604020202020204" pitchFamily="34" charset="0"/>
+              </a:rPr>
+              <a:t>(Cliente, </a:t>
+            </a:r>
+            <a:r>
+              <a:rPr lang="pt-BR" sz="2400" dirty="0" err="1">
+                <a:latin typeface="Arial" panose="020B0604020202020204" pitchFamily="34" charset="0"/>
+                <a:cs typeface="Arial" panose="020B0604020202020204" pitchFamily="34" charset="0"/>
+              </a:rPr>
+              <a:t>b"Fulano</a:t>
+            </a:r>
+            <a:r>
+              <a:rPr lang="pt-BR" sz="2400" dirty="0">
+                <a:latin typeface="Arial" panose="020B0604020202020204" pitchFamily="34" charset="0"/>
+                <a:cs typeface="Arial" panose="020B0604020202020204" pitchFamily="34" charset="0"/>
+              </a:rPr>
+              <a:t>", 0, 2, b’123456789001, 5000.00, 3)</a:t>
+            </a:r>
+          </a:p>
+          <a:p>
+            <a:r>
+              <a:rPr lang="pt-BR" sz="2400" b="1" dirty="0">
+                <a:latin typeface="Arial" panose="020B0604020202020204" pitchFamily="34" charset="0"/>
+                <a:cs typeface="Arial" panose="020B0604020202020204" pitchFamily="34" charset="0"/>
+              </a:rPr>
+              <a:t>print</a:t>
+            </a:r>
+            <a:r>
+              <a:rPr lang="pt-BR" sz="2400" dirty="0">
+                <a:latin typeface="Arial" panose="020B0604020202020204" pitchFamily="34" charset="0"/>
+                <a:cs typeface="Arial" panose="020B0604020202020204" pitchFamily="34" charset="0"/>
+              </a:rPr>
+              <a:t>(</a:t>
+            </a:r>
+            <a:r>
+              <a:rPr lang="pt-BR" sz="2400" dirty="0" err="1">
+                <a:latin typeface="Arial" panose="020B0604020202020204" pitchFamily="34" charset="0"/>
+                <a:cs typeface="Arial" panose="020B0604020202020204" pitchFamily="34" charset="0"/>
+              </a:rPr>
+              <a:t>umCliente</a:t>
+            </a:r>
+            <a:r>
+              <a:rPr lang="pt-BR" sz="2400" dirty="0">
+                <a:latin typeface="Arial" panose="020B0604020202020204" pitchFamily="34" charset="0"/>
+                <a:cs typeface="Arial" panose="020B0604020202020204" pitchFamily="34" charset="0"/>
+              </a:rPr>
+              <a:t>)</a:t>
+            </a:r>
+          </a:p>
+          <a:p>
+            <a:r>
+              <a:rPr lang="pt-BR" sz="2400" b="1" dirty="0">
+                <a:latin typeface="Arial" panose="020B0604020202020204" pitchFamily="34" charset="0"/>
+                <a:cs typeface="Arial" panose="020B0604020202020204" pitchFamily="34" charset="0"/>
+              </a:rPr>
+              <a:t>print</a:t>
+            </a:r>
+            <a:r>
+              <a:rPr lang="pt-BR" sz="2400" dirty="0">
+                <a:latin typeface="Arial" panose="020B0604020202020204" pitchFamily="34" charset="0"/>
+                <a:cs typeface="Arial" panose="020B0604020202020204" pitchFamily="34" charset="0"/>
+              </a:rPr>
+              <a:t>(</a:t>
+            </a:r>
+            <a:r>
+              <a:rPr lang="pt-BR" sz="2400" b="1" dirty="0" err="1">
+                <a:solidFill>
+                  <a:srgbClr val="FF0000"/>
+                </a:solidFill>
+                <a:latin typeface="Arial" panose="020B0604020202020204" pitchFamily="34" charset="0"/>
+                <a:cs typeface="Arial" panose="020B0604020202020204" pitchFamily="34" charset="0"/>
+              </a:rPr>
+              <a:t>struct</a:t>
+            </a:r>
+            <a:r>
+              <a:rPr lang="pt-BR" sz="2400" dirty="0" err="1">
+                <a:latin typeface="Arial" panose="020B0604020202020204" pitchFamily="34" charset="0"/>
+                <a:cs typeface="Arial" panose="020B0604020202020204" pitchFamily="34" charset="0"/>
+              </a:rPr>
+              <a:t>.</a:t>
+            </a:r>
+            <a:r>
+              <a:rPr lang="pt-BR" sz="2400" b="1" dirty="0" err="1">
+                <a:latin typeface="Arial" panose="020B0604020202020204" pitchFamily="34" charset="0"/>
+                <a:cs typeface="Arial" panose="020B0604020202020204" pitchFamily="34" charset="0"/>
+              </a:rPr>
+              <a:t>unpack</a:t>
+            </a:r>
+            <a:r>
+              <a:rPr lang="pt-BR" sz="2400" dirty="0">
+                <a:latin typeface="Arial" panose="020B0604020202020204" pitchFamily="34" charset="0"/>
+                <a:cs typeface="Arial" panose="020B0604020202020204" pitchFamily="34" charset="0"/>
+              </a:rPr>
+              <a:t>(Cliente, </a:t>
+            </a:r>
+            <a:r>
+              <a:rPr lang="pt-BR" sz="2400" dirty="0" err="1">
+                <a:latin typeface="Arial" panose="020B0604020202020204" pitchFamily="34" charset="0"/>
+                <a:cs typeface="Arial" panose="020B0604020202020204" pitchFamily="34" charset="0"/>
+              </a:rPr>
+              <a:t>umCliente</a:t>
+            </a:r>
+            <a:r>
+              <a:rPr lang="pt-BR" sz="2400" dirty="0">
+                <a:latin typeface="Arial" panose="020B0604020202020204" pitchFamily="34" charset="0"/>
+                <a:cs typeface="Arial" panose="020B0604020202020204" pitchFamily="34" charset="0"/>
+              </a:rPr>
+              <a:t>))</a:t>
             </a:r>
           </a:p>
         </p:txBody>
@@ -8253,7 +8450,7 @@
     </p:spTree>
     <p:extLst>
       <p:ext uri="{BB962C8B-B14F-4D97-AF65-F5344CB8AC3E}">
-        <p14:creationId xmlns:p14="http://schemas.microsoft.com/office/powerpoint/2010/main" val="2125755638"/>
+        <p14:creationId xmlns:p14="http://schemas.microsoft.com/office/powerpoint/2010/main" val="1539438958"/>
       </p:ext>
     </p:extLst>
   </p:cSld>
@@ -8304,7 +8501,7 @@
                   <a:srgbClr val="0070C0"/>
                 </a:solidFill>
               </a:rPr>
-              <a:t>Python – </a:t>
+              <a:t>Python – TD </a:t>
             </a:r>
             <a:r>
               <a:rPr lang="en-US" b="1" dirty="0" err="1">
@@ -8312,7 +8509,7 @@
                   <a:srgbClr val="0070C0"/>
                 </a:solidFill>
               </a:rPr>
-              <a:t>TDados</a:t>
+              <a:t>Aglomerados</a:t>
             </a:r>
             <a:r>
               <a:rPr lang="en-US" b="1" dirty="0">
@@ -8328,23 +8525,7 @@
                   <a:srgbClr val="0070C0"/>
                 </a:solidFill>
               </a:rPr>
-              <a:t>Aglomerados</a:t>
-            </a:r>
-            <a:r>
-              <a:rPr lang="en-US" b="1" dirty="0">
-                <a:solidFill>
-                  <a:srgbClr val="0070C0"/>
-                </a:solidFill>
-              </a:rPr>
-              <a:t> </a:t>
-            </a:r>
-            <a:r>
-              <a:rPr lang="en-US" b="1" dirty="0" err="1">
-                <a:solidFill>
-                  <a:srgbClr val="0070C0"/>
-                </a:solidFill>
-              </a:rPr>
-              <a:t>Tuplas</a:t>
+              <a:t>Registros</a:t>
             </a:r>
             <a:endParaRPr lang="en-US" b="1" dirty="0">
               <a:solidFill>
@@ -8381,28 +8562,38 @@
               <a:buChar char="§"/>
             </a:pPr>
             <a:r>
-              <a:rPr lang="pt-BR" sz="3200" b="1" dirty="0">
-                <a:latin typeface="Times New Roman" panose="02020603050405020304" pitchFamily="18" charset="0"/>
-                <a:cs typeface="Times New Roman" panose="02020603050405020304" pitchFamily="18" charset="0"/>
-              </a:rPr>
-              <a:t>Agrupamentos</a:t>
-            </a:r>
-            <a:r>
-              <a:rPr lang="pt-BR" sz="3200" dirty="0">
-                <a:latin typeface="Times New Roman" panose="02020603050405020304" pitchFamily="18" charset="0"/>
-                <a:cs typeface="Times New Roman" panose="02020603050405020304" pitchFamily="18" charset="0"/>
-              </a:rPr>
-              <a:t> de dados </a:t>
-            </a:r>
-            <a:r>
-              <a:rPr lang="pt-BR" sz="3200" b="1" dirty="0">
+              <a:rPr lang="pt-BR" b="1" dirty="0">
                 <a:solidFill>
                   <a:srgbClr val="FF0000"/>
                 </a:solidFill>
                 <a:latin typeface="Times New Roman" panose="02020603050405020304" pitchFamily="18" charset="0"/>
                 <a:cs typeface="Times New Roman" panose="02020603050405020304" pitchFamily="18" charset="0"/>
               </a:rPr>
-              <a:t>não nomeados </a:t>
+              <a:t> Registos </a:t>
+            </a:r>
+            <a:r>
+              <a:rPr lang="pt-BR" b="1" dirty="0">
+                <a:latin typeface="Times New Roman" panose="02020603050405020304" pitchFamily="18" charset="0"/>
+                <a:cs typeface="Times New Roman" panose="02020603050405020304" pitchFamily="18" charset="0"/>
+              </a:rPr>
+              <a:t>em </a:t>
+            </a:r>
+            <a:r>
+              <a:rPr lang="pt-BR" b="1" dirty="0" err="1">
+                <a:latin typeface="Times New Roman" panose="02020603050405020304" pitchFamily="18" charset="0"/>
+                <a:cs typeface="Times New Roman" panose="02020603050405020304" pitchFamily="18" charset="0"/>
+              </a:rPr>
+              <a:t>Pyhton</a:t>
+            </a:r>
+            <a:r>
+              <a:rPr lang="pt-BR" dirty="0">
+                <a:solidFill>
+                  <a:schemeClr val="tx1"/>
+                </a:solidFill>
+                <a:latin typeface="Times New Roman" panose="02020603050405020304" pitchFamily="18" charset="0"/>
+                <a:cs typeface="Times New Roman" panose="02020603050405020304" pitchFamily="18" charset="0"/>
+              </a:rPr>
+              <a:t>: sem nomes dos campos</a:t>
             </a:r>
           </a:p>
           <a:p>
@@ -8410,24 +8601,37 @@
               <a:buNone/>
             </a:pPr>
             <a:r>
-              <a:rPr lang="pt-BR" sz="3200" dirty="0">
-                <a:latin typeface="Times New Roman" panose="02020603050405020304" pitchFamily="18" charset="0"/>
-                <a:cs typeface="Times New Roman" panose="02020603050405020304" pitchFamily="18" charset="0"/>
-              </a:rPr>
-              <a:t>– Existe em Python, F#</a:t>
-            </a:r>
-            <a:r>
-              <a:rPr lang="pt-BR" sz="3200" dirty="0">
-                <a:solidFill>
-                  <a:schemeClr val="tx1"/>
-                </a:solidFill>
-                <a:latin typeface="Times New Roman" panose="02020603050405020304" pitchFamily="18" charset="0"/>
-                <a:cs typeface="Times New Roman" panose="02020603050405020304" pitchFamily="18" charset="0"/>
-              </a:rPr>
-              <a:t> (F Sharp .NET), </a:t>
-            </a:r>
-            <a:r>
-              <a:rPr lang="pt-BR" sz="3200" dirty="0" err="1">
+              <a:rPr lang="pt-BR" dirty="0">
+                <a:solidFill>
+                  <a:schemeClr val="tx1"/>
+                </a:solidFill>
+                <a:latin typeface="Times New Roman" panose="02020603050405020304" pitchFamily="18" charset="0"/>
+                <a:cs typeface="Times New Roman" panose="02020603050405020304" pitchFamily="18" charset="0"/>
+              </a:rPr>
+              <a:t>– </a:t>
+            </a:r>
+            <a:r>
+              <a:rPr lang="pt-BR" b="1" dirty="0">
+                <a:solidFill>
+                  <a:schemeClr val="tx1"/>
+                </a:solidFill>
+                <a:latin typeface="Times New Roman" panose="02020603050405020304" pitchFamily="18" charset="0"/>
+                <a:cs typeface="Times New Roman" panose="02020603050405020304" pitchFamily="18" charset="0"/>
+              </a:rPr>
+              <a:t>Foco primário</a:t>
+            </a:r>
+            <a:r>
+              <a:rPr lang="pt-BR" dirty="0">
+                <a:solidFill>
+                  <a:schemeClr val="tx1"/>
+                </a:solidFill>
+                <a:latin typeface="Times New Roman" panose="02020603050405020304" pitchFamily="18" charset="0"/>
+                <a:cs typeface="Times New Roman" panose="02020603050405020304" pitchFamily="18" charset="0"/>
+              </a:rPr>
+              <a:t>: trocar dados com C/C++, </a:t>
+            </a:r>
+            <a:r>
+              <a:rPr lang="pt-BR" dirty="0" err="1">
                 <a:solidFill>
                   <a:schemeClr val="tx1"/>
                 </a:solidFill>
@@ -8436,90 +8640,7 @@
               </a:rPr>
               <a:t>etc</a:t>
             </a:r>
-            <a:r>
-              <a:rPr lang="pt-BR" sz="3200" dirty="0">
-                <a:latin typeface="Times New Roman" panose="02020603050405020304" pitchFamily="18" charset="0"/>
-                <a:cs typeface="Times New Roman" panose="02020603050405020304" pitchFamily="18" charset="0"/>
-              </a:rPr>
-              <a:t> </a:t>
-            </a:r>
-          </a:p>
-          <a:p>
-            <a:pPr marL="0" indent="0" algn="just">
-              <a:buNone/>
-            </a:pPr>
-            <a:r>
-              <a:rPr lang="pt-BR" sz="3200" dirty="0">
-                <a:latin typeface="Times New Roman" panose="02020603050405020304" pitchFamily="18" charset="0"/>
-                <a:cs typeface="Times New Roman" panose="02020603050405020304" pitchFamily="18" charset="0"/>
-              </a:rPr>
-              <a:t>– É como definir um registro, porém </a:t>
-            </a:r>
-            <a:r>
-              <a:rPr lang="pt-BR" sz="3200" b="1" dirty="0">
-                <a:solidFill>
-                  <a:srgbClr val="FF0000"/>
-                </a:solidFill>
-                <a:latin typeface="Times New Roman" panose="02020603050405020304" pitchFamily="18" charset="0"/>
-                <a:cs typeface="Times New Roman" panose="02020603050405020304" pitchFamily="18" charset="0"/>
-              </a:rPr>
-              <a:t>imutável</a:t>
-            </a:r>
-            <a:r>
-              <a:rPr lang="pt-BR" sz="3200" dirty="0">
-                <a:latin typeface="Times New Roman" panose="02020603050405020304" pitchFamily="18" charset="0"/>
-                <a:cs typeface="Times New Roman" panose="02020603050405020304" pitchFamily="18" charset="0"/>
-              </a:rPr>
-              <a:t> </a:t>
-            </a:r>
-          </a:p>
-          <a:p>
-            <a:pPr algn="just">
-              <a:buFont typeface="Wingdings" panose="05000000000000000000" pitchFamily="2" charset="2"/>
-              <a:buChar char="§"/>
-            </a:pPr>
-            <a:r>
-              <a:rPr lang="pt-BR" sz="3200" dirty="0">
-                <a:latin typeface="Times New Roman" panose="02020603050405020304" pitchFamily="18" charset="0"/>
-                <a:cs typeface="Times New Roman" panose="02020603050405020304" pitchFamily="18" charset="0"/>
-              </a:rPr>
-              <a:t> Em Python são dados separados por vírgulas </a:t>
-            </a:r>
-          </a:p>
-          <a:p>
-            <a:pPr marL="0" indent="0" algn="just">
-              <a:buNone/>
-            </a:pPr>
-            <a:r>
-              <a:rPr lang="pt-BR" sz="3200" dirty="0">
-                <a:latin typeface="Times New Roman" panose="02020603050405020304" pitchFamily="18" charset="0"/>
-                <a:cs typeface="Times New Roman" panose="02020603050405020304" pitchFamily="18" charset="0"/>
-              </a:rPr>
-              <a:t>– Definido por</a:t>
-            </a:r>
-            <a:r>
-              <a:rPr lang="pt-BR" sz="3200" b="1" dirty="0">
-                <a:solidFill>
-                  <a:srgbClr val="FF0000"/>
-                </a:solidFill>
-                <a:latin typeface="Times New Roman" panose="02020603050405020304" pitchFamily="18" charset="0"/>
-                <a:cs typeface="Times New Roman" panose="02020603050405020304" pitchFamily="18" charset="0"/>
-              </a:rPr>
-              <a:t> parênteses</a:t>
-            </a:r>
-            <a:r>
-              <a:rPr lang="pt-BR" sz="3200" dirty="0">
-                <a:latin typeface="Times New Roman" panose="02020603050405020304" pitchFamily="18" charset="0"/>
-                <a:cs typeface="Times New Roman" panose="02020603050405020304" pitchFamily="18" charset="0"/>
-              </a:rPr>
-              <a:t> </a:t>
-            </a:r>
-          </a:p>
-          <a:p>
-            <a:pPr marL="0" indent="0" algn="just">
-              <a:buNone/>
-            </a:pPr>
-            <a:endParaRPr lang="pt-BR" sz="3200" dirty="0">
+            <a:endParaRPr lang="pt-BR" dirty="0">
               <a:solidFill>
                 <a:schemeClr val="tx1"/>
               </a:solidFill>
@@ -8527,12 +8648,92 @@
               <a:cs typeface="Times New Roman" panose="02020603050405020304" pitchFamily="18" charset="0"/>
             </a:endParaRPr>
           </a:p>
+          <a:p>
+            <a:pPr marL="0" indent="0" algn="just">
+              <a:buNone/>
+            </a:pPr>
+            <a:r>
+              <a:rPr lang="pt-BR" dirty="0">
+                <a:solidFill>
+                  <a:schemeClr val="tx1"/>
+                </a:solidFill>
+                <a:latin typeface="Times New Roman" panose="02020603050405020304" pitchFamily="18" charset="0"/>
+                <a:cs typeface="Times New Roman" panose="02020603050405020304" pitchFamily="18" charset="0"/>
+              </a:rPr>
+              <a:t>• Como guardar dados organizados em Python?</a:t>
+            </a:r>
+          </a:p>
+          <a:p>
+            <a:pPr marL="0" indent="0" algn="just">
+              <a:buNone/>
+            </a:pPr>
+            <a:r>
+              <a:rPr lang="pt-BR" dirty="0">
+                <a:solidFill>
+                  <a:schemeClr val="tx1"/>
+                </a:solidFill>
+                <a:latin typeface="Times New Roman" panose="02020603050405020304" pitchFamily="18" charset="0"/>
+                <a:cs typeface="Times New Roman" panose="02020603050405020304" pitchFamily="18" charset="0"/>
+              </a:rPr>
+              <a:t>– </a:t>
+            </a:r>
+            <a:r>
+              <a:rPr lang="pt-BR" b="1" dirty="0">
+                <a:solidFill>
+                  <a:schemeClr val="tx1"/>
+                </a:solidFill>
+                <a:latin typeface="Times New Roman" panose="02020603050405020304" pitchFamily="18" charset="0"/>
+                <a:cs typeface="Times New Roman" panose="02020603050405020304" pitchFamily="18" charset="0"/>
+              </a:rPr>
+              <a:t>Forma mais conveniente</a:t>
+            </a:r>
+            <a:r>
+              <a:rPr lang="pt-BR" dirty="0">
+                <a:solidFill>
+                  <a:schemeClr val="tx1"/>
+                </a:solidFill>
+                <a:latin typeface="Times New Roman" panose="02020603050405020304" pitchFamily="18" charset="0"/>
+                <a:cs typeface="Times New Roman" panose="02020603050405020304" pitchFamily="18" charset="0"/>
+              </a:rPr>
+              <a:t>... </a:t>
+            </a:r>
+            <a:r>
+              <a:rPr lang="pt-BR" b="1" dirty="0" err="1">
+                <a:solidFill>
+                  <a:srgbClr val="FF0000"/>
+                </a:solidFill>
+                <a:latin typeface="Times New Roman" panose="02020603050405020304" pitchFamily="18" charset="0"/>
+                <a:cs typeface="Times New Roman" panose="02020603050405020304" pitchFamily="18" charset="0"/>
+              </a:rPr>
+              <a:t>Tuplas</a:t>
+            </a:r>
+            <a:r>
+              <a:rPr lang="pt-BR" b="1" dirty="0">
+                <a:solidFill>
+                  <a:srgbClr val="FF0000"/>
+                </a:solidFill>
+                <a:latin typeface="Times New Roman" panose="02020603050405020304" pitchFamily="18" charset="0"/>
+                <a:cs typeface="Times New Roman" panose="02020603050405020304" pitchFamily="18" charset="0"/>
+              </a:rPr>
+              <a:t> nomeadas</a:t>
+            </a:r>
+            <a:r>
+              <a:rPr lang="pt-BR" dirty="0">
+                <a:solidFill>
+                  <a:schemeClr val="tx1"/>
+                </a:solidFill>
+                <a:latin typeface="Times New Roman" panose="02020603050405020304" pitchFamily="18" charset="0"/>
+                <a:cs typeface="Times New Roman" panose="02020603050405020304" pitchFamily="18" charset="0"/>
+              </a:rPr>
+              <a:t>.</a:t>
+            </a:r>
+          </a:p>
         </p:txBody>
       </p:sp>
     </p:spTree>
     <p:extLst>
       <p:ext uri="{BB962C8B-B14F-4D97-AF65-F5344CB8AC3E}">
-        <p14:creationId xmlns:p14="http://schemas.microsoft.com/office/powerpoint/2010/main" val="1638486864"/>
+        <p14:creationId xmlns:p14="http://schemas.microsoft.com/office/powerpoint/2010/main" val="2125755638"/>
       </p:ext>
     </p:extLst>
   </p:cSld>
@@ -8655,25 +8856,162 @@
           </a:bodyPr>
           <a:lstStyle/>
           <a:p>
+            <a:pPr algn="just">
+              <a:buFont typeface="Wingdings" panose="05000000000000000000" pitchFamily="2" charset="2"/>
+              <a:buChar char="§"/>
+            </a:pPr>
+            <a:r>
+              <a:rPr lang="pt-BR" sz="3200" b="1" dirty="0">
+                <a:solidFill>
+                  <a:srgbClr val="FF0000"/>
+                </a:solidFill>
+                <a:latin typeface="Times New Roman" panose="02020603050405020304" pitchFamily="18" charset="0"/>
+                <a:cs typeface="Times New Roman" panose="02020603050405020304" pitchFamily="18" charset="0"/>
+              </a:rPr>
+              <a:t> </a:t>
+            </a:r>
+            <a:r>
+              <a:rPr lang="pt-BR" sz="3200" b="1" dirty="0" err="1">
+                <a:solidFill>
+                  <a:srgbClr val="FF0000"/>
+                </a:solidFill>
+                <a:latin typeface="Times New Roman" panose="02020603050405020304" pitchFamily="18" charset="0"/>
+                <a:cs typeface="Times New Roman" panose="02020603050405020304" pitchFamily="18" charset="0"/>
+              </a:rPr>
+              <a:t>Tuplas</a:t>
+            </a:r>
+            <a:r>
+              <a:rPr lang="pt-BR" sz="3200" b="1" dirty="0">
+                <a:latin typeface="Times New Roman" panose="02020603050405020304" pitchFamily="18" charset="0"/>
+                <a:cs typeface="Times New Roman" panose="02020603050405020304" pitchFamily="18" charset="0"/>
+              </a:rPr>
+              <a:t> - Agrupamentos</a:t>
+            </a:r>
+            <a:r>
+              <a:rPr lang="pt-BR" sz="3200" dirty="0">
+                <a:latin typeface="Times New Roman" panose="02020603050405020304" pitchFamily="18" charset="0"/>
+                <a:cs typeface="Times New Roman" panose="02020603050405020304" pitchFamily="18" charset="0"/>
+              </a:rPr>
+              <a:t> de dados </a:t>
+            </a:r>
+            <a:r>
+              <a:rPr lang="pt-BR" sz="3200" b="1" dirty="0">
+                <a:solidFill>
+                  <a:srgbClr val="FF0000"/>
+                </a:solidFill>
+                <a:latin typeface="Times New Roman" panose="02020603050405020304" pitchFamily="18" charset="0"/>
+                <a:cs typeface="Times New Roman" panose="02020603050405020304" pitchFamily="18" charset="0"/>
+              </a:rPr>
+              <a:t>não nomeados </a:t>
+            </a:r>
+          </a:p>
+          <a:p>
             <a:pPr marL="0" indent="0" algn="just">
               <a:buNone/>
             </a:pPr>
             <a:r>
+              <a:rPr lang="pt-BR" sz="3200" dirty="0">
+                <a:latin typeface="Times New Roman" panose="02020603050405020304" pitchFamily="18" charset="0"/>
+                <a:cs typeface="Times New Roman" panose="02020603050405020304" pitchFamily="18" charset="0"/>
+              </a:rPr>
+              <a:t>– Existe em Python, F#</a:t>
+            </a:r>
+            <a:r>
+              <a:rPr lang="pt-BR" sz="3200" dirty="0">
+                <a:solidFill>
+                  <a:schemeClr val="tx1"/>
+                </a:solidFill>
+                <a:latin typeface="Times New Roman" panose="02020603050405020304" pitchFamily="18" charset="0"/>
+                <a:cs typeface="Times New Roman" panose="02020603050405020304" pitchFamily="18" charset="0"/>
+              </a:rPr>
+              <a:t> (F Sharp .NET), </a:t>
+            </a:r>
+            <a:r>
+              <a:rPr lang="pt-BR" sz="3200" dirty="0" err="1">
+                <a:solidFill>
+                  <a:schemeClr val="tx1"/>
+                </a:solidFill>
+                <a:latin typeface="Times New Roman" panose="02020603050405020304" pitchFamily="18" charset="0"/>
+                <a:cs typeface="Times New Roman" panose="02020603050405020304" pitchFamily="18" charset="0"/>
+              </a:rPr>
+              <a:t>etc</a:t>
+            </a:r>
+            <a:r>
+              <a:rPr lang="pt-BR" sz="3200" dirty="0">
+                <a:latin typeface="Times New Roman" panose="02020603050405020304" pitchFamily="18" charset="0"/>
+                <a:cs typeface="Times New Roman" panose="02020603050405020304" pitchFamily="18" charset="0"/>
+              </a:rPr>
+              <a:t> </a:t>
+            </a:r>
+          </a:p>
+          <a:p>
+            <a:pPr marL="0" indent="0" algn="just">
+              <a:buNone/>
+            </a:pPr>
+            <a:r>
+              <a:rPr lang="pt-BR" sz="3200" dirty="0">
+                <a:latin typeface="Times New Roman" panose="02020603050405020304" pitchFamily="18" charset="0"/>
+                <a:cs typeface="Times New Roman" panose="02020603050405020304" pitchFamily="18" charset="0"/>
+              </a:rPr>
+              <a:t>– É como definir um </a:t>
+            </a:r>
+            <a:r>
               <a:rPr lang="pt-BR" sz="3200" b="1" dirty="0">
+                <a:latin typeface="Times New Roman" panose="02020603050405020304" pitchFamily="18" charset="0"/>
+                <a:cs typeface="Times New Roman" panose="02020603050405020304" pitchFamily="18" charset="0"/>
+              </a:rPr>
+              <a:t>registro</a:t>
+            </a:r>
+            <a:r>
+              <a:rPr lang="pt-BR" sz="3200" dirty="0">
+                <a:latin typeface="Times New Roman" panose="02020603050405020304" pitchFamily="18" charset="0"/>
+                <a:cs typeface="Times New Roman" panose="02020603050405020304" pitchFamily="18" charset="0"/>
+              </a:rPr>
+              <a:t>, porém </a:t>
+            </a:r>
+            <a:r>
+              <a:rPr lang="pt-BR" sz="3200" b="1" dirty="0">
                 <a:solidFill>
                   <a:srgbClr val="FF0000"/>
                 </a:solidFill>
                 <a:latin typeface="Times New Roman" panose="02020603050405020304" pitchFamily="18" charset="0"/>
                 <a:cs typeface="Times New Roman" panose="02020603050405020304" pitchFamily="18" charset="0"/>
               </a:rPr>
-              <a:t>Exemplo1</a:t>
+              <a:t>imutável</a:t>
             </a:r>
             <a:r>
               <a:rPr lang="pt-BR" sz="3200" dirty="0">
                 <a:latin typeface="Times New Roman" panose="02020603050405020304" pitchFamily="18" charset="0"/>
                 <a:cs typeface="Times New Roman" panose="02020603050405020304" pitchFamily="18" charset="0"/>
               </a:rPr>
-              <a:t>:</a:t>
+              <a:t> </a:t>
+            </a:r>
+          </a:p>
+          <a:p>
+            <a:pPr algn="just">
+              <a:buFont typeface="Wingdings" panose="05000000000000000000" pitchFamily="2" charset="2"/>
+              <a:buChar char="§"/>
+            </a:pPr>
+            <a:r>
+              <a:rPr lang="pt-BR" sz="3200" dirty="0">
+                <a:latin typeface="Times New Roman" panose="02020603050405020304" pitchFamily="18" charset="0"/>
+                <a:cs typeface="Times New Roman" panose="02020603050405020304" pitchFamily="18" charset="0"/>
+              </a:rPr>
+              <a:t> Em </a:t>
+            </a:r>
+            <a:r>
+              <a:rPr lang="pt-BR" sz="3200" b="1" dirty="0">
+                <a:latin typeface="Times New Roman" panose="02020603050405020304" pitchFamily="18" charset="0"/>
+                <a:cs typeface="Times New Roman" panose="02020603050405020304" pitchFamily="18" charset="0"/>
+              </a:rPr>
+              <a:t>Python</a:t>
+            </a:r>
+            <a:r>
+              <a:rPr lang="pt-BR" sz="3200" dirty="0">
+                <a:latin typeface="Times New Roman" panose="02020603050405020304" pitchFamily="18" charset="0"/>
+                <a:cs typeface="Times New Roman" panose="02020603050405020304" pitchFamily="18" charset="0"/>
+              </a:rPr>
+              <a:t> são dados separados por vírgulas </a:t>
             </a:r>
           </a:p>
           <a:p>
@@ -8681,51 +9019,28 @@
               <a:buNone/>
             </a:pPr>
             <a:r>
-              <a:rPr lang="pt-BR" sz="3200" dirty="0" err="1">
-                <a:latin typeface="Times New Roman" panose="02020603050405020304" pitchFamily="18" charset="0"/>
-                <a:cs typeface="Times New Roman" panose="02020603050405020304" pitchFamily="18" charset="0"/>
-              </a:rPr>
-              <a:t>umaTupla</a:t>
-            </a:r>
-            <a:r>
               <a:rPr lang="pt-BR" sz="3200" dirty="0">
                 <a:latin typeface="Times New Roman" panose="02020603050405020304" pitchFamily="18" charset="0"/>
                 <a:cs typeface="Times New Roman" panose="02020603050405020304" pitchFamily="18" charset="0"/>
               </a:rPr>
-              <a:t> = (15, 9.4, “pera”)</a:t>
-            </a:r>
-          </a:p>
-          <a:p>
-            <a:pPr marL="0" indent="0" algn="just">
-              <a:buNone/>
-            </a:pPr>
+              <a:t>– Definido por</a:t>
+            </a:r>
             <a:r>
               <a:rPr lang="pt-BR" sz="3200" b="1" dirty="0">
-                <a:latin typeface="Times New Roman" panose="02020603050405020304" pitchFamily="18" charset="0"/>
-                <a:cs typeface="Times New Roman" panose="02020603050405020304" pitchFamily="18" charset="0"/>
-              </a:rPr>
-              <a:t>print</a:t>
+                <a:solidFill>
+                  <a:srgbClr val="FF0000"/>
+                </a:solidFill>
+                <a:latin typeface="Times New Roman" panose="02020603050405020304" pitchFamily="18" charset="0"/>
+                <a:cs typeface="Times New Roman" panose="02020603050405020304" pitchFamily="18" charset="0"/>
+              </a:rPr>
+              <a:t> parênteses</a:t>
             </a:r>
             <a:r>
               <a:rPr lang="pt-BR" sz="3200" dirty="0">
                 <a:latin typeface="Times New Roman" panose="02020603050405020304" pitchFamily="18" charset="0"/>
                 <a:cs typeface="Times New Roman" panose="02020603050405020304" pitchFamily="18" charset="0"/>
               </a:rPr>
-              <a:t>(</a:t>
-            </a:r>
-            <a:r>
-              <a:rPr lang="pt-BR" sz="3200" dirty="0" err="1">
-                <a:latin typeface="Times New Roman" panose="02020603050405020304" pitchFamily="18" charset="0"/>
-                <a:cs typeface="Times New Roman" panose="02020603050405020304" pitchFamily="18" charset="0"/>
-              </a:rPr>
-              <a:t>umaTupla</a:t>
-            </a:r>
-            <a:r>
-              <a:rPr lang="pt-BR" sz="3200" dirty="0">
-                <a:latin typeface="Times New Roman" panose="02020603050405020304" pitchFamily="18" charset="0"/>
-                <a:cs typeface="Times New Roman" panose="02020603050405020304" pitchFamily="18" charset="0"/>
-              </a:rPr>
-              <a:t>)</a:t>
+              <a:t> </a:t>
             </a:r>
           </a:p>
           <a:p>
@@ -8733,25 +9048,19 @@
               <a:buNone/>
             </a:pPr>
             <a:endParaRPr lang="pt-BR" sz="3200" dirty="0">
+              <a:solidFill>
+                <a:schemeClr val="tx1"/>
+              </a:solidFill>
               <a:latin typeface="Times New Roman" panose="02020603050405020304" pitchFamily="18" charset="0"/>
               <a:cs typeface="Times New Roman" panose="02020603050405020304" pitchFamily="18" charset="0"/>
             </a:endParaRPr>
           </a:p>
-          <a:p>
-            <a:pPr marL="0" indent="0" algn="just">
-              <a:buNone/>
-            </a:pPr>
-            <a:endParaRPr lang="pt-BR" sz="3200" dirty="0">
-              <a:latin typeface="Times New Roman" panose="02020603050405020304" pitchFamily="18" charset="0"/>
-              <a:cs typeface="Times New Roman" panose="02020603050405020304" pitchFamily="18" charset="0"/>
-            </a:endParaRPr>
-          </a:p>
         </p:txBody>
       </p:sp>
     </p:spTree>
     <p:extLst>
       <p:ext uri="{BB962C8B-B14F-4D97-AF65-F5344CB8AC3E}">
-        <p14:creationId xmlns:p14="http://schemas.microsoft.com/office/powerpoint/2010/main" val="2360510460"/>
+        <p14:creationId xmlns:p14="http://schemas.microsoft.com/office/powerpoint/2010/main" val="1638486864"/>
       </p:ext>
     </p:extLst>
   </p:cSld>
@@ -8878,17 +9187,17 @@
               <a:buNone/>
             </a:pPr>
             <a:r>
-              <a:rPr lang="pt-BR" b="1" dirty="0">
+              <a:rPr lang="pt-BR" sz="3200" b="1" dirty="0">
                 <a:solidFill>
                   <a:srgbClr val="FF0000"/>
                 </a:solidFill>
                 <a:latin typeface="Times New Roman" panose="02020603050405020304" pitchFamily="18" charset="0"/>
                 <a:cs typeface="Times New Roman" panose="02020603050405020304" pitchFamily="18" charset="0"/>
               </a:rPr>
-              <a:t>Exemplo2</a:t>
-            </a:r>
-            <a:r>
-              <a:rPr lang="pt-BR" dirty="0">
+              <a:t>Exemplo1</a:t>
+            </a:r>
+            <a:r>
+              <a:rPr lang="pt-BR" sz="3200" dirty="0">
                 <a:latin typeface="Times New Roman" panose="02020603050405020304" pitchFamily="18" charset="0"/>
                 <a:cs typeface="Times New Roman" panose="02020603050405020304" pitchFamily="18" charset="0"/>
               </a:rPr>
@@ -8900,11 +9209,18 @@
               <a:buNone/>
             </a:pPr>
             <a:r>
-              <a:rPr lang="pt-BR" dirty="0">
-                <a:latin typeface="Times New Roman" panose="02020603050405020304" pitchFamily="18" charset="0"/>
-                <a:cs typeface="Times New Roman" panose="02020603050405020304" pitchFamily="18" charset="0"/>
-              </a:rPr>
-              <a:t>cliente = (“Julia Cardoso", "01234567890", 7000.0, 17)</a:t>
+              <a:rPr lang="pt-BR" sz="3200" dirty="0" err="1">
+                <a:latin typeface="Times New Roman" panose="02020603050405020304" pitchFamily="18" charset="0"/>
+                <a:cs typeface="Times New Roman" panose="02020603050405020304" pitchFamily="18" charset="0"/>
+              </a:rPr>
+              <a:t>umaTupla</a:t>
+            </a:r>
+            <a:r>
+              <a:rPr lang="pt-BR" sz="3200" dirty="0">
+                <a:latin typeface="Times New Roman" panose="02020603050405020304" pitchFamily="18" charset="0"/>
+                <a:cs typeface="Times New Roman" panose="02020603050405020304" pitchFamily="18" charset="0"/>
+              </a:rPr>
+              <a:t> = (15, 9.4, “pera”)</a:t>
             </a:r>
           </a:p>
           <a:p>
@@ -8912,25 +9228,39 @@
               <a:buNone/>
             </a:pPr>
             <a:r>
-              <a:rPr lang="pt-BR" b="1" dirty="0">
+              <a:rPr lang="pt-BR" sz="3200" b="1" dirty="0">
                 <a:latin typeface="Times New Roman" panose="02020603050405020304" pitchFamily="18" charset="0"/>
                 <a:cs typeface="Times New Roman" panose="02020603050405020304" pitchFamily="18" charset="0"/>
               </a:rPr>
               <a:t>print</a:t>
             </a:r>
             <a:r>
-              <a:rPr lang="pt-BR" dirty="0">
-                <a:latin typeface="Times New Roman" panose="02020603050405020304" pitchFamily="18" charset="0"/>
-                <a:cs typeface="Times New Roman" panose="02020603050405020304" pitchFamily="18" charset="0"/>
-              </a:rPr>
-              <a:t> (cliente)</a:t>
+              <a:rPr lang="pt-BR" sz="3200" dirty="0">
+                <a:latin typeface="Times New Roman" panose="02020603050405020304" pitchFamily="18" charset="0"/>
+                <a:cs typeface="Times New Roman" panose="02020603050405020304" pitchFamily="18" charset="0"/>
+              </a:rPr>
+              <a:t>(</a:t>
+            </a:r>
+            <a:r>
+              <a:rPr lang="pt-BR" sz="3200" dirty="0" err="1">
+                <a:latin typeface="Times New Roman" panose="02020603050405020304" pitchFamily="18" charset="0"/>
+                <a:cs typeface="Times New Roman" panose="02020603050405020304" pitchFamily="18" charset="0"/>
+              </a:rPr>
+              <a:t>umaTupla</a:t>
+            </a:r>
+            <a:r>
+              <a:rPr lang="pt-BR" sz="3200" dirty="0">
+                <a:latin typeface="Times New Roman" panose="02020603050405020304" pitchFamily="18" charset="0"/>
+                <a:cs typeface="Times New Roman" panose="02020603050405020304" pitchFamily="18" charset="0"/>
+              </a:rPr>
+              <a:t>)</a:t>
             </a:r>
           </a:p>
           <a:p>
             <a:pPr marL="0" indent="0" algn="just">
               <a:buNone/>
             </a:pPr>
-            <a:endParaRPr lang="pt-BR" dirty="0">
+            <a:endParaRPr lang="pt-BR" sz="3200" dirty="0">
               <a:latin typeface="Times New Roman" panose="02020603050405020304" pitchFamily="18" charset="0"/>
               <a:cs typeface="Times New Roman" panose="02020603050405020304" pitchFamily="18" charset="0"/>
             </a:endParaRPr>
@@ -8939,66 +9269,17 @@
             <a:pPr marL="0" indent="0" algn="just">
               <a:buNone/>
             </a:pPr>
-            <a:r>
-              <a:rPr lang="pt-BR" b="1" dirty="0">
-                <a:latin typeface="Times New Roman" panose="02020603050405020304" pitchFamily="18" charset="0"/>
-                <a:cs typeface="Times New Roman" panose="02020603050405020304" pitchFamily="18" charset="0"/>
-              </a:rPr>
-              <a:t>Nota</a:t>
-            </a:r>
-            <a:r>
-              <a:rPr lang="pt-BR" dirty="0">
-                <a:latin typeface="Times New Roman" panose="02020603050405020304" pitchFamily="18" charset="0"/>
-                <a:cs typeface="Times New Roman" panose="02020603050405020304" pitchFamily="18" charset="0"/>
-              </a:rPr>
-              <a:t>: O acesso é como em </a:t>
-            </a:r>
-            <a:r>
-              <a:rPr lang="pt-BR" b="1" dirty="0">
-                <a:solidFill>
-                  <a:srgbClr val="FF0000"/>
-                </a:solidFill>
-                <a:latin typeface="Times New Roman" panose="02020603050405020304" pitchFamily="18" charset="0"/>
-                <a:cs typeface="Times New Roman" panose="02020603050405020304" pitchFamily="18" charset="0"/>
-              </a:rPr>
-              <a:t>lista (: e ::)</a:t>
-            </a:r>
-          </a:p>
-          <a:p>
-            <a:pPr marL="0" indent="0" algn="just">
-              <a:buNone/>
-            </a:pPr>
-            <a:r>
-              <a:rPr lang="pt-BR" dirty="0">
-                <a:latin typeface="Times New Roman" panose="02020603050405020304" pitchFamily="18" charset="0"/>
-                <a:cs typeface="Times New Roman" panose="02020603050405020304" pitchFamily="18" charset="0"/>
-              </a:rPr>
-              <a:t>	   </a:t>
-            </a:r>
-            <a:r>
-              <a:rPr lang="pt-BR" b="1" dirty="0" err="1">
-                <a:solidFill>
-                  <a:srgbClr val="FF0000"/>
-                </a:solidFill>
-                <a:latin typeface="Times New Roman" panose="02020603050405020304" pitchFamily="18" charset="0"/>
-                <a:cs typeface="Times New Roman" panose="02020603050405020304" pitchFamily="18" charset="0"/>
-              </a:rPr>
-              <a:t>Tupla</a:t>
-            </a:r>
-            <a:r>
-              <a:rPr lang="pt-BR" dirty="0">
-                <a:latin typeface="Times New Roman" panose="02020603050405020304" pitchFamily="18" charset="0"/>
-                <a:cs typeface="Times New Roman" panose="02020603050405020304" pitchFamily="18" charset="0"/>
-              </a:rPr>
-              <a:t>, não podemos mudar um elemento!</a:t>
-            </a:r>
+            <a:endParaRPr lang="pt-BR" sz="3200" dirty="0">
+              <a:latin typeface="Times New Roman" panose="02020603050405020304" pitchFamily="18" charset="0"/>
+              <a:cs typeface="Times New Roman" panose="02020603050405020304" pitchFamily="18" charset="0"/>
+            </a:endParaRPr>
           </a:p>
         </p:txBody>
       </p:sp>
     </p:spTree>
     <p:extLst>
       <p:ext uri="{BB962C8B-B14F-4D97-AF65-F5344CB8AC3E}">
-        <p14:creationId xmlns:p14="http://schemas.microsoft.com/office/powerpoint/2010/main" val="3895288765"/>
+        <p14:creationId xmlns:p14="http://schemas.microsoft.com/office/powerpoint/2010/main" val="2360510460"/>
       </p:ext>
     </p:extLst>
   </p:cSld>
@@ -9125,48 +9406,52 @@
               <a:buNone/>
             </a:pPr>
             <a:r>
+              <a:rPr lang="pt-BR" b="1" dirty="0">
+                <a:solidFill>
+                  <a:srgbClr val="FF0000"/>
+                </a:solidFill>
+                <a:latin typeface="Times New Roman" panose="02020603050405020304" pitchFamily="18" charset="0"/>
+                <a:cs typeface="Times New Roman" panose="02020603050405020304" pitchFamily="18" charset="0"/>
+              </a:rPr>
+              <a:t>Exemplo2</a:t>
+            </a:r>
+            <a:r>
               <a:rPr lang="pt-BR" dirty="0">
                 <a:latin typeface="Times New Roman" panose="02020603050405020304" pitchFamily="18" charset="0"/>
                 <a:cs typeface="Times New Roman" panose="02020603050405020304" pitchFamily="18" charset="0"/>
               </a:rPr>
-              <a:t>cliente[1] = "1234“ # </a:t>
-            </a:r>
-            <a:r>
-              <a:rPr lang="pt-BR" b="1" dirty="0" err="1">
-                <a:solidFill>
-                  <a:srgbClr val="FF0000"/>
-                </a:solidFill>
-                <a:latin typeface="Times New Roman" panose="02020603050405020304" pitchFamily="18" charset="0"/>
-                <a:cs typeface="Times New Roman" panose="02020603050405020304" pitchFamily="18" charset="0"/>
-              </a:rPr>
-              <a:t>Tupla</a:t>
-            </a:r>
+              <a:t>:</a:t>
+            </a:r>
+          </a:p>
+          <a:p>
+            <a:pPr marL="0" indent="0" algn="just">
+              <a:buNone/>
+            </a:pPr>
+            <a:r>
+              <a:rPr lang="pt-BR" dirty="0">
+                <a:latin typeface="Times New Roman" panose="02020603050405020304" pitchFamily="18" charset="0"/>
+                <a:cs typeface="Times New Roman" panose="02020603050405020304" pitchFamily="18" charset="0"/>
+              </a:rPr>
+              <a:t>cliente = (“Julia Cardoso", "01234567890", 7000.0, 17)</a:t>
+            </a:r>
+          </a:p>
+          <a:p>
+            <a:pPr marL="0" indent="0" algn="just">
+              <a:buNone/>
+            </a:pPr>
             <a:r>
               <a:rPr lang="pt-BR" b="1" dirty="0">
-                <a:solidFill>
-                  <a:srgbClr val="FF0000"/>
-                </a:solidFill>
-                <a:latin typeface="Times New Roman" panose="02020603050405020304" pitchFamily="18" charset="0"/>
-                <a:cs typeface="Times New Roman" panose="02020603050405020304" pitchFamily="18" charset="0"/>
-              </a:rPr>
-              <a:t>, </a:t>
-            </a:r>
-            <a:r>
-              <a:rPr lang="pt-BR" b="1" dirty="0" err="1">
-                <a:solidFill>
-                  <a:srgbClr val="FF0000"/>
-                </a:solidFill>
-                <a:latin typeface="Times New Roman" panose="02020603050405020304" pitchFamily="18" charset="0"/>
-                <a:cs typeface="Times New Roman" panose="02020603050405020304" pitchFamily="18" charset="0"/>
-              </a:rPr>
-              <a:t>error</a:t>
+                <a:latin typeface="Times New Roman" panose="02020603050405020304" pitchFamily="18" charset="0"/>
+                <a:cs typeface="Times New Roman" panose="02020603050405020304" pitchFamily="18" charset="0"/>
+              </a:rPr>
+              <a:t>print</a:t>
             </a:r>
             <a:r>
               <a:rPr lang="pt-BR" dirty="0">
                 <a:latin typeface="Times New Roman" panose="02020603050405020304" pitchFamily="18" charset="0"/>
                 <a:cs typeface="Times New Roman" panose="02020603050405020304" pitchFamily="18" charset="0"/>
               </a:rPr>
-              <a:t>, não pode alterar.</a:t>
+              <a:t> (cliente)</a:t>
             </a:r>
           </a:p>
           <a:p>
@@ -9179,19 +9464,44 @@
             </a:endParaRPr>
           </a:p>
           <a:p>
-            <a:pPr algn="just">
-              <a:buFont typeface="Wingdings" panose="05000000000000000000" pitchFamily="2" charset="2"/>
-              <a:buChar char="§"/>
+            <a:pPr marL="0" indent="0" algn="just">
+              <a:buNone/>
             </a:pPr>
             <a:r>
               <a:rPr lang="pt-BR" b="1" dirty="0">
+                <a:latin typeface="Times New Roman" panose="02020603050405020304" pitchFamily="18" charset="0"/>
+                <a:cs typeface="Times New Roman" panose="02020603050405020304" pitchFamily="18" charset="0"/>
+              </a:rPr>
+              <a:t>Nota</a:t>
+            </a:r>
+            <a:r>
+              <a:rPr lang="pt-BR" dirty="0">
+                <a:latin typeface="Times New Roman" panose="02020603050405020304" pitchFamily="18" charset="0"/>
+                <a:cs typeface="Times New Roman" panose="02020603050405020304" pitchFamily="18" charset="0"/>
+              </a:rPr>
+              <a:t>: O acesso é como em </a:t>
+            </a:r>
+            <a:r>
+              <a:rPr lang="pt-BR" b="1" dirty="0">
                 <a:solidFill>
                   <a:srgbClr val="FF0000"/>
                 </a:solidFill>
                 <a:latin typeface="Times New Roman" panose="02020603050405020304" pitchFamily="18" charset="0"/>
                 <a:cs typeface="Times New Roman" panose="02020603050405020304" pitchFamily="18" charset="0"/>
               </a:rPr>
-              <a:t>Apagando uma </a:t>
+              <a:t>lista (: e ::)</a:t>
+            </a:r>
+          </a:p>
+          <a:p>
+            <a:pPr marL="0" indent="0" algn="just">
+              <a:buNone/>
+            </a:pPr>
+            <a:r>
+              <a:rPr lang="pt-BR" dirty="0">
+                <a:latin typeface="Times New Roman" panose="02020603050405020304" pitchFamily="18" charset="0"/>
+                <a:cs typeface="Times New Roman" panose="02020603050405020304" pitchFamily="18" charset="0"/>
+              </a:rPr>
+              <a:t>	   </a:t>
             </a:r>
             <a:r>
               <a:rPr lang="pt-BR" b="1" dirty="0" err="1">
@@ -9203,75 +9513,12 @@
               </a:rPr>
               <a:t>Tupla</a:t>
             </a:r>
-            <a:endParaRPr lang="pt-BR" b="1" dirty="0">
-              <a:solidFill>
-                <a:srgbClr val="FF0000"/>
-              </a:solidFill>
-              <a:latin typeface="Times New Roman" panose="02020603050405020304" pitchFamily="18" charset="0"/>
-              <a:cs typeface="Times New Roman" panose="02020603050405020304" pitchFamily="18" charset="0"/>
-            </a:endParaRPr>
-          </a:p>
-          <a:p>
-            <a:pPr marL="0" indent="0" algn="just">
-              <a:buNone/>
-            </a:pPr>
-            <a:r>
-              <a:rPr lang="pt-BR" b="1" dirty="0" err="1">
-                <a:latin typeface="Times New Roman" panose="02020603050405020304" pitchFamily="18" charset="0"/>
-                <a:cs typeface="Times New Roman" panose="02020603050405020304" pitchFamily="18" charset="0"/>
-              </a:rPr>
-              <a:t>del</a:t>
-            </a:r>
             <a:r>
               <a:rPr lang="pt-BR" dirty="0">
                 <a:latin typeface="Times New Roman" panose="02020603050405020304" pitchFamily="18" charset="0"/>
                 <a:cs typeface="Times New Roman" panose="02020603050405020304" pitchFamily="18" charset="0"/>
               </a:rPr>
-              <a:t> </a:t>
-            </a:r>
-            <a:r>
-              <a:rPr lang="pt-BR" dirty="0" err="1">
-                <a:latin typeface="Times New Roman" panose="02020603050405020304" pitchFamily="18" charset="0"/>
-                <a:cs typeface="Times New Roman" panose="02020603050405020304" pitchFamily="18" charset="0"/>
-              </a:rPr>
-              <a:t>Tupla</a:t>
-            </a:r>
-            <a:endParaRPr lang="pt-BR" dirty="0">
-              <a:latin typeface="Times New Roman" panose="02020603050405020304" pitchFamily="18" charset="0"/>
-              <a:cs typeface="Times New Roman" panose="02020603050405020304" pitchFamily="18" charset="0"/>
-            </a:endParaRPr>
-          </a:p>
-          <a:p>
-            <a:pPr marL="0" indent="0" algn="just">
-              <a:buNone/>
-            </a:pPr>
-            <a:r>
-              <a:rPr lang="pt-BR" b="1" dirty="0">
-                <a:latin typeface="Times New Roman" panose="02020603050405020304" pitchFamily="18" charset="0"/>
-                <a:cs typeface="Times New Roman" panose="02020603050405020304" pitchFamily="18" charset="0"/>
-              </a:rPr>
-              <a:t>	Exemplo</a:t>
-            </a:r>
-            <a:r>
-              <a:rPr lang="pt-BR" dirty="0">
-                <a:latin typeface="Times New Roman" panose="02020603050405020304" pitchFamily="18" charset="0"/>
-                <a:cs typeface="Times New Roman" panose="02020603050405020304" pitchFamily="18" charset="0"/>
-              </a:rPr>
-              <a:t>: </a:t>
-            </a:r>
-            <a:r>
-              <a:rPr lang="pt-BR" b="1" dirty="0" err="1">
-                <a:latin typeface="Times New Roman" panose="02020603050405020304" pitchFamily="18" charset="0"/>
-                <a:cs typeface="Times New Roman" panose="02020603050405020304" pitchFamily="18" charset="0"/>
-              </a:rPr>
-              <a:t>del</a:t>
-            </a:r>
-            <a:r>
-              <a:rPr lang="pt-BR" dirty="0">
-                <a:latin typeface="Times New Roman" panose="02020603050405020304" pitchFamily="18" charset="0"/>
-                <a:cs typeface="Times New Roman" panose="02020603050405020304" pitchFamily="18" charset="0"/>
-              </a:rPr>
-              <a:t> cliente</a:t>
+              <a:t>, não podemos mudar um elemento!</a:t>
             </a:r>
           </a:p>
         </p:txBody>
@@ -9279,7 +9526,7 @@
     </p:spTree>
     <p:extLst>
       <p:ext uri="{BB962C8B-B14F-4D97-AF65-F5344CB8AC3E}">
-        <p14:creationId xmlns:p14="http://schemas.microsoft.com/office/powerpoint/2010/main" val="1018798093"/>
+        <p14:creationId xmlns:p14="http://schemas.microsoft.com/office/powerpoint/2010/main" val="3895288765"/>
       </p:ext>
     </p:extLst>
   </p:cSld>
@@ -9402,11 +9649,17 @@
           </a:bodyPr>
           <a:lstStyle/>
           <a:p>
-            <a:pPr algn="just">
-              <a:buFont typeface="Wingdings" panose="05000000000000000000" pitchFamily="2" charset="2"/>
-              <a:buChar char="§"/>
+            <a:pPr marL="0" indent="0" algn="just">
+              <a:buNone/>
             </a:pPr>
             <a:r>
+              <a:rPr lang="pt-BR" dirty="0">
+                <a:latin typeface="Times New Roman" panose="02020603050405020304" pitchFamily="18" charset="0"/>
+                <a:cs typeface="Times New Roman" panose="02020603050405020304" pitchFamily="18" charset="0"/>
+              </a:rPr>
+              <a:t>cliente[1] = "1234“ # </a:t>
+            </a:r>
+            <a:r>
               <a:rPr lang="pt-BR" b="1" dirty="0" err="1">
                 <a:solidFill>
                   <a:srgbClr val="FF0000"/>
@@ -9424,212 +9677,24 @@
                 <a:latin typeface="Times New Roman" panose="02020603050405020304" pitchFamily="18" charset="0"/>
                 <a:cs typeface="Times New Roman" panose="02020603050405020304" pitchFamily="18" charset="0"/>
               </a:rPr>
-              <a:t> Nomeada</a:t>
-            </a:r>
-          </a:p>
-          <a:p>
-            <a:pPr marL="0" indent="0" algn="just">
-              <a:buNone/>
-            </a:pPr>
-            <a:r>
-              <a:rPr lang="pt-BR" b="1" dirty="0">
-                <a:latin typeface="Times New Roman" panose="02020603050405020304" pitchFamily="18" charset="0"/>
-                <a:cs typeface="Times New Roman" panose="02020603050405020304" pitchFamily="18" charset="0"/>
-              </a:rPr>
-              <a:t>Similar a </a:t>
+              <a:t>, </a:t>
             </a:r>
             <a:r>
               <a:rPr lang="pt-BR" b="1" dirty="0" err="1">
-                <a:latin typeface="Times New Roman" panose="02020603050405020304" pitchFamily="18" charset="0"/>
-                <a:cs typeface="Times New Roman" panose="02020603050405020304" pitchFamily="18" charset="0"/>
-              </a:rPr>
-              <a:t>struct</a:t>
-            </a:r>
-            <a:r>
-              <a:rPr lang="pt-BR" b="1" dirty="0">
-                <a:latin typeface="Times New Roman" panose="02020603050405020304" pitchFamily="18" charset="0"/>
-                <a:cs typeface="Times New Roman" panose="02020603050405020304" pitchFamily="18" charset="0"/>
-              </a:rPr>
-              <a:t> em C. </a:t>
-            </a:r>
-            <a:r>
-              <a:rPr lang="pt-BR" b="1" dirty="0">
                 <a:solidFill>
                   <a:srgbClr val="FF0000"/>
                 </a:solidFill>
                 <a:latin typeface="Times New Roman" panose="02020603050405020304" pitchFamily="18" charset="0"/>
                 <a:cs typeface="Times New Roman" panose="02020603050405020304" pitchFamily="18" charset="0"/>
               </a:rPr>
-              <a:t>Os campos, porém, são imutáveis.</a:t>
-            </a:r>
-          </a:p>
-          <a:p>
-            <a:pPr marL="619125" lvl="1" indent="0" algn="just">
-              <a:buNone/>
-            </a:pPr>
-            <a:r>
-              <a:rPr lang="pt-BR" sz="2400" dirty="0" err="1">
-                <a:latin typeface="Times New Roman" panose="02020603050405020304" pitchFamily="18" charset="0"/>
-                <a:cs typeface="Times New Roman" panose="02020603050405020304" pitchFamily="18" charset="0"/>
-              </a:rPr>
-              <a:t>from</a:t>
-            </a:r>
-            <a:r>
-              <a:rPr lang="pt-BR" sz="2400" dirty="0">
-                <a:latin typeface="Times New Roman" panose="02020603050405020304" pitchFamily="18" charset="0"/>
-                <a:cs typeface="Times New Roman" panose="02020603050405020304" pitchFamily="18" charset="0"/>
-              </a:rPr>
-              <a:t> </a:t>
-            </a:r>
-            <a:r>
-              <a:rPr lang="pt-BR" sz="2400" dirty="0" err="1">
-                <a:latin typeface="Times New Roman" panose="02020603050405020304" pitchFamily="18" charset="0"/>
-                <a:cs typeface="Times New Roman" panose="02020603050405020304" pitchFamily="18" charset="0"/>
-              </a:rPr>
-              <a:t>collections</a:t>
-            </a:r>
-            <a:r>
-              <a:rPr lang="pt-BR" sz="2400" dirty="0">
-                <a:latin typeface="Times New Roman" panose="02020603050405020304" pitchFamily="18" charset="0"/>
-                <a:cs typeface="Times New Roman" panose="02020603050405020304" pitchFamily="18" charset="0"/>
-              </a:rPr>
-              <a:t> </a:t>
-            </a:r>
-            <a:r>
-              <a:rPr lang="pt-BR" sz="2400" dirty="0" err="1">
-                <a:latin typeface="Times New Roman" panose="02020603050405020304" pitchFamily="18" charset="0"/>
-                <a:cs typeface="Times New Roman" panose="02020603050405020304" pitchFamily="18" charset="0"/>
-              </a:rPr>
-              <a:t>import</a:t>
-            </a:r>
-            <a:r>
-              <a:rPr lang="pt-BR" sz="2400" dirty="0">
-                <a:latin typeface="Times New Roman" panose="02020603050405020304" pitchFamily="18" charset="0"/>
-                <a:cs typeface="Times New Roman" panose="02020603050405020304" pitchFamily="18" charset="0"/>
-              </a:rPr>
-              <a:t> </a:t>
-            </a:r>
-            <a:r>
-              <a:rPr lang="pt-BR" sz="2400" dirty="0" err="1">
-                <a:latin typeface="Times New Roman" panose="02020603050405020304" pitchFamily="18" charset="0"/>
-                <a:cs typeface="Times New Roman" panose="02020603050405020304" pitchFamily="18" charset="0"/>
-              </a:rPr>
-              <a:t>namedtuple</a:t>
-            </a:r>
-            <a:endParaRPr lang="pt-BR" sz="2400" dirty="0">
-              <a:latin typeface="Times New Roman" panose="02020603050405020304" pitchFamily="18" charset="0"/>
-              <a:cs typeface="Times New Roman" panose="02020603050405020304" pitchFamily="18" charset="0"/>
-            </a:endParaRPr>
-          </a:p>
-          <a:p>
-            <a:pPr marL="619125" lvl="1" indent="0" algn="just">
-              <a:buNone/>
-            </a:pPr>
-            <a:r>
-              <a:rPr lang="pt-BR" sz="2400" dirty="0">
-                <a:latin typeface="Times New Roman" panose="02020603050405020304" pitchFamily="18" charset="0"/>
-                <a:cs typeface="Times New Roman" panose="02020603050405020304" pitchFamily="18" charset="0"/>
-              </a:rPr>
-              <a:t>Cliente = </a:t>
-            </a:r>
-            <a:r>
-              <a:rPr lang="pt-BR" sz="2400" dirty="0" err="1">
-                <a:latin typeface="Times New Roman" panose="02020603050405020304" pitchFamily="18" charset="0"/>
-                <a:cs typeface="Times New Roman" panose="02020603050405020304" pitchFamily="18" charset="0"/>
-              </a:rPr>
-              <a:t>namedtuple</a:t>
-            </a:r>
-            <a:r>
-              <a:rPr lang="pt-BR" sz="2400" dirty="0">
-                <a:latin typeface="Times New Roman" panose="02020603050405020304" pitchFamily="18" charset="0"/>
-                <a:cs typeface="Times New Roman" panose="02020603050405020304" pitchFamily="18" charset="0"/>
-              </a:rPr>
-              <a:t>(‘Cliente’, ‘nome </a:t>
-            </a:r>
-            <a:r>
-              <a:rPr lang="pt-BR" sz="2400" dirty="0" err="1">
-                <a:latin typeface="Times New Roman" panose="02020603050405020304" pitchFamily="18" charset="0"/>
-                <a:cs typeface="Times New Roman" panose="02020603050405020304" pitchFamily="18" charset="0"/>
-              </a:rPr>
-              <a:t>cpf</a:t>
-            </a:r>
-            <a:r>
-              <a:rPr lang="pt-BR" sz="2400" dirty="0">
-                <a:latin typeface="Times New Roman" panose="02020603050405020304" pitchFamily="18" charset="0"/>
-                <a:cs typeface="Times New Roman" panose="02020603050405020304" pitchFamily="18" charset="0"/>
-              </a:rPr>
-              <a:t> limite compras’)</a:t>
-            </a:r>
-          </a:p>
-          <a:p>
-            <a:pPr marL="619125" lvl="1" indent="0" algn="just">
-              <a:buNone/>
-            </a:pPr>
-            <a:r>
-              <a:rPr lang="pt-BR" sz="2400" dirty="0" err="1">
-                <a:latin typeface="Times New Roman" panose="02020603050405020304" pitchFamily="18" charset="0"/>
-                <a:cs typeface="Times New Roman" panose="02020603050405020304" pitchFamily="18" charset="0"/>
-              </a:rPr>
-              <a:t>umCliente</a:t>
-            </a:r>
-            <a:r>
-              <a:rPr lang="pt-BR" sz="2400" dirty="0">
-                <a:latin typeface="Times New Roman" panose="02020603050405020304" pitchFamily="18" charset="0"/>
-                <a:cs typeface="Times New Roman" panose="02020603050405020304" pitchFamily="18" charset="0"/>
-              </a:rPr>
-              <a:t> = Cliente(‘Fulano’, ‘01234567890’, 5000.00, 300.00)</a:t>
-            </a:r>
-          </a:p>
-          <a:p>
-            <a:pPr marL="619125" lvl="1" indent="0" algn="just">
-              <a:buNone/>
-            </a:pPr>
-            <a:r>
-              <a:rPr lang="pt-BR" sz="2400" dirty="0">
-                <a:latin typeface="Times New Roman" panose="02020603050405020304" pitchFamily="18" charset="0"/>
-                <a:cs typeface="Times New Roman" panose="02020603050405020304" pitchFamily="18" charset="0"/>
-              </a:rPr>
-              <a:t>print (</a:t>
-            </a:r>
-            <a:r>
-              <a:rPr lang="pt-BR" sz="2400" dirty="0" err="1">
-                <a:latin typeface="Times New Roman" panose="02020603050405020304" pitchFamily="18" charset="0"/>
-                <a:cs typeface="Times New Roman" panose="02020603050405020304" pitchFamily="18" charset="0"/>
-              </a:rPr>
-              <a:t>umCliente</a:t>
-            </a:r>
-            <a:r>
-              <a:rPr lang="pt-BR" sz="2400" dirty="0">
-                <a:latin typeface="Times New Roman" panose="02020603050405020304" pitchFamily="18" charset="0"/>
-                <a:cs typeface="Times New Roman" panose="02020603050405020304" pitchFamily="18" charset="0"/>
-              </a:rPr>
-              <a:t>)</a:t>
-            </a:r>
-          </a:p>
-          <a:p>
-            <a:pPr marL="619125" lvl="1" indent="0" algn="just">
-              <a:buNone/>
-            </a:pPr>
-            <a:r>
-              <a:rPr lang="pt-BR" sz="2400" dirty="0">
-                <a:latin typeface="Times New Roman" panose="02020603050405020304" pitchFamily="18" charset="0"/>
-                <a:cs typeface="Times New Roman" panose="02020603050405020304" pitchFamily="18" charset="0"/>
-              </a:rPr>
-              <a:t>print(</a:t>
-            </a:r>
-            <a:r>
-              <a:rPr lang="pt-BR" sz="2400" dirty="0" err="1">
-                <a:latin typeface="Times New Roman" panose="02020603050405020304" pitchFamily="18" charset="0"/>
-                <a:cs typeface="Times New Roman" panose="02020603050405020304" pitchFamily="18" charset="0"/>
-              </a:rPr>
-              <a:t>umCliente.cpf</a:t>
-            </a:r>
-            <a:r>
-              <a:rPr lang="pt-BR" sz="2400" dirty="0">
-                <a:latin typeface="Times New Roman" panose="02020603050405020304" pitchFamily="18" charset="0"/>
-                <a:cs typeface="Times New Roman" panose="02020603050405020304" pitchFamily="18" charset="0"/>
-              </a:rPr>
-              <a:t>)</a:t>
+              <a:t>error</a:t>
+            </a:r>
+            <a:r>
+              <a:rPr lang="pt-BR" dirty="0">
+                <a:latin typeface="Times New Roman" panose="02020603050405020304" pitchFamily="18" charset="0"/>
+                <a:cs typeface="Times New Roman" panose="02020603050405020304" pitchFamily="18" charset="0"/>
+              </a:rPr>
+              <a:t>, não pode alterar.</a:t>
             </a:r>
           </a:p>
           <a:p>
@@ -9641,12 +9706,106 @@
               <a:cs typeface="Times New Roman" panose="02020603050405020304" pitchFamily="18" charset="0"/>
             </a:endParaRPr>
           </a:p>
+          <a:p>
+            <a:pPr algn="just">
+              <a:buFont typeface="Wingdings" panose="05000000000000000000" pitchFamily="2" charset="2"/>
+              <a:buChar char="§"/>
+            </a:pPr>
+            <a:r>
+              <a:rPr lang="pt-BR" b="1" dirty="0">
+                <a:solidFill>
+                  <a:srgbClr val="FF0000"/>
+                </a:solidFill>
+                <a:latin typeface="Times New Roman" panose="02020603050405020304" pitchFamily="18" charset="0"/>
+                <a:cs typeface="Times New Roman" panose="02020603050405020304" pitchFamily="18" charset="0"/>
+              </a:rPr>
+              <a:t>Apagando uma </a:t>
+            </a:r>
+            <a:r>
+              <a:rPr lang="pt-BR" b="1" dirty="0" err="1">
+                <a:solidFill>
+                  <a:srgbClr val="FF0000"/>
+                </a:solidFill>
+                <a:latin typeface="Times New Roman" panose="02020603050405020304" pitchFamily="18" charset="0"/>
+                <a:cs typeface="Times New Roman" panose="02020603050405020304" pitchFamily="18" charset="0"/>
+              </a:rPr>
+              <a:t>Tupla</a:t>
+            </a:r>
+            <a:r>
+              <a:rPr lang="pt-BR" b="1" dirty="0">
+                <a:solidFill>
+                  <a:srgbClr val="FF0000"/>
+                </a:solidFill>
+                <a:latin typeface="Times New Roman" panose="02020603050405020304" pitchFamily="18" charset="0"/>
+                <a:cs typeface="Times New Roman" panose="02020603050405020304" pitchFamily="18" charset="0"/>
+              </a:rPr>
+              <a:t>: </a:t>
+            </a:r>
+            <a:r>
+              <a:rPr lang="pt-BR" b="1" dirty="0" err="1">
+                <a:latin typeface="Times New Roman" panose="02020603050405020304" pitchFamily="18" charset="0"/>
+                <a:cs typeface="Times New Roman" panose="02020603050405020304" pitchFamily="18" charset="0"/>
+              </a:rPr>
+              <a:t>del</a:t>
+            </a:r>
+            <a:r>
+              <a:rPr lang="pt-BR" dirty="0">
+                <a:latin typeface="Times New Roman" panose="02020603050405020304" pitchFamily="18" charset="0"/>
+                <a:cs typeface="Times New Roman" panose="02020603050405020304" pitchFamily="18" charset="0"/>
+              </a:rPr>
+              <a:t> nome da </a:t>
+            </a:r>
+            <a:r>
+              <a:rPr lang="pt-BR" dirty="0" err="1">
+                <a:latin typeface="Times New Roman" panose="02020603050405020304" pitchFamily="18" charset="0"/>
+                <a:cs typeface="Times New Roman" panose="02020603050405020304" pitchFamily="18" charset="0"/>
+              </a:rPr>
+              <a:t>Tupla</a:t>
+            </a:r>
+            <a:endParaRPr lang="pt-BR" dirty="0">
+              <a:latin typeface="Times New Roman" panose="02020603050405020304" pitchFamily="18" charset="0"/>
+              <a:cs typeface="Times New Roman" panose="02020603050405020304" pitchFamily="18" charset="0"/>
+            </a:endParaRPr>
+          </a:p>
+          <a:p>
+            <a:pPr marL="0" indent="0" algn="just">
+              <a:buNone/>
+            </a:pPr>
+            <a:r>
+              <a:rPr lang="pt-BR" b="1" dirty="0">
+                <a:latin typeface="Times New Roman" panose="02020603050405020304" pitchFamily="18" charset="0"/>
+                <a:cs typeface="Times New Roman" panose="02020603050405020304" pitchFamily="18" charset="0"/>
+              </a:rPr>
+              <a:t>	Exemplo</a:t>
+            </a:r>
+            <a:r>
+              <a:rPr lang="pt-BR" dirty="0">
+                <a:latin typeface="Times New Roman" panose="02020603050405020304" pitchFamily="18" charset="0"/>
+                <a:cs typeface="Times New Roman" panose="02020603050405020304" pitchFamily="18" charset="0"/>
+              </a:rPr>
+              <a:t>: </a:t>
+            </a:r>
+            <a:r>
+              <a:rPr lang="pt-BR" b="1" dirty="0" err="1">
+                <a:latin typeface="Times New Roman" panose="02020603050405020304" pitchFamily="18" charset="0"/>
+                <a:cs typeface="Times New Roman" panose="02020603050405020304" pitchFamily="18" charset="0"/>
+              </a:rPr>
+              <a:t>del</a:t>
+            </a:r>
+            <a:r>
+              <a:rPr lang="pt-BR" dirty="0">
+                <a:latin typeface="Times New Roman" panose="02020603050405020304" pitchFamily="18" charset="0"/>
+                <a:cs typeface="Times New Roman" panose="02020603050405020304" pitchFamily="18" charset="0"/>
+              </a:rPr>
+              <a:t> cliente</a:t>
+            </a:r>
+          </a:p>
         </p:txBody>
       </p:sp>
     </p:spTree>
     <p:extLst>
       <p:ext uri="{BB962C8B-B14F-4D97-AF65-F5344CB8AC3E}">
-        <p14:creationId xmlns:p14="http://schemas.microsoft.com/office/powerpoint/2010/main" val="3590522157"/>
+        <p14:creationId xmlns:p14="http://schemas.microsoft.com/office/powerpoint/2010/main" val="1018798093"/>
       </p:ext>
     </p:extLst>
   </p:cSld>
@@ -9729,8 +9888,21 @@
                   <a:srgbClr val="0070C0"/>
                 </a:solidFill>
               </a:rPr>
-              <a:t> SETs</a:t>
-            </a:r>
+              <a:t> </a:t>
+            </a:r>
+            <a:r>
+              <a:rPr lang="en-US" b="1" dirty="0" err="1">
+                <a:solidFill>
+                  <a:srgbClr val="0070C0"/>
+                </a:solidFill>
+              </a:rPr>
+              <a:t>Tuplas</a:t>
+            </a:r>
+            <a:endParaRPr lang="en-US" b="1" dirty="0">
+              <a:solidFill>
+                <a:srgbClr val="0070C0"/>
+              </a:solidFill>
+            </a:endParaRPr>
           </a:p>
         </p:txBody>
       </p:sp>
@@ -9761,6 +9933,16 @@
               <a:buChar char="§"/>
             </a:pPr>
             <a:r>
+              <a:rPr lang="pt-BR" b="1" dirty="0" err="1">
+                <a:solidFill>
+                  <a:srgbClr val="FF0000"/>
+                </a:solidFill>
+                <a:latin typeface="Times New Roman" panose="02020603050405020304" pitchFamily="18" charset="0"/>
+                <a:cs typeface="Times New Roman" panose="02020603050405020304" pitchFamily="18" charset="0"/>
+              </a:rPr>
+              <a:t>Tupla</a:t>
+            </a:r>
+            <a:r>
               <a:rPr lang="pt-BR" b="1" dirty="0">
                 <a:solidFill>
                   <a:srgbClr val="FF0000"/>
@@ -9768,216 +9950,219 @@
                 <a:latin typeface="Times New Roman" panose="02020603050405020304" pitchFamily="18" charset="0"/>
                 <a:cs typeface="Times New Roman" panose="02020603050405020304" pitchFamily="18" charset="0"/>
               </a:rPr>
-              <a:t>Conjunto</a:t>
-            </a:r>
-            <a:r>
-              <a:rPr lang="pt-BR" sz="2000" b="1" dirty="0">
+              <a:t> Nomeada</a:t>
+            </a:r>
+          </a:p>
+          <a:p>
+            <a:pPr marL="0" indent="0" algn="just">
+              <a:buNone/>
+            </a:pPr>
+            <a:r>
+              <a:rPr lang="pt-BR" b="1" dirty="0">
+                <a:latin typeface="Times New Roman" panose="02020603050405020304" pitchFamily="18" charset="0"/>
+                <a:cs typeface="Times New Roman" panose="02020603050405020304" pitchFamily="18" charset="0"/>
+              </a:rPr>
+              <a:t>Similar a </a:t>
+            </a:r>
+            <a:r>
+              <a:rPr lang="pt-BR" b="1" dirty="0" err="1">
+                <a:latin typeface="Times New Roman" panose="02020603050405020304" pitchFamily="18" charset="0"/>
+                <a:cs typeface="Times New Roman" panose="02020603050405020304" pitchFamily="18" charset="0"/>
+              </a:rPr>
+              <a:t>struct</a:t>
+            </a:r>
+            <a:r>
+              <a:rPr lang="pt-BR" b="1" dirty="0">
+                <a:latin typeface="Times New Roman" panose="02020603050405020304" pitchFamily="18" charset="0"/>
+                <a:cs typeface="Times New Roman" panose="02020603050405020304" pitchFamily="18" charset="0"/>
+              </a:rPr>
+              <a:t> em C. </a:t>
+            </a:r>
+            <a:r>
+              <a:rPr lang="pt-BR" b="1" dirty="0">
                 <a:solidFill>
                   <a:srgbClr val="FF0000"/>
                 </a:solidFill>
                 <a:latin typeface="Times New Roman" panose="02020603050405020304" pitchFamily="18" charset="0"/>
                 <a:cs typeface="Times New Roman" panose="02020603050405020304" pitchFamily="18" charset="0"/>
               </a:rPr>
-              <a:t> - </a:t>
-            </a:r>
-            <a:r>
-              <a:rPr lang="pt-BR" b="1" dirty="0">
-                <a:latin typeface="Times New Roman" panose="02020603050405020304" pitchFamily="18" charset="0"/>
-                <a:cs typeface="Times New Roman" panose="02020603050405020304" pitchFamily="18" charset="0"/>
-              </a:rPr>
-              <a:t>Sets</a:t>
-            </a:r>
-            <a:r>
-              <a:rPr lang="pt-BR" sz="2000" dirty="0">
+              <a:t>Os campos, porém, são imutáveis.</a:t>
+            </a:r>
+          </a:p>
+          <a:p>
+            <a:pPr marL="619125" lvl="1" indent="0" algn="just">
+              <a:buNone/>
+            </a:pPr>
+            <a:r>
+              <a:rPr lang="pt-BR" sz="2400" dirty="0" err="1">
+                <a:latin typeface="Times New Roman" panose="02020603050405020304" pitchFamily="18" charset="0"/>
+                <a:cs typeface="Times New Roman" panose="02020603050405020304" pitchFamily="18" charset="0"/>
+              </a:rPr>
+              <a:t>from</a:t>
+            </a:r>
+            <a:r>
+              <a:rPr lang="pt-BR" sz="2400" dirty="0">
                 <a:latin typeface="Times New Roman" panose="02020603050405020304" pitchFamily="18" charset="0"/>
                 <a:cs typeface="Times New Roman" panose="02020603050405020304" pitchFamily="18" charset="0"/>
               </a:rPr>
               <a:t> </a:t>
             </a:r>
-          </a:p>
-          <a:p>
-            <a:pPr marL="0" indent="0" algn="just">
-              <a:buNone/>
-            </a:pPr>
-            <a:r>
-              <a:rPr lang="pt-BR" sz="2000" dirty="0">
-                <a:latin typeface="Times New Roman" panose="02020603050405020304" pitchFamily="18" charset="0"/>
-                <a:cs typeface="Times New Roman" panose="02020603050405020304" pitchFamily="18" charset="0"/>
-              </a:rPr>
-              <a:t>são estruturas disponíveis como </a:t>
-            </a:r>
-            <a:r>
-              <a:rPr lang="pt-BR" sz="2000" b="1" i="1" dirty="0" err="1">
-                <a:latin typeface="Times New Roman" panose="02020603050405020304" pitchFamily="18" charset="0"/>
-                <a:cs typeface="Times New Roman" panose="02020603050405020304" pitchFamily="18" charset="0"/>
-              </a:rPr>
-              <a:t>builtins</a:t>
-            </a:r>
-            <a:r>
-              <a:rPr lang="pt-BR" sz="2000" dirty="0">
-                <a:latin typeface="Times New Roman" panose="02020603050405020304" pitchFamily="18" charset="0"/>
-                <a:cs typeface="Times New Roman" panose="02020603050405020304" pitchFamily="18" charset="0"/>
-              </a:rPr>
-              <a:t> do Python, utilizadas para representar coleções desordenadas de elementos únicos.</a:t>
-            </a:r>
-          </a:p>
-          <a:p>
-            <a:pPr marL="0" indent="0" algn="just">
-              <a:buNone/>
-            </a:pPr>
-            <a:endParaRPr lang="pt-BR" sz="2000" dirty="0">
+            <a:r>
+              <a:rPr lang="pt-BR" sz="2400" dirty="0" err="1">
+                <a:latin typeface="Times New Roman" panose="02020603050405020304" pitchFamily="18" charset="0"/>
+                <a:cs typeface="Times New Roman" panose="02020603050405020304" pitchFamily="18" charset="0"/>
+              </a:rPr>
+              <a:t>collections</a:t>
+            </a:r>
+            <a:r>
+              <a:rPr lang="pt-BR" sz="2400" dirty="0">
+                <a:latin typeface="Times New Roman" panose="02020603050405020304" pitchFamily="18" charset="0"/>
+                <a:cs typeface="Times New Roman" panose="02020603050405020304" pitchFamily="18" charset="0"/>
+              </a:rPr>
+              <a:t> </a:t>
+            </a:r>
+            <a:r>
+              <a:rPr lang="pt-BR" sz="2400" dirty="0" err="1">
+                <a:latin typeface="Times New Roman" panose="02020603050405020304" pitchFamily="18" charset="0"/>
+                <a:cs typeface="Times New Roman" panose="02020603050405020304" pitchFamily="18" charset="0"/>
+              </a:rPr>
+              <a:t>import</a:t>
+            </a:r>
+            <a:r>
+              <a:rPr lang="pt-BR" sz="2400" dirty="0">
+                <a:latin typeface="Times New Roman" panose="02020603050405020304" pitchFamily="18" charset="0"/>
+                <a:cs typeface="Times New Roman" panose="02020603050405020304" pitchFamily="18" charset="0"/>
+              </a:rPr>
+              <a:t> </a:t>
+            </a:r>
+            <a:r>
+              <a:rPr lang="pt-BR" sz="2400" dirty="0" err="1">
+                <a:latin typeface="Times New Roman" panose="02020603050405020304" pitchFamily="18" charset="0"/>
+                <a:cs typeface="Times New Roman" panose="02020603050405020304" pitchFamily="18" charset="0"/>
+              </a:rPr>
+              <a:t>namedtuple</a:t>
+            </a:r>
+            <a:endParaRPr lang="pt-BR" sz="2400" dirty="0">
               <a:latin typeface="Times New Roman" panose="02020603050405020304" pitchFamily="18" charset="0"/>
               <a:cs typeface="Times New Roman" panose="02020603050405020304" pitchFamily="18" charset="0"/>
             </a:endParaRPr>
           </a:p>
           <a:p>
+            <a:pPr marL="619125" lvl="1" indent="0" algn="just">
+              <a:buNone/>
+            </a:pPr>
+            <a:r>
+              <a:rPr lang="pt-BR" sz="2400" dirty="0">
+                <a:latin typeface="Times New Roman" panose="02020603050405020304" pitchFamily="18" charset="0"/>
+                <a:cs typeface="Times New Roman" panose="02020603050405020304" pitchFamily="18" charset="0"/>
+              </a:rPr>
+              <a:t>Cliente = </a:t>
+            </a:r>
+            <a:r>
+              <a:rPr lang="pt-BR" sz="2400" dirty="0" err="1">
+                <a:latin typeface="Times New Roman" panose="02020603050405020304" pitchFamily="18" charset="0"/>
+                <a:cs typeface="Times New Roman" panose="02020603050405020304" pitchFamily="18" charset="0"/>
+              </a:rPr>
+              <a:t>namedtuple</a:t>
+            </a:r>
+            <a:r>
+              <a:rPr lang="pt-BR" sz="2400" dirty="0">
+                <a:latin typeface="Times New Roman" panose="02020603050405020304" pitchFamily="18" charset="0"/>
+                <a:cs typeface="Times New Roman" panose="02020603050405020304" pitchFamily="18" charset="0"/>
+              </a:rPr>
+              <a:t>(‘Cliente’, ‘nome </a:t>
+            </a:r>
+            <a:r>
+              <a:rPr lang="pt-BR" sz="2400" dirty="0" err="1">
+                <a:latin typeface="Times New Roman" panose="02020603050405020304" pitchFamily="18" charset="0"/>
+                <a:cs typeface="Times New Roman" panose="02020603050405020304" pitchFamily="18" charset="0"/>
+              </a:rPr>
+              <a:t>cpf</a:t>
+            </a:r>
+            <a:r>
+              <a:rPr lang="pt-BR" sz="2400" dirty="0">
+                <a:latin typeface="Times New Roman" panose="02020603050405020304" pitchFamily="18" charset="0"/>
+                <a:cs typeface="Times New Roman" panose="02020603050405020304" pitchFamily="18" charset="0"/>
+              </a:rPr>
+              <a:t> limite compras’)</a:t>
+            </a:r>
+          </a:p>
+          <a:p>
+            <a:pPr marL="619125" lvl="1" indent="0" algn="just">
+              <a:buNone/>
+            </a:pPr>
+            <a:r>
+              <a:rPr lang="pt-BR" sz="2400" dirty="0" err="1">
+                <a:latin typeface="Times New Roman" panose="02020603050405020304" pitchFamily="18" charset="0"/>
+                <a:cs typeface="Times New Roman" panose="02020603050405020304" pitchFamily="18" charset="0"/>
+              </a:rPr>
+              <a:t>umCliente</a:t>
+            </a:r>
+            <a:r>
+              <a:rPr lang="pt-BR" sz="2400" dirty="0">
+                <a:latin typeface="Times New Roman" panose="02020603050405020304" pitchFamily="18" charset="0"/>
+                <a:cs typeface="Times New Roman" panose="02020603050405020304" pitchFamily="18" charset="0"/>
+              </a:rPr>
+              <a:t> = Cliente(‘Fulano’, ‘01234567890’, 5000.00, 300.00)</a:t>
+            </a:r>
+          </a:p>
+          <a:p>
+            <a:pPr marL="619125" lvl="1" indent="0" algn="just">
+              <a:buNone/>
+            </a:pPr>
+            <a:r>
+              <a:rPr lang="pt-BR" sz="2400" dirty="0">
+                <a:latin typeface="Times New Roman" panose="02020603050405020304" pitchFamily="18" charset="0"/>
+                <a:cs typeface="Times New Roman" panose="02020603050405020304" pitchFamily="18" charset="0"/>
+              </a:rPr>
+              <a:t>print (</a:t>
+            </a:r>
+            <a:r>
+              <a:rPr lang="pt-BR" sz="2400" dirty="0" err="1">
+                <a:latin typeface="Times New Roman" panose="02020603050405020304" pitchFamily="18" charset="0"/>
+                <a:cs typeface="Times New Roman" panose="02020603050405020304" pitchFamily="18" charset="0"/>
+              </a:rPr>
+              <a:t>umCliente</a:t>
+            </a:r>
+            <a:r>
+              <a:rPr lang="pt-BR" sz="2400" dirty="0">
+                <a:latin typeface="Times New Roman" panose="02020603050405020304" pitchFamily="18" charset="0"/>
+                <a:cs typeface="Times New Roman" panose="02020603050405020304" pitchFamily="18" charset="0"/>
+              </a:rPr>
+              <a:t>)</a:t>
+            </a:r>
+          </a:p>
+          <a:p>
+            <a:pPr marL="619125" lvl="1" indent="0" algn="just">
+              <a:buNone/>
+            </a:pPr>
+            <a:r>
+              <a:rPr lang="pt-BR" sz="2400" dirty="0">
+                <a:latin typeface="Times New Roman" panose="02020603050405020304" pitchFamily="18" charset="0"/>
+                <a:cs typeface="Times New Roman" panose="02020603050405020304" pitchFamily="18" charset="0"/>
+              </a:rPr>
+              <a:t>print(</a:t>
+            </a:r>
+            <a:r>
+              <a:rPr lang="pt-BR" sz="2400" dirty="0" err="1">
+                <a:latin typeface="Times New Roman" panose="02020603050405020304" pitchFamily="18" charset="0"/>
+                <a:cs typeface="Times New Roman" panose="02020603050405020304" pitchFamily="18" charset="0"/>
+              </a:rPr>
+              <a:t>umCliente.cpf</a:t>
+            </a:r>
+            <a:r>
+              <a:rPr lang="pt-BR" sz="2400" dirty="0">
+                <a:latin typeface="Times New Roman" panose="02020603050405020304" pitchFamily="18" charset="0"/>
+                <a:cs typeface="Times New Roman" panose="02020603050405020304" pitchFamily="18" charset="0"/>
+              </a:rPr>
+              <a:t>)</a:t>
+            </a:r>
+          </a:p>
+          <a:p>
             <a:pPr marL="0" indent="0" algn="just">
               <a:buNone/>
             </a:pPr>
-            <a:r>
-              <a:rPr lang="pt-BR" sz="2000" dirty="0">
-                <a:latin typeface="Times New Roman" panose="02020603050405020304" pitchFamily="18" charset="0"/>
-                <a:cs typeface="Times New Roman" panose="02020603050405020304" pitchFamily="18" charset="0"/>
-              </a:rPr>
-              <a:t>Os elementos não são armazenados em uma ordem específica e confiável; Conjuntos não contém elementos repetidos.</a:t>
-            </a:r>
-          </a:p>
-          <a:p>
-            <a:pPr marL="0" indent="0" algn="just">
-              <a:buNone/>
-            </a:pPr>
-            <a:r>
-              <a:rPr lang="da-DK" sz="2000" b="1" dirty="0">
-                <a:latin typeface="Times New Roman" panose="02020603050405020304" pitchFamily="18" charset="0"/>
-                <a:cs typeface="Times New Roman" panose="02020603050405020304" pitchFamily="18" charset="0"/>
-              </a:rPr>
-              <a:t>set</a:t>
-            </a:r>
-            <a:r>
-              <a:rPr lang="da-DK" sz="2000" dirty="0">
-                <a:latin typeface="Times New Roman" panose="02020603050405020304" pitchFamily="18" charset="0"/>
-                <a:cs typeface="Times New Roman" panose="02020603050405020304" pitchFamily="18" charset="0"/>
-              </a:rPr>
-              <a:t>([1, 2, 3, 4])</a:t>
-            </a:r>
-            <a:r>
-              <a:rPr lang="pt-BR" sz="2000" dirty="0">
-                <a:latin typeface="Times New Roman" panose="02020603050405020304" pitchFamily="18" charset="0"/>
-                <a:cs typeface="Times New Roman" panose="02020603050405020304" pitchFamily="18" charset="0"/>
-              </a:rPr>
-              <a:t> ou </a:t>
-            </a:r>
-            <a:r>
-              <a:rPr lang="pt-BR" sz="2000" b="1" dirty="0">
-                <a:latin typeface="Times New Roman" panose="02020603050405020304" pitchFamily="18" charset="0"/>
-                <a:cs typeface="Times New Roman" panose="02020603050405020304" pitchFamily="18" charset="0"/>
-              </a:rPr>
-              <a:t>s</a:t>
-            </a:r>
-            <a:r>
-              <a:rPr lang="pt-BR" sz="2000" dirty="0">
-                <a:latin typeface="Times New Roman" panose="02020603050405020304" pitchFamily="18" charset="0"/>
-                <a:cs typeface="Times New Roman" panose="02020603050405020304" pitchFamily="18" charset="0"/>
-              </a:rPr>
-              <a:t> </a:t>
-            </a:r>
-            <a:r>
-              <a:rPr lang="da-DK" sz="2000" dirty="0">
-                <a:latin typeface="Times New Roman" panose="02020603050405020304" pitchFamily="18" charset="0"/>
-                <a:cs typeface="Times New Roman" panose="02020603050405020304" pitchFamily="18" charset="0"/>
-              </a:rPr>
-              <a:t>= {1, 2, 3, 4}; </a:t>
-            </a:r>
-          </a:p>
-          <a:p>
-            <a:pPr marL="0" indent="0" algn="just">
-              <a:buNone/>
-            </a:pPr>
-            <a:r>
-              <a:rPr lang="da-DK" sz="2000" dirty="0">
-                <a:latin typeface="Times New Roman" panose="02020603050405020304" pitchFamily="18" charset="0"/>
-                <a:cs typeface="Times New Roman" panose="02020603050405020304" pitchFamily="18" charset="0"/>
-              </a:rPr>
-              <a:t>Ex.: </a:t>
-            </a:r>
-            <a:r>
-              <a:rPr lang="pt-BR" sz="2000" dirty="0">
-                <a:latin typeface="Times New Roman" panose="02020603050405020304" pitchFamily="18" charset="0"/>
-                <a:cs typeface="Times New Roman" panose="02020603050405020304" pitchFamily="18" charset="0"/>
-              </a:rPr>
-              <a:t>a</a:t>
-            </a:r>
-            <a:r>
-              <a:rPr lang="da-DK" sz="2000" dirty="0">
-                <a:latin typeface="Times New Roman" panose="02020603050405020304" pitchFamily="18" charset="0"/>
-                <a:cs typeface="Times New Roman" panose="02020603050405020304" pitchFamily="18" charset="0"/>
-              </a:rPr>
-              <a:t>={1, 2, 3, 4};  e </a:t>
-            </a:r>
-            <a:r>
-              <a:rPr lang="pt-BR" sz="2000">
-                <a:latin typeface="Times New Roman" panose="02020603050405020304" pitchFamily="18" charset="0"/>
-                <a:cs typeface="Times New Roman" panose="02020603050405020304" pitchFamily="18" charset="0"/>
-              </a:rPr>
-              <a:t>b</a:t>
-            </a:r>
-            <a:r>
-              <a:rPr lang="da-DK" sz="2000">
-                <a:latin typeface="Times New Roman" panose="02020603050405020304" pitchFamily="18" charset="0"/>
-                <a:cs typeface="Times New Roman" panose="02020603050405020304" pitchFamily="18" charset="0"/>
-              </a:rPr>
-              <a:t>={</a:t>
-            </a:r>
-            <a:r>
-              <a:rPr lang="da-DK" sz="2000" dirty="0">
-                <a:latin typeface="Times New Roman" panose="02020603050405020304" pitchFamily="18" charset="0"/>
-                <a:cs typeface="Times New Roman" panose="02020603050405020304" pitchFamily="18" charset="0"/>
-              </a:rPr>
-              <a:t>1, 5, 3, 7}; a.</a:t>
-            </a:r>
-            <a:r>
-              <a:rPr lang="da-DK" sz="2000" b="1" dirty="0">
-                <a:latin typeface="Times New Roman" panose="02020603050405020304" pitchFamily="18" charset="0"/>
-                <a:cs typeface="Times New Roman" panose="02020603050405020304" pitchFamily="18" charset="0"/>
-              </a:rPr>
-              <a:t>union</a:t>
-            </a:r>
-            <a:r>
-              <a:rPr lang="da-DK" sz="2000" dirty="0">
-                <a:latin typeface="Times New Roman" panose="02020603050405020304" pitchFamily="18" charset="0"/>
-                <a:cs typeface="Times New Roman" panose="02020603050405020304" pitchFamily="18" charset="0"/>
-              </a:rPr>
-              <a:t>(b); a. </a:t>
-            </a:r>
-            <a:r>
-              <a:rPr lang="da-DK" sz="2000" b="1" dirty="0">
-                <a:latin typeface="Times New Roman" panose="02020603050405020304" pitchFamily="18" charset="0"/>
-                <a:cs typeface="Times New Roman" panose="02020603050405020304" pitchFamily="18" charset="0"/>
-              </a:rPr>
-              <a:t>intersection</a:t>
-            </a:r>
-            <a:r>
-              <a:rPr lang="da-DK" sz="2000" dirty="0">
-                <a:latin typeface="Times New Roman" panose="02020603050405020304" pitchFamily="18" charset="0"/>
-                <a:cs typeface="Times New Roman" panose="02020603050405020304" pitchFamily="18" charset="0"/>
-              </a:rPr>
-              <a:t>(b); a. </a:t>
-            </a:r>
-            <a:r>
-              <a:rPr lang="da-DK" sz="2000" b="1" dirty="0">
-                <a:latin typeface="Times New Roman" panose="02020603050405020304" pitchFamily="18" charset="0"/>
-                <a:cs typeface="Times New Roman" panose="02020603050405020304" pitchFamily="18" charset="0"/>
-              </a:rPr>
-              <a:t>difference</a:t>
-            </a:r>
-            <a:r>
-              <a:rPr lang="da-DK" sz="2000" dirty="0">
-                <a:latin typeface="Times New Roman" panose="02020603050405020304" pitchFamily="18" charset="0"/>
-                <a:cs typeface="Times New Roman" panose="02020603050405020304" pitchFamily="18" charset="0"/>
-              </a:rPr>
-              <a:t>(b)</a:t>
-            </a:r>
-            <a:endParaRPr lang="pt-BR" sz="2000" dirty="0">
+            <a:endParaRPr lang="pt-BR" dirty="0">
               <a:latin typeface="Times New Roman" panose="02020603050405020304" pitchFamily="18" charset="0"/>
               <a:cs typeface="Times New Roman" panose="02020603050405020304" pitchFamily="18" charset="0"/>
             </a:endParaRPr>
@@ -9987,7 +10172,7 @@
     </p:spTree>
     <p:extLst>
       <p:ext uri="{BB962C8B-B14F-4D97-AF65-F5344CB8AC3E}">
-        <p14:creationId xmlns:p14="http://schemas.microsoft.com/office/powerpoint/2010/main" val="1679403773"/>
+        <p14:creationId xmlns:p14="http://schemas.microsoft.com/office/powerpoint/2010/main" val="3590522157"/>
       </p:ext>
     </p:extLst>
   </p:cSld>
@@ -10501,11 +10686,6 @@
         </p:txBody>
       </p:sp>
     </p:spTree>
-    <p:extLst>
-      <p:ext uri="{BB962C8B-B14F-4D97-AF65-F5344CB8AC3E}">
-        <p14:creationId xmlns:p14="http://schemas.microsoft.com/office/powerpoint/2010/main" val="3791672769"/>
-      </p:ext>
-    </p:extLst>
   </p:cSld>
   <p:clrMapOvr>
     <a:masterClrMapping/>
@@ -10548,12 +10728,20 @@
           <a:lstStyle/>
           <a:p>
             <a:r>
+              <a:rPr lang="en-US" b="1" dirty="0">
+                <a:solidFill>
+                  <a:srgbClr val="0070C0"/>
+                </a:solidFill>
+              </a:rPr>
+              <a:t>Python – </a:t>
+            </a:r>
+            <a:r>
               <a:rPr lang="en-US" b="1" dirty="0" err="1">
                 <a:solidFill>
                   <a:srgbClr val="0070C0"/>
                 </a:solidFill>
               </a:rPr>
-              <a:t>Leitura</a:t>
+              <a:t>TDados</a:t>
             </a:r>
             <a:r>
               <a:rPr lang="en-US" b="1" dirty="0">
@@ -10569,13 +10757,16 @@
                   <a:srgbClr val="0070C0"/>
                 </a:solidFill>
               </a:rPr>
-              <a:t>Específica</a:t>
-            </a:r>
-            <a:endParaRPr lang="en-US" b="1" dirty="0">
-              <a:solidFill>
-                <a:srgbClr val="0070C0"/>
-              </a:solidFill>
-            </a:endParaRPr>
+              <a:t>Aglomerados</a:t>
+            </a:r>
+            <a:r>
+              <a:rPr lang="en-US" b="1" dirty="0">
+                <a:solidFill>
+                  <a:srgbClr val="0070C0"/>
+                </a:solidFill>
+              </a:rPr>
+              <a:t> SETs</a:t>
+            </a:r>
           </a:p>
         </p:txBody>
       </p:sp>
@@ -10591,8 +10782,8 @@
         </p:nvSpPr>
         <p:spPr>
           <a:xfrm>
-            <a:off x="142865" y="1200151"/>
-            <a:ext cx="8865056" cy="3394472"/>
+            <a:off x="142865" y="1200150"/>
+            <a:ext cx="8865056" cy="3737370"/>
           </a:xfrm>
         </p:spPr>
         <p:txBody>
@@ -10601,10 +10792,76 @@
           </a:bodyPr>
           <a:lstStyle/>
           <a:p>
+            <a:pPr algn="just">
+              <a:buFont typeface="Wingdings" panose="05000000000000000000" pitchFamily="2" charset="2"/>
+              <a:buChar char="§"/>
+            </a:pPr>
+            <a:r>
+              <a:rPr lang="pt-BR" b="1" dirty="0">
+                <a:solidFill>
+                  <a:srgbClr val="FF0000"/>
+                </a:solidFill>
+                <a:latin typeface="Times New Roman" panose="02020603050405020304" pitchFamily="18" charset="0"/>
+                <a:cs typeface="Times New Roman" panose="02020603050405020304" pitchFamily="18" charset="0"/>
+              </a:rPr>
+              <a:t>Conjunto</a:t>
+            </a:r>
+            <a:r>
+              <a:rPr lang="pt-BR" sz="2000" b="1" dirty="0">
+                <a:solidFill>
+                  <a:srgbClr val="FF0000"/>
+                </a:solidFill>
+                <a:latin typeface="Times New Roman" panose="02020603050405020304" pitchFamily="18" charset="0"/>
+                <a:cs typeface="Times New Roman" panose="02020603050405020304" pitchFamily="18" charset="0"/>
+              </a:rPr>
+              <a:t> - </a:t>
+            </a:r>
+            <a:r>
+              <a:rPr lang="pt-BR" b="1" dirty="0">
+                <a:latin typeface="Times New Roman" panose="02020603050405020304" pitchFamily="18" charset="0"/>
+                <a:cs typeface="Times New Roman" panose="02020603050405020304" pitchFamily="18" charset="0"/>
+              </a:rPr>
+              <a:t>Sets</a:t>
+            </a:r>
+            <a:r>
+              <a:rPr lang="pt-BR" sz="2000" dirty="0">
+                <a:latin typeface="Times New Roman" panose="02020603050405020304" pitchFamily="18" charset="0"/>
+                <a:cs typeface="Times New Roman" panose="02020603050405020304" pitchFamily="18" charset="0"/>
+              </a:rPr>
+              <a:t> </a:t>
+            </a:r>
+          </a:p>
+          <a:p>
             <a:pPr marL="0" indent="0" algn="just">
               <a:buNone/>
             </a:pPr>
-            <a:endParaRPr lang="pt-BR" dirty="0">
+            <a:r>
+              <a:rPr lang="pt-BR" sz="2000" dirty="0">
+                <a:latin typeface="Times New Roman" panose="02020603050405020304" pitchFamily="18" charset="0"/>
+                <a:cs typeface="Times New Roman" panose="02020603050405020304" pitchFamily="18" charset="0"/>
+              </a:rPr>
+              <a:t>são estruturas disponíveis como </a:t>
+            </a:r>
+            <a:r>
+              <a:rPr lang="pt-BR" sz="2000" b="1" i="1" dirty="0" err="1">
+                <a:latin typeface="Times New Roman" panose="02020603050405020304" pitchFamily="18" charset="0"/>
+                <a:cs typeface="Times New Roman" panose="02020603050405020304" pitchFamily="18" charset="0"/>
+              </a:rPr>
+              <a:t>builtins</a:t>
+            </a:r>
+            <a:r>
+              <a:rPr lang="pt-BR" sz="2000" dirty="0">
+                <a:latin typeface="Times New Roman" panose="02020603050405020304" pitchFamily="18" charset="0"/>
+                <a:cs typeface="Times New Roman" panose="02020603050405020304" pitchFamily="18" charset="0"/>
+              </a:rPr>
+              <a:t> do Python, utilizadas para representar coleções desordenadas de elementos únicos.</a:t>
+            </a:r>
+          </a:p>
+          <a:p>
+            <a:pPr marL="0" indent="0" algn="just">
+              <a:buNone/>
+            </a:pPr>
+            <a:endParaRPr lang="pt-BR" sz="2000" dirty="0">
               <a:latin typeface="Times New Roman" panose="02020603050405020304" pitchFamily="18" charset="0"/>
               <a:cs typeface="Times New Roman" panose="02020603050405020304" pitchFamily="18" charset="0"/>
             </a:endParaRPr>
@@ -10614,11 +10871,25 @@
               <a:buNone/>
             </a:pPr>
             <a:r>
-              <a:rPr lang="pt-BR" dirty="0">
-                <a:latin typeface="Times New Roman" panose="02020603050405020304" pitchFamily="18" charset="0"/>
-                <a:cs typeface="Times New Roman" panose="02020603050405020304" pitchFamily="18" charset="0"/>
-              </a:rPr>
-              <a:t>[1] Site:</a:t>
+              <a:rPr lang="pt-BR" sz="2000" dirty="0">
+                <a:latin typeface="Times New Roman" panose="02020603050405020304" pitchFamily="18" charset="0"/>
+                <a:cs typeface="Times New Roman" panose="02020603050405020304" pitchFamily="18" charset="0"/>
+              </a:rPr>
+              <a:t>Os elementos não são armazenados em uma ordem específica e confiável; </a:t>
+            </a:r>
+            <a:r>
+              <a:rPr lang="pt-BR" sz="2000" b="1" dirty="0">
+                <a:latin typeface="Times New Roman" panose="02020603050405020304" pitchFamily="18" charset="0"/>
+                <a:cs typeface="Times New Roman" panose="02020603050405020304" pitchFamily="18" charset="0"/>
+              </a:rPr>
+              <a:t>Conjuntos não contém elementos repetidos</a:t>
+            </a:r>
+            <a:r>
+              <a:rPr lang="pt-BR" sz="2000" dirty="0">
+                <a:latin typeface="Times New Roman" panose="02020603050405020304" pitchFamily="18" charset="0"/>
+                <a:cs typeface="Times New Roman" panose="02020603050405020304" pitchFamily="18" charset="0"/>
+              </a:rPr>
+              <a:t>.</a:t>
             </a:r>
           </a:p>
           <a:p>
@@ -10626,108 +10897,140 @@
               <a:buNone/>
             </a:pPr>
             <a:r>
-              <a:rPr lang="pt-BR" dirty="0">
+              <a:rPr lang="da-DK" sz="2000" b="1" dirty="0">
+                <a:latin typeface="Times New Roman" panose="02020603050405020304" pitchFamily="18" charset="0"/>
+                <a:cs typeface="Times New Roman" panose="02020603050405020304" pitchFamily="18" charset="0"/>
+              </a:rPr>
+              <a:t>set</a:t>
+            </a:r>
+            <a:r>
+              <a:rPr lang="da-DK" sz="2000" dirty="0">
+                <a:latin typeface="Times New Roman" panose="02020603050405020304" pitchFamily="18" charset="0"/>
+                <a:cs typeface="Times New Roman" panose="02020603050405020304" pitchFamily="18" charset="0"/>
+              </a:rPr>
+              <a:t>([1, 2, 3, 4])</a:t>
+            </a:r>
+            <a:r>
+              <a:rPr lang="pt-BR" sz="2000" dirty="0">
+                <a:latin typeface="Times New Roman" panose="02020603050405020304" pitchFamily="18" charset="0"/>
+                <a:cs typeface="Times New Roman" panose="02020603050405020304" pitchFamily="18" charset="0"/>
+              </a:rPr>
+              <a:t> ou </a:t>
+            </a:r>
+            <a:r>
+              <a:rPr lang="pt-BR" sz="2000" b="1" dirty="0">
+                <a:latin typeface="Times New Roman" panose="02020603050405020304" pitchFamily="18" charset="0"/>
+                <a:cs typeface="Times New Roman" panose="02020603050405020304" pitchFamily="18" charset="0"/>
+              </a:rPr>
+              <a:t>s</a:t>
+            </a:r>
+            <a:r>
+              <a:rPr lang="pt-BR" sz="2000" dirty="0">
                 <a:latin typeface="Times New Roman" panose="02020603050405020304" pitchFamily="18" charset="0"/>
                 <a:cs typeface="Times New Roman" panose="02020603050405020304" pitchFamily="18" charset="0"/>
               </a:rPr>
               <a:t> </a:t>
             </a:r>
             <a:r>
-              <a:rPr lang="pt-BR" dirty="0">
-                <a:latin typeface="Times New Roman" panose="02020603050405020304" pitchFamily="18" charset="0"/>
-                <a:cs typeface="Times New Roman" panose="02020603050405020304" pitchFamily="18" charset="0"/>
-                <a:hlinkClick r:id="rId3"/>
-              </a:rPr>
-              <a:t>https://www.w3schools.com/python/python_variables.asp</a:t>
-            </a:r>
-            <a:endParaRPr lang="pt-BR" dirty="0">
+              <a:rPr lang="da-DK" sz="2000" dirty="0">
+                <a:latin typeface="Times New Roman" panose="02020603050405020304" pitchFamily="18" charset="0"/>
+                <a:cs typeface="Times New Roman" panose="02020603050405020304" pitchFamily="18" charset="0"/>
+              </a:rPr>
+              <a:t>= {1, 2, 3, 4}; </a:t>
+            </a:r>
+          </a:p>
+          <a:p>
+            <a:pPr marL="0" indent="0" algn="just">
+              <a:buNone/>
+            </a:pPr>
+            <a:r>
+              <a:rPr lang="da-DK" sz="2000" dirty="0">
+                <a:latin typeface="Times New Roman" panose="02020603050405020304" pitchFamily="18" charset="0"/>
+                <a:cs typeface="Times New Roman" panose="02020603050405020304" pitchFamily="18" charset="0"/>
+              </a:rPr>
+              <a:t>Ex.: </a:t>
+            </a:r>
+            <a:r>
+              <a:rPr lang="pt-BR" sz="2000" dirty="0">
+                <a:latin typeface="Times New Roman" panose="02020603050405020304" pitchFamily="18" charset="0"/>
+                <a:cs typeface="Times New Roman" panose="02020603050405020304" pitchFamily="18" charset="0"/>
+              </a:rPr>
+              <a:t>a</a:t>
+            </a:r>
+            <a:r>
+              <a:rPr lang="da-DK" sz="2000" dirty="0">
+                <a:latin typeface="Times New Roman" panose="02020603050405020304" pitchFamily="18" charset="0"/>
+                <a:cs typeface="Times New Roman" panose="02020603050405020304" pitchFamily="18" charset="0"/>
+              </a:rPr>
+              <a:t>={1, 2, 3, 4};  e </a:t>
+            </a:r>
+            <a:r>
+              <a:rPr lang="pt-BR" sz="2000" dirty="0">
+                <a:latin typeface="Times New Roman" panose="02020603050405020304" pitchFamily="18" charset="0"/>
+                <a:cs typeface="Times New Roman" panose="02020603050405020304" pitchFamily="18" charset="0"/>
+              </a:rPr>
+              <a:t>b</a:t>
+            </a:r>
+            <a:r>
+              <a:rPr lang="da-DK" sz="2000" dirty="0">
+                <a:latin typeface="Times New Roman" panose="02020603050405020304" pitchFamily="18" charset="0"/>
+                <a:cs typeface="Times New Roman" panose="02020603050405020304" pitchFamily="18" charset="0"/>
+              </a:rPr>
+              <a:t>={1, 5, 3, 7}; a.</a:t>
+            </a:r>
+            <a:r>
+              <a:rPr lang="da-DK" sz="2000" b="1" dirty="0">
+                <a:latin typeface="Times New Roman" panose="02020603050405020304" pitchFamily="18" charset="0"/>
+                <a:cs typeface="Times New Roman" panose="02020603050405020304" pitchFamily="18" charset="0"/>
+              </a:rPr>
+              <a:t>union</a:t>
+            </a:r>
+            <a:r>
+              <a:rPr lang="da-DK" sz="2000" dirty="0">
+                <a:latin typeface="Times New Roman" panose="02020603050405020304" pitchFamily="18" charset="0"/>
+                <a:cs typeface="Times New Roman" panose="02020603050405020304" pitchFamily="18" charset="0"/>
+              </a:rPr>
+              <a:t>(b); a. </a:t>
+            </a:r>
+            <a:r>
+              <a:rPr lang="da-DK" sz="2000" b="1" dirty="0">
+                <a:latin typeface="Times New Roman" panose="02020603050405020304" pitchFamily="18" charset="0"/>
+                <a:cs typeface="Times New Roman" panose="02020603050405020304" pitchFamily="18" charset="0"/>
+              </a:rPr>
+              <a:t>intersection</a:t>
+            </a:r>
+            <a:r>
+              <a:rPr lang="da-DK" sz="2000" dirty="0">
+                <a:latin typeface="Times New Roman" panose="02020603050405020304" pitchFamily="18" charset="0"/>
+                <a:cs typeface="Times New Roman" panose="02020603050405020304" pitchFamily="18" charset="0"/>
+              </a:rPr>
+              <a:t>(b); a. </a:t>
+            </a:r>
+            <a:r>
+              <a:rPr lang="da-DK" sz="2000" b="1" dirty="0">
+                <a:latin typeface="Times New Roman" panose="02020603050405020304" pitchFamily="18" charset="0"/>
+                <a:cs typeface="Times New Roman" panose="02020603050405020304" pitchFamily="18" charset="0"/>
+              </a:rPr>
+              <a:t>difference</a:t>
+            </a:r>
+            <a:r>
+              <a:rPr lang="da-DK" sz="2000" dirty="0">
+                <a:latin typeface="Times New Roman" panose="02020603050405020304" pitchFamily="18" charset="0"/>
+                <a:cs typeface="Times New Roman" panose="02020603050405020304" pitchFamily="18" charset="0"/>
+              </a:rPr>
+              <a:t>(b)</a:t>
+            </a:r>
+            <a:endParaRPr lang="pt-BR" sz="2000" dirty="0">
               <a:latin typeface="Times New Roman" panose="02020603050405020304" pitchFamily="18" charset="0"/>
               <a:cs typeface="Times New Roman" panose="02020603050405020304" pitchFamily="18" charset="0"/>
             </a:endParaRPr>
           </a:p>
-          <a:p>
-            <a:pPr marL="0" indent="0" algn="just">
-              <a:buNone/>
-            </a:pPr>
-            <a:endParaRPr lang="pt-BR" dirty="0">
-              <a:latin typeface="Times New Roman" panose="02020603050405020304" pitchFamily="18" charset="0"/>
-              <a:cs typeface="Times New Roman" panose="02020603050405020304" pitchFamily="18" charset="0"/>
-            </a:endParaRPr>
-          </a:p>
-          <a:p>
-            <a:pPr marL="0" indent="0" algn="just">
-              <a:buNone/>
-            </a:pPr>
-            <a:r>
-              <a:rPr lang="pt-BR" dirty="0">
-                <a:latin typeface="Times New Roman" panose="02020603050405020304" pitchFamily="18" charset="0"/>
-                <a:cs typeface="Times New Roman" panose="02020603050405020304" pitchFamily="18" charset="0"/>
-              </a:rPr>
-              <a:t>[2] Site: </a:t>
-            </a:r>
-            <a:r>
-              <a:rPr lang="pt-BR" dirty="0">
-                <a:latin typeface="Times New Roman" panose="02020603050405020304" pitchFamily="18" charset="0"/>
-                <a:cs typeface="Times New Roman" panose="02020603050405020304" pitchFamily="18" charset="0"/>
-                <a:hlinkClick r:id="rId4"/>
-              </a:rPr>
-              <a:t>https://docs.python.org/pt-br/3/tutorial/</a:t>
-            </a:r>
-            <a:endParaRPr lang="pt-BR" dirty="0">
-              <a:latin typeface="Times New Roman" panose="02020603050405020304" pitchFamily="18" charset="0"/>
-              <a:cs typeface="Times New Roman" panose="02020603050405020304" pitchFamily="18" charset="0"/>
-            </a:endParaRPr>
-          </a:p>
-          <a:p>
-            <a:pPr marL="0" indent="0" algn="just">
-              <a:buNone/>
-            </a:pPr>
-            <a:endParaRPr lang="pt-BR" dirty="0">
-              <a:latin typeface="Times New Roman" panose="02020603050405020304" pitchFamily="18" charset="0"/>
-              <a:cs typeface="Times New Roman" panose="02020603050405020304" pitchFamily="18" charset="0"/>
-            </a:endParaRPr>
-          </a:p>
-          <a:p>
-            <a:pPr marL="0" indent="0" algn="just">
-              <a:buNone/>
-            </a:pPr>
-            <a:endParaRPr lang="pt-BR" dirty="0">
-              <a:latin typeface="Times New Roman" panose="02020603050405020304" pitchFamily="18" charset="0"/>
-              <a:cs typeface="Times New Roman" panose="02020603050405020304" pitchFamily="18" charset="0"/>
-            </a:endParaRPr>
-          </a:p>
-          <a:p>
-            <a:pPr marL="0" indent="0" algn="just">
-              <a:buNone/>
-            </a:pPr>
-            <a:endParaRPr lang="pt-BR" dirty="0">
-              <a:latin typeface="Times New Roman" panose="02020603050405020304" pitchFamily="18" charset="0"/>
-              <a:cs typeface="Times New Roman" panose="02020603050405020304" pitchFamily="18" charset="0"/>
-            </a:endParaRPr>
-          </a:p>
-          <a:p>
-            <a:pPr marL="0" indent="0" algn="just">
-              <a:buNone/>
-            </a:pPr>
-            <a:endParaRPr lang="pt-BR" dirty="0">
-              <a:latin typeface="Times New Roman" panose="02020603050405020304" pitchFamily="18" charset="0"/>
-              <a:cs typeface="Times New Roman" panose="02020603050405020304" pitchFamily="18" charset="0"/>
-            </a:endParaRPr>
-          </a:p>
-          <a:p>
-            <a:pPr marL="0" indent="0" algn="just">
-              <a:buNone/>
-            </a:pPr>
-            <a:endParaRPr lang="pt-BR" dirty="0">
-              <a:latin typeface="Calibri" panose="020F0502020204030204" pitchFamily="34" charset="0"/>
-            </a:endParaRPr>
-          </a:p>
         </p:txBody>
       </p:sp>
     </p:spTree>
     <p:extLst>
       <p:ext uri="{BB962C8B-B14F-4D97-AF65-F5344CB8AC3E}">
-        <p14:creationId xmlns:p14="http://schemas.microsoft.com/office/powerpoint/2010/main" val="2747596967"/>
+        <p14:creationId xmlns:p14="http://schemas.microsoft.com/office/powerpoint/2010/main" val="1679403773"/>
       </p:ext>
     </p:extLst>
   </p:cSld>
@@ -10778,7 +11081,7 @@
                   <a:srgbClr val="0070C0"/>
                 </a:solidFill>
               </a:rPr>
-              <a:t>Aprenda</a:t>
+              <a:t>Leitura</a:t>
             </a:r>
             <a:r>
               <a:rPr lang="en-US" b="1" dirty="0">
@@ -10786,8 +11089,21 @@
                   <a:srgbClr val="0070C0"/>
                 </a:solidFill>
               </a:rPr>
-              <a:t>+</a:t>
-            </a:r>
+              <a:t> </a:t>
+            </a:r>
+            <a:r>
+              <a:rPr lang="en-US" b="1" dirty="0" err="1">
+                <a:solidFill>
+                  <a:srgbClr val="0070C0"/>
+                </a:solidFill>
+              </a:rPr>
+              <a:t>Específica</a:t>
+            </a:r>
+            <a:endParaRPr lang="en-US" b="1" dirty="0">
+              <a:solidFill>
+                <a:srgbClr val="0070C0"/>
+              </a:solidFill>
+            </a:endParaRPr>
           </a:p>
         </p:txBody>
       </p:sp>
@@ -10816,7 +11132,7 @@
             <a:pPr marL="0" indent="0" algn="just">
               <a:buNone/>
             </a:pPr>
-            <a:endParaRPr lang="pt-BR" sz="2000" dirty="0">
+            <a:endParaRPr lang="pt-BR" dirty="0">
               <a:latin typeface="Times New Roman" panose="02020603050405020304" pitchFamily="18" charset="0"/>
               <a:cs typeface="Times New Roman" panose="02020603050405020304" pitchFamily="18" charset="0"/>
             </a:endParaRPr>
@@ -10826,21 +11142,33 @@
               <a:buNone/>
             </a:pPr>
             <a:r>
-              <a:rPr lang="pt-BR" sz="2000" dirty="0">
-                <a:latin typeface="Times New Roman" panose="02020603050405020304" pitchFamily="18" charset="0"/>
-                <a:cs typeface="Times New Roman" panose="02020603050405020304" pitchFamily="18" charset="0"/>
-              </a:rPr>
-              <a:t>[1] </a:t>
-            </a:r>
-            <a:r>
-              <a:rPr lang="pt-BR" sz="2000" dirty="0">
+              <a:rPr lang="pt-BR" dirty="0">
+                <a:latin typeface="Times New Roman" panose="02020603050405020304" pitchFamily="18" charset="0"/>
+                <a:cs typeface="Times New Roman" panose="02020603050405020304" pitchFamily="18" charset="0"/>
+              </a:rPr>
+              <a:t>[1] Site:</a:t>
+            </a:r>
+          </a:p>
+          <a:p>
+            <a:pPr marL="0" indent="0" algn="just">
+              <a:buNone/>
+            </a:pPr>
+            <a:r>
+              <a:rPr lang="pt-BR" dirty="0">
+                <a:latin typeface="Times New Roman" panose="02020603050405020304" pitchFamily="18" charset="0"/>
+                <a:cs typeface="Times New Roman" panose="02020603050405020304" pitchFamily="18" charset="0"/>
+              </a:rPr>
+              <a:t> </a:t>
+            </a:r>
+            <a:r>
+              <a:rPr lang="pt-BR" dirty="0">
                 <a:latin typeface="Times New Roman" panose="02020603050405020304" pitchFamily="18" charset="0"/>
                 <a:cs typeface="Times New Roman" panose="02020603050405020304" pitchFamily="18" charset="0"/>
                 <a:hlinkClick r:id="rId3"/>
               </a:rPr>
-              <a:t>https://www.programiz.com/python-programming/variables-constants-literals</a:t>
-            </a:r>
-            <a:endParaRPr lang="pt-BR" sz="2000" dirty="0">
+              <a:t>https://www.w3schools.com/python/python_variables.asp</a:t>
+            </a:r>
+            <a:endParaRPr lang="pt-BR" dirty="0">
               <a:latin typeface="Times New Roman" panose="02020603050405020304" pitchFamily="18" charset="0"/>
               <a:cs typeface="Times New Roman" panose="02020603050405020304" pitchFamily="18" charset="0"/>
             </a:endParaRPr>
@@ -10849,7 +11177,7 @@
             <a:pPr marL="0" indent="0" algn="just">
               <a:buNone/>
             </a:pPr>
-            <a:endParaRPr lang="pt-BR" sz="2000" dirty="0">
+            <a:endParaRPr lang="pt-BR" dirty="0">
               <a:latin typeface="Times New Roman" panose="02020603050405020304" pitchFamily="18" charset="0"/>
               <a:cs typeface="Times New Roman" panose="02020603050405020304" pitchFamily="18" charset="0"/>
             </a:endParaRPr>
@@ -10859,21 +11187,21 @@
               <a:buNone/>
             </a:pPr>
             <a:r>
-              <a:rPr lang="pt-BR" sz="2000" dirty="0">
-                <a:latin typeface="Times New Roman" panose="02020603050405020304" pitchFamily="18" charset="0"/>
-                <a:cs typeface="Times New Roman" panose="02020603050405020304" pitchFamily="18" charset="0"/>
-              </a:rPr>
-              <a:t>[2] </a:t>
-            </a:r>
-            <a:r>
-              <a:rPr lang="pt-BR" sz="2000" dirty="0">
+              <a:rPr lang="pt-BR" dirty="0">
+                <a:latin typeface="Times New Roman" panose="02020603050405020304" pitchFamily="18" charset="0"/>
+                <a:cs typeface="Times New Roman" panose="02020603050405020304" pitchFamily="18" charset="0"/>
+              </a:rPr>
+              <a:t>[2] Site: </a:t>
+            </a:r>
+            <a:r>
+              <a:rPr lang="pt-BR" dirty="0">
                 <a:latin typeface="Times New Roman" panose="02020603050405020304" pitchFamily="18" charset="0"/>
                 <a:cs typeface="Times New Roman" panose="02020603050405020304" pitchFamily="18" charset="0"/>
                 <a:hlinkClick r:id="rId4"/>
               </a:rPr>
-              <a:t>https://www.programiz.com/python-programming/examples/swap-variables</a:t>
-            </a:r>
-            <a:endParaRPr lang="pt-BR" sz="2000" dirty="0">
+              <a:t>https://docs.python.org/pt-br/3/tutorial/</a:t>
+            </a:r>
+            <a:endParaRPr lang="pt-BR" dirty="0">
               <a:latin typeface="Times New Roman" panose="02020603050405020304" pitchFamily="18" charset="0"/>
               <a:cs typeface="Times New Roman" panose="02020603050405020304" pitchFamily="18" charset="0"/>
             </a:endParaRPr>
@@ -10882,7 +11210,7 @@
             <a:pPr marL="0" indent="0" algn="just">
               <a:buNone/>
             </a:pPr>
-            <a:endParaRPr lang="pt-BR" sz="2000" dirty="0">
+            <a:endParaRPr lang="pt-BR" dirty="0">
               <a:latin typeface="Times New Roman" panose="02020603050405020304" pitchFamily="18" charset="0"/>
               <a:cs typeface="Times New Roman" panose="02020603050405020304" pitchFamily="18" charset="0"/>
             </a:endParaRPr>
@@ -10891,48 +11219,7 @@
             <a:pPr marL="0" indent="0" algn="just">
               <a:buNone/>
             </a:pPr>
-            <a:r>
-              <a:rPr lang="pt-BR" sz="2000" dirty="0">
-                <a:latin typeface="Times New Roman" panose="02020603050405020304" pitchFamily="18" charset="0"/>
-                <a:cs typeface="Times New Roman" panose="02020603050405020304" pitchFamily="18" charset="0"/>
-              </a:rPr>
-              <a:t>- </a:t>
-            </a:r>
-            <a:r>
-              <a:rPr lang="pt-BR" sz="2000" dirty="0" err="1">
-                <a:latin typeface="Times New Roman" panose="02020603050405020304" pitchFamily="18" charset="0"/>
-                <a:cs typeface="Times New Roman" panose="02020603050405020304" pitchFamily="18" charset="0"/>
-              </a:rPr>
-              <a:t>Tuplas</a:t>
-            </a:r>
-            <a:r>
-              <a:rPr lang="pt-BR" sz="2000" dirty="0">
-                <a:latin typeface="Times New Roman" panose="02020603050405020304" pitchFamily="18" charset="0"/>
-                <a:cs typeface="Times New Roman" panose="02020603050405020304" pitchFamily="18" charset="0"/>
-              </a:rPr>
-              <a:t> Nomeadas</a:t>
-            </a:r>
-          </a:p>
-          <a:p>
-            <a:pPr marL="0" indent="0" algn="just">
-              <a:buNone/>
-            </a:pPr>
-            <a:r>
-              <a:rPr lang="pt-BR" sz="2000" dirty="0">
-                <a:latin typeface="Times New Roman" panose="02020603050405020304" pitchFamily="18" charset="0"/>
-                <a:cs typeface="Times New Roman" panose="02020603050405020304" pitchFamily="18" charset="0"/>
-              </a:rPr>
-              <a:t>[3] </a:t>
-            </a:r>
-            <a:r>
-              <a:rPr lang="pt-BR" sz="2000" dirty="0">
-                <a:latin typeface="Times New Roman" panose="02020603050405020304" pitchFamily="18" charset="0"/>
-                <a:cs typeface="Times New Roman" panose="02020603050405020304" pitchFamily="18" charset="0"/>
-                <a:hlinkClick r:id="rId5"/>
-              </a:rPr>
-              <a:t>https://www.youtube.com/watch?v=IkoaXbLsUg8</a:t>
-            </a:r>
-            <a:endParaRPr lang="pt-BR" sz="2000" dirty="0">
+            <a:endParaRPr lang="pt-BR" dirty="0">
               <a:latin typeface="Times New Roman" panose="02020603050405020304" pitchFamily="18" charset="0"/>
               <a:cs typeface="Times New Roman" panose="02020603050405020304" pitchFamily="18" charset="0"/>
             </a:endParaRPr>
@@ -10941,7 +11228,7 @@
             <a:pPr marL="0" indent="0" algn="just">
               <a:buNone/>
             </a:pPr>
-            <a:endParaRPr lang="pt-BR" sz="2000" dirty="0">
+            <a:endParaRPr lang="pt-BR" dirty="0">
               <a:latin typeface="Times New Roman" panose="02020603050405020304" pitchFamily="18" charset="0"/>
               <a:cs typeface="Times New Roman" panose="02020603050405020304" pitchFamily="18" charset="0"/>
             </a:endParaRPr>
@@ -10950,7 +11237,7 @@
             <a:pPr marL="0" indent="0" algn="just">
               <a:buNone/>
             </a:pPr>
-            <a:endParaRPr lang="pt-BR" sz="2000" dirty="0">
+            <a:endParaRPr lang="pt-BR" dirty="0">
               <a:latin typeface="Times New Roman" panose="02020603050405020304" pitchFamily="18" charset="0"/>
               <a:cs typeface="Times New Roman" panose="02020603050405020304" pitchFamily="18" charset="0"/>
             </a:endParaRPr>
@@ -10959,7 +11246,7 @@
             <a:pPr marL="0" indent="0" algn="just">
               <a:buNone/>
             </a:pPr>
-            <a:endParaRPr lang="pt-BR" sz="2000" dirty="0">
+            <a:endParaRPr lang="pt-BR" dirty="0">
               <a:latin typeface="Calibri" panose="020F0502020204030204" pitchFamily="34" charset="0"/>
             </a:endParaRPr>
           </a:p>
@@ -10968,7 +11255,7 @@
     </p:spTree>
     <p:extLst>
       <p:ext uri="{BB962C8B-B14F-4D97-AF65-F5344CB8AC3E}">
-        <p14:creationId xmlns:p14="http://schemas.microsoft.com/office/powerpoint/2010/main" val="3680270425"/>
+        <p14:creationId xmlns:p14="http://schemas.microsoft.com/office/powerpoint/2010/main" val="2747596967"/>
       </p:ext>
     </p:extLst>
   </p:cSld>
@@ -11019,7 +11306,7 @@
                   <a:srgbClr val="0070C0"/>
                 </a:solidFill>
               </a:rPr>
-              <a:t>Dinâmica</a:t>
+              <a:t>Aprenda</a:t>
             </a:r>
             <a:r>
               <a:rPr lang="en-US" b="1" dirty="0">
@@ -11027,21 +11314,8 @@
                   <a:srgbClr val="0070C0"/>
                 </a:solidFill>
               </a:rPr>
-              <a:t>/</a:t>
-            </a:r>
-            <a:r>
-              <a:rPr lang="en-US" b="1" dirty="0" err="1">
-                <a:solidFill>
-                  <a:srgbClr val="0070C0"/>
-                </a:solidFill>
-              </a:rPr>
-              <a:t>Atividades</a:t>
-            </a:r>
-            <a:endParaRPr lang="en-US" b="1" dirty="0">
-              <a:solidFill>
-                <a:srgbClr val="0070C0"/>
-              </a:solidFill>
-            </a:endParaRPr>
+              <a:t>+</a:t>
+            </a:r>
           </a:p>
         </p:txBody>
       </p:sp>
@@ -11057,8 +11331,8 @@
         </p:nvSpPr>
         <p:spPr>
           <a:xfrm>
-            <a:off x="139472" y="1063230"/>
-            <a:ext cx="8865056" cy="3606305"/>
+            <a:off x="142865" y="1200151"/>
+            <a:ext cx="8865056" cy="3394472"/>
           </a:xfrm>
         </p:spPr>
         <p:txBody>
@@ -11067,36 +11341,162 @@
           </a:bodyPr>
           <a:lstStyle/>
           <a:p>
-            <a:pPr algn="just">
-              <a:buFontTx/>
-              <a:buChar char="-"/>
+            <a:pPr marL="0" indent="0" algn="just">
+              <a:buNone/>
             </a:pPr>
-            <a:r>
-              <a:rPr lang="pt-BR" dirty="0">
-                <a:latin typeface="Times New Roman" panose="02020603050405020304" pitchFamily="18" charset="0"/>
-                <a:cs typeface="Times New Roman" panose="02020603050405020304" pitchFamily="18" charset="0"/>
-              </a:rPr>
-              <a:t>Exercícios de Fixação</a:t>
-            </a:r>
+            <a:endParaRPr lang="pt-BR" sz="2000" dirty="0">
+              <a:latin typeface="Times New Roman" panose="02020603050405020304" pitchFamily="18" charset="0"/>
+              <a:cs typeface="Times New Roman" panose="02020603050405020304" pitchFamily="18" charset="0"/>
+            </a:endParaRPr>
           </a:p>
           <a:p>
             <a:pPr marL="0" indent="0" algn="just">
               <a:buNone/>
             </a:pPr>
             <a:r>
-              <a:rPr lang="pt-BR" dirty="0">
-                <a:latin typeface="Times New Roman" panose="02020603050405020304" pitchFamily="18" charset="0"/>
-                <a:cs typeface="Times New Roman" panose="02020603050405020304" pitchFamily="18" charset="0"/>
-              </a:rPr>
-              <a:t>	Desafios em Sala de Aula.</a:t>
-            </a:r>
+              <a:rPr lang="pt-BR" sz="2000" dirty="0">
+                <a:latin typeface="Times New Roman" panose="02020603050405020304" pitchFamily="18" charset="0"/>
+                <a:cs typeface="Times New Roman" panose="02020603050405020304" pitchFamily="18" charset="0"/>
+              </a:rPr>
+              <a:t>[1] </a:t>
+            </a:r>
+            <a:r>
+              <a:rPr lang="pt-BR" sz="2000" dirty="0">
+                <a:latin typeface="Times New Roman" panose="02020603050405020304" pitchFamily="18" charset="0"/>
+                <a:cs typeface="Times New Roman" panose="02020603050405020304" pitchFamily="18" charset="0"/>
+                <a:hlinkClick r:id="rId3"/>
+              </a:rPr>
+              <a:t>https://www.programiz.com/python-programming/variables-constants-literals</a:t>
+            </a:r>
+            <a:endParaRPr lang="pt-BR" sz="2000" dirty="0">
+              <a:latin typeface="Times New Roman" panose="02020603050405020304" pitchFamily="18" charset="0"/>
+              <a:cs typeface="Times New Roman" panose="02020603050405020304" pitchFamily="18" charset="0"/>
+            </a:endParaRPr>
+          </a:p>
+          <a:p>
+            <a:pPr marL="0" indent="0" algn="just">
+              <a:buNone/>
+            </a:pPr>
+            <a:endParaRPr lang="pt-BR" sz="2000" dirty="0">
+              <a:latin typeface="Times New Roman" panose="02020603050405020304" pitchFamily="18" charset="0"/>
+              <a:cs typeface="Times New Roman" panose="02020603050405020304" pitchFamily="18" charset="0"/>
+            </a:endParaRPr>
+          </a:p>
+          <a:p>
+            <a:pPr marL="0" indent="0" algn="just">
+              <a:buNone/>
+            </a:pPr>
+            <a:r>
+              <a:rPr lang="pt-BR" sz="2000" dirty="0">
+                <a:latin typeface="Times New Roman" panose="02020603050405020304" pitchFamily="18" charset="0"/>
+                <a:cs typeface="Times New Roman" panose="02020603050405020304" pitchFamily="18" charset="0"/>
+              </a:rPr>
+              <a:t>[2] </a:t>
+            </a:r>
+            <a:r>
+              <a:rPr lang="pt-BR" sz="2000" dirty="0">
+                <a:latin typeface="Times New Roman" panose="02020603050405020304" pitchFamily="18" charset="0"/>
+                <a:cs typeface="Times New Roman" panose="02020603050405020304" pitchFamily="18" charset="0"/>
+                <a:hlinkClick r:id="rId4"/>
+              </a:rPr>
+              <a:t>https://www.programiz.com/python-programming/examples/swap-variables</a:t>
+            </a:r>
+            <a:endParaRPr lang="pt-BR" sz="2000" dirty="0">
+              <a:latin typeface="Times New Roman" panose="02020603050405020304" pitchFamily="18" charset="0"/>
+              <a:cs typeface="Times New Roman" panose="02020603050405020304" pitchFamily="18" charset="0"/>
+            </a:endParaRPr>
+          </a:p>
+          <a:p>
+            <a:pPr marL="0" indent="0" algn="just">
+              <a:buNone/>
+            </a:pPr>
+            <a:endParaRPr lang="pt-BR" sz="2000" dirty="0">
+              <a:latin typeface="Times New Roman" panose="02020603050405020304" pitchFamily="18" charset="0"/>
+              <a:cs typeface="Times New Roman" panose="02020603050405020304" pitchFamily="18" charset="0"/>
+            </a:endParaRPr>
+          </a:p>
+          <a:p>
+            <a:pPr marL="0" indent="0" algn="just">
+              <a:buNone/>
+            </a:pPr>
+            <a:r>
+              <a:rPr lang="pt-BR" sz="2000" dirty="0">
+                <a:latin typeface="Times New Roman" panose="02020603050405020304" pitchFamily="18" charset="0"/>
+                <a:cs typeface="Times New Roman" panose="02020603050405020304" pitchFamily="18" charset="0"/>
+              </a:rPr>
+              <a:t>- </a:t>
+            </a:r>
+            <a:r>
+              <a:rPr lang="pt-BR" sz="2000" dirty="0" err="1">
+                <a:latin typeface="Times New Roman" panose="02020603050405020304" pitchFamily="18" charset="0"/>
+                <a:cs typeface="Times New Roman" panose="02020603050405020304" pitchFamily="18" charset="0"/>
+              </a:rPr>
+              <a:t>Tuplas</a:t>
+            </a:r>
+            <a:r>
+              <a:rPr lang="pt-BR" sz="2000" dirty="0">
+                <a:latin typeface="Times New Roman" panose="02020603050405020304" pitchFamily="18" charset="0"/>
+                <a:cs typeface="Times New Roman" panose="02020603050405020304" pitchFamily="18" charset="0"/>
+              </a:rPr>
+              <a:t> Nomeadas</a:t>
+            </a:r>
+          </a:p>
+          <a:p>
+            <a:pPr marL="0" indent="0" algn="just">
+              <a:buNone/>
+            </a:pPr>
+            <a:r>
+              <a:rPr lang="pt-BR" sz="2000" dirty="0">
+                <a:latin typeface="Times New Roman" panose="02020603050405020304" pitchFamily="18" charset="0"/>
+                <a:cs typeface="Times New Roman" panose="02020603050405020304" pitchFamily="18" charset="0"/>
+              </a:rPr>
+              <a:t>[3] </a:t>
+            </a:r>
+            <a:r>
+              <a:rPr lang="pt-BR" sz="2000" dirty="0">
+                <a:latin typeface="Times New Roman" panose="02020603050405020304" pitchFamily="18" charset="0"/>
+                <a:cs typeface="Times New Roman" panose="02020603050405020304" pitchFamily="18" charset="0"/>
+                <a:hlinkClick r:id="rId5"/>
+              </a:rPr>
+              <a:t>https://www.youtube.com/watch?v=IkoaXbLsUg8</a:t>
+            </a:r>
+            <a:endParaRPr lang="pt-BR" sz="2000" dirty="0">
+              <a:latin typeface="Times New Roman" panose="02020603050405020304" pitchFamily="18" charset="0"/>
+              <a:cs typeface="Times New Roman" panose="02020603050405020304" pitchFamily="18" charset="0"/>
+            </a:endParaRPr>
+          </a:p>
+          <a:p>
+            <a:pPr marL="0" indent="0" algn="just">
+              <a:buNone/>
+            </a:pPr>
+            <a:endParaRPr lang="pt-BR" sz="2000" dirty="0">
+              <a:latin typeface="Times New Roman" panose="02020603050405020304" pitchFamily="18" charset="0"/>
+              <a:cs typeface="Times New Roman" panose="02020603050405020304" pitchFamily="18" charset="0"/>
+            </a:endParaRPr>
+          </a:p>
+          <a:p>
+            <a:pPr marL="0" indent="0" algn="just">
+              <a:buNone/>
+            </a:pPr>
+            <a:endParaRPr lang="pt-BR" sz="2000" dirty="0">
+              <a:latin typeface="Times New Roman" panose="02020603050405020304" pitchFamily="18" charset="0"/>
+              <a:cs typeface="Times New Roman" panose="02020603050405020304" pitchFamily="18" charset="0"/>
+            </a:endParaRPr>
+          </a:p>
+          <a:p>
+            <a:pPr marL="0" indent="0" algn="just">
+              <a:buNone/>
+            </a:pPr>
+            <a:endParaRPr lang="pt-BR" sz="2000" dirty="0">
+              <a:latin typeface="Calibri" panose="020F0502020204030204" pitchFamily="34" charset="0"/>
+            </a:endParaRPr>
           </a:p>
         </p:txBody>
       </p:sp>
     </p:spTree>
     <p:extLst>
       <p:ext uri="{BB962C8B-B14F-4D97-AF65-F5344CB8AC3E}">
-        <p14:creationId xmlns:p14="http://schemas.microsoft.com/office/powerpoint/2010/main" val="2470652989"/>
+        <p14:creationId xmlns:p14="http://schemas.microsoft.com/office/powerpoint/2010/main" val="3680270425"/>
       </p:ext>
     </p:extLst>
   </p:cSld>
@@ -11147,6 +11547,134 @@
                   <a:srgbClr val="0070C0"/>
                 </a:solidFill>
               </a:rPr>
+              <a:t>Dinâmica</a:t>
+            </a:r>
+            <a:r>
+              <a:rPr lang="en-US" b="1" dirty="0">
+                <a:solidFill>
+                  <a:srgbClr val="0070C0"/>
+                </a:solidFill>
+              </a:rPr>
+              <a:t>/</a:t>
+            </a:r>
+            <a:r>
+              <a:rPr lang="en-US" b="1" dirty="0" err="1">
+                <a:solidFill>
+                  <a:srgbClr val="0070C0"/>
+                </a:solidFill>
+              </a:rPr>
+              <a:t>Atividades</a:t>
+            </a:r>
+            <a:endParaRPr lang="en-US" b="1" dirty="0">
+              <a:solidFill>
+                <a:srgbClr val="0070C0"/>
+              </a:solidFill>
+            </a:endParaRPr>
+          </a:p>
+        </p:txBody>
+      </p:sp>
+      <p:sp>
+        <p:nvSpPr>
+          <p:cNvPr id="8" name="Text Placeholder 2"/>
+          <p:cNvSpPr>
+            <a:spLocks noGrp="1"/>
+          </p:cNvSpPr>
+          <p:nvPr>
+            <p:ph type="body" sz="half" idx="1"/>
+          </p:nvPr>
+        </p:nvSpPr>
+        <p:spPr>
+          <a:xfrm>
+            <a:off x="139472" y="1063230"/>
+            <a:ext cx="8865056" cy="3606305"/>
+          </a:xfrm>
+        </p:spPr>
+        <p:txBody>
+          <a:bodyPr>
+            <a:noAutofit/>
+          </a:bodyPr>
+          <a:lstStyle/>
+          <a:p>
+            <a:pPr algn="just">
+              <a:buFontTx/>
+              <a:buChar char="-"/>
+            </a:pPr>
+            <a:r>
+              <a:rPr lang="pt-BR" dirty="0">
+                <a:latin typeface="Times New Roman" panose="02020603050405020304" pitchFamily="18" charset="0"/>
+                <a:cs typeface="Times New Roman" panose="02020603050405020304" pitchFamily="18" charset="0"/>
+              </a:rPr>
+              <a:t>Exercícios de Fixação</a:t>
+            </a:r>
+          </a:p>
+          <a:p>
+            <a:pPr marL="0" indent="0" algn="just">
+              <a:buNone/>
+            </a:pPr>
+            <a:r>
+              <a:rPr lang="pt-BR" dirty="0">
+                <a:latin typeface="Times New Roman" panose="02020603050405020304" pitchFamily="18" charset="0"/>
+                <a:cs typeface="Times New Roman" panose="02020603050405020304" pitchFamily="18" charset="0"/>
+              </a:rPr>
+              <a:t>	Desafios em Sala de Aula.</a:t>
+            </a:r>
+          </a:p>
+        </p:txBody>
+      </p:sp>
+    </p:spTree>
+    <p:extLst>
+      <p:ext uri="{BB962C8B-B14F-4D97-AF65-F5344CB8AC3E}">
+        <p14:creationId xmlns:p14="http://schemas.microsoft.com/office/powerpoint/2010/main" val="2470652989"/>
+      </p:ext>
+    </p:extLst>
+  </p:cSld>
+  <p:clrMapOvr>
+    <a:masterClrMapping/>
+  </p:clrMapOvr>
+  <p:transition spd="med"/>
+</p:sld>
+</file>
+
+<file path=ppt/slides/slide24.xml><?xml version="1.0" encoding="utf-8"?>
+<p:sld xmlns:a="http://schemas.openxmlformats.org/drawingml/2006/main" xmlns:r="http://schemas.openxmlformats.org/officeDocument/2006/relationships" xmlns:p="http://schemas.openxmlformats.org/presentationml/2006/main">
+  <p:cSld>
+    <p:spTree>
+      <p:nvGrpSpPr>
+        <p:cNvPr id="1" name=""/>
+        <p:cNvGrpSpPr/>
+        <p:nvPr/>
+      </p:nvGrpSpPr>
+      <p:grpSpPr>
+        <a:xfrm>
+          <a:off x="0" y="0"/>
+          <a:ext cx="0" cy="0"/>
+          <a:chOff x="0" y="0"/>
+          <a:chExt cx="0" cy="0"/>
+        </a:xfrm>
+      </p:grpSpPr>
+      <p:sp>
+        <p:nvSpPr>
+          <p:cNvPr id="6" name="Title 1"/>
+          <p:cNvSpPr>
+            <a:spLocks noGrp="1"/>
+          </p:cNvSpPr>
+          <p:nvPr>
+            <p:ph type="title"/>
+          </p:nvPr>
+        </p:nvSpPr>
+        <p:spPr/>
+        <p:txBody>
+          <a:bodyPr>
+            <a:normAutofit/>
+          </a:bodyPr>
+          <a:lstStyle/>
+          <a:p>
+            <a:r>
+              <a:rPr lang="en-US" b="1" dirty="0" err="1">
+                <a:solidFill>
+                  <a:srgbClr val="0070C0"/>
+                </a:solidFill>
+              </a:rPr>
               <a:t>Referências</a:t>
             </a:r>
             <a:r>
@@ -11308,7 +11836,7 @@
 </p:sld>
 </file>
 
-<file path=ppt/slides/slide24.xml><?xml version="1.0" encoding="utf-8"?>
+<file path=ppt/slides/slide25.xml><?xml version="1.0" encoding="utf-8"?>
 <p:sld xmlns:a="http://schemas.openxmlformats.org/drawingml/2006/main" xmlns:r="http://schemas.openxmlformats.org/officeDocument/2006/relationships" xmlns:p="http://schemas.openxmlformats.org/presentationml/2006/main">
   <p:cSld>
     <p:spTree>
@@ -11424,8 +11952,8 @@
         </p:nvSpPr>
         <p:spPr>
           <a:xfrm>
-            <a:off x="348258" y="2277667"/>
-            <a:ext cx="8681444" cy="1102519"/>
+            <a:off x="285751" y="2386770"/>
+            <a:ext cx="8615364" cy="1102519"/>
           </a:xfrm>
         </p:spPr>
         <p:txBody>
@@ -11434,16 +11962,13 @@
           </a:bodyPr>
           <a:lstStyle/>
           <a:p>
-            <a:pPr algn="ctr"/>
-            <a:r>
-              <a:rPr lang="pt-BR" sz="3200" b="1" dirty="0">
+            <a:r>
+              <a:rPr lang="pt-BR" sz="4800" b="1" dirty="0">
                 <a:solidFill>
                   <a:schemeClr val="bg1"/>
                 </a:solidFill>
-                <a:latin typeface="Calibri" panose="020F0502020204030204" pitchFamily="34" charset="0"/>
-                <a:cs typeface="Calibri" panose="020F0502020204030204" pitchFamily="34" charset="0"/>
-              </a:rPr>
-              <a:t>Desenvolvimento Rápido de Aplicações em Python</a:t>
+              </a:rPr>
+              <a:t>Programação Python</a:t>
             </a:r>
           </a:p>
         </p:txBody>
@@ -11735,12 +12260,12 @@
               <a:t>Professor </a:t>
             </a:r>
             <a:r>
-              <a:rPr lang="pt-BR" sz="2000" b="1" dirty="0" err="1">
+              <a:rPr lang="pt-BR" sz="2000" b="1">
                 <a:solidFill>
                   <a:schemeClr val="bg1"/>
                 </a:solidFill>
               </a:rPr>
-              <a:t>MSc</a:t>
+              <a:t>M.Sc</a:t>
             </a:r>
             <a:r>
               <a:rPr lang="pt-BR" sz="2000" b="1" dirty="0">
@@ -11754,11 +12279,6 @@
         </p:txBody>
       </p:sp>
     </p:spTree>
-    <p:extLst>
-      <p:ext uri="{BB962C8B-B14F-4D97-AF65-F5344CB8AC3E}">
-        <p14:creationId xmlns:p14="http://schemas.microsoft.com/office/powerpoint/2010/main" val="2521365980"/>
-      </p:ext>
-    </p:extLst>
   </p:cSld>
   <p:clrMapOvr>
     <a:masterClrMapping/>
@@ -12374,14 +12894,14 @@
               <a:buNone/>
             </a:pPr>
             <a:r>
-              <a:rPr lang="pt-BR" sz="2000" b="1" dirty="0">
+              <a:rPr lang="pt-BR" sz="2400" b="1" dirty="0">
                 <a:solidFill>
                   <a:srgbClr val="FF0000"/>
                 </a:solidFill>
                 <a:latin typeface="Times New Roman" panose="02020603050405020304" pitchFamily="18" charset="0"/>
                 <a:cs typeface="Times New Roman" panose="02020603050405020304" pitchFamily="18" charset="0"/>
               </a:rPr>
-              <a:t>Podem guardar dados de tipos diferentes (Métodos)</a:t>
+              <a:t>Podem guardar dados de tipos diferentes</a:t>
             </a:r>
           </a:p>
           <a:p>
@@ -12389,7 +12909,22 @@
               <a:buNone/>
             </a:pPr>
             <a:r>
-              <a:rPr lang="pt-BR" sz="2000" dirty="0">
+              <a:rPr lang="pt-BR" sz="2400" b="1" dirty="0">
+                <a:solidFill>
+                  <a:srgbClr val="0070C0"/>
+                </a:solidFill>
+                <a:latin typeface="Times New Roman" panose="02020603050405020304" pitchFamily="18" charset="0"/>
+                <a:cs typeface="Times New Roman" panose="02020603050405020304" pitchFamily="18" charset="0"/>
+              </a:rPr>
+              <a:t>- MÉTODOS</a:t>
+            </a:r>
+          </a:p>
+          <a:p>
+            <a:pPr marL="0" indent="0" algn="just">
+              <a:buNone/>
+            </a:pPr>
+            <a:r>
+              <a:rPr lang="pt-BR" sz="2400" dirty="0">
                 <a:solidFill>
                   <a:schemeClr val="tx1"/>
                 </a:solidFill>
@@ -12399,7 +12934,7 @@
               <a:t>– Pode ser </a:t>
             </a:r>
             <a:r>
-              <a:rPr lang="pt-BR" sz="2000" b="1" dirty="0">
+              <a:rPr lang="pt-BR" sz="2400" b="1" dirty="0">
                 <a:solidFill>
                   <a:srgbClr val="FF0000"/>
                 </a:solidFill>
@@ -12409,14 +12944,44 @@
               <a:t>criadas</a:t>
             </a:r>
             <a:r>
-              <a:rPr lang="pt-BR" sz="2000" dirty="0">
-                <a:solidFill>
-                  <a:schemeClr val="tx1"/>
-                </a:solidFill>
-                <a:latin typeface="Times New Roman" panose="02020603050405020304" pitchFamily="18" charset="0"/>
-                <a:cs typeface="Times New Roman" panose="02020603050405020304" pitchFamily="18" charset="0"/>
-              </a:rPr>
-              <a:t> com ou sem elementos</a:t>
+              <a:rPr lang="pt-BR" sz="2400" dirty="0">
+                <a:solidFill>
+                  <a:schemeClr val="tx1"/>
+                </a:solidFill>
+                <a:latin typeface="Times New Roman" panose="02020603050405020304" pitchFamily="18" charset="0"/>
+                <a:cs typeface="Times New Roman" panose="02020603050405020304" pitchFamily="18" charset="0"/>
+              </a:rPr>
+              <a:t> com ou sem elementos, (</a:t>
+            </a:r>
+            <a:r>
+              <a:rPr lang="pt-BR" sz="2400" b="1" dirty="0">
+                <a:solidFill>
+                  <a:srgbClr val="FF0000"/>
+                </a:solidFill>
+                <a:latin typeface="Times New Roman" panose="02020603050405020304" pitchFamily="18" charset="0"/>
+                <a:cs typeface="Times New Roman" panose="02020603050405020304" pitchFamily="18" charset="0"/>
+              </a:rPr>
+              <a:t>lista = []</a:t>
+            </a:r>
+            <a:r>
+              <a:rPr lang="pt-BR" sz="2400" dirty="0">
+                <a:solidFill>
+                  <a:schemeClr val="tx1"/>
+                </a:solidFill>
+                <a:latin typeface="Times New Roman" panose="02020603050405020304" pitchFamily="18" charset="0"/>
+                <a:cs typeface="Times New Roman" panose="02020603050405020304" pitchFamily="18" charset="0"/>
+              </a:rPr>
+              <a:t> ou </a:t>
+            </a:r>
+            <a:r>
+              <a:rPr lang="pt-BR" sz="2400" b="1" dirty="0">
+                <a:solidFill>
+                  <a:srgbClr val="FF0000"/>
+                </a:solidFill>
+                <a:latin typeface="Times New Roman" panose="02020603050405020304" pitchFamily="18" charset="0"/>
+                <a:cs typeface="Times New Roman" panose="02020603050405020304" pitchFamily="18" charset="0"/>
+              </a:rPr>
+              <a:t>lista[4, 8, 2])</a:t>
             </a:r>
           </a:p>
           <a:p>
@@ -12424,202 +12989,266 @@
               <a:buNone/>
             </a:pPr>
             <a:r>
-              <a:rPr lang="pt-BR" sz="2000" dirty="0">
-                <a:solidFill>
-                  <a:schemeClr val="tx1"/>
-                </a:solidFill>
-                <a:latin typeface="Times New Roman" panose="02020603050405020304" pitchFamily="18" charset="0"/>
-                <a:cs typeface="Times New Roman" panose="02020603050405020304" pitchFamily="18" charset="0"/>
-              </a:rPr>
-              <a:t>– Podemos adicionar elementos com </a:t>
-            </a:r>
-            <a:r>
-              <a:rPr lang="pt-BR" sz="2000" b="1" dirty="0" err="1">
+              <a:rPr lang="pt-BR" sz="2400" dirty="0">
+                <a:solidFill>
+                  <a:schemeClr val="tx1"/>
+                </a:solidFill>
+                <a:latin typeface="Times New Roman" panose="02020603050405020304" pitchFamily="18" charset="0"/>
+                <a:cs typeface="Times New Roman" panose="02020603050405020304" pitchFamily="18" charset="0"/>
+              </a:rPr>
+              <a:t>– Podemos </a:t>
+            </a:r>
+            <a:r>
+              <a:rPr lang="pt-BR" sz="2400" b="1" dirty="0">
                 <a:solidFill>
                   <a:srgbClr val="FF0000"/>
                 </a:solidFill>
                 <a:latin typeface="Times New Roman" panose="02020603050405020304" pitchFamily="18" charset="0"/>
                 <a:cs typeface="Times New Roman" panose="02020603050405020304" pitchFamily="18" charset="0"/>
               </a:rPr>
-              <a:t>append</a:t>
-            </a:r>
-            <a:r>
-              <a:rPr lang="pt-BR" sz="2000" b="1" dirty="0">
+              <a:t>modificar</a:t>
+            </a:r>
+            <a:r>
+              <a:rPr lang="pt-BR" sz="2400" dirty="0">
+                <a:solidFill>
+                  <a:schemeClr val="tx1"/>
+                </a:solidFill>
+                <a:latin typeface="Times New Roman" panose="02020603050405020304" pitchFamily="18" charset="0"/>
+                <a:cs typeface="Times New Roman" panose="02020603050405020304" pitchFamily="18" charset="0"/>
+              </a:rPr>
+              <a:t> um elemento da lista, (</a:t>
+            </a:r>
+            <a:r>
+              <a:rPr lang="pt-BR" sz="2400" b="1" dirty="0">
                 <a:solidFill>
                   <a:srgbClr val="FF0000"/>
                 </a:solidFill>
                 <a:latin typeface="Times New Roman" panose="02020603050405020304" pitchFamily="18" charset="0"/>
                 <a:cs typeface="Times New Roman" panose="02020603050405020304" pitchFamily="18" charset="0"/>
               </a:rPr>
-              <a:t>, </a:t>
-            </a:r>
-            <a:r>
-              <a:rPr lang="pt-BR" sz="2000" b="1" dirty="0" err="1">
+              <a:t>lista[1] = 9</a:t>
+            </a:r>
+            <a:r>
+              <a:rPr lang="pt-BR" sz="2400" dirty="0">
+                <a:solidFill>
+                  <a:schemeClr val="tx1"/>
+                </a:solidFill>
+                <a:latin typeface="Times New Roman" panose="02020603050405020304" pitchFamily="18" charset="0"/>
+                <a:cs typeface="Times New Roman" panose="02020603050405020304" pitchFamily="18" charset="0"/>
+              </a:rPr>
+              <a:t>)</a:t>
+            </a:r>
+          </a:p>
+          <a:p>
+            <a:pPr marL="0" indent="0" algn="just">
+              <a:buNone/>
+            </a:pPr>
+            <a:r>
+              <a:rPr lang="pt-BR" sz="2400" dirty="0">
+                <a:solidFill>
+                  <a:schemeClr val="tx1"/>
+                </a:solidFill>
+                <a:latin typeface="Times New Roman" panose="02020603050405020304" pitchFamily="18" charset="0"/>
+                <a:cs typeface="Times New Roman" panose="02020603050405020304" pitchFamily="18" charset="0"/>
+              </a:rPr>
+              <a:t>– Podemos </a:t>
+            </a:r>
+            <a:r>
+              <a:rPr lang="pt-BR" sz="2400" b="1" dirty="0">
                 <a:solidFill>
                   <a:srgbClr val="FF0000"/>
                 </a:solidFill>
                 <a:latin typeface="Times New Roman" panose="02020603050405020304" pitchFamily="18" charset="0"/>
                 <a:cs typeface="Times New Roman" panose="02020603050405020304" pitchFamily="18" charset="0"/>
               </a:rPr>
-              <a:t>insert</a:t>
-            </a:r>
-            <a:endParaRPr lang="pt-BR" sz="2000" b="1" dirty="0">
+              <a:t>imprimir </a:t>
+            </a:r>
+            <a:r>
+              <a:rPr lang="pt-BR" sz="2400" dirty="0">
+                <a:solidFill>
+                  <a:schemeClr val="tx1"/>
+                </a:solidFill>
+                <a:latin typeface="Times New Roman" panose="02020603050405020304" pitchFamily="18" charset="0"/>
+                <a:cs typeface="Times New Roman" panose="02020603050405020304" pitchFamily="18" charset="0"/>
+              </a:rPr>
+              <a:t>a lista, (</a:t>
+            </a:r>
+            <a:r>
+              <a:rPr lang="pt-BR" sz="2400" b="1" dirty="0">
+                <a:latin typeface="Times New Roman" panose="02020603050405020304" pitchFamily="18" charset="0"/>
+                <a:cs typeface="Times New Roman" panose="02020603050405020304" pitchFamily="18" charset="0"/>
+              </a:rPr>
+              <a:t>print</a:t>
+            </a:r>
+            <a:r>
+              <a:rPr lang="pt-BR" sz="2400" b="1" dirty="0">
+                <a:solidFill>
+                  <a:srgbClr val="FF0000"/>
+                </a:solidFill>
+                <a:latin typeface="Times New Roman" panose="02020603050405020304" pitchFamily="18" charset="0"/>
+                <a:cs typeface="Times New Roman" panose="02020603050405020304" pitchFamily="18" charset="0"/>
+              </a:rPr>
+              <a:t>(lista)</a:t>
+            </a:r>
+            <a:r>
+              <a:rPr lang="pt-BR" sz="2400" dirty="0">
+                <a:solidFill>
+                  <a:schemeClr val="tx1"/>
+                </a:solidFill>
+                <a:latin typeface="Times New Roman" panose="02020603050405020304" pitchFamily="18" charset="0"/>
+                <a:cs typeface="Times New Roman" panose="02020603050405020304" pitchFamily="18" charset="0"/>
+              </a:rPr>
+              <a:t>)</a:t>
+            </a:r>
+          </a:p>
+          <a:p>
+            <a:pPr marL="0" indent="0" algn="just">
+              <a:buNone/>
+            </a:pPr>
+            <a:r>
+              <a:rPr lang="pt-BR" sz="2400" dirty="0">
+                <a:solidFill>
+                  <a:schemeClr val="tx1"/>
+                </a:solidFill>
+                <a:latin typeface="Times New Roman" panose="02020603050405020304" pitchFamily="18" charset="0"/>
+                <a:cs typeface="Times New Roman" panose="02020603050405020304" pitchFamily="18" charset="0"/>
+              </a:rPr>
+              <a:t>– Podemos </a:t>
+            </a:r>
+            <a:r>
+              <a:rPr lang="pt-BR" sz="2400" b="1" dirty="0">
+                <a:solidFill>
+                  <a:srgbClr val="FF0000"/>
+                </a:solidFill>
+                <a:latin typeface="Times New Roman" panose="02020603050405020304" pitchFamily="18" charset="0"/>
+                <a:cs typeface="Times New Roman" panose="02020603050405020304" pitchFamily="18" charset="0"/>
+              </a:rPr>
+              <a:t>percorrer</a:t>
+            </a:r>
+            <a:r>
+              <a:rPr lang="pt-BR" sz="2400" dirty="0">
+                <a:solidFill>
+                  <a:schemeClr val="tx1"/>
+                </a:solidFill>
+                <a:latin typeface="Times New Roman" panose="02020603050405020304" pitchFamily="18" charset="0"/>
+                <a:cs typeface="Times New Roman" panose="02020603050405020304" pitchFamily="18" charset="0"/>
+              </a:rPr>
+              <a:t> elementos da lista, (</a:t>
+            </a:r>
+            <a:r>
+              <a:rPr lang="pt-BR" sz="2400" b="1" dirty="0">
+                <a:solidFill>
+                  <a:srgbClr val="FF0000"/>
+                </a:solidFill>
+                <a:latin typeface="Times New Roman" panose="02020603050405020304" pitchFamily="18" charset="0"/>
+                <a:cs typeface="Times New Roman" panose="02020603050405020304" pitchFamily="18" charset="0"/>
+              </a:rPr>
+              <a:t>for</a:t>
+            </a:r>
+            <a:r>
+              <a:rPr lang="pt-BR" sz="2400" dirty="0">
+                <a:solidFill>
+                  <a:schemeClr val="tx1"/>
+                </a:solidFill>
+                <a:latin typeface="Times New Roman" panose="02020603050405020304" pitchFamily="18" charset="0"/>
+                <a:cs typeface="Times New Roman" panose="02020603050405020304" pitchFamily="18" charset="0"/>
+              </a:rPr>
+              <a:t> ou </a:t>
+            </a:r>
+            <a:r>
+              <a:rPr lang="pt-BR" sz="2400" b="1" dirty="0" err="1">
+                <a:solidFill>
+                  <a:srgbClr val="FF0000"/>
+                </a:solidFill>
+                <a:latin typeface="Times New Roman" panose="02020603050405020304" pitchFamily="18" charset="0"/>
+                <a:cs typeface="Times New Roman" panose="02020603050405020304" pitchFamily="18" charset="0"/>
+              </a:rPr>
+              <a:t>while</a:t>
+            </a:r>
+            <a:r>
+              <a:rPr lang="pt-BR" sz="2400" dirty="0">
+                <a:solidFill>
+                  <a:schemeClr val="tx1"/>
+                </a:solidFill>
+                <a:latin typeface="Times New Roman" panose="02020603050405020304" pitchFamily="18" charset="0"/>
+                <a:cs typeface="Times New Roman" panose="02020603050405020304" pitchFamily="18" charset="0"/>
+              </a:rPr>
+              <a:t>).</a:t>
+            </a:r>
+          </a:p>
+          <a:p>
+            <a:pPr marL="0" indent="0" algn="just">
+              <a:buNone/>
+            </a:pPr>
+            <a:r>
+              <a:rPr lang="pt-BR" sz="2400" dirty="0">
+                <a:solidFill>
+                  <a:schemeClr val="tx1"/>
+                </a:solidFill>
+                <a:latin typeface="Times New Roman" panose="02020603050405020304" pitchFamily="18" charset="0"/>
+                <a:cs typeface="Times New Roman" panose="02020603050405020304" pitchFamily="18" charset="0"/>
+              </a:rPr>
+              <a:t>– Podemos </a:t>
+            </a:r>
+            <a:r>
+              <a:rPr lang="pt-BR" sz="2400" b="1" dirty="0">
+                <a:solidFill>
+                  <a:srgbClr val="FF0000"/>
+                </a:solidFill>
+                <a:latin typeface="Times New Roman" panose="02020603050405020304" pitchFamily="18" charset="0"/>
+                <a:cs typeface="Times New Roman" panose="02020603050405020304" pitchFamily="18" charset="0"/>
+              </a:rPr>
+              <a:t>ver</a:t>
+            </a:r>
+            <a:r>
+              <a:rPr lang="pt-BR" sz="2400" dirty="0">
+                <a:solidFill>
+                  <a:schemeClr val="tx1"/>
+                </a:solidFill>
+                <a:latin typeface="Times New Roman" panose="02020603050405020304" pitchFamily="18" charset="0"/>
+                <a:cs typeface="Times New Roman" panose="02020603050405020304" pitchFamily="18" charset="0"/>
+              </a:rPr>
+              <a:t> o tamanho da lista, (</a:t>
+            </a:r>
+            <a:r>
+              <a:rPr lang="pt-BR" sz="2400" b="1" dirty="0" err="1">
+                <a:latin typeface="Times New Roman" panose="02020603050405020304" pitchFamily="18" charset="0"/>
+                <a:cs typeface="Times New Roman" panose="02020603050405020304" pitchFamily="18" charset="0"/>
+              </a:rPr>
+              <a:t>len</a:t>
+            </a:r>
+            <a:r>
+              <a:rPr lang="pt-BR" sz="2400" b="1" dirty="0">
+                <a:solidFill>
+                  <a:srgbClr val="FF0000"/>
+                </a:solidFill>
+                <a:latin typeface="Times New Roman" panose="02020603050405020304" pitchFamily="18" charset="0"/>
+                <a:cs typeface="Times New Roman" panose="02020603050405020304" pitchFamily="18" charset="0"/>
+              </a:rPr>
+              <a:t>(lista)</a:t>
+            </a:r>
+            <a:r>
+              <a:rPr lang="pt-BR" sz="2400" dirty="0">
+                <a:solidFill>
+                  <a:schemeClr val="tx1"/>
+                </a:solidFill>
+                <a:latin typeface="Times New Roman" panose="02020603050405020304" pitchFamily="18" charset="0"/>
+                <a:cs typeface="Times New Roman" panose="02020603050405020304" pitchFamily="18" charset="0"/>
+              </a:rPr>
+              <a:t>).</a:t>
+            </a:r>
+          </a:p>
+          <a:p>
+            <a:pPr marL="0" indent="0" algn="just">
+              <a:buNone/>
+            </a:pPr>
+            <a:endParaRPr lang="pt-BR" sz="2400" dirty="0">
               <a:solidFill>
-                <a:srgbClr val="FF0000"/>
+                <a:schemeClr val="tx1"/>
               </a:solidFill>
               <a:latin typeface="Times New Roman" panose="02020603050405020304" pitchFamily="18" charset="0"/>
               <a:cs typeface="Times New Roman" panose="02020603050405020304" pitchFamily="18" charset="0"/>
             </a:endParaRPr>
-          </a:p>
-          <a:p>
-            <a:pPr marL="0" indent="0" algn="just">
-              <a:buNone/>
-            </a:pPr>
-            <a:r>
-              <a:rPr lang="pt-BR" sz="2000" dirty="0">
-                <a:solidFill>
-                  <a:schemeClr val="tx1"/>
-                </a:solidFill>
-                <a:latin typeface="Times New Roman" panose="02020603050405020304" pitchFamily="18" charset="0"/>
-                <a:cs typeface="Times New Roman" panose="02020603050405020304" pitchFamily="18" charset="0"/>
-              </a:rPr>
-              <a:t>– Podemos excluir elementos com </a:t>
-            </a:r>
-            <a:r>
-              <a:rPr lang="pt-BR" sz="2000" b="1" dirty="0">
-                <a:solidFill>
-                  <a:srgbClr val="FF0000"/>
-                </a:solidFill>
-                <a:latin typeface="Times New Roman" panose="02020603050405020304" pitchFamily="18" charset="0"/>
-                <a:cs typeface="Times New Roman" panose="02020603050405020304" pitchFamily="18" charset="0"/>
-              </a:rPr>
-              <a:t>pop</a:t>
-            </a:r>
-            <a:r>
-              <a:rPr lang="pt-BR" sz="2000" dirty="0">
-                <a:solidFill>
-                  <a:schemeClr val="tx1"/>
-                </a:solidFill>
-                <a:latin typeface="Times New Roman" panose="02020603050405020304" pitchFamily="18" charset="0"/>
-                <a:cs typeface="Times New Roman" panose="02020603050405020304" pitchFamily="18" charset="0"/>
-              </a:rPr>
-              <a:t> ou </a:t>
-            </a:r>
-            <a:r>
-              <a:rPr lang="pt-BR" sz="2000" b="1" dirty="0">
-                <a:solidFill>
-                  <a:srgbClr val="FF0000"/>
-                </a:solidFill>
-                <a:latin typeface="Times New Roman" panose="02020603050405020304" pitchFamily="18" charset="0"/>
-                <a:cs typeface="Times New Roman" panose="02020603050405020304" pitchFamily="18" charset="0"/>
-              </a:rPr>
-              <a:t>remove</a:t>
-            </a:r>
-          </a:p>
-          <a:p>
-            <a:pPr marL="0" indent="0" algn="just">
-              <a:buNone/>
-            </a:pPr>
-            <a:r>
-              <a:rPr lang="pt-BR" sz="2000" dirty="0">
-                <a:solidFill>
-                  <a:schemeClr val="tx1"/>
-                </a:solidFill>
-                <a:latin typeface="Times New Roman" panose="02020603050405020304" pitchFamily="18" charset="0"/>
-                <a:cs typeface="Times New Roman" panose="02020603050405020304" pitchFamily="18" charset="0"/>
-              </a:rPr>
-              <a:t>– Podemos </a:t>
-            </a:r>
-            <a:r>
-              <a:rPr lang="pt-BR" sz="2000" b="1" dirty="0">
-                <a:solidFill>
-                  <a:srgbClr val="FF0000"/>
-                </a:solidFill>
-                <a:latin typeface="Times New Roman" panose="02020603050405020304" pitchFamily="18" charset="0"/>
-                <a:cs typeface="Times New Roman" panose="02020603050405020304" pitchFamily="18" charset="0"/>
-              </a:rPr>
-              <a:t>modificar</a:t>
-            </a:r>
-            <a:r>
-              <a:rPr lang="pt-BR" sz="2000" dirty="0">
-                <a:solidFill>
-                  <a:schemeClr val="tx1"/>
-                </a:solidFill>
-                <a:latin typeface="Times New Roman" panose="02020603050405020304" pitchFamily="18" charset="0"/>
-                <a:cs typeface="Times New Roman" panose="02020603050405020304" pitchFamily="18" charset="0"/>
-              </a:rPr>
-              <a:t> um elemento da lista</a:t>
-            </a:r>
-          </a:p>
-          <a:p>
-            <a:pPr marL="0" indent="0" algn="just">
-              <a:buNone/>
-            </a:pPr>
-            <a:r>
-              <a:rPr lang="pt-BR" sz="2000" dirty="0">
-                <a:solidFill>
-                  <a:schemeClr val="tx1"/>
-                </a:solidFill>
-                <a:latin typeface="Times New Roman" panose="02020603050405020304" pitchFamily="18" charset="0"/>
-                <a:cs typeface="Times New Roman" panose="02020603050405020304" pitchFamily="18" charset="0"/>
-              </a:rPr>
-              <a:t>– Podemos </a:t>
-            </a:r>
-            <a:r>
-              <a:rPr lang="pt-BR" sz="2000" b="1" dirty="0">
-                <a:solidFill>
-                  <a:srgbClr val="FF0000"/>
-                </a:solidFill>
-                <a:latin typeface="Times New Roman" panose="02020603050405020304" pitchFamily="18" charset="0"/>
-                <a:cs typeface="Times New Roman" panose="02020603050405020304" pitchFamily="18" charset="0"/>
-              </a:rPr>
-              <a:t>imprimir (print)</a:t>
-            </a:r>
-            <a:r>
-              <a:rPr lang="pt-BR" sz="2000" dirty="0">
-                <a:solidFill>
-                  <a:schemeClr val="tx1"/>
-                </a:solidFill>
-                <a:latin typeface="Times New Roman" panose="02020603050405020304" pitchFamily="18" charset="0"/>
-                <a:cs typeface="Times New Roman" panose="02020603050405020304" pitchFamily="18" charset="0"/>
-              </a:rPr>
-              <a:t> a lista</a:t>
-            </a:r>
-          </a:p>
-          <a:p>
-            <a:pPr marL="0" indent="0" algn="just">
-              <a:buNone/>
-            </a:pPr>
-            <a:r>
-              <a:rPr lang="pt-BR" sz="2000" dirty="0">
-                <a:solidFill>
-                  <a:schemeClr val="tx1"/>
-                </a:solidFill>
-                <a:latin typeface="Times New Roman" panose="02020603050405020304" pitchFamily="18" charset="0"/>
-                <a:cs typeface="Times New Roman" panose="02020603050405020304" pitchFamily="18" charset="0"/>
-              </a:rPr>
-              <a:t>– Podemos </a:t>
-            </a:r>
-            <a:r>
-              <a:rPr lang="pt-BR" sz="2000" b="1" dirty="0">
-                <a:solidFill>
-                  <a:srgbClr val="FF0000"/>
-                </a:solidFill>
-                <a:latin typeface="Times New Roman" panose="02020603050405020304" pitchFamily="18" charset="0"/>
-                <a:cs typeface="Times New Roman" panose="02020603050405020304" pitchFamily="18" charset="0"/>
-              </a:rPr>
-              <a:t>percorrer</a:t>
-            </a:r>
-            <a:r>
-              <a:rPr lang="pt-BR" sz="2000" dirty="0">
-                <a:solidFill>
-                  <a:schemeClr val="tx1"/>
-                </a:solidFill>
-                <a:latin typeface="Times New Roman" panose="02020603050405020304" pitchFamily="18" charset="0"/>
-                <a:cs typeface="Times New Roman" panose="02020603050405020304" pitchFamily="18" charset="0"/>
-              </a:rPr>
-              <a:t> elementos da lista.</a:t>
-            </a:r>
           </a:p>
         </p:txBody>
       </p:sp>
@@ -12753,114 +13382,268 @@
               <a:buNone/>
             </a:pPr>
             <a:r>
-              <a:rPr lang="pt-BR" b="1" dirty="0">
+              <a:rPr lang="pt-BR" sz="2400" dirty="0">
+                <a:solidFill>
+                  <a:schemeClr val="tx1"/>
+                </a:solidFill>
+                <a:latin typeface="Times New Roman" panose="02020603050405020304" pitchFamily="18" charset="0"/>
+                <a:cs typeface="Times New Roman" panose="02020603050405020304" pitchFamily="18" charset="0"/>
+              </a:rPr>
+              <a:t>– Podemos adicionar elemento com </a:t>
+            </a:r>
+            <a:r>
+              <a:rPr lang="pt-BR" sz="2400" b="1" dirty="0" err="1">
                 <a:solidFill>
                   <a:srgbClr val="FF0000"/>
                 </a:solidFill>
                 <a:latin typeface="Times New Roman" panose="02020603050405020304" pitchFamily="18" charset="0"/>
                 <a:cs typeface="Times New Roman" panose="02020603050405020304" pitchFamily="18" charset="0"/>
               </a:rPr>
-              <a:t>Exemplo Lista:  </a:t>
-            </a:r>
-            <a:r>
-              <a:rPr lang="pt-BR" dirty="0" err="1">
-                <a:solidFill>
-                  <a:schemeClr val="tx1"/>
-                </a:solidFill>
-                <a:latin typeface="Times New Roman" panose="02020603050405020304" pitchFamily="18" charset="0"/>
-                <a:cs typeface="Times New Roman" panose="02020603050405020304" pitchFamily="18" charset="0"/>
-              </a:rPr>
-              <a:t>umaLista</a:t>
-            </a:r>
-            <a:r>
-              <a:rPr lang="pt-BR" dirty="0">
-                <a:solidFill>
-                  <a:schemeClr val="tx1"/>
-                </a:solidFill>
-                <a:latin typeface="Times New Roman" panose="02020603050405020304" pitchFamily="18" charset="0"/>
-                <a:cs typeface="Times New Roman" panose="02020603050405020304" pitchFamily="18" charset="0"/>
-              </a:rPr>
-              <a:t> = [1, 4, 8, 5, 7, 9]</a:t>
-            </a:r>
-          </a:p>
-          <a:p>
-            <a:pPr algn="just">
-              <a:buFontTx/>
-              <a:buChar char="-"/>
+              <a:t>append</a:t>
+            </a:r>
+            <a:r>
+              <a:rPr lang="pt-BR" sz="2400" b="1" dirty="0">
+                <a:solidFill>
+                  <a:srgbClr val="FF0000"/>
+                </a:solidFill>
+                <a:latin typeface="Times New Roman" panose="02020603050405020304" pitchFamily="18" charset="0"/>
+                <a:cs typeface="Times New Roman" panose="02020603050405020304" pitchFamily="18" charset="0"/>
+              </a:rPr>
+              <a:t> </a:t>
+            </a:r>
+            <a:r>
+              <a:rPr lang="pt-BR" sz="2400" b="1" dirty="0">
+                <a:latin typeface="Times New Roman" panose="02020603050405020304" pitchFamily="18" charset="0"/>
+                <a:cs typeface="Times New Roman" panose="02020603050405020304" pitchFamily="18" charset="0"/>
+              </a:rPr>
+              <a:t>(final da lista), (</a:t>
+            </a:r>
+            <a:r>
+              <a:rPr lang="pt-BR" sz="2400" b="1" dirty="0" err="1">
+                <a:latin typeface="Times New Roman" panose="02020603050405020304" pitchFamily="18" charset="0"/>
+                <a:cs typeface="Times New Roman" panose="02020603050405020304" pitchFamily="18" charset="0"/>
+              </a:rPr>
+              <a:t>lista</a:t>
+            </a:r>
+            <a:r>
+              <a:rPr lang="pt-BR" sz="2400" b="1" dirty="0" err="1">
+                <a:solidFill>
+                  <a:srgbClr val="FF0000"/>
+                </a:solidFill>
+                <a:latin typeface="Times New Roman" panose="02020603050405020304" pitchFamily="18" charset="0"/>
+                <a:cs typeface="Times New Roman" panose="02020603050405020304" pitchFamily="18" charset="0"/>
+              </a:rPr>
+              <a:t>.append</a:t>
+            </a:r>
+            <a:r>
+              <a:rPr lang="pt-BR" sz="2400" b="1" dirty="0">
+                <a:solidFill>
+                  <a:srgbClr val="FF0000"/>
+                </a:solidFill>
+                <a:latin typeface="Times New Roman" panose="02020603050405020304" pitchFamily="18" charset="0"/>
+                <a:cs typeface="Times New Roman" panose="02020603050405020304" pitchFamily="18" charset="0"/>
+              </a:rPr>
+              <a:t>(17)</a:t>
+            </a:r>
+            <a:r>
+              <a:rPr lang="pt-BR" sz="2400" b="1" dirty="0">
+                <a:latin typeface="Times New Roman" panose="02020603050405020304" pitchFamily="18" charset="0"/>
+                <a:cs typeface="Times New Roman" panose="02020603050405020304" pitchFamily="18" charset="0"/>
+              </a:rPr>
+              <a:t>)</a:t>
+            </a:r>
+          </a:p>
+          <a:p>
+            <a:pPr marL="0" indent="0" algn="just">
+              <a:buNone/>
             </a:pPr>
             <a:r>
-              <a:rPr lang="pt-BR" dirty="0">
-                <a:latin typeface="Times New Roman" panose="02020603050405020304" pitchFamily="18" charset="0"/>
-                <a:cs typeface="Times New Roman" panose="02020603050405020304" pitchFamily="18" charset="0"/>
-              </a:rPr>
-              <a:t>Imprimindo um único elemento: print(</a:t>
-            </a:r>
-            <a:r>
-              <a:rPr lang="pt-BR" dirty="0" err="1">
-                <a:latin typeface="Times New Roman" panose="02020603050405020304" pitchFamily="18" charset="0"/>
-                <a:cs typeface="Times New Roman" panose="02020603050405020304" pitchFamily="18" charset="0"/>
-              </a:rPr>
-              <a:t>umaLista</a:t>
-            </a:r>
-            <a:r>
-              <a:rPr lang="pt-BR" dirty="0">
-                <a:latin typeface="Times New Roman" panose="02020603050405020304" pitchFamily="18" charset="0"/>
-                <a:cs typeface="Times New Roman" panose="02020603050405020304" pitchFamily="18" charset="0"/>
-              </a:rPr>
-              <a:t>[2]) =&gt; 8</a:t>
-            </a:r>
-          </a:p>
-          <a:p>
-            <a:pPr algn="just">
-              <a:buFontTx/>
-              <a:buChar char="-"/>
+              <a:rPr lang="pt-BR" sz="2400" dirty="0">
+                <a:solidFill>
+                  <a:schemeClr val="tx1"/>
+                </a:solidFill>
+                <a:latin typeface="Times New Roman" panose="02020603050405020304" pitchFamily="18" charset="0"/>
+                <a:cs typeface="Times New Roman" panose="02020603050405020304" pitchFamily="18" charset="0"/>
+              </a:rPr>
+              <a:t>– Podemos adicionar elemento com </a:t>
+            </a:r>
+            <a:r>
+              <a:rPr lang="pt-BR" sz="2400" b="1" dirty="0" err="1">
+                <a:solidFill>
+                  <a:srgbClr val="FF0000"/>
+                </a:solidFill>
+                <a:latin typeface="Times New Roman" panose="02020603050405020304" pitchFamily="18" charset="0"/>
+                <a:cs typeface="Times New Roman" panose="02020603050405020304" pitchFamily="18" charset="0"/>
+              </a:rPr>
+              <a:t>insert</a:t>
+            </a:r>
+            <a:r>
+              <a:rPr lang="pt-BR" sz="2400" b="1" dirty="0">
+                <a:solidFill>
+                  <a:srgbClr val="FF0000"/>
+                </a:solidFill>
+                <a:latin typeface="Times New Roman" panose="02020603050405020304" pitchFamily="18" charset="0"/>
+                <a:cs typeface="Times New Roman" panose="02020603050405020304" pitchFamily="18" charset="0"/>
+              </a:rPr>
+              <a:t> </a:t>
+            </a:r>
+            <a:r>
+              <a:rPr lang="pt-BR" sz="2400" b="1" dirty="0">
+                <a:latin typeface="Times New Roman" panose="02020603050405020304" pitchFamily="18" charset="0"/>
+                <a:cs typeface="Times New Roman" panose="02020603050405020304" pitchFamily="18" charset="0"/>
+              </a:rPr>
+              <a:t>(posição, elemento), (</a:t>
+            </a:r>
+            <a:r>
+              <a:rPr lang="pt-BR" sz="2400" b="1" dirty="0" err="1">
+                <a:latin typeface="Times New Roman" panose="02020603050405020304" pitchFamily="18" charset="0"/>
+                <a:cs typeface="Times New Roman" panose="02020603050405020304" pitchFamily="18" charset="0"/>
+              </a:rPr>
+              <a:t>lista</a:t>
+            </a:r>
+            <a:r>
+              <a:rPr lang="pt-BR" sz="2400" b="1" dirty="0" err="1">
+                <a:solidFill>
+                  <a:srgbClr val="FF0000"/>
+                </a:solidFill>
+                <a:latin typeface="Times New Roman" panose="02020603050405020304" pitchFamily="18" charset="0"/>
+                <a:cs typeface="Times New Roman" panose="02020603050405020304" pitchFamily="18" charset="0"/>
+              </a:rPr>
+              <a:t>.insert</a:t>
+            </a:r>
+            <a:r>
+              <a:rPr lang="pt-BR" sz="2400" b="1" dirty="0">
+                <a:solidFill>
+                  <a:srgbClr val="FF0000"/>
+                </a:solidFill>
+                <a:latin typeface="Times New Roman" panose="02020603050405020304" pitchFamily="18" charset="0"/>
+                <a:cs typeface="Times New Roman" panose="02020603050405020304" pitchFamily="18" charset="0"/>
+              </a:rPr>
+              <a:t>(1, -9)</a:t>
+            </a:r>
+            <a:r>
+              <a:rPr lang="pt-BR" sz="2400" b="1" dirty="0">
+                <a:latin typeface="Times New Roman" panose="02020603050405020304" pitchFamily="18" charset="0"/>
+                <a:cs typeface="Times New Roman" panose="02020603050405020304" pitchFamily="18" charset="0"/>
+              </a:rPr>
+              <a:t>),</a:t>
+            </a:r>
+            <a:r>
+              <a:rPr lang="pt-BR" sz="2400" b="1" dirty="0">
+                <a:solidFill>
+                  <a:srgbClr val="FF0000"/>
+                </a:solidFill>
+                <a:latin typeface="Times New Roman" panose="02020603050405020304" pitchFamily="18" charset="0"/>
+                <a:cs typeface="Times New Roman" panose="02020603050405020304" pitchFamily="18" charset="0"/>
+              </a:rPr>
+              <a:t> senão existir insere no final da lista</a:t>
+            </a:r>
+            <a:r>
+              <a:rPr lang="pt-BR" sz="2400" b="1" dirty="0">
+                <a:latin typeface="Times New Roman" panose="02020603050405020304" pitchFamily="18" charset="0"/>
+                <a:cs typeface="Times New Roman" panose="02020603050405020304" pitchFamily="18" charset="0"/>
+              </a:rPr>
+              <a:t>.</a:t>
+            </a:r>
+          </a:p>
+          <a:p>
+            <a:pPr marL="0" indent="0" algn="just">
+              <a:buNone/>
             </a:pPr>
             <a:r>
-              <a:rPr lang="pt-BR" dirty="0">
-                <a:solidFill>
-                  <a:schemeClr val="tx1"/>
-                </a:solidFill>
-                <a:latin typeface="Times New Roman" panose="02020603050405020304" pitchFamily="18" charset="0"/>
-                <a:cs typeface="Times New Roman" panose="02020603050405020304" pitchFamily="18" charset="0"/>
-              </a:rPr>
-              <a:t>Seleciona tudo até o indicado com”</a:t>
-            </a:r>
-            <a:r>
-              <a:rPr lang="pt-BR" b="1" dirty="0">
-                <a:solidFill>
-                  <a:srgbClr val="0070C0"/>
-                </a:solidFill>
-                <a:latin typeface="Times New Roman" panose="02020603050405020304" pitchFamily="18" charset="0"/>
-                <a:cs typeface="Times New Roman" panose="02020603050405020304" pitchFamily="18" charset="0"/>
-              </a:rPr>
-              <a:t>:</a:t>
-            </a:r>
-            <a:r>
-              <a:rPr lang="pt-BR" dirty="0">
-                <a:latin typeface="Times New Roman" panose="02020603050405020304" pitchFamily="18" charset="0"/>
-                <a:cs typeface="Times New Roman" panose="02020603050405020304" pitchFamily="18" charset="0"/>
-              </a:rPr>
-              <a:t>”</a:t>
-            </a:r>
-            <a:r>
-              <a:rPr lang="pt-BR" dirty="0">
-                <a:solidFill>
-                  <a:schemeClr val="tx1"/>
-                </a:solidFill>
-                <a:latin typeface="Times New Roman" panose="02020603050405020304" pitchFamily="18" charset="0"/>
-                <a:cs typeface="Times New Roman" panose="02020603050405020304" pitchFamily="18" charset="0"/>
-              </a:rPr>
-              <a:t> </a:t>
-            </a:r>
-            <a:r>
-              <a:rPr lang="pt-BR" b="1" dirty="0">
+              <a:rPr lang="pt-BR" sz="2400" dirty="0">
+                <a:solidFill>
+                  <a:schemeClr val="tx1"/>
+                </a:solidFill>
+                <a:latin typeface="Times New Roman" panose="02020603050405020304" pitchFamily="18" charset="0"/>
+                <a:cs typeface="Times New Roman" panose="02020603050405020304" pitchFamily="18" charset="0"/>
+              </a:rPr>
+              <a:t>– Podemos excluir elemento com </a:t>
+            </a:r>
+            <a:r>
+              <a:rPr lang="pt-BR" sz="2400" b="1" dirty="0">
                 <a:solidFill>
                   <a:srgbClr val="FF0000"/>
                 </a:solidFill>
                 <a:latin typeface="Times New Roman" panose="02020603050405020304" pitchFamily="18" charset="0"/>
                 <a:cs typeface="Times New Roman" panose="02020603050405020304" pitchFamily="18" charset="0"/>
               </a:rPr>
-              <a:t>Atenção: Exclui o último elemento.</a:t>
+              <a:t>pop </a:t>
+            </a:r>
+            <a:r>
+              <a:rPr lang="pt-BR" sz="2400" b="1" dirty="0">
+                <a:latin typeface="Times New Roman" panose="02020603050405020304" pitchFamily="18" charset="0"/>
+                <a:cs typeface="Times New Roman" panose="02020603050405020304" pitchFamily="18" charset="0"/>
+              </a:rPr>
+              <a:t>(exclui o elemento pelo </a:t>
+            </a:r>
+            <a:r>
+              <a:rPr lang="pt-BR" sz="2400" b="1" dirty="0">
+                <a:solidFill>
+                  <a:srgbClr val="FF0000"/>
+                </a:solidFill>
+                <a:latin typeface="Times New Roman" panose="02020603050405020304" pitchFamily="18" charset="0"/>
+                <a:cs typeface="Times New Roman" panose="02020603050405020304" pitchFamily="18" charset="0"/>
+              </a:rPr>
+              <a:t>índice</a:t>
+            </a:r>
+            <a:r>
+              <a:rPr lang="pt-BR" sz="2400" b="1" dirty="0">
+                <a:latin typeface="Times New Roman" panose="02020603050405020304" pitchFamily="18" charset="0"/>
+                <a:cs typeface="Times New Roman" panose="02020603050405020304" pitchFamily="18" charset="0"/>
+              </a:rPr>
+              <a:t>), (</a:t>
+            </a:r>
+            <a:r>
+              <a:rPr lang="pt-BR" sz="2400" b="1" dirty="0" err="1">
+                <a:latin typeface="Times New Roman" panose="02020603050405020304" pitchFamily="18" charset="0"/>
+                <a:cs typeface="Times New Roman" panose="02020603050405020304" pitchFamily="18" charset="0"/>
+              </a:rPr>
+              <a:t>lista</a:t>
+            </a:r>
+            <a:r>
+              <a:rPr lang="pt-BR" sz="2400" b="1" dirty="0" err="1">
+                <a:solidFill>
+                  <a:srgbClr val="FF0000"/>
+                </a:solidFill>
+                <a:latin typeface="Times New Roman" panose="02020603050405020304" pitchFamily="18" charset="0"/>
+                <a:cs typeface="Times New Roman" panose="02020603050405020304" pitchFamily="18" charset="0"/>
+              </a:rPr>
+              <a:t>.pop</a:t>
+            </a:r>
+            <a:r>
+              <a:rPr lang="pt-BR" sz="2400" b="1" dirty="0">
+                <a:solidFill>
+                  <a:srgbClr val="FF0000"/>
+                </a:solidFill>
+                <a:latin typeface="Times New Roman" panose="02020603050405020304" pitchFamily="18" charset="0"/>
+                <a:cs typeface="Times New Roman" panose="02020603050405020304" pitchFamily="18" charset="0"/>
+              </a:rPr>
+              <a:t>(2)</a:t>
+            </a:r>
+            <a:r>
+              <a:rPr lang="pt-BR" sz="2400" b="1" dirty="0">
+                <a:latin typeface="Times New Roman" panose="02020603050405020304" pitchFamily="18" charset="0"/>
+                <a:cs typeface="Times New Roman" panose="02020603050405020304" pitchFamily="18" charset="0"/>
+              </a:rPr>
+              <a:t>), </a:t>
+            </a:r>
+            <a:r>
+              <a:rPr lang="pt-BR" sz="2400" b="1" dirty="0">
+                <a:solidFill>
+                  <a:srgbClr val="FF0000"/>
+                </a:solidFill>
+                <a:latin typeface="Times New Roman" panose="02020603050405020304" pitchFamily="18" charset="0"/>
+                <a:cs typeface="Times New Roman" panose="02020603050405020304" pitchFamily="18" charset="0"/>
+              </a:rPr>
+              <a:t>senão existir erro</a:t>
+            </a:r>
+            <a:r>
+              <a:rPr lang="pt-BR" sz="2400" b="1" dirty="0">
+                <a:latin typeface="Times New Roman" panose="02020603050405020304" pitchFamily="18" charset="0"/>
+                <a:cs typeface="Times New Roman" panose="02020603050405020304" pitchFamily="18" charset="0"/>
+              </a:rPr>
+              <a:t>.</a:t>
             </a:r>
           </a:p>
           <a:p>
@@ -12868,54 +13651,99 @@
               <a:buNone/>
             </a:pPr>
             <a:r>
-              <a:rPr lang="pt-BR" dirty="0">
-                <a:solidFill>
-                  <a:schemeClr val="tx1"/>
-                </a:solidFill>
-                <a:latin typeface="Times New Roman" panose="02020603050405020304" pitchFamily="18" charset="0"/>
-                <a:cs typeface="Times New Roman" panose="02020603050405020304" pitchFamily="18" charset="0"/>
-              </a:rPr>
-              <a:t>   Ex.: </a:t>
-            </a:r>
-            <a:r>
-              <a:rPr lang="pt-BR" b="1" dirty="0">
-                <a:solidFill>
-                  <a:schemeClr val="tx1"/>
-                </a:solidFill>
-                <a:latin typeface="Times New Roman" panose="02020603050405020304" pitchFamily="18" charset="0"/>
-                <a:cs typeface="Times New Roman" panose="02020603050405020304" pitchFamily="18" charset="0"/>
-              </a:rPr>
-              <a:t>print</a:t>
-            </a:r>
-            <a:r>
-              <a:rPr lang="pt-BR" dirty="0">
-                <a:solidFill>
-                  <a:schemeClr val="tx1"/>
-                </a:solidFill>
-                <a:latin typeface="Times New Roman" panose="02020603050405020304" pitchFamily="18" charset="0"/>
-                <a:cs typeface="Times New Roman" panose="02020603050405020304" pitchFamily="18" charset="0"/>
-              </a:rPr>
-              <a:t>(</a:t>
-            </a:r>
-            <a:r>
-              <a:rPr lang="pt-BR" dirty="0" err="1">
-                <a:solidFill>
-                  <a:schemeClr val="tx1"/>
-                </a:solidFill>
-                <a:latin typeface="Times New Roman" panose="02020603050405020304" pitchFamily="18" charset="0"/>
-                <a:cs typeface="Times New Roman" panose="02020603050405020304" pitchFamily="18" charset="0"/>
-              </a:rPr>
-              <a:t>umaLista</a:t>
-            </a:r>
-            <a:r>
-              <a:rPr lang="pt-BR" dirty="0">
-                <a:solidFill>
-                  <a:schemeClr val="tx1"/>
-                </a:solidFill>
-                <a:latin typeface="Times New Roman" panose="02020603050405020304" pitchFamily="18" charset="0"/>
-                <a:cs typeface="Times New Roman" panose="02020603050405020304" pitchFamily="18" charset="0"/>
-              </a:rPr>
-              <a:t>[:3]) =&gt; 1, 4, 8</a:t>
+              <a:rPr lang="pt-BR" sz="2400" dirty="0">
+                <a:solidFill>
+                  <a:schemeClr val="tx1"/>
+                </a:solidFill>
+                <a:latin typeface="Times New Roman" panose="02020603050405020304" pitchFamily="18" charset="0"/>
+                <a:cs typeface="Times New Roman" panose="02020603050405020304" pitchFamily="18" charset="0"/>
+              </a:rPr>
+              <a:t>– Podemos excluir elemento com </a:t>
+            </a:r>
+            <a:r>
+              <a:rPr lang="pt-BR" sz="2400" b="1" dirty="0">
+                <a:solidFill>
+                  <a:srgbClr val="FF0000"/>
+                </a:solidFill>
+                <a:latin typeface="Times New Roman" panose="02020603050405020304" pitchFamily="18" charset="0"/>
+                <a:cs typeface="Times New Roman" panose="02020603050405020304" pitchFamily="18" charset="0"/>
+              </a:rPr>
+              <a:t>remove </a:t>
+            </a:r>
+            <a:r>
+              <a:rPr lang="pt-BR" sz="2400" b="1" dirty="0">
+                <a:latin typeface="Times New Roman" panose="02020603050405020304" pitchFamily="18" charset="0"/>
+                <a:cs typeface="Times New Roman" panose="02020603050405020304" pitchFamily="18" charset="0"/>
+              </a:rPr>
+              <a:t>(exclui o elemento pelo </a:t>
+            </a:r>
+            <a:r>
+              <a:rPr lang="pt-BR" sz="2400" b="1" dirty="0">
+                <a:solidFill>
+                  <a:srgbClr val="FF0000"/>
+                </a:solidFill>
+                <a:latin typeface="Times New Roman" panose="02020603050405020304" pitchFamily="18" charset="0"/>
+                <a:cs typeface="Times New Roman" panose="02020603050405020304" pitchFamily="18" charset="0"/>
+              </a:rPr>
+              <a:t>conteúdo</a:t>
+            </a:r>
+            <a:r>
+              <a:rPr lang="pt-BR" sz="2400" b="1" dirty="0">
+                <a:latin typeface="Times New Roman" panose="02020603050405020304" pitchFamily="18" charset="0"/>
+                <a:cs typeface="Times New Roman" panose="02020603050405020304" pitchFamily="18" charset="0"/>
+              </a:rPr>
+              <a:t>), (</a:t>
+            </a:r>
+            <a:r>
+              <a:rPr lang="pt-BR" sz="2400" b="1" dirty="0" err="1">
+                <a:latin typeface="Times New Roman" panose="02020603050405020304" pitchFamily="18" charset="0"/>
+                <a:cs typeface="Times New Roman" panose="02020603050405020304" pitchFamily="18" charset="0"/>
+              </a:rPr>
+              <a:t>lista</a:t>
+            </a:r>
+            <a:r>
+              <a:rPr lang="pt-BR" sz="2400" b="1" dirty="0" err="1">
+                <a:solidFill>
+                  <a:srgbClr val="FF0000"/>
+                </a:solidFill>
+                <a:latin typeface="Times New Roman" panose="02020603050405020304" pitchFamily="18" charset="0"/>
+                <a:cs typeface="Times New Roman" panose="02020603050405020304" pitchFamily="18" charset="0"/>
+              </a:rPr>
+              <a:t>.remove</a:t>
+            </a:r>
+            <a:r>
+              <a:rPr lang="pt-BR" sz="2400" b="1" dirty="0">
+                <a:solidFill>
+                  <a:srgbClr val="FF0000"/>
+                </a:solidFill>
+                <a:latin typeface="Times New Roman" panose="02020603050405020304" pitchFamily="18" charset="0"/>
+                <a:cs typeface="Times New Roman" panose="02020603050405020304" pitchFamily="18" charset="0"/>
+              </a:rPr>
+              <a:t>(-32)</a:t>
+            </a:r>
+            <a:r>
+              <a:rPr lang="pt-BR" sz="2400" b="1" dirty="0">
+                <a:latin typeface="Times New Roman" panose="02020603050405020304" pitchFamily="18" charset="0"/>
+                <a:cs typeface="Times New Roman" panose="02020603050405020304" pitchFamily="18" charset="0"/>
+              </a:rPr>
+              <a:t>), </a:t>
+            </a:r>
+            <a:r>
+              <a:rPr lang="pt-BR" sz="2400" b="1" dirty="0">
+                <a:solidFill>
+                  <a:srgbClr val="FF0000"/>
+                </a:solidFill>
+                <a:latin typeface="Times New Roman" panose="02020603050405020304" pitchFamily="18" charset="0"/>
+                <a:cs typeface="Times New Roman" panose="02020603050405020304" pitchFamily="18" charset="0"/>
+              </a:rPr>
+              <a:t>senão existir erro</a:t>
+            </a:r>
+            <a:r>
+              <a:rPr lang="pt-BR" sz="2400" b="1" dirty="0">
+                <a:latin typeface="Times New Roman" panose="02020603050405020304" pitchFamily="18" charset="0"/>
+                <a:cs typeface="Times New Roman" panose="02020603050405020304" pitchFamily="18" charset="0"/>
+              </a:rPr>
+              <a:t>.</a:t>
             </a:r>
           </a:p>
         </p:txBody>
@@ -12923,7 +13751,7 @@
     </p:spTree>
     <p:extLst>
       <p:ext uri="{BB962C8B-B14F-4D97-AF65-F5344CB8AC3E}">
-        <p14:creationId xmlns:p14="http://schemas.microsoft.com/office/powerpoint/2010/main" val="2372610511"/>
+        <p14:creationId xmlns:p14="http://schemas.microsoft.com/office/powerpoint/2010/main" val="2021272380"/>
       </p:ext>
     </p:extLst>
   </p:cSld>
@@ -13057,7 +13885,7 @@
                 <a:latin typeface="Times New Roman" panose="02020603050405020304" pitchFamily="18" charset="0"/>
                 <a:cs typeface="Times New Roman" panose="02020603050405020304" pitchFamily="18" charset="0"/>
               </a:rPr>
-              <a:t>Exemplo Lista: </a:t>
+              <a:t>Exemplo Lista:  </a:t>
             </a:r>
             <a:r>
               <a:rPr lang="pt-BR" dirty="0" err="1">
@@ -13087,105 +13915,24 @@
             </a:pPr>
             <a:r>
               <a:rPr lang="pt-BR" dirty="0">
-                <a:solidFill>
-                  <a:schemeClr val="tx1"/>
-                </a:solidFill>
-                <a:latin typeface="Times New Roman" panose="02020603050405020304" pitchFamily="18" charset="0"/>
-                <a:cs typeface="Times New Roman" panose="02020603050405020304" pitchFamily="18" charset="0"/>
-              </a:rPr>
-              <a:t>Seleciona tudo até o indicado com”</a:t>
-            </a:r>
-            <a:r>
-              <a:rPr lang="pt-BR" b="1" dirty="0">
-                <a:solidFill>
-                  <a:srgbClr val="0070C0"/>
-                </a:solidFill>
-                <a:latin typeface="Times New Roman" panose="02020603050405020304" pitchFamily="18" charset="0"/>
-                <a:cs typeface="Times New Roman" panose="02020603050405020304" pitchFamily="18" charset="0"/>
-              </a:rPr>
-              <a:t>:</a:t>
+                <a:latin typeface="Times New Roman" panose="02020603050405020304" pitchFamily="18" charset="0"/>
+                <a:cs typeface="Times New Roman" panose="02020603050405020304" pitchFamily="18" charset="0"/>
+              </a:rPr>
+              <a:t>Imprimindo um único elemento: print(</a:t>
+            </a:r>
+            <a:r>
+              <a:rPr lang="pt-BR" dirty="0" err="1">
+                <a:latin typeface="Times New Roman" panose="02020603050405020304" pitchFamily="18" charset="0"/>
+                <a:cs typeface="Times New Roman" panose="02020603050405020304" pitchFamily="18" charset="0"/>
+              </a:rPr>
+              <a:t>umaLista</a:t>
             </a:r>
             <a:r>
               <a:rPr lang="pt-BR" dirty="0">
                 <a:latin typeface="Times New Roman" panose="02020603050405020304" pitchFamily="18" charset="0"/>
                 <a:cs typeface="Times New Roman" panose="02020603050405020304" pitchFamily="18" charset="0"/>
               </a:rPr>
-              <a:t>”</a:t>
-            </a:r>
-            <a:r>
-              <a:rPr lang="pt-BR" dirty="0">
-                <a:solidFill>
-                  <a:schemeClr val="tx1"/>
-                </a:solidFill>
-                <a:latin typeface="Times New Roman" panose="02020603050405020304" pitchFamily="18" charset="0"/>
-                <a:cs typeface="Times New Roman" panose="02020603050405020304" pitchFamily="18" charset="0"/>
-              </a:rPr>
-              <a:t> </a:t>
-            </a:r>
-            <a:r>
-              <a:rPr lang="pt-BR" b="1" dirty="0">
-                <a:solidFill>
-                  <a:srgbClr val="FF0000"/>
-                </a:solidFill>
-                <a:latin typeface="Times New Roman" panose="02020603050405020304" pitchFamily="18" charset="0"/>
-                <a:cs typeface="Times New Roman" panose="02020603050405020304" pitchFamily="18" charset="0"/>
-              </a:rPr>
-              <a:t>Atenção: Exclui o último elemento.</a:t>
-            </a:r>
-          </a:p>
-          <a:p>
-            <a:pPr marL="0" indent="0" algn="just">
-              <a:buNone/>
-            </a:pPr>
-            <a:r>
-              <a:rPr lang="pt-BR" dirty="0">
-                <a:solidFill>
-                  <a:schemeClr val="tx1"/>
-                </a:solidFill>
-                <a:latin typeface="Times New Roman" panose="02020603050405020304" pitchFamily="18" charset="0"/>
-                <a:cs typeface="Times New Roman" panose="02020603050405020304" pitchFamily="18" charset="0"/>
-              </a:rPr>
-              <a:t>   Ex.: </a:t>
-            </a:r>
-            <a:r>
-              <a:rPr lang="pt-BR" b="1" dirty="0">
-                <a:solidFill>
-                  <a:schemeClr val="tx1"/>
-                </a:solidFill>
-                <a:latin typeface="Times New Roman" panose="02020603050405020304" pitchFamily="18" charset="0"/>
-                <a:cs typeface="Times New Roman" panose="02020603050405020304" pitchFamily="18" charset="0"/>
-              </a:rPr>
-              <a:t>print</a:t>
-            </a:r>
-            <a:r>
-              <a:rPr lang="pt-BR" dirty="0">
-                <a:solidFill>
-                  <a:schemeClr val="tx1"/>
-                </a:solidFill>
-                <a:latin typeface="Times New Roman" panose="02020603050405020304" pitchFamily="18" charset="0"/>
-                <a:cs typeface="Times New Roman" panose="02020603050405020304" pitchFamily="18" charset="0"/>
-              </a:rPr>
-              <a:t>(</a:t>
-            </a:r>
-            <a:r>
-              <a:rPr lang="pt-BR" dirty="0" err="1">
-                <a:solidFill>
-                  <a:schemeClr val="tx1"/>
-                </a:solidFill>
-                <a:latin typeface="Times New Roman" panose="02020603050405020304" pitchFamily="18" charset="0"/>
-                <a:cs typeface="Times New Roman" panose="02020603050405020304" pitchFamily="18" charset="0"/>
-              </a:rPr>
-              <a:t>umaLista</a:t>
-            </a:r>
-            <a:r>
-              <a:rPr lang="pt-BR" dirty="0">
-                <a:solidFill>
-                  <a:schemeClr val="tx1"/>
-                </a:solidFill>
-                <a:latin typeface="Times New Roman" panose="02020603050405020304" pitchFamily="18" charset="0"/>
-                <a:cs typeface="Times New Roman" panose="02020603050405020304" pitchFamily="18" charset="0"/>
-              </a:rPr>
-              <a:t>[1:3]) =&gt; 4, 8</a:t>
+              <a:t>[2]) =&gt; 8</a:t>
             </a:r>
           </a:p>
           <a:p>
@@ -13201,7 +13948,7 @@
                 <a:latin typeface="Times New Roman" panose="02020603050405020304" pitchFamily="18" charset="0"/>
                 <a:cs typeface="Times New Roman" panose="02020603050405020304" pitchFamily="18" charset="0"/>
               </a:rPr>
-              <a:t>Seleciona faixa, da posição informada até o fim com ”</a:t>
+              <a:t>Seleciona tudo até o indicado com”</a:t>
             </a:r>
             <a:r>
               <a:rPr lang="pt-BR" b="1" dirty="0">
@@ -13220,13 +13967,26 @@
               </a:rPr>
               <a:t>”</a:t>
             </a:r>
-            <a:endParaRPr lang="pt-BR" b="1" dirty="0">
-              <a:solidFill>
-                <a:srgbClr val="FF0000"/>
-              </a:solidFill>
-              <a:latin typeface="Times New Roman" panose="02020603050405020304" pitchFamily="18" charset="0"/>
-              <a:cs typeface="Times New Roman" panose="02020603050405020304" pitchFamily="18" charset="0"/>
-            </a:endParaRPr>
+            <a:r>
+              <a:rPr lang="pt-BR" dirty="0">
+                <a:solidFill>
+                  <a:schemeClr val="tx1"/>
+                </a:solidFill>
+                <a:latin typeface="Times New Roman" panose="02020603050405020304" pitchFamily="18" charset="0"/>
+                <a:cs typeface="Times New Roman" panose="02020603050405020304" pitchFamily="18" charset="0"/>
+              </a:rPr>
+              <a:t> </a:t>
+            </a:r>
+            <a:r>
+              <a:rPr lang="pt-BR" b="1" dirty="0">
+                <a:solidFill>
+                  <a:srgbClr val="FF0000"/>
+                </a:solidFill>
+                <a:latin typeface="Times New Roman" panose="02020603050405020304" pitchFamily="18" charset="0"/>
+                <a:cs typeface="Times New Roman" panose="02020603050405020304" pitchFamily="18" charset="0"/>
+              </a:rPr>
+              <a:t>Atenção: Exclui o último elemento.</a:t>
+            </a:r>
           </a:p>
           <a:p>
             <a:pPr marL="0" indent="0" algn="just">
@@ -13280,27 +14040,15 @@
                 <a:latin typeface="Times New Roman" panose="02020603050405020304" pitchFamily="18" charset="0"/>
                 <a:cs typeface="Times New Roman" panose="02020603050405020304" pitchFamily="18" charset="0"/>
               </a:rPr>
-              <a:t>[2:]) =&gt; 8, 5, 7, 9</a:t>
-            </a:r>
-          </a:p>
-          <a:p>
-            <a:pPr marL="0" indent="0" algn="just">
-              <a:buNone/>
-            </a:pPr>
-            <a:endParaRPr lang="pt-BR" dirty="0">
-              <a:solidFill>
-                <a:schemeClr val="tx1"/>
-              </a:solidFill>
-              <a:latin typeface="Times New Roman" panose="02020603050405020304" pitchFamily="18" charset="0"/>
-              <a:cs typeface="Times New Roman" panose="02020603050405020304" pitchFamily="18" charset="0"/>
-            </a:endParaRPr>
+              <a:t>[:3]) =&gt; 1, 4, 8</a:t>
+            </a:r>
           </a:p>
         </p:txBody>
       </p:sp>
     </p:spTree>
     <p:extLst>
       <p:ext uri="{BB962C8B-B14F-4D97-AF65-F5344CB8AC3E}">
-        <p14:creationId xmlns:p14="http://schemas.microsoft.com/office/powerpoint/2010/main" val="3026463142"/>
+        <p14:creationId xmlns:p14="http://schemas.microsoft.com/office/powerpoint/2010/main" val="2372610511"/>
       </p:ext>
     </p:extLst>
   </p:cSld>
@@ -13470,7 +14218,115 @@
                 <a:latin typeface="Times New Roman" panose="02020603050405020304" pitchFamily="18" charset="0"/>
                 <a:cs typeface="Times New Roman" panose="02020603050405020304" pitchFamily="18" charset="0"/>
               </a:rPr>
-              <a:t>Seleciona faixa, “de tanto em tanto” com”:</a:t>
+              <a:t>Seleciona tudo até o indicado com”</a:t>
+            </a:r>
+            <a:r>
+              <a:rPr lang="pt-BR" b="1" dirty="0">
+                <a:solidFill>
+                  <a:srgbClr val="0070C0"/>
+                </a:solidFill>
+                <a:latin typeface="Times New Roman" panose="02020603050405020304" pitchFamily="18" charset="0"/>
+                <a:cs typeface="Times New Roman" panose="02020603050405020304" pitchFamily="18" charset="0"/>
+              </a:rPr>
+              <a:t>:</a:t>
+            </a:r>
+            <a:r>
+              <a:rPr lang="pt-BR" dirty="0">
+                <a:latin typeface="Times New Roman" panose="02020603050405020304" pitchFamily="18" charset="0"/>
+                <a:cs typeface="Times New Roman" panose="02020603050405020304" pitchFamily="18" charset="0"/>
+              </a:rPr>
+              <a:t>”</a:t>
+            </a:r>
+            <a:r>
+              <a:rPr lang="pt-BR" dirty="0">
+                <a:solidFill>
+                  <a:schemeClr val="tx1"/>
+                </a:solidFill>
+                <a:latin typeface="Times New Roman" panose="02020603050405020304" pitchFamily="18" charset="0"/>
+                <a:cs typeface="Times New Roman" panose="02020603050405020304" pitchFamily="18" charset="0"/>
+              </a:rPr>
+              <a:t> </a:t>
+            </a:r>
+            <a:r>
+              <a:rPr lang="pt-BR" b="1" dirty="0">
+                <a:solidFill>
+                  <a:srgbClr val="FF0000"/>
+                </a:solidFill>
+                <a:latin typeface="Times New Roman" panose="02020603050405020304" pitchFamily="18" charset="0"/>
+                <a:cs typeface="Times New Roman" panose="02020603050405020304" pitchFamily="18" charset="0"/>
+              </a:rPr>
+              <a:t>Atenção: Exclui o último elemento.</a:t>
+            </a:r>
+          </a:p>
+          <a:p>
+            <a:pPr marL="0" indent="0" algn="just">
+              <a:buNone/>
+            </a:pPr>
+            <a:r>
+              <a:rPr lang="pt-BR" dirty="0">
+                <a:solidFill>
+                  <a:schemeClr val="tx1"/>
+                </a:solidFill>
+                <a:latin typeface="Times New Roman" panose="02020603050405020304" pitchFamily="18" charset="0"/>
+                <a:cs typeface="Times New Roman" panose="02020603050405020304" pitchFamily="18" charset="0"/>
+              </a:rPr>
+              <a:t>   Ex.: </a:t>
+            </a:r>
+            <a:r>
+              <a:rPr lang="pt-BR" b="1" dirty="0">
+                <a:solidFill>
+                  <a:schemeClr val="tx1"/>
+                </a:solidFill>
+                <a:latin typeface="Times New Roman" panose="02020603050405020304" pitchFamily="18" charset="0"/>
+                <a:cs typeface="Times New Roman" panose="02020603050405020304" pitchFamily="18" charset="0"/>
+              </a:rPr>
+              <a:t>print</a:t>
+            </a:r>
+            <a:r>
+              <a:rPr lang="pt-BR" dirty="0">
+                <a:solidFill>
+                  <a:schemeClr val="tx1"/>
+                </a:solidFill>
+                <a:latin typeface="Times New Roman" panose="02020603050405020304" pitchFamily="18" charset="0"/>
+                <a:cs typeface="Times New Roman" panose="02020603050405020304" pitchFamily="18" charset="0"/>
+              </a:rPr>
+              <a:t>(</a:t>
+            </a:r>
+            <a:r>
+              <a:rPr lang="pt-BR" dirty="0" err="1">
+                <a:solidFill>
+                  <a:schemeClr val="tx1"/>
+                </a:solidFill>
+                <a:latin typeface="Times New Roman" panose="02020603050405020304" pitchFamily="18" charset="0"/>
+                <a:cs typeface="Times New Roman" panose="02020603050405020304" pitchFamily="18" charset="0"/>
+              </a:rPr>
+              <a:t>umaLista</a:t>
+            </a:r>
+            <a:r>
+              <a:rPr lang="pt-BR" dirty="0">
+                <a:solidFill>
+                  <a:schemeClr val="tx1"/>
+                </a:solidFill>
+                <a:latin typeface="Times New Roman" panose="02020603050405020304" pitchFamily="18" charset="0"/>
+                <a:cs typeface="Times New Roman" panose="02020603050405020304" pitchFamily="18" charset="0"/>
+              </a:rPr>
+              <a:t>[1:3]) =&gt; 4, 8</a:t>
+            </a:r>
+          </a:p>
+          <a:p>
+            <a:pPr algn="just">
+              <a:buFontTx/>
+              <a:buChar char="-"/>
+            </a:pPr>
+            <a:r>
+              <a:rPr lang="pt-BR" dirty="0">
+                <a:solidFill>
+                  <a:schemeClr val="tx1"/>
+                </a:solidFill>
+                <a:latin typeface="Times New Roman" panose="02020603050405020304" pitchFamily="18" charset="0"/>
+                <a:cs typeface="Times New Roman" panose="02020603050405020304" pitchFamily="18" charset="0"/>
+              </a:rPr>
+              <a:t>Seleciona faixa, da posição informada até o fim com ”</a:t>
             </a:r>
             <a:r>
               <a:rPr lang="pt-BR" b="1" dirty="0">
@@ -13549,102 +14405,7 @@
                 <a:latin typeface="Times New Roman" panose="02020603050405020304" pitchFamily="18" charset="0"/>
                 <a:cs typeface="Times New Roman" panose="02020603050405020304" pitchFamily="18" charset="0"/>
               </a:rPr>
-              <a:t>[::2]) =&gt; 1, 8, 5, 7</a:t>
-            </a:r>
-          </a:p>
-          <a:p>
-            <a:pPr algn="just">
-              <a:buFontTx/>
-              <a:buChar char="-"/>
-            </a:pPr>
-            <a:r>
-              <a:rPr lang="pt-BR" dirty="0">
-                <a:solidFill>
-                  <a:schemeClr val="tx1"/>
-                </a:solidFill>
-                <a:latin typeface="Times New Roman" panose="02020603050405020304" pitchFamily="18" charset="0"/>
-                <a:cs typeface="Times New Roman" panose="02020603050405020304" pitchFamily="18" charset="0"/>
-              </a:rPr>
-              <a:t>Seleciona faixa, da posição e inicial com ”</a:t>
-            </a:r>
-            <a:r>
-              <a:rPr lang="pt-BR" b="1" dirty="0">
-                <a:solidFill>
-                  <a:srgbClr val="0070C0"/>
-                </a:solidFill>
-                <a:latin typeface="Times New Roman" panose="02020603050405020304" pitchFamily="18" charset="0"/>
-                <a:cs typeface="Times New Roman" panose="02020603050405020304" pitchFamily="18" charset="0"/>
-              </a:rPr>
-              <a:t>:</a:t>
-            </a:r>
-            <a:r>
-              <a:rPr lang="pt-BR" dirty="0">
-                <a:latin typeface="Times New Roman" panose="02020603050405020304" pitchFamily="18" charset="0"/>
-                <a:cs typeface="Times New Roman" panose="02020603050405020304" pitchFamily="18" charset="0"/>
-              </a:rPr>
-              <a:t>”</a:t>
-            </a:r>
-            <a:endParaRPr lang="pt-BR" b="1" dirty="0">
-              <a:solidFill>
-                <a:srgbClr val="FF0000"/>
-              </a:solidFill>
-              <a:latin typeface="Times New Roman" panose="02020603050405020304" pitchFamily="18" charset="0"/>
-              <a:cs typeface="Times New Roman" panose="02020603050405020304" pitchFamily="18" charset="0"/>
-            </a:endParaRPr>
-          </a:p>
-          <a:p>
-            <a:pPr marL="0" indent="0" algn="just">
-              <a:buNone/>
-            </a:pPr>
-            <a:r>
-              <a:rPr lang="pt-BR" dirty="0">
-                <a:solidFill>
-                  <a:schemeClr val="tx1"/>
-                </a:solidFill>
-                <a:latin typeface="Times New Roman" panose="02020603050405020304" pitchFamily="18" charset="0"/>
-                <a:cs typeface="Times New Roman" panose="02020603050405020304" pitchFamily="18" charset="0"/>
-              </a:rPr>
-              <a:t>   Ex.: </a:t>
-            </a:r>
-            <a:r>
-              <a:rPr lang="pt-BR" b="1" dirty="0">
-                <a:solidFill>
-                  <a:schemeClr val="tx1"/>
-                </a:solidFill>
-                <a:latin typeface="Times New Roman" panose="02020603050405020304" pitchFamily="18" charset="0"/>
-                <a:cs typeface="Times New Roman" panose="02020603050405020304" pitchFamily="18" charset="0"/>
-              </a:rPr>
-              <a:t>print</a:t>
-            </a:r>
-            <a:r>
-              <a:rPr lang="pt-BR" dirty="0">
-                <a:solidFill>
-                  <a:schemeClr val="tx1"/>
-                </a:solidFill>
-                <a:latin typeface="Times New Roman" panose="02020603050405020304" pitchFamily="18" charset="0"/>
-                <a:cs typeface="Times New Roman" panose="02020603050405020304" pitchFamily="18" charset="0"/>
-              </a:rPr>
-              <a:t>(</a:t>
-            </a:r>
-            <a:r>
-              <a:rPr lang="pt-BR" dirty="0" err="1">
-                <a:solidFill>
-                  <a:schemeClr val="tx1"/>
-                </a:solidFill>
-                <a:latin typeface="Times New Roman" panose="02020603050405020304" pitchFamily="18" charset="0"/>
-                <a:cs typeface="Times New Roman" panose="02020603050405020304" pitchFamily="18" charset="0"/>
-              </a:rPr>
-              <a:t>umaLista</a:t>
-            </a:r>
-            <a:r>
-              <a:rPr lang="pt-BR" dirty="0">
-                <a:solidFill>
-                  <a:schemeClr val="tx1"/>
-                </a:solidFill>
-                <a:latin typeface="Times New Roman" panose="02020603050405020304" pitchFamily="18" charset="0"/>
-                <a:cs typeface="Times New Roman" panose="02020603050405020304" pitchFamily="18" charset="0"/>
-              </a:rPr>
-              <a:t>[1::3]) =&gt; 4, 7</a:t>
+              <a:t>[2:]) =&gt; 8, 5, 7, 9</a:t>
             </a:r>
           </a:p>
           <a:p>
@@ -13664,7 +14425,7 @@
     </p:spTree>
     <p:extLst>
       <p:ext uri="{BB962C8B-B14F-4D97-AF65-F5344CB8AC3E}">
-        <p14:creationId xmlns:p14="http://schemas.microsoft.com/office/powerpoint/2010/main" val="2660980653"/>
+        <p14:creationId xmlns:p14="http://schemas.microsoft.com/office/powerpoint/2010/main" val="3026463142"/>
       </p:ext>
     </p:extLst>
   </p:cSld>
@@ -13834,17 +14595,24 @@
                 <a:latin typeface="Times New Roman" panose="02020603050405020304" pitchFamily="18" charset="0"/>
                 <a:cs typeface="Times New Roman" panose="02020603050405020304" pitchFamily="18" charset="0"/>
               </a:rPr>
-              <a:t>Apagar, uma faixa da lista com </a:t>
-            </a:r>
-            <a:r>
-              <a:rPr lang="pt-BR" dirty="0" err="1">
-                <a:solidFill>
-                  <a:schemeClr val="tx1"/>
-                </a:solidFill>
-                <a:latin typeface="Times New Roman" panose="02020603050405020304" pitchFamily="18" charset="0"/>
-                <a:cs typeface="Times New Roman" panose="02020603050405020304" pitchFamily="18" charset="0"/>
-              </a:rPr>
-              <a:t>del</a:t>
+              <a:t>Seleciona faixa, “de tanto em tanto” com”:</a:t>
+            </a:r>
+            <a:r>
+              <a:rPr lang="pt-BR" b="1" dirty="0">
+                <a:solidFill>
+                  <a:srgbClr val="0070C0"/>
+                </a:solidFill>
+                <a:latin typeface="Times New Roman" panose="02020603050405020304" pitchFamily="18" charset="0"/>
+                <a:cs typeface="Times New Roman" panose="02020603050405020304" pitchFamily="18" charset="0"/>
+              </a:rPr>
+              <a:t>:</a:t>
+            </a:r>
+            <a:r>
+              <a:rPr lang="pt-BR" dirty="0">
+                <a:latin typeface="Times New Roman" panose="02020603050405020304" pitchFamily="18" charset="0"/>
+                <a:cs typeface="Times New Roman" panose="02020603050405020304" pitchFamily="18" charset="0"/>
+              </a:rPr>
+              <a:t>”</a:t>
             </a:r>
             <a:endParaRPr lang="pt-BR" b="1" dirty="0">
               <a:solidFill>
@@ -13869,14 +14637,14 @@
               <a:t>   Ex.: </a:t>
             </a:r>
             <a:r>
-              <a:rPr lang="pt-BR" b="1" dirty="0" err="1">
-                <a:solidFill>
-                  <a:schemeClr val="tx1"/>
-                </a:solidFill>
-                <a:latin typeface="Times New Roman" panose="02020603050405020304" pitchFamily="18" charset="0"/>
-                <a:cs typeface="Times New Roman" panose="02020603050405020304" pitchFamily="18" charset="0"/>
-              </a:rPr>
-              <a:t>del</a:t>
+              <a:rPr lang="pt-BR" b="1" dirty="0">
+                <a:solidFill>
+                  <a:schemeClr val="tx1"/>
+                </a:solidFill>
+                <a:latin typeface="Times New Roman" panose="02020603050405020304" pitchFamily="18" charset="0"/>
+                <a:cs typeface="Times New Roman" panose="02020603050405020304" pitchFamily="18" charset="0"/>
+              </a:rPr>
+              <a:t>print</a:t>
             </a:r>
             <a:r>
               <a:rPr lang="pt-BR" dirty="0">
@@ -13886,7 +14654,7 @@
                 <a:latin typeface="Times New Roman" panose="02020603050405020304" pitchFamily="18" charset="0"/>
                 <a:cs typeface="Times New Roman" panose="02020603050405020304" pitchFamily="18" charset="0"/>
               </a:rPr>
-              <a:t> </a:t>
+              <a:t>(</a:t>
             </a:r>
             <a:r>
               <a:rPr lang="pt-BR" dirty="0" err="1">
@@ -13899,16 +14667,6 @@
               <a:t>umaLista</a:t>
             </a:r>
             <a:r>
-              <a:rPr lang="pt-BR">
-                <a:solidFill>
-                  <a:schemeClr val="tx1"/>
-                </a:solidFill>
-                <a:latin typeface="Times New Roman" panose="02020603050405020304" pitchFamily="18" charset="0"/>
-                <a:cs typeface="Times New Roman" panose="02020603050405020304" pitchFamily="18" charset="0"/>
-              </a:rPr>
-              <a:t>[1:3</a:t>
-            </a:r>
-            <a:r>
               <a:rPr lang="pt-BR" dirty="0">
                 <a:solidFill>
                   <a:schemeClr val="tx1"/>
@@ -13916,27 +14674,7 @@
                 <a:latin typeface="Times New Roman" panose="02020603050405020304" pitchFamily="18" charset="0"/>
                 <a:cs typeface="Times New Roman" panose="02020603050405020304" pitchFamily="18" charset="0"/>
               </a:rPr>
-              <a:t>]; print(</a:t>
-            </a:r>
-            <a:r>
-              <a:rPr lang="pt-BR" dirty="0" err="1">
-                <a:solidFill>
-                  <a:schemeClr val="tx1"/>
-                </a:solidFill>
-                <a:latin typeface="Times New Roman" panose="02020603050405020304" pitchFamily="18" charset="0"/>
-                <a:cs typeface="Times New Roman" panose="02020603050405020304" pitchFamily="18" charset="0"/>
-              </a:rPr>
-              <a:t>umaLista</a:t>
-            </a:r>
-            <a:r>
-              <a:rPr lang="pt-BR" dirty="0">
-                <a:solidFill>
-                  <a:schemeClr val="tx1"/>
-                </a:solidFill>
-                <a:latin typeface="Times New Roman" panose="02020603050405020304" pitchFamily="18" charset="0"/>
-                <a:cs typeface="Times New Roman" panose="02020603050405020304" pitchFamily="18" charset="0"/>
-              </a:rPr>
-              <a:t>)</a:t>
+              <a:t>[::2]) =&gt; 1, 8, 7</a:t>
             </a:r>
           </a:p>
           <a:p>
@@ -13952,7 +14690,24 @@
                 <a:latin typeface="Times New Roman" panose="02020603050405020304" pitchFamily="18" charset="0"/>
                 <a:cs typeface="Times New Roman" panose="02020603050405020304" pitchFamily="18" charset="0"/>
               </a:rPr>
-              <a:t>Apagar lista totalmente</a:t>
+              <a:t>Seleciona faixa, da posição e inicial com ”</a:t>
+            </a:r>
+            <a:r>
+              <a:rPr lang="pt-BR" b="1" dirty="0">
+                <a:solidFill>
+                  <a:srgbClr val="0070C0"/>
+                </a:solidFill>
+                <a:latin typeface="Times New Roman" panose="02020603050405020304" pitchFamily="18" charset="0"/>
+                <a:cs typeface="Times New Roman" panose="02020603050405020304" pitchFamily="18" charset="0"/>
+              </a:rPr>
+              <a:t>:</a:t>
+            </a:r>
+            <a:r>
+              <a:rPr lang="pt-BR" dirty="0">
+                <a:latin typeface="Times New Roman" panose="02020603050405020304" pitchFamily="18" charset="0"/>
+                <a:cs typeface="Times New Roman" panose="02020603050405020304" pitchFamily="18" charset="0"/>
+              </a:rPr>
+              <a:t>”</a:t>
             </a:r>
             <a:endParaRPr lang="pt-BR" b="1" dirty="0">
               <a:solidFill>
@@ -13977,14 +14732,14 @@
               <a:t>   Ex.: </a:t>
             </a:r>
             <a:r>
-              <a:rPr lang="pt-BR" b="1" dirty="0" err="1">
-                <a:solidFill>
-                  <a:schemeClr val="tx1"/>
-                </a:solidFill>
-                <a:latin typeface="Times New Roman" panose="02020603050405020304" pitchFamily="18" charset="0"/>
-                <a:cs typeface="Times New Roman" panose="02020603050405020304" pitchFamily="18" charset="0"/>
-              </a:rPr>
-              <a:t>del</a:t>
+              <a:rPr lang="pt-BR" b="1" dirty="0">
+                <a:solidFill>
+                  <a:schemeClr val="tx1"/>
+                </a:solidFill>
+                <a:latin typeface="Times New Roman" panose="02020603050405020304" pitchFamily="18" charset="0"/>
+                <a:cs typeface="Times New Roman" panose="02020603050405020304" pitchFamily="18" charset="0"/>
+              </a:rPr>
+              <a:t>print</a:t>
             </a:r>
             <a:r>
               <a:rPr lang="pt-BR" dirty="0">
@@ -13994,7 +14749,7 @@
                 <a:latin typeface="Times New Roman" panose="02020603050405020304" pitchFamily="18" charset="0"/>
                 <a:cs typeface="Times New Roman" panose="02020603050405020304" pitchFamily="18" charset="0"/>
               </a:rPr>
-              <a:t> </a:t>
+              <a:t>(</a:t>
             </a:r>
             <a:r>
               <a:rPr lang="pt-BR" dirty="0" err="1">
@@ -14006,13 +14761,16 @@
               </a:rPr>
               <a:t>umaLista</a:t>
             </a:r>
-            <a:endParaRPr lang="pt-BR" dirty="0">
-              <a:solidFill>
-                <a:schemeClr val="tx1"/>
-              </a:solidFill>
-              <a:latin typeface="Times New Roman" panose="02020603050405020304" pitchFamily="18" charset="0"/>
-              <a:cs typeface="Times New Roman" panose="02020603050405020304" pitchFamily="18" charset="0"/>
-            </a:endParaRPr>
+            <a:r>
+              <a:rPr lang="pt-BR" dirty="0">
+                <a:solidFill>
+                  <a:schemeClr val="tx1"/>
+                </a:solidFill>
+                <a:latin typeface="Times New Roman" panose="02020603050405020304" pitchFamily="18" charset="0"/>
+                <a:cs typeface="Times New Roman" panose="02020603050405020304" pitchFamily="18" charset="0"/>
+              </a:rPr>
+              <a:t>[1::3]) =&gt; 4, 7</a:t>
+            </a:r>
           </a:p>
           <a:p>
             <a:pPr marL="0" indent="0" algn="just">
@@ -14031,7 +14789,7 @@
     </p:spTree>
     <p:extLst>
       <p:ext uri="{BB962C8B-B14F-4D97-AF65-F5344CB8AC3E}">
-        <p14:creationId xmlns:p14="http://schemas.microsoft.com/office/powerpoint/2010/main" val="2615201603"/>
+        <p14:creationId xmlns:p14="http://schemas.microsoft.com/office/powerpoint/2010/main" val="2660980653"/>
       </p:ext>
     </p:extLst>
   </p:cSld>

--- a/01 Classes/Aula 07 RAD Python - Tipos de Dados Aglomerados.pptx
+++ b/01 Classes/Aula 07 RAD Python - Tipos de Dados Aglomerados.pptx
@@ -5,7 +5,7 @@
     <p:sldMasterId id="2147483671" r:id="rId1"/>
   </p:sldMasterIdLst>
   <p:notesMasterIdLst>
-    <p:notesMasterId r:id="rId27"/>
+    <p:notesMasterId r:id="rId29"/>
   </p:notesMasterIdLst>
   <p:sldIdLst>
     <p:sldId id="355" r:id="rId2"/>
@@ -14,25 +14,27 @@
     <p:sldId id="338" r:id="rId5"/>
     <p:sldId id="349" r:id="rId6"/>
     <p:sldId id="354" r:id="rId7"/>
-    <p:sldId id="348" r:id="rId8"/>
-    <p:sldId id="350" r:id="rId9"/>
-    <p:sldId id="351" r:id="rId10"/>
-    <p:sldId id="352" r:id="rId11"/>
-    <p:sldId id="340" r:id="rId12"/>
-    <p:sldId id="341" r:id="rId13"/>
-    <p:sldId id="343" r:id="rId14"/>
-    <p:sldId id="342" r:id="rId15"/>
-    <p:sldId id="339" r:id="rId16"/>
-    <p:sldId id="344" r:id="rId17"/>
-    <p:sldId id="345" r:id="rId18"/>
-    <p:sldId id="346" r:id="rId19"/>
-    <p:sldId id="347" r:id="rId20"/>
-    <p:sldId id="353" r:id="rId21"/>
-    <p:sldId id="323" r:id="rId22"/>
-    <p:sldId id="333" r:id="rId23"/>
-    <p:sldId id="334" r:id="rId24"/>
-    <p:sldId id="337" r:id="rId25"/>
-    <p:sldId id="309" r:id="rId26"/>
+    <p:sldId id="356" r:id="rId8"/>
+    <p:sldId id="357" r:id="rId9"/>
+    <p:sldId id="348" r:id="rId10"/>
+    <p:sldId id="350" r:id="rId11"/>
+    <p:sldId id="351" r:id="rId12"/>
+    <p:sldId id="352" r:id="rId13"/>
+    <p:sldId id="340" r:id="rId14"/>
+    <p:sldId id="341" r:id="rId15"/>
+    <p:sldId id="343" r:id="rId16"/>
+    <p:sldId id="342" r:id="rId17"/>
+    <p:sldId id="339" r:id="rId18"/>
+    <p:sldId id="344" r:id="rId19"/>
+    <p:sldId id="345" r:id="rId20"/>
+    <p:sldId id="346" r:id="rId21"/>
+    <p:sldId id="347" r:id="rId22"/>
+    <p:sldId id="353" r:id="rId23"/>
+    <p:sldId id="323" r:id="rId24"/>
+    <p:sldId id="333" r:id="rId25"/>
+    <p:sldId id="334" r:id="rId26"/>
+    <p:sldId id="337" r:id="rId27"/>
+    <p:sldId id="309" r:id="rId28"/>
   </p:sldIdLst>
   <p:sldSz cx="9144000" cy="5143500" type="screen16x9"/>
   <p:notesSz cx="6858000" cy="9144000"/>
@@ -447,7 +449,7 @@
     </p:spTree>
     <p:extLst>
       <p:ext uri="{BB962C8B-B14F-4D97-AF65-F5344CB8AC3E}">
-        <p14:creationId xmlns:p14="http://schemas.microsoft.com/office/powerpoint/2010/main" val="874626551"/>
+        <p14:creationId xmlns:p14="http://schemas.microsoft.com/office/powerpoint/2010/main" val="3821292597"/>
       </p:ext>
     </p:extLst>
   </p:cSld>
@@ -513,7 +515,7 @@
     </p:spTree>
     <p:extLst>
       <p:ext uri="{BB962C8B-B14F-4D97-AF65-F5344CB8AC3E}">
-        <p14:creationId xmlns:p14="http://schemas.microsoft.com/office/powerpoint/2010/main" val="1087326955"/>
+        <p14:creationId xmlns:p14="http://schemas.microsoft.com/office/powerpoint/2010/main" val="1131444248"/>
       </p:ext>
     </p:extLst>
   </p:cSld>
@@ -579,7 +581,7 @@
     </p:spTree>
     <p:extLst>
       <p:ext uri="{BB962C8B-B14F-4D97-AF65-F5344CB8AC3E}">
-        <p14:creationId xmlns:p14="http://schemas.microsoft.com/office/powerpoint/2010/main" val="1193636002"/>
+        <p14:creationId xmlns:p14="http://schemas.microsoft.com/office/powerpoint/2010/main" val="874626551"/>
       </p:ext>
     </p:extLst>
   </p:cSld>
@@ -645,7 +647,7 @@
     </p:spTree>
     <p:extLst>
       <p:ext uri="{BB962C8B-B14F-4D97-AF65-F5344CB8AC3E}">
-        <p14:creationId xmlns:p14="http://schemas.microsoft.com/office/powerpoint/2010/main" val="3877086868"/>
+        <p14:creationId xmlns:p14="http://schemas.microsoft.com/office/powerpoint/2010/main" val="1087326955"/>
       </p:ext>
     </p:extLst>
   </p:cSld>
@@ -711,7 +713,7 @@
     </p:spTree>
     <p:extLst>
       <p:ext uri="{BB962C8B-B14F-4D97-AF65-F5344CB8AC3E}">
-        <p14:creationId xmlns:p14="http://schemas.microsoft.com/office/powerpoint/2010/main" val="3685178982"/>
+        <p14:creationId xmlns:p14="http://schemas.microsoft.com/office/powerpoint/2010/main" val="1193636002"/>
       </p:ext>
     </p:extLst>
   </p:cSld>
@@ -777,7 +779,7 @@
     </p:spTree>
     <p:extLst>
       <p:ext uri="{BB962C8B-B14F-4D97-AF65-F5344CB8AC3E}">
-        <p14:creationId xmlns:p14="http://schemas.microsoft.com/office/powerpoint/2010/main" val="1805732158"/>
+        <p14:creationId xmlns:p14="http://schemas.microsoft.com/office/powerpoint/2010/main" val="3877086868"/>
       </p:ext>
     </p:extLst>
   </p:cSld>
@@ -843,7 +845,7 @@
     </p:spTree>
     <p:extLst>
       <p:ext uri="{BB962C8B-B14F-4D97-AF65-F5344CB8AC3E}">
-        <p14:creationId xmlns:p14="http://schemas.microsoft.com/office/powerpoint/2010/main" val="1661230793"/>
+        <p14:creationId xmlns:p14="http://schemas.microsoft.com/office/powerpoint/2010/main" val="3685178982"/>
       </p:ext>
     </p:extLst>
   </p:cSld>
@@ -909,7 +911,7 @@
     </p:spTree>
     <p:extLst>
       <p:ext uri="{BB962C8B-B14F-4D97-AF65-F5344CB8AC3E}">
-        <p14:creationId xmlns:p14="http://schemas.microsoft.com/office/powerpoint/2010/main" val="731967856"/>
+        <p14:creationId xmlns:p14="http://schemas.microsoft.com/office/powerpoint/2010/main" val="1805732158"/>
       </p:ext>
     </p:extLst>
   </p:cSld>
@@ -975,7 +977,7 @@
     </p:spTree>
     <p:extLst>
       <p:ext uri="{BB962C8B-B14F-4D97-AF65-F5344CB8AC3E}">
-        <p14:creationId xmlns:p14="http://schemas.microsoft.com/office/powerpoint/2010/main" val="3398795520"/>
+        <p14:creationId xmlns:p14="http://schemas.microsoft.com/office/powerpoint/2010/main" val="1661230793"/>
       </p:ext>
     </p:extLst>
   </p:cSld>
@@ -1041,7 +1043,7 @@
     </p:spTree>
     <p:extLst>
       <p:ext uri="{BB962C8B-B14F-4D97-AF65-F5344CB8AC3E}">
-        <p14:creationId xmlns:p14="http://schemas.microsoft.com/office/powerpoint/2010/main" val="2709569597"/>
+        <p14:creationId xmlns:p14="http://schemas.microsoft.com/office/powerpoint/2010/main" val="731967856"/>
       </p:ext>
     </p:extLst>
   </p:cSld>
@@ -1173,7 +1175,7 @@
     </p:spTree>
     <p:extLst>
       <p:ext uri="{BB962C8B-B14F-4D97-AF65-F5344CB8AC3E}">
-        <p14:creationId xmlns:p14="http://schemas.microsoft.com/office/powerpoint/2010/main" val="585304384"/>
+        <p14:creationId xmlns:p14="http://schemas.microsoft.com/office/powerpoint/2010/main" val="3398795520"/>
       </p:ext>
     </p:extLst>
   </p:cSld>
@@ -1239,6 +1241,138 @@
     </p:spTree>
     <p:extLst>
       <p:ext uri="{BB962C8B-B14F-4D97-AF65-F5344CB8AC3E}">
+        <p14:creationId xmlns:p14="http://schemas.microsoft.com/office/powerpoint/2010/main" val="2709569597"/>
+      </p:ext>
+    </p:extLst>
+  </p:cSld>
+  <p:clrMapOvr>
+    <a:masterClrMapping/>
+  </p:clrMapOvr>
+</p:notes>
+</file>
+
+<file path=ppt/notesSlides/notesSlide22.xml><?xml version="1.0" encoding="utf-8"?>
+<p:notes xmlns:a="http://schemas.openxmlformats.org/drawingml/2006/main" xmlns:r="http://schemas.openxmlformats.org/officeDocument/2006/relationships" xmlns:p="http://schemas.openxmlformats.org/presentationml/2006/main">
+  <p:cSld>
+    <p:spTree>
+      <p:nvGrpSpPr>
+        <p:cNvPr id="1" name=""/>
+        <p:cNvGrpSpPr/>
+        <p:nvPr/>
+      </p:nvGrpSpPr>
+      <p:grpSpPr>
+        <a:xfrm>
+          <a:off x="0" y="0"/>
+          <a:ext cx="0" cy="0"/>
+          <a:chOff x="0" y="0"/>
+          <a:chExt cx="0" cy="0"/>
+        </a:xfrm>
+      </p:grpSpPr>
+      <p:sp>
+        <p:nvSpPr>
+          <p:cNvPr id="2" name="Espaço Reservado para Imagem de Slide 1"/>
+          <p:cNvSpPr>
+            <a:spLocks noGrp="1" noRot="1" noChangeAspect="1"/>
+          </p:cNvSpPr>
+          <p:nvPr>
+            <p:ph type="sldImg"/>
+          </p:nvPr>
+        </p:nvSpPr>
+        <p:spPr>
+          <a:xfrm>
+            <a:off x="381000" y="685800"/>
+            <a:ext cx="6096000" cy="3429000"/>
+          </a:xfrm>
+        </p:spPr>
+      </p:sp>
+      <p:sp>
+        <p:nvSpPr>
+          <p:cNvPr id="3" name="Espaço Reservado para Anotações 2"/>
+          <p:cNvSpPr>
+            <a:spLocks noGrp="1"/>
+          </p:cNvSpPr>
+          <p:nvPr>
+            <p:ph type="body" idx="1"/>
+          </p:nvPr>
+        </p:nvSpPr>
+        <p:spPr/>
+        <p:txBody>
+          <a:bodyPr/>
+          <a:lstStyle/>
+          <a:p>
+            <a:endParaRPr lang="pt-BR" dirty="0"/>
+          </a:p>
+        </p:txBody>
+      </p:sp>
+    </p:spTree>
+    <p:extLst>
+      <p:ext uri="{BB962C8B-B14F-4D97-AF65-F5344CB8AC3E}">
+        <p14:creationId xmlns:p14="http://schemas.microsoft.com/office/powerpoint/2010/main" val="585304384"/>
+      </p:ext>
+    </p:extLst>
+  </p:cSld>
+  <p:clrMapOvr>
+    <a:masterClrMapping/>
+  </p:clrMapOvr>
+</p:notes>
+</file>
+
+<file path=ppt/notesSlides/notesSlide23.xml><?xml version="1.0" encoding="utf-8"?>
+<p:notes xmlns:a="http://schemas.openxmlformats.org/drawingml/2006/main" xmlns:r="http://schemas.openxmlformats.org/officeDocument/2006/relationships" xmlns:p="http://schemas.openxmlformats.org/presentationml/2006/main">
+  <p:cSld>
+    <p:spTree>
+      <p:nvGrpSpPr>
+        <p:cNvPr id="1" name=""/>
+        <p:cNvGrpSpPr/>
+        <p:nvPr/>
+      </p:nvGrpSpPr>
+      <p:grpSpPr>
+        <a:xfrm>
+          <a:off x="0" y="0"/>
+          <a:ext cx="0" cy="0"/>
+          <a:chOff x="0" y="0"/>
+          <a:chExt cx="0" cy="0"/>
+        </a:xfrm>
+      </p:grpSpPr>
+      <p:sp>
+        <p:nvSpPr>
+          <p:cNvPr id="2" name="Espaço Reservado para Imagem de Slide 1"/>
+          <p:cNvSpPr>
+            <a:spLocks noGrp="1" noRot="1" noChangeAspect="1"/>
+          </p:cNvSpPr>
+          <p:nvPr>
+            <p:ph type="sldImg"/>
+          </p:nvPr>
+        </p:nvSpPr>
+        <p:spPr>
+          <a:xfrm>
+            <a:off x="381000" y="685800"/>
+            <a:ext cx="6096000" cy="3429000"/>
+          </a:xfrm>
+        </p:spPr>
+      </p:sp>
+      <p:sp>
+        <p:nvSpPr>
+          <p:cNvPr id="3" name="Espaço Reservado para Anotações 2"/>
+          <p:cNvSpPr>
+            <a:spLocks noGrp="1"/>
+          </p:cNvSpPr>
+          <p:nvPr>
+            <p:ph type="body" idx="1"/>
+          </p:nvPr>
+        </p:nvSpPr>
+        <p:spPr/>
+        <p:txBody>
+          <a:bodyPr/>
+          <a:lstStyle/>
+          <a:p>
+            <a:endParaRPr lang="pt-BR" dirty="0"/>
+          </a:p>
+        </p:txBody>
+      </p:sp>
+    </p:spTree>
+    <p:extLst>
+      <p:ext uri="{BB962C8B-B14F-4D97-AF65-F5344CB8AC3E}">
         <p14:creationId xmlns:p14="http://schemas.microsoft.com/office/powerpoint/2010/main" val="2296249050"/>
       </p:ext>
     </p:extLst>
@@ -1249,7 +1383,7 @@
 </p:notes>
 </file>
 
-<file path=ppt/notesSlides/notesSlide22.xml><?xml version="1.0" encoding="utf-8"?>
+<file path=ppt/notesSlides/notesSlide24.xml><?xml version="1.0" encoding="utf-8"?>
 <p:notes xmlns:a="http://schemas.openxmlformats.org/drawingml/2006/main" xmlns:r="http://schemas.openxmlformats.org/officeDocument/2006/relationships" xmlns:p="http://schemas.openxmlformats.org/presentationml/2006/main">
   <p:cSld>
     <p:spTree>
@@ -1569,7 +1703,7 @@
     </p:spTree>
     <p:extLst>
       <p:ext uri="{BB962C8B-B14F-4D97-AF65-F5344CB8AC3E}">
-        <p14:creationId xmlns:p14="http://schemas.microsoft.com/office/powerpoint/2010/main" val="3813042706"/>
+        <p14:creationId xmlns:p14="http://schemas.microsoft.com/office/powerpoint/2010/main" val="3158986882"/>
       </p:ext>
     </p:extLst>
   </p:cSld>
@@ -1635,7 +1769,7 @@
     </p:spTree>
     <p:extLst>
       <p:ext uri="{BB962C8B-B14F-4D97-AF65-F5344CB8AC3E}">
-        <p14:creationId xmlns:p14="http://schemas.microsoft.com/office/powerpoint/2010/main" val="3581898231"/>
+        <p14:creationId xmlns:p14="http://schemas.microsoft.com/office/powerpoint/2010/main" val="1236734081"/>
       </p:ext>
     </p:extLst>
   </p:cSld>
@@ -1701,7 +1835,7 @@
     </p:spTree>
     <p:extLst>
       <p:ext uri="{BB962C8B-B14F-4D97-AF65-F5344CB8AC3E}">
-        <p14:creationId xmlns:p14="http://schemas.microsoft.com/office/powerpoint/2010/main" val="3821292597"/>
+        <p14:creationId xmlns:p14="http://schemas.microsoft.com/office/powerpoint/2010/main" val="3813042706"/>
       </p:ext>
     </p:extLst>
   </p:cSld>
@@ -1767,7 +1901,7 @@
     </p:spTree>
     <p:extLst>
       <p:ext uri="{BB962C8B-B14F-4D97-AF65-F5344CB8AC3E}">
-        <p14:creationId xmlns:p14="http://schemas.microsoft.com/office/powerpoint/2010/main" val="1131444248"/>
+        <p14:creationId xmlns:p14="http://schemas.microsoft.com/office/powerpoint/2010/main" val="3581898231"/>
       </p:ext>
     </p:extLst>
   </p:cSld>
@@ -1916,7 +2050,7 @@
           <a:p>
             <a:fld id="{48A87A34-81AB-432B-8DAE-1953F412C126}" type="datetimeFigureOut">
               <a:rPr lang="en-US" smtClean="0"/>
-              <a:t>9/17/2022</a:t>
+              <a:t>9/20/2022</a:t>
             </a:fld>
             <a:endParaRPr lang="en-US" dirty="0"/>
           </a:p>
@@ -2127,7 +2261,7 @@
           <a:p>
             <a:fld id="{48A87A34-81AB-432B-8DAE-1953F412C126}" type="datetimeFigureOut">
               <a:rPr lang="en-US" smtClean="0"/>
-              <a:t>9/17/2022</a:t>
+              <a:t>9/20/2022</a:t>
             </a:fld>
             <a:endParaRPr lang="en-US" dirty="0"/>
           </a:p>
@@ -2342,7 +2476,7 @@
           <a:p>
             <a:fld id="{48A87A34-81AB-432B-8DAE-1953F412C126}" type="datetimeFigureOut">
               <a:rPr lang="en-US" smtClean="0"/>
-              <a:t>9/17/2022</a:t>
+              <a:t>9/20/2022</a:t>
             </a:fld>
             <a:endParaRPr lang="en-US" dirty="0"/>
           </a:p>
@@ -2710,7 +2844,7 @@
           <a:p>
             <a:fld id="{48A87A34-81AB-432B-8DAE-1953F412C126}" type="datetimeFigureOut">
               <a:rPr lang="en-US" smtClean="0"/>
-              <a:t>9/17/2022</a:t>
+              <a:t>9/20/2022</a:t>
             </a:fld>
             <a:endParaRPr lang="en-US" dirty="0"/>
           </a:p>
@@ -2989,7 +3123,7 @@
           <a:p>
             <a:fld id="{48A87A34-81AB-432B-8DAE-1953F412C126}" type="datetimeFigureOut">
               <a:rPr lang="en-US" smtClean="0"/>
-              <a:t>9/17/2022</a:t>
+              <a:t>9/20/2022</a:t>
             </a:fld>
             <a:endParaRPr lang="en-US" dirty="0"/>
           </a:p>
@@ -3257,7 +3391,7 @@
           <a:p>
             <a:fld id="{48A87A34-81AB-432B-8DAE-1953F412C126}" type="datetimeFigureOut">
               <a:rPr lang="en-US" smtClean="0"/>
-              <a:t>9/17/2022</a:t>
+              <a:t>9/20/2022</a:t>
             </a:fld>
             <a:endParaRPr lang="en-US" dirty="0"/>
           </a:p>
@@ -3673,7 +3807,7 @@
           <a:p>
             <a:fld id="{48A87A34-81AB-432B-8DAE-1953F412C126}" type="datetimeFigureOut">
               <a:rPr lang="en-US" smtClean="0"/>
-              <a:t>9/17/2022</a:t>
+              <a:t>9/20/2022</a:t>
             </a:fld>
             <a:endParaRPr lang="en-US" dirty="0"/>
           </a:p>
@@ -3822,7 +3956,7 @@
           <a:p>
             <a:fld id="{48A87A34-81AB-432B-8DAE-1953F412C126}" type="datetimeFigureOut">
               <a:rPr lang="en-US" smtClean="0"/>
-              <a:t>9/17/2022</a:t>
+              <a:t>9/20/2022</a:t>
             </a:fld>
             <a:endParaRPr lang="en-US" dirty="0"/>
           </a:p>
@@ -3948,7 +4082,7 @@
           <a:p>
             <a:fld id="{48A87A34-81AB-432B-8DAE-1953F412C126}" type="datetimeFigureOut">
               <a:rPr lang="en-US" smtClean="0"/>
-              <a:t>9/17/2022</a:t>
+              <a:t>9/20/2022</a:t>
             </a:fld>
             <a:endParaRPr lang="en-US" dirty="0"/>
           </a:p>
@@ -4199,7 +4333,7 @@
           <a:p>
             <a:fld id="{48A87A34-81AB-432B-8DAE-1953F412C126}" type="datetimeFigureOut">
               <a:rPr lang="en-US" smtClean="0"/>
-              <a:t>9/17/2022</a:t>
+              <a:t>9/20/2022</a:t>
             </a:fld>
             <a:endParaRPr lang="en-US" dirty="0"/>
           </a:p>
@@ -4645,7 +4779,7 @@
             <a:fld id="{48A87A34-81AB-432B-8DAE-1953F412C126}" type="datetimeFigureOut">
               <a:rPr lang="en-US" smtClean="0"/>
               <a:pPr/>
-              <a:t>9/17/2022</a:t>
+              <a:t>9/20/2022</a:t>
             </a:fld>
             <a:endParaRPr lang="en-US" dirty="0"/>
           </a:p>
@@ -4973,7 +5107,7 @@
             <a:fld id="{48A87A34-81AB-432B-8DAE-1953F412C126}" type="datetimeFigureOut">
               <a:rPr lang="en-US" smtClean="0"/>
               <a:pPr/>
-              <a:t>9/17/2022</a:t>
+              <a:t>9/20/2022</a:t>
             </a:fld>
             <a:endParaRPr lang="en-US" dirty="0"/>
           </a:p>
@@ -6163,6 +6297,747 @@
                 <a:latin typeface="Times New Roman" panose="02020603050405020304" pitchFamily="18" charset="0"/>
                 <a:cs typeface="Times New Roman" panose="02020603050405020304" pitchFamily="18" charset="0"/>
               </a:rPr>
+              <a:t>Seleciona tudo até o indicado com”</a:t>
+            </a:r>
+            <a:r>
+              <a:rPr lang="pt-BR" b="1" dirty="0">
+                <a:solidFill>
+                  <a:srgbClr val="0070C0"/>
+                </a:solidFill>
+                <a:latin typeface="Times New Roman" panose="02020603050405020304" pitchFamily="18" charset="0"/>
+                <a:cs typeface="Times New Roman" panose="02020603050405020304" pitchFamily="18" charset="0"/>
+              </a:rPr>
+              <a:t>:</a:t>
+            </a:r>
+            <a:r>
+              <a:rPr lang="pt-BR" dirty="0">
+                <a:latin typeface="Times New Roman" panose="02020603050405020304" pitchFamily="18" charset="0"/>
+                <a:cs typeface="Times New Roman" panose="02020603050405020304" pitchFamily="18" charset="0"/>
+              </a:rPr>
+              <a:t>”</a:t>
+            </a:r>
+            <a:r>
+              <a:rPr lang="pt-BR" dirty="0">
+                <a:solidFill>
+                  <a:schemeClr val="tx1"/>
+                </a:solidFill>
+                <a:latin typeface="Times New Roman" panose="02020603050405020304" pitchFamily="18" charset="0"/>
+                <a:cs typeface="Times New Roman" panose="02020603050405020304" pitchFamily="18" charset="0"/>
+              </a:rPr>
+              <a:t> </a:t>
+            </a:r>
+            <a:r>
+              <a:rPr lang="pt-BR" b="1" dirty="0">
+                <a:solidFill>
+                  <a:srgbClr val="FF0000"/>
+                </a:solidFill>
+                <a:latin typeface="Times New Roman" panose="02020603050405020304" pitchFamily="18" charset="0"/>
+                <a:cs typeface="Times New Roman" panose="02020603050405020304" pitchFamily="18" charset="0"/>
+              </a:rPr>
+              <a:t>Atenção: Exclui o último elemento.</a:t>
+            </a:r>
+          </a:p>
+          <a:p>
+            <a:pPr marL="0" indent="0" algn="just">
+              <a:buNone/>
+            </a:pPr>
+            <a:r>
+              <a:rPr lang="pt-BR" dirty="0">
+                <a:solidFill>
+                  <a:schemeClr val="tx1"/>
+                </a:solidFill>
+                <a:latin typeface="Times New Roman" panose="02020603050405020304" pitchFamily="18" charset="0"/>
+                <a:cs typeface="Times New Roman" panose="02020603050405020304" pitchFamily="18" charset="0"/>
+              </a:rPr>
+              <a:t>   Ex.: </a:t>
+            </a:r>
+            <a:r>
+              <a:rPr lang="pt-BR" b="1" dirty="0">
+                <a:solidFill>
+                  <a:schemeClr val="tx1"/>
+                </a:solidFill>
+                <a:latin typeface="Times New Roman" panose="02020603050405020304" pitchFamily="18" charset="0"/>
+                <a:cs typeface="Times New Roman" panose="02020603050405020304" pitchFamily="18" charset="0"/>
+              </a:rPr>
+              <a:t>print</a:t>
+            </a:r>
+            <a:r>
+              <a:rPr lang="pt-BR" dirty="0">
+                <a:solidFill>
+                  <a:schemeClr val="tx1"/>
+                </a:solidFill>
+                <a:latin typeface="Times New Roman" panose="02020603050405020304" pitchFamily="18" charset="0"/>
+                <a:cs typeface="Times New Roman" panose="02020603050405020304" pitchFamily="18" charset="0"/>
+              </a:rPr>
+              <a:t>(</a:t>
+            </a:r>
+            <a:r>
+              <a:rPr lang="pt-BR" dirty="0" err="1">
+                <a:solidFill>
+                  <a:schemeClr val="tx1"/>
+                </a:solidFill>
+                <a:latin typeface="Times New Roman" panose="02020603050405020304" pitchFamily="18" charset="0"/>
+                <a:cs typeface="Times New Roman" panose="02020603050405020304" pitchFamily="18" charset="0"/>
+              </a:rPr>
+              <a:t>umaLista</a:t>
+            </a:r>
+            <a:r>
+              <a:rPr lang="pt-BR" dirty="0">
+                <a:solidFill>
+                  <a:schemeClr val="tx1"/>
+                </a:solidFill>
+                <a:latin typeface="Times New Roman" panose="02020603050405020304" pitchFamily="18" charset="0"/>
+                <a:cs typeface="Times New Roman" panose="02020603050405020304" pitchFamily="18" charset="0"/>
+              </a:rPr>
+              <a:t>[1:3]) =&gt; 4, 8</a:t>
+            </a:r>
+          </a:p>
+          <a:p>
+            <a:pPr algn="just">
+              <a:buFontTx/>
+              <a:buChar char="-"/>
+            </a:pPr>
+            <a:r>
+              <a:rPr lang="pt-BR" dirty="0">
+                <a:solidFill>
+                  <a:schemeClr val="tx1"/>
+                </a:solidFill>
+                <a:latin typeface="Times New Roman" panose="02020603050405020304" pitchFamily="18" charset="0"/>
+                <a:cs typeface="Times New Roman" panose="02020603050405020304" pitchFamily="18" charset="0"/>
+              </a:rPr>
+              <a:t>Seleciona faixa, da posição informada até o fim com ”</a:t>
+            </a:r>
+            <a:r>
+              <a:rPr lang="pt-BR" b="1" dirty="0">
+                <a:solidFill>
+                  <a:srgbClr val="0070C0"/>
+                </a:solidFill>
+                <a:latin typeface="Times New Roman" panose="02020603050405020304" pitchFamily="18" charset="0"/>
+                <a:cs typeface="Times New Roman" panose="02020603050405020304" pitchFamily="18" charset="0"/>
+              </a:rPr>
+              <a:t>:</a:t>
+            </a:r>
+            <a:r>
+              <a:rPr lang="pt-BR" dirty="0">
+                <a:latin typeface="Times New Roman" panose="02020603050405020304" pitchFamily="18" charset="0"/>
+                <a:cs typeface="Times New Roman" panose="02020603050405020304" pitchFamily="18" charset="0"/>
+              </a:rPr>
+              <a:t>”</a:t>
+            </a:r>
+            <a:endParaRPr lang="pt-BR" b="1" dirty="0">
+              <a:solidFill>
+                <a:srgbClr val="FF0000"/>
+              </a:solidFill>
+              <a:latin typeface="Times New Roman" panose="02020603050405020304" pitchFamily="18" charset="0"/>
+              <a:cs typeface="Times New Roman" panose="02020603050405020304" pitchFamily="18" charset="0"/>
+            </a:endParaRPr>
+          </a:p>
+          <a:p>
+            <a:pPr marL="0" indent="0" algn="just">
+              <a:buNone/>
+            </a:pPr>
+            <a:r>
+              <a:rPr lang="pt-BR" dirty="0">
+                <a:solidFill>
+                  <a:schemeClr val="tx1"/>
+                </a:solidFill>
+                <a:latin typeface="Times New Roman" panose="02020603050405020304" pitchFamily="18" charset="0"/>
+                <a:cs typeface="Times New Roman" panose="02020603050405020304" pitchFamily="18" charset="0"/>
+              </a:rPr>
+              <a:t>   Ex.: </a:t>
+            </a:r>
+            <a:r>
+              <a:rPr lang="pt-BR" b="1" dirty="0">
+                <a:solidFill>
+                  <a:schemeClr val="tx1"/>
+                </a:solidFill>
+                <a:latin typeface="Times New Roman" panose="02020603050405020304" pitchFamily="18" charset="0"/>
+                <a:cs typeface="Times New Roman" panose="02020603050405020304" pitchFamily="18" charset="0"/>
+              </a:rPr>
+              <a:t>print</a:t>
+            </a:r>
+            <a:r>
+              <a:rPr lang="pt-BR" dirty="0">
+                <a:solidFill>
+                  <a:schemeClr val="tx1"/>
+                </a:solidFill>
+                <a:latin typeface="Times New Roman" panose="02020603050405020304" pitchFamily="18" charset="0"/>
+                <a:cs typeface="Times New Roman" panose="02020603050405020304" pitchFamily="18" charset="0"/>
+              </a:rPr>
+              <a:t>(</a:t>
+            </a:r>
+            <a:r>
+              <a:rPr lang="pt-BR" dirty="0" err="1">
+                <a:solidFill>
+                  <a:schemeClr val="tx1"/>
+                </a:solidFill>
+                <a:latin typeface="Times New Roman" panose="02020603050405020304" pitchFamily="18" charset="0"/>
+                <a:cs typeface="Times New Roman" panose="02020603050405020304" pitchFamily="18" charset="0"/>
+              </a:rPr>
+              <a:t>umaLista</a:t>
+            </a:r>
+            <a:r>
+              <a:rPr lang="pt-BR" dirty="0">
+                <a:solidFill>
+                  <a:schemeClr val="tx1"/>
+                </a:solidFill>
+                <a:latin typeface="Times New Roman" panose="02020603050405020304" pitchFamily="18" charset="0"/>
+                <a:cs typeface="Times New Roman" panose="02020603050405020304" pitchFamily="18" charset="0"/>
+              </a:rPr>
+              <a:t>[2:]) =&gt; 8, 5, 7, 9</a:t>
+            </a:r>
+          </a:p>
+          <a:p>
+            <a:pPr marL="0" indent="0" algn="just">
+              <a:buNone/>
+            </a:pPr>
+            <a:endParaRPr lang="pt-BR" dirty="0">
+              <a:solidFill>
+                <a:schemeClr val="tx1"/>
+              </a:solidFill>
+              <a:latin typeface="Times New Roman" panose="02020603050405020304" pitchFamily="18" charset="0"/>
+              <a:cs typeface="Times New Roman" panose="02020603050405020304" pitchFamily="18" charset="0"/>
+            </a:endParaRPr>
+          </a:p>
+        </p:txBody>
+      </p:sp>
+    </p:spTree>
+    <p:extLst>
+      <p:ext uri="{BB962C8B-B14F-4D97-AF65-F5344CB8AC3E}">
+        <p14:creationId xmlns:p14="http://schemas.microsoft.com/office/powerpoint/2010/main" val="3026463142"/>
+      </p:ext>
+    </p:extLst>
+  </p:cSld>
+  <p:clrMapOvr>
+    <a:masterClrMapping/>
+  </p:clrMapOvr>
+  <p:transition spd="med"/>
+</p:sld>
+</file>
+
+<file path=ppt/slides/slide11.xml><?xml version="1.0" encoding="utf-8"?>
+<p:sld xmlns:a="http://schemas.openxmlformats.org/drawingml/2006/main" xmlns:r="http://schemas.openxmlformats.org/officeDocument/2006/relationships" xmlns:p="http://schemas.openxmlformats.org/presentationml/2006/main">
+  <p:cSld>
+    <p:spTree>
+      <p:nvGrpSpPr>
+        <p:cNvPr id="1" name=""/>
+        <p:cNvGrpSpPr/>
+        <p:nvPr/>
+      </p:nvGrpSpPr>
+      <p:grpSpPr>
+        <a:xfrm>
+          <a:off x="0" y="0"/>
+          <a:ext cx="0" cy="0"/>
+          <a:chOff x="0" y="0"/>
+          <a:chExt cx="0" cy="0"/>
+        </a:xfrm>
+      </p:grpSpPr>
+      <p:sp>
+        <p:nvSpPr>
+          <p:cNvPr id="6" name="Title 1"/>
+          <p:cNvSpPr>
+            <a:spLocks noGrp="1"/>
+          </p:cNvSpPr>
+          <p:nvPr>
+            <p:ph type="title"/>
+          </p:nvPr>
+        </p:nvSpPr>
+        <p:spPr/>
+        <p:txBody>
+          <a:bodyPr>
+            <a:normAutofit/>
+          </a:bodyPr>
+          <a:lstStyle/>
+          <a:p>
+            <a:r>
+              <a:rPr lang="en-US" b="1" dirty="0">
+                <a:solidFill>
+                  <a:srgbClr val="0070C0"/>
+                </a:solidFill>
+              </a:rPr>
+              <a:t>Python – </a:t>
+            </a:r>
+            <a:r>
+              <a:rPr lang="en-US" b="1" dirty="0" err="1">
+                <a:solidFill>
+                  <a:srgbClr val="0070C0"/>
+                </a:solidFill>
+              </a:rPr>
+              <a:t>TDados</a:t>
+            </a:r>
+            <a:r>
+              <a:rPr lang="en-US" b="1" dirty="0">
+                <a:solidFill>
+                  <a:srgbClr val="0070C0"/>
+                </a:solidFill>
+              </a:rPr>
+              <a:t> </a:t>
+            </a:r>
+            <a:r>
+              <a:rPr lang="en-US" b="1" dirty="0" err="1">
+                <a:solidFill>
+                  <a:srgbClr val="0070C0"/>
+                </a:solidFill>
+              </a:rPr>
+              <a:t>Aglomerados</a:t>
+            </a:r>
+            <a:r>
+              <a:rPr lang="en-US" b="1" dirty="0">
+                <a:solidFill>
+                  <a:srgbClr val="0070C0"/>
+                </a:solidFill>
+              </a:rPr>
+              <a:t> </a:t>
+            </a:r>
+            <a:r>
+              <a:rPr lang="en-US" b="1" dirty="0" err="1">
+                <a:solidFill>
+                  <a:srgbClr val="0070C0"/>
+                </a:solidFill>
+              </a:rPr>
+              <a:t>Listas</a:t>
+            </a:r>
+            <a:endParaRPr lang="en-US" b="1" dirty="0">
+              <a:solidFill>
+                <a:srgbClr val="0070C0"/>
+              </a:solidFill>
+            </a:endParaRPr>
+          </a:p>
+        </p:txBody>
+      </p:sp>
+      <p:sp>
+        <p:nvSpPr>
+          <p:cNvPr id="8" name="Text Placeholder 2"/>
+          <p:cNvSpPr>
+            <a:spLocks noGrp="1"/>
+          </p:cNvSpPr>
+          <p:nvPr>
+            <p:ph type="body" sz="half" idx="1"/>
+          </p:nvPr>
+        </p:nvSpPr>
+        <p:spPr>
+          <a:xfrm>
+            <a:off x="142865" y="1200150"/>
+            <a:ext cx="8865056" cy="3737370"/>
+          </a:xfrm>
+        </p:spPr>
+        <p:txBody>
+          <a:bodyPr>
+            <a:noAutofit/>
+          </a:bodyPr>
+          <a:lstStyle/>
+          <a:p>
+            <a:pPr marL="0" indent="0" algn="just">
+              <a:buNone/>
+            </a:pPr>
+            <a:r>
+              <a:rPr lang="pt-BR" b="1" dirty="0">
+                <a:solidFill>
+                  <a:srgbClr val="FF0000"/>
+                </a:solidFill>
+                <a:latin typeface="Times New Roman" panose="02020603050405020304" pitchFamily="18" charset="0"/>
+                <a:cs typeface="Times New Roman" panose="02020603050405020304" pitchFamily="18" charset="0"/>
+              </a:rPr>
+              <a:t>Exemplo Lista: </a:t>
+            </a:r>
+            <a:r>
+              <a:rPr lang="pt-BR" dirty="0" err="1">
+                <a:solidFill>
+                  <a:schemeClr val="tx1"/>
+                </a:solidFill>
+                <a:latin typeface="Times New Roman" panose="02020603050405020304" pitchFamily="18" charset="0"/>
+                <a:cs typeface="Times New Roman" panose="02020603050405020304" pitchFamily="18" charset="0"/>
+              </a:rPr>
+              <a:t>umaLista</a:t>
+            </a:r>
+            <a:r>
+              <a:rPr lang="pt-BR" dirty="0">
+                <a:solidFill>
+                  <a:schemeClr val="tx1"/>
+                </a:solidFill>
+                <a:latin typeface="Times New Roman" panose="02020603050405020304" pitchFamily="18" charset="0"/>
+                <a:cs typeface="Times New Roman" panose="02020603050405020304" pitchFamily="18" charset="0"/>
+              </a:rPr>
+              <a:t> = [1, 4, 8, 5, 7, 9]</a:t>
+            </a:r>
+          </a:p>
+          <a:p>
+            <a:pPr algn="just">
+              <a:buFontTx/>
+              <a:buChar char="-"/>
+            </a:pPr>
+            <a:r>
+              <a:rPr lang="pt-BR" dirty="0">
+                <a:solidFill>
+                  <a:schemeClr val="tx1"/>
+                </a:solidFill>
+                <a:latin typeface="Times New Roman" panose="02020603050405020304" pitchFamily="18" charset="0"/>
+                <a:cs typeface="Times New Roman" panose="02020603050405020304" pitchFamily="18" charset="0"/>
+              </a:rPr>
+              <a:t>Seleciona faixa, “de tanto em tanto” com”:</a:t>
+            </a:r>
+            <a:r>
+              <a:rPr lang="pt-BR" b="1" dirty="0">
+                <a:solidFill>
+                  <a:srgbClr val="0070C0"/>
+                </a:solidFill>
+                <a:latin typeface="Times New Roman" panose="02020603050405020304" pitchFamily="18" charset="0"/>
+                <a:cs typeface="Times New Roman" panose="02020603050405020304" pitchFamily="18" charset="0"/>
+              </a:rPr>
+              <a:t>:</a:t>
+            </a:r>
+            <a:r>
+              <a:rPr lang="pt-BR" dirty="0">
+                <a:latin typeface="Times New Roman" panose="02020603050405020304" pitchFamily="18" charset="0"/>
+                <a:cs typeface="Times New Roman" panose="02020603050405020304" pitchFamily="18" charset="0"/>
+              </a:rPr>
+              <a:t>”</a:t>
+            </a:r>
+            <a:endParaRPr lang="pt-BR" b="1" dirty="0">
+              <a:solidFill>
+                <a:srgbClr val="FF0000"/>
+              </a:solidFill>
+              <a:latin typeface="Times New Roman" panose="02020603050405020304" pitchFamily="18" charset="0"/>
+              <a:cs typeface="Times New Roman" panose="02020603050405020304" pitchFamily="18" charset="0"/>
+            </a:endParaRPr>
+          </a:p>
+          <a:p>
+            <a:pPr marL="0" indent="0" algn="just">
+              <a:buNone/>
+            </a:pPr>
+            <a:r>
+              <a:rPr lang="pt-BR" dirty="0">
+                <a:solidFill>
+                  <a:schemeClr val="tx1"/>
+                </a:solidFill>
+                <a:latin typeface="Times New Roman" panose="02020603050405020304" pitchFamily="18" charset="0"/>
+                <a:cs typeface="Times New Roman" panose="02020603050405020304" pitchFamily="18" charset="0"/>
+              </a:rPr>
+              <a:t>   Ex.: </a:t>
+            </a:r>
+            <a:r>
+              <a:rPr lang="pt-BR" b="1" dirty="0">
+                <a:solidFill>
+                  <a:schemeClr val="tx1"/>
+                </a:solidFill>
+                <a:latin typeface="Times New Roman" panose="02020603050405020304" pitchFamily="18" charset="0"/>
+                <a:cs typeface="Times New Roman" panose="02020603050405020304" pitchFamily="18" charset="0"/>
+              </a:rPr>
+              <a:t>print</a:t>
+            </a:r>
+            <a:r>
+              <a:rPr lang="pt-BR" dirty="0">
+                <a:solidFill>
+                  <a:schemeClr val="tx1"/>
+                </a:solidFill>
+                <a:latin typeface="Times New Roman" panose="02020603050405020304" pitchFamily="18" charset="0"/>
+                <a:cs typeface="Times New Roman" panose="02020603050405020304" pitchFamily="18" charset="0"/>
+              </a:rPr>
+              <a:t>(</a:t>
+            </a:r>
+            <a:r>
+              <a:rPr lang="pt-BR" dirty="0" err="1">
+                <a:solidFill>
+                  <a:schemeClr val="tx1"/>
+                </a:solidFill>
+                <a:latin typeface="Times New Roman" panose="02020603050405020304" pitchFamily="18" charset="0"/>
+                <a:cs typeface="Times New Roman" panose="02020603050405020304" pitchFamily="18" charset="0"/>
+              </a:rPr>
+              <a:t>umaLista</a:t>
+            </a:r>
+            <a:r>
+              <a:rPr lang="pt-BR" dirty="0">
+                <a:solidFill>
+                  <a:schemeClr val="tx1"/>
+                </a:solidFill>
+                <a:latin typeface="Times New Roman" panose="02020603050405020304" pitchFamily="18" charset="0"/>
+                <a:cs typeface="Times New Roman" panose="02020603050405020304" pitchFamily="18" charset="0"/>
+              </a:rPr>
+              <a:t>[::2]) =&gt; 1, 8, 7</a:t>
+            </a:r>
+          </a:p>
+          <a:p>
+            <a:pPr algn="just">
+              <a:buFontTx/>
+              <a:buChar char="-"/>
+            </a:pPr>
+            <a:r>
+              <a:rPr lang="pt-BR" dirty="0">
+                <a:solidFill>
+                  <a:schemeClr val="tx1"/>
+                </a:solidFill>
+                <a:latin typeface="Times New Roman" panose="02020603050405020304" pitchFamily="18" charset="0"/>
+                <a:cs typeface="Times New Roman" panose="02020603050405020304" pitchFamily="18" charset="0"/>
+              </a:rPr>
+              <a:t>Seleciona faixa, da posição e inicial com ”</a:t>
+            </a:r>
+            <a:r>
+              <a:rPr lang="pt-BR" b="1" dirty="0">
+                <a:solidFill>
+                  <a:srgbClr val="0070C0"/>
+                </a:solidFill>
+                <a:latin typeface="Times New Roman" panose="02020603050405020304" pitchFamily="18" charset="0"/>
+                <a:cs typeface="Times New Roman" panose="02020603050405020304" pitchFamily="18" charset="0"/>
+              </a:rPr>
+              <a:t>:</a:t>
+            </a:r>
+            <a:r>
+              <a:rPr lang="pt-BR" dirty="0">
+                <a:latin typeface="Times New Roman" panose="02020603050405020304" pitchFamily="18" charset="0"/>
+                <a:cs typeface="Times New Roman" panose="02020603050405020304" pitchFamily="18" charset="0"/>
+              </a:rPr>
+              <a:t>”</a:t>
+            </a:r>
+            <a:endParaRPr lang="pt-BR" b="1" dirty="0">
+              <a:solidFill>
+                <a:srgbClr val="FF0000"/>
+              </a:solidFill>
+              <a:latin typeface="Times New Roman" panose="02020603050405020304" pitchFamily="18" charset="0"/>
+              <a:cs typeface="Times New Roman" panose="02020603050405020304" pitchFamily="18" charset="0"/>
+            </a:endParaRPr>
+          </a:p>
+          <a:p>
+            <a:pPr marL="0" indent="0" algn="just">
+              <a:buNone/>
+            </a:pPr>
+            <a:r>
+              <a:rPr lang="pt-BR" dirty="0">
+                <a:solidFill>
+                  <a:schemeClr val="tx1"/>
+                </a:solidFill>
+                <a:latin typeface="Times New Roman" panose="02020603050405020304" pitchFamily="18" charset="0"/>
+                <a:cs typeface="Times New Roman" panose="02020603050405020304" pitchFamily="18" charset="0"/>
+              </a:rPr>
+              <a:t>   Ex.: </a:t>
+            </a:r>
+            <a:r>
+              <a:rPr lang="pt-BR" b="1" dirty="0">
+                <a:solidFill>
+                  <a:schemeClr val="tx1"/>
+                </a:solidFill>
+                <a:latin typeface="Times New Roman" panose="02020603050405020304" pitchFamily="18" charset="0"/>
+                <a:cs typeface="Times New Roman" panose="02020603050405020304" pitchFamily="18" charset="0"/>
+              </a:rPr>
+              <a:t>print</a:t>
+            </a:r>
+            <a:r>
+              <a:rPr lang="pt-BR" dirty="0">
+                <a:solidFill>
+                  <a:schemeClr val="tx1"/>
+                </a:solidFill>
+                <a:latin typeface="Times New Roman" panose="02020603050405020304" pitchFamily="18" charset="0"/>
+                <a:cs typeface="Times New Roman" panose="02020603050405020304" pitchFamily="18" charset="0"/>
+              </a:rPr>
+              <a:t>(</a:t>
+            </a:r>
+            <a:r>
+              <a:rPr lang="pt-BR" dirty="0" err="1">
+                <a:solidFill>
+                  <a:schemeClr val="tx1"/>
+                </a:solidFill>
+                <a:latin typeface="Times New Roman" panose="02020603050405020304" pitchFamily="18" charset="0"/>
+                <a:cs typeface="Times New Roman" panose="02020603050405020304" pitchFamily="18" charset="0"/>
+              </a:rPr>
+              <a:t>umaLista</a:t>
+            </a:r>
+            <a:r>
+              <a:rPr lang="pt-BR" dirty="0">
+                <a:solidFill>
+                  <a:schemeClr val="tx1"/>
+                </a:solidFill>
+                <a:latin typeface="Times New Roman" panose="02020603050405020304" pitchFamily="18" charset="0"/>
+                <a:cs typeface="Times New Roman" panose="02020603050405020304" pitchFamily="18" charset="0"/>
+              </a:rPr>
+              <a:t>[1::3]) =&gt; 4, 7</a:t>
+            </a:r>
+          </a:p>
+          <a:p>
+            <a:pPr marL="0" indent="0" algn="just">
+              <a:buNone/>
+            </a:pPr>
+            <a:endParaRPr lang="pt-BR" dirty="0">
+              <a:solidFill>
+                <a:schemeClr val="tx1"/>
+              </a:solidFill>
+              <a:latin typeface="Times New Roman" panose="02020603050405020304" pitchFamily="18" charset="0"/>
+              <a:cs typeface="Times New Roman" panose="02020603050405020304" pitchFamily="18" charset="0"/>
+            </a:endParaRPr>
+          </a:p>
+        </p:txBody>
+      </p:sp>
+    </p:spTree>
+    <p:extLst>
+      <p:ext uri="{BB962C8B-B14F-4D97-AF65-F5344CB8AC3E}">
+        <p14:creationId xmlns:p14="http://schemas.microsoft.com/office/powerpoint/2010/main" val="2660980653"/>
+      </p:ext>
+    </p:extLst>
+  </p:cSld>
+  <p:clrMapOvr>
+    <a:masterClrMapping/>
+  </p:clrMapOvr>
+  <p:transition spd="med"/>
+</p:sld>
+</file>
+
+<file path=ppt/slides/slide12.xml><?xml version="1.0" encoding="utf-8"?>
+<p:sld xmlns:a="http://schemas.openxmlformats.org/drawingml/2006/main" xmlns:r="http://schemas.openxmlformats.org/officeDocument/2006/relationships" xmlns:p="http://schemas.openxmlformats.org/presentationml/2006/main">
+  <p:cSld>
+    <p:spTree>
+      <p:nvGrpSpPr>
+        <p:cNvPr id="1" name=""/>
+        <p:cNvGrpSpPr/>
+        <p:nvPr/>
+      </p:nvGrpSpPr>
+      <p:grpSpPr>
+        <a:xfrm>
+          <a:off x="0" y="0"/>
+          <a:ext cx="0" cy="0"/>
+          <a:chOff x="0" y="0"/>
+          <a:chExt cx="0" cy="0"/>
+        </a:xfrm>
+      </p:grpSpPr>
+      <p:sp>
+        <p:nvSpPr>
+          <p:cNvPr id="6" name="Title 1"/>
+          <p:cNvSpPr>
+            <a:spLocks noGrp="1"/>
+          </p:cNvSpPr>
+          <p:nvPr>
+            <p:ph type="title"/>
+          </p:nvPr>
+        </p:nvSpPr>
+        <p:spPr/>
+        <p:txBody>
+          <a:bodyPr>
+            <a:normAutofit/>
+          </a:bodyPr>
+          <a:lstStyle/>
+          <a:p>
+            <a:r>
+              <a:rPr lang="en-US" b="1" dirty="0">
+                <a:solidFill>
+                  <a:srgbClr val="0070C0"/>
+                </a:solidFill>
+              </a:rPr>
+              <a:t>Python – </a:t>
+            </a:r>
+            <a:r>
+              <a:rPr lang="en-US" b="1" dirty="0" err="1">
+                <a:solidFill>
+                  <a:srgbClr val="0070C0"/>
+                </a:solidFill>
+              </a:rPr>
+              <a:t>TDados</a:t>
+            </a:r>
+            <a:r>
+              <a:rPr lang="en-US" b="1" dirty="0">
+                <a:solidFill>
+                  <a:srgbClr val="0070C0"/>
+                </a:solidFill>
+              </a:rPr>
+              <a:t> </a:t>
+            </a:r>
+            <a:r>
+              <a:rPr lang="en-US" b="1" dirty="0" err="1">
+                <a:solidFill>
+                  <a:srgbClr val="0070C0"/>
+                </a:solidFill>
+              </a:rPr>
+              <a:t>Aglomerados</a:t>
+            </a:r>
+            <a:r>
+              <a:rPr lang="en-US" b="1" dirty="0">
+                <a:solidFill>
+                  <a:srgbClr val="0070C0"/>
+                </a:solidFill>
+              </a:rPr>
+              <a:t> </a:t>
+            </a:r>
+            <a:r>
+              <a:rPr lang="en-US" b="1" dirty="0" err="1">
+                <a:solidFill>
+                  <a:srgbClr val="0070C0"/>
+                </a:solidFill>
+              </a:rPr>
+              <a:t>Listas</a:t>
+            </a:r>
+            <a:endParaRPr lang="en-US" b="1" dirty="0">
+              <a:solidFill>
+                <a:srgbClr val="0070C0"/>
+              </a:solidFill>
+            </a:endParaRPr>
+          </a:p>
+        </p:txBody>
+      </p:sp>
+      <p:sp>
+        <p:nvSpPr>
+          <p:cNvPr id="8" name="Text Placeholder 2"/>
+          <p:cNvSpPr>
+            <a:spLocks noGrp="1"/>
+          </p:cNvSpPr>
+          <p:nvPr>
+            <p:ph type="body" sz="half" idx="1"/>
+          </p:nvPr>
+        </p:nvSpPr>
+        <p:spPr>
+          <a:xfrm>
+            <a:off x="142865" y="1200150"/>
+            <a:ext cx="8865056" cy="3737370"/>
+          </a:xfrm>
+        </p:spPr>
+        <p:txBody>
+          <a:bodyPr>
+            <a:noAutofit/>
+          </a:bodyPr>
+          <a:lstStyle/>
+          <a:p>
+            <a:pPr marL="0" indent="0" algn="just">
+              <a:buNone/>
+            </a:pPr>
+            <a:r>
+              <a:rPr lang="pt-BR" b="1" dirty="0">
+                <a:solidFill>
+                  <a:srgbClr val="FF0000"/>
+                </a:solidFill>
+                <a:latin typeface="Times New Roman" panose="02020603050405020304" pitchFamily="18" charset="0"/>
+                <a:cs typeface="Times New Roman" panose="02020603050405020304" pitchFamily="18" charset="0"/>
+              </a:rPr>
+              <a:t>Exemplo Lista: </a:t>
+            </a:r>
+            <a:r>
+              <a:rPr lang="pt-BR" dirty="0" err="1">
+                <a:solidFill>
+                  <a:schemeClr val="tx1"/>
+                </a:solidFill>
+                <a:latin typeface="Times New Roman" panose="02020603050405020304" pitchFamily="18" charset="0"/>
+                <a:cs typeface="Times New Roman" panose="02020603050405020304" pitchFamily="18" charset="0"/>
+              </a:rPr>
+              <a:t>umaLista</a:t>
+            </a:r>
+            <a:r>
+              <a:rPr lang="pt-BR" dirty="0">
+                <a:solidFill>
+                  <a:schemeClr val="tx1"/>
+                </a:solidFill>
+                <a:latin typeface="Times New Roman" panose="02020603050405020304" pitchFamily="18" charset="0"/>
+                <a:cs typeface="Times New Roman" panose="02020603050405020304" pitchFamily="18" charset="0"/>
+              </a:rPr>
+              <a:t> = [1, 4, 8, 5, 7, 9]</a:t>
+            </a:r>
+          </a:p>
+          <a:p>
+            <a:pPr algn="just">
+              <a:buFontTx/>
+              <a:buChar char="-"/>
+            </a:pPr>
+            <a:r>
+              <a:rPr lang="pt-BR" dirty="0">
+                <a:solidFill>
+                  <a:schemeClr val="tx1"/>
+                </a:solidFill>
+                <a:latin typeface="Times New Roman" panose="02020603050405020304" pitchFamily="18" charset="0"/>
+                <a:cs typeface="Times New Roman" panose="02020603050405020304" pitchFamily="18" charset="0"/>
+              </a:rPr>
               <a:t>Apagar, uma faixa da lista com </a:t>
             </a:r>
             <a:r>
@@ -6393,7 +7268,7 @@
 </p:sld>
 </file>
 
-<file path=ppt/slides/slide11.xml><?xml version="1.0" encoding="utf-8"?>
+<file path=ppt/slides/slide13.xml><?xml version="1.0" encoding="utf-8"?>
 <p:sld xmlns:a="http://schemas.openxmlformats.org/drawingml/2006/main" xmlns:r="http://schemas.openxmlformats.org/officeDocument/2006/relationships" xmlns:p="http://schemas.openxmlformats.org/presentationml/2006/main">
   <p:cSld>
     <p:spTree>
@@ -7116,1351 +7991,6 @@
 </p:sld>
 </file>
 
-<file path=ppt/slides/slide12.xml><?xml version="1.0" encoding="utf-8"?>
-<p:sld xmlns:a="http://schemas.openxmlformats.org/drawingml/2006/main" xmlns:r="http://schemas.openxmlformats.org/officeDocument/2006/relationships" xmlns:p="http://schemas.openxmlformats.org/presentationml/2006/main">
-  <p:cSld>
-    <p:spTree>
-      <p:nvGrpSpPr>
-        <p:cNvPr id="1" name=""/>
-        <p:cNvGrpSpPr/>
-        <p:nvPr/>
-      </p:nvGrpSpPr>
-      <p:grpSpPr>
-        <a:xfrm>
-          <a:off x="0" y="0"/>
-          <a:ext cx="0" cy="0"/>
-          <a:chOff x="0" y="0"/>
-          <a:chExt cx="0" cy="0"/>
-        </a:xfrm>
-      </p:grpSpPr>
-      <p:sp>
-        <p:nvSpPr>
-          <p:cNvPr id="6" name="Title 1"/>
-          <p:cNvSpPr>
-            <a:spLocks noGrp="1"/>
-          </p:cNvSpPr>
-          <p:nvPr>
-            <p:ph type="title"/>
-          </p:nvPr>
-        </p:nvSpPr>
-        <p:spPr/>
-        <p:txBody>
-          <a:bodyPr>
-            <a:normAutofit/>
-          </a:bodyPr>
-          <a:lstStyle/>
-          <a:p>
-            <a:r>
-              <a:rPr lang="en-US" b="1" dirty="0">
-                <a:solidFill>
-                  <a:srgbClr val="0070C0"/>
-                </a:solidFill>
-              </a:rPr>
-              <a:t>Python – TD </a:t>
-            </a:r>
-            <a:r>
-              <a:rPr lang="en-US" b="1" dirty="0" err="1">
-                <a:solidFill>
-                  <a:srgbClr val="0070C0"/>
-                </a:solidFill>
-              </a:rPr>
-              <a:t>Aglomerados</a:t>
-            </a:r>
-            <a:r>
-              <a:rPr lang="en-US" b="1" dirty="0">
-                <a:solidFill>
-                  <a:srgbClr val="0070C0"/>
-                </a:solidFill>
-              </a:rPr>
-              <a:t> </a:t>
-            </a:r>
-            <a:r>
-              <a:rPr lang="en-US" b="1" dirty="0" err="1">
-                <a:solidFill>
-                  <a:srgbClr val="0070C0"/>
-                </a:solidFill>
-              </a:rPr>
-              <a:t>Registros</a:t>
-            </a:r>
-            <a:endParaRPr lang="en-US" b="1" dirty="0">
-              <a:solidFill>
-                <a:srgbClr val="0070C0"/>
-              </a:solidFill>
-            </a:endParaRPr>
-          </a:p>
-        </p:txBody>
-      </p:sp>
-      <p:sp>
-        <p:nvSpPr>
-          <p:cNvPr id="8" name="Text Placeholder 2"/>
-          <p:cNvSpPr>
-            <a:spLocks noGrp="1"/>
-          </p:cNvSpPr>
-          <p:nvPr>
-            <p:ph type="body" sz="half" idx="1"/>
-          </p:nvPr>
-        </p:nvSpPr>
-        <p:spPr>
-          <a:xfrm>
-            <a:off x="142865" y="1200150"/>
-            <a:ext cx="8865056" cy="3737370"/>
-          </a:xfrm>
-        </p:spPr>
-        <p:txBody>
-          <a:bodyPr>
-            <a:noAutofit/>
-          </a:bodyPr>
-          <a:lstStyle/>
-          <a:p>
-            <a:pPr marL="0" indent="0" algn="just">
-              <a:buNone/>
-            </a:pPr>
-            <a:r>
-              <a:rPr lang="pt-BR" sz="2400" b="1" dirty="0">
-                <a:solidFill>
-                  <a:srgbClr val="FF0000"/>
-                </a:solidFill>
-                <a:latin typeface="Times New Roman" panose="02020603050405020304" pitchFamily="18" charset="0"/>
-                <a:cs typeface="Times New Roman" panose="02020603050405020304" pitchFamily="18" charset="0"/>
-              </a:rPr>
-              <a:t>Registro (Exemplo: linguagem C)</a:t>
-            </a:r>
-            <a:endParaRPr lang="pt-BR" sz="2400" dirty="0">
-              <a:solidFill>
-                <a:schemeClr val="tx1"/>
-              </a:solidFill>
-              <a:latin typeface="Times New Roman" panose="02020603050405020304" pitchFamily="18" charset="0"/>
-              <a:cs typeface="Times New Roman" panose="02020603050405020304" pitchFamily="18" charset="0"/>
-            </a:endParaRPr>
-          </a:p>
-          <a:p>
-            <a:pPr marL="0" indent="0" algn="just">
-              <a:buNone/>
-            </a:pPr>
-            <a:r>
-              <a:rPr lang="pt-BR" sz="2000" dirty="0">
-                <a:solidFill>
-                  <a:schemeClr val="tx1"/>
-                </a:solidFill>
-                <a:latin typeface="Times New Roman" panose="02020603050405020304" pitchFamily="18" charset="0"/>
-                <a:cs typeface="Times New Roman" panose="02020603050405020304" pitchFamily="18" charset="0"/>
-              </a:rPr>
-              <a:t> </a:t>
-            </a:r>
-          </a:p>
-          <a:p>
-            <a:pPr marL="0" indent="0" algn="just">
-              <a:buNone/>
-            </a:pPr>
-            <a:endParaRPr lang="pt-BR" sz="2000" dirty="0">
-              <a:solidFill>
-                <a:schemeClr val="tx1"/>
-              </a:solidFill>
-              <a:latin typeface="Times New Roman" panose="02020603050405020304" pitchFamily="18" charset="0"/>
-              <a:cs typeface="Times New Roman" panose="02020603050405020304" pitchFamily="18" charset="0"/>
-            </a:endParaRPr>
-          </a:p>
-        </p:txBody>
-      </p:sp>
-      <p:sp>
-        <p:nvSpPr>
-          <p:cNvPr id="3" name="CaixaDeTexto 2">
-            <a:extLst>
-              <a:ext uri="{FF2B5EF4-FFF2-40B4-BE49-F238E27FC236}">
-                <a16:creationId xmlns:a16="http://schemas.microsoft.com/office/drawing/2014/main" id="{6709984F-2047-4B0A-8173-791A8AE310FF}"/>
-              </a:ext>
-            </a:extLst>
-          </p:cNvPr>
-          <p:cNvSpPr txBox="1"/>
-          <p:nvPr/>
-        </p:nvSpPr>
-        <p:spPr>
-          <a:xfrm>
-            <a:off x="638827" y="1648389"/>
-            <a:ext cx="3181611" cy="3046988"/>
-          </a:xfrm>
-          <a:prstGeom prst="rect">
-            <a:avLst/>
-          </a:prstGeom>
-          <a:noFill/>
-        </p:spPr>
-        <p:txBody>
-          <a:bodyPr wrap="square" rtlCol="0">
-            <a:spAutoFit/>
-          </a:bodyPr>
-          <a:lstStyle/>
-          <a:p>
-            <a:pPr marL="0" indent="0" algn="just">
-              <a:buNone/>
-            </a:pPr>
-            <a:r>
-              <a:rPr lang="pt-BR" sz="2400" dirty="0">
-                <a:solidFill>
-                  <a:schemeClr val="tx1"/>
-                </a:solidFill>
-                <a:latin typeface="Times New Roman" panose="02020603050405020304" pitchFamily="18" charset="0"/>
-                <a:cs typeface="Times New Roman" panose="02020603050405020304" pitchFamily="18" charset="0"/>
-              </a:rPr>
-              <a:t>#</a:t>
-            </a:r>
-            <a:r>
-              <a:rPr lang="pt-BR" sz="2400" b="1" dirty="0">
-                <a:solidFill>
-                  <a:schemeClr val="tx1"/>
-                </a:solidFill>
-                <a:latin typeface="Times New Roman" panose="02020603050405020304" pitchFamily="18" charset="0"/>
-                <a:cs typeface="Times New Roman" panose="02020603050405020304" pitchFamily="18" charset="0"/>
-              </a:rPr>
-              <a:t>include</a:t>
-            </a:r>
-            <a:r>
-              <a:rPr lang="pt-BR" sz="2400" dirty="0">
-                <a:solidFill>
-                  <a:schemeClr val="tx1"/>
-                </a:solidFill>
-                <a:latin typeface="Times New Roman" panose="02020603050405020304" pitchFamily="18" charset="0"/>
-                <a:cs typeface="Times New Roman" panose="02020603050405020304" pitchFamily="18" charset="0"/>
-              </a:rPr>
-              <a:t> &lt;</a:t>
-            </a:r>
-            <a:r>
-              <a:rPr lang="pt-BR" sz="2400" b="1" dirty="0" err="1">
-                <a:solidFill>
-                  <a:srgbClr val="FF0000"/>
-                </a:solidFill>
-                <a:latin typeface="Times New Roman" panose="02020603050405020304" pitchFamily="18" charset="0"/>
-                <a:cs typeface="Times New Roman" panose="02020603050405020304" pitchFamily="18" charset="0"/>
-              </a:rPr>
-              <a:t>iostream</a:t>
-            </a:r>
-            <a:r>
-              <a:rPr lang="pt-BR" sz="2400" dirty="0">
-                <a:solidFill>
-                  <a:schemeClr val="tx1"/>
-                </a:solidFill>
-                <a:latin typeface="Times New Roman" panose="02020603050405020304" pitchFamily="18" charset="0"/>
-                <a:cs typeface="Times New Roman" panose="02020603050405020304" pitchFamily="18" charset="0"/>
-              </a:rPr>
-              <a:t>&gt;	</a:t>
-            </a:r>
-            <a:endParaRPr lang="pt-BR" sz="2400" b="1" dirty="0">
-              <a:solidFill>
-                <a:srgbClr val="FF0000"/>
-              </a:solidFill>
-              <a:latin typeface="Times New Roman" panose="02020603050405020304" pitchFamily="18" charset="0"/>
-              <a:cs typeface="Times New Roman" panose="02020603050405020304" pitchFamily="18" charset="0"/>
-            </a:endParaRPr>
-          </a:p>
-          <a:p>
-            <a:pPr marL="0" indent="0" algn="just">
-              <a:buNone/>
-            </a:pPr>
-            <a:r>
-              <a:rPr lang="pt-BR" sz="2400" b="1" dirty="0" err="1">
-                <a:solidFill>
-                  <a:schemeClr val="tx1"/>
-                </a:solidFill>
-                <a:latin typeface="Times New Roman" panose="02020603050405020304" pitchFamily="18" charset="0"/>
-                <a:cs typeface="Times New Roman" panose="02020603050405020304" pitchFamily="18" charset="0"/>
-              </a:rPr>
-              <a:t>using</a:t>
-            </a:r>
-            <a:r>
-              <a:rPr lang="pt-BR" sz="2400" dirty="0">
-                <a:solidFill>
-                  <a:schemeClr val="tx1"/>
-                </a:solidFill>
-                <a:latin typeface="Times New Roman" panose="02020603050405020304" pitchFamily="18" charset="0"/>
-                <a:cs typeface="Times New Roman" panose="02020603050405020304" pitchFamily="18" charset="0"/>
-              </a:rPr>
-              <a:t> </a:t>
-            </a:r>
-            <a:r>
-              <a:rPr lang="pt-BR" sz="2400" b="1" dirty="0" err="1">
-                <a:solidFill>
-                  <a:srgbClr val="FF0000"/>
-                </a:solidFill>
-                <a:latin typeface="Times New Roman" panose="02020603050405020304" pitchFamily="18" charset="0"/>
-                <a:cs typeface="Times New Roman" panose="02020603050405020304" pitchFamily="18" charset="0"/>
-              </a:rPr>
-              <a:t>namespace</a:t>
-            </a:r>
-            <a:r>
-              <a:rPr lang="pt-BR" sz="2400" dirty="0">
-                <a:solidFill>
-                  <a:schemeClr val="tx1"/>
-                </a:solidFill>
-                <a:latin typeface="Times New Roman" panose="02020603050405020304" pitchFamily="18" charset="0"/>
-                <a:cs typeface="Times New Roman" panose="02020603050405020304" pitchFamily="18" charset="0"/>
-              </a:rPr>
-              <a:t> </a:t>
-            </a:r>
-            <a:r>
-              <a:rPr lang="pt-BR" sz="2400" dirty="0" err="1">
-                <a:solidFill>
-                  <a:schemeClr val="tx1"/>
-                </a:solidFill>
-                <a:latin typeface="Times New Roman" panose="02020603050405020304" pitchFamily="18" charset="0"/>
-                <a:cs typeface="Times New Roman" panose="02020603050405020304" pitchFamily="18" charset="0"/>
-              </a:rPr>
-              <a:t>std</a:t>
-            </a:r>
-            <a:r>
-              <a:rPr lang="pt-BR" sz="2400" dirty="0">
-                <a:solidFill>
-                  <a:schemeClr val="tx1"/>
-                </a:solidFill>
-                <a:latin typeface="Times New Roman" panose="02020603050405020304" pitchFamily="18" charset="0"/>
-                <a:cs typeface="Times New Roman" panose="02020603050405020304" pitchFamily="18" charset="0"/>
-              </a:rPr>
-              <a:t>;</a:t>
-            </a:r>
-          </a:p>
-          <a:p>
-            <a:pPr marL="0" indent="0" algn="just">
-              <a:buNone/>
-            </a:pPr>
-            <a:r>
-              <a:rPr lang="pt-BR" sz="2400" b="1" dirty="0" err="1">
-                <a:solidFill>
-                  <a:schemeClr val="tx1"/>
-                </a:solidFill>
-                <a:latin typeface="Times New Roman" panose="02020603050405020304" pitchFamily="18" charset="0"/>
-                <a:cs typeface="Times New Roman" panose="02020603050405020304" pitchFamily="18" charset="0"/>
-              </a:rPr>
-              <a:t>struct</a:t>
-            </a:r>
-            <a:r>
-              <a:rPr lang="pt-BR" sz="2400" dirty="0">
-                <a:solidFill>
-                  <a:schemeClr val="tx1"/>
-                </a:solidFill>
-                <a:latin typeface="Times New Roman" panose="02020603050405020304" pitchFamily="18" charset="0"/>
-                <a:cs typeface="Times New Roman" panose="02020603050405020304" pitchFamily="18" charset="0"/>
-              </a:rPr>
-              <a:t> </a:t>
-            </a:r>
-            <a:r>
-              <a:rPr lang="pt-BR" sz="2400" b="1" dirty="0">
-                <a:solidFill>
-                  <a:srgbClr val="FF0000"/>
-                </a:solidFill>
-                <a:latin typeface="Times New Roman" panose="02020603050405020304" pitchFamily="18" charset="0"/>
-                <a:cs typeface="Times New Roman" panose="02020603050405020304" pitchFamily="18" charset="0"/>
-              </a:rPr>
-              <a:t>Cliente</a:t>
-            </a:r>
-            <a:r>
-              <a:rPr lang="pt-BR" sz="2400" dirty="0">
-                <a:solidFill>
-                  <a:schemeClr val="tx1"/>
-                </a:solidFill>
-                <a:latin typeface="Times New Roman" panose="02020603050405020304" pitchFamily="18" charset="0"/>
-                <a:cs typeface="Times New Roman" panose="02020603050405020304" pitchFamily="18" charset="0"/>
-              </a:rPr>
-              <a:t> {</a:t>
-            </a:r>
-          </a:p>
-          <a:p>
-            <a:pPr marL="0" indent="0" algn="just">
-              <a:buNone/>
-            </a:pPr>
-            <a:r>
-              <a:rPr lang="pt-BR" sz="2400" dirty="0">
-                <a:solidFill>
-                  <a:schemeClr val="tx1"/>
-                </a:solidFill>
-                <a:latin typeface="Times New Roman" panose="02020603050405020304" pitchFamily="18" charset="0"/>
-                <a:cs typeface="Times New Roman" panose="02020603050405020304" pitchFamily="18" charset="0"/>
-              </a:rPr>
-              <a:t>	</a:t>
-            </a:r>
-            <a:r>
-              <a:rPr lang="pt-BR" sz="2400" b="1" dirty="0">
-                <a:solidFill>
-                  <a:schemeClr val="tx1"/>
-                </a:solidFill>
-                <a:latin typeface="Times New Roman" panose="02020603050405020304" pitchFamily="18" charset="0"/>
-                <a:cs typeface="Times New Roman" panose="02020603050405020304" pitchFamily="18" charset="0"/>
-              </a:rPr>
-              <a:t>char</a:t>
-            </a:r>
-            <a:r>
-              <a:rPr lang="pt-BR" sz="2400" dirty="0">
-                <a:solidFill>
-                  <a:schemeClr val="tx1"/>
-                </a:solidFill>
-                <a:latin typeface="Times New Roman" panose="02020603050405020304" pitchFamily="18" charset="0"/>
-                <a:cs typeface="Times New Roman" panose="02020603050405020304" pitchFamily="18" charset="0"/>
-              </a:rPr>
-              <a:t> nome[200];</a:t>
-            </a:r>
-          </a:p>
-          <a:p>
-            <a:pPr marL="0" indent="0" algn="just">
-              <a:buNone/>
-            </a:pPr>
-            <a:r>
-              <a:rPr lang="pt-BR" sz="2400" dirty="0">
-                <a:solidFill>
-                  <a:schemeClr val="tx1"/>
-                </a:solidFill>
-                <a:latin typeface="Times New Roman" panose="02020603050405020304" pitchFamily="18" charset="0"/>
-                <a:cs typeface="Times New Roman" panose="02020603050405020304" pitchFamily="18" charset="0"/>
-              </a:rPr>
-              <a:t>	</a:t>
-            </a:r>
-            <a:r>
-              <a:rPr lang="pt-BR" sz="2400" b="1" dirty="0">
-                <a:solidFill>
-                  <a:schemeClr val="tx1"/>
-                </a:solidFill>
-                <a:latin typeface="Times New Roman" panose="02020603050405020304" pitchFamily="18" charset="0"/>
-                <a:cs typeface="Times New Roman" panose="02020603050405020304" pitchFamily="18" charset="0"/>
-              </a:rPr>
-              <a:t>char</a:t>
-            </a:r>
-            <a:r>
-              <a:rPr lang="pt-BR" sz="2400" dirty="0">
-                <a:solidFill>
-                  <a:schemeClr val="tx1"/>
-                </a:solidFill>
-                <a:latin typeface="Times New Roman" panose="02020603050405020304" pitchFamily="18" charset="0"/>
-                <a:cs typeface="Times New Roman" panose="02020603050405020304" pitchFamily="18" charset="0"/>
-              </a:rPr>
-              <a:t> </a:t>
-            </a:r>
-            <a:r>
-              <a:rPr lang="pt-BR" sz="2400" dirty="0" err="1">
-                <a:solidFill>
-                  <a:schemeClr val="tx1"/>
-                </a:solidFill>
-                <a:latin typeface="Times New Roman" panose="02020603050405020304" pitchFamily="18" charset="0"/>
-                <a:cs typeface="Times New Roman" panose="02020603050405020304" pitchFamily="18" charset="0"/>
-              </a:rPr>
-              <a:t>cpf</a:t>
-            </a:r>
-            <a:r>
-              <a:rPr lang="pt-BR" sz="2400" dirty="0">
-                <a:solidFill>
-                  <a:schemeClr val="tx1"/>
-                </a:solidFill>
-                <a:latin typeface="Times New Roman" panose="02020603050405020304" pitchFamily="18" charset="0"/>
-                <a:cs typeface="Times New Roman" panose="02020603050405020304" pitchFamily="18" charset="0"/>
-              </a:rPr>
-              <a:t>[11];</a:t>
-            </a:r>
-          </a:p>
-          <a:p>
-            <a:pPr marL="0" indent="0" algn="just">
-              <a:buNone/>
-            </a:pPr>
-            <a:r>
-              <a:rPr lang="pt-BR" sz="2400" dirty="0">
-                <a:solidFill>
-                  <a:schemeClr val="tx1"/>
-                </a:solidFill>
-                <a:latin typeface="Times New Roman" panose="02020603050405020304" pitchFamily="18" charset="0"/>
-                <a:cs typeface="Times New Roman" panose="02020603050405020304" pitchFamily="18" charset="0"/>
-              </a:rPr>
-              <a:t>	</a:t>
-            </a:r>
-            <a:r>
-              <a:rPr lang="pt-BR" sz="2400" b="1" dirty="0" err="1">
-                <a:solidFill>
-                  <a:schemeClr val="tx1"/>
-                </a:solidFill>
-                <a:latin typeface="Times New Roman" panose="02020603050405020304" pitchFamily="18" charset="0"/>
-                <a:cs typeface="Times New Roman" panose="02020603050405020304" pitchFamily="18" charset="0"/>
-              </a:rPr>
-              <a:t>float</a:t>
-            </a:r>
-            <a:r>
-              <a:rPr lang="pt-BR" sz="2400" dirty="0">
-                <a:solidFill>
-                  <a:schemeClr val="tx1"/>
-                </a:solidFill>
-                <a:latin typeface="Times New Roman" panose="02020603050405020304" pitchFamily="18" charset="0"/>
-                <a:cs typeface="Times New Roman" panose="02020603050405020304" pitchFamily="18" charset="0"/>
-              </a:rPr>
-              <a:t> limite;</a:t>
-            </a:r>
-          </a:p>
-          <a:p>
-            <a:pPr marL="0" indent="0" algn="just">
-              <a:buNone/>
-            </a:pPr>
-            <a:r>
-              <a:rPr lang="pt-BR" sz="2400" dirty="0">
-                <a:solidFill>
-                  <a:schemeClr val="tx1"/>
-                </a:solidFill>
-                <a:latin typeface="Times New Roman" panose="02020603050405020304" pitchFamily="18" charset="0"/>
-                <a:cs typeface="Times New Roman" panose="02020603050405020304" pitchFamily="18" charset="0"/>
-              </a:rPr>
-              <a:t>	</a:t>
-            </a:r>
-            <a:r>
-              <a:rPr lang="pt-BR" sz="2400" b="1" dirty="0" err="1">
-                <a:solidFill>
-                  <a:schemeClr val="tx1"/>
-                </a:solidFill>
-                <a:latin typeface="Times New Roman" panose="02020603050405020304" pitchFamily="18" charset="0"/>
-                <a:cs typeface="Times New Roman" panose="02020603050405020304" pitchFamily="18" charset="0"/>
-              </a:rPr>
-              <a:t>int</a:t>
-            </a:r>
-            <a:r>
-              <a:rPr lang="pt-BR" sz="2400" dirty="0">
-                <a:solidFill>
-                  <a:schemeClr val="tx1"/>
-                </a:solidFill>
-                <a:latin typeface="Times New Roman" panose="02020603050405020304" pitchFamily="18" charset="0"/>
-                <a:cs typeface="Times New Roman" panose="02020603050405020304" pitchFamily="18" charset="0"/>
-              </a:rPr>
-              <a:t> compras;</a:t>
-            </a:r>
-          </a:p>
-          <a:p>
-            <a:pPr marL="0" indent="0" algn="just">
-              <a:buNone/>
-            </a:pPr>
-            <a:r>
-              <a:rPr lang="pt-BR" sz="2400" dirty="0">
-                <a:solidFill>
-                  <a:schemeClr val="tx1"/>
-                </a:solidFill>
-                <a:latin typeface="Times New Roman" panose="02020603050405020304" pitchFamily="18" charset="0"/>
-                <a:cs typeface="Times New Roman" panose="02020603050405020304" pitchFamily="18" charset="0"/>
-              </a:rPr>
-              <a:t>};</a:t>
-            </a:r>
-            <a:endParaRPr lang="pt-BR" sz="2400" dirty="0"/>
-          </a:p>
-        </p:txBody>
-      </p:sp>
-      <p:sp>
-        <p:nvSpPr>
-          <p:cNvPr id="7" name="CaixaDeTexto 6">
-            <a:extLst>
-              <a:ext uri="{FF2B5EF4-FFF2-40B4-BE49-F238E27FC236}">
-                <a16:creationId xmlns:a16="http://schemas.microsoft.com/office/drawing/2014/main" id="{E4852F60-C492-4ADE-A7A1-83433CCBD955}"/>
-              </a:ext>
-            </a:extLst>
-          </p:cNvPr>
-          <p:cNvSpPr txBox="1"/>
-          <p:nvPr/>
-        </p:nvSpPr>
-        <p:spPr>
-          <a:xfrm>
-            <a:off x="3494762" y="1628888"/>
-            <a:ext cx="5513159" cy="2677656"/>
-          </a:xfrm>
-          <a:prstGeom prst="rect">
-            <a:avLst/>
-          </a:prstGeom>
-          <a:noFill/>
-        </p:spPr>
-        <p:txBody>
-          <a:bodyPr wrap="square" rtlCol="0">
-            <a:spAutoFit/>
-          </a:bodyPr>
-          <a:lstStyle/>
-          <a:p>
-            <a:pPr marL="0" indent="0" algn="just">
-              <a:buNone/>
-            </a:pPr>
-            <a:r>
-              <a:rPr lang="pt-BR" sz="2400" b="1" dirty="0" err="1">
-                <a:solidFill>
-                  <a:schemeClr val="tx1"/>
-                </a:solidFill>
-                <a:latin typeface="Times New Roman" panose="02020603050405020304" pitchFamily="18" charset="0"/>
-                <a:cs typeface="Times New Roman" panose="02020603050405020304" pitchFamily="18" charset="0"/>
-              </a:rPr>
-              <a:t>int</a:t>
-            </a:r>
-            <a:r>
-              <a:rPr lang="pt-BR" sz="2400" dirty="0">
-                <a:solidFill>
-                  <a:schemeClr val="tx1"/>
-                </a:solidFill>
-                <a:latin typeface="Times New Roman" panose="02020603050405020304" pitchFamily="18" charset="0"/>
-                <a:cs typeface="Times New Roman" panose="02020603050405020304" pitchFamily="18" charset="0"/>
-              </a:rPr>
-              <a:t> </a:t>
-            </a:r>
-            <a:r>
-              <a:rPr lang="pt-BR" sz="2400" dirty="0" err="1">
-                <a:solidFill>
-                  <a:schemeClr val="tx1"/>
-                </a:solidFill>
-                <a:latin typeface="Times New Roman" panose="02020603050405020304" pitchFamily="18" charset="0"/>
-                <a:cs typeface="Times New Roman" panose="02020603050405020304" pitchFamily="18" charset="0"/>
-              </a:rPr>
-              <a:t>main</a:t>
-            </a:r>
-            <a:r>
-              <a:rPr lang="pt-BR" sz="2400" dirty="0">
-                <a:solidFill>
-                  <a:schemeClr val="tx1"/>
-                </a:solidFill>
-                <a:latin typeface="Times New Roman" panose="02020603050405020304" pitchFamily="18" charset="0"/>
-                <a:cs typeface="Times New Roman" panose="02020603050405020304" pitchFamily="18" charset="0"/>
-              </a:rPr>
-              <a:t>() {</a:t>
-            </a:r>
-          </a:p>
-          <a:p>
-            <a:pPr marL="0" indent="0" algn="just">
-              <a:buNone/>
-            </a:pPr>
-            <a:r>
-              <a:rPr lang="pt-BR" sz="2400" b="1" dirty="0">
-                <a:solidFill>
-                  <a:schemeClr val="tx1"/>
-                </a:solidFill>
-                <a:latin typeface="Times New Roman" panose="02020603050405020304" pitchFamily="18" charset="0"/>
-                <a:cs typeface="Times New Roman" panose="02020603050405020304" pitchFamily="18" charset="0"/>
-              </a:rPr>
-              <a:t>   </a:t>
-            </a:r>
-            <a:r>
-              <a:rPr lang="pt-BR" sz="2400" b="1" dirty="0" err="1">
-                <a:solidFill>
-                  <a:schemeClr val="tx1"/>
-                </a:solidFill>
-                <a:latin typeface="Times New Roman" panose="02020603050405020304" pitchFamily="18" charset="0"/>
-                <a:cs typeface="Times New Roman" panose="02020603050405020304" pitchFamily="18" charset="0"/>
-              </a:rPr>
-              <a:t>struct</a:t>
-            </a:r>
-            <a:r>
-              <a:rPr lang="pt-BR" sz="2400" dirty="0">
-                <a:solidFill>
-                  <a:schemeClr val="tx1"/>
-                </a:solidFill>
-                <a:latin typeface="Times New Roman" panose="02020603050405020304" pitchFamily="18" charset="0"/>
-                <a:cs typeface="Times New Roman" panose="02020603050405020304" pitchFamily="18" charset="0"/>
-              </a:rPr>
-              <a:t> Cliente </a:t>
-            </a:r>
-            <a:r>
-              <a:rPr lang="pt-BR" sz="2400" b="1" dirty="0" err="1">
-                <a:solidFill>
-                  <a:srgbClr val="FF0000"/>
-                </a:solidFill>
-                <a:latin typeface="Times New Roman" panose="02020603050405020304" pitchFamily="18" charset="0"/>
-                <a:cs typeface="Times New Roman" panose="02020603050405020304" pitchFamily="18" charset="0"/>
-              </a:rPr>
-              <a:t>umCliente</a:t>
-            </a:r>
-            <a:r>
-              <a:rPr lang="pt-BR" sz="2400" dirty="0">
-                <a:solidFill>
-                  <a:schemeClr val="tx1"/>
-                </a:solidFill>
-                <a:latin typeface="Times New Roman" panose="02020603050405020304" pitchFamily="18" charset="0"/>
-                <a:cs typeface="Times New Roman" panose="02020603050405020304" pitchFamily="18" charset="0"/>
-              </a:rPr>
-              <a:t>;</a:t>
-            </a:r>
-          </a:p>
-          <a:p>
-            <a:pPr marL="0" indent="0" algn="just">
-              <a:buNone/>
-            </a:pPr>
-            <a:r>
-              <a:rPr lang="pt-BR" sz="2400" b="1" dirty="0">
-                <a:solidFill>
-                  <a:schemeClr val="tx1"/>
-                </a:solidFill>
-                <a:latin typeface="Times New Roman" panose="02020603050405020304" pitchFamily="18" charset="0"/>
-                <a:cs typeface="Times New Roman" panose="02020603050405020304" pitchFamily="18" charset="0"/>
-              </a:rPr>
-              <a:t>   </a:t>
-            </a:r>
-            <a:r>
-              <a:rPr lang="pt-BR" sz="2400" b="1" dirty="0" err="1">
-                <a:solidFill>
-                  <a:schemeClr val="tx1"/>
-                </a:solidFill>
-                <a:latin typeface="Times New Roman" panose="02020603050405020304" pitchFamily="18" charset="0"/>
-                <a:cs typeface="Times New Roman" panose="02020603050405020304" pitchFamily="18" charset="0"/>
-              </a:rPr>
-              <a:t>strcpy</a:t>
-            </a:r>
-            <a:r>
-              <a:rPr lang="pt-BR" sz="2400" dirty="0">
-                <a:solidFill>
-                  <a:schemeClr val="tx1"/>
-                </a:solidFill>
-                <a:latin typeface="Times New Roman" panose="02020603050405020304" pitchFamily="18" charset="0"/>
-                <a:cs typeface="Times New Roman" panose="02020603050405020304" pitchFamily="18" charset="0"/>
-              </a:rPr>
-              <a:t>(</a:t>
-            </a:r>
-            <a:r>
-              <a:rPr lang="pt-BR" sz="2400" b="1" dirty="0" err="1">
-                <a:solidFill>
-                  <a:srgbClr val="FF0000"/>
-                </a:solidFill>
-                <a:latin typeface="Times New Roman" panose="02020603050405020304" pitchFamily="18" charset="0"/>
-                <a:cs typeface="Times New Roman" panose="02020603050405020304" pitchFamily="18" charset="0"/>
-              </a:rPr>
-              <a:t>umCliente</a:t>
-            </a:r>
-            <a:r>
-              <a:rPr lang="pt-BR" sz="2400" dirty="0" err="1">
-                <a:solidFill>
-                  <a:schemeClr val="tx1"/>
-                </a:solidFill>
-                <a:latin typeface="Times New Roman" panose="02020603050405020304" pitchFamily="18" charset="0"/>
-                <a:cs typeface="Times New Roman" panose="02020603050405020304" pitchFamily="18" charset="0"/>
-              </a:rPr>
-              <a:t>.</a:t>
-            </a:r>
-            <a:r>
-              <a:rPr lang="pt-BR" sz="2400" b="1" dirty="0" err="1">
-                <a:solidFill>
-                  <a:schemeClr val="tx1"/>
-                </a:solidFill>
-                <a:latin typeface="Times New Roman" panose="02020603050405020304" pitchFamily="18" charset="0"/>
-                <a:cs typeface="Times New Roman" panose="02020603050405020304" pitchFamily="18" charset="0"/>
-              </a:rPr>
-              <a:t>nome</a:t>
-            </a:r>
-            <a:r>
-              <a:rPr lang="pt-BR" sz="2400" dirty="0">
-                <a:solidFill>
-                  <a:schemeClr val="tx1"/>
-                </a:solidFill>
-                <a:latin typeface="Times New Roman" panose="02020603050405020304" pitchFamily="18" charset="0"/>
-                <a:cs typeface="Times New Roman" panose="02020603050405020304" pitchFamily="18" charset="0"/>
-              </a:rPr>
-              <a:t>, "Fulano“);</a:t>
-            </a:r>
-          </a:p>
-          <a:p>
-            <a:pPr marL="0" indent="0" algn="just">
-              <a:buNone/>
-            </a:pPr>
-            <a:r>
-              <a:rPr lang="pt-BR" sz="2400" b="1" dirty="0">
-                <a:solidFill>
-                  <a:schemeClr val="tx1"/>
-                </a:solidFill>
-                <a:latin typeface="Times New Roman" panose="02020603050405020304" pitchFamily="18" charset="0"/>
-                <a:cs typeface="Times New Roman" panose="02020603050405020304" pitchFamily="18" charset="0"/>
-              </a:rPr>
-              <a:t>   </a:t>
-            </a:r>
-            <a:r>
-              <a:rPr lang="pt-BR" sz="2400" b="1" dirty="0" err="1">
-                <a:solidFill>
-                  <a:schemeClr val="tx1"/>
-                </a:solidFill>
-                <a:latin typeface="Times New Roman" panose="02020603050405020304" pitchFamily="18" charset="0"/>
-                <a:cs typeface="Times New Roman" panose="02020603050405020304" pitchFamily="18" charset="0"/>
-              </a:rPr>
-              <a:t>strcpy</a:t>
-            </a:r>
-            <a:r>
-              <a:rPr lang="pt-BR" sz="2400" dirty="0">
-                <a:solidFill>
-                  <a:schemeClr val="tx1"/>
-                </a:solidFill>
-                <a:latin typeface="Times New Roman" panose="02020603050405020304" pitchFamily="18" charset="0"/>
-                <a:cs typeface="Times New Roman" panose="02020603050405020304" pitchFamily="18" charset="0"/>
-              </a:rPr>
-              <a:t>(</a:t>
-            </a:r>
-            <a:r>
-              <a:rPr lang="pt-BR" sz="2400" b="1" dirty="0" err="1">
-                <a:solidFill>
-                  <a:srgbClr val="FF0000"/>
-                </a:solidFill>
-                <a:latin typeface="Times New Roman" panose="02020603050405020304" pitchFamily="18" charset="0"/>
-                <a:cs typeface="Times New Roman" panose="02020603050405020304" pitchFamily="18" charset="0"/>
-              </a:rPr>
-              <a:t>umCliente</a:t>
-            </a:r>
-            <a:r>
-              <a:rPr lang="pt-BR" sz="2400" dirty="0" err="1">
-                <a:solidFill>
-                  <a:schemeClr val="tx1"/>
-                </a:solidFill>
-                <a:latin typeface="Times New Roman" panose="02020603050405020304" pitchFamily="18" charset="0"/>
-                <a:cs typeface="Times New Roman" panose="02020603050405020304" pitchFamily="18" charset="0"/>
-              </a:rPr>
-              <a:t>.</a:t>
-            </a:r>
-            <a:r>
-              <a:rPr lang="pt-BR" sz="2400" b="1" dirty="0" err="1">
-                <a:solidFill>
-                  <a:schemeClr val="tx1"/>
-                </a:solidFill>
-                <a:latin typeface="Times New Roman" panose="02020603050405020304" pitchFamily="18" charset="0"/>
-                <a:cs typeface="Times New Roman" panose="02020603050405020304" pitchFamily="18" charset="0"/>
-              </a:rPr>
-              <a:t>cpf</a:t>
-            </a:r>
-            <a:r>
-              <a:rPr lang="pt-BR" sz="2400" dirty="0">
-                <a:solidFill>
-                  <a:schemeClr val="tx1"/>
-                </a:solidFill>
-                <a:latin typeface="Times New Roman" panose="02020603050405020304" pitchFamily="18" charset="0"/>
-                <a:cs typeface="Times New Roman" panose="02020603050405020304" pitchFamily="18" charset="0"/>
-              </a:rPr>
-              <a:t>, "01234567890“);</a:t>
-            </a:r>
-          </a:p>
-          <a:p>
-            <a:pPr marL="0" indent="0" algn="just">
-              <a:buNone/>
-            </a:pPr>
-            <a:r>
-              <a:rPr lang="pt-BR" sz="2400" b="1" dirty="0">
-                <a:solidFill>
-                  <a:srgbClr val="FF0000"/>
-                </a:solidFill>
-                <a:latin typeface="Times New Roman" panose="02020603050405020304" pitchFamily="18" charset="0"/>
-                <a:cs typeface="Times New Roman" panose="02020603050405020304" pitchFamily="18" charset="0"/>
-              </a:rPr>
-              <a:t>   </a:t>
-            </a:r>
-            <a:r>
-              <a:rPr lang="pt-BR" sz="2400" b="1" dirty="0" err="1">
-                <a:solidFill>
-                  <a:srgbClr val="FF0000"/>
-                </a:solidFill>
-                <a:latin typeface="Times New Roman" panose="02020603050405020304" pitchFamily="18" charset="0"/>
-                <a:cs typeface="Times New Roman" panose="02020603050405020304" pitchFamily="18" charset="0"/>
-              </a:rPr>
-              <a:t>umCliente</a:t>
-            </a:r>
-            <a:r>
-              <a:rPr lang="pt-BR" sz="2400" dirty="0" err="1">
-                <a:solidFill>
-                  <a:schemeClr val="tx1"/>
-                </a:solidFill>
-                <a:latin typeface="Times New Roman" panose="02020603050405020304" pitchFamily="18" charset="0"/>
-                <a:cs typeface="Times New Roman" panose="02020603050405020304" pitchFamily="18" charset="0"/>
-              </a:rPr>
-              <a:t>.</a:t>
-            </a:r>
-            <a:r>
-              <a:rPr lang="pt-BR" sz="2400" b="1" dirty="0" err="1">
-                <a:solidFill>
-                  <a:schemeClr val="tx1"/>
-                </a:solidFill>
-                <a:latin typeface="Times New Roman" panose="02020603050405020304" pitchFamily="18" charset="0"/>
-                <a:cs typeface="Times New Roman" panose="02020603050405020304" pitchFamily="18" charset="0"/>
-              </a:rPr>
-              <a:t>limite</a:t>
-            </a:r>
-            <a:r>
-              <a:rPr lang="pt-BR" sz="2400" dirty="0">
-                <a:solidFill>
-                  <a:schemeClr val="tx1"/>
-                </a:solidFill>
-                <a:latin typeface="Times New Roman" panose="02020603050405020304" pitchFamily="18" charset="0"/>
-                <a:cs typeface="Times New Roman" panose="02020603050405020304" pitchFamily="18" charset="0"/>
-              </a:rPr>
-              <a:t> = 5000.0;</a:t>
-            </a:r>
-          </a:p>
-          <a:p>
-            <a:pPr marL="0" indent="0" algn="just">
-              <a:buNone/>
-            </a:pPr>
-            <a:r>
-              <a:rPr lang="pt-BR" sz="2400" b="1" dirty="0">
-                <a:solidFill>
-                  <a:srgbClr val="FF0000"/>
-                </a:solidFill>
-                <a:latin typeface="Times New Roman" panose="02020603050405020304" pitchFamily="18" charset="0"/>
-                <a:cs typeface="Times New Roman" panose="02020603050405020304" pitchFamily="18" charset="0"/>
-              </a:rPr>
-              <a:t>   </a:t>
-            </a:r>
-            <a:r>
-              <a:rPr lang="pt-BR" sz="2400" b="1" dirty="0" err="1">
-                <a:solidFill>
-                  <a:srgbClr val="FF0000"/>
-                </a:solidFill>
-                <a:latin typeface="Times New Roman" panose="02020603050405020304" pitchFamily="18" charset="0"/>
-                <a:cs typeface="Times New Roman" panose="02020603050405020304" pitchFamily="18" charset="0"/>
-              </a:rPr>
-              <a:t>umCliente</a:t>
-            </a:r>
-            <a:r>
-              <a:rPr lang="pt-BR" sz="2400" dirty="0" err="1">
-                <a:solidFill>
-                  <a:schemeClr val="tx1"/>
-                </a:solidFill>
-                <a:latin typeface="Times New Roman" panose="02020603050405020304" pitchFamily="18" charset="0"/>
-                <a:cs typeface="Times New Roman" panose="02020603050405020304" pitchFamily="18" charset="0"/>
-              </a:rPr>
-              <a:t>.</a:t>
-            </a:r>
-            <a:r>
-              <a:rPr lang="pt-BR" sz="2400" b="1" dirty="0" err="1">
-                <a:solidFill>
-                  <a:schemeClr val="tx1"/>
-                </a:solidFill>
-                <a:latin typeface="Times New Roman" panose="02020603050405020304" pitchFamily="18" charset="0"/>
-                <a:cs typeface="Times New Roman" panose="02020603050405020304" pitchFamily="18" charset="0"/>
-              </a:rPr>
-              <a:t>compras</a:t>
-            </a:r>
-            <a:r>
-              <a:rPr lang="pt-BR" sz="2400" dirty="0">
-                <a:solidFill>
-                  <a:schemeClr val="tx1"/>
-                </a:solidFill>
-                <a:latin typeface="Times New Roman" panose="02020603050405020304" pitchFamily="18" charset="0"/>
-                <a:cs typeface="Times New Roman" panose="02020603050405020304" pitchFamily="18" charset="0"/>
-              </a:rPr>
-              <a:t> = 0;</a:t>
-            </a:r>
-          </a:p>
-          <a:p>
-            <a:pPr marL="0" indent="0" algn="just">
-              <a:buNone/>
-            </a:pPr>
-            <a:r>
-              <a:rPr lang="pt-BR" sz="2400" dirty="0">
-                <a:solidFill>
-                  <a:schemeClr val="tx1"/>
-                </a:solidFill>
-                <a:latin typeface="Times New Roman" panose="02020603050405020304" pitchFamily="18" charset="0"/>
-                <a:cs typeface="Times New Roman" panose="02020603050405020304" pitchFamily="18" charset="0"/>
-              </a:rPr>
-              <a:t>}</a:t>
-            </a:r>
-            <a:endParaRPr lang="pt-BR" sz="2400" dirty="0"/>
-          </a:p>
-        </p:txBody>
-      </p:sp>
-    </p:spTree>
-    <p:extLst>
-      <p:ext uri="{BB962C8B-B14F-4D97-AF65-F5344CB8AC3E}">
-        <p14:creationId xmlns:p14="http://schemas.microsoft.com/office/powerpoint/2010/main" val="671563937"/>
-      </p:ext>
-    </p:extLst>
-  </p:cSld>
-  <p:clrMapOvr>
-    <a:masterClrMapping/>
-  </p:clrMapOvr>
-  <p:transition spd="med"/>
-</p:sld>
-</file>
-
-<file path=ppt/slides/slide13.xml><?xml version="1.0" encoding="utf-8"?>
-<p:sld xmlns:a="http://schemas.openxmlformats.org/drawingml/2006/main" xmlns:r="http://schemas.openxmlformats.org/officeDocument/2006/relationships" xmlns:p="http://schemas.openxmlformats.org/presentationml/2006/main">
-  <p:cSld>
-    <p:spTree>
-      <p:nvGrpSpPr>
-        <p:cNvPr id="1" name=""/>
-        <p:cNvGrpSpPr/>
-        <p:nvPr/>
-      </p:nvGrpSpPr>
-      <p:grpSpPr>
-        <a:xfrm>
-          <a:off x="0" y="0"/>
-          <a:ext cx="0" cy="0"/>
-          <a:chOff x="0" y="0"/>
-          <a:chExt cx="0" cy="0"/>
-        </a:xfrm>
-      </p:grpSpPr>
-      <p:sp>
-        <p:nvSpPr>
-          <p:cNvPr id="6" name="Title 1"/>
-          <p:cNvSpPr>
-            <a:spLocks noGrp="1"/>
-          </p:cNvSpPr>
-          <p:nvPr>
-            <p:ph type="title"/>
-          </p:nvPr>
-        </p:nvSpPr>
-        <p:spPr/>
-        <p:txBody>
-          <a:bodyPr>
-            <a:normAutofit/>
-          </a:bodyPr>
-          <a:lstStyle/>
-          <a:p>
-            <a:r>
-              <a:rPr lang="en-US" b="1" dirty="0">
-                <a:solidFill>
-                  <a:srgbClr val="0070C0"/>
-                </a:solidFill>
-              </a:rPr>
-              <a:t>Python – TD </a:t>
-            </a:r>
-            <a:r>
-              <a:rPr lang="en-US" b="1" dirty="0" err="1">
-                <a:solidFill>
-                  <a:srgbClr val="0070C0"/>
-                </a:solidFill>
-              </a:rPr>
-              <a:t>Aglomerados</a:t>
-            </a:r>
-            <a:r>
-              <a:rPr lang="en-US" b="1" dirty="0">
-                <a:solidFill>
-                  <a:srgbClr val="0070C0"/>
-                </a:solidFill>
-              </a:rPr>
-              <a:t> </a:t>
-            </a:r>
-            <a:r>
-              <a:rPr lang="en-US" b="1" dirty="0" err="1">
-                <a:solidFill>
-                  <a:srgbClr val="0070C0"/>
-                </a:solidFill>
-              </a:rPr>
-              <a:t>Registros</a:t>
-            </a:r>
-            <a:endParaRPr lang="en-US" b="1" dirty="0">
-              <a:solidFill>
-                <a:srgbClr val="0070C0"/>
-              </a:solidFill>
-            </a:endParaRPr>
-          </a:p>
-        </p:txBody>
-      </p:sp>
-      <p:sp>
-        <p:nvSpPr>
-          <p:cNvPr id="8" name="Text Placeholder 2"/>
-          <p:cNvSpPr>
-            <a:spLocks noGrp="1"/>
-          </p:cNvSpPr>
-          <p:nvPr>
-            <p:ph type="body" sz="half" idx="1"/>
-          </p:nvPr>
-        </p:nvSpPr>
-        <p:spPr>
-          <a:xfrm>
-            <a:off x="142865" y="1200150"/>
-            <a:ext cx="8865056" cy="3737370"/>
-          </a:xfrm>
-        </p:spPr>
-        <p:txBody>
-          <a:bodyPr>
-            <a:noAutofit/>
-          </a:bodyPr>
-          <a:lstStyle/>
-          <a:p>
-            <a:pPr marL="0" indent="0" algn="just">
-              <a:buNone/>
-            </a:pPr>
-            <a:r>
-              <a:rPr lang="pt-BR" sz="2400" b="1" dirty="0">
-                <a:solidFill>
-                  <a:srgbClr val="FF0000"/>
-                </a:solidFill>
-                <a:latin typeface="Times New Roman" panose="02020603050405020304" pitchFamily="18" charset="0"/>
-                <a:cs typeface="Times New Roman" panose="02020603050405020304" pitchFamily="18" charset="0"/>
-              </a:rPr>
-              <a:t>Registro (Exemplo: </a:t>
-            </a:r>
-            <a:r>
-              <a:rPr lang="pt-BR" sz="2400" b="1" dirty="0">
-                <a:latin typeface="Times New Roman" panose="02020603050405020304" pitchFamily="18" charset="0"/>
-                <a:cs typeface="Times New Roman" panose="02020603050405020304" pitchFamily="18" charset="0"/>
-              </a:rPr>
-              <a:t>Python</a:t>
-            </a:r>
-            <a:r>
-              <a:rPr lang="pt-BR" sz="2400" b="1" dirty="0">
-                <a:solidFill>
-                  <a:srgbClr val="FF0000"/>
-                </a:solidFill>
-                <a:latin typeface="Times New Roman" panose="02020603050405020304" pitchFamily="18" charset="0"/>
-                <a:cs typeface="Times New Roman" panose="02020603050405020304" pitchFamily="18" charset="0"/>
-              </a:rPr>
-              <a:t>)</a:t>
-            </a:r>
-            <a:endParaRPr lang="pt-BR" sz="2400" dirty="0">
-              <a:solidFill>
-                <a:schemeClr val="tx1"/>
-              </a:solidFill>
-              <a:latin typeface="Times New Roman" panose="02020603050405020304" pitchFamily="18" charset="0"/>
-              <a:cs typeface="Times New Roman" panose="02020603050405020304" pitchFamily="18" charset="0"/>
-            </a:endParaRPr>
-          </a:p>
-          <a:p>
-            <a:pPr marL="0" indent="0" algn="just">
-              <a:buNone/>
-            </a:pPr>
-            <a:r>
-              <a:rPr lang="pt-BR" sz="2000" dirty="0">
-                <a:solidFill>
-                  <a:schemeClr val="tx1"/>
-                </a:solidFill>
-                <a:latin typeface="Times New Roman" panose="02020603050405020304" pitchFamily="18" charset="0"/>
-                <a:cs typeface="Times New Roman" panose="02020603050405020304" pitchFamily="18" charset="0"/>
-              </a:rPr>
-              <a:t> </a:t>
-            </a:r>
-          </a:p>
-          <a:p>
-            <a:pPr marL="0" indent="0" algn="just">
-              <a:buNone/>
-            </a:pPr>
-            <a:endParaRPr lang="pt-BR" sz="2000" dirty="0">
-              <a:solidFill>
-                <a:schemeClr val="tx1"/>
-              </a:solidFill>
-              <a:latin typeface="Times New Roman" panose="02020603050405020304" pitchFamily="18" charset="0"/>
-              <a:cs typeface="Times New Roman" panose="02020603050405020304" pitchFamily="18" charset="0"/>
-            </a:endParaRPr>
-          </a:p>
-        </p:txBody>
-      </p:sp>
-      <p:sp>
-        <p:nvSpPr>
-          <p:cNvPr id="3" name="CaixaDeTexto 2">
-            <a:extLst>
-              <a:ext uri="{FF2B5EF4-FFF2-40B4-BE49-F238E27FC236}">
-                <a16:creationId xmlns:a16="http://schemas.microsoft.com/office/drawing/2014/main" id="{6709984F-2047-4B0A-8173-791A8AE310FF}"/>
-              </a:ext>
-            </a:extLst>
-          </p:cNvPr>
-          <p:cNvSpPr txBox="1"/>
-          <p:nvPr/>
-        </p:nvSpPr>
-        <p:spPr>
-          <a:xfrm>
-            <a:off x="186182" y="1730007"/>
-            <a:ext cx="8206255" cy="2308324"/>
-          </a:xfrm>
-          <a:prstGeom prst="rect">
-            <a:avLst/>
-          </a:prstGeom>
-          <a:noFill/>
-        </p:spPr>
-        <p:txBody>
-          <a:bodyPr wrap="square" rtlCol="0">
-            <a:spAutoFit/>
-          </a:bodyPr>
-          <a:lstStyle/>
-          <a:p>
-            <a:r>
-              <a:rPr lang="pt-BR" sz="2400" b="1" dirty="0" err="1">
-                <a:latin typeface="Arial" panose="020B0604020202020204" pitchFamily="34" charset="0"/>
-                <a:cs typeface="Arial" panose="020B0604020202020204" pitchFamily="34" charset="0"/>
-              </a:rPr>
-              <a:t>import</a:t>
-            </a:r>
-            <a:r>
-              <a:rPr lang="pt-BR" sz="2400" b="1" dirty="0">
-                <a:latin typeface="Arial" panose="020B0604020202020204" pitchFamily="34" charset="0"/>
-                <a:cs typeface="Arial" panose="020B0604020202020204" pitchFamily="34" charset="0"/>
-              </a:rPr>
-              <a:t> </a:t>
-            </a:r>
-            <a:r>
-              <a:rPr lang="pt-BR" sz="2400" b="1" dirty="0" err="1">
-                <a:solidFill>
-                  <a:srgbClr val="FF0000"/>
-                </a:solidFill>
-                <a:latin typeface="Arial" panose="020B0604020202020204" pitchFamily="34" charset="0"/>
-                <a:cs typeface="Arial" panose="020B0604020202020204" pitchFamily="34" charset="0"/>
-              </a:rPr>
-              <a:t>struct</a:t>
-            </a:r>
-            <a:endParaRPr lang="pt-BR" sz="2400" b="1" dirty="0">
-              <a:solidFill>
-                <a:srgbClr val="FF0000"/>
-              </a:solidFill>
-              <a:latin typeface="Arial" panose="020B0604020202020204" pitchFamily="34" charset="0"/>
-              <a:cs typeface="Arial" panose="020B0604020202020204" pitchFamily="34" charset="0"/>
-            </a:endParaRPr>
-          </a:p>
-          <a:p>
-            <a:r>
-              <a:rPr lang="pt-BR" sz="2400" b="1" dirty="0">
-                <a:solidFill>
-                  <a:srgbClr val="FF0000"/>
-                </a:solidFill>
-                <a:latin typeface="Arial" panose="020B0604020202020204" pitchFamily="34" charset="0"/>
-                <a:cs typeface="Arial" panose="020B0604020202020204" pitchFamily="34" charset="0"/>
-              </a:rPr>
-              <a:t>Cliente = (‘80s I I 11s f I')</a:t>
-            </a:r>
-          </a:p>
-          <a:p>
-            <a:r>
-              <a:rPr lang="pt-BR" sz="2400" dirty="0" err="1">
-                <a:latin typeface="Arial" panose="020B0604020202020204" pitchFamily="34" charset="0"/>
-                <a:cs typeface="Arial" panose="020B0604020202020204" pitchFamily="34" charset="0"/>
-              </a:rPr>
-              <a:t>umCliente</a:t>
-            </a:r>
-            <a:r>
-              <a:rPr lang="pt-BR" sz="2400" dirty="0">
-                <a:latin typeface="Arial" panose="020B0604020202020204" pitchFamily="34" charset="0"/>
-                <a:cs typeface="Arial" panose="020B0604020202020204" pitchFamily="34" charset="0"/>
-              </a:rPr>
-              <a:t> = </a:t>
-            </a:r>
-            <a:r>
-              <a:rPr lang="pt-BR" sz="2400" b="1" dirty="0" err="1">
-                <a:solidFill>
-                  <a:srgbClr val="FF0000"/>
-                </a:solidFill>
-                <a:latin typeface="Arial" panose="020B0604020202020204" pitchFamily="34" charset="0"/>
-                <a:cs typeface="Arial" panose="020B0604020202020204" pitchFamily="34" charset="0"/>
-              </a:rPr>
-              <a:t>struct</a:t>
-            </a:r>
-            <a:r>
-              <a:rPr lang="pt-BR" sz="2400" dirty="0" err="1">
-                <a:latin typeface="Arial" panose="020B0604020202020204" pitchFamily="34" charset="0"/>
-                <a:cs typeface="Arial" panose="020B0604020202020204" pitchFamily="34" charset="0"/>
-              </a:rPr>
-              <a:t>.</a:t>
-            </a:r>
-            <a:r>
-              <a:rPr lang="pt-BR" sz="2400" b="1" dirty="0" err="1">
-                <a:latin typeface="Arial" panose="020B0604020202020204" pitchFamily="34" charset="0"/>
-                <a:cs typeface="Arial" panose="020B0604020202020204" pitchFamily="34" charset="0"/>
-              </a:rPr>
-              <a:t>pack</a:t>
-            </a:r>
-            <a:r>
-              <a:rPr lang="pt-BR" sz="2400" dirty="0">
-                <a:latin typeface="Arial" panose="020B0604020202020204" pitchFamily="34" charset="0"/>
-                <a:cs typeface="Arial" panose="020B0604020202020204" pitchFamily="34" charset="0"/>
-              </a:rPr>
-              <a:t>(Cliente, </a:t>
-            </a:r>
-            <a:r>
-              <a:rPr lang="pt-BR" sz="2400" dirty="0" err="1">
-                <a:latin typeface="Arial" panose="020B0604020202020204" pitchFamily="34" charset="0"/>
-                <a:cs typeface="Arial" panose="020B0604020202020204" pitchFamily="34" charset="0"/>
-              </a:rPr>
-              <a:t>b"Fulano</a:t>
-            </a:r>
-            <a:r>
-              <a:rPr lang="pt-BR" sz="2400" dirty="0">
-                <a:latin typeface="Arial" panose="020B0604020202020204" pitchFamily="34" charset="0"/>
-                <a:cs typeface="Arial" panose="020B0604020202020204" pitchFamily="34" charset="0"/>
-              </a:rPr>
-              <a:t>", 0, 2, b’123456789001, 5000.00, 3)</a:t>
-            </a:r>
-          </a:p>
-          <a:p>
-            <a:r>
-              <a:rPr lang="pt-BR" sz="2400" b="1" dirty="0">
-                <a:latin typeface="Arial" panose="020B0604020202020204" pitchFamily="34" charset="0"/>
-                <a:cs typeface="Arial" panose="020B0604020202020204" pitchFamily="34" charset="0"/>
-              </a:rPr>
-              <a:t>print</a:t>
-            </a:r>
-            <a:r>
-              <a:rPr lang="pt-BR" sz="2400" dirty="0">
-                <a:latin typeface="Arial" panose="020B0604020202020204" pitchFamily="34" charset="0"/>
-                <a:cs typeface="Arial" panose="020B0604020202020204" pitchFamily="34" charset="0"/>
-              </a:rPr>
-              <a:t>(</a:t>
-            </a:r>
-            <a:r>
-              <a:rPr lang="pt-BR" sz="2400" dirty="0" err="1">
-                <a:latin typeface="Arial" panose="020B0604020202020204" pitchFamily="34" charset="0"/>
-                <a:cs typeface="Arial" panose="020B0604020202020204" pitchFamily="34" charset="0"/>
-              </a:rPr>
-              <a:t>umCliente</a:t>
-            </a:r>
-            <a:r>
-              <a:rPr lang="pt-BR" sz="2400" dirty="0">
-                <a:latin typeface="Arial" panose="020B0604020202020204" pitchFamily="34" charset="0"/>
-                <a:cs typeface="Arial" panose="020B0604020202020204" pitchFamily="34" charset="0"/>
-              </a:rPr>
-              <a:t>)</a:t>
-            </a:r>
-          </a:p>
-          <a:p>
-            <a:r>
-              <a:rPr lang="pt-BR" sz="2400" b="1" dirty="0">
-                <a:latin typeface="Arial" panose="020B0604020202020204" pitchFamily="34" charset="0"/>
-                <a:cs typeface="Arial" panose="020B0604020202020204" pitchFamily="34" charset="0"/>
-              </a:rPr>
-              <a:t>print</a:t>
-            </a:r>
-            <a:r>
-              <a:rPr lang="pt-BR" sz="2400" dirty="0">
-                <a:latin typeface="Arial" panose="020B0604020202020204" pitchFamily="34" charset="0"/>
-                <a:cs typeface="Arial" panose="020B0604020202020204" pitchFamily="34" charset="0"/>
-              </a:rPr>
-              <a:t>(</a:t>
-            </a:r>
-            <a:r>
-              <a:rPr lang="pt-BR" sz="2400" b="1" dirty="0" err="1">
-                <a:solidFill>
-                  <a:srgbClr val="FF0000"/>
-                </a:solidFill>
-                <a:latin typeface="Arial" panose="020B0604020202020204" pitchFamily="34" charset="0"/>
-                <a:cs typeface="Arial" panose="020B0604020202020204" pitchFamily="34" charset="0"/>
-              </a:rPr>
-              <a:t>struct</a:t>
-            </a:r>
-            <a:r>
-              <a:rPr lang="pt-BR" sz="2400" dirty="0" err="1">
-                <a:latin typeface="Arial" panose="020B0604020202020204" pitchFamily="34" charset="0"/>
-                <a:cs typeface="Arial" panose="020B0604020202020204" pitchFamily="34" charset="0"/>
-              </a:rPr>
-              <a:t>.</a:t>
-            </a:r>
-            <a:r>
-              <a:rPr lang="pt-BR" sz="2400" b="1" dirty="0" err="1">
-                <a:latin typeface="Arial" panose="020B0604020202020204" pitchFamily="34" charset="0"/>
-                <a:cs typeface="Arial" panose="020B0604020202020204" pitchFamily="34" charset="0"/>
-              </a:rPr>
-              <a:t>unpack</a:t>
-            </a:r>
-            <a:r>
-              <a:rPr lang="pt-BR" sz="2400" dirty="0">
-                <a:latin typeface="Arial" panose="020B0604020202020204" pitchFamily="34" charset="0"/>
-                <a:cs typeface="Arial" panose="020B0604020202020204" pitchFamily="34" charset="0"/>
-              </a:rPr>
-              <a:t>(Cliente, </a:t>
-            </a:r>
-            <a:r>
-              <a:rPr lang="pt-BR" sz="2400" dirty="0" err="1">
-                <a:latin typeface="Arial" panose="020B0604020202020204" pitchFamily="34" charset="0"/>
-                <a:cs typeface="Arial" panose="020B0604020202020204" pitchFamily="34" charset="0"/>
-              </a:rPr>
-              <a:t>umCliente</a:t>
-            </a:r>
-            <a:r>
-              <a:rPr lang="pt-BR" sz="2400" dirty="0">
-                <a:latin typeface="Arial" panose="020B0604020202020204" pitchFamily="34" charset="0"/>
-                <a:cs typeface="Arial" panose="020B0604020202020204" pitchFamily="34" charset="0"/>
-              </a:rPr>
-              <a:t>))</a:t>
-            </a:r>
-          </a:p>
-        </p:txBody>
-      </p:sp>
-    </p:spTree>
-    <p:extLst>
-      <p:ext uri="{BB962C8B-B14F-4D97-AF65-F5344CB8AC3E}">
-        <p14:creationId xmlns:p14="http://schemas.microsoft.com/office/powerpoint/2010/main" val="1539438958"/>
-      </p:ext>
-    </p:extLst>
-  </p:cSld>
-  <p:clrMapOvr>
-    <a:masterClrMapping/>
-  </p:clrMapOvr>
-  <p:transition spd="med"/>
-</p:sld>
-</file>
-
 <file path=ppt/slides/slide14.xml><?xml version="1.0" encoding="utf-8"?>
 <p:sld xmlns:a="http://schemas.openxmlformats.org/drawingml/2006/main" xmlns:r="http://schemas.openxmlformats.org/officeDocument/2006/relationships" xmlns:p="http://schemas.openxmlformats.org/presentationml/2006/main">
   <p:cSld>
@@ -8557,90 +8087,20 @@
           </a:bodyPr>
           <a:lstStyle/>
           <a:p>
-            <a:pPr algn="just">
-              <a:buFont typeface="Wingdings" panose="05000000000000000000" pitchFamily="2" charset="2"/>
-              <a:buChar char="§"/>
+            <a:pPr marL="0" indent="0" algn="just">
+              <a:buNone/>
             </a:pPr>
             <a:r>
-              <a:rPr lang="pt-BR" b="1" dirty="0">
+              <a:rPr lang="pt-BR" sz="2400" b="1" dirty="0">
                 <a:solidFill>
                   <a:srgbClr val="FF0000"/>
                 </a:solidFill>
                 <a:latin typeface="Times New Roman" panose="02020603050405020304" pitchFamily="18" charset="0"/>
                 <a:cs typeface="Times New Roman" panose="02020603050405020304" pitchFamily="18" charset="0"/>
               </a:rPr>
-              <a:t> Registos </a:t>
-            </a:r>
-            <a:r>
-              <a:rPr lang="pt-BR" b="1" dirty="0">
-                <a:latin typeface="Times New Roman" panose="02020603050405020304" pitchFamily="18" charset="0"/>
-                <a:cs typeface="Times New Roman" panose="02020603050405020304" pitchFamily="18" charset="0"/>
-              </a:rPr>
-              <a:t>em </a:t>
-            </a:r>
-            <a:r>
-              <a:rPr lang="pt-BR" b="1" dirty="0" err="1">
-                <a:latin typeface="Times New Roman" panose="02020603050405020304" pitchFamily="18" charset="0"/>
-                <a:cs typeface="Times New Roman" panose="02020603050405020304" pitchFamily="18" charset="0"/>
-              </a:rPr>
-              <a:t>Pyhton</a:t>
-            </a:r>
-            <a:r>
-              <a:rPr lang="pt-BR" dirty="0">
-                <a:solidFill>
-                  <a:schemeClr val="tx1"/>
-                </a:solidFill>
-                <a:latin typeface="Times New Roman" panose="02020603050405020304" pitchFamily="18" charset="0"/>
-                <a:cs typeface="Times New Roman" panose="02020603050405020304" pitchFamily="18" charset="0"/>
-              </a:rPr>
-              <a:t>: sem nomes dos campos</a:t>
-            </a:r>
-          </a:p>
-          <a:p>
-            <a:pPr marL="0" indent="0" algn="just">
-              <a:buNone/>
-            </a:pPr>
-            <a:r>
-              <a:rPr lang="pt-BR" dirty="0">
-                <a:solidFill>
-                  <a:schemeClr val="tx1"/>
-                </a:solidFill>
-                <a:latin typeface="Times New Roman" panose="02020603050405020304" pitchFamily="18" charset="0"/>
-                <a:cs typeface="Times New Roman" panose="02020603050405020304" pitchFamily="18" charset="0"/>
-              </a:rPr>
-              <a:t>– </a:t>
-            </a:r>
-            <a:r>
-              <a:rPr lang="pt-BR" b="1" dirty="0">
-                <a:solidFill>
-                  <a:schemeClr val="tx1"/>
-                </a:solidFill>
-                <a:latin typeface="Times New Roman" panose="02020603050405020304" pitchFamily="18" charset="0"/>
-                <a:cs typeface="Times New Roman" panose="02020603050405020304" pitchFamily="18" charset="0"/>
-              </a:rPr>
-              <a:t>Foco primário</a:t>
-            </a:r>
-            <a:r>
-              <a:rPr lang="pt-BR" dirty="0">
-                <a:solidFill>
-                  <a:schemeClr val="tx1"/>
-                </a:solidFill>
-                <a:latin typeface="Times New Roman" panose="02020603050405020304" pitchFamily="18" charset="0"/>
-                <a:cs typeface="Times New Roman" panose="02020603050405020304" pitchFamily="18" charset="0"/>
-              </a:rPr>
-              <a:t>: trocar dados com C/C++, </a:t>
-            </a:r>
-            <a:r>
-              <a:rPr lang="pt-BR" dirty="0" err="1">
-                <a:solidFill>
-                  <a:schemeClr val="tx1"/>
-                </a:solidFill>
-                <a:latin typeface="Times New Roman" panose="02020603050405020304" pitchFamily="18" charset="0"/>
-                <a:cs typeface="Times New Roman" panose="02020603050405020304" pitchFamily="18" charset="0"/>
-              </a:rPr>
-              <a:t>etc</a:t>
-            </a:r>
-            <a:endParaRPr lang="pt-BR" dirty="0">
+              <a:t>Registro (Exemplo: linguagem C)</a:t>
+            </a:r>
+            <a:endParaRPr lang="pt-BR" sz="2400" dirty="0">
               <a:solidFill>
                 <a:schemeClr val="tx1"/>
               </a:solidFill>
@@ -8653,72 +8113,580 @@
               <a:buNone/>
             </a:pPr>
             <a:r>
-              <a:rPr lang="pt-BR" dirty="0">
-                <a:solidFill>
-                  <a:schemeClr val="tx1"/>
-                </a:solidFill>
-                <a:latin typeface="Times New Roman" panose="02020603050405020304" pitchFamily="18" charset="0"/>
-                <a:cs typeface="Times New Roman" panose="02020603050405020304" pitchFamily="18" charset="0"/>
-              </a:rPr>
-              <a:t>• Como guardar dados organizados em Python?</a:t>
+              <a:rPr lang="pt-BR" sz="2000" dirty="0">
+                <a:solidFill>
+                  <a:schemeClr val="tx1"/>
+                </a:solidFill>
+                <a:latin typeface="Times New Roman" panose="02020603050405020304" pitchFamily="18" charset="0"/>
+                <a:cs typeface="Times New Roman" panose="02020603050405020304" pitchFamily="18" charset="0"/>
+              </a:rPr>
+              <a:t> </a:t>
             </a:r>
           </a:p>
           <a:p>
             <a:pPr marL="0" indent="0" algn="just">
               <a:buNone/>
             </a:pPr>
-            <a:r>
-              <a:rPr lang="pt-BR" dirty="0">
-                <a:solidFill>
-                  <a:schemeClr val="tx1"/>
-                </a:solidFill>
-                <a:latin typeface="Times New Roman" panose="02020603050405020304" pitchFamily="18" charset="0"/>
-                <a:cs typeface="Times New Roman" panose="02020603050405020304" pitchFamily="18" charset="0"/>
-              </a:rPr>
-              <a:t>– </a:t>
-            </a:r>
-            <a:r>
-              <a:rPr lang="pt-BR" b="1" dirty="0">
-                <a:solidFill>
-                  <a:schemeClr val="tx1"/>
-                </a:solidFill>
-                <a:latin typeface="Times New Roman" panose="02020603050405020304" pitchFamily="18" charset="0"/>
-                <a:cs typeface="Times New Roman" panose="02020603050405020304" pitchFamily="18" charset="0"/>
-              </a:rPr>
-              <a:t>Forma mais conveniente</a:t>
-            </a:r>
-            <a:r>
-              <a:rPr lang="pt-BR" dirty="0">
-                <a:solidFill>
-                  <a:schemeClr val="tx1"/>
-                </a:solidFill>
-                <a:latin typeface="Times New Roman" panose="02020603050405020304" pitchFamily="18" charset="0"/>
-                <a:cs typeface="Times New Roman" panose="02020603050405020304" pitchFamily="18" charset="0"/>
-              </a:rPr>
-              <a:t>... </a:t>
-            </a:r>
-            <a:r>
-              <a:rPr lang="pt-BR" b="1" dirty="0" err="1">
+            <a:endParaRPr lang="pt-BR" sz="2000" dirty="0">
+              <a:solidFill>
+                <a:schemeClr val="tx1"/>
+              </a:solidFill>
+              <a:latin typeface="Times New Roman" panose="02020603050405020304" pitchFamily="18" charset="0"/>
+              <a:cs typeface="Times New Roman" panose="02020603050405020304" pitchFamily="18" charset="0"/>
+            </a:endParaRPr>
+          </a:p>
+        </p:txBody>
+      </p:sp>
+      <p:sp>
+        <p:nvSpPr>
+          <p:cNvPr id="3" name="CaixaDeTexto 2">
+            <a:extLst>
+              <a:ext uri="{FF2B5EF4-FFF2-40B4-BE49-F238E27FC236}">
+                <a16:creationId xmlns:a16="http://schemas.microsoft.com/office/drawing/2014/main" id="{6709984F-2047-4B0A-8173-791A8AE310FF}"/>
+              </a:ext>
+            </a:extLst>
+          </p:cNvPr>
+          <p:cNvSpPr txBox="1"/>
+          <p:nvPr/>
+        </p:nvSpPr>
+        <p:spPr>
+          <a:xfrm>
+            <a:off x="638827" y="1648389"/>
+            <a:ext cx="3181611" cy="3046988"/>
+          </a:xfrm>
+          <a:prstGeom prst="rect">
+            <a:avLst/>
+          </a:prstGeom>
+          <a:noFill/>
+        </p:spPr>
+        <p:txBody>
+          <a:bodyPr wrap="square" rtlCol="0">
+            <a:spAutoFit/>
+          </a:bodyPr>
+          <a:lstStyle/>
+          <a:p>
+            <a:pPr marL="0" indent="0" algn="just">
+              <a:buNone/>
+            </a:pPr>
+            <a:r>
+              <a:rPr lang="pt-BR" sz="2400" dirty="0">
+                <a:solidFill>
+                  <a:schemeClr val="tx1"/>
+                </a:solidFill>
+                <a:latin typeface="Times New Roman" panose="02020603050405020304" pitchFamily="18" charset="0"/>
+                <a:cs typeface="Times New Roman" panose="02020603050405020304" pitchFamily="18" charset="0"/>
+              </a:rPr>
+              <a:t>#</a:t>
+            </a:r>
+            <a:r>
+              <a:rPr lang="pt-BR" sz="2400" b="1" dirty="0">
+                <a:solidFill>
+                  <a:schemeClr val="tx1"/>
+                </a:solidFill>
+                <a:latin typeface="Times New Roman" panose="02020603050405020304" pitchFamily="18" charset="0"/>
+                <a:cs typeface="Times New Roman" panose="02020603050405020304" pitchFamily="18" charset="0"/>
+              </a:rPr>
+              <a:t>include</a:t>
+            </a:r>
+            <a:r>
+              <a:rPr lang="pt-BR" sz="2400" dirty="0">
+                <a:solidFill>
+                  <a:schemeClr val="tx1"/>
+                </a:solidFill>
+                <a:latin typeface="Times New Roman" panose="02020603050405020304" pitchFamily="18" charset="0"/>
+                <a:cs typeface="Times New Roman" panose="02020603050405020304" pitchFamily="18" charset="0"/>
+              </a:rPr>
+              <a:t> &lt;</a:t>
+            </a:r>
+            <a:r>
+              <a:rPr lang="pt-BR" sz="2400" b="1" dirty="0" err="1">
                 <a:solidFill>
                   <a:srgbClr val="FF0000"/>
                 </a:solidFill>
                 <a:latin typeface="Times New Roman" panose="02020603050405020304" pitchFamily="18" charset="0"/>
                 <a:cs typeface="Times New Roman" panose="02020603050405020304" pitchFamily="18" charset="0"/>
               </a:rPr>
-              <a:t>Tuplas</a:t>
-            </a:r>
-            <a:r>
-              <a:rPr lang="pt-BR" b="1" dirty="0">
+              <a:t>iostream</a:t>
+            </a:r>
+            <a:r>
+              <a:rPr lang="pt-BR" sz="2400" dirty="0">
+                <a:solidFill>
+                  <a:schemeClr val="tx1"/>
+                </a:solidFill>
+                <a:latin typeface="Times New Roman" panose="02020603050405020304" pitchFamily="18" charset="0"/>
+                <a:cs typeface="Times New Roman" panose="02020603050405020304" pitchFamily="18" charset="0"/>
+              </a:rPr>
+              <a:t>&gt;	</a:t>
+            </a:r>
+            <a:endParaRPr lang="pt-BR" sz="2400" b="1" dirty="0">
+              <a:solidFill>
+                <a:srgbClr val="FF0000"/>
+              </a:solidFill>
+              <a:latin typeface="Times New Roman" panose="02020603050405020304" pitchFamily="18" charset="0"/>
+              <a:cs typeface="Times New Roman" panose="02020603050405020304" pitchFamily="18" charset="0"/>
+            </a:endParaRPr>
+          </a:p>
+          <a:p>
+            <a:pPr marL="0" indent="0" algn="just">
+              <a:buNone/>
+            </a:pPr>
+            <a:r>
+              <a:rPr lang="pt-BR" sz="2400" b="1" dirty="0" err="1">
+                <a:solidFill>
+                  <a:schemeClr val="tx1"/>
+                </a:solidFill>
+                <a:latin typeface="Times New Roman" panose="02020603050405020304" pitchFamily="18" charset="0"/>
+                <a:cs typeface="Times New Roman" panose="02020603050405020304" pitchFamily="18" charset="0"/>
+              </a:rPr>
+              <a:t>using</a:t>
+            </a:r>
+            <a:r>
+              <a:rPr lang="pt-BR" sz="2400" dirty="0">
+                <a:solidFill>
+                  <a:schemeClr val="tx1"/>
+                </a:solidFill>
+                <a:latin typeface="Times New Roman" panose="02020603050405020304" pitchFamily="18" charset="0"/>
+                <a:cs typeface="Times New Roman" panose="02020603050405020304" pitchFamily="18" charset="0"/>
+              </a:rPr>
+              <a:t> </a:t>
+            </a:r>
+            <a:r>
+              <a:rPr lang="pt-BR" sz="2400" b="1" dirty="0" err="1">
                 <a:solidFill>
                   <a:srgbClr val="FF0000"/>
                 </a:solidFill>
                 <a:latin typeface="Times New Roman" panose="02020603050405020304" pitchFamily="18" charset="0"/>
                 <a:cs typeface="Times New Roman" panose="02020603050405020304" pitchFamily="18" charset="0"/>
               </a:rPr>
-              <a:t> nomeadas</a:t>
-            </a:r>
-            <a:r>
-              <a:rPr lang="pt-BR" dirty="0">
+              <a:t>namespace</a:t>
+            </a:r>
+            <a:r>
+              <a:rPr lang="pt-BR" sz="2400" dirty="0">
+                <a:solidFill>
+                  <a:schemeClr val="tx1"/>
+                </a:solidFill>
+                <a:latin typeface="Times New Roman" panose="02020603050405020304" pitchFamily="18" charset="0"/>
+                <a:cs typeface="Times New Roman" panose="02020603050405020304" pitchFamily="18" charset="0"/>
+              </a:rPr>
+              <a:t> </a:t>
+            </a:r>
+            <a:r>
+              <a:rPr lang="pt-BR" sz="2400" dirty="0" err="1">
+                <a:solidFill>
+                  <a:schemeClr val="tx1"/>
+                </a:solidFill>
+                <a:latin typeface="Times New Roman" panose="02020603050405020304" pitchFamily="18" charset="0"/>
+                <a:cs typeface="Times New Roman" panose="02020603050405020304" pitchFamily="18" charset="0"/>
+              </a:rPr>
+              <a:t>std</a:t>
+            </a:r>
+            <a:r>
+              <a:rPr lang="pt-BR" sz="2400" dirty="0">
+                <a:solidFill>
+                  <a:schemeClr val="tx1"/>
+                </a:solidFill>
+                <a:latin typeface="Times New Roman" panose="02020603050405020304" pitchFamily="18" charset="0"/>
+                <a:cs typeface="Times New Roman" panose="02020603050405020304" pitchFamily="18" charset="0"/>
+              </a:rPr>
+              <a:t>;</a:t>
+            </a:r>
+          </a:p>
+          <a:p>
+            <a:pPr marL="0" indent="0" algn="just">
+              <a:buNone/>
+            </a:pPr>
+            <a:r>
+              <a:rPr lang="pt-BR" sz="2400" b="1" dirty="0" err="1">
+                <a:solidFill>
+                  <a:schemeClr val="tx1"/>
+                </a:solidFill>
+                <a:latin typeface="Times New Roman" panose="02020603050405020304" pitchFamily="18" charset="0"/>
+                <a:cs typeface="Times New Roman" panose="02020603050405020304" pitchFamily="18" charset="0"/>
+              </a:rPr>
+              <a:t>struct</a:t>
+            </a:r>
+            <a:r>
+              <a:rPr lang="pt-BR" sz="2400" dirty="0">
+                <a:solidFill>
+                  <a:schemeClr val="tx1"/>
+                </a:solidFill>
+                <a:latin typeface="Times New Roman" panose="02020603050405020304" pitchFamily="18" charset="0"/>
+                <a:cs typeface="Times New Roman" panose="02020603050405020304" pitchFamily="18" charset="0"/>
+              </a:rPr>
+              <a:t> </a:t>
+            </a:r>
+            <a:r>
+              <a:rPr lang="pt-BR" sz="2400" b="1" dirty="0">
+                <a:solidFill>
+                  <a:srgbClr val="FF0000"/>
+                </a:solidFill>
+                <a:latin typeface="Times New Roman" panose="02020603050405020304" pitchFamily="18" charset="0"/>
+                <a:cs typeface="Times New Roman" panose="02020603050405020304" pitchFamily="18" charset="0"/>
+              </a:rPr>
+              <a:t>Cliente</a:t>
+            </a:r>
+            <a:r>
+              <a:rPr lang="pt-BR" sz="2400" dirty="0">
+                <a:solidFill>
+                  <a:schemeClr val="tx1"/>
+                </a:solidFill>
+                <a:latin typeface="Times New Roman" panose="02020603050405020304" pitchFamily="18" charset="0"/>
+                <a:cs typeface="Times New Roman" panose="02020603050405020304" pitchFamily="18" charset="0"/>
+              </a:rPr>
+              <a:t> {</a:t>
+            </a:r>
+          </a:p>
+          <a:p>
+            <a:pPr marL="0" indent="0" algn="just">
+              <a:buNone/>
+            </a:pPr>
+            <a:r>
+              <a:rPr lang="pt-BR" sz="2400" dirty="0">
+                <a:solidFill>
+                  <a:schemeClr val="tx1"/>
+                </a:solidFill>
+                <a:latin typeface="Times New Roman" panose="02020603050405020304" pitchFamily="18" charset="0"/>
+                <a:cs typeface="Times New Roman" panose="02020603050405020304" pitchFamily="18" charset="0"/>
+              </a:rPr>
+              <a:t>	</a:t>
+            </a:r>
+            <a:r>
+              <a:rPr lang="pt-BR" sz="2400" b="1" dirty="0">
+                <a:solidFill>
+                  <a:schemeClr val="tx1"/>
+                </a:solidFill>
+                <a:latin typeface="Times New Roman" panose="02020603050405020304" pitchFamily="18" charset="0"/>
+                <a:cs typeface="Times New Roman" panose="02020603050405020304" pitchFamily="18" charset="0"/>
+              </a:rPr>
+              <a:t>char</a:t>
+            </a:r>
+            <a:r>
+              <a:rPr lang="pt-BR" sz="2400" dirty="0">
+                <a:solidFill>
+                  <a:schemeClr val="tx1"/>
+                </a:solidFill>
+                <a:latin typeface="Times New Roman" panose="02020603050405020304" pitchFamily="18" charset="0"/>
+                <a:cs typeface="Times New Roman" panose="02020603050405020304" pitchFamily="18" charset="0"/>
+              </a:rPr>
+              <a:t> nome[200];</a:t>
+            </a:r>
+          </a:p>
+          <a:p>
+            <a:pPr marL="0" indent="0" algn="just">
+              <a:buNone/>
+            </a:pPr>
+            <a:r>
+              <a:rPr lang="pt-BR" sz="2400" dirty="0">
+                <a:solidFill>
+                  <a:schemeClr val="tx1"/>
+                </a:solidFill>
+                <a:latin typeface="Times New Roman" panose="02020603050405020304" pitchFamily="18" charset="0"/>
+                <a:cs typeface="Times New Roman" panose="02020603050405020304" pitchFamily="18" charset="0"/>
+              </a:rPr>
+              <a:t>	</a:t>
+            </a:r>
+            <a:r>
+              <a:rPr lang="pt-BR" sz="2400" b="1" dirty="0">
+                <a:solidFill>
+                  <a:schemeClr val="tx1"/>
+                </a:solidFill>
+                <a:latin typeface="Times New Roman" panose="02020603050405020304" pitchFamily="18" charset="0"/>
+                <a:cs typeface="Times New Roman" panose="02020603050405020304" pitchFamily="18" charset="0"/>
+              </a:rPr>
+              <a:t>char</a:t>
+            </a:r>
+            <a:r>
+              <a:rPr lang="pt-BR" sz="2400" dirty="0">
+                <a:solidFill>
+                  <a:schemeClr val="tx1"/>
+                </a:solidFill>
+                <a:latin typeface="Times New Roman" panose="02020603050405020304" pitchFamily="18" charset="0"/>
+                <a:cs typeface="Times New Roman" panose="02020603050405020304" pitchFamily="18" charset="0"/>
+              </a:rPr>
+              <a:t> </a:t>
+            </a:r>
+            <a:r>
+              <a:rPr lang="pt-BR" sz="2400" dirty="0" err="1">
+                <a:solidFill>
+                  <a:schemeClr val="tx1"/>
+                </a:solidFill>
+                <a:latin typeface="Times New Roman" panose="02020603050405020304" pitchFamily="18" charset="0"/>
+                <a:cs typeface="Times New Roman" panose="02020603050405020304" pitchFamily="18" charset="0"/>
+              </a:rPr>
+              <a:t>cpf</a:t>
+            </a:r>
+            <a:r>
+              <a:rPr lang="pt-BR" sz="2400" dirty="0">
+                <a:solidFill>
+                  <a:schemeClr val="tx1"/>
+                </a:solidFill>
+                <a:latin typeface="Times New Roman" panose="02020603050405020304" pitchFamily="18" charset="0"/>
+                <a:cs typeface="Times New Roman" panose="02020603050405020304" pitchFamily="18" charset="0"/>
+              </a:rPr>
+              <a:t>[11];</a:t>
+            </a:r>
+          </a:p>
+          <a:p>
+            <a:pPr marL="0" indent="0" algn="just">
+              <a:buNone/>
+            </a:pPr>
+            <a:r>
+              <a:rPr lang="pt-BR" sz="2400" dirty="0">
+                <a:solidFill>
+                  <a:schemeClr val="tx1"/>
+                </a:solidFill>
+                <a:latin typeface="Times New Roman" panose="02020603050405020304" pitchFamily="18" charset="0"/>
+                <a:cs typeface="Times New Roman" panose="02020603050405020304" pitchFamily="18" charset="0"/>
+              </a:rPr>
+              <a:t>	</a:t>
+            </a:r>
+            <a:r>
+              <a:rPr lang="pt-BR" sz="2400" b="1" dirty="0" err="1">
+                <a:solidFill>
+                  <a:schemeClr val="tx1"/>
+                </a:solidFill>
+                <a:latin typeface="Times New Roman" panose="02020603050405020304" pitchFamily="18" charset="0"/>
+                <a:cs typeface="Times New Roman" panose="02020603050405020304" pitchFamily="18" charset="0"/>
+              </a:rPr>
+              <a:t>float</a:t>
+            </a:r>
+            <a:r>
+              <a:rPr lang="pt-BR" sz="2400" dirty="0">
+                <a:solidFill>
+                  <a:schemeClr val="tx1"/>
+                </a:solidFill>
+                <a:latin typeface="Times New Roman" panose="02020603050405020304" pitchFamily="18" charset="0"/>
+                <a:cs typeface="Times New Roman" panose="02020603050405020304" pitchFamily="18" charset="0"/>
+              </a:rPr>
+              <a:t> limite;</a:t>
+            </a:r>
+          </a:p>
+          <a:p>
+            <a:pPr marL="0" indent="0" algn="just">
+              <a:buNone/>
+            </a:pPr>
+            <a:r>
+              <a:rPr lang="pt-BR" sz="2400" dirty="0">
+                <a:solidFill>
+                  <a:schemeClr val="tx1"/>
+                </a:solidFill>
+                <a:latin typeface="Times New Roman" panose="02020603050405020304" pitchFamily="18" charset="0"/>
+                <a:cs typeface="Times New Roman" panose="02020603050405020304" pitchFamily="18" charset="0"/>
+              </a:rPr>
+              <a:t>	</a:t>
+            </a:r>
+            <a:r>
+              <a:rPr lang="pt-BR" sz="2400" b="1" dirty="0" err="1">
+                <a:solidFill>
+                  <a:schemeClr val="tx1"/>
+                </a:solidFill>
+                <a:latin typeface="Times New Roman" panose="02020603050405020304" pitchFamily="18" charset="0"/>
+                <a:cs typeface="Times New Roman" panose="02020603050405020304" pitchFamily="18" charset="0"/>
+              </a:rPr>
+              <a:t>int</a:t>
+            </a:r>
+            <a:r>
+              <a:rPr lang="pt-BR" sz="2400" dirty="0">
+                <a:solidFill>
+                  <a:schemeClr val="tx1"/>
+                </a:solidFill>
+                <a:latin typeface="Times New Roman" panose="02020603050405020304" pitchFamily="18" charset="0"/>
+                <a:cs typeface="Times New Roman" panose="02020603050405020304" pitchFamily="18" charset="0"/>
+              </a:rPr>
+              <a:t> compras;</a:t>
+            </a:r>
+          </a:p>
+          <a:p>
+            <a:pPr marL="0" indent="0" algn="just">
+              <a:buNone/>
+            </a:pPr>
+            <a:r>
+              <a:rPr lang="pt-BR" sz="2400" dirty="0">
+                <a:solidFill>
+                  <a:schemeClr val="tx1"/>
+                </a:solidFill>
+                <a:latin typeface="Times New Roman" panose="02020603050405020304" pitchFamily="18" charset="0"/>
+                <a:cs typeface="Times New Roman" panose="02020603050405020304" pitchFamily="18" charset="0"/>
+              </a:rPr>
+              <a:t>};</a:t>
+            </a:r>
+            <a:endParaRPr lang="pt-BR" sz="2400" dirty="0"/>
+          </a:p>
+        </p:txBody>
+      </p:sp>
+      <p:sp>
+        <p:nvSpPr>
+          <p:cNvPr id="7" name="CaixaDeTexto 6">
+            <a:extLst>
+              <a:ext uri="{FF2B5EF4-FFF2-40B4-BE49-F238E27FC236}">
+                <a16:creationId xmlns:a16="http://schemas.microsoft.com/office/drawing/2014/main" id="{E4852F60-C492-4ADE-A7A1-83433CCBD955}"/>
+              </a:ext>
+            </a:extLst>
+          </p:cNvPr>
+          <p:cNvSpPr txBox="1"/>
+          <p:nvPr/>
+        </p:nvSpPr>
+        <p:spPr>
+          <a:xfrm>
+            <a:off x="3494762" y="1628888"/>
+            <a:ext cx="5513159" cy="2677656"/>
+          </a:xfrm>
+          <a:prstGeom prst="rect">
+            <a:avLst/>
+          </a:prstGeom>
+          <a:noFill/>
+        </p:spPr>
+        <p:txBody>
+          <a:bodyPr wrap="square" rtlCol="0">
+            <a:spAutoFit/>
+          </a:bodyPr>
+          <a:lstStyle/>
+          <a:p>
+            <a:pPr marL="0" indent="0" algn="just">
+              <a:buNone/>
+            </a:pPr>
+            <a:r>
+              <a:rPr lang="pt-BR" sz="2400" b="1" dirty="0" err="1">
+                <a:solidFill>
+                  <a:schemeClr val="tx1"/>
+                </a:solidFill>
+                <a:latin typeface="Times New Roman" panose="02020603050405020304" pitchFamily="18" charset="0"/>
+                <a:cs typeface="Times New Roman" panose="02020603050405020304" pitchFamily="18" charset="0"/>
+              </a:rPr>
+              <a:t>int</a:t>
+            </a:r>
+            <a:r>
+              <a:rPr lang="pt-BR" sz="2400" dirty="0">
+                <a:solidFill>
+                  <a:schemeClr val="tx1"/>
+                </a:solidFill>
+                <a:latin typeface="Times New Roman" panose="02020603050405020304" pitchFamily="18" charset="0"/>
+                <a:cs typeface="Times New Roman" panose="02020603050405020304" pitchFamily="18" charset="0"/>
+              </a:rPr>
+              <a:t> </a:t>
+            </a:r>
+            <a:r>
+              <a:rPr lang="pt-BR" sz="2400" dirty="0" err="1">
+                <a:solidFill>
+                  <a:schemeClr val="tx1"/>
+                </a:solidFill>
+                <a:latin typeface="Times New Roman" panose="02020603050405020304" pitchFamily="18" charset="0"/>
+                <a:cs typeface="Times New Roman" panose="02020603050405020304" pitchFamily="18" charset="0"/>
+              </a:rPr>
+              <a:t>main</a:t>
+            </a:r>
+            <a:r>
+              <a:rPr lang="pt-BR" sz="2400" dirty="0">
+                <a:solidFill>
+                  <a:schemeClr val="tx1"/>
+                </a:solidFill>
+                <a:latin typeface="Times New Roman" panose="02020603050405020304" pitchFamily="18" charset="0"/>
+                <a:cs typeface="Times New Roman" panose="02020603050405020304" pitchFamily="18" charset="0"/>
+              </a:rPr>
+              <a:t>() {</a:t>
+            </a:r>
+          </a:p>
+          <a:p>
+            <a:pPr marL="0" indent="0" algn="just">
+              <a:buNone/>
+            </a:pPr>
+            <a:r>
+              <a:rPr lang="pt-BR" sz="2400" b="1" dirty="0">
+                <a:solidFill>
+                  <a:schemeClr val="tx1"/>
+                </a:solidFill>
+                <a:latin typeface="Times New Roman" panose="02020603050405020304" pitchFamily="18" charset="0"/>
+                <a:cs typeface="Times New Roman" panose="02020603050405020304" pitchFamily="18" charset="0"/>
+              </a:rPr>
+              <a:t>   </a:t>
+            </a:r>
+            <a:r>
+              <a:rPr lang="pt-BR" sz="2400" b="1" dirty="0" err="1">
+                <a:solidFill>
+                  <a:schemeClr val="tx1"/>
+                </a:solidFill>
+                <a:latin typeface="Times New Roman" panose="02020603050405020304" pitchFamily="18" charset="0"/>
+                <a:cs typeface="Times New Roman" panose="02020603050405020304" pitchFamily="18" charset="0"/>
+              </a:rPr>
+              <a:t>struct</a:t>
+            </a:r>
+            <a:r>
+              <a:rPr lang="pt-BR" sz="2400" dirty="0">
+                <a:solidFill>
+                  <a:schemeClr val="tx1"/>
+                </a:solidFill>
+                <a:latin typeface="Times New Roman" panose="02020603050405020304" pitchFamily="18" charset="0"/>
+                <a:cs typeface="Times New Roman" panose="02020603050405020304" pitchFamily="18" charset="0"/>
+              </a:rPr>
+              <a:t> Cliente </a:t>
+            </a:r>
+            <a:r>
+              <a:rPr lang="pt-BR" sz="2400" b="1" dirty="0" err="1">
+                <a:solidFill>
+                  <a:srgbClr val="FF0000"/>
+                </a:solidFill>
+                <a:latin typeface="Times New Roman" panose="02020603050405020304" pitchFamily="18" charset="0"/>
+                <a:cs typeface="Times New Roman" panose="02020603050405020304" pitchFamily="18" charset="0"/>
+              </a:rPr>
+              <a:t>umCliente</a:t>
+            </a:r>
+            <a:r>
+              <a:rPr lang="pt-BR" sz="2400" dirty="0">
+                <a:solidFill>
+                  <a:schemeClr val="tx1"/>
+                </a:solidFill>
+                <a:latin typeface="Times New Roman" panose="02020603050405020304" pitchFamily="18" charset="0"/>
+                <a:cs typeface="Times New Roman" panose="02020603050405020304" pitchFamily="18" charset="0"/>
+              </a:rPr>
+              <a:t>;</a:t>
+            </a:r>
+          </a:p>
+          <a:p>
+            <a:pPr marL="0" indent="0" algn="just">
+              <a:buNone/>
+            </a:pPr>
+            <a:r>
+              <a:rPr lang="pt-BR" sz="2400" b="1" dirty="0">
+                <a:solidFill>
+                  <a:schemeClr val="tx1"/>
+                </a:solidFill>
+                <a:latin typeface="Times New Roman" panose="02020603050405020304" pitchFamily="18" charset="0"/>
+                <a:cs typeface="Times New Roman" panose="02020603050405020304" pitchFamily="18" charset="0"/>
+              </a:rPr>
+              <a:t>   </a:t>
+            </a:r>
+            <a:r>
+              <a:rPr lang="pt-BR" sz="2400" b="1" dirty="0" err="1">
+                <a:solidFill>
+                  <a:schemeClr val="tx1"/>
+                </a:solidFill>
+                <a:latin typeface="Times New Roman" panose="02020603050405020304" pitchFamily="18" charset="0"/>
+                <a:cs typeface="Times New Roman" panose="02020603050405020304" pitchFamily="18" charset="0"/>
+              </a:rPr>
+              <a:t>strcpy</a:t>
+            </a:r>
+            <a:r>
+              <a:rPr lang="pt-BR" sz="2400" dirty="0">
+                <a:solidFill>
+                  <a:schemeClr val="tx1"/>
+                </a:solidFill>
+                <a:latin typeface="Times New Roman" panose="02020603050405020304" pitchFamily="18" charset="0"/>
+                <a:cs typeface="Times New Roman" panose="02020603050405020304" pitchFamily="18" charset="0"/>
+              </a:rPr>
+              <a:t>(</a:t>
+            </a:r>
+            <a:r>
+              <a:rPr lang="pt-BR" sz="2400" b="1" dirty="0" err="1">
+                <a:solidFill>
+                  <a:srgbClr val="FF0000"/>
+                </a:solidFill>
+                <a:latin typeface="Times New Roman" panose="02020603050405020304" pitchFamily="18" charset="0"/>
+                <a:cs typeface="Times New Roman" panose="02020603050405020304" pitchFamily="18" charset="0"/>
+              </a:rPr>
+              <a:t>umCliente</a:t>
+            </a:r>
+            <a:r>
+              <a:rPr lang="pt-BR" sz="2400" dirty="0" err="1">
                 <a:solidFill>
                   <a:schemeClr val="tx1"/>
                 </a:solidFill>
@@ -8727,13 +8695,234 @@
               </a:rPr>
               <a:t>.</a:t>
             </a:r>
+            <a:r>
+              <a:rPr lang="pt-BR" sz="2400" b="1" dirty="0" err="1">
+                <a:solidFill>
+                  <a:schemeClr val="tx1"/>
+                </a:solidFill>
+                <a:latin typeface="Times New Roman" panose="02020603050405020304" pitchFamily="18" charset="0"/>
+                <a:cs typeface="Times New Roman" panose="02020603050405020304" pitchFamily="18" charset="0"/>
+              </a:rPr>
+              <a:t>nome</a:t>
+            </a:r>
+            <a:r>
+              <a:rPr lang="pt-BR" sz="2400" dirty="0">
+                <a:solidFill>
+                  <a:schemeClr val="tx1"/>
+                </a:solidFill>
+                <a:latin typeface="Times New Roman" panose="02020603050405020304" pitchFamily="18" charset="0"/>
+                <a:cs typeface="Times New Roman" panose="02020603050405020304" pitchFamily="18" charset="0"/>
+              </a:rPr>
+              <a:t>, "Fulano“);</a:t>
+            </a:r>
+          </a:p>
+          <a:p>
+            <a:pPr marL="0" indent="0" algn="just">
+              <a:buNone/>
+            </a:pPr>
+            <a:r>
+              <a:rPr lang="pt-BR" sz="2400" b="1" dirty="0">
+                <a:solidFill>
+                  <a:schemeClr val="tx1"/>
+                </a:solidFill>
+                <a:latin typeface="Times New Roman" panose="02020603050405020304" pitchFamily="18" charset="0"/>
+                <a:cs typeface="Times New Roman" panose="02020603050405020304" pitchFamily="18" charset="0"/>
+              </a:rPr>
+              <a:t>   </a:t>
+            </a:r>
+            <a:r>
+              <a:rPr lang="pt-BR" sz="2400" b="1" dirty="0" err="1">
+                <a:solidFill>
+                  <a:schemeClr val="tx1"/>
+                </a:solidFill>
+                <a:latin typeface="Times New Roman" panose="02020603050405020304" pitchFamily="18" charset="0"/>
+                <a:cs typeface="Times New Roman" panose="02020603050405020304" pitchFamily="18" charset="0"/>
+              </a:rPr>
+              <a:t>strcpy</a:t>
+            </a:r>
+            <a:r>
+              <a:rPr lang="pt-BR" sz="2400" dirty="0">
+                <a:solidFill>
+                  <a:schemeClr val="tx1"/>
+                </a:solidFill>
+                <a:latin typeface="Times New Roman" panose="02020603050405020304" pitchFamily="18" charset="0"/>
+                <a:cs typeface="Times New Roman" panose="02020603050405020304" pitchFamily="18" charset="0"/>
+              </a:rPr>
+              <a:t>(</a:t>
+            </a:r>
+            <a:r>
+              <a:rPr lang="pt-BR" sz="2400" b="1" dirty="0" err="1">
+                <a:solidFill>
+                  <a:srgbClr val="FF0000"/>
+                </a:solidFill>
+                <a:latin typeface="Times New Roman" panose="02020603050405020304" pitchFamily="18" charset="0"/>
+                <a:cs typeface="Times New Roman" panose="02020603050405020304" pitchFamily="18" charset="0"/>
+              </a:rPr>
+              <a:t>umCliente</a:t>
+            </a:r>
+            <a:r>
+              <a:rPr lang="pt-BR" sz="2400" dirty="0" err="1">
+                <a:solidFill>
+                  <a:schemeClr val="tx1"/>
+                </a:solidFill>
+                <a:latin typeface="Times New Roman" panose="02020603050405020304" pitchFamily="18" charset="0"/>
+                <a:cs typeface="Times New Roman" panose="02020603050405020304" pitchFamily="18" charset="0"/>
+              </a:rPr>
+              <a:t>.</a:t>
+            </a:r>
+            <a:r>
+              <a:rPr lang="pt-BR" sz="2400" b="1" dirty="0" err="1">
+                <a:solidFill>
+                  <a:schemeClr val="tx1"/>
+                </a:solidFill>
+                <a:latin typeface="Times New Roman" panose="02020603050405020304" pitchFamily="18" charset="0"/>
+                <a:cs typeface="Times New Roman" panose="02020603050405020304" pitchFamily="18" charset="0"/>
+              </a:rPr>
+              <a:t>cpf</a:t>
+            </a:r>
+            <a:r>
+              <a:rPr lang="pt-BR" sz="2400" dirty="0">
+                <a:solidFill>
+                  <a:schemeClr val="tx1"/>
+                </a:solidFill>
+                <a:latin typeface="Times New Roman" panose="02020603050405020304" pitchFamily="18" charset="0"/>
+                <a:cs typeface="Times New Roman" panose="02020603050405020304" pitchFamily="18" charset="0"/>
+              </a:rPr>
+              <a:t>, "01234567890“);</a:t>
+            </a:r>
+          </a:p>
+          <a:p>
+            <a:pPr marL="0" indent="0" algn="just">
+              <a:buNone/>
+            </a:pPr>
+            <a:r>
+              <a:rPr lang="pt-BR" sz="2400" b="1" dirty="0">
+                <a:solidFill>
+                  <a:srgbClr val="FF0000"/>
+                </a:solidFill>
+                <a:latin typeface="Times New Roman" panose="02020603050405020304" pitchFamily="18" charset="0"/>
+                <a:cs typeface="Times New Roman" panose="02020603050405020304" pitchFamily="18" charset="0"/>
+              </a:rPr>
+              <a:t>   </a:t>
+            </a:r>
+            <a:r>
+              <a:rPr lang="pt-BR" sz="2400" b="1" dirty="0" err="1">
+                <a:solidFill>
+                  <a:srgbClr val="FF0000"/>
+                </a:solidFill>
+                <a:latin typeface="Times New Roman" panose="02020603050405020304" pitchFamily="18" charset="0"/>
+                <a:cs typeface="Times New Roman" panose="02020603050405020304" pitchFamily="18" charset="0"/>
+              </a:rPr>
+              <a:t>umCliente</a:t>
+            </a:r>
+            <a:r>
+              <a:rPr lang="pt-BR" sz="2400" dirty="0" err="1">
+                <a:solidFill>
+                  <a:schemeClr val="tx1"/>
+                </a:solidFill>
+                <a:latin typeface="Times New Roman" panose="02020603050405020304" pitchFamily="18" charset="0"/>
+                <a:cs typeface="Times New Roman" panose="02020603050405020304" pitchFamily="18" charset="0"/>
+              </a:rPr>
+              <a:t>.</a:t>
+            </a:r>
+            <a:r>
+              <a:rPr lang="pt-BR" sz="2400" b="1" dirty="0" err="1">
+                <a:solidFill>
+                  <a:schemeClr val="tx1"/>
+                </a:solidFill>
+                <a:latin typeface="Times New Roman" panose="02020603050405020304" pitchFamily="18" charset="0"/>
+                <a:cs typeface="Times New Roman" panose="02020603050405020304" pitchFamily="18" charset="0"/>
+              </a:rPr>
+              <a:t>limite</a:t>
+            </a:r>
+            <a:r>
+              <a:rPr lang="pt-BR" sz="2400" dirty="0">
+                <a:solidFill>
+                  <a:schemeClr val="tx1"/>
+                </a:solidFill>
+                <a:latin typeface="Times New Roman" panose="02020603050405020304" pitchFamily="18" charset="0"/>
+                <a:cs typeface="Times New Roman" panose="02020603050405020304" pitchFamily="18" charset="0"/>
+              </a:rPr>
+              <a:t> = 5000.0;</a:t>
+            </a:r>
+          </a:p>
+          <a:p>
+            <a:pPr marL="0" indent="0" algn="just">
+              <a:buNone/>
+            </a:pPr>
+            <a:r>
+              <a:rPr lang="pt-BR" sz="2400" b="1" dirty="0">
+                <a:solidFill>
+                  <a:srgbClr val="FF0000"/>
+                </a:solidFill>
+                <a:latin typeface="Times New Roman" panose="02020603050405020304" pitchFamily="18" charset="0"/>
+                <a:cs typeface="Times New Roman" panose="02020603050405020304" pitchFamily="18" charset="0"/>
+              </a:rPr>
+              <a:t>   </a:t>
+            </a:r>
+            <a:r>
+              <a:rPr lang="pt-BR" sz="2400" b="1" dirty="0" err="1">
+                <a:solidFill>
+                  <a:srgbClr val="FF0000"/>
+                </a:solidFill>
+                <a:latin typeface="Times New Roman" panose="02020603050405020304" pitchFamily="18" charset="0"/>
+                <a:cs typeface="Times New Roman" panose="02020603050405020304" pitchFamily="18" charset="0"/>
+              </a:rPr>
+              <a:t>umCliente</a:t>
+            </a:r>
+            <a:r>
+              <a:rPr lang="pt-BR" sz="2400" dirty="0" err="1">
+                <a:solidFill>
+                  <a:schemeClr val="tx1"/>
+                </a:solidFill>
+                <a:latin typeface="Times New Roman" panose="02020603050405020304" pitchFamily="18" charset="0"/>
+                <a:cs typeface="Times New Roman" panose="02020603050405020304" pitchFamily="18" charset="0"/>
+              </a:rPr>
+              <a:t>.</a:t>
+            </a:r>
+            <a:r>
+              <a:rPr lang="pt-BR" sz="2400" b="1" dirty="0" err="1">
+                <a:solidFill>
+                  <a:schemeClr val="tx1"/>
+                </a:solidFill>
+                <a:latin typeface="Times New Roman" panose="02020603050405020304" pitchFamily="18" charset="0"/>
+                <a:cs typeface="Times New Roman" panose="02020603050405020304" pitchFamily="18" charset="0"/>
+              </a:rPr>
+              <a:t>compras</a:t>
+            </a:r>
+            <a:r>
+              <a:rPr lang="pt-BR" sz="2400" dirty="0">
+                <a:solidFill>
+                  <a:schemeClr val="tx1"/>
+                </a:solidFill>
+                <a:latin typeface="Times New Roman" panose="02020603050405020304" pitchFamily="18" charset="0"/>
+                <a:cs typeface="Times New Roman" panose="02020603050405020304" pitchFamily="18" charset="0"/>
+              </a:rPr>
+              <a:t> = 0;</a:t>
+            </a:r>
+          </a:p>
+          <a:p>
+            <a:pPr marL="0" indent="0" algn="just">
+              <a:buNone/>
+            </a:pPr>
+            <a:r>
+              <a:rPr lang="pt-BR" sz="2400" dirty="0">
+                <a:solidFill>
+                  <a:schemeClr val="tx1"/>
+                </a:solidFill>
+                <a:latin typeface="Times New Roman" panose="02020603050405020304" pitchFamily="18" charset="0"/>
+                <a:cs typeface="Times New Roman" panose="02020603050405020304" pitchFamily="18" charset="0"/>
+              </a:rPr>
+              <a:t>}</a:t>
+            </a:r>
+            <a:endParaRPr lang="pt-BR" sz="2400" dirty="0"/>
           </a:p>
         </p:txBody>
       </p:sp>
     </p:spTree>
     <p:extLst>
       <p:ext uri="{BB962C8B-B14F-4D97-AF65-F5344CB8AC3E}">
-        <p14:creationId xmlns:p14="http://schemas.microsoft.com/office/powerpoint/2010/main" val="2125755638"/>
+        <p14:creationId xmlns:p14="http://schemas.microsoft.com/office/powerpoint/2010/main" val="671563937"/>
       </p:ext>
     </p:extLst>
   </p:cSld>
@@ -8784,7 +8973,7 @@
                   <a:srgbClr val="0070C0"/>
                 </a:solidFill>
               </a:rPr>
-              <a:t>Python – </a:t>
+              <a:t>Python – TD </a:t>
             </a:r>
             <a:r>
               <a:rPr lang="en-US" b="1" dirty="0" err="1">
@@ -8792,7 +8981,7 @@
                   <a:srgbClr val="0070C0"/>
                 </a:solidFill>
               </a:rPr>
-              <a:t>TDados</a:t>
+              <a:t>Aglomerados</a:t>
             </a:r>
             <a:r>
               <a:rPr lang="en-US" b="1" dirty="0">
@@ -8808,23 +8997,7 @@
                   <a:srgbClr val="0070C0"/>
                 </a:solidFill>
               </a:rPr>
-              <a:t>Aglomerados</a:t>
-            </a:r>
-            <a:r>
-              <a:rPr lang="en-US" b="1" dirty="0">
-                <a:solidFill>
-                  <a:srgbClr val="0070C0"/>
-                </a:solidFill>
-              </a:rPr>
-              <a:t> </a:t>
-            </a:r>
-            <a:r>
-              <a:rPr lang="en-US" b="1" dirty="0" err="1">
-                <a:solidFill>
-                  <a:srgbClr val="0070C0"/>
-                </a:solidFill>
-              </a:rPr>
-              <a:t>Tuplas</a:t>
+              <a:t>Registros</a:t>
             </a:r>
             <a:endParaRPr lang="en-US" b="1" dirty="0">
               <a:solidFill>
@@ -8856,198 +9029,37 @@
           </a:bodyPr>
           <a:lstStyle/>
           <a:p>
-            <a:pPr algn="just">
-              <a:buFont typeface="Wingdings" panose="05000000000000000000" pitchFamily="2" charset="2"/>
-              <a:buChar char="§"/>
+            <a:pPr marL="0" indent="0" algn="just">
+              <a:buNone/>
             </a:pPr>
             <a:r>
-              <a:rPr lang="pt-BR" sz="3200" b="1" dirty="0">
+              <a:rPr lang="pt-BR" sz="2400" b="1" dirty="0">
                 <a:solidFill>
                   <a:srgbClr val="FF0000"/>
                 </a:solidFill>
                 <a:latin typeface="Times New Roman" panose="02020603050405020304" pitchFamily="18" charset="0"/>
                 <a:cs typeface="Times New Roman" panose="02020603050405020304" pitchFamily="18" charset="0"/>
               </a:rPr>
-              <a:t> </a:t>
-            </a:r>
-            <a:r>
-              <a:rPr lang="pt-BR" sz="3200" b="1" dirty="0" err="1">
+              <a:t>Registro (Exemplo: </a:t>
+            </a:r>
+            <a:r>
+              <a:rPr lang="pt-BR" sz="2400" b="1" dirty="0">
+                <a:latin typeface="Times New Roman" panose="02020603050405020304" pitchFamily="18" charset="0"/>
+                <a:cs typeface="Times New Roman" panose="02020603050405020304" pitchFamily="18" charset="0"/>
+              </a:rPr>
+              <a:t>Python</a:t>
+            </a:r>
+            <a:r>
+              <a:rPr lang="pt-BR" sz="2400" b="1" dirty="0">
                 <a:solidFill>
                   <a:srgbClr val="FF0000"/>
                 </a:solidFill>
                 <a:latin typeface="Times New Roman" panose="02020603050405020304" pitchFamily="18" charset="0"/>
                 <a:cs typeface="Times New Roman" panose="02020603050405020304" pitchFamily="18" charset="0"/>
               </a:rPr>
-              <a:t>Tuplas</a:t>
-            </a:r>
-            <a:r>
-              <a:rPr lang="pt-BR" sz="3200" b="1" dirty="0">
-                <a:latin typeface="Times New Roman" panose="02020603050405020304" pitchFamily="18" charset="0"/>
-                <a:cs typeface="Times New Roman" panose="02020603050405020304" pitchFamily="18" charset="0"/>
-              </a:rPr>
-              <a:t> - Agrupamentos</a:t>
-            </a:r>
-            <a:r>
-              <a:rPr lang="pt-BR" sz="3200" dirty="0">
-                <a:latin typeface="Times New Roman" panose="02020603050405020304" pitchFamily="18" charset="0"/>
-                <a:cs typeface="Times New Roman" panose="02020603050405020304" pitchFamily="18" charset="0"/>
-              </a:rPr>
-              <a:t> de dados </a:t>
-            </a:r>
-            <a:r>
-              <a:rPr lang="pt-BR" sz="3200" b="1" dirty="0">
-                <a:solidFill>
-                  <a:srgbClr val="FF0000"/>
-                </a:solidFill>
-                <a:latin typeface="Times New Roman" panose="02020603050405020304" pitchFamily="18" charset="0"/>
-                <a:cs typeface="Times New Roman" panose="02020603050405020304" pitchFamily="18" charset="0"/>
-              </a:rPr>
-              <a:t>não nomeados </a:t>
-            </a:r>
-          </a:p>
-          <a:p>
-            <a:pPr marL="0" indent="0" algn="just">
-              <a:buNone/>
-            </a:pPr>
-            <a:r>
-              <a:rPr lang="pt-BR" sz="3200" dirty="0">
-                <a:latin typeface="Times New Roman" panose="02020603050405020304" pitchFamily="18" charset="0"/>
-                <a:cs typeface="Times New Roman" panose="02020603050405020304" pitchFamily="18" charset="0"/>
-              </a:rPr>
-              <a:t>– Existe em Python, F#</a:t>
-            </a:r>
-            <a:r>
-              <a:rPr lang="pt-BR" sz="3200" dirty="0">
-                <a:solidFill>
-                  <a:schemeClr val="tx1"/>
-                </a:solidFill>
-                <a:latin typeface="Times New Roman" panose="02020603050405020304" pitchFamily="18" charset="0"/>
-                <a:cs typeface="Times New Roman" panose="02020603050405020304" pitchFamily="18" charset="0"/>
-              </a:rPr>
-              <a:t> (F Sharp .NET), </a:t>
-            </a:r>
-            <a:r>
-              <a:rPr lang="pt-BR" sz="3200" dirty="0" err="1">
-                <a:solidFill>
-                  <a:schemeClr val="tx1"/>
-                </a:solidFill>
-                <a:latin typeface="Times New Roman" panose="02020603050405020304" pitchFamily="18" charset="0"/>
-                <a:cs typeface="Times New Roman" panose="02020603050405020304" pitchFamily="18" charset="0"/>
-              </a:rPr>
-              <a:t>etc</a:t>
-            </a:r>
-            <a:r>
-              <a:rPr lang="pt-BR" sz="3200" dirty="0">
-                <a:latin typeface="Times New Roman" panose="02020603050405020304" pitchFamily="18" charset="0"/>
-                <a:cs typeface="Times New Roman" panose="02020603050405020304" pitchFamily="18" charset="0"/>
-              </a:rPr>
-              <a:t> </a:t>
-            </a:r>
-          </a:p>
-          <a:p>
-            <a:pPr marL="0" indent="0" algn="just">
-              <a:buNone/>
-            </a:pPr>
-            <a:r>
-              <a:rPr lang="pt-BR" sz="3200" dirty="0">
-                <a:latin typeface="Times New Roman" panose="02020603050405020304" pitchFamily="18" charset="0"/>
-                <a:cs typeface="Times New Roman" panose="02020603050405020304" pitchFamily="18" charset="0"/>
-              </a:rPr>
-              <a:t>– É como definir um </a:t>
-            </a:r>
-            <a:r>
-              <a:rPr lang="pt-BR" sz="3200" b="1" dirty="0">
-                <a:latin typeface="Times New Roman" panose="02020603050405020304" pitchFamily="18" charset="0"/>
-                <a:cs typeface="Times New Roman" panose="02020603050405020304" pitchFamily="18" charset="0"/>
-              </a:rPr>
-              <a:t>registro</a:t>
-            </a:r>
-            <a:r>
-              <a:rPr lang="pt-BR" sz="3200" dirty="0">
-                <a:latin typeface="Times New Roman" panose="02020603050405020304" pitchFamily="18" charset="0"/>
-                <a:cs typeface="Times New Roman" panose="02020603050405020304" pitchFamily="18" charset="0"/>
-              </a:rPr>
-              <a:t>, porém </a:t>
-            </a:r>
-            <a:r>
-              <a:rPr lang="pt-BR" sz="3200" b="1" dirty="0">
-                <a:solidFill>
-                  <a:srgbClr val="FF0000"/>
-                </a:solidFill>
-                <a:latin typeface="Times New Roman" panose="02020603050405020304" pitchFamily="18" charset="0"/>
-                <a:cs typeface="Times New Roman" panose="02020603050405020304" pitchFamily="18" charset="0"/>
-              </a:rPr>
-              <a:t>imutável</a:t>
-            </a:r>
-            <a:r>
-              <a:rPr lang="pt-BR" sz="3200" dirty="0">
-                <a:latin typeface="Times New Roman" panose="02020603050405020304" pitchFamily="18" charset="0"/>
-                <a:cs typeface="Times New Roman" panose="02020603050405020304" pitchFamily="18" charset="0"/>
-              </a:rPr>
-              <a:t> </a:t>
-            </a:r>
-          </a:p>
-          <a:p>
-            <a:pPr algn="just">
-              <a:buFont typeface="Wingdings" panose="05000000000000000000" pitchFamily="2" charset="2"/>
-              <a:buChar char="§"/>
-            </a:pPr>
-            <a:r>
-              <a:rPr lang="pt-BR" sz="3200" dirty="0">
-                <a:latin typeface="Times New Roman" panose="02020603050405020304" pitchFamily="18" charset="0"/>
-                <a:cs typeface="Times New Roman" panose="02020603050405020304" pitchFamily="18" charset="0"/>
-              </a:rPr>
-              <a:t> Em </a:t>
-            </a:r>
-            <a:r>
-              <a:rPr lang="pt-BR" sz="3200" b="1" dirty="0">
-                <a:latin typeface="Times New Roman" panose="02020603050405020304" pitchFamily="18" charset="0"/>
-                <a:cs typeface="Times New Roman" panose="02020603050405020304" pitchFamily="18" charset="0"/>
-              </a:rPr>
-              <a:t>Python</a:t>
-            </a:r>
-            <a:r>
-              <a:rPr lang="pt-BR" sz="3200" dirty="0">
-                <a:latin typeface="Times New Roman" panose="02020603050405020304" pitchFamily="18" charset="0"/>
-                <a:cs typeface="Times New Roman" panose="02020603050405020304" pitchFamily="18" charset="0"/>
-              </a:rPr>
-              <a:t> são dados separados por vírgulas </a:t>
-            </a:r>
-          </a:p>
-          <a:p>
-            <a:pPr marL="0" indent="0" algn="just">
-              <a:buNone/>
-            </a:pPr>
-            <a:r>
-              <a:rPr lang="pt-BR" sz="3200" dirty="0">
-                <a:latin typeface="Times New Roman" panose="02020603050405020304" pitchFamily="18" charset="0"/>
-                <a:cs typeface="Times New Roman" panose="02020603050405020304" pitchFamily="18" charset="0"/>
-              </a:rPr>
-              <a:t>– Definido por</a:t>
-            </a:r>
-            <a:r>
-              <a:rPr lang="pt-BR" sz="3200" b="1" dirty="0">
-                <a:solidFill>
-                  <a:srgbClr val="FF0000"/>
-                </a:solidFill>
-                <a:latin typeface="Times New Roman" panose="02020603050405020304" pitchFamily="18" charset="0"/>
-                <a:cs typeface="Times New Roman" panose="02020603050405020304" pitchFamily="18" charset="0"/>
-              </a:rPr>
-              <a:t> parênteses</a:t>
-            </a:r>
-            <a:r>
-              <a:rPr lang="pt-BR" sz="3200" dirty="0">
-                <a:latin typeface="Times New Roman" panose="02020603050405020304" pitchFamily="18" charset="0"/>
-                <a:cs typeface="Times New Roman" panose="02020603050405020304" pitchFamily="18" charset="0"/>
-              </a:rPr>
-              <a:t> </a:t>
-            </a:r>
-          </a:p>
-          <a:p>
-            <a:pPr marL="0" indent="0" algn="just">
-              <a:buNone/>
-            </a:pPr>
-            <a:endParaRPr lang="pt-BR" sz="3200" dirty="0">
+              <a:t>)</a:t>
+            </a:r>
+            <a:endParaRPr lang="pt-BR" sz="2400" dirty="0">
               <a:solidFill>
                 <a:schemeClr val="tx1"/>
               </a:solidFill>
@@ -9055,12 +9067,265 @@
               <a:cs typeface="Times New Roman" panose="02020603050405020304" pitchFamily="18" charset="0"/>
             </a:endParaRPr>
           </a:p>
+          <a:p>
+            <a:pPr marL="0" indent="0" algn="just">
+              <a:buNone/>
+            </a:pPr>
+            <a:r>
+              <a:rPr lang="pt-BR" sz="2000" dirty="0">
+                <a:solidFill>
+                  <a:schemeClr val="tx1"/>
+                </a:solidFill>
+                <a:latin typeface="Times New Roman" panose="02020603050405020304" pitchFamily="18" charset="0"/>
+                <a:cs typeface="Times New Roman" panose="02020603050405020304" pitchFamily="18" charset="0"/>
+              </a:rPr>
+              <a:t> </a:t>
+            </a:r>
+          </a:p>
+          <a:p>
+            <a:pPr marL="0" indent="0" algn="just">
+              <a:buNone/>
+            </a:pPr>
+            <a:endParaRPr lang="pt-BR" sz="2000" dirty="0">
+              <a:solidFill>
+                <a:schemeClr val="tx1"/>
+              </a:solidFill>
+              <a:latin typeface="Times New Roman" panose="02020603050405020304" pitchFamily="18" charset="0"/>
+              <a:cs typeface="Times New Roman" panose="02020603050405020304" pitchFamily="18" charset="0"/>
+            </a:endParaRPr>
+          </a:p>
+        </p:txBody>
+      </p:sp>
+      <p:sp>
+        <p:nvSpPr>
+          <p:cNvPr id="3" name="CaixaDeTexto 2">
+            <a:extLst>
+              <a:ext uri="{FF2B5EF4-FFF2-40B4-BE49-F238E27FC236}">
+                <a16:creationId xmlns:a16="http://schemas.microsoft.com/office/drawing/2014/main" id="{6709984F-2047-4B0A-8173-791A8AE310FF}"/>
+              </a:ext>
+            </a:extLst>
+          </p:cNvPr>
+          <p:cNvSpPr txBox="1"/>
+          <p:nvPr/>
+        </p:nvSpPr>
+        <p:spPr>
+          <a:xfrm>
+            <a:off x="186182" y="1730007"/>
+            <a:ext cx="8206255" cy="2308324"/>
+          </a:xfrm>
+          <a:prstGeom prst="rect">
+            <a:avLst/>
+          </a:prstGeom>
+          <a:noFill/>
+        </p:spPr>
+        <p:txBody>
+          <a:bodyPr wrap="square" rtlCol="0">
+            <a:spAutoFit/>
+          </a:bodyPr>
+          <a:lstStyle/>
+          <a:p>
+            <a:r>
+              <a:rPr lang="pt-BR" sz="2400" b="1" dirty="0" err="1">
+                <a:latin typeface="Arial" panose="020B0604020202020204" pitchFamily="34" charset="0"/>
+                <a:cs typeface="Arial" panose="020B0604020202020204" pitchFamily="34" charset="0"/>
+              </a:rPr>
+              <a:t>import</a:t>
+            </a:r>
+            <a:r>
+              <a:rPr lang="pt-BR" sz="2400" b="1" dirty="0">
+                <a:latin typeface="Arial" panose="020B0604020202020204" pitchFamily="34" charset="0"/>
+                <a:cs typeface="Arial" panose="020B0604020202020204" pitchFamily="34" charset="0"/>
+              </a:rPr>
+              <a:t> </a:t>
+            </a:r>
+            <a:r>
+              <a:rPr lang="pt-BR" sz="2400" b="1" dirty="0" err="1">
+                <a:solidFill>
+                  <a:srgbClr val="FF0000"/>
+                </a:solidFill>
+                <a:latin typeface="Arial" panose="020B0604020202020204" pitchFamily="34" charset="0"/>
+                <a:cs typeface="Arial" panose="020B0604020202020204" pitchFamily="34" charset="0"/>
+              </a:rPr>
+              <a:t>struct</a:t>
+            </a:r>
+            <a:endParaRPr lang="pt-BR" sz="2400" b="1" dirty="0">
+              <a:solidFill>
+                <a:srgbClr val="FF0000"/>
+              </a:solidFill>
+              <a:latin typeface="Arial" panose="020B0604020202020204" pitchFamily="34" charset="0"/>
+              <a:cs typeface="Arial" panose="020B0604020202020204" pitchFamily="34" charset="0"/>
+            </a:endParaRPr>
+          </a:p>
+          <a:p>
+            <a:r>
+              <a:rPr lang="pt-BR" sz="2400" b="1" dirty="0">
+                <a:solidFill>
+                  <a:srgbClr val="FF0000"/>
+                </a:solidFill>
+                <a:latin typeface="Arial" panose="020B0604020202020204" pitchFamily="34" charset="0"/>
+                <a:cs typeface="Arial" panose="020B0604020202020204" pitchFamily="34" charset="0"/>
+              </a:rPr>
+              <a:t>Cliente = (‘80s I I 11s f I')</a:t>
+            </a:r>
+          </a:p>
+          <a:p>
+            <a:r>
+              <a:rPr lang="pt-BR" sz="2400" dirty="0" err="1">
+                <a:latin typeface="Arial" panose="020B0604020202020204" pitchFamily="34" charset="0"/>
+                <a:cs typeface="Arial" panose="020B0604020202020204" pitchFamily="34" charset="0"/>
+              </a:rPr>
+              <a:t>umCliente</a:t>
+            </a:r>
+            <a:r>
+              <a:rPr lang="pt-BR" sz="2400" dirty="0">
+                <a:latin typeface="Arial" panose="020B0604020202020204" pitchFamily="34" charset="0"/>
+                <a:cs typeface="Arial" panose="020B0604020202020204" pitchFamily="34" charset="0"/>
+              </a:rPr>
+              <a:t> = </a:t>
+            </a:r>
+            <a:r>
+              <a:rPr lang="pt-BR" sz="2400" b="1" dirty="0" err="1">
+                <a:solidFill>
+                  <a:srgbClr val="FF0000"/>
+                </a:solidFill>
+                <a:latin typeface="Arial" panose="020B0604020202020204" pitchFamily="34" charset="0"/>
+                <a:cs typeface="Arial" panose="020B0604020202020204" pitchFamily="34" charset="0"/>
+              </a:rPr>
+              <a:t>struct</a:t>
+            </a:r>
+            <a:r>
+              <a:rPr lang="pt-BR" sz="2400" dirty="0" err="1">
+                <a:latin typeface="Arial" panose="020B0604020202020204" pitchFamily="34" charset="0"/>
+                <a:cs typeface="Arial" panose="020B0604020202020204" pitchFamily="34" charset="0"/>
+              </a:rPr>
+              <a:t>.</a:t>
+            </a:r>
+            <a:r>
+              <a:rPr lang="pt-BR" sz="2400" b="1" dirty="0" err="1">
+                <a:latin typeface="Arial" panose="020B0604020202020204" pitchFamily="34" charset="0"/>
+                <a:cs typeface="Arial" panose="020B0604020202020204" pitchFamily="34" charset="0"/>
+              </a:rPr>
+              <a:t>pack</a:t>
+            </a:r>
+            <a:r>
+              <a:rPr lang="pt-BR" sz="2400" dirty="0">
+                <a:latin typeface="Arial" panose="020B0604020202020204" pitchFamily="34" charset="0"/>
+                <a:cs typeface="Arial" panose="020B0604020202020204" pitchFamily="34" charset="0"/>
+              </a:rPr>
+              <a:t>(Cliente, </a:t>
+            </a:r>
+            <a:r>
+              <a:rPr lang="pt-BR" sz="2400" dirty="0" err="1">
+                <a:latin typeface="Arial" panose="020B0604020202020204" pitchFamily="34" charset="0"/>
+                <a:cs typeface="Arial" panose="020B0604020202020204" pitchFamily="34" charset="0"/>
+              </a:rPr>
+              <a:t>b"Fulano</a:t>
+            </a:r>
+            <a:r>
+              <a:rPr lang="pt-BR" sz="2400" dirty="0">
+                <a:latin typeface="Arial" panose="020B0604020202020204" pitchFamily="34" charset="0"/>
+                <a:cs typeface="Arial" panose="020B0604020202020204" pitchFamily="34" charset="0"/>
+              </a:rPr>
+              <a:t>", 0, 2, b’123456789001, 5000.00, 3)</a:t>
+            </a:r>
+          </a:p>
+          <a:p>
+            <a:r>
+              <a:rPr lang="pt-BR" sz="2400" b="1" dirty="0">
+                <a:latin typeface="Arial" panose="020B0604020202020204" pitchFamily="34" charset="0"/>
+                <a:cs typeface="Arial" panose="020B0604020202020204" pitchFamily="34" charset="0"/>
+              </a:rPr>
+              <a:t>print</a:t>
+            </a:r>
+            <a:r>
+              <a:rPr lang="pt-BR" sz="2400" dirty="0">
+                <a:latin typeface="Arial" panose="020B0604020202020204" pitchFamily="34" charset="0"/>
+                <a:cs typeface="Arial" panose="020B0604020202020204" pitchFamily="34" charset="0"/>
+              </a:rPr>
+              <a:t>(</a:t>
+            </a:r>
+            <a:r>
+              <a:rPr lang="pt-BR" sz="2400" dirty="0" err="1">
+                <a:latin typeface="Arial" panose="020B0604020202020204" pitchFamily="34" charset="0"/>
+                <a:cs typeface="Arial" panose="020B0604020202020204" pitchFamily="34" charset="0"/>
+              </a:rPr>
+              <a:t>umCliente</a:t>
+            </a:r>
+            <a:r>
+              <a:rPr lang="pt-BR" sz="2400" dirty="0">
+                <a:latin typeface="Arial" panose="020B0604020202020204" pitchFamily="34" charset="0"/>
+                <a:cs typeface="Arial" panose="020B0604020202020204" pitchFamily="34" charset="0"/>
+              </a:rPr>
+              <a:t>)</a:t>
+            </a:r>
+          </a:p>
+          <a:p>
+            <a:r>
+              <a:rPr lang="pt-BR" sz="2400" b="1" dirty="0">
+                <a:latin typeface="Arial" panose="020B0604020202020204" pitchFamily="34" charset="0"/>
+                <a:cs typeface="Arial" panose="020B0604020202020204" pitchFamily="34" charset="0"/>
+              </a:rPr>
+              <a:t>print</a:t>
+            </a:r>
+            <a:r>
+              <a:rPr lang="pt-BR" sz="2400" dirty="0">
+                <a:latin typeface="Arial" panose="020B0604020202020204" pitchFamily="34" charset="0"/>
+                <a:cs typeface="Arial" panose="020B0604020202020204" pitchFamily="34" charset="0"/>
+              </a:rPr>
+              <a:t>(</a:t>
+            </a:r>
+            <a:r>
+              <a:rPr lang="pt-BR" sz="2400" b="1" dirty="0" err="1">
+                <a:solidFill>
+                  <a:srgbClr val="FF0000"/>
+                </a:solidFill>
+                <a:latin typeface="Arial" panose="020B0604020202020204" pitchFamily="34" charset="0"/>
+                <a:cs typeface="Arial" panose="020B0604020202020204" pitchFamily="34" charset="0"/>
+              </a:rPr>
+              <a:t>struct</a:t>
+            </a:r>
+            <a:r>
+              <a:rPr lang="pt-BR" sz="2400" dirty="0" err="1">
+                <a:latin typeface="Arial" panose="020B0604020202020204" pitchFamily="34" charset="0"/>
+                <a:cs typeface="Arial" panose="020B0604020202020204" pitchFamily="34" charset="0"/>
+              </a:rPr>
+              <a:t>.</a:t>
+            </a:r>
+            <a:r>
+              <a:rPr lang="pt-BR" sz="2400" b="1" dirty="0" err="1">
+                <a:latin typeface="Arial" panose="020B0604020202020204" pitchFamily="34" charset="0"/>
+                <a:cs typeface="Arial" panose="020B0604020202020204" pitchFamily="34" charset="0"/>
+              </a:rPr>
+              <a:t>unpack</a:t>
+            </a:r>
+            <a:r>
+              <a:rPr lang="pt-BR" sz="2400" dirty="0">
+                <a:latin typeface="Arial" panose="020B0604020202020204" pitchFamily="34" charset="0"/>
+                <a:cs typeface="Arial" panose="020B0604020202020204" pitchFamily="34" charset="0"/>
+              </a:rPr>
+              <a:t>(Cliente, </a:t>
+            </a:r>
+            <a:r>
+              <a:rPr lang="pt-BR" sz="2400" dirty="0" err="1">
+                <a:latin typeface="Arial" panose="020B0604020202020204" pitchFamily="34" charset="0"/>
+                <a:cs typeface="Arial" panose="020B0604020202020204" pitchFamily="34" charset="0"/>
+              </a:rPr>
+              <a:t>umCliente</a:t>
+            </a:r>
+            <a:r>
+              <a:rPr lang="pt-BR" sz="2400" dirty="0">
+                <a:latin typeface="Arial" panose="020B0604020202020204" pitchFamily="34" charset="0"/>
+                <a:cs typeface="Arial" panose="020B0604020202020204" pitchFamily="34" charset="0"/>
+              </a:rPr>
+              <a:t>))</a:t>
+            </a:r>
+          </a:p>
         </p:txBody>
       </p:sp>
     </p:spTree>
     <p:extLst>
       <p:ext uri="{BB962C8B-B14F-4D97-AF65-F5344CB8AC3E}">
-        <p14:creationId xmlns:p14="http://schemas.microsoft.com/office/powerpoint/2010/main" val="1638486864"/>
+        <p14:creationId xmlns:p14="http://schemas.microsoft.com/office/powerpoint/2010/main" val="1539438958"/>
       </p:ext>
     </p:extLst>
   </p:cSld>
@@ -9111,7 +9376,7 @@
                   <a:srgbClr val="0070C0"/>
                 </a:solidFill>
               </a:rPr>
-              <a:t>Python – </a:t>
+              <a:t>Python – TD </a:t>
             </a:r>
             <a:r>
               <a:rPr lang="en-US" b="1" dirty="0" err="1">
@@ -9119,7 +9384,7 @@
                   <a:srgbClr val="0070C0"/>
                 </a:solidFill>
               </a:rPr>
-              <a:t>TDados</a:t>
+              <a:t>Aglomerados</a:t>
             </a:r>
             <a:r>
               <a:rPr lang="en-US" b="1" dirty="0">
@@ -9135,23 +9400,7 @@
                   <a:srgbClr val="0070C0"/>
                 </a:solidFill>
               </a:rPr>
-              <a:t>Aglomerados</a:t>
-            </a:r>
-            <a:r>
-              <a:rPr lang="en-US" b="1" dirty="0">
-                <a:solidFill>
-                  <a:srgbClr val="0070C0"/>
-                </a:solidFill>
-              </a:rPr>
-              <a:t> </a:t>
-            </a:r>
-            <a:r>
-              <a:rPr lang="en-US" b="1" dirty="0" err="1">
-                <a:solidFill>
-                  <a:srgbClr val="0070C0"/>
-                </a:solidFill>
-              </a:rPr>
-              <a:t>Tuplas</a:t>
+              <a:t>Registros</a:t>
             </a:r>
             <a:endParaRPr lang="en-US" b="1" dirty="0">
               <a:solidFill>
@@ -9183,84 +9432,93 @@
           </a:bodyPr>
           <a:lstStyle/>
           <a:p>
+            <a:pPr algn="just">
+              <a:buFont typeface="Wingdings" panose="05000000000000000000" pitchFamily="2" charset="2"/>
+              <a:buChar char="§"/>
+            </a:pPr>
+            <a:r>
+              <a:rPr lang="pt-BR" b="1" dirty="0">
+                <a:solidFill>
+                  <a:srgbClr val="FF0000"/>
+                </a:solidFill>
+                <a:latin typeface="Times New Roman" panose="02020603050405020304" pitchFamily="18" charset="0"/>
+                <a:cs typeface="Times New Roman" panose="02020603050405020304" pitchFamily="18" charset="0"/>
+              </a:rPr>
+              <a:t> Registos </a:t>
+            </a:r>
+            <a:r>
+              <a:rPr lang="pt-BR" b="1" dirty="0">
+                <a:latin typeface="Times New Roman" panose="02020603050405020304" pitchFamily="18" charset="0"/>
+                <a:cs typeface="Times New Roman" panose="02020603050405020304" pitchFamily="18" charset="0"/>
+              </a:rPr>
+              <a:t>em </a:t>
+            </a:r>
+            <a:r>
+              <a:rPr lang="pt-BR" b="1" dirty="0" err="1">
+                <a:latin typeface="Times New Roman" panose="02020603050405020304" pitchFamily="18" charset="0"/>
+                <a:cs typeface="Times New Roman" panose="02020603050405020304" pitchFamily="18" charset="0"/>
+              </a:rPr>
+              <a:t>Pyhton</a:t>
+            </a:r>
+            <a:r>
+              <a:rPr lang="pt-BR" dirty="0">
+                <a:solidFill>
+                  <a:schemeClr val="tx1"/>
+                </a:solidFill>
+                <a:latin typeface="Times New Roman" panose="02020603050405020304" pitchFamily="18" charset="0"/>
+                <a:cs typeface="Times New Roman" panose="02020603050405020304" pitchFamily="18" charset="0"/>
+              </a:rPr>
+              <a:t>: sem nomes dos campos</a:t>
+            </a:r>
+          </a:p>
+          <a:p>
             <a:pPr marL="0" indent="0" algn="just">
               <a:buNone/>
             </a:pPr>
             <a:r>
-              <a:rPr lang="pt-BR" sz="3200" b="1" dirty="0">
-                <a:solidFill>
-                  <a:srgbClr val="FF0000"/>
-                </a:solidFill>
-                <a:latin typeface="Times New Roman" panose="02020603050405020304" pitchFamily="18" charset="0"/>
-                <a:cs typeface="Times New Roman" panose="02020603050405020304" pitchFamily="18" charset="0"/>
-              </a:rPr>
-              <a:t>Exemplo1</a:t>
-            </a:r>
-            <a:r>
-              <a:rPr lang="pt-BR" sz="3200" dirty="0">
-                <a:latin typeface="Times New Roman" panose="02020603050405020304" pitchFamily="18" charset="0"/>
-                <a:cs typeface="Times New Roman" panose="02020603050405020304" pitchFamily="18" charset="0"/>
-              </a:rPr>
-              <a:t>:</a:t>
-            </a:r>
-          </a:p>
-          <a:p>
-            <a:pPr marL="0" indent="0" algn="just">
-              <a:buNone/>
-            </a:pPr>
-            <a:r>
-              <a:rPr lang="pt-BR" sz="3200" dirty="0" err="1">
-                <a:latin typeface="Times New Roman" panose="02020603050405020304" pitchFamily="18" charset="0"/>
-                <a:cs typeface="Times New Roman" panose="02020603050405020304" pitchFamily="18" charset="0"/>
-              </a:rPr>
-              <a:t>umaTupla</a:t>
-            </a:r>
-            <a:r>
-              <a:rPr lang="pt-BR" sz="3200" dirty="0">
-                <a:latin typeface="Times New Roman" panose="02020603050405020304" pitchFamily="18" charset="0"/>
-                <a:cs typeface="Times New Roman" panose="02020603050405020304" pitchFamily="18" charset="0"/>
-              </a:rPr>
-              <a:t> = (15, 9.4, “pera”)</a:t>
-            </a:r>
-          </a:p>
-          <a:p>
-            <a:pPr marL="0" indent="0" algn="just">
-              <a:buNone/>
-            </a:pPr>
-            <a:r>
-              <a:rPr lang="pt-BR" sz="3200" b="1" dirty="0">
-                <a:latin typeface="Times New Roman" panose="02020603050405020304" pitchFamily="18" charset="0"/>
-                <a:cs typeface="Times New Roman" panose="02020603050405020304" pitchFamily="18" charset="0"/>
-              </a:rPr>
-              <a:t>print</a:t>
-            </a:r>
-            <a:r>
-              <a:rPr lang="pt-BR" sz="3200" dirty="0">
-                <a:latin typeface="Times New Roman" panose="02020603050405020304" pitchFamily="18" charset="0"/>
-                <a:cs typeface="Times New Roman" panose="02020603050405020304" pitchFamily="18" charset="0"/>
-              </a:rPr>
-              <a:t>(</a:t>
-            </a:r>
-            <a:r>
-              <a:rPr lang="pt-BR" sz="3200" dirty="0" err="1">
-                <a:latin typeface="Times New Roman" panose="02020603050405020304" pitchFamily="18" charset="0"/>
-                <a:cs typeface="Times New Roman" panose="02020603050405020304" pitchFamily="18" charset="0"/>
-              </a:rPr>
-              <a:t>umaTupla</a:t>
-            </a:r>
-            <a:r>
-              <a:rPr lang="pt-BR" sz="3200" dirty="0">
-                <a:latin typeface="Times New Roman" panose="02020603050405020304" pitchFamily="18" charset="0"/>
-                <a:cs typeface="Times New Roman" panose="02020603050405020304" pitchFamily="18" charset="0"/>
-              </a:rPr>
-              <a:t>)</a:t>
-            </a:r>
-          </a:p>
-          <a:p>
-            <a:pPr marL="0" indent="0" algn="just">
-              <a:buNone/>
-            </a:pPr>
-            <a:endParaRPr lang="pt-BR" sz="3200" dirty="0">
+              <a:rPr lang="pt-BR" dirty="0">
+                <a:solidFill>
+                  <a:schemeClr val="tx1"/>
+                </a:solidFill>
+                <a:latin typeface="Times New Roman" panose="02020603050405020304" pitchFamily="18" charset="0"/>
+                <a:cs typeface="Times New Roman" panose="02020603050405020304" pitchFamily="18" charset="0"/>
+              </a:rPr>
+              <a:t>– </a:t>
+            </a:r>
+            <a:r>
+              <a:rPr lang="pt-BR" b="1" dirty="0">
+                <a:solidFill>
+                  <a:schemeClr val="tx1"/>
+                </a:solidFill>
+                <a:latin typeface="Times New Roman" panose="02020603050405020304" pitchFamily="18" charset="0"/>
+                <a:cs typeface="Times New Roman" panose="02020603050405020304" pitchFamily="18" charset="0"/>
+              </a:rPr>
+              <a:t>Foco primário</a:t>
+            </a:r>
+            <a:r>
+              <a:rPr lang="pt-BR" dirty="0">
+                <a:solidFill>
+                  <a:schemeClr val="tx1"/>
+                </a:solidFill>
+                <a:latin typeface="Times New Roman" panose="02020603050405020304" pitchFamily="18" charset="0"/>
+                <a:cs typeface="Times New Roman" panose="02020603050405020304" pitchFamily="18" charset="0"/>
+              </a:rPr>
+              <a:t>: trocar dados com C/C++, </a:t>
+            </a:r>
+            <a:r>
+              <a:rPr lang="pt-BR" dirty="0" err="1">
+                <a:solidFill>
+                  <a:schemeClr val="tx1"/>
+                </a:solidFill>
+                <a:latin typeface="Times New Roman" panose="02020603050405020304" pitchFamily="18" charset="0"/>
+                <a:cs typeface="Times New Roman" panose="02020603050405020304" pitchFamily="18" charset="0"/>
+              </a:rPr>
+              <a:t>etc</a:t>
+            </a:r>
+            <a:endParaRPr lang="pt-BR" dirty="0">
+              <a:solidFill>
+                <a:schemeClr val="tx1"/>
+              </a:solidFill>
               <a:latin typeface="Times New Roman" panose="02020603050405020304" pitchFamily="18" charset="0"/>
               <a:cs typeface="Times New Roman" panose="02020603050405020304" pitchFamily="18" charset="0"/>
             </a:endParaRPr>
@@ -9269,17 +9527,88 @@
             <a:pPr marL="0" indent="0" algn="just">
               <a:buNone/>
             </a:pPr>
-            <a:endParaRPr lang="pt-BR" sz="3200" dirty="0">
-              <a:latin typeface="Times New Roman" panose="02020603050405020304" pitchFamily="18" charset="0"/>
-              <a:cs typeface="Times New Roman" panose="02020603050405020304" pitchFamily="18" charset="0"/>
-            </a:endParaRPr>
+            <a:r>
+              <a:rPr lang="pt-BR" dirty="0">
+                <a:solidFill>
+                  <a:schemeClr val="tx1"/>
+                </a:solidFill>
+                <a:latin typeface="Times New Roman" panose="02020603050405020304" pitchFamily="18" charset="0"/>
+                <a:cs typeface="Times New Roman" panose="02020603050405020304" pitchFamily="18" charset="0"/>
+              </a:rPr>
+              <a:t>• Como guardar dados organizados em Python?</a:t>
+            </a:r>
+          </a:p>
+          <a:p>
+            <a:pPr marL="0" indent="0" algn="just">
+              <a:buNone/>
+            </a:pPr>
+            <a:r>
+              <a:rPr lang="pt-BR" dirty="0">
+                <a:solidFill>
+                  <a:schemeClr val="tx1"/>
+                </a:solidFill>
+                <a:latin typeface="Times New Roman" panose="02020603050405020304" pitchFamily="18" charset="0"/>
+                <a:cs typeface="Times New Roman" panose="02020603050405020304" pitchFamily="18" charset="0"/>
+              </a:rPr>
+              <a:t>– </a:t>
+            </a:r>
+            <a:r>
+              <a:rPr lang="pt-BR" b="1" dirty="0">
+                <a:solidFill>
+                  <a:schemeClr val="tx1"/>
+                </a:solidFill>
+                <a:latin typeface="Times New Roman" panose="02020603050405020304" pitchFamily="18" charset="0"/>
+                <a:cs typeface="Times New Roman" panose="02020603050405020304" pitchFamily="18" charset="0"/>
+              </a:rPr>
+              <a:t>Forma mais conveniente</a:t>
+            </a:r>
+            <a:r>
+              <a:rPr lang="pt-BR" dirty="0">
+                <a:solidFill>
+                  <a:schemeClr val="tx1"/>
+                </a:solidFill>
+                <a:latin typeface="Times New Roman" panose="02020603050405020304" pitchFamily="18" charset="0"/>
+                <a:cs typeface="Times New Roman" panose="02020603050405020304" pitchFamily="18" charset="0"/>
+              </a:rPr>
+              <a:t>... </a:t>
+            </a:r>
+            <a:r>
+              <a:rPr lang="pt-BR" b="1" dirty="0" err="1">
+                <a:solidFill>
+                  <a:srgbClr val="FF0000"/>
+                </a:solidFill>
+                <a:latin typeface="Times New Roman" panose="02020603050405020304" pitchFamily="18" charset="0"/>
+                <a:cs typeface="Times New Roman" panose="02020603050405020304" pitchFamily="18" charset="0"/>
+              </a:rPr>
+              <a:t>Tuplas</a:t>
+            </a:r>
+            <a:r>
+              <a:rPr lang="pt-BR" b="1" dirty="0">
+                <a:solidFill>
+                  <a:srgbClr val="FF0000"/>
+                </a:solidFill>
+                <a:latin typeface="Times New Roman" panose="02020603050405020304" pitchFamily="18" charset="0"/>
+                <a:cs typeface="Times New Roman" panose="02020603050405020304" pitchFamily="18" charset="0"/>
+              </a:rPr>
+              <a:t> nomeadas</a:t>
+            </a:r>
+            <a:r>
+              <a:rPr lang="pt-BR" dirty="0">
+                <a:solidFill>
+                  <a:schemeClr val="tx1"/>
+                </a:solidFill>
+                <a:latin typeface="Times New Roman" panose="02020603050405020304" pitchFamily="18" charset="0"/>
+                <a:cs typeface="Times New Roman" panose="02020603050405020304" pitchFamily="18" charset="0"/>
+              </a:rPr>
+              <a:t>.</a:t>
+            </a:r>
           </a:p>
         </p:txBody>
       </p:sp>
     </p:spTree>
     <p:extLst>
       <p:ext uri="{BB962C8B-B14F-4D97-AF65-F5344CB8AC3E}">
-        <p14:creationId xmlns:p14="http://schemas.microsoft.com/office/powerpoint/2010/main" val="2360510460"/>
+        <p14:creationId xmlns:p14="http://schemas.microsoft.com/office/powerpoint/2010/main" val="2125755638"/>
       </p:ext>
     </p:extLst>
   </p:cSld>
@@ -9402,25 +9731,162 @@
           </a:bodyPr>
           <a:lstStyle/>
           <a:p>
+            <a:pPr algn="just">
+              <a:buFont typeface="Wingdings" panose="05000000000000000000" pitchFamily="2" charset="2"/>
+              <a:buChar char="§"/>
+            </a:pPr>
+            <a:r>
+              <a:rPr lang="pt-BR" sz="3200" b="1" dirty="0">
+                <a:solidFill>
+                  <a:srgbClr val="FF0000"/>
+                </a:solidFill>
+                <a:latin typeface="Times New Roman" panose="02020603050405020304" pitchFamily="18" charset="0"/>
+                <a:cs typeface="Times New Roman" panose="02020603050405020304" pitchFamily="18" charset="0"/>
+              </a:rPr>
+              <a:t> </a:t>
+            </a:r>
+            <a:r>
+              <a:rPr lang="pt-BR" sz="3200" b="1" dirty="0" err="1">
+                <a:solidFill>
+                  <a:srgbClr val="FF0000"/>
+                </a:solidFill>
+                <a:latin typeface="Times New Roman" panose="02020603050405020304" pitchFamily="18" charset="0"/>
+                <a:cs typeface="Times New Roman" panose="02020603050405020304" pitchFamily="18" charset="0"/>
+              </a:rPr>
+              <a:t>Tuplas</a:t>
+            </a:r>
+            <a:r>
+              <a:rPr lang="pt-BR" sz="3200" b="1" dirty="0">
+                <a:latin typeface="Times New Roman" panose="02020603050405020304" pitchFamily="18" charset="0"/>
+                <a:cs typeface="Times New Roman" panose="02020603050405020304" pitchFamily="18" charset="0"/>
+              </a:rPr>
+              <a:t> - Agrupamentos</a:t>
+            </a:r>
+            <a:r>
+              <a:rPr lang="pt-BR" sz="3200" dirty="0">
+                <a:latin typeface="Times New Roman" panose="02020603050405020304" pitchFamily="18" charset="0"/>
+                <a:cs typeface="Times New Roman" panose="02020603050405020304" pitchFamily="18" charset="0"/>
+              </a:rPr>
+              <a:t> de dados </a:t>
+            </a:r>
+            <a:r>
+              <a:rPr lang="pt-BR" sz="3200" b="1" dirty="0">
+                <a:solidFill>
+                  <a:srgbClr val="FF0000"/>
+                </a:solidFill>
+                <a:latin typeface="Times New Roman" panose="02020603050405020304" pitchFamily="18" charset="0"/>
+                <a:cs typeface="Times New Roman" panose="02020603050405020304" pitchFamily="18" charset="0"/>
+              </a:rPr>
+              <a:t>não nomeados </a:t>
+            </a:r>
+          </a:p>
+          <a:p>
             <a:pPr marL="0" indent="0" algn="just">
               <a:buNone/>
             </a:pPr>
             <a:r>
-              <a:rPr lang="pt-BR" b="1" dirty="0">
+              <a:rPr lang="pt-BR" sz="3200" dirty="0">
+                <a:latin typeface="Times New Roman" panose="02020603050405020304" pitchFamily="18" charset="0"/>
+                <a:cs typeface="Times New Roman" panose="02020603050405020304" pitchFamily="18" charset="0"/>
+              </a:rPr>
+              <a:t>– Existe em Python, F#</a:t>
+            </a:r>
+            <a:r>
+              <a:rPr lang="pt-BR" sz="3200" dirty="0">
+                <a:solidFill>
+                  <a:schemeClr val="tx1"/>
+                </a:solidFill>
+                <a:latin typeface="Times New Roman" panose="02020603050405020304" pitchFamily="18" charset="0"/>
+                <a:cs typeface="Times New Roman" panose="02020603050405020304" pitchFamily="18" charset="0"/>
+              </a:rPr>
+              <a:t> (F Sharp .NET), </a:t>
+            </a:r>
+            <a:r>
+              <a:rPr lang="pt-BR" sz="3200" dirty="0" err="1">
+                <a:solidFill>
+                  <a:schemeClr val="tx1"/>
+                </a:solidFill>
+                <a:latin typeface="Times New Roman" panose="02020603050405020304" pitchFamily="18" charset="0"/>
+                <a:cs typeface="Times New Roman" panose="02020603050405020304" pitchFamily="18" charset="0"/>
+              </a:rPr>
+              <a:t>etc</a:t>
+            </a:r>
+            <a:r>
+              <a:rPr lang="pt-BR" sz="3200" dirty="0">
+                <a:latin typeface="Times New Roman" panose="02020603050405020304" pitchFamily="18" charset="0"/>
+                <a:cs typeface="Times New Roman" panose="02020603050405020304" pitchFamily="18" charset="0"/>
+              </a:rPr>
+              <a:t> </a:t>
+            </a:r>
+          </a:p>
+          <a:p>
+            <a:pPr marL="0" indent="0" algn="just">
+              <a:buNone/>
+            </a:pPr>
+            <a:r>
+              <a:rPr lang="pt-BR" sz="3200" dirty="0">
+                <a:latin typeface="Times New Roman" panose="02020603050405020304" pitchFamily="18" charset="0"/>
+                <a:cs typeface="Times New Roman" panose="02020603050405020304" pitchFamily="18" charset="0"/>
+              </a:rPr>
+              <a:t>– É como definir um </a:t>
+            </a:r>
+            <a:r>
+              <a:rPr lang="pt-BR" sz="3200" b="1" dirty="0">
+                <a:latin typeface="Times New Roman" panose="02020603050405020304" pitchFamily="18" charset="0"/>
+                <a:cs typeface="Times New Roman" panose="02020603050405020304" pitchFamily="18" charset="0"/>
+              </a:rPr>
+              <a:t>registro</a:t>
+            </a:r>
+            <a:r>
+              <a:rPr lang="pt-BR" sz="3200" dirty="0">
+                <a:latin typeface="Times New Roman" panose="02020603050405020304" pitchFamily="18" charset="0"/>
+                <a:cs typeface="Times New Roman" panose="02020603050405020304" pitchFamily="18" charset="0"/>
+              </a:rPr>
+              <a:t>, porém </a:t>
+            </a:r>
+            <a:r>
+              <a:rPr lang="pt-BR" sz="3200" b="1" dirty="0">
                 <a:solidFill>
                   <a:srgbClr val="FF0000"/>
                 </a:solidFill>
                 <a:latin typeface="Times New Roman" panose="02020603050405020304" pitchFamily="18" charset="0"/>
                 <a:cs typeface="Times New Roman" panose="02020603050405020304" pitchFamily="18" charset="0"/>
               </a:rPr>
-              <a:t>Exemplo2</a:t>
-            </a:r>
-            <a:r>
-              <a:rPr lang="pt-BR" dirty="0">
-                <a:latin typeface="Times New Roman" panose="02020603050405020304" pitchFamily="18" charset="0"/>
-                <a:cs typeface="Times New Roman" panose="02020603050405020304" pitchFamily="18" charset="0"/>
-              </a:rPr>
-              <a:t>:</a:t>
+              <a:t>imutável</a:t>
+            </a:r>
+            <a:r>
+              <a:rPr lang="pt-BR" sz="3200" dirty="0">
+                <a:latin typeface="Times New Roman" panose="02020603050405020304" pitchFamily="18" charset="0"/>
+                <a:cs typeface="Times New Roman" panose="02020603050405020304" pitchFamily="18" charset="0"/>
+              </a:rPr>
+              <a:t> </a:t>
+            </a:r>
+          </a:p>
+          <a:p>
+            <a:pPr algn="just">
+              <a:buFont typeface="Wingdings" panose="05000000000000000000" pitchFamily="2" charset="2"/>
+              <a:buChar char="§"/>
+            </a:pPr>
+            <a:r>
+              <a:rPr lang="pt-BR" sz="3200" dirty="0">
+                <a:latin typeface="Times New Roman" panose="02020603050405020304" pitchFamily="18" charset="0"/>
+                <a:cs typeface="Times New Roman" panose="02020603050405020304" pitchFamily="18" charset="0"/>
+              </a:rPr>
+              <a:t> Em </a:t>
+            </a:r>
+            <a:r>
+              <a:rPr lang="pt-BR" sz="3200" b="1" dirty="0">
+                <a:latin typeface="Times New Roman" panose="02020603050405020304" pitchFamily="18" charset="0"/>
+                <a:cs typeface="Times New Roman" panose="02020603050405020304" pitchFamily="18" charset="0"/>
+              </a:rPr>
+              <a:t>Python</a:t>
+            </a:r>
+            <a:r>
+              <a:rPr lang="pt-BR" sz="3200" dirty="0">
+                <a:latin typeface="Times New Roman" panose="02020603050405020304" pitchFamily="18" charset="0"/>
+                <a:cs typeface="Times New Roman" panose="02020603050405020304" pitchFamily="18" charset="0"/>
+              </a:rPr>
+              <a:t> são dados separados por vírgulas </a:t>
             </a:r>
           </a:p>
           <a:p>
@@ -9428,105 +9894,48 @@
               <a:buNone/>
             </a:pPr>
             <a:r>
-              <a:rPr lang="pt-BR" dirty="0">
-                <a:latin typeface="Times New Roman" panose="02020603050405020304" pitchFamily="18" charset="0"/>
-                <a:cs typeface="Times New Roman" panose="02020603050405020304" pitchFamily="18" charset="0"/>
-              </a:rPr>
-              <a:t>cliente = (“Julia Cardoso", "01234567890", 7000.0, 17)</a:t>
+              <a:rPr lang="pt-BR" sz="3200" dirty="0">
+                <a:latin typeface="Times New Roman" panose="02020603050405020304" pitchFamily="18" charset="0"/>
+                <a:cs typeface="Times New Roman" panose="02020603050405020304" pitchFamily="18" charset="0"/>
+              </a:rPr>
+              <a:t>– Definido por</a:t>
+            </a:r>
+            <a:r>
+              <a:rPr lang="pt-BR" sz="3200" b="1" dirty="0">
+                <a:solidFill>
+                  <a:srgbClr val="FF0000"/>
+                </a:solidFill>
+                <a:latin typeface="Times New Roman" panose="02020603050405020304" pitchFamily="18" charset="0"/>
+                <a:cs typeface="Times New Roman" panose="02020603050405020304" pitchFamily="18" charset="0"/>
+              </a:rPr>
+              <a:t> parênteses</a:t>
+            </a:r>
+            <a:r>
+              <a:rPr lang="pt-BR" sz="3200" dirty="0">
+                <a:latin typeface="Times New Roman" panose="02020603050405020304" pitchFamily="18" charset="0"/>
+                <a:cs typeface="Times New Roman" panose="02020603050405020304" pitchFamily="18" charset="0"/>
+              </a:rPr>
+              <a:t> </a:t>
             </a:r>
           </a:p>
           <a:p>
             <a:pPr marL="0" indent="0" algn="just">
               <a:buNone/>
             </a:pPr>
-            <a:r>
-              <a:rPr lang="pt-BR" b="1" dirty="0">
-                <a:latin typeface="Times New Roman" panose="02020603050405020304" pitchFamily="18" charset="0"/>
-                <a:cs typeface="Times New Roman" panose="02020603050405020304" pitchFamily="18" charset="0"/>
-              </a:rPr>
-              <a:t>print</a:t>
-            </a:r>
-            <a:r>
-              <a:rPr lang="pt-BR" dirty="0">
-                <a:latin typeface="Times New Roman" panose="02020603050405020304" pitchFamily="18" charset="0"/>
-                <a:cs typeface="Times New Roman" panose="02020603050405020304" pitchFamily="18" charset="0"/>
-              </a:rPr>
-              <a:t> (cliente)</a:t>
-            </a:r>
-          </a:p>
-          <a:p>
-            <a:pPr marL="0" indent="0" algn="just">
-              <a:buNone/>
-            </a:pPr>
-            <a:endParaRPr lang="pt-BR" dirty="0">
+            <a:endParaRPr lang="pt-BR" sz="3200" dirty="0">
+              <a:solidFill>
+                <a:schemeClr val="tx1"/>
+              </a:solidFill>
               <a:latin typeface="Times New Roman" panose="02020603050405020304" pitchFamily="18" charset="0"/>
               <a:cs typeface="Times New Roman" panose="02020603050405020304" pitchFamily="18" charset="0"/>
             </a:endParaRPr>
           </a:p>
-          <a:p>
-            <a:pPr marL="0" indent="0" algn="just">
-              <a:buNone/>
-            </a:pPr>
-            <a:r>
-              <a:rPr lang="pt-BR" b="1" dirty="0">
-                <a:latin typeface="Times New Roman" panose="02020603050405020304" pitchFamily="18" charset="0"/>
-                <a:cs typeface="Times New Roman" panose="02020603050405020304" pitchFamily="18" charset="0"/>
-              </a:rPr>
-              <a:t>Nota</a:t>
-            </a:r>
-            <a:r>
-              <a:rPr lang="pt-BR" dirty="0">
-                <a:latin typeface="Times New Roman" panose="02020603050405020304" pitchFamily="18" charset="0"/>
-                <a:cs typeface="Times New Roman" panose="02020603050405020304" pitchFamily="18" charset="0"/>
-              </a:rPr>
-              <a:t>: O acesso é como em </a:t>
-            </a:r>
-            <a:r>
-              <a:rPr lang="pt-BR" b="1" dirty="0">
-                <a:solidFill>
-                  <a:srgbClr val="FF0000"/>
-                </a:solidFill>
-                <a:latin typeface="Times New Roman" panose="02020603050405020304" pitchFamily="18" charset="0"/>
-                <a:cs typeface="Times New Roman" panose="02020603050405020304" pitchFamily="18" charset="0"/>
-              </a:rPr>
-              <a:t>lista (: e ::)</a:t>
-            </a:r>
-          </a:p>
-          <a:p>
-            <a:pPr marL="0" indent="0" algn="just">
-              <a:buNone/>
-            </a:pPr>
-            <a:r>
-              <a:rPr lang="pt-BR" dirty="0">
-                <a:latin typeface="Times New Roman" panose="02020603050405020304" pitchFamily="18" charset="0"/>
-                <a:cs typeface="Times New Roman" panose="02020603050405020304" pitchFamily="18" charset="0"/>
-              </a:rPr>
-              <a:t>	   </a:t>
-            </a:r>
-            <a:r>
-              <a:rPr lang="pt-BR" b="1" dirty="0" err="1">
-                <a:solidFill>
-                  <a:srgbClr val="FF0000"/>
-                </a:solidFill>
-                <a:latin typeface="Times New Roman" panose="02020603050405020304" pitchFamily="18" charset="0"/>
-                <a:cs typeface="Times New Roman" panose="02020603050405020304" pitchFamily="18" charset="0"/>
-              </a:rPr>
-              <a:t>Tupla</a:t>
-            </a:r>
-            <a:r>
-              <a:rPr lang="pt-BR" dirty="0">
-                <a:latin typeface="Times New Roman" panose="02020603050405020304" pitchFamily="18" charset="0"/>
-                <a:cs typeface="Times New Roman" panose="02020603050405020304" pitchFamily="18" charset="0"/>
-              </a:rPr>
-              <a:t>, não podemos mudar um elemento!</a:t>
-            </a:r>
-          </a:p>
         </p:txBody>
       </p:sp>
     </p:spTree>
     <p:extLst>
       <p:ext uri="{BB962C8B-B14F-4D97-AF65-F5344CB8AC3E}">
-        <p14:creationId xmlns:p14="http://schemas.microsoft.com/office/powerpoint/2010/main" val="3895288765"/>
+        <p14:creationId xmlns:p14="http://schemas.microsoft.com/office/powerpoint/2010/main" val="1638486864"/>
       </p:ext>
     </p:extLst>
   </p:cSld>
@@ -9653,159 +10062,99 @@
               <a:buNone/>
             </a:pPr>
             <a:r>
-              <a:rPr lang="pt-BR" dirty="0">
-                <a:latin typeface="Times New Roman" panose="02020603050405020304" pitchFamily="18" charset="0"/>
-                <a:cs typeface="Times New Roman" panose="02020603050405020304" pitchFamily="18" charset="0"/>
-              </a:rPr>
-              <a:t>cliente[1] = "1234“ # </a:t>
-            </a:r>
-            <a:r>
-              <a:rPr lang="pt-BR" b="1" dirty="0" err="1">
+              <a:rPr lang="pt-BR" sz="3200" b="1" dirty="0">
                 <a:solidFill>
                   <a:srgbClr val="FF0000"/>
                 </a:solidFill>
                 <a:latin typeface="Times New Roman" panose="02020603050405020304" pitchFamily="18" charset="0"/>
                 <a:cs typeface="Times New Roman" panose="02020603050405020304" pitchFamily="18" charset="0"/>
               </a:rPr>
-              <a:t>Tupla</a:t>
-            </a:r>
-            <a:r>
-              <a:rPr lang="pt-BR" b="1" dirty="0">
-                <a:solidFill>
-                  <a:srgbClr val="FF0000"/>
-                </a:solidFill>
-                <a:latin typeface="Times New Roman" panose="02020603050405020304" pitchFamily="18" charset="0"/>
-                <a:cs typeface="Times New Roman" panose="02020603050405020304" pitchFamily="18" charset="0"/>
-              </a:rPr>
-              <a:t>, </a:t>
-            </a:r>
-            <a:r>
-              <a:rPr lang="pt-BR" b="1" dirty="0" err="1">
-                <a:solidFill>
-                  <a:srgbClr val="FF0000"/>
-                </a:solidFill>
-                <a:latin typeface="Times New Roman" panose="02020603050405020304" pitchFamily="18" charset="0"/>
-                <a:cs typeface="Times New Roman" panose="02020603050405020304" pitchFamily="18" charset="0"/>
-              </a:rPr>
-              <a:t>error</a:t>
-            </a:r>
-            <a:r>
-              <a:rPr lang="pt-BR" dirty="0">
-                <a:latin typeface="Times New Roman" panose="02020603050405020304" pitchFamily="18" charset="0"/>
-                <a:cs typeface="Times New Roman" panose="02020603050405020304" pitchFamily="18" charset="0"/>
-              </a:rPr>
-              <a:t>, não pode alterar.</a:t>
+              <a:t>Exemplo1</a:t>
+            </a:r>
+            <a:r>
+              <a:rPr lang="pt-BR" sz="3200" dirty="0">
+                <a:latin typeface="Times New Roman" panose="02020603050405020304" pitchFamily="18" charset="0"/>
+                <a:cs typeface="Times New Roman" panose="02020603050405020304" pitchFamily="18" charset="0"/>
+              </a:rPr>
+              <a:t>:</a:t>
             </a:r>
           </a:p>
           <a:p>
             <a:pPr marL="0" indent="0" algn="just">
               <a:buNone/>
             </a:pPr>
-            <a:endParaRPr lang="pt-BR" dirty="0">
+            <a:r>
+              <a:rPr lang="pt-BR" sz="3200" dirty="0" err="1">
+                <a:latin typeface="Times New Roman" panose="02020603050405020304" pitchFamily="18" charset="0"/>
+                <a:cs typeface="Times New Roman" panose="02020603050405020304" pitchFamily="18" charset="0"/>
+              </a:rPr>
+              <a:t>umaTupla</a:t>
+            </a:r>
+            <a:r>
+              <a:rPr lang="pt-BR" sz="3200" dirty="0">
+                <a:latin typeface="Times New Roman" panose="02020603050405020304" pitchFamily="18" charset="0"/>
+                <a:cs typeface="Times New Roman" panose="02020603050405020304" pitchFamily="18" charset="0"/>
+              </a:rPr>
+              <a:t> = (15, 9.4, “pera”)</a:t>
+            </a:r>
+          </a:p>
+          <a:p>
+            <a:pPr marL="0" indent="0" algn="just">
+              <a:buNone/>
+            </a:pPr>
+            <a:r>
+              <a:rPr lang="pt-BR" sz="3200" b="1" dirty="0">
+                <a:latin typeface="Times New Roman" panose="02020603050405020304" pitchFamily="18" charset="0"/>
+                <a:cs typeface="Times New Roman" panose="02020603050405020304" pitchFamily="18" charset="0"/>
+              </a:rPr>
+              <a:t>print</a:t>
+            </a:r>
+            <a:r>
+              <a:rPr lang="pt-BR" sz="3200" dirty="0">
+                <a:latin typeface="Times New Roman" panose="02020603050405020304" pitchFamily="18" charset="0"/>
+                <a:cs typeface="Times New Roman" panose="02020603050405020304" pitchFamily="18" charset="0"/>
+              </a:rPr>
+              <a:t>(</a:t>
+            </a:r>
+            <a:r>
+              <a:rPr lang="pt-BR" sz="3200" dirty="0" err="1">
+                <a:latin typeface="Times New Roman" panose="02020603050405020304" pitchFamily="18" charset="0"/>
+                <a:cs typeface="Times New Roman" panose="02020603050405020304" pitchFamily="18" charset="0"/>
+              </a:rPr>
+              <a:t>umaTupla</a:t>
+            </a:r>
+            <a:r>
+              <a:rPr lang="pt-BR" sz="3200" dirty="0">
+                <a:latin typeface="Times New Roman" panose="02020603050405020304" pitchFamily="18" charset="0"/>
+                <a:cs typeface="Times New Roman" panose="02020603050405020304" pitchFamily="18" charset="0"/>
+              </a:rPr>
+              <a:t>)</a:t>
+            </a:r>
+          </a:p>
+          <a:p>
+            <a:pPr marL="0" indent="0" algn="just">
+              <a:buNone/>
+            </a:pPr>
+            <a:endParaRPr lang="pt-BR" sz="3200" dirty="0">
               <a:latin typeface="Times New Roman" panose="02020603050405020304" pitchFamily="18" charset="0"/>
               <a:cs typeface="Times New Roman" panose="02020603050405020304" pitchFamily="18" charset="0"/>
             </a:endParaRPr>
           </a:p>
           <a:p>
-            <a:pPr algn="just">
-              <a:buFont typeface="Wingdings" panose="05000000000000000000" pitchFamily="2" charset="2"/>
-              <a:buChar char="§"/>
+            <a:pPr marL="0" indent="0" algn="just">
+              <a:buNone/>
             </a:pPr>
-            <a:r>
-              <a:rPr lang="pt-BR" b="1" dirty="0">
-                <a:solidFill>
-                  <a:srgbClr val="FF0000"/>
-                </a:solidFill>
-                <a:latin typeface="Times New Roman" panose="02020603050405020304" pitchFamily="18" charset="0"/>
-                <a:cs typeface="Times New Roman" panose="02020603050405020304" pitchFamily="18" charset="0"/>
-              </a:rPr>
-              <a:t>Apagando uma </a:t>
-            </a:r>
-            <a:r>
-              <a:rPr lang="pt-BR" b="1" dirty="0" err="1">
-                <a:solidFill>
-                  <a:srgbClr val="FF0000"/>
-                </a:solidFill>
-                <a:latin typeface="Times New Roman" panose="02020603050405020304" pitchFamily="18" charset="0"/>
-                <a:cs typeface="Times New Roman" panose="02020603050405020304" pitchFamily="18" charset="0"/>
-              </a:rPr>
-              <a:t>Tupla</a:t>
-            </a:r>
-            <a:r>
-              <a:rPr lang="pt-BR" b="1" dirty="0">
-                <a:solidFill>
-                  <a:srgbClr val="FF0000"/>
-                </a:solidFill>
-                <a:latin typeface="Times New Roman" panose="02020603050405020304" pitchFamily="18" charset="0"/>
-                <a:cs typeface="Times New Roman" panose="02020603050405020304" pitchFamily="18" charset="0"/>
-              </a:rPr>
-              <a:t>: </a:t>
-            </a:r>
-            <a:r>
-              <a:rPr lang="pt-BR" b="1" dirty="0" err="1">
-                <a:latin typeface="Times New Roman" panose="02020603050405020304" pitchFamily="18" charset="0"/>
-                <a:cs typeface="Times New Roman" panose="02020603050405020304" pitchFamily="18" charset="0"/>
-              </a:rPr>
-              <a:t>del</a:t>
-            </a:r>
-            <a:r>
-              <a:rPr lang="pt-BR" dirty="0">
-                <a:latin typeface="Times New Roman" panose="02020603050405020304" pitchFamily="18" charset="0"/>
-                <a:cs typeface="Times New Roman" panose="02020603050405020304" pitchFamily="18" charset="0"/>
-              </a:rPr>
-              <a:t> nome da </a:t>
-            </a:r>
-            <a:r>
-              <a:rPr lang="pt-BR" dirty="0" err="1">
-                <a:latin typeface="Times New Roman" panose="02020603050405020304" pitchFamily="18" charset="0"/>
-                <a:cs typeface="Times New Roman" panose="02020603050405020304" pitchFamily="18" charset="0"/>
-              </a:rPr>
-              <a:t>Tupla</a:t>
-            </a:r>
-            <a:endParaRPr lang="pt-BR" dirty="0">
+            <a:endParaRPr lang="pt-BR" sz="3200" dirty="0">
               <a:latin typeface="Times New Roman" panose="02020603050405020304" pitchFamily="18" charset="0"/>
               <a:cs typeface="Times New Roman" panose="02020603050405020304" pitchFamily="18" charset="0"/>
             </a:endParaRPr>
           </a:p>
-          <a:p>
-            <a:pPr marL="0" indent="0" algn="just">
-              <a:buNone/>
-            </a:pPr>
-            <a:r>
-              <a:rPr lang="pt-BR" b="1" dirty="0">
-                <a:latin typeface="Times New Roman" panose="02020603050405020304" pitchFamily="18" charset="0"/>
-                <a:cs typeface="Times New Roman" panose="02020603050405020304" pitchFamily="18" charset="0"/>
-              </a:rPr>
-              <a:t>	Exemplo</a:t>
-            </a:r>
-            <a:r>
-              <a:rPr lang="pt-BR" dirty="0">
-                <a:latin typeface="Times New Roman" panose="02020603050405020304" pitchFamily="18" charset="0"/>
-                <a:cs typeface="Times New Roman" panose="02020603050405020304" pitchFamily="18" charset="0"/>
-              </a:rPr>
-              <a:t>: </a:t>
-            </a:r>
-            <a:r>
-              <a:rPr lang="pt-BR" b="1" dirty="0" err="1">
-                <a:latin typeface="Times New Roman" panose="02020603050405020304" pitchFamily="18" charset="0"/>
-                <a:cs typeface="Times New Roman" panose="02020603050405020304" pitchFamily="18" charset="0"/>
-              </a:rPr>
-              <a:t>del</a:t>
-            </a:r>
-            <a:r>
-              <a:rPr lang="pt-BR" dirty="0">
-                <a:latin typeface="Times New Roman" panose="02020603050405020304" pitchFamily="18" charset="0"/>
-                <a:cs typeface="Times New Roman" panose="02020603050405020304" pitchFamily="18" charset="0"/>
-              </a:rPr>
-              <a:t> cliente</a:t>
-            </a:r>
-          </a:p>
         </p:txBody>
       </p:sp>
     </p:spTree>
     <p:extLst>
       <p:ext uri="{BB962C8B-B14F-4D97-AF65-F5344CB8AC3E}">
-        <p14:creationId xmlns:p14="http://schemas.microsoft.com/office/powerpoint/2010/main" val="1018798093"/>
+        <p14:creationId xmlns:p14="http://schemas.microsoft.com/office/powerpoint/2010/main" val="2360510460"/>
       </p:ext>
     </p:extLst>
   </p:cSld>
@@ -9928,234 +10277,56 @@
           </a:bodyPr>
           <a:lstStyle/>
           <a:p>
-            <a:pPr algn="just">
-              <a:buFont typeface="Wingdings" panose="05000000000000000000" pitchFamily="2" charset="2"/>
-              <a:buChar char="§"/>
+            <a:pPr marL="0" indent="0" algn="just">
+              <a:buNone/>
             </a:pPr>
             <a:r>
-              <a:rPr lang="pt-BR" b="1" dirty="0" err="1">
+              <a:rPr lang="pt-BR" b="1" dirty="0">
                 <a:solidFill>
                   <a:srgbClr val="FF0000"/>
                 </a:solidFill>
                 <a:latin typeface="Times New Roman" panose="02020603050405020304" pitchFamily="18" charset="0"/>
                 <a:cs typeface="Times New Roman" panose="02020603050405020304" pitchFamily="18" charset="0"/>
               </a:rPr>
-              <a:t>Tupla</a:t>
-            </a:r>
+              <a:t>Exemplo2</a:t>
+            </a:r>
+            <a:r>
+              <a:rPr lang="pt-BR" dirty="0">
+                <a:latin typeface="Times New Roman" panose="02020603050405020304" pitchFamily="18" charset="0"/>
+                <a:cs typeface="Times New Roman" panose="02020603050405020304" pitchFamily="18" charset="0"/>
+              </a:rPr>
+              <a:t>:</a:t>
+            </a:r>
+          </a:p>
+          <a:p>
+            <a:pPr marL="0" indent="0" algn="just">
+              <a:buNone/>
+            </a:pPr>
+            <a:r>
+              <a:rPr lang="pt-BR" dirty="0">
+                <a:latin typeface="Times New Roman" panose="02020603050405020304" pitchFamily="18" charset="0"/>
+                <a:cs typeface="Times New Roman" panose="02020603050405020304" pitchFamily="18" charset="0"/>
+              </a:rPr>
+              <a:t>cliente = (“Julia Cardoso", "01234567890", 7000.0, 17)</a:t>
+            </a:r>
+          </a:p>
+          <a:p>
+            <a:pPr marL="0" indent="0" algn="just">
+              <a:buNone/>
+            </a:pPr>
             <a:r>
               <a:rPr lang="pt-BR" b="1" dirty="0">
-                <a:solidFill>
-                  <a:srgbClr val="FF0000"/>
-                </a:solidFill>
-                <a:latin typeface="Times New Roman" panose="02020603050405020304" pitchFamily="18" charset="0"/>
-                <a:cs typeface="Times New Roman" panose="02020603050405020304" pitchFamily="18" charset="0"/>
-              </a:rPr>
-              <a:t> Nomeada</a:t>
-            </a:r>
-          </a:p>
-          <a:p>
-            <a:pPr marL="0" indent="0" algn="just">
-              <a:buNone/>
-            </a:pPr>
-            <a:r>
-              <a:rPr lang="pt-BR" b="1" dirty="0">
-                <a:latin typeface="Times New Roman" panose="02020603050405020304" pitchFamily="18" charset="0"/>
-                <a:cs typeface="Times New Roman" panose="02020603050405020304" pitchFamily="18" charset="0"/>
-              </a:rPr>
-              <a:t>Similar a </a:t>
-            </a:r>
-            <a:r>
-              <a:rPr lang="pt-BR" b="1" dirty="0" err="1">
-                <a:latin typeface="Times New Roman" panose="02020603050405020304" pitchFamily="18" charset="0"/>
-                <a:cs typeface="Times New Roman" panose="02020603050405020304" pitchFamily="18" charset="0"/>
-              </a:rPr>
-              <a:t>struct</a:t>
-            </a:r>
-            <a:r>
-              <a:rPr lang="pt-BR" b="1" dirty="0">
-                <a:latin typeface="Times New Roman" panose="02020603050405020304" pitchFamily="18" charset="0"/>
-                <a:cs typeface="Times New Roman" panose="02020603050405020304" pitchFamily="18" charset="0"/>
-              </a:rPr>
-              <a:t> em C. </a:t>
-            </a:r>
-            <a:r>
-              <a:rPr lang="pt-BR" b="1" dirty="0">
-                <a:solidFill>
-                  <a:srgbClr val="FF0000"/>
-                </a:solidFill>
-                <a:latin typeface="Times New Roman" panose="02020603050405020304" pitchFamily="18" charset="0"/>
-                <a:cs typeface="Times New Roman" panose="02020603050405020304" pitchFamily="18" charset="0"/>
-              </a:rPr>
-              <a:t>Os campos, porém, são imutáveis.</a:t>
-            </a:r>
-          </a:p>
-          <a:p>
-            <a:pPr marL="619125" lvl="1" indent="0" algn="just">
-              <a:buNone/>
-            </a:pPr>
-            <a:r>
-              <a:rPr lang="pt-BR" sz="2400" dirty="0" err="1">
-                <a:latin typeface="Times New Roman" panose="02020603050405020304" pitchFamily="18" charset="0"/>
-                <a:cs typeface="Times New Roman" panose="02020603050405020304" pitchFamily="18" charset="0"/>
-              </a:rPr>
-              <a:t>from</a:t>
-            </a:r>
-            <a:r>
-              <a:rPr lang="pt-BR" sz="2400" dirty="0">
-                <a:latin typeface="Times New Roman" panose="02020603050405020304" pitchFamily="18" charset="0"/>
-                <a:cs typeface="Times New Roman" panose="02020603050405020304" pitchFamily="18" charset="0"/>
-              </a:rPr>
-              <a:t> </a:t>
-            </a:r>
-            <a:r>
-              <a:rPr lang="pt-BR" sz="2400" dirty="0" err="1">
-                <a:latin typeface="Times New Roman" panose="02020603050405020304" pitchFamily="18" charset="0"/>
-                <a:cs typeface="Times New Roman" panose="02020603050405020304" pitchFamily="18" charset="0"/>
-              </a:rPr>
-              <a:t>collections</a:t>
-            </a:r>
-            <a:r>
-              <a:rPr lang="pt-BR" sz="2400" dirty="0">
-                <a:latin typeface="Times New Roman" panose="02020603050405020304" pitchFamily="18" charset="0"/>
-                <a:cs typeface="Times New Roman" panose="02020603050405020304" pitchFamily="18" charset="0"/>
-              </a:rPr>
-              <a:t> </a:t>
-            </a:r>
-            <a:r>
-              <a:rPr lang="pt-BR" sz="2400" dirty="0" err="1">
-                <a:latin typeface="Times New Roman" panose="02020603050405020304" pitchFamily="18" charset="0"/>
-                <a:cs typeface="Times New Roman" panose="02020603050405020304" pitchFamily="18" charset="0"/>
-              </a:rPr>
-              <a:t>import</a:t>
-            </a:r>
-            <a:r>
-              <a:rPr lang="pt-BR" sz="2400" dirty="0">
-                <a:latin typeface="Times New Roman" panose="02020603050405020304" pitchFamily="18" charset="0"/>
-                <a:cs typeface="Times New Roman" panose="02020603050405020304" pitchFamily="18" charset="0"/>
-              </a:rPr>
-              <a:t> </a:t>
-            </a:r>
-            <a:r>
-              <a:rPr lang="pt-BR" sz="2400" dirty="0" err="1">
-                <a:latin typeface="Times New Roman" panose="02020603050405020304" pitchFamily="18" charset="0"/>
-                <a:cs typeface="Times New Roman" panose="02020603050405020304" pitchFamily="18" charset="0"/>
-              </a:rPr>
-              <a:t>namedtuple</a:t>
-            </a:r>
-            <a:endParaRPr lang="pt-BR" sz="2400" dirty="0">
-              <a:latin typeface="Times New Roman" panose="02020603050405020304" pitchFamily="18" charset="0"/>
-              <a:cs typeface="Times New Roman" panose="02020603050405020304" pitchFamily="18" charset="0"/>
-            </a:endParaRPr>
-          </a:p>
-          <a:p>
-            <a:pPr marL="619125" lvl="1" indent="0" algn="just">
-              <a:buNone/>
-            </a:pPr>
-            <a:r>
-              <a:rPr lang="pt-BR" sz="2400" dirty="0">
-                <a:latin typeface="Times New Roman" panose="02020603050405020304" pitchFamily="18" charset="0"/>
-                <a:cs typeface="Times New Roman" panose="02020603050405020304" pitchFamily="18" charset="0"/>
-              </a:rPr>
-              <a:t>Cliente = </a:t>
-            </a:r>
-            <a:r>
-              <a:rPr lang="pt-BR" sz="2400" dirty="0" err="1">
-                <a:latin typeface="Times New Roman" panose="02020603050405020304" pitchFamily="18" charset="0"/>
-                <a:cs typeface="Times New Roman" panose="02020603050405020304" pitchFamily="18" charset="0"/>
-              </a:rPr>
-              <a:t>namedtuple</a:t>
-            </a:r>
-            <a:r>
-              <a:rPr lang="pt-BR" sz="2400" dirty="0">
-                <a:latin typeface="Times New Roman" panose="02020603050405020304" pitchFamily="18" charset="0"/>
-                <a:cs typeface="Times New Roman" panose="02020603050405020304" pitchFamily="18" charset="0"/>
-              </a:rPr>
-              <a:t>(‘Cliente’, ‘nome </a:t>
-            </a:r>
-            <a:r>
-              <a:rPr lang="pt-BR" sz="2400" dirty="0" err="1">
-                <a:latin typeface="Times New Roman" panose="02020603050405020304" pitchFamily="18" charset="0"/>
-                <a:cs typeface="Times New Roman" panose="02020603050405020304" pitchFamily="18" charset="0"/>
-              </a:rPr>
-              <a:t>cpf</a:t>
-            </a:r>
-            <a:r>
-              <a:rPr lang="pt-BR" sz="2400" dirty="0">
-                <a:latin typeface="Times New Roman" panose="02020603050405020304" pitchFamily="18" charset="0"/>
-                <a:cs typeface="Times New Roman" panose="02020603050405020304" pitchFamily="18" charset="0"/>
-              </a:rPr>
-              <a:t> limite compras’)</a:t>
-            </a:r>
-          </a:p>
-          <a:p>
-            <a:pPr marL="619125" lvl="1" indent="0" algn="just">
-              <a:buNone/>
-            </a:pPr>
-            <a:r>
-              <a:rPr lang="pt-BR" sz="2400" dirty="0" err="1">
-                <a:latin typeface="Times New Roman" panose="02020603050405020304" pitchFamily="18" charset="0"/>
-                <a:cs typeface="Times New Roman" panose="02020603050405020304" pitchFamily="18" charset="0"/>
-              </a:rPr>
-              <a:t>umCliente</a:t>
-            </a:r>
-            <a:r>
-              <a:rPr lang="pt-BR" sz="2400" dirty="0">
-                <a:latin typeface="Times New Roman" panose="02020603050405020304" pitchFamily="18" charset="0"/>
-                <a:cs typeface="Times New Roman" panose="02020603050405020304" pitchFamily="18" charset="0"/>
-              </a:rPr>
-              <a:t> = Cliente(‘Fulano’, ‘01234567890’, 5000.00, 300.00)</a:t>
-            </a:r>
-          </a:p>
-          <a:p>
-            <a:pPr marL="619125" lvl="1" indent="0" algn="just">
-              <a:buNone/>
-            </a:pPr>
-            <a:r>
-              <a:rPr lang="pt-BR" sz="2400" dirty="0">
-                <a:latin typeface="Times New Roman" panose="02020603050405020304" pitchFamily="18" charset="0"/>
-                <a:cs typeface="Times New Roman" panose="02020603050405020304" pitchFamily="18" charset="0"/>
-              </a:rPr>
-              <a:t>print (</a:t>
-            </a:r>
-            <a:r>
-              <a:rPr lang="pt-BR" sz="2400" dirty="0" err="1">
-                <a:latin typeface="Times New Roman" panose="02020603050405020304" pitchFamily="18" charset="0"/>
-                <a:cs typeface="Times New Roman" panose="02020603050405020304" pitchFamily="18" charset="0"/>
-              </a:rPr>
-              <a:t>umCliente</a:t>
-            </a:r>
-            <a:r>
-              <a:rPr lang="pt-BR" sz="2400" dirty="0">
-                <a:latin typeface="Times New Roman" panose="02020603050405020304" pitchFamily="18" charset="0"/>
-                <a:cs typeface="Times New Roman" panose="02020603050405020304" pitchFamily="18" charset="0"/>
-              </a:rPr>
-              <a:t>)</a:t>
-            </a:r>
-          </a:p>
-          <a:p>
-            <a:pPr marL="619125" lvl="1" indent="0" algn="just">
-              <a:buNone/>
-            </a:pPr>
-            <a:r>
-              <a:rPr lang="pt-BR" sz="2400" dirty="0">
-                <a:latin typeface="Times New Roman" panose="02020603050405020304" pitchFamily="18" charset="0"/>
-                <a:cs typeface="Times New Roman" panose="02020603050405020304" pitchFamily="18" charset="0"/>
-              </a:rPr>
-              <a:t>print(</a:t>
-            </a:r>
-            <a:r>
-              <a:rPr lang="pt-BR" sz="2400" dirty="0" err="1">
-                <a:latin typeface="Times New Roman" panose="02020603050405020304" pitchFamily="18" charset="0"/>
-                <a:cs typeface="Times New Roman" panose="02020603050405020304" pitchFamily="18" charset="0"/>
-              </a:rPr>
-              <a:t>umCliente.cpf</a:t>
-            </a:r>
-            <a:r>
-              <a:rPr lang="pt-BR" sz="2400" dirty="0">
-                <a:latin typeface="Times New Roman" panose="02020603050405020304" pitchFamily="18" charset="0"/>
-                <a:cs typeface="Times New Roman" panose="02020603050405020304" pitchFamily="18" charset="0"/>
-              </a:rPr>
-              <a:t>)</a:t>
+                <a:latin typeface="Times New Roman" panose="02020603050405020304" pitchFamily="18" charset="0"/>
+                <a:cs typeface="Times New Roman" panose="02020603050405020304" pitchFamily="18" charset="0"/>
+              </a:rPr>
+              <a:t>print</a:t>
+            </a:r>
+            <a:r>
+              <a:rPr lang="pt-BR" dirty="0">
+                <a:latin typeface="Times New Roman" panose="02020603050405020304" pitchFamily="18" charset="0"/>
+                <a:cs typeface="Times New Roman" panose="02020603050405020304" pitchFamily="18" charset="0"/>
+              </a:rPr>
+              <a:t> (cliente)</a:t>
             </a:r>
           </a:p>
           <a:p>
@@ -10167,12 +10338,70 @@
               <a:cs typeface="Times New Roman" panose="02020603050405020304" pitchFamily="18" charset="0"/>
             </a:endParaRPr>
           </a:p>
+          <a:p>
+            <a:pPr marL="0" indent="0" algn="just">
+              <a:buNone/>
+            </a:pPr>
+            <a:r>
+              <a:rPr lang="pt-BR" b="1" dirty="0">
+                <a:latin typeface="Times New Roman" panose="02020603050405020304" pitchFamily="18" charset="0"/>
+                <a:cs typeface="Times New Roman" panose="02020603050405020304" pitchFamily="18" charset="0"/>
+              </a:rPr>
+              <a:t>Nota</a:t>
+            </a:r>
+            <a:r>
+              <a:rPr lang="pt-BR" dirty="0">
+                <a:latin typeface="Times New Roman" panose="02020603050405020304" pitchFamily="18" charset="0"/>
+                <a:cs typeface="Times New Roman" panose="02020603050405020304" pitchFamily="18" charset="0"/>
+              </a:rPr>
+              <a:t>: O acesso é como em </a:t>
+            </a:r>
+            <a:r>
+              <a:rPr lang="pt-BR" b="1" dirty="0">
+                <a:solidFill>
+                  <a:srgbClr val="FF0000"/>
+                </a:solidFill>
+                <a:latin typeface="Times New Roman" panose="02020603050405020304" pitchFamily="18" charset="0"/>
+                <a:cs typeface="Times New Roman" panose="02020603050405020304" pitchFamily="18" charset="0"/>
+              </a:rPr>
+              <a:t>lista (: e ::)</a:t>
+            </a:r>
+          </a:p>
+          <a:p>
+            <a:pPr marL="0" indent="0" algn="just">
+              <a:buNone/>
+            </a:pPr>
+            <a:r>
+              <a:rPr lang="pt-BR" dirty="0">
+                <a:latin typeface="Times New Roman" panose="02020603050405020304" pitchFamily="18" charset="0"/>
+                <a:cs typeface="Times New Roman" panose="02020603050405020304" pitchFamily="18" charset="0"/>
+              </a:rPr>
+              <a:t>	   </a:t>
+            </a:r>
+            <a:r>
+              <a:rPr lang="pt-BR" b="1" dirty="0" err="1">
+                <a:solidFill>
+                  <a:srgbClr val="FF0000"/>
+                </a:solidFill>
+                <a:latin typeface="Times New Roman" panose="02020603050405020304" pitchFamily="18" charset="0"/>
+                <a:cs typeface="Times New Roman" panose="02020603050405020304" pitchFamily="18" charset="0"/>
+              </a:rPr>
+              <a:t>Tupla</a:t>
+            </a:r>
+            <a:r>
+              <a:rPr lang="pt-BR" dirty="0">
+                <a:latin typeface="Times New Roman" panose="02020603050405020304" pitchFamily="18" charset="0"/>
+                <a:cs typeface="Times New Roman" panose="02020603050405020304" pitchFamily="18" charset="0"/>
+              </a:rPr>
+              <a:t>, não podemos mudar um elemento!</a:t>
+            </a:r>
+          </a:p>
         </p:txBody>
       </p:sp>
     </p:spTree>
     <p:extLst>
       <p:ext uri="{BB962C8B-B14F-4D97-AF65-F5344CB8AC3E}">
-        <p14:creationId xmlns:p14="http://schemas.microsoft.com/office/powerpoint/2010/main" val="3590522157"/>
+        <p14:creationId xmlns:p14="http://schemas.microsoft.com/office/powerpoint/2010/main" val="3895288765"/>
       </p:ext>
     </p:extLst>
   </p:cSld>
@@ -10765,8 +10994,21 @@
                   <a:srgbClr val="0070C0"/>
                 </a:solidFill>
               </a:rPr>
-              <a:t> SETs</a:t>
-            </a:r>
+              <a:t> </a:t>
+            </a:r>
+            <a:r>
+              <a:rPr lang="en-US" b="1" dirty="0" err="1">
+                <a:solidFill>
+                  <a:srgbClr val="0070C0"/>
+                </a:solidFill>
+              </a:rPr>
+              <a:t>Tuplas</a:t>
+            </a:r>
+            <a:endParaRPr lang="en-US" b="1" dirty="0">
+              <a:solidFill>
+                <a:srgbClr val="0070C0"/>
+              </a:solidFill>
+            </a:endParaRPr>
           </a:p>
         </p:txBody>
       </p:sp>
@@ -10792,6 +11034,64 @@
           </a:bodyPr>
           <a:lstStyle/>
           <a:p>
+            <a:pPr marL="0" indent="0" algn="just">
+              <a:buNone/>
+            </a:pPr>
+            <a:r>
+              <a:rPr lang="pt-BR" dirty="0">
+                <a:latin typeface="Times New Roman" panose="02020603050405020304" pitchFamily="18" charset="0"/>
+                <a:cs typeface="Times New Roman" panose="02020603050405020304" pitchFamily="18" charset="0"/>
+              </a:rPr>
+              <a:t>cliente[1] = "1234“ # </a:t>
+            </a:r>
+            <a:r>
+              <a:rPr lang="pt-BR" b="1" dirty="0" err="1">
+                <a:solidFill>
+                  <a:srgbClr val="FF0000"/>
+                </a:solidFill>
+                <a:latin typeface="Times New Roman" panose="02020603050405020304" pitchFamily="18" charset="0"/>
+                <a:cs typeface="Times New Roman" panose="02020603050405020304" pitchFamily="18" charset="0"/>
+              </a:rPr>
+              <a:t>Tupla</a:t>
+            </a:r>
+            <a:r>
+              <a:rPr lang="pt-BR" b="1" dirty="0">
+                <a:solidFill>
+                  <a:srgbClr val="FF0000"/>
+                </a:solidFill>
+                <a:latin typeface="Times New Roman" panose="02020603050405020304" pitchFamily="18" charset="0"/>
+                <a:cs typeface="Times New Roman" panose="02020603050405020304" pitchFamily="18" charset="0"/>
+              </a:rPr>
+              <a:t>, </a:t>
+            </a:r>
+            <a:r>
+              <a:rPr lang="pt-BR" b="1" dirty="0" err="1">
+                <a:solidFill>
+                  <a:srgbClr val="FF0000"/>
+                </a:solidFill>
+                <a:latin typeface="Times New Roman" panose="02020603050405020304" pitchFamily="18" charset="0"/>
+                <a:cs typeface="Times New Roman" panose="02020603050405020304" pitchFamily="18" charset="0"/>
+              </a:rPr>
+              <a:t>error</a:t>
+            </a:r>
+            <a:r>
+              <a:rPr lang="pt-BR" dirty="0">
+                <a:latin typeface="Times New Roman" panose="02020603050405020304" pitchFamily="18" charset="0"/>
+                <a:cs typeface="Times New Roman" panose="02020603050405020304" pitchFamily="18" charset="0"/>
+              </a:rPr>
+              <a:t>, não pode alterar.</a:t>
+            </a:r>
+          </a:p>
+          <a:p>
+            <a:pPr marL="0" indent="0" algn="just">
+              <a:buNone/>
+            </a:pPr>
+            <a:endParaRPr lang="pt-BR" dirty="0">
+              <a:latin typeface="Times New Roman" panose="02020603050405020304" pitchFamily="18" charset="0"/>
+              <a:cs typeface="Times New Roman" panose="02020603050405020304" pitchFamily="18" charset="0"/>
+            </a:endParaRPr>
+          </a:p>
+          <a:p>
             <a:pPr algn="just">
               <a:buFont typeface="Wingdings" panose="05000000000000000000" pitchFamily="2" charset="2"/>
               <a:buChar char="§"/>
@@ -10804,64 +11104,50 @@
                 <a:latin typeface="Times New Roman" panose="02020603050405020304" pitchFamily="18" charset="0"/>
                 <a:cs typeface="Times New Roman" panose="02020603050405020304" pitchFamily="18" charset="0"/>
               </a:rPr>
-              <a:t>Conjunto</a:t>
-            </a:r>
-            <a:r>
-              <a:rPr lang="pt-BR" sz="2000" b="1" dirty="0">
+              <a:t>Apagando uma </a:t>
+            </a:r>
+            <a:r>
+              <a:rPr lang="pt-BR" b="1" dirty="0" err="1">
                 <a:solidFill>
                   <a:srgbClr val="FF0000"/>
                 </a:solidFill>
                 <a:latin typeface="Times New Roman" panose="02020603050405020304" pitchFamily="18" charset="0"/>
                 <a:cs typeface="Times New Roman" panose="02020603050405020304" pitchFamily="18" charset="0"/>
               </a:rPr>
-              <a:t> - </a:t>
+              <a:t>Tupla</a:t>
             </a:r>
             <a:r>
               <a:rPr lang="pt-BR" b="1" dirty="0">
-                <a:latin typeface="Times New Roman" panose="02020603050405020304" pitchFamily="18" charset="0"/>
-                <a:cs typeface="Times New Roman" panose="02020603050405020304" pitchFamily="18" charset="0"/>
-              </a:rPr>
-              <a:t>Sets</a:t>
-            </a:r>
-            <a:r>
-              <a:rPr lang="pt-BR" sz="2000" dirty="0">
-                <a:latin typeface="Times New Roman" panose="02020603050405020304" pitchFamily="18" charset="0"/>
-                <a:cs typeface="Times New Roman" panose="02020603050405020304" pitchFamily="18" charset="0"/>
-              </a:rPr>
-              <a:t> </a:t>
-            </a:r>
-          </a:p>
-          <a:p>
-            <a:pPr marL="0" indent="0" algn="just">
-              <a:buNone/>
-            </a:pPr>
-            <a:r>
-              <a:rPr lang="pt-BR" sz="2000" dirty="0">
-                <a:latin typeface="Times New Roman" panose="02020603050405020304" pitchFamily="18" charset="0"/>
-                <a:cs typeface="Times New Roman" panose="02020603050405020304" pitchFamily="18" charset="0"/>
-              </a:rPr>
-              <a:t>são estruturas disponíveis como </a:t>
-            </a:r>
-            <a:r>
-              <a:rPr lang="pt-BR" sz="2000" b="1" i="1" dirty="0" err="1">
-                <a:latin typeface="Times New Roman" panose="02020603050405020304" pitchFamily="18" charset="0"/>
-                <a:cs typeface="Times New Roman" panose="02020603050405020304" pitchFamily="18" charset="0"/>
-              </a:rPr>
-              <a:t>builtins</a:t>
-            </a:r>
-            <a:r>
-              <a:rPr lang="pt-BR" sz="2000" dirty="0">
-                <a:latin typeface="Times New Roman" panose="02020603050405020304" pitchFamily="18" charset="0"/>
-                <a:cs typeface="Times New Roman" panose="02020603050405020304" pitchFamily="18" charset="0"/>
-              </a:rPr>
-              <a:t> do Python, utilizadas para representar coleções desordenadas de elementos únicos.</a:t>
-            </a:r>
-          </a:p>
-          <a:p>
-            <a:pPr marL="0" indent="0" algn="just">
-              <a:buNone/>
-            </a:pPr>
-            <a:endParaRPr lang="pt-BR" sz="2000" dirty="0">
+                <a:solidFill>
+                  <a:srgbClr val="FF0000"/>
+                </a:solidFill>
+                <a:latin typeface="Times New Roman" panose="02020603050405020304" pitchFamily="18" charset="0"/>
+                <a:cs typeface="Times New Roman" panose="02020603050405020304" pitchFamily="18" charset="0"/>
+              </a:rPr>
+              <a:t>: </a:t>
+            </a:r>
+            <a:r>
+              <a:rPr lang="pt-BR" b="1" dirty="0" err="1">
+                <a:latin typeface="Times New Roman" panose="02020603050405020304" pitchFamily="18" charset="0"/>
+                <a:cs typeface="Times New Roman" panose="02020603050405020304" pitchFamily="18" charset="0"/>
+              </a:rPr>
+              <a:t>del</a:t>
+            </a:r>
+            <a:r>
+              <a:rPr lang="pt-BR" dirty="0">
+                <a:latin typeface="Times New Roman" panose="02020603050405020304" pitchFamily="18" charset="0"/>
+                <a:cs typeface="Times New Roman" panose="02020603050405020304" pitchFamily="18" charset="0"/>
+              </a:rPr>
+              <a:t> nome da </a:t>
+            </a:r>
+            <a:r>
+              <a:rPr lang="pt-BR" dirty="0" err="1">
+                <a:latin typeface="Times New Roman" panose="02020603050405020304" pitchFamily="18" charset="0"/>
+                <a:cs typeface="Times New Roman" panose="02020603050405020304" pitchFamily="18" charset="0"/>
+              </a:rPr>
+              <a:t>Tupla</a:t>
+            </a:r>
+            <a:endParaRPr lang="pt-BR" dirty="0">
               <a:latin typeface="Times New Roman" panose="02020603050405020304" pitchFamily="18" charset="0"/>
               <a:cs typeface="Times New Roman" panose="02020603050405020304" pitchFamily="18" charset="0"/>
             </a:endParaRPr>
@@ -10871,166 +11157,40 @@
               <a:buNone/>
             </a:pPr>
             <a:r>
-              <a:rPr lang="pt-BR" sz="2000" dirty="0">
-                <a:latin typeface="Times New Roman" panose="02020603050405020304" pitchFamily="18" charset="0"/>
-                <a:cs typeface="Times New Roman" panose="02020603050405020304" pitchFamily="18" charset="0"/>
-              </a:rPr>
-              <a:t>Os elementos não são armazenados em uma ordem específica e confiável; </a:t>
-            </a:r>
-            <a:r>
-              <a:rPr lang="pt-BR" sz="2000" b="1" dirty="0">
-                <a:latin typeface="Times New Roman" panose="02020603050405020304" pitchFamily="18" charset="0"/>
-                <a:cs typeface="Times New Roman" panose="02020603050405020304" pitchFamily="18" charset="0"/>
-              </a:rPr>
-              <a:t>Conjuntos não contém elementos repetidos</a:t>
-            </a:r>
-            <a:r>
-              <a:rPr lang="pt-BR" sz="2000" dirty="0">
-                <a:latin typeface="Times New Roman" panose="02020603050405020304" pitchFamily="18" charset="0"/>
-                <a:cs typeface="Times New Roman" panose="02020603050405020304" pitchFamily="18" charset="0"/>
-              </a:rPr>
-              <a:t>.</a:t>
-            </a:r>
-          </a:p>
-          <a:p>
-            <a:pPr marL="0" indent="0" algn="just">
-              <a:buNone/>
-            </a:pPr>
-            <a:r>
-              <a:rPr lang="da-DK" sz="2000" b="1" dirty="0">
-                <a:latin typeface="Times New Roman" panose="02020603050405020304" pitchFamily="18" charset="0"/>
-                <a:cs typeface="Times New Roman" panose="02020603050405020304" pitchFamily="18" charset="0"/>
-              </a:rPr>
-              <a:t>set</a:t>
-            </a:r>
-            <a:r>
-              <a:rPr lang="da-DK" sz="2000" dirty="0">
-                <a:latin typeface="Times New Roman" panose="02020603050405020304" pitchFamily="18" charset="0"/>
-                <a:cs typeface="Times New Roman" panose="02020603050405020304" pitchFamily="18" charset="0"/>
-              </a:rPr>
-              <a:t>([1, 2, 3, 4])</a:t>
-            </a:r>
-            <a:r>
-              <a:rPr lang="pt-BR" sz="2000" dirty="0">
-                <a:latin typeface="Times New Roman" panose="02020603050405020304" pitchFamily="18" charset="0"/>
-                <a:cs typeface="Times New Roman" panose="02020603050405020304" pitchFamily="18" charset="0"/>
-              </a:rPr>
-              <a:t> ou </a:t>
-            </a:r>
-            <a:r>
-              <a:rPr lang="pt-BR" sz="2000" b="1" dirty="0">
-                <a:latin typeface="Times New Roman" panose="02020603050405020304" pitchFamily="18" charset="0"/>
-                <a:cs typeface="Times New Roman" panose="02020603050405020304" pitchFamily="18" charset="0"/>
-              </a:rPr>
-              <a:t>s</a:t>
-            </a:r>
-            <a:r>
-              <a:rPr lang="pt-BR" sz="2000" dirty="0">
-                <a:latin typeface="Times New Roman" panose="02020603050405020304" pitchFamily="18" charset="0"/>
-                <a:cs typeface="Times New Roman" panose="02020603050405020304" pitchFamily="18" charset="0"/>
-              </a:rPr>
-              <a:t> </a:t>
-            </a:r>
-            <a:r>
-              <a:rPr lang="da-DK" sz="2000" dirty="0">
-                <a:latin typeface="Times New Roman" panose="02020603050405020304" pitchFamily="18" charset="0"/>
-                <a:cs typeface="Times New Roman" panose="02020603050405020304" pitchFamily="18" charset="0"/>
-              </a:rPr>
-              <a:t>= {1, 2, 3, 4}; </a:t>
-            </a:r>
-          </a:p>
-          <a:p>
-            <a:pPr marL="0" indent="0" algn="just">
-              <a:buNone/>
-            </a:pPr>
-            <a:r>
-              <a:rPr lang="da-DK" sz="2000" dirty="0">
-                <a:latin typeface="Times New Roman" panose="02020603050405020304" pitchFamily="18" charset="0"/>
-                <a:cs typeface="Times New Roman" panose="02020603050405020304" pitchFamily="18" charset="0"/>
-              </a:rPr>
-              <a:t>Ex.: </a:t>
-            </a:r>
-            <a:r>
-              <a:rPr lang="pt-BR" sz="2000" dirty="0">
-                <a:latin typeface="Times New Roman" panose="02020603050405020304" pitchFamily="18" charset="0"/>
-                <a:cs typeface="Times New Roman" panose="02020603050405020304" pitchFamily="18" charset="0"/>
-              </a:rPr>
-              <a:t>a</a:t>
-            </a:r>
-            <a:r>
-              <a:rPr lang="da-DK" sz="2000" dirty="0">
-                <a:latin typeface="Times New Roman" panose="02020603050405020304" pitchFamily="18" charset="0"/>
-                <a:cs typeface="Times New Roman" panose="02020603050405020304" pitchFamily="18" charset="0"/>
-              </a:rPr>
-              <a:t>={1, 2, 3, 4};  e </a:t>
-            </a:r>
-            <a:r>
-              <a:rPr lang="pt-BR" sz="2000" dirty="0">
-                <a:latin typeface="Times New Roman" panose="02020603050405020304" pitchFamily="18" charset="0"/>
-                <a:cs typeface="Times New Roman" panose="02020603050405020304" pitchFamily="18" charset="0"/>
-              </a:rPr>
-              <a:t>b</a:t>
-            </a:r>
-            <a:r>
-              <a:rPr lang="da-DK" sz="2000" dirty="0">
-                <a:latin typeface="Times New Roman" panose="02020603050405020304" pitchFamily="18" charset="0"/>
-                <a:cs typeface="Times New Roman" panose="02020603050405020304" pitchFamily="18" charset="0"/>
-              </a:rPr>
-              <a:t>={1, 5, 3, 7}; a.</a:t>
-            </a:r>
-            <a:r>
-              <a:rPr lang="da-DK" sz="2000" b="1" dirty="0">
-                <a:latin typeface="Times New Roman" panose="02020603050405020304" pitchFamily="18" charset="0"/>
-                <a:cs typeface="Times New Roman" panose="02020603050405020304" pitchFamily="18" charset="0"/>
-              </a:rPr>
-              <a:t>union</a:t>
-            </a:r>
-            <a:r>
-              <a:rPr lang="da-DK" sz="2000" dirty="0">
-                <a:latin typeface="Times New Roman" panose="02020603050405020304" pitchFamily="18" charset="0"/>
-                <a:cs typeface="Times New Roman" panose="02020603050405020304" pitchFamily="18" charset="0"/>
-              </a:rPr>
-              <a:t>(b); a. </a:t>
-            </a:r>
-            <a:r>
-              <a:rPr lang="da-DK" sz="2000" b="1" dirty="0">
-                <a:latin typeface="Times New Roman" panose="02020603050405020304" pitchFamily="18" charset="0"/>
-                <a:cs typeface="Times New Roman" panose="02020603050405020304" pitchFamily="18" charset="0"/>
-              </a:rPr>
-              <a:t>intersection</a:t>
-            </a:r>
-            <a:r>
-              <a:rPr lang="da-DK" sz="2000" dirty="0">
-                <a:latin typeface="Times New Roman" panose="02020603050405020304" pitchFamily="18" charset="0"/>
-                <a:cs typeface="Times New Roman" panose="02020603050405020304" pitchFamily="18" charset="0"/>
-              </a:rPr>
-              <a:t>(b); a. </a:t>
-            </a:r>
-            <a:r>
-              <a:rPr lang="da-DK" sz="2000" b="1" dirty="0">
-                <a:latin typeface="Times New Roman" panose="02020603050405020304" pitchFamily="18" charset="0"/>
-                <a:cs typeface="Times New Roman" panose="02020603050405020304" pitchFamily="18" charset="0"/>
-              </a:rPr>
-              <a:t>difference</a:t>
-            </a:r>
-            <a:r>
-              <a:rPr lang="da-DK" sz="2000" dirty="0">
-                <a:latin typeface="Times New Roman" panose="02020603050405020304" pitchFamily="18" charset="0"/>
-                <a:cs typeface="Times New Roman" panose="02020603050405020304" pitchFamily="18" charset="0"/>
-              </a:rPr>
-              <a:t>(b)</a:t>
-            </a:r>
-            <a:endParaRPr lang="pt-BR" sz="2000" dirty="0">
-              <a:latin typeface="Times New Roman" panose="02020603050405020304" pitchFamily="18" charset="0"/>
-              <a:cs typeface="Times New Roman" panose="02020603050405020304" pitchFamily="18" charset="0"/>
-            </a:endParaRPr>
+              <a:rPr lang="pt-BR" b="1" dirty="0">
+                <a:latin typeface="Times New Roman" panose="02020603050405020304" pitchFamily="18" charset="0"/>
+                <a:cs typeface="Times New Roman" panose="02020603050405020304" pitchFamily="18" charset="0"/>
+              </a:rPr>
+              <a:t>	Exemplo</a:t>
+            </a:r>
+            <a:r>
+              <a:rPr lang="pt-BR" dirty="0">
+                <a:latin typeface="Times New Roman" panose="02020603050405020304" pitchFamily="18" charset="0"/>
+                <a:cs typeface="Times New Roman" panose="02020603050405020304" pitchFamily="18" charset="0"/>
+              </a:rPr>
+              <a:t>: </a:t>
+            </a:r>
+            <a:r>
+              <a:rPr lang="pt-BR" b="1" dirty="0" err="1">
+                <a:latin typeface="Times New Roman" panose="02020603050405020304" pitchFamily="18" charset="0"/>
+                <a:cs typeface="Times New Roman" panose="02020603050405020304" pitchFamily="18" charset="0"/>
+              </a:rPr>
+              <a:t>del</a:t>
+            </a:r>
+            <a:r>
+              <a:rPr lang="pt-BR" dirty="0">
+                <a:latin typeface="Times New Roman" panose="02020603050405020304" pitchFamily="18" charset="0"/>
+                <a:cs typeface="Times New Roman" panose="02020603050405020304" pitchFamily="18" charset="0"/>
+              </a:rPr>
+              <a:t> cliente</a:t>
+            </a:r>
           </a:p>
         </p:txBody>
       </p:sp>
     </p:spTree>
     <p:extLst>
       <p:ext uri="{BB962C8B-B14F-4D97-AF65-F5344CB8AC3E}">
-        <p14:creationId xmlns:p14="http://schemas.microsoft.com/office/powerpoint/2010/main" val="1679403773"/>
+        <p14:creationId xmlns:p14="http://schemas.microsoft.com/office/powerpoint/2010/main" val="1018798093"/>
       </p:ext>
     </p:extLst>
   </p:cSld>
@@ -11076,12 +11236,20 @@
           <a:lstStyle/>
           <a:p>
             <a:r>
+              <a:rPr lang="en-US" b="1" dirty="0">
+                <a:solidFill>
+                  <a:srgbClr val="0070C0"/>
+                </a:solidFill>
+              </a:rPr>
+              <a:t>Python – </a:t>
+            </a:r>
+            <a:r>
               <a:rPr lang="en-US" b="1" dirty="0" err="1">
                 <a:solidFill>
                   <a:srgbClr val="0070C0"/>
                 </a:solidFill>
               </a:rPr>
-              <a:t>Leitura</a:t>
+              <a:t>TDados</a:t>
             </a:r>
             <a:r>
               <a:rPr lang="en-US" b="1" dirty="0">
@@ -11097,7 +11265,23 @@
                   <a:srgbClr val="0070C0"/>
                 </a:solidFill>
               </a:rPr>
-              <a:t>Específica</a:t>
+              <a:t>Aglomerados</a:t>
+            </a:r>
+            <a:r>
+              <a:rPr lang="en-US" b="1" dirty="0">
+                <a:solidFill>
+                  <a:srgbClr val="0070C0"/>
+                </a:solidFill>
+              </a:rPr>
+              <a:t> </a:t>
+            </a:r>
+            <a:r>
+              <a:rPr lang="en-US" b="1" dirty="0" err="1">
+                <a:solidFill>
+                  <a:srgbClr val="0070C0"/>
+                </a:solidFill>
+              </a:rPr>
+              <a:t>Tuplas</a:t>
             </a:r>
             <a:endParaRPr lang="en-US" b="1" dirty="0">
               <a:solidFill>
@@ -11119,8 +11303,8 @@
         </p:nvSpPr>
         <p:spPr>
           <a:xfrm>
-            <a:off x="142865" y="1200151"/>
-            <a:ext cx="8865056" cy="3394472"/>
+            <a:off x="142865" y="1200150"/>
+            <a:ext cx="8865056" cy="3737370"/>
           </a:xfrm>
         </p:spPr>
         <p:txBody>
@@ -11129,6 +11313,237 @@
           </a:bodyPr>
           <a:lstStyle/>
           <a:p>
+            <a:pPr algn="just">
+              <a:buFont typeface="Wingdings" panose="05000000000000000000" pitchFamily="2" charset="2"/>
+              <a:buChar char="§"/>
+            </a:pPr>
+            <a:r>
+              <a:rPr lang="pt-BR" b="1" dirty="0" err="1">
+                <a:solidFill>
+                  <a:srgbClr val="FF0000"/>
+                </a:solidFill>
+                <a:latin typeface="Times New Roman" panose="02020603050405020304" pitchFamily="18" charset="0"/>
+                <a:cs typeface="Times New Roman" panose="02020603050405020304" pitchFamily="18" charset="0"/>
+              </a:rPr>
+              <a:t>Tupla</a:t>
+            </a:r>
+            <a:r>
+              <a:rPr lang="pt-BR" b="1" dirty="0">
+                <a:solidFill>
+                  <a:srgbClr val="FF0000"/>
+                </a:solidFill>
+                <a:latin typeface="Times New Roman" panose="02020603050405020304" pitchFamily="18" charset="0"/>
+                <a:cs typeface="Times New Roman" panose="02020603050405020304" pitchFamily="18" charset="0"/>
+              </a:rPr>
+              <a:t> Nomeada</a:t>
+            </a:r>
+          </a:p>
+          <a:p>
+            <a:pPr marL="0" indent="0" algn="just">
+              <a:buNone/>
+            </a:pPr>
+            <a:r>
+              <a:rPr lang="pt-BR" b="1" dirty="0">
+                <a:latin typeface="Times New Roman" panose="02020603050405020304" pitchFamily="18" charset="0"/>
+                <a:cs typeface="Times New Roman" panose="02020603050405020304" pitchFamily="18" charset="0"/>
+              </a:rPr>
+              <a:t>Similar a </a:t>
+            </a:r>
+            <a:r>
+              <a:rPr lang="pt-BR" b="1" dirty="0" err="1">
+                <a:latin typeface="Times New Roman" panose="02020603050405020304" pitchFamily="18" charset="0"/>
+                <a:cs typeface="Times New Roman" panose="02020603050405020304" pitchFamily="18" charset="0"/>
+              </a:rPr>
+              <a:t>struct</a:t>
+            </a:r>
+            <a:r>
+              <a:rPr lang="pt-BR" b="1" dirty="0">
+                <a:latin typeface="Times New Roman" panose="02020603050405020304" pitchFamily="18" charset="0"/>
+                <a:cs typeface="Times New Roman" panose="02020603050405020304" pitchFamily="18" charset="0"/>
+              </a:rPr>
+              <a:t> em C. </a:t>
+            </a:r>
+            <a:r>
+              <a:rPr lang="pt-BR" b="1" dirty="0">
+                <a:solidFill>
+                  <a:srgbClr val="FF0000"/>
+                </a:solidFill>
+                <a:latin typeface="Times New Roman" panose="02020603050405020304" pitchFamily="18" charset="0"/>
+                <a:cs typeface="Times New Roman" panose="02020603050405020304" pitchFamily="18" charset="0"/>
+              </a:rPr>
+              <a:t>Os campos, porém, são imutáveis.</a:t>
+            </a:r>
+          </a:p>
+          <a:p>
+            <a:pPr marL="619125" lvl="1" indent="0" algn="just">
+              <a:buNone/>
+            </a:pPr>
+            <a:r>
+              <a:rPr lang="pt-BR" sz="2400" dirty="0" err="1">
+                <a:latin typeface="Times New Roman" panose="02020603050405020304" pitchFamily="18" charset="0"/>
+                <a:cs typeface="Times New Roman" panose="02020603050405020304" pitchFamily="18" charset="0"/>
+              </a:rPr>
+              <a:t>from</a:t>
+            </a:r>
+            <a:r>
+              <a:rPr lang="pt-BR" sz="2400" dirty="0">
+                <a:latin typeface="Times New Roman" panose="02020603050405020304" pitchFamily="18" charset="0"/>
+                <a:cs typeface="Times New Roman" panose="02020603050405020304" pitchFamily="18" charset="0"/>
+              </a:rPr>
+              <a:t> </a:t>
+            </a:r>
+            <a:r>
+              <a:rPr lang="pt-BR" sz="2400" dirty="0" err="1">
+                <a:latin typeface="Times New Roman" panose="02020603050405020304" pitchFamily="18" charset="0"/>
+                <a:cs typeface="Times New Roman" panose="02020603050405020304" pitchFamily="18" charset="0"/>
+              </a:rPr>
+              <a:t>collections</a:t>
+            </a:r>
+            <a:r>
+              <a:rPr lang="pt-BR" sz="2400" dirty="0">
+                <a:latin typeface="Times New Roman" panose="02020603050405020304" pitchFamily="18" charset="0"/>
+                <a:cs typeface="Times New Roman" panose="02020603050405020304" pitchFamily="18" charset="0"/>
+              </a:rPr>
+              <a:t> </a:t>
+            </a:r>
+            <a:r>
+              <a:rPr lang="pt-BR" sz="2400" dirty="0" err="1">
+                <a:latin typeface="Times New Roman" panose="02020603050405020304" pitchFamily="18" charset="0"/>
+                <a:cs typeface="Times New Roman" panose="02020603050405020304" pitchFamily="18" charset="0"/>
+              </a:rPr>
+              <a:t>import</a:t>
+            </a:r>
+            <a:r>
+              <a:rPr lang="pt-BR" sz="2400" dirty="0">
+                <a:latin typeface="Times New Roman" panose="02020603050405020304" pitchFamily="18" charset="0"/>
+                <a:cs typeface="Times New Roman" panose="02020603050405020304" pitchFamily="18" charset="0"/>
+              </a:rPr>
+              <a:t> </a:t>
+            </a:r>
+            <a:r>
+              <a:rPr lang="pt-BR" sz="2400" dirty="0" err="1">
+                <a:latin typeface="Times New Roman" panose="02020603050405020304" pitchFamily="18" charset="0"/>
+                <a:cs typeface="Times New Roman" panose="02020603050405020304" pitchFamily="18" charset="0"/>
+              </a:rPr>
+              <a:t>namedtuple</a:t>
+            </a:r>
+            <a:endParaRPr lang="pt-BR" sz="2400" dirty="0">
+              <a:latin typeface="Times New Roman" panose="02020603050405020304" pitchFamily="18" charset="0"/>
+              <a:cs typeface="Times New Roman" panose="02020603050405020304" pitchFamily="18" charset="0"/>
+            </a:endParaRPr>
+          </a:p>
+          <a:p>
+            <a:pPr marL="619125" lvl="1" indent="0" algn="just">
+              <a:buNone/>
+            </a:pPr>
+            <a:r>
+              <a:rPr lang="pt-BR" sz="2400" dirty="0">
+                <a:latin typeface="Times New Roman" panose="02020603050405020304" pitchFamily="18" charset="0"/>
+                <a:cs typeface="Times New Roman" panose="02020603050405020304" pitchFamily="18" charset="0"/>
+              </a:rPr>
+              <a:t>Cliente = </a:t>
+            </a:r>
+            <a:r>
+              <a:rPr lang="pt-BR" sz="2400" dirty="0" err="1">
+                <a:latin typeface="Times New Roman" panose="02020603050405020304" pitchFamily="18" charset="0"/>
+                <a:cs typeface="Times New Roman" panose="02020603050405020304" pitchFamily="18" charset="0"/>
+              </a:rPr>
+              <a:t>namedtuple</a:t>
+            </a:r>
+            <a:r>
+              <a:rPr lang="pt-BR" sz="2400" dirty="0">
+                <a:latin typeface="Times New Roman" panose="02020603050405020304" pitchFamily="18" charset="0"/>
+                <a:cs typeface="Times New Roman" panose="02020603050405020304" pitchFamily="18" charset="0"/>
+              </a:rPr>
+              <a:t>(‘Cliente’, ‘nome </a:t>
+            </a:r>
+            <a:r>
+              <a:rPr lang="pt-BR" sz="2400" dirty="0" err="1">
+                <a:latin typeface="Times New Roman" panose="02020603050405020304" pitchFamily="18" charset="0"/>
+                <a:cs typeface="Times New Roman" panose="02020603050405020304" pitchFamily="18" charset="0"/>
+              </a:rPr>
+              <a:t>cpf</a:t>
+            </a:r>
+            <a:r>
+              <a:rPr lang="pt-BR" sz="2400" dirty="0">
+                <a:latin typeface="Times New Roman" panose="02020603050405020304" pitchFamily="18" charset="0"/>
+                <a:cs typeface="Times New Roman" panose="02020603050405020304" pitchFamily="18" charset="0"/>
+              </a:rPr>
+              <a:t> limite compras’)</a:t>
+            </a:r>
+          </a:p>
+          <a:p>
+            <a:pPr marL="619125" lvl="1" indent="0" algn="just">
+              <a:buNone/>
+            </a:pPr>
+            <a:r>
+              <a:rPr lang="pt-BR" sz="2400" dirty="0" err="1">
+                <a:latin typeface="Times New Roman" panose="02020603050405020304" pitchFamily="18" charset="0"/>
+                <a:cs typeface="Times New Roman" panose="02020603050405020304" pitchFamily="18" charset="0"/>
+              </a:rPr>
+              <a:t>umCliente</a:t>
+            </a:r>
+            <a:r>
+              <a:rPr lang="pt-BR" sz="2400" dirty="0">
+                <a:latin typeface="Times New Roman" panose="02020603050405020304" pitchFamily="18" charset="0"/>
+                <a:cs typeface="Times New Roman" panose="02020603050405020304" pitchFamily="18" charset="0"/>
+              </a:rPr>
+              <a:t> = Cliente(‘Fulano’, ‘01234567890’, 5000.00, 300.00)</a:t>
+            </a:r>
+          </a:p>
+          <a:p>
+            <a:pPr marL="619125" lvl="1" indent="0" algn="just">
+              <a:buNone/>
+            </a:pPr>
+            <a:r>
+              <a:rPr lang="pt-BR" sz="2400" dirty="0">
+                <a:latin typeface="Times New Roman" panose="02020603050405020304" pitchFamily="18" charset="0"/>
+                <a:cs typeface="Times New Roman" panose="02020603050405020304" pitchFamily="18" charset="0"/>
+              </a:rPr>
+              <a:t>print (</a:t>
+            </a:r>
+            <a:r>
+              <a:rPr lang="pt-BR" sz="2400" dirty="0" err="1">
+                <a:latin typeface="Times New Roman" panose="02020603050405020304" pitchFamily="18" charset="0"/>
+                <a:cs typeface="Times New Roman" panose="02020603050405020304" pitchFamily="18" charset="0"/>
+              </a:rPr>
+              <a:t>umCliente</a:t>
+            </a:r>
+            <a:r>
+              <a:rPr lang="pt-BR" sz="2400" dirty="0">
+                <a:latin typeface="Times New Roman" panose="02020603050405020304" pitchFamily="18" charset="0"/>
+                <a:cs typeface="Times New Roman" panose="02020603050405020304" pitchFamily="18" charset="0"/>
+              </a:rPr>
+              <a:t>)</a:t>
+            </a:r>
+          </a:p>
+          <a:p>
+            <a:pPr marL="619125" lvl="1" indent="0" algn="just">
+              <a:buNone/>
+            </a:pPr>
+            <a:r>
+              <a:rPr lang="pt-BR" sz="2400" dirty="0">
+                <a:latin typeface="Times New Roman" panose="02020603050405020304" pitchFamily="18" charset="0"/>
+                <a:cs typeface="Times New Roman" panose="02020603050405020304" pitchFamily="18" charset="0"/>
+              </a:rPr>
+              <a:t>print(</a:t>
+            </a:r>
+            <a:r>
+              <a:rPr lang="pt-BR" sz="2400" dirty="0" err="1">
+                <a:latin typeface="Times New Roman" panose="02020603050405020304" pitchFamily="18" charset="0"/>
+                <a:cs typeface="Times New Roman" panose="02020603050405020304" pitchFamily="18" charset="0"/>
+              </a:rPr>
+              <a:t>umCliente.cpf</a:t>
+            </a:r>
+            <a:r>
+              <a:rPr lang="pt-BR" sz="2400" dirty="0">
+                <a:latin typeface="Times New Roman" panose="02020603050405020304" pitchFamily="18" charset="0"/>
+                <a:cs typeface="Times New Roman" panose="02020603050405020304" pitchFamily="18" charset="0"/>
+              </a:rPr>
+              <a:t>)</a:t>
+            </a:r>
+          </a:p>
+          <a:p>
             <a:pPr marL="0" indent="0" algn="just">
               <a:buNone/>
             </a:pPr>
@@ -11137,125 +11552,12 @@
               <a:cs typeface="Times New Roman" panose="02020603050405020304" pitchFamily="18" charset="0"/>
             </a:endParaRPr>
           </a:p>
-          <a:p>
-            <a:pPr marL="0" indent="0" algn="just">
-              <a:buNone/>
-            </a:pPr>
-            <a:r>
-              <a:rPr lang="pt-BR" dirty="0">
-                <a:latin typeface="Times New Roman" panose="02020603050405020304" pitchFamily="18" charset="0"/>
-                <a:cs typeface="Times New Roman" panose="02020603050405020304" pitchFamily="18" charset="0"/>
-              </a:rPr>
-              <a:t>[1] Site:</a:t>
-            </a:r>
-          </a:p>
-          <a:p>
-            <a:pPr marL="0" indent="0" algn="just">
-              <a:buNone/>
-            </a:pPr>
-            <a:r>
-              <a:rPr lang="pt-BR" dirty="0">
-                <a:latin typeface="Times New Roman" panose="02020603050405020304" pitchFamily="18" charset="0"/>
-                <a:cs typeface="Times New Roman" panose="02020603050405020304" pitchFamily="18" charset="0"/>
-              </a:rPr>
-              <a:t> </a:t>
-            </a:r>
-            <a:r>
-              <a:rPr lang="pt-BR" dirty="0">
-                <a:latin typeface="Times New Roman" panose="02020603050405020304" pitchFamily="18" charset="0"/>
-                <a:cs typeface="Times New Roman" panose="02020603050405020304" pitchFamily="18" charset="0"/>
-                <a:hlinkClick r:id="rId3"/>
-              </a:rPr>
-              <a:t>https://www.w3schools.com/python/python_variables.asp</a:t>
-            </a:r>
-            <a:endParaRPr lang="pt-BR" dirty="0">
-              <a:latin typeface="Times New Roman" panose="02020603050405020304" pitchFamily="18" charset="0"/>
-              <a:cs typeface="Times New Roman" panose="02020603050405020304" pitchFamily="18" charset="0"/>
-            </a:endParaRPr>
-          </a:p>
-          <a:p>
-            <a:pPr marL="0" indent="0" algn="just">
-              <a:buNone/>
-            </a:pPr>
-            <a:endParaRPr lang="pt-BR" dirty="0">
-              <a:latin typeface="Times New Roman" panose="02020603050405020304" pitchFamily="18" charset="0"/>
-              <a:cs typeface="Times New Roman" panose="02020603050405020304" pitchFamily="18" charset="0"/>
-            </a:endParaRPr>
-          </a:p>
-          <a:p>
-            <a:pPr marL="0" indent="0" algn="just">
-              <a:buNone/>
-            </a:pPr>
-            <a:r>
-              <a:rPr lang="pt-BR" dirty="0">
-                <a:latin typeface="Times New Roman" panose="02020603050405020304" pitchFamily="18" charset="0"/>
-                <a:cs typeface="Times New Roman" panose="02020603050405020304" pitchFamily="18" charset="0"/>
-              </a:rPr>
-              <a:t>[2] Site: </a:t>
-            </a:r>
-            <a:r>
-              <a:rPr lang="pt-BR" dirty="0">
-                <a:latin typeface="Times New Roman" panose="02020603050405020304" pitchFamily="18" charset="0"/>
-                <a:cs typeface="Times New Roman" panose="02020603050405020304" pitchFamily="18" charset="0"/>
-                <a:hlinkClick r:id="rId4"/>
-              </a:rPr>
-              <a:t>https://docs.python.org/pt-br/3/tutorial/</a:t>
-            </a:r>
-            <a:endParaRPr lang="pt-BR" dirty="0">
-              <a:latin typeface="Times New Roman" panose="02020603050405020304" pitchFamily="18" charset="0"/>
-              <a:cs typeface="Times New Roman" panose="02020603050405020304" pitchFamily="18" charset="0"/>
-            </a:endParaRPr>
-          </a:p>
-          <a:p>
-            <a:pPr marL="0" indent="0" algn="just">
-              <a:buNone/>
-            </a:pPr>
-            <a:endParaRPr lang="pt-BR" dirty="0">
-              <a:latin typeface="Times New Roman" panose="02020603050405020304" pitchFamily="18" charset="0"/>
-              <a:cs typeface="Times New Roman" panose="02020603050405020304" pitchFamily="18" charset="0"/>
-            </a:endParaRPr>
-          </a:p>
-          <a:p>
-            <a:pPr marL="0" indent="0" algn="just">
-              <a:buNone/>
-            </a:pPr>
-            <a:endParaRPr lang="pt-BR" dirty="0">
-              <a:latin typeface="Times New Roman" panose="02020603050405020304" pitchFamily="18" charset="0"/>
-              <a:cs typeface="Times New Roman" panose="02020603050405020304" pitchFamily="18" charset="0"/>
-            </a:endParaRPr>
-          </a:p>
-          <a:p>
-            <a:pPr marL="0" indent="0" algn="just">
-              <a:buNone/>
-            </a:pPr>
-            <a:endParaRPr lang="pt-BR" dirty="0">
-              <a:latin typeface="Times New Roman" panose="02020603050405020304" pitchFamily="18" charset="0"/>
-              <a:cs typeface="Times New Roman" panose="02020603050405020304" pitchFamily="18" charset="0"/>
-            </a:endParaRPr>
-          </a:p>
-          <a:p>
-            <a:pPr marL="0" indent="0" algn="just">
-              <a:buNone/>
-            </a:pPr>
-            <a:endParaRPr lang="pt-BR" dirty="0">
-              <a:latin typeface="Times New Roman" panose="02020603050405020304" pitchFamily="18" charset="0"/>
-              <a:cs typeface="Times New Roman" panose="02020603050405020304" pitchFamily="18" charset="0"/>
-            </a:endParaRPr>
-          </a:p>
-          <a:p>
-            <a:pPr marL="0" indent="0" algn="just">
-              <a:buNone/>
-            </a:pPr>
-            <a:endParaRPr lang="pt-BR" dirty="0">
-              <a:latin typeface="Calibri" panose="020F0502020204030204" pitchFamily="34" charset="0"/>
-            </a:endParaRPr>
-          </a:p>
         </p:txBody>
       </p:sp>
     </p:spTree>
     <p:extLst>
       <p:ext uri="{BB962C8B-B14F-4D97-AF65-F5344CB8AC3E}">
-        <p14:creationId xmlns:p14="http://schemas.microsoft.com/office/powerpoint/2010/main" val="2747596967"/>
+        <p14:creationId xmlns:p14="http://schemas.microsoft.com/office/powerpoint/2010/main" val="3590522157"/>
       </p:ext>
     </p:extLst>
   </p:cSld>
@@ -11301,12 +11603,20 @@
           <a:lstStyle/>
           <a:p>
             <a:r>
+              <a:rPr lang="en-US" b="1" dirty="0">
+                <a:solidFill>
+                  <a:srgbClr val="0070C0"/>
+                </a:solidFill>
+              </a:rPr>
+              <a:t>Python – </a:t>
+            </a:r>
+            <a:r>
               <a:rPr lang="en-US" b="1" dirty="0" err="1">
                 <a:solidFill>
                   <a:srgbClr val="0070C0"/>
                 </a:solidFill>
               </a:rPr>
-              <a:t>Aprenda</a:t>
+              <a:t>TDados</a:t>
             </a:r>
             <a:r>
               <a:rPr lang="en-US" b="1" dirty="0">
@@ -11314,7 +11624,23 @@
                   <a:srgbClr val="0070C0"/>
                 </a:solidFill>
               </a:rPr>
-              <a:t>+</a:t>
+              <a:t> </a:t>
+            </a:r>
+            <a:r>
+              <a:rPr lang="en-US" b="1" dirty="0" err="1">
+                <a:solidFill>
+                  <a:srgbClr val="0070C0"/>
+                </a:solidFill>
+              </a:rPr>
+              <a:t>Aglomerados</a:t>
+            </a:r>
+            <a:r>
+              <a:rPr lang="en-US" b="1" dirty="0">
+                <a:solidFill>
+                  <a:srgbClr val="0070C0"/>
+                </a:solidFill>
+              </a:rPr>
+              <a:t> SETs</a:t>
             </a:r>
           </a:p>
         </p:txBody>
@@ -11331,8 +11657,8 @@
         </p:nvSpPr>
         <p:spPr>
           <a:xfrm>
-            <a:off x="142865" y="1200151"/>
-            <a:ext cx="8865056" cy="3394472"/>
+            <a:off x="142865" y="1200150"/>
+            <a:ext cx="8865056" cy="3737370"/>
           </a:xfrm>
         </p:spPr>
         <p:txBody>
@@ -11341,6 +11667,72 @@
           </a:bodyPr>
           <a:lstStyle/>
           <a:p>
+            <a:pPr algn="just">
+              <a:buFont typeface="Wingdings" panose="05000000000000000000" pitchFamily="2" charset="2"/>
+              <a:buChar char="§"/>
+            </a:pPr>
+            <a:r>
+              <a:rPr lang="pt-BR" b="1" dirty="0">
+                <a:solidFill>
+                  <a:srgbClr val="FF0000"/>
+                </a:solidFill>
+                <a:latin typeface="Times New Roman" panose="02020603050405020304" pitchFamily="18" charset="0"/>
+                <a:cs typeface="Times New Roman" panose="02020603050405020304" pitchFamily="18" charset="0"/>
+              </a:rPr>
+              <a:t>Conjunto</a:t>
+            </a:r>
+            <a:r>
+              <a:rPr lang="pt-BR" sz="2000" b="1" dirty="0">
+                <a:solidFill>
+                  <a:srgbClr val="FF0000"/>
+                </a:solidFill>
+                <a:latin typeface="Times New Roman" panose="02020603050405020304" pitchFamily="18" charset="0"/>
+                <a:cs typeface="Times New Roman" panose="02020603050405020304" pitchFamily="18" charset="0"/>
+              </a:rPr>
+              <a:t> - </a:t>
+            </a:r>
+            <a:r>
+              <a:rPr lang="pt-BR" b="1" dirty="0">
+                <a:latin typeface="Times New Roman" panose="02020603050405020304" pitchFamily="18" charset="0"/>
+                <a:cs typeface="Times New Roman" panose="02020603050405020304" pitchFamily="18" charset="0"/>
+              </a:rPr>
+              <a:t>Sets</a:t>
+            </a:r>
+            <a:r>
+              <a:rPr lang="pt-BR" sz="2000" dirty="0">
+                <a:latin typeface="Times New Roman" panose="02020603050405020304" pitchFamily="18" charset="0"/>
+                <a:cs typeface="Times New Roman" panose="02020603050405020304" pitchFamily="18" charset="0"/>
+              </a:rPr>
+              <a:t> </a:t>
+            </a:r>
+          </a:p>
+          <a:p>
+            <a:pPr marL="0" indent="0" algn="just">
+              <a:buNone/>
+            </a:pPr>
+            <a:r>
+              <a:rPr lang="pt-BR" sz="2000" dirty="0">
+                <a:latin typeface="Times New Roman" panose="02020603050405020304" pitchFamily="18" charset="0"/>
+                <a:cs typeface="Times New Roman" panose="02020603050405020304" pitchFamily="18" charset="0"/>
+              </a:rPr>
+              <a:t>são estruturas disponíveis como </a:t>
+            </a:r>
+            <a:r>
+              <a:rPr lang="pt-BR" sz="2000" b="1" i="1" dirty="0" err="1">
+                <a:latin typeface="Times New Roman" panose="02020603050405020304" pitchFamily="18" charset="0"/>
+                <a:cs typeface="Times New Roman" panose="02020603050405020304" pitchFamily="18" charset="0"/>
+              </a:rPr>
+              <a:t>builtins</a:t>
+            </a:r>
+            <a:r>
+              <a:rPr lang="pt-BR" sz="2000" dirty="0">
+                <a:latin typeface="Times New Roman" panose="02020603050405020304" pitchFamily="18" charset="0"/>
+                <a:cs typeface="Times New Roman" panose="02020603050405020304" pitchFamily="18" charset="0"/>
+              </a:rPr>
+              <a:t> do Python, utilizadas para representar coleções desordenadas de elementos únicos.</a:t>
+            </a:r>
+          </a:p>
+          <a:p>
             <a:pPr marL="0" indent="0" algn="just">
               <a:buNone/>
             </a:pPr>
@@ -11358,145 +11750,162 @@
                 <a:latin typeface="Times New Roman" panose="02020603050405020304" pitchFamily="18" charset="0"/>
                 <a:cs typeface="Times New Roman" panose="02020603050405020304" pitchFamily="18" charset="0"/>
               </a:rPr>
-              <a:t>[1] </a:t>
+              <a:t>Os elementos não são armazenados em uma ordem específica e confiável; </a:t>
+            </a:r>
+            <a:r>
+              <a:rPr lang="pt-BR" sz="2000" b="1" dirty="0">
+                <a:latin typeface="Times New Roman" panose="02020603050405020304" pitchFamily="18" charset="0"/>
+                <a:cs typeface="Times New Roman" panose="02020603050405020304" pitchFamily="18" charset="0"/>
+              </a:rPr>
+              <a:t>Conjuntos não contém elementos repetidos</a:t>
             </a:r>
             <a:r>
               <a:rPr lang="pt-BR" sz="2000" dirty="0">
                 <a:latin typeface="Times New Roman" panose="02020603050405020304" pitchFamily="18" charset="0"/>
                 <a:cs typeface="Times New Roman" panose="02020603050405020304" pitchFamily="18" charset="0"/>
-                <a:hlinkClick r:id="rId3"/>
-              </a:rPr>
-              <a:t>https://www.programiz.com/python-programming/variables-constants-literals</a:t>
+              </a:rPr>
+              <a:t>.</a:t>
+            </a:r>
+          </a:p>
+          <a:p>
+            <a:pPr marL="0" indent="0" algn="just">
+              <a:buNone/>
+            </a:pPr>
+            <a:r>
+              <a:rPr lang="da-DK" sz="2000" b="1" dirty="0">
+                <a:latin typeface="Times New Roman" panose="02020603050405020304" pitchFamily="18" charset="0"/>
+                <a:cs typeface="Times New Roman" panose="02020603050405020304" pitchFamily="18" charset="0"/>
+              </a:rPr>
+              <a:t>set</a:t>
+            </a:r>
+            <a:r>
+              <a:rPr lang="da-DK" sz="2000" dirty="0">
+                <a:latin typeface="Times New Roman" panose="02020603050405020304" pitchFamily="18" charset="0"/>
+                <a:cs typeface="Times New Roman" panose="02020603050405020304" pitchFamily="18" charset="0"/>
+              </a:rPr>
+              <a:t>([1, 2, 3, 4])</a:t>
+            </a:r>
+            <a:r>
+              <a:rPr lang="pt-BR" sz="2000" dirty="0">
+                <a:latin typeface="Times New Roman" panose="02020603050405020304" pitchFamily="18" charset="0"/>
+                <a:cs typeface="Times New Roman" panose="02020603050405020304" pitchFamily="18" charset="0"/>
+              </a:rPr>
+              <a:t> ou </a:t>
+            </a:r>
+            <a:r>
+              <a:rPr lang="pt-BR" sz="2000" b="1" dirty="0">
+                <a:latin typeface="Times New Roman" panose="02020603050405020304" pitchFamily="18" charset="0"/>
+                <a:cs typeface="Times New Roman" panose="02020603050405020304" pitchFamily="18" charset="0"/>
+              </a:rPr>
+              <a:t>s</a:t>
+            </a:r>
+            <a:r>
+              <a:rPr lang="pt-BR" sz="2000" dirty="0">
+                <a:latin typeface="Times New Roman" panose="02020603050405020304" pitchFamily="18" charset="0"/>
+                <a:cs typeface="Times New Roman" panose="02020603050405020304" pitchFamily="18" charset="0"/>
+              </a:rPr>
+              <a:t> </a:t>
+            </a:r>
+            <a:r>
+              <a:rPr lang="da-DK" sz="2000" dirty="0">
+                <a:latin typeface="Times New Roman" panose="02020603050405020304" pitchFamily="18" charset="0"/>
+                <a:cs typeface="Times New Roman" panose="02020603050405020304" pitchFamily="18" charset="0"/>
+              </a:rPr>
+              <a:t>= {1, 2, 3, 4}; </a:t>
+            </a:r>
+          </a:p>
+          <a:p>
+            <a:pPr marL="0" indent="0" algn="just">
+              <a:buNone/>
+            </a:pPr>
+            <a:r>
+              <a:rPr lang="da-DK" sz="2000" dirty="0">
+                <a:latin typeface="Times New Roman" panose="02020603050405020304" pitchFamily="18" charset="0"/>
+                <a:cs typeface="Times New Roman" panose="02020603050405020304" pitchFamily="18" charset="0"/>
+              </a:rPr>
+              <a:t>Ex.: </a:t>
+            </a:r>
+            <a:r>
+              <a:rPr lang="pt-BR" sz="2000" dirty="0">
+                <a:latin typeface="Times New Roman" panose="02020603050405020304" pitchFamily="18" charset="0"/>
+                <a:cs typeface="Times New Roman" panose="02020603050405020304" pitchFamily="18" charset="0"/>
+              </a:rPr>
+              <a:t>a</a:t>
+            </a:r>
+            <a:r>
+              <a:rPr lang="da-DK" sz="2000" dirty="0">
+                <a:latin typeface="Times New Roman" panose="02020603050405020304" pitchFamily="18" charset="0"/>
+                <a:cs typeface="Times New Roman" panose="02020603050405020304" pitchFamily="18" charset="0"/>
+              </a:rPr>
+              <a:t>={1, 2, 3, 4};  e </a:t>
+            </a:r>
+            <a:r>
+              <a:rPr lang="pt-BR" sz="2000" dirty="0">
+                <a:latin typeface="Times New Roman" panose="02020603050405020304" pitchFamily="18" charset="0"/>
+                <a:cs typeface="Times New Roman" panose="02020603050405020304" pitchFamily="18" charset="0"/>
+              </a:rPr>
+              <a:t>b</a:t>
+            </a:r>
+            <a:r>
+              <a:rPr lang="da-DK" sz="2000" dirty="0">
+                <a:latin typeface="Times New Roman" panose="02020603050405020304" pitchFamily="18" charset="0"/>
+                <a:cs typeface="Times New Roman" panose="02020603050405020304" pitchFamily="18" charset="0"/>
+              </a:rPr>
+              <a:t>={1, 5, 3, 7}; a.</a:t>
+            </a:r>
+            <a:r>
+              <a:rPr lang="da-DK" sz="2000" b="1" dirty="0">
+                <a:latin typeface="Times New Roman" panose="02020603050405020304" pitchFamily="18" charset="0"/>
+                <a:cs typeface="Times New Roman" panose="02020603050405020304" pitchFamily="18" charset="0"/>
+              </a:rPr>
+              <a:t>union</a:t>
+            </a:r>
+            <a:r>
+              <a:rPr lang="da-DK" sz="2000" dirty="0">
+                <a:latin typeface="Times New Roman" panose="02020603050405020304" pitchFamily="18" charset="0"/>
+                <a:cs typeface="Times New Roman" panose="02020603050405020304" pitchFamily="18" charset="0"/>
+              </a:rPr>
+              <a:t>(b); a. </a:t>
+            </a:r>
+            <a:r>
+              <a:rPr lang="da-DK" sz="2000" b="1" dirty="0">
+                <a:latin typeface="Times New Roman" panose="02020603050405020304" pitchFamily="18" charset="0"/>
+                <a:cs typeface="Times New Roman" panose="02020603050405020304" pitchFamily="18" charset="0"/>
+              </a:rPr>
+              <a:t>intersection</a:t>
+            </a:r>
+            <a:r>
+              <a:rPr lang="da-DK" sz="2000" dirty="0">
+                <a:latin typeface="Times New Roman" panose="02020603050405020304" pitchFamily="18" charset="0"/>
+                <a:cs typeface="Times New Roman" panose="02020603050405020304" pitchFamily="18" charset="0"/>
+              </a:rPr>
+              <a:t>(b); a. </a:t>
+            </a:r>
+            <a:r>
+              <a:rPr lang="da-DK" sz="2000" b="1" dirty="0">
+                <a:latin typeface="Times New Roman" panose="02020603050405020304" pitchFamily="18" charset="0"/>
+                <a:cs typeface="Times New Roman" panose="02020603050405020304" pitchFamily="18" charset="0"/>
+              </a:rPr>
+              <a:t>difference</a:t>
+            </a:r>
+            <a:r>
+              <a:rPr lang="da-DK" sz="2000" dirty="0">
+                <a:latin typeface="Times New Roman" panose="02020603050405020304" pitchFamily="18" charset="0"/>
+                <a:cs typeface="Times New Roman" panose="02020603050405020304" pitchFamily="18" charset="0"/>
+              </a:rPr>
+              <a:t>(b)</a:t>
             </a:r>
             <a:endParaRPr lang="pt-BR" sz="2000" dirty="0">
               <a:latin typeface="Times New Roman" panose="02020603050405020304" pitchFamily="18" charset="0"/>
               <a:cs typeface="Times New Roman" panose="02020603050405020304" pitchFamily="18" charset="0"/>
             </a:endParaRPr>
           </a:p>
-          <a:p>
-            <a:pPr marL="0" indent="0" algn="just">
-              <a:buNone/>
-            </a:pPr>
-            <a:endParaRPr lang="pt-BR" sz="2000" dirty="0">
-              <a:latin typeface="Times New Roman" panose="02020603050405020304" pitchFamily="18" charset="0"/>
-              <a:cs typeface="Times New Roman" panose="02020603050405020304" pitchFamily="18" charset="0"/>
-            </a:endParaRPr>
-          </a:p>
-          <a:p>
-            <a:pPr marL="0" indent="0" algn="just">
-              <a:buNone/>
-            </a:pPr>
-            <a:r>
-              <a:rPr lang="pt-BR" sz="2000" dirty="0">
-                <a:latin typeface="Times New Roman" panose="02020603050405020304" pitchFamily="18" charset="0"/>
-                <a:cs typeface="Times New Roman" panose="02020603050405020304" pitchFamily="18" charset="0"/>
-              </a:rPr>
-              <a:t>[2] </a:t>
-            </a:r>
-            <a:r>
-              <a:rPr lang="pt-BR" sz="2000" dirty="0">
-                <a:latin typeface="Times New Roman" panose="02020603050405020304" pitchFamily="18" charset="0"/>
-                <a:cs typeface="Times New Roman" panose="02020603050405020304" pitchFamily="18" charset="0"/>
-                <a:hlinkClick r:id="rId4"/>
-              </a:rPr>
-              <a:t>https://www.programiz.com/python-programming/examples/swap-variables</a:t>
-            </a:r>
-            <a:endParaRPr lang="pt-BR" sz="2000" dirty="0">
-              <a:latin typeface="Times New Roman" panose="02020603050405020304" pitchFamily="18" charset="0"/>
-              <a:cs typeface="Times New Roman" panose="02020603050405020304" pitchFamily="18" charset="0"/>
-            </a:endParaRPr>
-          </a:p>
-          <a:p>
-            <a:pPr marL="0" indent="0" algn="just">
-              <a:buNone/>
-            </a:pPr>
-            <a:endParaRPr lang="pt-BR" sz="2000" dirty="0">
-              <a:latin typeface="Times New Roman" panose="02020603050405020304" pitchFamily="18" charset="0"/>
-              <a:cs typeface="Times New Roman" panose="02020603050405020304" pitchFamily="18" charset="0"/>
-            </a:endParaRPr>
-          </a:p>
-          <a:p>
-            <a:pPr marL="0" indent="0" algn="just">
-              <a:buNone/>
-            </a:pPr>
-            <a:r>
-              <a:rPr lang="pt-BR" sz="2000" dirty="0">
-                <a:latin typeface="Times New Roman" panose="02020603050405020304" pitchFamily="18" charset="0"/>
-                <a:cs typeface="Times New Roman" panose="02020603050405020304" pitchFamily="18" charset="0"/>
-              </a:rPr>
-              <a:t>- </a:t>
-            </a:r>
-            <a:r>
-              <a:rPr lang="pt-BR" sz="2000" dirty="0" err="1">
-                <a:latin typeface="Times New Roman" panose="02020603050405020304" pitchFamily="18" charset="0"/>
-                <a:cs typeface="Times New Roman" panose="02020603050405020304" pitchFamily="18" charset="0"/>
-              </a:rPr>
-              <a:t>Tuplas</a:t>
-            </a:r>
-            <a:r>
-              <a:rPr lang="pt-BR" sz="2000" dirty="0">
-                <a:latin typeface="Times New Roman" panose="02020603050405020304" pitchFamily="18" charset="0"/>
-                <a:cs typeface="Times New Roman" panose="02020603050405020304" pitchFamily="18" charset="0"/>
-              </a:rPr>
-              <a:t> Nomeadas</a:t>
-            </a:r>
-          </a:p>
-          <a:p>
-            <a:pPr marL="0" indent="0" algn="just">
-              <a:buNone/>
-            </a:pPr>
-            <a:r>
-              <a:rPr lang="pt-BR" sz="2000" dirty="0">
-                <a:latin typeface="Times New Roman" panose="02020603050405020304" pitchFamily="18" charset="0"/>
-                <a:cs typeface="Times New Roman" panose="02020603050405020304" pitchFamily="18" charset="0"/>
-              </a:rPr>
-              <a:t>[3] </a:t>
-            </a:r>
-            <a:r>
-              <a:rPr lang="pt-BR" sz="2000" dirty="0">
-                <a:latin typeface="Times New Roman" panose="02020603050405020304" pitchFamily="18" charset="0"/>
-                <a:cs typeface="Times New Roman" panose="02020603050405020304" pitchFamily="18" charset="0"/>
-                <a:hlinkClick r:id="rId5"/>
-              </a:rPr>
-              <a:t>https://www.youtube.com/watch?v=IkoaXbLsUg8</a:t>
-            </a:r>
-            <a:endParaRPr lang="pt-BR" sz="2000" dirty="0">
-              <a:latin typeface="Times New Roman" panose="02020603050405020304" pitchFamily="18" charset="0"/>
-              <a:cs typeface="Times New Roman" panose="02020603050405020304" pitchFamily="18" charset="0"/>
-            </a:endParaRPr>
-          </a:p>
-          <a:p>
-            <a:pPr marL="0" indent="0" algn="just">
-              <a:buNone/>
-            </a:pPr>
-            <a:endParaRPr lang="pt-BR" sz="2000" dirty="0">
-              <a:latin typeface="Times New Roman" panose="02020603050405020304" pitchFamily="18" charset="0"/>
-              <a:cs typeface="Times New Roman" panose="02020603050405020304" pitchFamily="18" charset="0"/>
-            </a:endParaRPr>
-          </a:p>
-          <a:p>
-            <a:pPr marL="0" indent="0" algn="just">
-              <a:buNone/>
-            </a:pPr>
-            <a:endParaRPr lang="pt-BR" sz="2000" dirty="0">
-              <a:latin typeface="Times New Roman" panose="02020603050405020304" pitchFamily="18" charset="0"/>
-              <a:cs typeface="Times New Roman" panose="02020603050405020304" pitchFamily="18" charset="0"/>
-            </a:endParaRPr>
-          </a:p>
-          <a:p>
-            <a:pPr marL="0" indent="0" algn="just">
-              <a:buNone/>
-            </a:pPr>
-            <a:endParaRPr lang="pt-BR" sz="2000" dirty="0">
-              <a:latin typeface="Calibri" panose="020F0502020204030204" pitchFamily="34" charset="0"/>
-            </a:endParaRPr>
-          </a:p>
         </p:txBody>
       </p:sp>
     </p:spTree>
     <p:extLst>
       <p:ext uri="{BB962C8B-B14F-4D97-AF65-F5344CB8AC3E}">
-        <p14:creationId xmlns:p14="http://schemas.microsoft.com/office/powerpoint/2010/main" val="3680270425"/>
+        <p14:creationId xmlns:p14="http://schemas.microsoft.com/office/powerpoint/2010/main" val="1679403773"/>
       </p:ext>
     </p:extLst>
   </p:cSld>
@@ -11547,7 +11956,7 @@
                   <a:srgbClr val="0070C0"/>
                 </a:solidFill>
               </a:rPr>
-              <a:t>Dinâmica</a:t>
+              <a:t>Leitura</a:t>
             </a:r>
             <a:r>
               <a:rPr lang="en-US" b="1" dirty="0">
@@ -11555,7 +11964,7 @@
                   <a:srgbClr val="0070C0"/>
                 </a:solidFill>
               </a:rPr>
-              <a:t>/</a:t>
+              <a:t> </a:t>
             </a:r>
             <a:r>
               <a:rPr lang="en-US" b="1" dirty="0" err="1">
@@ -11563,7 +11972,7 @@
                   <a:srgbClr val="0070C0"/>
                 </a:solidFill>
               </a:rPr>
-              <a:t>Atividades</a:t>
+              <a:t>Específica</a:t>
             </a:r>
             <a:endParaRPr lang="en-US" b="1" dirty="0">
               <a:solidFill>
@@ -11585,8 +11994,8 @@
         </p:nvSpPr>
         <p:spPr>
           <a:xfrm>
-            <a:off x="139472" y="1063230"/>
-            <a:ext cx="8865056" cy="3606305"/>
+            <a:off x="142865" y="1200151"/>
+            <a:ext cx="8865056" cy="3394472"/>
           </a:xfrm>
         </p:spPr>
         <p:txBody>
@@ -11595,16 +12004,24 @@
           </a:bodyPr>
           <a:lstStyle/>
           <a:p>
-            <a:pPr algn="just">
-              <a:buFontTx/>
-              <a:buChar char="-"/>
+            <a:pPr marL="0" indent="0" algn="just">
+              <a:buNone/>
             </a:pPr>
+            <a:endParaRPr lang="pt-BR" dirty="0">
+              <a:latin typeface="Times New Roman" panose="02020603050405020304" pitchFamily="18" charset="0"/>
+              <a:cs typeface="Times New Roman" panose="02020603050405020304" pitchFamily="18" charset="0"/>
+            </a:endParaRPr>
+          </a:p>
+          <a:p>
+            <a:pPr marL="0" indent="0" algn="just">
+              <a:buNone/>
+            </a:pPr>
             <a:r>
               <a:rPr lang="pt-BR" dirty="0">
                 <a:latin typeface="Times New Roman" panose="02020603050405020304" pitchFamily="18" charset="0"/>
                 <a:cs typeface="Times New Roman" panose="02020603050405020304" pitchFamily="18" charset="0"/>
               </a:rPr>
-              <a:t>Exercícios de Fixação</a:t>
+              <a:t>[1] Site:</a:t>
             </a:r>
           </a:p>
           <a:p>
@@ -11616,15 +12033,104 @@
                 <a:latin typeface="Times New Roman" panose="02020603050405020304" pitchFamily="18" charset="0"/>
                 <a:cs typeface="Times New Roman" panose="02020603050405020304" pitchFamily="18" charset="0"/>
               </a:rPr>
-              <a:t>	Desafios em Sala de Aula.</a:t>
-            </a:r>
+              <a:t> </a:t>
+            </a:r>
+            <a:r>
+              <a:rPr lang="pt-BR" dirty="0">
+                <a:latin typeface="Times New Roman" panose="02020603050405020304" pitchFamily="18" charset="0"/>
+                <a:cs typeface="Times New Roman" panose="02020603050405020304" pitchFamily="18" charset="0"/>
+                <a:hlinkClick r:id="rId3"/>
+              </a:rPr>
+              <a:t>https://www.w3schools.com/python/python_variables.asp</a:t>
+            </a:r>
+            <a:endParaRPr lang="pt-BR" dirty="0">
+              <a:latin typeface="Times New Roman" panose="02020603050405020304" pitchFamily="18" charset="0"/>
+              <a:cs typeface="Times New Roman" panose="02020603050405020304" pitchFamily="18" charset="0"/>
+            </a:endParaRPr>
+          </a:p>
+          <a:p>
+            <a:pPr marL="0" indent="0" algn="just">
+              <a:buNone/>
+            </a:pPr>
+            <a:endParaRPr lang="pt-BR" dirty="0">
+              <a:latin typeface="Times New Roman" panose="02020603050405020304" pitchFamily="18" charset="0"/>
+              <a:cs typeface="Times New Roman" panose="02020603050405020304" pitchFamily="18" charset="0"/>
+            </a:endParaRPr>
+          </a:p>
+          <a:p>
+            <a:pPr marL="0" indent="0" algn="just">
+              <a:buNone/>
+            </a:pPr>
+            <a:r>
+              <a:rPr lang="pt-BR" dirty="0">
+                <a:latin typeface="Times New Roman" panose="02020603050405020304" pitchFamily="18" charset="0"/>
+                <a:cs typeface="Times New Roman" panose="02020603050405020304" pitchFamily="18" charset="0"/>
+              </a:rPr>
+              <a:t>[2] Site: </a:t>
+            </a:r>
+            <a:r>
+              <a:rPr lang="pt-BR" dirty="0">
+                <a:latin typeface="Times New Roman" panose="02020603050405020304" pitchFamily="18" charset="0"/>
+                <a:cs typeface="Times New Roman" panose="02020603050405020304" pitchFamily="18" charset="0"/>
+                <a:hlinkClick r:id="rId4"/>
+              </a:rPr>
+              <a:t>https://docs.python.org/pt-br/3/tutorial/</a:t>
+            </a:r>
+            <a:endParaRPr lang="pt-BR" dirty="0">
+              <a:latin typeface="Times New Roman" panose="02020603050405020304" pitchFamily="18" charset="0"/>
+              <a:cs typeface="Times New Roman" panose="02020603050405020304" pitchFamily="18" charset="0"/>
+            </a:endParaRPr>
+          </a:p>
+          <a:p>
+            <a:pPr marL="0" indent="0" algn="just">
+              <a:buNone/>
+            </a:pPr>
+            <a:endParaRPr lang="pt-BR" dirty="0">
+              <a:latin typeface="Times New Roman" panose="02020603050405020304" pitchFamily="18" charset="0"/>
+              <a:cs typeface="Times New Roman" panose="02020603050405020304" pitchFamily="18" charset="0"/>
+            </a:endParaRPr>
+          </a:p>
+          <a:p>
+            <a:pPr marL="0" indent="0" algn="just">
+              <a:buNone/>
+            </a:pPr>
+            <a:endParaRPr lang="pt-BR" dirty="0">
+              <a:latin typeface="Times New Roman" panose="02020603050405020304" pitchFamily="18" charset="0"/>
+              <a:cs typeface="Times New Roman" panose="02020603050405020304" pitchFamily="18" charset="0"/>
+            </a:endParaRPr>
+          </a:p>
+          <a:p>
+            <a:pPr marL="0" indent="0" algn="just">
+              <a:buNone/>
+            </a:pPr>
+            <a:endParaRPr lang="pt-BR" dirty="0">
+              <a:latin typeface="Times New Roman" panose="02020603050405020304" pitchFamily="18" charset="0"/>
+              <a:cs typeface="Times New Roman" panose="02020603050405020304" pitchFamily="18" charset="0"/>
+            </a:endParaRPr>
+          </a:p>
+          <a:p>
+            <a:pPr marL="0" indent="0" algn="just">
+              <a:buNone/>
+            </a:pPr>
+            <a:endParaRPr lang="pt-BR" dirty="0">
+              <a:latin typeface="Times New Roman" panose="02020603050405020304" pitchFamily="18" charset="0"/>
+              <a:cs typeface="Times New Roman" panose="02020603050405020304" pitchFamily="18" charset="0"/>
+            </a:endParaRPr>
+          </a:p>
+          <a:p>
+            <a:pPr marL="0" indent="0" algn="just">
+              <a:buNone/>
+            </a:pPr>
+            <a:endParaRPr lang="pt-BR" dirty="0">
+              <a:latin typeface="Calibri" panose="020F0502020204030204" pitchFamily="34" charset="0"/>
+            </a:endParaRPr>
           </a:p>
         </p:txBody>
       </p:sp>
     </p:spTree>
     <p:extLst>
       <p:ext uri="{BB962C8B-B14F-4D97-AF65-F5344CB8AC3E}">
-        <p14:creationId xmlns:p14="http://schemas.microsoft.com/office/powerpoint/2010/main" val="2470652989"/>
+        <p14:creationId xmlns:p14="http://schemas.microsoft.com/office/powerpoint/2010/main" val="2747596967"/>
       </p:ext>
     </p:extLst>
   </p:cSld>
@@ -11675,6 +12181,375 @@
                   <a:srgbClr val="0070C0"/>
                 </a:solidFill>
               </a:rPr>
+              <a:t>Aprenda</a:t>
+            </a:r>
+            <a:r>
+              <a:rPr lang="en-US" b="1" dirty="0">
+                <a:solidFill>
+                  <a:srgbClr val="0070C0"/>
+                </a:solidFill>
+              </a:rPr>
+              <a:t>+</a:t>
+            </a:r>
+          </a:p>
+        </p:txBody>
+      </p:sp>
+      <p:sp>
+        <p:nvSpPr>
+          <p:cNvPr id="8" name="Text Placeholder 2"/>
+          <p:cNvSpPr>
+            <a:spLocks noGrp="1"/>
+          </p:cNvSpPr>
+          <p:nvPr>
+            <p:ph type="body" sz="half" idx="1"/>
+          </p:nvPr>
+        </p:nvSpPr>
+        <p:spPr>
+          <a:xfrm>
+            <a:off x="142865" y="1200151"/>
+            <a:ext cx="8865056" cy="3394472"/>
+          </a:xfrm>
+        </p:spPr>
+        <p:txBody>
+          <a:bodyPr>
+            <a:noAutofit/>
+          </a:bodyPr>
+          <a:lstStyle/>
+          <a:p>
+            <a:pPr marL="0" indent="0" algn="just">
+              <a:buNone/>
+            </a:pPr>
+            <a:endParaRPr lang="pt-BR" sz="2000" dirty="0">
+              <a:latin typeface="Times New Roman" panose="02020603050405020304" pitchFamily="18" charset="0"/>
+              <a:cs typeface="Times New Roman" panose="02020603050405020304" pitchFamily="18" charset="0"/>
+            </a:endParaRPr>
+          </a:p>
+          <a:p>
+            <a:pPr marL="0" indent="0" algn="just">
+              <a:buNone/>
+            </a:pPr>
+            <a:r>
+              <a:rPr lang="pt-BR" sz="2000" dirty="0">
+                <a:latin typeface="Times New Roman" panose="02020603050405020304" pitchFamily="18" charset="0"/>
+                <a:cs typeface="Times New Roman" panose="02020603050405020304" pitchFamily="18" charset="0"/>
+              </a:rPr>
+              <a:t>[1] </a:t>
+            </a:r>
+            <a:r>
+              <a:rPr lang="pt-BR" sz="2000" dirty="0">
+                <a:latin typeface="Times New Roman" panose="02020603050405020304" pitchFamily="18" charset="0"/>
+                <a:cs typeface="Times New Roman" panose="02020603050405020304" pitchFamily="18" charset="0"/>
+                <a:hlinkClick r:id="rId3"/>
+              </a:rPr>
+              <a:t>https://www.programiz.com/python-programming/variables-constants-literals</a:t>
+            </a:r>
+            <a:endParaRPr lang="pt-BR" sz="2000" dirty="0">
+              <a:latin typeface="Times New Roman" panose="02020603050405020304" pitchFamily="18" charset="0"/>
+              <a:cs typeface="Times New Roman" panose="02020603050405020304" pitchFamily="18" charset="0"/>
+            </a:endParaRPr>
+          </a:p>
+          <a:p>
+            <a:pPr marL="0" indent="0" algn="just">
+              <a:buNone/>
+            </a:pPr>
+            <a:endParaRPr lang="pt-BR" sz="2000" dirty="0">
+              <a:latin typeface="Times New Roman" panose="02020603050405020304" pitchFamily="18" charset="0"/>
+              <a:cs typeface="Times New Roman" panose="02020603050405020304" pitchFamily="18" charset="0"/>
+            </a:endParaRPr>
+          </a:p>
+          <a:p>
+            <a:pPr marL="0" indent="0" algn="just">
+              <a:buNone/>
+            </a:pPr>
+            <a:r>
+              <a:rPr lang="pt-BR" sz="2000" dirty="0">
+                <a:latin typeface="Times New Roman" panose="02020603050405020304" pitchFamily="18" charset="0"/>
+                <a:cs typeface="Times New Roman" panose="02020603050405020304" pitchFamily="18" charset="0"/>
+              </a:rPr>
+              <a:t>[2] </a:t>
+            </a:r>
+            <a:r>
+              <a:rPr lang="pt-BR" sz="2000" dirty="0">
+                <a:latin typeface="Times New Roman" panose="02020603050405020304" pitchFamily="18" charset="0"/>
+                <a:cs typeface="Times New Roman" panose="02020603050405020304" pitchFamily="18" charset="0"/>
+                <a:hlinkClick r:id="rId4"/>
+              </a:rPr>
+              <a:t>https://www.programiz.com/python-programming/examples/swap-variables</a:t>
+            </a:r>
+            <a:endParaRPr lang="pt-BR" sz="2000" dirty="0">
+              <a:latin typeface="Times New Roman" panose="02020603050405020304" pitchFamily="18" charset="0"/>
+              <a:cs typeface="Times New Roman" panose="02020603050405020304" pitchFamily="18" charset="0"/>
+            </a:endParaRPr>
+          </a:p>
+          <a:p>
+            <a:pPr marL="0" indent="0" algn="just">
+              <a:buNone/>
+            </a:pPr>
+            <a:endParaRPr lang="pt-BR" sz="2000" dirty="0">
+              <a:latin typeface="Times New Roman" panose="02020603050405020304" pitchFamily="18" charset="0"/>
+              <a:cs typeface="Times New Roman" panose="02020603050405020304" pitchFamily="18" charset="0"/>
+            </a:endParaRPr>
+          </a:p>
+          <a:p>
+            <a:pPr marL="0" indent="0" algn="just">
+              <a:buNone/>
+            </a:pPr>
+            <a:r>
+              <a:rPr lang="pt-BR" sz="2000" dirty="0">
+                <a:latin typeface="Times New Roman" panose="02020603050405020304" pitchFamily="18" charset="0"/>
+                <a:cs typeface="Times New Roman" panose="02020603050405020304" pitchFamily="18" charset="0"/>
+              </a:rPr>
+              <a:t>- </a:t>
+            </a:r>
+            <a:r>
+              <a:rPr lang="pt-BR" sz="2000" dirty="0" err="1">
+                <a:latin typeface="Times New Roman" panose="02020603050405020304" pitchFamily="18" charset="0"/>
+                <a:cs typeface="Times New Roman" panose="02020603050405020304" pitchFamily="18" charset="0"/>
+              </a:rPr>
+              <a:t>Tuplas</a:t>
+            </a:r>
+            <a:r>
+              <a:rPr lang="pt-BR" sz="2000" dirty="0">
+                <a:latin typeface="Times New Roman" panose="02020603050405020304" pitchFamily="18" charset="0"/>
+                <a:cs typeface="Times New Roman" panose="02020603050405020304" pitchFamily="18" charset="0"/>
+              </a:rPr>
+              <a:t> Nomeadas</a:t>
+            </a:r>
+          </a:p>
+          <a:p>
+            <a:pPr marL="0" indent="0" algn="just">
+              <a:buNone/>
+            </a:pPr>
+            <a:r>
+              <a:rPr lang="pt-BR" sz="2000" dirty="0">
+                <a:latin typeface="Times New Roman" panose="02020603050405020304" pitchFamily="18" charset="0"/>
+                <a:cs typeface="Times New Roman" panose="02020603050405020304" pitchFamily="18" charset="0"/>
+              </a:rPr>
+              <a:t>[3] </a:t>
+            </a:r>
+            <a:r>
+              <a:rPr lang="pt-BR" sz="2000" dirty="0">
+                <a:latin typeface="Times New Roman" panose="02020603050405020304" pitchFamily="18" charset="0"/>
+                <a:cs typeface="Times New Roman" panose="02020603050405020304" pitchFamily="18" charset="0"/>
+                <a:hlinkClick r:id="rId5"/>
+              </a:rPr>
+              <a:t>https://www.youtube.com/watch?v=IkoaXbLsUg8</a:t>
+            </a:r>
+            <a:endParaRPr lang="pt-BR" sz="2000" dirty="0">
+              <a:latin typeface="Times New Roman" panose="02020603050405020304" pitchFamily="18" charset="0"/>
+              <a:cs typeface="Times New Roman" panose="02020603050405020304" pitchFamily="18" charset="0"/>
+            </a:endParaRPr>
+          </a:p>
+          <a:p>
+            <a:pPr marL="0" indent="0" algn="just">
+              <a:buNone/>
+            </a:pPr>
+            <a:endParaRPr lang="pt-BR" sz="2000" dirty="0">
+              <a:latin typeface="Times New Roman" panose="02020603050405020304" pitchFamily="18" charset="0"/>
+              <a:cs typeface="Times New Roman" panose="02020603050405020304" pitchFamily="18" charset="0"/>
+            </a:endParaRPr>
+          </a:p>
+          <a:p>
+            <a:pPr marL="0" indent="0" algn="just">
+              <a:buNone/>
+            </a:pPr>
+            <a:endParaRPr lang="pt-BR" sz="2000" dirty="0">
+              <a:latin typeface="Times New Roman" panose="02020603050405020304" pitchFamily="18" charset="0"/>
+              <a:cs typeface="Times New Roman" panose="02020603050405020304" pitchFamily="18" charset="0"/>
+            </a:endParaRPr>
+          </a:p>
+          <a:p>
+            <a:pPr marL="0" indent="0" algn="just">
+              <a:buNone/>
+            </a:pPr>
+            <a:endParaRPr lang="pt-BR" sz="2000" dirty="0">
+              <a:latin typeface="Calibri" panose="020F0502020204030204" pitchFamily="34" charset="0"/>
+            </a:endParaRPr>
+          </a:p>
+        </p:txBody>
+      </p:sp>
+    </p:spTree>
+    <p:extLst>
+      <p:ext uri="{BB962C8B-B14F-4D97-AF65-F5344CB8AC3E}">
+        <p14:creationId xmlns:p14="http://schemas.microsoft.com/office/powerpoint/2010/main" val="3680270425"/>
+      </p:ext>
+    </p:extLst>
+  </p:cSld>
+  <p:clrMapOvr>
+    <a:masterClrMapping/>
+  </p:clrMapOvr>
+  <p:transition spd="med"/>
+</p:sld>
+</file>
+
+<file path=ppt/slides/slide25.xml><?xml version="1.0" encoding="utf-8"?>
+<p:sld xmlns:a="http://schemas.openxmlformats.org/drawingml/2006/main" xmlns:r="http://schemas.openxmlformats.org/officeDocument/2006/relationships" xmlns:p="http://schemas.openxmlformats.org/presentationml/2006/main">
+  <p:cSld>
+    <p:spTree>
+      <p:nvGrpSpPr>
+        <p:cNvPr id="1" name=""/>
+        <p:cNvGrpSpPr/>
+        <p:nvPr/>
+      </p:nvGrpSpPr>
+      <p:grpSpPr>
+        <a:xfrm>
+          <a:off x="0" y="0"/>
+          <a:ext cx="0" cy="0"/>
+          <a:chOff x="0" y="0"/>
+          <a:chExt cx="0" cy="0"/>
+        </a:xfrm>
+      </p:grpSpPr>
+      <p:sp>
+        <p:nvSpPr>
+          <p:cNvPr id="6" name="Title 1"/>
+          <p:cNvSpPr>
+            <a:spLocks noGrp="1"/>
+          </p:cNvSpPr>
+          <p:nvPr>
+            <p:ph type="title"/>
+          </p:nvPr>
+        </p:nvSpPr>
+        <p:spPr/>
+        <p:txBody>
+          <a:bodyPr>
+            <a:normAutofit/>
+          </a:bodyPr>
+          <a:lstStyle/>
+          <a:p>
+            <a:r>
+              <a:rPr lang="en-US" b="1" dirty="0" err="1">
+                <a:solidFill>
+                  <a:srgbClr val="0070C0"/>
+                </a:solidFill>
+              </a:rPr>
+              <a:t>Dinâmica</a:t>
+            </a:r>
+            <a:r>
+              <a:rPr lang="en-US" b="1" dirty="0">
+                <a:solidFill>
+                  <a:srgbClr val="0070C0"/>
+                </a:solidFill>
+              </a:rPr>
+              <a:t>/</a:t>
+            </a:r>
+            <a:r>
+              <a:rPr lang="en-US" b="1" dirty="0" err="1">
+                <a:solidFill>
+                  <a:srgbClr val="0070C0"/>
+                </a:solidFill>
+              </a:rPr>
+              <a:t>Atividades</a:t>
+            </a:r>
+            <a:endParaRPr lang="en-US" b="1" dirty="0">
+              <a:solidFill>
+                <a:srgbClr val="0070C0"/>
+              </a:solidFill>
+            </a:endParaRPr>
+          </a:p>
+        </p:txBody>
+      </p:sp>
+      <p:sp>
+        <p:nvSpPr>
+          <p:cNvPr id="8" name="Text Placeholder 2"/>
+          <p:cNvSpPr>
+            <a:spLocks noGrp="1"/>
+          </p:cNvSpPr>
+          <p:nvPr>
+            <p:ph type="body" sz="half" idx="1"/>
+          </p:nvPr>
+        </p:nvSpPr>
+        <p:spPr>
+          <a:xfrm>
+            <a:off x="139472" y="1063230"/>
+            <a:ext cx="8865056" cy="3606305"/>
+          </a:xfrm>
+        </p:spPr>
+        <p:txBody>
+          <a:bodyPr>
+            <a:noAutofit/>
+          </a:bodyPr>
+          <a:lstStyle/>
+          <a:p>
+            <a:pPr algn="just">
+              <a:buFontTx/>
+              <a:buChar char="-"/>
+            </a:pPr>
+            <a:r>
+              <a:rPr lang="pt-BR" dirty="0">
+                <a:latin typeface="Times New Roman" panose="02020603050405020304" pitchFamily="18" charset="0"/>
+                <a:cs typeface="Times New Roman" panose="02020603050405020304" pitchFamily="18" charset="0"/>
+              </a:rPr>
+              <a:t>Exercícios de Fixação</a:t>
+            </a:r>
+          </a:p>
+          <a:p>
+            <a:pPr marL="0" indent="0" algn="just">
+              <a:buNone/>
+            </a:pPr>
+            <a:r>
+              <a:rPr lang="pt-BR" dirty="0">
+                <a:latin typeface="Times New Roman" panose="02020603050405020304" pitchFamily="18" charset="0"/>
+                <a:cs typeface="Times New Roman" panose="02020603050405020304" pitchFamily="18" charset="0"/>
+              </a:rPr>
+              <a:t>	Desafios em Sala de Aula.</a:t>
+            </a:r>
+          </a:p>
+        </p:txBody>
+      </p:sp>
+    </p:spTree>
+    <p:extLst>
+      <p:ext uri="{BB962C8B-B14F-4D97-AF65-F5344CB8AC3E}">
+        <p14:creationId xmlns:p14="http://schemas.microsoft.com/office/powerpoint/2010/main" val="2470652989"/>
+      </p:ext>
+    </p:extLst>
+  </p:cSld>
+  <p:clrMapOvr>
+    <a:masterClrMapping/>
+  </p:clrMapOvr>
+  <p:transition spd="med"/>
+</p:sld>
+</file>
+
+<file path=ppt/slides/slide26.xml><?xml version="1.0" encoding="utf-8"?>
+<p:sld xmlns:a="http://schemas.openxmlformats.org/drawingml/2006/main" xmlns:r="http://schemas.openxmlformats.org/officeDocument/2006/relationships" xmlns:p="http://schemas.openxmlformats.org/presentationml/2006/main">
+  <p:cSld>
+    <p:spTree>
+      <p:nvGrpSpPr>
+        <p:cNvPr id="1" name=""/>
+        <p:cNvGrpSpPr/>
+        <p:nvPr/>
+      </p:nvGrpSpPr>
+      <p:grpSpPr>
+        <a:xfrm>
+          <a:off x="0" y="0"/>
+          <a:ext cx="0" cy="0"/>
+          <a:chOff x="0" y="0"/>
+          <a:chExt cx="0" cy="0"/>
+        </a:xfrm>
+      </p:grpSpPr>
+      <p:sp>
+        <p:nvSpPr>
+          <p:cNvPr id="6" name="Title 1"/>
+          <p:cNvSpPr>
+            <a:spLocks noGrp="1"/>
+          </p:cNvSpPr>
+          <p:nvPr>
+            <p:ph type="title"/>
+          </p:nvPr>
+        </p:nvSpPr>
+        <p:spPr/>
+        <p:txBody>
+          <a:bodyPr>
+            <a:normAutofit/>
+          </a:bodyPr>
+          <a:lstStyle/>
+          <a:p>
+            <a:r>
+              <a:rPr lang="en-US" b="1" dirty="0" err="1">
+                <a:solidFill>
+                  <a:srgbClr val="0070C0"/>
+                </a:solidFill>
+              </a:rPr>
               <a:t>Referências</a:t>
             </a:r>
             <a:r>
@@ -11836,7 +12711,7 @@
 </p:sld>
 </file>
 
-<file path=ppt/slides/slide25.xml><?xml version="1.0" encoding="utf-8"?>
+<file path=ppt/slides/slide27.xml><?xml version="1.0" encoding="utf-8"?>
 <p:sld xmlns:a="http://schemas.openxmlformats.org/drawingml/2006/main" xmlns:r="http://schemas.openxmlformats.org/officeDocument/2006/relationships" xmlns:p="http://schemas.openxmlformats.org/presentationml/2006/main">
   <p:cSld>
     <p:spTree>
@@ -13885,7 +14760,72 @@
                 <a:latin typeface="Times New Roman" panose="02020603050405020304" pitchFamily="18" charset="0"/>
                 <a:cs typeface="Times New Roman" panose="02020603050405020304" pitchFamily="18" charset="0"/>
               </a:rPr>
-              <a:t>Exemplo Lista:  </a:t>
+              <a:t>Exemplo Removendo da Lista: </a:t>
+            </a:r>
+            <a:r>
+              <a:rPr lang="pt-BR" dirty="0">
+                <a:solidFill>
+                  <a:schemeClr val="tx1"/>
+                </a:solidFill>
+                <a:latin typeface="Times New Roman" panose="02020603050405020304" pitchFamily="18" charset="0"/>
+                <a:cs typeface="Times New Roman" panose="02020603050405020304" pitchFamily="18" charset="0"/>
+              </a:rPr>
+              <a:t>lista = [3, 7, 9, 0, 7, 1, 4]</a:t>
+            </a:r>
+          </a:p>
+          <a:p>
+            <a:pPr marL="0" indent="0" algn="just">
+              <a:buNone/>
+            </a:pPr>
+            <a:r>
+              <a:rPr lang="pt-BR" dirty="0">
+                <a:solidFill>
+                  <a:schemeClr val="tx1"/>
+                </a:solidFill>
+                <a:latin typeface="Times New Roman" panose="02020603050405020304" pitchFamily="18" charset="0"/>
+                <a:cs typeface="Times New Roman" panose="02020603050405020304" pitchFamily="18" charset="0"/>
+              </a:rPr>
+              <a:t># </a:t>
+            </a:r>
+            <a:r>
+              <a:rPr lang="pt-BR" b="1" dirty="0" err="1">
+                <a:solidFill>
+                  <a:schemeClr val="tx1"/>
+                </a:solidFill>
+                <a:latin typeface="Times New Roman" panose="02020603050405020304" pitchFamily="18" charset="0"/>
+                <a:cs typeface="Times New Roman" panose="02020603050405020304" pitchFamily="18" charset="0"/>
+              </a:rPr>
+              <a:t>while</a:t>
+            </a:r>
+            <a:r>
+              <a:rPr lang="pt-BR" dirty="0">
+                <a:solidFill>
+                  <a:schemeClr val="tx1"/>
+                </a:solidFill>
+                <a:latin typeface="Times New Roman" panose="02020603050405020304" pitchFamily="18" charset="0"/>
+                <a:cs typeface="Times New Roman" panose="02020603050405020304" pitchFamily="18" charset="0"/>
+              </a:rPr>
+              <a:t> 7 </a:t>
+            </a:r>
+            <a:r>
+              <a:rPr lang="pt-BR" b="1" dirty="0">
+                <a:solidFill>
+                  <a:schemeClr val="tx1"/>
+                </a:solidFill>
+                <a:latin typeface="Times New Roman" panose="02020603050405020304" pitchFamily="18" charset="0"/>
+                <a:cs typeface="Times New Roman" panose="02020603050405020304" pitchFamily="18" charset="0"/>
+              </a:rPr>
+              <a:t>in</a:t>
+            </a:r>
+            <a:r>
+              <a:rPr lang="pt-BR" dirty="0">
+                <a:solidFill>
+                  <a:schemeClr val="tx1"/>
+                </a:solidFill>
+                <a:latin typeface="Times New Roman" panose="02020603050405020304" pitchFamily="18" charset="0"/>
+                <a:cs typeface="Times New Roman" panose="02020603050405020304" pitchFamily="18" charset="0"/>
+              </a:rPr>
+              <a:t> lista: </a:t>
             </a:r>
             <a:r>
               <a:rPr lang="pt-BR" dirty="0" err="1">
@@ -13895,7 +14835,17 @@
                 <a:latin typeface="Times New Roman" panose="02020603050405020304" pitchFamily="18" charset="0"/>
                 <a:cs typeface="Times New Roman" panose="02020603050405020304" pitchFamily="18" charset="0"/>
               </a:rPr>
-              <a:t>umaLista</a:t>
+              <a:t>lista.</a:t>
+            </a:r>
+            <a:r>
+              <a:rPr lang="pt-BR" b="1" dirty="0" err="1">
+                <a:solidFill>
+                  <a:schemeClr val="tx1"/>
+                </a:solidFill>
+                <a:latin typeface="Times New Roman" panose="02020603050405020304" pitchFamily="18" charset="0"/>
+                <a:cs typeface="Times New Roman" panose="02020603050405020304" pitchFamily="18" charset="0"/>
+              </a:rPr>
+              <a:t>remove</a:t>
             </a:r>
             <a:r>
               <a:rPr lang="pt-BR" dirty="0">
@@ -13905,40 +14855,147 @@
                 <a:latin typeface="Times New Roman" panose="02020603050405020304" pitchFamily="18" charset="0"/>
                 <a:cs typeface="Times New Roman" panose="02020603050405020304" pitchFamily="18" charset="0"/>
               </a:rPr>
-              <a:t> = [1, 4, 8, 5, 7, 9]</a:t>
-            </a:r>
-          </a:p>
-          <a:p>
-            <a:pPr algn="just">
-              <a:buFontTx/>
-              <a:buChar char="-"/>
+              <a:t>(7)</a:t>
+            </a:r>
+          </a:p>
+          <a:p>
+            <a:pPr marL="0" indent="0" algn="just">
+              <a:buNone/>
             </a:pPr>
             <a:r>
               <a:rPr lang="pt-BR" dirty="0">
-                <a:latin typeface="Times New Roman" panose="02020603050405020304" pitchFamily="18" charset="0"/>
-                <a:cs typeface="Times New Roman" panose="02020603050405020304" pitchFamily="18" charset="0"/>
-              </a:rPr>
-              <a:t>Imprimindo um único elemento: print(</a:t>
+                <a:solidFill>
+                  <a:schemeClr val="tx1"/>
+                </a:solidFill>
+                <a:latin typeface="Times New Roman" panose="02020603050405020304" pitchFamily="18" charset="0"/>
+                <a:cs typeface="Times New Roman" panose="02020603050405020304" pitchFamily="18" charset="0"/>
+              </a:rPr>
+              <a:t># lista[:] = (</a:t>
             </a:r>
             <a:r>
               <a:rPr lang="pt-BR" dirty="0" err="1">
-                <a:latin typeface="Times New Roman" panose="02020603050405020304" pitchFamily="18" charset="0"/>
-                <a:cs typeface="Times New Roman" panose="02020603050405020304" pitchFamily="18" charset="0"/>
-              </a:rPr>
-              <a:t>umaLista</a:t>
+                <a:solidFill>
+                  <a:schemeClr val="tx1"/>
+                </a:solidFill>
+                <a:latin typeface="Times New Roman" panose="02020603050405020304" pitchFamily="18" charset="0"/>
+                <a:cs typeface="Times New Roman" panose="02020603050405020304" pitchFamily="18" charset="0"/>
+              </a:rPr>
+              <a:t>value</a:t>
             </a:r>
             <a:r>
               <a:rPr lang="pt-BR" dirty="0">
-                <a:latin typeface="Times New Roman" panose="02020603050405020304" pitchFamily="18" charset="0"/>
-                <a:cs typeface="Times New Roman" panose="02020603050405020304" pitchFamily="18" charset="0"/>
-              </a:rPr>
-              <a:t>[2]) =&gt; 8</a:t>
-            </a:r>
-          </a:p>
-          <a:p>
-            <a:pPr algn="just">
-              <a:buFontTx/>
-              <a:buChar char="-"/>
+                <a:solidFill>
+                  <a:schemeClr val="tx1"/>
+                </a:solidFill>
+                <a:latin typeface="Times New Roman" panose="02020603050405020304" pitchFamily="18" charset="0"/>
+                <a:cs typeface="Times New Roman" panose="02020603050405020304" pitchFamily="18" charset="0"/>
+              </a:rPr>
+              <a:t> </a:t>
+            </a:r>
+            <a:r>
+              <a:rPr lang="pt-BR" b="1" dirty="0">
+                <a:solidFill>
+                  <a:schemeClr val="tx1"/>
+                </a:solidFill>
+                <a:latin typeface="Times New Roman" panose="02020603050405020304" pitchFamily="18" charset="0"/>
+                <a:cs typeface="Times New Roman" panose="02020603050405020304" pitchFamily="18" charset="0"/>
+              </a:rPr>
+              <a:t>for</a:t>
+            </a:r>
+            <a:r>
+              <a:rPr lang="pt-BR" dirty="0">
+                <a:solidFill>
+                  <a:schemeClr val="tx1"/>
+                </a:solidFill>
+                <a:latin typeface="Times New Roman" panose="02020603050405020304" pitchFamily="18" charset="0"/>
+                <a:cs typeface="Times New Roman" panose="02020603050405020304" pitchFamily="18" charset="0"/>
+              </a:rPr>
+              <a:t> </a:t>
+            </a:r>
+            <a:r>
+              <a:rPr lang="pt-BR" dirty="0" err="1">
+                <a:solidFill>
+                  <a:schemeClr val="tx1"/>
+                </a:solidFill>
+                <a:latin typeface="Times New Roman" panose="02020603050405020304" pitchFamily="18" charset="0"/>
+                <a:cs typeface="Times New Roman" panose="02020603050405020304" pitchFamily="18" charset="0"/>
+              </a:rPr>
+              <a:t>value</a:t>
+            </a:r>
+            <a:r>
+              <a:rPr lang="pt-BR" dirty="0">
+                <a:solidFill>
+                  <a:schemeClr val="tx1"/>
+                </a:solidFill>
+                <a:latin typeface="Times New Roman" panose="02020603050405020304" pitchFamily="18" charset="0"/>
+                <a:cs typeface="Times New Roman" panose="02020603050405020304" pitchFamily="18" charset="0"/>
+              </a:rPr>
+              <a:t> </a:t>
+            </a:r>
+            <a:r>
+              <a:rPr lang="pt-BR" b="1" dirty="0">
+                <a:solidFill>
+                  <a:schemeClr val="tx1"/>
+                </a:solidFill>
+                <a:latin typeface="Times New Roman" panose="02020603050405020304" pitchFamily="18" charset="0"/>
+                <a:cs typeface="Times New Roman" panose="02020603050405020304" pitchFamily="18" charset="0"/>
+              </a:rPr>
+              <a:t>in</a:t>
+            </a:r>
+            <a:r>
+              <a:rPr lang="pt-BR" dirty="0">
+                <a:solidFill>
+                  <a:schemeClr val="tx1"/>
+                </a:solidFill>
+                <a:latin typeface="Times New Roman" panose="02020603050405020304" pitchFamily="18" charset="0"/>
+                <a:cs typeface="Times New Roman" panose="02020603050405020304" pitchFamily="18" charset="0"/>
+              </a:rPr>
+              <a:t> lista </a:t>
+            </a:r>
+            <a:r>
+              <a:rPr lang="pt-BR" b="1" dirty="0" err="1">
+                <a:solidFill>
+                  <a:schemeClr val="tx1"/>
+                </a:solidFill>
+                <a:latin typeface="Times New Roman" panose="02020603050405020304" pitchFamily="18" charset="0"/>
+                <a:cs typeface="Times New Roman" panose="02020603050405020304" pitchFamily="18" charset="0"/>
+              </a:rPr>
+              <a:t>if</a:t>
+            </a:r>
+            <a:r>
+              <a:rPr lang="pt-BR" dirty="0">
+                <a:solidFill>
+                  <a:schemeClr val="tx1"/>
+                </a:solidFill>
+                <a:latin typeface="Times New Roman" panose="02020603050405020304" pitchFamily="18" charset="0"/>
+                <a:cs typeface="Times New Roman" panose="02020603050405020304" pitchFamily="18" charset="0"/>
+              </a:rPr>
+              <a:t> </a:t>
+            </a:r>
+            <a:r>
+              <a:rPr lang="pt-BR" dirty="0" err="1">
+                <a:solidFill>
+                  <a:schemeClr val="tx1"/>
+                </a:solidFill>
+                <a:latin typeface="Times New Roman" panose="02020603050405020304" pitchFamily="18" charset="0"/>
+                <a:cs typeface="Times New Roman" panose="02020603050405020304" pitchFamily="18" charset="0"/>
+              </a:rPr>
+              <a:t>value</a:t>
+            </a:r>
+            <a:r>
+              <a:rPr lang="pt-BR" dirty="0">
+                <a:solidFill>
+                  <a:schemeClr val="tx1"/>
+                </a:solidFill>
+                <a:latin typeface="Times New Roman" panose="02020603050405020304" pitchFamily="18" charset="0"/>
+                <a:cs typeface="Times New Roman" panose="02020603050405020304" pitchFamily="18" charset="0"/>
+              </a:rPr>
+              <a:t> != 7)</a:t>
+            </a:r>
+          </a:p>
+          <a:p>
+            <a:pPr marL="0" indent="0" algn="just">
+              <a:buNone/>
             </a:pPr>
             <a:r>
               <a:rPr lang="pt-BR" dirty="0">
@@ -13948,24 +15005,82 @@
                 <a:latin typeface="Times New Roman" panose="02020603050405020304" pitchFamily="18" charset="0"/>
                 <a:cs typeface="Times New Roman" panose="02020603050405020304" pitchFamily="18" charset="0"/>
               </a:rPr>
-              <a:t>Seleciona tudo até o indicado com”</a:t>
+              <a:t># lista = </a:t>
+            </a:r>
+            <a:r>
+              <a:rPr lang="pt-BR" b="1" dirty="0" err="1">
+                <a:solidFill>
+                  <a:srgbClr val="FF0000"/>
+                </a:solidFill>
+                <a:latin typeface="Times New Roman" panose="02020603050405020304" pitchFamily="18" charset="0"/>
+                <a:cs typeface="Times New Roman" panose="02020603050405020304" pitchFamily="18" charset="0"/>
+              </a:rPr>
+              <a:t>list</a:t>
+            </a:r>
+            <a:r>
+              <a:rPr lang="pt-BR" dirty="0">
+                <a:solidFill>
+                  <a:schemeClr val="tx1"/>
+                </a:solidFill>
+                <a:latin typeface="Times New Roman" panose="02020603050405020304" pitchFamily="18" charset="0"/>
+                <a:cs typeface="Times New Roman" panose="02020603050405020304" pitchFamily="18" charset="0"/>
+              </a:rPr>
+              <a:t>(</a:t>
+            </a:r>
+            <a:r>
+              <a:rPr lang="pt-BR" b="1" dirty="0" err="1">
+                <a:solidFill>
+                  <a:schemeClr val="tx1"/>
+                </a:solidFill>
+                <a:latin typeface="Times New Roman" panose="02020603050405020304" pitchFamily="18" charset="0"/>
+                <a:cs typeface="Times New Roman" panose="02020603050405020304" pitchFamily="18" charset="0"/>
+              </a:rPr>
+              <a:t>filter</a:t>
+            </a:r>
+            <a:r>
+              <a:rPr lang="pt-BR" dirty="0">
+                <a:solidFill>
+                  <a:schemeClr val="tx1"/>
+                </a:solidFill>
+                <a:latin typeface="Times New Roman" panose="02020603050405020304" pitchFamily="18" charset="0"/>
+                <a:cs typeface="Times New Roman" panose="02020603050405020304" pitchFamily="18" charset="0"/>
+              </a:rPr>
+              <a:t>(</a:t>
             </a:r>
             <a:r>
               <a:rPr lang="pt-BR" b="1" dirty="0">
                 <a:solidFill>
-                  <a:srgbClr val="0070C0"/>
-                </a:solidFill>
-                <a:latin typeface="Times New Roman" panose="02020603050405020304" pitchFamily="18" charset="0"/>
-                <a:cs typeface="Times New Roman" panose="02020603050405020304" pitchFamily="18" charset="0"/>
-              </a:rPr>
-              <a:t>:</a:t>
+                  <a:schemeClr val="tx1"/>
+                </a:solidFill>
+                <a:latin typeface="Times New Roman" panose="02020603050405020304" pitchFamily="18" charset="0"/>
+                <a:cs typeface="Times New Roman" panose="02020603050405020304" pitchFamily="18" charset="0"/>
+              </a:rPr>
+              <a:t>lambda</a:t>
             </a:r>
             <a:r>
               <a:rPr lang="pt-BR" dirty="0">
-                <a:latin typeface="Times New Roman" panose="02020603050405020304" pitchFamily="18" charset="0"/>
-                <a:cs typeface="Times New Roman" panose="02020603050405020304" pitchFamily="18" charset="0"/>
-              </a:rPr>
-              <a:t>”</a:t>
+                <a:solidFill>
+                  <a:schemeClr val="tx1"/>
+                </a:solidFill>
+                <a:latin typeface="Times New Roman" panose="02020603050405020304" pitchFamily="18" charset="0"/>
+                <a:cs typeface="Times New Roman" panose="02020603050405020304" pitchFamily="18" charset="0"/>
+              </a:rPr>
+              <a:t> a: a != 7, lista))</a:t>
+            </a:r>
+          </a:p>
+          <a:p>
+            <a:pPr marL="0" indent="0" algn="just">
+              <a:buNone/>
+            </a:pPr>
+            <a:r>
+              <a:rPr lang="pt-BR" b="1" dirty="0">
+                <a:solidFill>
+                  <a:schemeClr val="tx1"/>
+                </a:solidFill>
+                <a:latin typeface="Times New Roman" panose="02020603050405020304" pitchFamily="18" charset="0"/>
+                <a:cs typeface="Times New Roman" panose="02020603050405020304" pitchFamily="18" charset="0"/>
+              </a:rPr>
+              <a:t>print</a:t>
             </a:r>
             <a:r>
               <a:rPr lang="pt-BR" dirty="0">
@@ -13975,72 +15090,7 @@
                 <a:latin typeface="Times New Roman" panose="02020603050405020304" pitchFamily="18" charset="0"/>
                 <a:cs typeface="Times New Roman" panose="02020603050405020304" pitchFamily="18" charset="0"/>
               </a:rPr>
-              <a:t> </a:t>
-            </a:r>
-            <a:r>
-              <a:rPr lang="pt-BR" b="1" dirty="0">
-                <a:solidFill>
-                  <a:srgbClr val="FF0000"/>
-                </a:solidFill>
-                <a:latin typeface="Times New Roman" panose="02020603050405020304" pitchFamily="18" charset="0"/>
-                <a:cs typeface="Times New Roman" panose="02020603050405020304" pitchFamily="18" charset="0"/>
-              </a:rPr>
-              <a:t>Atenção: Exclui o último elemento.</a:t>
-            </a:r>
-          </a:p>
-          <a:p>
-            <a:pPr marL="0" indent="0" algn="just">
-              <a:buNone/>
-            </a:pPr>
-            <a:r>
-              <a:rPr lang="pt-BR" dirty="0">
-                <a:solidFill>
-                  <a:schemeClr val="tx1"/>
-                </a:solidFill>
-                <a:latin typeface="Times New Roman" panose="02020603050405020304" pitchFamily="18" charset="0"/>
-                <a:cs typeface="Times New Roman" panose="02020603050405020304" pitchFamily="18" charset="0"/>
-              </a:rPr>
-              <a:t>   Ex.: </a:t>
-            </a:r>
-            <a:r>
-              <a:rPr lang="pt-BR" b="1" dirty="0">
-                <a:solidFill>
-                  <a:schemeClr val="tx1"/>
-                </a:solidFill>
-                <a:latin typeface="Times New Roman" panose="02020603050405020304" pitchFamily="18" charset="0"/>
-                <a:cs typeface="Times New Roman" panose="02020603050405020304" pitchFamily="18" charset="0"/>
-              </a:rPr>
-              <a:t>print</a:t>
-            </a:r>
-            <a:r>
-              <a:rPr lang="pt-BR" dirty="0">
-                <a:solidFill>
-                  <a:schemeClr val="tx1"/>
-                </a:solidFill>
-                <a:latin typeface="Times New Roman" panose="02020603050405020304" pitchFamily="18" charset="0"/>
-                <a:cs typeface="Times New Roman" panose="02020603050405020304" pitchFamily="18" charset="0"/>
-              </a:rPr>
-              <a:t>(</a:t>
-            </a:r>
-            <a:r>
-              <a:rPr lang="pt-BR" dirty="0" err="1">
-                <a:solidFill>
-                  <a:schemeClr val="tx1"/>
-                </a:solidFill>
-                <a:latin typeface="Times New Roman" panose="02020603050405020304" pitchFamily="18" charset="0"/>
-                <a:cs typeface="Times New Roman" panose="02020603050405020304" pitchFamily="18" charset="0"/>
-              </a:rPr>
-              <a:t>umaLista</a:t>
-            </a:r>
-            <a:r>
-              <a:rPr lang="pt-BR" dirty="0">
-                <a:solidFill>
-                  <a:schemeClr val="tx1"/>
-                </a:solidFill>
-                <a:latin typeface="Times New Roman" panose="02020603050405020304" pitchFamily="18" charset="0"/>
-                <a:cs typeface="Times New Roman" panose="02020603050405020304" pitchFamily="18" charset="0"/>
-              </a:rPr>
-              <a:t>[:3]) =&gt; 1, 4, 8</a:t>
+              <a:t>(lista)</a:t>
             </a:r>
           </a:p>
         </p:txBody>
@@ -14048,7 +15098,7 @@
     </p:spTree>
     <p:extLst>
       <p:ext uri="{BB962C8B-B14F-4D97-AF65-F5344CB8AC3E}">
-        <p14:creationId xmlns:p14="http://schemas.microsoft.com/office/powerpoint/2010/main" val="2372610511"/>
+        <p14:creationId xmlns:p14="http://schemas.microsoft.com/office/powerpoint/2010/main" val="1399767498"/>
       </p:ext>
     </p:extLst>
   </p:cSld>
@@ -14182,236 +15232,8 @@
                 <a:latin typeface="Times New Roman" panose="02020603050405020304" pitchFamily="18" charset="0"/>
                 <a:cs typeface="Times New Roman" panose="02020603050405020304" pitchFamily="18" charset="0"/>
               </a:rPr>
-              <a:t>Exemplo Lista: </a:t>
-            </a:r>
-            <a:r>
-              <a:rPr lang="pt-BR" dirty="0" err="1">
-                <a:solidFill>
-                  <a:schemeClr val="tx1"/>
-                </a:solidFill>
-                <a:latin typeface="Times New Roman" panose="02020603050405020304" pitchFamily="18" charset="0"/>
-                <a:cs typeface="Times New Roman" panose="02020603050405020304" pitchFamily="18" charset="0"/>
-              </a:rPr>
-              <a:t>umaLista</a:t>
-            </a:r>
-            <a:r>
-              <a:rPr lang="pt-BR" dirty="0">
-                <a:solidFill>
-                  <a:schemeClr val="tx1"/>
-                </a:solidFill>
-                <a:latin typeface="Times New Roman" panose="02020603050405020304" pitchFamily="18" charset="0"/>
-                <a:cs typeface="Times New Roman" panose="02020603050405020304" pitchFamily="18" charset="0"/>
-              </a:rPr>
-              <a:t> = [1, 4, 8, 5, 7, 9]</a:t>
-            </a:r>
-          </a:p>
-          <a:p>
-            <a:pPr algn="just">
-              <a:buFontTx/>
-              <a:buChar char="-"/>
-            </a:pPr>
-            <a:r>
-              <a:rPr lang="pt-BR" dirty="0">
-                <a:solidFill>
-                  <a:schemeClr val="tx1"/>
-                </a:solidFill>
-                <a:latin typeface="Times New Roman" panose="02020603050405020304" pitchFamily="18" charset="0"/>
-                <a:cs typeface="Times New Roman" panose="02020603050405020304" pitchFamily="18" charset="0"/>
-              </a:rPr>
-              <a:t>Seleciona tudo até o indicado com”</a:t>
-            </a:r>
-            <a:r>
-              <a:rPr lang="pt-BR" b="1" dirty="0">
-                <a:solidFill>
-                  <a:srgbClr val="0070C0"/>
-                </a:solidFill>
-                <a:latin typeface="Times New Roman" panose="02020603050405020304" pitchFamily="18" charset="0"/>
-                <a:cs typeface="Times New Roman" panose="02020603050405020304" pitchFamily="18" charset="0"/>
-              </a:rPr>
-              <a:t>:</a:t>
-            </a:r>
-            <a:r>
-              <a:rPr lang="pt-BR" dirty="0">
-                <a:latin typeface="Times New Roman" panose="02020603050405020304" pitchFamily="18" charset="0"/>
-                <a:cs typeface="Times New Roman" panose="02020603050405020304" pitchFamily="18" charset="0"/>
-              </a:rPr>
-              <a:t>”</a:t>
-            </a:r>
-            <a:r>
-              <a:rPr lang="pt-BR" dirty="0">
-                <a:solidFill>
-                  <a:schemeClr val="tx1"/>
-                </a:solidFill>
-                <a:latin typeface="Times New Roman" panose="02020603050405020304" pitchFamily="18" charset="0"/>
-                <a:cs typeface="Times New Roman" panose="02020603050405020304" pitchFamily="18" charset="0"/>
-              </a:rPr>
-              <a:t> </a:t>
-            </a:r>
-            <a:r>
-              <a:rPr lang="pt-BR" b="1" dirty="0">
-                <a:solidFill>
-                  <a:srgbClr val="FF0000"/>
-                </a:solidFill>
-                <a:latin typeface="Times New Roman" panose="02020603050405020304" pitchFamily="18" charset="0"/>
-                <a:cs typeface="Times New Roman" panose="02020603050405020304" pitchFamily="18" charset="0"/>
-              </a:rPr>
-              <a:t>Atenção: Exclui o último elemento.</a:t>
-            </a:r>
-          </a:p>
-          <a:p>
-            <a:pPr marL="0" indent="0" algn="just">
-              <a:buNone/>
-            </a:pPr>
-            <a:r>
-              <a:rPr lang="pt-BR" dirty="0">
-                <a:solidFill>
-                  <a:schemeClr val="tx1"/>
-                </a:solidFill>
-                <a:latin typeface="Times New Roman" panose="02020603050405020304" pitchFamily="18" charset="0"/>
-                <a:cs typeface="Times New Roman" panose="02020603050405020304" pitchFamily="18" charset="0"/>
-              </a:rPr>
-              <a:t>   Ex.: </a:t>
-            </a:r>
-            <a:r>
-              <a:rPr lang="pt-BR" b="1" dirty="0">
-                <a:solidFill>
-                  <a:schemeClr val="tx1"/>
-                </a:solidFill>
-                <a:latin typeface="Times New Roman" panose="02020603050405020304" pitchFamily="18" charset="0"/>
-                <a:cs typeface="Times New Roman" panose="02020603050405020304" pitchFamily="18" charset="0"/>
-              </a:rPr>
-              <a:t>print</a:t>
-            </a:r>
-            <a:r>
-              <a:rPr lang="pt-BR" dirty="0">
-                <a:solidFill>
-                  <a:schemeClr val="tx1"/>
-                </a:solidFill>
-                <a:latin typeface="Times New Roman" panose="02020603050405020304" pitchFamily="18" charset="0"/>
-                <a:cs typeface="Times New Roman" panose="02020603050405020304" pitchFamily="18" charset="0"/>
-              </a:rPr>
-              <a:t>(</a:t>
-            </a:r>
-            <a:r>
-              <a:rPr lang="pt-BR" dirty="0" err="1">
-                <a:solidFill>
-                  <a:schemeClr val="tx1"/>
-                </a:solidFill>
-                <a:latin typeface="Times New Roman" panose="02020603050405020304" pitchFamily="18" charset="0"/>
-                <a:cs typeface="Times New Roman" panose="02020603050405020304" pitchFamily="18" charset="0"/>
-              </a:rPr>
-              <a:t>umaLista</a:t>
-            </a:r>
-            <a:r>
-              <a:rPr lang="pt-BR" dirty="0">
-                <a:solidFill>
-                  <a:schemeClr val="tx1"/>
-                </a:solidFill>
-                <a:latin typeface="Times New Roman" panose="02020603050405020304" pitchFamily="18" charset="0"/>
-                <a:cs typeface="Times New Roman" panose="02020603050405020304" pitchFamily="18" charset="0"/>
-              </a:rPr>
-              <a:t>[1:3]) =&gt; 4, 8</a:t>
-            </a:r>
-          </a:p>
-          <a:p>
-            <a:pPr algn="just">
-              <a:buFontTx/>
-              <a:buChar char="-"/>
-            </a:pPr>
-            <a:r>
-              <a:rPr lang="pt-BR" dirty="0">
-                <a:solidFill>
-                  <a:schemeClr val="tx1"/>
-                </a:solidFill>
-                <a:latin typeface="Times New Roman" panose="02020603050405020304" pitchFamily="18" charset="0"/>
-                <a:cs typeface="Times New Roman" panose="02020603050405020304" pitchFamily="18" charset="0"/>
-              </a:rPr>
-              <a:t>Seleciona faixa, da posição informada até o fim com ”</a:t>
-            </a:r>
-            <a:r>
-              <a:rPr lang="pt-BR" b="1" dirty="0">
-                <a:solidFill>
-                  <a:srgbClr val="0070C0"/>
-                </a:solidFill>
-                <a:latin typeface="Times New Roman" panose="02020603050405020304" pitchFamily="18" charset="0"/>
-                <a:cs typeface="Times New Roman" panose="02020603050405020304" pitchFamily="18" charset="0"/>
-              </a:rPr>
-              <a:t>:</a:t>
-            </a:r>
-            <a:r>
-              <a:rPr lang="pt-BR" dirty="0">
-                <a:latin typeface="Times New Roman" panose="02020603050405020304" pitchFamily="18" charset="0"/>
-                <a:cs typeface="Times New Roman" panose="02020603050405020304" pitchFamily="18" charset="0"/>
-              </a:rPr>
-              <a:t>”</a:t>
-            </a:r>
-            <a:endParaRPr lang="pt-BR" b="1" dirty="0">
-              <a:solidFill>
-                <a:srgbClr val="FF0000"/>
-              </a:solidFill>
-              <a:latin typeface="Times New Roman" panose="02020603050405020304" pitchFamily="18" charset="0"/>
-              <a:cs typeface="Times New Roman" panose="02020603050405020304" pitchFamily="18" charset="0"/>
-            </a:endParaRPr>
-          </a:p>
-          <a:p>
-            <a:pPr marL="0" indent="0" algn="just">
-              <a:buNone/>
-            </a:pPr>
-            <a:r>
-              <a:rPr lang="pt-BR" dirty="0">
-                <a:solidFill>
-                  <a:schemeClr val="tx1"/>
-                </a:solidFill>
-                <a:latin typeface="Times New Roman" panose="02020603050405020304" pitchFamily="18" charset="0"/>
-                <a:cs typeface="Times New Roman" panose="02020603050405020304" pitchFamily="18" charset="0"/>
-              </a:rPr>
-              <a:t>   Ex.: </a:t>
-            </a:r>
-            <a:r>
-              <a:rPr lang="pt-BR" b="1" dirty="0">
-                <a:solidFill>
-                  <a:schemeClr val="tx1"/>
-                </a:solidFill>
-                <a:latin typeface="Times New Roman" panose="02020603050405020304" pitchFamily="18" charset="0"/>
-                <a:cs typeface="Times New Roman" panose="02020603050405020304" pitchFamily="18" charset="0"/>
-              </a:rPr>
-              <a:t>print</a:t>
-            </a:r>
-            <a:r>
-              <a:rPr lang="pt-BR" dirty="0">
-                <a:solidFill>
-                  <a:schemeClr val="tx1"/>
-                </a:solidFill>
-                <a:latin typeface="Times New Roman" panose="02020603050405020304" pitchFamily="18" charset="0"/>
-                <a:cs typeface="Times New Roman" panose="02020603050405020304" pitchFamily="18" charset="0"/>
-              </a:rPr>
-              <a:t>(</a:t>
-            </a:r>
-            <a:r>
-              <a:rPr lang="pt-BR" dirty="0" err="1">
-                <a:solidFill>
-                  <a:schemeClr val="tx1"/>
-                </a:solidFill>
-                <a:latin typeface="Times New Roman" panose="02020603050405020304" pitchFamily="18" charset="0"/>
-                <a:cs typeface="Times New Roman" panose="02020603050405020304" pitchFamily="18" charset="0"/>
-              </a:rPr>
-              <a:t>umaLista</a:t>
-            </a:r>
-            <a:r>
-              <a:rPr lang="pt-BR" dirty="0">
-                <a:solidFill>
-                  <a:schemeClr val="tx1"/>
-                </a:solidFill>
-                <a:latin typeface="Times New Roman" panose="02020603050405020304" pitchFamily="18" charset="0"/>
-                <a:cs typeface="Times New Roman" panose="02020603050405020304" pitchFamily="18" charset="0"/>
-              </a:rPr>
-              <a:t>[2:]) =&gt; 8, 5, 7, 9</a:t>
-            </a:r>
-          </a:p>
-          <a:p>
-            <a:pPr marL="0" indent="0" algn="just">
-              <a:buNone/>
-            </a:pPr>
+              <a:t>Exemplo Gerando uma Lista:</a:t>
+            </a:r>
             <a:endParaRPr lang="pt-BR" dirty="0">
               <a:solidFill>
                 <a:schemeClr val="tx1"/>
@@ -14420,12 +15242,422 @@
               <a:cs typeface="Times New Roman" panose="02020603050405020304" pitchFamily="18" charset="0"/>
             </a:endParaRPr>
           </a:p>
+          <a:p>
+            <a:pPr marL="0" indent="0" algn="just">
+              <a:buNone/>
+            </a:pPr>
+            <a:r>
+              <a:rPr lang="pt-BR" dirty="0">
+                <a:solidFill>
+                  <a:schemeClr val="tx1"/>
+                </a:solidFill>
+                <a:latin typeface="Times New Roman" panose="02020603050405020304" pitchFamily="18" charset="0"/>
+                <a:cs typeface="Times New Roman" panose="02020603050405020304" pitchFamily="18" charset="0"/>
+              </a:rPr>
+              <a:t>#lista[:] = ( </a:t>
+            </a:r>
+            <a:r>
+              <a:rPr lang="pt-BR" dirty="0" err="1">
+                <a:solidFill>
+                  <a:schemeClr val="tx1"/>
+                </a:solidFill>
+                <a:latin typeface="Times New Roman" panose="02020603050405020304" pitchFamily="18" charset="0"/>
+                <a:cs typeface="Times New Roman" panose="02020603050405020304" pitchFamily="18" charset="0"/>
+              </a:rPr>
+              <a:t>value</a:t>
+            </a:r>
+            <a:r>
+              <a:rPr lang="pt-BR" dirty="0">
+                <a:solidFill>
+                  <a:schemeClr val="tx1"/>
+                </a:solidFill>
+                <a:latin typeface="Times New Roman" panose="02020603050405020304" pitchFamily="18" charset="0"/>
+                <a:cs typeface="Times New Roman" panose="02020603050405020304" pitchFamily="18" charset="0"/>
+              </a:rPr>
+              <a:t> </a:t>
+            </a:r>
+            <a:r>
+              <a:rPr lang="pt-BR" b="1" dirty="0">
+                <a:solidFill>
+                  <a:schemeClr val="tx1"/>
+                </a:solidFill>
+                <a:latin typeface="Times New Roman" panose="02020603050405020304" pitchFamily="18" charset="0"/>
+                <a:cs typeface="Times New Roman" panose="02020603050405020304" pitchFamily="18" charset="0"/>
+              </a:rPr>
+              <a:t>for</a:t>
+            </a:r>
+            <a:r>
+              <a:rPr lang="pt-BR" dirty="0">
+                <a:solidFill>
+                  <a:schemeClr val="tx1"/>
+                </a:solidFill>
+                <a:latin typeface="Times New Roman" panose="02020603050405020304" pitchFamily="18" charset="0"/>
+                <a:cs typeface="Times New Roman" panose="02020603050405020304" pitchFamily="18" charset="0"/>
+              </a:rPr>
+              <a:t> </a:t>
+            </a:r>
+            <a:r>
+              <a:rPr lang="pt-BR" dirty="0" err="1">
+                <a:solidFill>
+                  <a:schemeClr val="tx1"/>
+                </a:solidFill>
+                <a:latin typeface="Times New Roman" panose="02020603050405020304" pitchFamily="18" charset="0"/>
+                <a:cs typeface="Times New Roman" panose="02020603050405020304" pitchFamily="18" charset="0"/>
+              </a:rPr>
+              <a:t>value</a:t>
+            </a:r>
+            <a:r>
+              <a:rPr lang="pt-BR" dirty="0">
+                <a:solidFill>
+                  <a:schemeClr val="tx1"/>
+                </a:solidFill>
+                <a:latin typeface="Times New Roman" panose="02020603050405020304" pitchFamily="18" charset="0"/>
+                <a:cs typeface="Times New Roman" panose="02020603050405020304" pitchFamily="18" charset="0"/>
+              </a:rPr>
+              <a:t> </a:t>
+            </a:r>
+            <a:r>
+              <a:rPr lang="pt-BR" b="1" dirty="0">
+                <a:solidFill>
+                  <a:schemeClr val="tx1"/>
+                </a:solidFill>
+                <a:latin typeface="Times New Roman" panose="02020603050405020304" pitchFamily="18" charset="0"/>
+                <a:cs typeface="Times New Roman" panose="02020603050405020304" pitchFamily="18" charset="0"/>
+              </a:rPr>
+              <a:t>in</a:t>
+            </a:r>
+            <a:r>
+              <a:rPr lang="pt-BR" dirty="0">
+                <a:solidFill>
+                  <a:schemeClr val="tx1"/>
+                </a:solidFill>
+                <a:latin typeface="Times New Roman" panose="02020603050405020304" pitchFamily="18" charset="0"/>
+                <a:cs typeface="Times New Roman" panose="02020603050405020304" pitchFamily="18" charset="0"/>
+              </a:rPr>
+              <a:t> </a:t>
+            </a:r>
+            <a:r>
+              <a:rPr lang="pt-BR" b="1" dirty="0">
+                <a:solidFill>
+                  <a:schemeClr val="tx1"/>
+                </a:solidFill>
+                <a:latin typeface="Times New Roman" panose="02020603050405020304" pitchFamily="18" charset="0"/>
+                <a:cs typeface="Times New Roman" panose="02020603050405020304" pitchFamily="18" charset="0"/>
+              </a:rPr>
+              <a:t>range</a:t>
+            </a:r>
+            <a:r>
+              <a:rPr lang="pt-BR" dirty="0">
+                <a:solidFill>
+                  <a:schemeClr val="tx1"/>
+                </a:solidFill>
+                <a:latin typeface="Times New Roman" panose="02020603050405020304" pitchFamily="18" charset="0"/>
+                <a:cs typeface="Times New Roman" panose="02020603050405020304" pitchFamily="18" charset="0"/>
+              </a:rPr>
+              <a:t>(0,20,2))</a:t>
+            </a:r>
+          </a:p>
+          <a:p>
+            <a:pPr marL="0" indent="0" algn="just">
+              <a:buNone/>
+            </a:pPr>
+            <a:r>
+              <a:rPr lang="pt-BR" dirty="0">
+                <a:solidFill>
+                  <a:schemeClr val="tx1"/>
+                </a:solidFill>
+                <a:latin typeface="Times New Roman" panose="02020603050405020304" pitchFamily="18" charset="0"/>
+                <a:cs typeface="Times New Roman" panose="02020603050405020304" pitchFamily="18" charset="0"/>
+              </a:rPr>
+              <a:t>#lista = ( [</a:t>
+            </a:r>
+            <a:r>
+              <a:rPr lang="pt-BR" dirty="0" err="1">
+                <a:solidFill>
+                  <a:schemeClr val="tx1"/>
+                </a:solidFill>
+                <a:latin typeface="Times New Roman" panose="02020603050405020304" pitchFamily="18" charset="0"/>
+                <a:cs typeface="Times New Roman" panose="02020603050405020304" pitchFamily="18" charset="0"/>
+              </a:rPr>
+              <a:t>value</a:t>
+            </a:r>
+            <a:r>
+              <a:rPr lang="pt-BR" dirty="0">
+                <a:solidFill>
+                  <a:schemeClr val="tx1"/>
+                </a:solidFill>
+                <a:latin typeface="Times New Roman" panose="02020603050405020304" pitchFamily="18" charset="0"/>
+                <a:cs typeface="Times New Roman" panose="02020603050405020304" pitchFamily="18" charset="0"/>
+              </a:rPr>
+              <a:t> </a:t>
+            </a:r>
+            <a:r>
+              <a:rPr lang="pt-BR" b="1" dirty="0">
+                <a:solidFill>
+                  <a:schemeClr val="tx1"/>
+                </a:solidFill>
+                <a:latin typeface="Times New Roman" panose="02020603050405020304" pitchFamily="18" charset="0"/>
+                <a:cs typeface="Times New Roman" panose="02020603050405020304" pitchFamily="18" charset="0"/>
+              </a:rPr>
+              <a:t>for</a:t>
+            </a:r>
+            <a:r>
+              <a:rPr lang="pt-BR" dirty="0">
+                <a:solidFill>
+                  <a:schemeClr val="tx1"/>
+                </a:solidFill>
+                <a:latin typeface="Times New Roman" panose="02020603050405020304" pitchFamily="18" charset="0"/>
+                <a:cs typeface="Times New Roman" panose="02020603050405020304" pitchFamily="18" charset="0"/>
+              </a:rPr>
+              <a:t> </a:t>
+            </a:r>
+            <a:r>
+              <a:rPr lang="pt-BR" dirty="0" err="1">
+                <a:solidFill>
+                  <a:schemeClr val="tx1"/>
+                </a:solidFill>
+                <a:latin typeface="Times New Roman" panose="02020603050405020304" pitchFamily="18" charset="0"/>
+                <a:cs typeface="Times New Roman" panose="02020603050405020304" pitchFamily="18" charset="0"/>
+              </a:rPr>
+              <a:t>value</a:t>
+            </a:r>
+            <a:r>
+              <a:rPr lang="pt-BR" dirty="0">
+                <a:solidFill>
+                  <a:schemeClr val="tx1"/>
+                </a:solidFill>
+                <a:latin typeface="Times New Roman" panose="02020603050405020304" pitchFamily="18" charset="0"/>
+                <a:cs typeface="Times New Roman" panose="02020603050405020304" pitchFamily="18" charset="0"/>
+              </a:rPr>
+              <a:t> </a:t>
+            </a:r>
+            <a:r>
+              <a:rPr lang="pt-BR" b="1" dirty="0">
+                <a:solidFill>
+                  <a:schemeClr val="tx1"/>
+                </a:solidFill>
+                <a:latin typeface="Times New Roman" panose="02020603050405020304" pitchFamily="18" charset="0"/>
+                <a:cs typeface="Times New Roman" panose="02020603050405020304" pitchFamily="18" charset="0"/>
+              </a:rPr>
+              <a:t>in</a:t>
+            </a:r>
+            <a:r>
+              <a:rPr lang="pt-BR" dirty="0">
+                <a:solidFill>
+                  <a:schemeClr val="tx1"/>
+                </a:solidFill>
+                <a:latin typeface="Times New Roman" panose="02020603050405020304" pitchFamily="18" charset="0"/>
+                <a:cs typeface="Times New Roman" panose="02020603050405020304" pitchFamily="18" charset="0"/>
+              </a:rPr>
+              <a:t> </a:t>
+            </a:r>
+            <a:r>
+              <a:rPr lang="pt-BR" b="1" dirty="0">
+                <a:solidFill>
+                  <a:schemeClr val="tx1"/>
+                </a:solidFill>
+                <a:latin typeface="Times New Roman" panose="02020603050405020304" pitchFamily="18" charset="0"/>
+                <a:cs typeface="Times New Roman" panose="02020603050405020304" pitchFamily="18" charset="0"/>
+              </a:rPr>
+              <a:t>range</a:t>
+            </a:r>
+            <a:r>
+              <a:rPr lang="pt-BR" dirty="0">
+                <a:solidFill>
+                  <a:schemeClr val="tx1"/>
+                </a:solidFill>
+                <a:latin typeface="Times New Roman" panose="02020603050405020304" pitchFamily="18" charset="0"/>
+                <a:cs typeface="Times New Roman" panose="02020603050405020304" pitchFamily="18" charset="0"/>
+              </a:rPr>
+              <a:t>(0,20,2)])</a:t>
+            </a:r>
+          </a:p>
+          <a:p>
+            <a:pPr marL="0" indent="0" algn="just">
+              <a:buNone/>
+            </a:pPr>
+            <a:r>
+              <a:rPr lang="pt-BR" dirty="0">
+                <a:solidFill>
+                  <a:schemeClr val="tx1"/>
+                </a:solidFill>
+                <a:latin typeface="Times New Roman" panose="02020603050405020304" pitchFamily="18" charset="0"/>
+                <a:cs typeface="Times New Roman" panose="02020603050405020304" pitchFamily="18" charset="0"/>
+              </a:rPr>
+              <a:t>#lista = ( [</a:t>
+            </a:r>
+            <a:r>
+              <a:rPr lang="pt-BR" dirty="0" err="1">
+                <a:solidFill>
+                  <a:schemeClr val="tx1"/>
+                </a:solidFill>
+                <a:latin typeface="Times New Roman" panose="02020603050405020304" pitchFamily="18" charset="0"/>
+                <a:cs typeface="Times New Roman" panose="02020603050405020304" pitchFamily="18" charset="0"/>
+              </a:rPr>
+              <a:t>value</a:t>
+            </a:r>
+            <a:r>
+              <a:rPr lang="pt-BR" dirty="0">
+                <a:solidFill>
+                  <a:schemeClr val="tx1"/>
+                </a:solidFill>
+                <a:latin typeface="Times New Roman" panose="02020603050405020304" pitchFamily="18" charset="0"/>
+                <a:cs typeface="Times New Roman" panose="02020603050405020304" pitchFamily="18" charset="0"/>
+              </a:rPr>
+              <a:t> </a:t>
+            </a:r>
+            <a:r>
+              <a:rPr lang="pt-BR" b="1" dirty="0">
+                <a:solidFill>
+                  <a:schemeClr val="tx1"/>
+                </a:solidFill>
+                <a:latin typeface="Times New Roman" panose="02020603050405020304" pitchFamily="18" charset="0"/>
+                <a:cs typeface="Times New Roman" panose="02020603050405020304" pitchFamily="18" charset="0"/>
+              </a:rPr>
+              <a:t>for</a:t>
+            </a:r>
+            <a:r>
+              <a:rPr lang="pt-BR" dirty="0">
+                <a:solidFill>
+                  <a:schemeClr val="tx1"/>
+                </a:solidFill>
+                <a:latin typeface="Times New Roman" panose="02020603050405020304" pitchFamily="18" charset="0"/>
+                <a:cs typeface="Times New Roman" panose="02020603050405020304" pitchFamily="18" charset="0"/>
+              </a:rPr>
+              <a:t> </a:t>
+            </a:r>
+            <a:r>
+              <a:rPr lang="pt-BR" dirty="0" err="1">
+                <a:solidFill>
+                  <a:schemeClr val="tx1"/>
+                </a:solidFill>
+                <a:latin typeface="Times New Roman" panose="02020603050405020304" pitchFamily="18" charset="0"/>
+                <a:cs typeface="Times New Roman" panose="02020603050405020304" pitchFamily="18" charset="0"/>
+              </a:rPr>
+              <a:t>value</a:t>
+            </a:r>
+            <a:r>
+              <a:rPr lang="pt-BR" dirty="0">
+                <a:solidFill>
+                  <a:schemeClr val="tx1"/>
+                </a:solidFill>
+                <a:latin typeface="Times New Roman" panose="02020603050405020304" pitchFamily="18" charset="0"/>
+                <a:cs typeface="Times New Roman" panose="02020603050405020304" pitchFamily="18" charset="0"/>
+              </a:rPr>
+              <a:t> </a:t>
+            </a:r>
+            <a:r>
+              <a:rPr lang="pt-BR" b="1" dirty="0">
+                <a:solidFill>
+                  <a:schemeClr val="tx1"/>
+                </a:solidFill>
+                <a:latin typeface="Times New Roman" panose="02020603050405020304" pitchFamily="18" charset="0"/>
+                <a:cs typeface="Times New Roman" panose="02020603050405020304" pitchFamily="18" charset="0"/>
+              </a:rPr>
+              <a:t>in</a:t>
+            </a:r>
+            <a:r>
+              <a:rPr lang="pt-BR" dirty="0">
+                <a:solidFill>
+                  <a:schemeClr val="tx1"/>
+                </a:solidFill>
+                <a:latin typeface="Times New Roman" panose="02020603050405020304" pitchFamily="18" charset="0"/>
+                <a:cs typeface="Times New Roman" panose="02020603050405020304" pitchFamily="18" charset="0"/>
+              </a:rPr>
+              <a:t> </a:t>
+            </a:r>
+            <a:r>
+              <a:rPr lang="pt-BR" b="1" dirty="0">
+                <a:solidFill>
+                  <a:schemeClr val="tx1"/>
+                </a:solidFill>
+                <a:latin typeface="Times New Roman" panose="02020603050405020304" pitchFamily="18" charset="0"/>
+                <a:cs typeface="Times New Roman" panose="02020603050405020304" pitchFamily="18" charset="0"/>
+              </a:rPr>
+              <a:t>range</a:t>
+            </a:r>
+            <a:r>
+              <a:rPr lang="pt-BR" dirty="0">
+                <a:solidFill>
+                  <a:schemeClr val="tx1"/>
+                </a:solidFill>
+                <a:latin typeface="Times New Roman" panose="02020603050405020304" pitchFamily="18" charset="0"/>
+                <a:cs typeface="Times New Roman" panose="02020603050405020304" pitchFamily="18" charset="0"/>
+              </a:rPr>
+              <a:t>(0,20) </a:t>
+            </a:r>
+            <a:r>
+              <a:rPr lang="pt-BR" b="1" dirty="0" err="1">
+                <a:solidFill>
+                  <a:schemeClr val="tx1"/>
+                </a:solidFill>
+                <a:latin typeface="Times New Roman" panose="02020603050405020304" pitchFamily="18" charset="0"/>
+                <a:cs typeface="Times New Roman" panose="02020603050405020304" pitchFamily="18" charset="0"/>
+              </a:rPr>
+              <a:t>if</a:t>
+            </a:r>
+            <a:r>
+              <a:rPr lang="pt-BR" dirty="0">
+                <a:solidFill>
+                  <a:schemeClr val="tx1"/>
+                </a:solidFill>
+                <a:latin typeface="Times New Roman" panose="02020603050405020304" pitchFamily="18" charset="0"/>
+                <a:cs typeface="Times New Roman" panose="02020603050405020304" pitchFamily="18" charset="0"/>
+              </a:rPr>
+              <a:t> </a:t>
+            </a:r>
+            <a:r>
+              <a:rPr lang="pt-BR" dirty="0" err="1">
+                <a:solidFill>
+                  <a:schemeClr val="tx1"/>
+                </a:solidFill>
+                <a:latin typeface="Times New Roman" panose="02020603050405020304" pitchFamily="18" charset="0"/>
+                <a:cs typeface="Times New Roman" panose="02020603050405020304" pitchFamily="18" charset="0"/>
+              </a:rPr>
+              <a:t>value</a:t>
+            </a:r>
+            <a:r>
+              <a:rPr lang="pt-BR" dirty="0">
+                <a:solidFill>
+                  <a:schemeClr val="tx1"/>
+                </a:solidFill>
+                <a:latin typeface="Times New Roman" panose="02020603050405020304" pitchFamily="18" charset="0"/>
+                <a:cs typeface="Times New Roman" panose="02020603050405020304" pitchFamily="18" charset="0"/>
+              </a:rPr>
+              <a:t> % 2 == 1])</a:t>
+            </a:r>
+          </a:p>
+          <a:p>
+            <a:pPr marL="0" indent="0" algn="just">
+              <a:buNone/>
+            </a:pPr>
+            <a:r>
+              <a:rPr lang="pt-BR" b="1" dirty="0">
+                <a:solidFill>
+                  <a:schemeClr val="tx1"/>
+                </a:solidFill>
+                <a:latin typeface="Times New Roman" panose="02020603050405020304" pitchFamily="18" charset="0"/>
+                <a:cs typeface="Times New Roman" panose="02020603050405020304" pitchFamily="18" charset="0"/>
+              </a:rPr>
+              <a:t>print</a:t>
+            </a:r>
+            <a:r>
+              <a:rPr lang="pt-BR" dirty="0">
+                <a:solidFill>
+                  <a:schemeClr val="tx1"/>
+                </a:solidFill>
+                <a:latin typeface="Times New Roman" panose="02020603050405020304" pitchFamily="18" charset="0"/>
+                <a:cs typeface="Times New Roman" panose="02020603050405020304" pitchFamily="18" charset="0"/>
+              </a:rPr>
+              <a:t>(lista)</a:t>
+            </a:r>
+          </a:p>
         </p:txBody>
       </p:sp>
     </p:spTree>
     <p:extLst>
       <p:ext uri="{BB962C8B-B14F-4D97-AF65-F5344CB8AC3E}">
-        <p14:creationId xmlns:p14="http://schemas.microsoft.com/office/powerpoint/2010/main" val="3026463142"/>
+        <p14:creationId xmlns:p14="http://schemas.microsoft.com/office/powerpoint/2010/main" val="526156523"/>
       </p:ext>
     </p:extLst>
   </p:cSld>
@@ -14559,7 +15791,7 @@
                 <a:latin typeface="Times New Roman" panose="02020603050405020304" pitchFamily="18" charset="0"/>
                 <a:cs typeface="Times New Roman" panose="02020603050405020304" pitchFamily="18" charset="0"/>
               </a:rPr>
-              <a:t>Exemplo Lista: </a:t>
+              <a:t>Exemplo Lista:  </a:t>
             </a:r>
             <a:r>
               <a:rPr lang="pt-BR" dirty="0" err="1">
@@ -14589,92 +15821,24 @@
             </a:pPr>
             <a:r>
               <a:rPr lang="pt-BR" dirty="0">
-                <a:solidFill>
-                  <a:schemeClr val="tx1"/>
-                </a:solidFill>
-                <a:latin typeface="Times New Roman" panose="02020603050405020304" pitchFamily="18" charset="0"/>
-                <a:cs typeface="Times New Roman" panose="02020603050405020304" pitchFamily="18" charset="0"/>
-              </a:rPr>
-              <a:t>Seleciona faixa, “de tanto em tanto” com”:</a:t>
-            </a:r>
-            <a:r>
-              <a:rPr lang="pt-BR" b="1" dirty="0">
-                <a:solidFill>
-                  <a:srgbClr val="0070C0"/>
-                </a:solidFill>
-                <a:latin typeface="Times New Roman" panose="02020603050405020304" pitchFamily="18" charset="0"/>
-                <a:cs typeface="Times New Roman" panose="02020603050405020304" pitchFamily="18" charset="0"/>
-              </a:rPr>
-              <a:t>:</a:t>
+                <a:latin typeface="Times New Roman" panose="02020603050405020304" pitchFamily="18" charset="0"/>
+                <a:cs typeface="Times New Roman" panose="02020603050405020304" pitchFamily="18" charset="0"/>
+              </a:rPr>
+              <a:t>Imprimindo um único elemento: print(</a:t>
+            </a:r>
+            <a:r>
+              <a:rPr lang="pt-BR" dirty="0" err="1">
+                <a:latin typeface="Times New Roman" panose="02020603050405020304" pitchFamily="18" charset="0"/>
+                <a:cs typeface="Times New Roman" panose="02020603050405020304" pitchFamily="18" charset="0"/>
+              </a:rPr>
+              <a:t>umaLista</a:t>
             </a:r>
             <a:r>
               <a:rPr lang="pt-BR" dirty="0">
                 <a:latin typeface="Times New Roman" panose="02020603050405020304" pitchFamily="18" charset="0"/>
                 <a:cs typeface="Times New Roman" panose="02020603050405020304" pitchFamily="18" charset="0"/>
               </a:rPr>
-              <a:t>”</a:t>
-            </a:r>
-            <a:endParaRPr lang="pt-BR" b="1" dirty="0">
-              <a:solidFill>
-                <a:srgbClr val="FF0000"/>
-              </a:solidFill>
-              <a:latin typeface="Times New Roman" panose="02020603050405020304" pitchFamily="18" charset="0"/>
-              <a:cs typeface="Times New Roman" panose="02020603050405020304" pitchFamily="18" charset="0"/>
-            </a:endParaRPr>
-          </a:p>
-          <a:p>
-            <a:pPr marL="0" indent="0" algn="just">
-              <a:buNone/>
-            </a:pPr>
-            <a:r>
-              <a:rPr lang="pt-BR" dirty="0">
-                <a:solidFill>
-                  <a:schemeClr val="tx1"/>
-                </a:solidFill>
-                <a:latin typeface="Times New Roman" panose="02020603050405020304" pitchFamily="18" charset="0"/>
-                <a:cs typeface="Times New Roman" panose="02020603050405020304" pitchFamily="18" charset="0"/>
-              </a:rPr>
-              <a:t>   Ex.: </a:t>
-            </a:r>
-            <a:r>
-              <a:rPr lang="pt-BR" b="1" dirty="0">
-                <a:solidFill>
-                  <a:schemeClr val="tx1"/>
-                </a:solidFill>
-                <a:latin typeface="Times New Roman" panose="02020603050405020304" pitchFamily="18" charset="0"/>
-                <a:cs typeface="Times New Roman" panose="02020603050405020304" pitchFamily="18" charset="0"/>
-              </a:rPr>
-              <a:t>print</a:t>
-            </a:r>
-            <a:r>
-              <a:rPr lang="pt-BR" dirty="0">
-                <a:solidFill>
-                  <a:schemeClr val="tx1"/>
-                </a:solidFill>
-                <a:latin typeface="Times New Roman" panose="02020603050405020304" pitchFamily="18" charset="0"/>
-                <a:cs typeface="Times New Roman" panose="02020603050405020304" pitchFamily="18" charset="0"/>
-              </a:rPr>
-              <a:t>(</a:t>
-            </a:r>
-            <a:r>
-              <a:rPr lang="pt-BR" dirty="0" err="1">
-                <a:solidFill>
-                  <a:schemeClr val="tx1"/>
-                </a:solidFill>
-                <a:latin typeface="Times New Roman" panose="02020603050405020304" pitchFamily="18" charset="0"/>
-                <a:cs typeface="Times New Roman" panose="02020603050405020304" pitchFamily="18" charset="0"/>
-              </a:rPr>
-              <a:t>umaLista</a:t>
-            </a:r>
-            <a:r>
-              <a:rPr lang="pt-BR" dirty="0">
-                <a:solidFill>
-                  <a:schemeClr val="tx1"/>
-                </a:solidFill>
-                <a:latin typeface="Times New Roman" panose="02020603050405020304" pitchFamily="18" charset="0"/>
-                <a:cs typeface="Times New Roman" panose="02020603050405020304" pitchFamily="18" charset="0"/>
-              </a:rPr>
-              <a:t>[::2]) =&gt; 1, 8, 7</a:t>
+              <a:t>[2]) =&gt; 8</a:t>
             </a:r>
           </a:p>
           <a:p>
@@ -14690,7 +15854,7 @@
                 <a:latin typeface="Times New Roman" panose="02020603050405020304" pitchFamily="18" charset="0"/>
                 <a:cs typeface="Times New Roman" panose="02020603050405020304" pitchFamily="18" charset="0"/>
               </a:rPr>
-              <a:t>Seleciona faixa, da posição e inicial com ”</a:t>
+              <a:t>Seleciona tudo até o indicado com”</a:t>
             </a:r>
             <a:r>
               <a:rPr lang="pt-BR" b="1" dirty="0">
@@ -14709,13 +15873,26 @@
               </a:rPr>
               <a:t>”</a:t>
             </a:r>
-            <a:endParaRPr lang="pt-BR" b="1" dirty="0">
-              <a:solidFill>
-                <a:srgbClr val="FF0000"/>
-              </a:solidFill>
-              <a:latin typeface="Times New Roman" panose="02020603050405020304" pitchFamily="18" charset="0"/>
-              <a:cs typeface="Times New Roman" panose="02020603050405020304" pitchFamily="18" charset="0"/>
-            </a:endParaRPr>
+            <a:r>
+              <a:rPr lang="pt-BR" dirty="0">
+                <a:solidFill>
+                  <a:schemeClr val="tx1"/>
+                </a:solidFill>
+                <a:latin typeface="Times New Roman" panose="02020603050405020304" pitchFamily="18" charset="0"/>
+                <a:cs typeface="Times New Roman" panose="02020603050405020304" pitchFamily="18" charset="0"/>
+              </a:rPr>
+              <a:t> </a:t>
+            </a:r>
+            <a:r>
+              <a:rPr lang="pt-BR" b="1" dirty="0">
+                <a:solidFill>
+                  <a:srgbClr val="FF0000"/>
+                </a:solidFill>
+                <a:latin typeface="Times New Roman" panose="02020603050405020304" pitchFamily="18" charset="0"/>
+                <a:cs typeface="Times New Roman" panose="02020603050405020304" pitchFamily="18" charset="0"/>
+              </a:rPr>
+              <a:t>Atenção: Exclui o último elemento.</a:t>
+            </a:r>
           </a:p>
           <a:p>
             <a:pPr marL="0" indent="0" algn="just">
@@ -14769,27 +15946,15 @@
                 <a:latin typeface="Times New Roman" panose="02020603050405020304" pitchFamily="18" charset="0"/>
                 <a:cs typeface="Times New Roman" panose="02020603050405020304" pitchFamily="18" charset="0"/>
               </a:rPr>
-              <a:t>[1::3]) =&gt; 4, 7</a:t>
-            </a:r>
-          </a:p>
-          <a:p>
-            <a:pPr marL="0" indent="0" algn="just">
-              <a:buNone/>
-            </a:pPr>
-            <a:endParaRPr lang="pt-BR" dirty="0">
-              <a:solidFill>
-                <a:schemeClr val="tx1"/>
-              </a:solidFill>
-              <a:latin typeface="Times New Roman" panose="02020603050405020304" pitchFamily="18" charset="0"/>
-              <a:cs typeface="Times New Roman" panose="02020603050405020304" pitchFamily="18" charset="0"/>
-            </a:endParaRPr>
+              <a:t>[:3]) =&gt; 1, 4, 8</a:t>
+            </a:r>
           </a:p>
         </p:txBody>
       </p:sp>
     </p:spTree>
     <p:extLst>
       <p:ext uri="{BB962C8B-B14F-4D97-AF65-F5344CB8AC3E}">
-        <p14:creationId xmlns:p14="http://schemas.microsoft.com/office/powerpoint/2010/main" val="2660980653"/>
+        <p14:creationId xmlns:p14="http://schemas.microsoft.com/office/powerpoint/2010/main" val="2372610511"/>
       </p:ext>
     </p:extLst>
   </p:cSld>

--- a/01 Classes/Aula 07 RAD Python - Tipos de Dados Aglomerados.pptx
+++ b/01 Classes/Aula 07 RAD Python - Tipos de Dados Aglomerados.pptx
@@ -2050,7 +2050,7 @@
           <a:p>
             <a:fld id="{48A87A34-81AB-432B-8DAE-1953F412C126}" type="datetimeFigureOut">
               <a:rPr lang="en-US" smtClean="0"/>
-              <a:t>9/20/2022</a:t>
+              <a:t>9/22/2022</a:t>
             </a:fld>
             <a:endParaRPr lang="en-US" dirty="0"/>
           </a:p>
@@ -2261,7 +2261,7 @@
           <a:p>
             <a:fld id="{48A87A34-81AB-432B-8DAE-1953F412C126}" type="datetimeFigureOut">
               <a:rPr lang="en-US" smtClean="0"/>
-              <a:t>9/20/2022</a:t>
+              <a:t>9/22/2022</a:t>
             </a:fld>
             <a:endParaRPr lang="en-US" dirty="0"/>
           </a:p>
@@ -2476,7 +2476,7 @@
           <a:p>
             <a:fld id="{48A87A34-81AB-432B-8DAE-1953F412C126}" type="datetimeFigureOut">
               <a:rPr lang="en-US" smtClean="0"/>
-              <a:t>9/20/2022</a:t>
+              <a:t>9/22/2022</a:t>
             </a:fld>
             <a:endParaRPr lang="en-US" dirty="0"/>
           </a:p>
@@ -2844,7 +2844,7 @@
           <a:p>
             <a:fld id="{48A87A34-81AB-432B-8DAE-1953F412C126}" type="datetimeFigureOut">
               <a:rPr lang="en-US" smtClean="0"/>
-              <a:t>9/20/2022</a:t>
+              <a:t>9/22/2022</a:t>
             </a:fld>
             <a:endParaRPr lang="en-US" dirty="0"/>
           </a:p>
@@ -3123,7 +3123,7 @@
           <a:p>
             <a:fld id="{48A87A34-81AB-432B-8DAE-1953F412C126}" type="datetimeFigureOut">
               <a:rPr lang="en-US" smtClean="0"/>
-              <a:t>9/20/2022</a:t>
+              <a:t>9/22/2022</a:t>
             </a:fld>
             <a:endParaRPr lang="en-US" dirty="0"/>
           </a:p>
@@ -3391,7 +3391,7 @@
           <a:p>
             <a:fld id="{48A87A34-81AB-432B-8DAE-1953F412C126}" type="datetimeFigureOut">
               <a:rPr lang="en-US" smtClean="0"/>
-              <a:t>9/20/2022</a:t>
+              <a:t>9/22/2022</a:t>
             </a:fld>
             <a:endParaRPr lang="en-US" dirty="0"/>
           </a:p>
@@ -3807,7 +3807,7 @@
           <a:p>
             <a:fld id="{48A87A34-81AB-432B-8DAE-1953F412C126}" type="datetimeFigureOut">
               <a:rPr lang="en-US" smtClean="0"/>
-              <a:t>9/20/2022</a:t>
+              <a:t>9/22/2022</a:t>
             </a:fld>
             <a:endParaRPr lang="en-US" dirty="0"/>
           </a:p>
@@ -3956,7 +3956,7 @@
           <a:p>
             <a:fld id="{48A87A34-81AB-432B-8DAE-1953F412C126}" type="datetimeFigureOut">
               <a:rPr lang="en-US" smtClean="0"/>
-              <a:t>9/20/2022</a:t>
+              <a:t>9/22/2022</a:t>
             </a:fld>
             <a:endParaRPr lang="en-US" dirty="0"/>
           </a:p>
@@ -4082,7 +4082,7 @@
           <a:p>
             <a:fld id="{48A87A34-81AB-432B-8DAE-1953F412C126}" type="datetimeFigureOut">
               <a:rPr lang="en-US" smtClean="0"/>
-              <a:t>9/20/2022</a:t>
+              <a:t>9/22/2022</a:t>
             </a:fld>
             <a:endParaRPr lang="en-US" dirty="0"/>
           </a:p>
@@ -4333,7 +4333,7 @@
           <a:p>
             <a:fld id="{48A87A34-81AB-432B-8DAE-1953F412C126}" type="datetimeFigureOut">
               <a:rPr lang="en-US" smtClean="0"/>
-              <a:t>9/20/2022</a:t>
+              <a:t>9/22/2022</a:t>
             </a:fld>
             <a:endParaRPr lang="en-US" dirty="0"/>
           </a:p>
@@ -4779,7 +4779,7 @@
             <a:fld id="{48A87A34-81AB-432B-8DAE-1953F412C126}" type="datetimeFigureOut">
               <a:rPr lang="en-US" smtClean="0"/>
               <a:pPr/>
-              <a:t>9/20/2022</a:t>
+              <a:t>9/22/2022</a:t>
             </a:fld>
             <a:endParaRPr lang="en-US" dirty="0"/>
           </a:p>
@@ -5107,7 +5107,7 @@
             <a:fld id="{48A87A34-81AB-432B-8DAE-1953F412C126}" type="datetimeFigureOut">
               <a:rPr lang="en-US" smtClean="0"/>
               <a:pPr/>
-              <a:t>9/20/2022</a:t>
+              <a:t>9/22/2022</a:t>
             </a:fld>
             <a:endParaRPr lang="en-US" dirty="0"/>
           </a:p>
@@ -6995,7 +6995,7 @@
               <a:buNone/>
             </a:pPr>
             <a:r>
-              <a:rPr lang="pt-BR" b="1" dirty="0">
+              <a:rPr lang="pt-BR" sz="2400" b="1" dirty="0">
                 <a:solidFill>
                   <a:srgbClr val="FF0000"/>
                 </a:solidFill>
@@ -7005,7 +7005,7 @@
               <a:t>Exemplo Lista: </a:t>
             </a:r>
             <a:r>
-              <a:rPr lang="pt-BR" dirty="0" err="1">
+              <a:rPr lang="pt-BR" sz="2400" dirty="0" err="1">
                 <a:solidFill>
                   <a:schemeClr val="tx1"/>
                 </a:solidFill>
@@ -7015,7 +7015,7 @@
               <a:t>umaLista</a:t>
             </a:r>
             <a:r>
-              <a:rPr lang="pt-BR" dirty="0">
+              <a:rPr lang="pt-BR" sz="2400" dirty="0">
                 <a:solidFill>
                   <a:schemeClr val="tx1"/>
                 </a:solidFill>
@@ -7031,7 +7031,7 @@
               <a:buChar char="-"/>
             </a:pPr>
             <a:r>
-              <a:rPr lang="pt-BR" dirty="0">
+              <a:rPr lang="pt-BR" sz="2400" dirty="0">
                 <a:solidFill>
                   <a:schemeClr val="tx1"/>
                 </a:solidFill>
@@ -7041,7 +7041,7 @@
               <a:t>Apagar, uma faixa da lista com </a:t>
             </a:r>
             <a:r>
-              <a:rPr lang="pt-BR" dirty="0" err="1">
+              <a:rPr lang="pt-BR" sz="2400" b="1" dirty="0" err="1">
                 <a:solidFill>
                   <a:schemeClr val="tx1"/>
                 </a:solidFill>
@@ -7050,7 +7050,27 @@
               </a:rPr>
               <a:t>del</a:t>
             </a:r>
-            <a:endParaRPr lang="pt-BR" b="1" dirty="0">
+            <a:r>
+              <a:rPr lang="pt-BR" sz="2400" dirty="0">
+                <a:solidFill>
+                  <a:schemeClr val="tx1"/>
+                </a:solidFill>
+                <a:latin typeface="Times New Roman" panose="02020603050405020304" pitchFamily="18" charset="0"/>
+                <a:cs typeface="Times New Roman" panose="02020603050405020304" pitchFamily="18" charset="0"/>
+              </a:rPr>
+              <a:t> ou </a:t>
+            </a:r>
+            <a:r>
+              <a:rPr lang="pt-BR" sz="2400" b="1" dirty="0" err="1">
+                <a:solidFill>
+                  <a:srgbClr val="FF0000"/>
+                </a:solidFill>
+                <a:latin typeface="Times New Roman" panose="02020603050405020304" pitchFamily="18" charset="0"/>
+                <a:cs typeface="Times New Roman" panose="02020603050405020304" pitchFamily="18" charset="0"/>
+              </a:rPr>
+              <a:t>clear</a:t>
+            </a:r>
+            <a:endParaRPr lang="pt-BR" sz="2400" b="1" dirty="0">
               <a:solidFill>
                 <a:srgbClr val="FF0000"/>
               </a:solidFill>
@@ -7063,7 +7083,7 @@
               <a:buNone/>
             </a:pPr>
             <a:r>
-              <a:rPr lang="pt-BR" dirty="0">
+              <a:rPr lang="pt-BR" sz="2400" dirty="0">
                 <a:solidFill>
                   <a:schemeClr val="tx1"/>
                 </a:solidFill>
@@ -7073,7 +7093,7 @@
               <a:t>   Ex.: </a:t>
             </a:r>
             <a:r>
-              <a:rPr lang="pt-BR" b="1" dirty="0" err="1">
+              <a:rPr lang="pt-BR" sz="2400" b="1" dirty="0" err="1">
                 <a:solidFill>
                   <a:schemeClr val="tx1"/>
                 </a:solidFill>
@@ -7083,7 +7103,7 @@
               <a:t>del</a:t>
             </a:r>
             <a:r>
-              <a:rPr lang="pt-BR" dirty="0">
+              <a:rPr lang="pt-BR" sz="2400" dirty="0">
                 <a:solidFill>
                   <a:schemeClr val="tx1"/>
                 </a:solidFill>
@@ -7093,7 +7113,7 @@
               <a:t> </a:t>
             </a:r>
             <a:r>
-              <a:rPr lang="pt-BR" dirty="0" err="1">
+              <a:rPr lang="pt-BR" sz="2400" dirty="0" err="1">
                 <a:solidFill>
                   <a:schemeClr val="tx1"/>
                 </a:solidFill>
@@ -7103,66 +7123,14 @@
               <a:t>umaLista</a:t>
             </a:r>
             <a:r>
-              <a:rPr lang="pt-BR" dirty="0">
-                <a:solidFill>
-                  <a:schemeClr val="tx1"/>
-                </a:solidFill>
-                <a:latin typeface="Times New Roman" panose="02020603050405020304" pitchFamily="18" charset="0"/>
-                <a:cs typeface="Times New Roman" panose="02020603050405020304" pitchFamily="18" charset="0"/>
-              </a:rPr>
-              <a:t>[1:3]; </a:t>
-            </a:r>
-          </a:p>
-          <a:p>
-            <a:pPr marL="0" indent="0" algn="just">
-              <a:buNone/>
-            </a:pPr>
-            <a:r>
-              <a:rPr lang="pt-BR" dirty="0">
-                <a:latin typeface="Times New Roman" panose="02020603050405020304" pitchFamily="18" charset="0"/>
-                <a:cs typeface="Times New Roman" panose="02020603050405020304" pitchFamily="18" charset="0"/>
-              </a:rPr>
-              <a:t>          </a:t>
-            </a:r>
-            <a:r>
-              <a:rPr lang="pt-BR" b="1" dirty="0">
-                <a:solidFill>
-                  <a:schemeClr val="tx1"/>
-                </a:solidFill>
-                <a:latin typeface="Times New Roman" panose="02020603050405020304" pitchFamily="18" charset="0"/>
-                <a:cs typeface="Times New Roman" panose="02020603050405020304" pitchFamily="18" charset="0"/>
-              </a:rPr>
-              <a:t>print</a:t>
-            </a:r>
-            <a:r>
-              <a:rPr lang="pt-BR" dirty="0">
-                <a:solidFill>
-                  <a:schemeClr val="tx1"/>
-                </a:solidFill>
-                <a:latin typeface="Times New Roman" panose="02020603050405020304" pitchFamily="18" charset="0"/>
-                <a:cs typeface="Times New Roman" panose="02020603050405020304" pitchFamily="18" charset="0"/>
-              </a:rPr>
-              <a:t>(</a:t>
-            </a:r>
-            <a:r>
-              <a:rPr lang="pt-BR" dirty="0" err="1">
-                <a:solidFill>
-                  <a:schemeClr val="tx1"/>
-                </a:solidFill>
-                <a:latin typeface="Times New Roman" panose="02020603050405020304" pitchFamily="18" charset="0"/>
-                <a:cs typeface="Times New Roman" panose="02020603050405020304" pitchFamily="18" charset="0"/>
-              </a:rPr>
-              <a:t>umaLista</a:t>
-            </a:r>
-            <a:r>
-              <a:rPr lang="pt-BR" dirty="0">
-                <a:solidFill>
-                  <a:schemeClr val="tx1"/>
-                </a:solidFill>
-                <a:latin typeface="Times New Roman" panose="02020603050405020304" pitchFamily="18" charset="0"/>
-                <a:cs typeface="Times New Roman" panose="02020603050405020304" pitchFamily="18" charset="0"/>
-              </a:rPr>
-              <a:t>) # 1, 5, 7, 9</a:t>
+              <a:rPr lang="pt-BR" sz="2400" dirty="0">
+                <a:solidFill>
+                  <a:schemeClr val="tx1"/>
+                </a:solidFill>
+                <a:latin typeface="Times New Roman" panose="02020603050405020304" pitchFamily="18" charset="0"/>
+                <a:cs typeface="Times New Roman" panose="02020603050405020304" pitchFamily="18" charset="0"/>
+              </a:rPr>
+              <a:t>[1:3]; # 1, 5, 7, 9</a:t>
             </a:r>
           </a:p>
           <a:p>
@@ -7171,16 +7139,36 @@
               <a:buChar char="-"/>
             </a:pPr>
             <a:r>
-              <a:rPr lang="pt-BR" dirty="0">
-                <a:solidFill>
-                  <a:schemeClr val="tx1"/>
-                </a:solidFill>
-                <a:latin typeface="Times New Roman" panose="02020603050405020304" pitchFamily="18" charset="0"/>
-                <a:cs typeface="Times New Roman" panose="02020603050405020304" pitchFamily="18" charset="0"/>
-              </a:rPr>
-              <a:t>Apagar lista totalmente</a:t>
-            </a:r>
-            <a:endParaRPr lang="pt-BR" b="1" dirty="0">
+              <a:rPr lang="pt-BR" sz="2400" dirty="0">
+                <a:solidFill>
+                  <a:schemeClr val="tx1"/>
+                </a:solidFill>
+                <a:latin typeface="Times New Roman" panose="02020603050405020304" pitchFamily="18" charset="0"/>
+                <a:cs typeface="Times New Roman" panose="02020603050405020304" pitchFamily="18" charset="0"/>
+              </a:rPr>
+              <a:t>Apagar lista totalmente e </a:t>
+            </a:r>
+            <a:r>
+              <a:rPr lang="pt-BR" sz="2400" b="1" dirty="0">
+                <a:solidFill>
+                  <a:schemeClr val="tx1"/>
+                </a:solidFill>
+                <a:latin typeface="Times New Roman" panose="02020603050405020304" pitchFamily="18" charset="0"/>
+                <a:cs typeface="Times New Roman" panose="02020603050405020304" pitchFamily="18" charset="0"/>
+              </a:rPr>
+              <a:t>destrói</a:t>
+            </a:r>
+            <a:r>
+              <a:rPr lang="pt-BR" sz="2400" dirty="0">
+                <a:solidFill>
+                  <a:schemeClr val="tx1"/>
+                </a:solidFill>
+                <a:latin typeface="Times New Roman" panose="02020603050405020304" pitchFamily="18" charset="0"/>
+                <a:cs typeface="Times New Roman" panose="02020603050405020304" pitchFamily="18" charset="0"/>
+              </a:rPr>
+              <a:t> a lista na memória</a:t>
+            </a:r>
+            <a:endParaRPr lang="pt-BR" sz="2400" b="1" dirty="0">
               <a:solidFill>
                 <a:srgbClr val="FF0000"/>
               </a:solidFill>
@@ -7193,7 +7181,7 @@
               <a:buNone/>
             </a:pPr>
             <a:r>
-              <a:rPr lang="pt-BR" dirty="0">
+              <a:rPr lang="pt-BR" sz="2400" dirty="0">
                 <a:solidFill>
                   <a:schemeClr val="tx1"/>
                 </a:solidFill>
@@ -7203,7 +7191,7 @@
               <a:t>   Ex.: </a:t>
             </a:r>
             <a:r>
-              <a:rPr lang="pt-BR" b="1" dirty="0" err="1">
+              <a:rPr lang="pt-BR" sz="2400" b="1" dirty="0" err="1">
                 <a:solidFill>
                   <a:schemeClr val="tx1"/>
                 </a:solidFill>
@@ -7213,7 +7201,7 @@
               <a:t>del</a:t>
             </a:r>
             <a:r>
-              <a:rPr lang="pt-BR" dirty="0">
+              <a:rPr lang="pt-BR" sz="2400" dirty="0">
                 <a:solidFill>
                   <a:schemeClr val="tx1"/>
                 </a:solidFill>
@@ -7223,7 +7211,7 @@
               <a:t> </a:t>
             </a:r>
             <a:r>
-              <a:rPr lang="pt-BR" dirty="0" err="1">
+              <a:rPr lang="pt-BR" sz="2400" dirty="0" err="1">
                 <a:solidFill>
                   <a:schemeClr val="tx1"/>
                 </a:solidFill>
@@ -7232,7 +7220,7 @@
               </a:rPr>
               <a:t>umaLista</a:t>
             </a:r>
-            <a:endParaRPr lang="pt-BR" dirty="0">
+            <a:endParaRPr lang="pt-BR" sz="2400" dirty="0">
               <a:solidFill>
                 <a:schemeClr val="tx1"/>
               </a:solidFill>
@@ -7241,16 +7229,112 @@
             </a:endParaRPr>
           </a:p>
           <a:p>
-            <a:pPr marL="0" indent="0" algn="just">
-              <a:buNone/>
+            <a:pPr algn="just">
+              <a:buFontTx/>
+              <a:buChar char="-"/>
             </a:pPr>
-            <a:endParaRPr lang="pt-BR" dirty="0">
+            <a:r>
+              <a:rPr lang="pt-BR" sz="2400" dirty="0">
+                <a:solidFill>
+                  <a:schemeClr val="tx1"/>
+                </a:solidFill>
+                <a:latin typeface="Times New Roman" panose="02020603050405020304" pitchFamily="18" charset="0"/>
+                <a:cs typeface="Times New Roman" panose="02020603050405020304" pitchFamily="18" charset="0"/>
+              </a:rPr>
+              <a:t>Limpa a lista totalmente e </a:t>
+            </a:r>
+            <a:r>
+              <a:rPr lang="pt-BR" sz="2400" b="1" dirty="0">
+                <a:solidFill>
+                  <a:schemeClr val="tx1"/>
+                </a:solidFill>
+                <a:latin typeface="Times New Roman" panose="02020603050405020304" pitchFamily="18" charset="0"/>
+                <a:cs typeface="Times New Roman" panose="02020603050405020304" pitchFamily="18" charset="0"/>
+              </a:rPr>
+              <a:t>NÃO</a:t>
+            </a:r>
+            <a:r>
+              <a:rPr lang="pt-BR" sz="2400" dirty="0">
+                <a:solidFill>
+                  <a:schemeClr val="tx1"/>
+                </a:solidFill>
+                <a:latin typeface="Times New Roman" panose="02020603050405020304" pitchFamily="18" charset="0"/>
+                <a:cs typeface="Times New Roman" panose="02020603050405020304" pitchFamily="18" charset="0"/>
+              </a:rPr>
+              <a:t> </a:t>
+            </a:r>
+            <a:r>
+              <a:rPr lang="pt-BR" sz="2400" b="1" dirty="0">
+                <a:solidFill>
+                  <a:schemeClr val="tx1"/>
+                </a:solidFill>
+                <a:latin typeface="Times New Roman" panose="02020603050405020304" pitchFamily="18" charset="0"/>
+                <a:cs typeface="Times New Roman" panose="02020603050405020304" pitchFamily="18" charset="0"/>
+              </a:rPr>
+              <a:t>destrói</a:t>
+            </a:r>
+            <a:r>
+              <a:rPr lang="pt-BR" sz="2400" dirty="0">
+                <a:solidFill>
+                  <a:schemeClr val="tx1"/>
+                </a:solidFill>
+                <a:latin typeface="Times New Roman" panose="02020603050405020304" pitchFamily="18" charset="0"/>
+                <a:cs typeface="Times New Roman" panose="02020603050405020304" pitchFamily="18" charset="0"/>
+              </a:rPr>
+              <a:t> a lista na memória</a:t>
+            </a:r>
+            <a:endParaRPr lang="pt-BR" sz="2400" b="1" dirty="0">
               <a:solidFill>
-                <a:schemeClr val="tx1"/>
+                <a:srgbClr val="FF0000"/>
               </a:solidFill>
               <a:latin typeface="Times New Roman" panose="02020603050405020304" pitchFamily="18" charset="0"/>
               <a:cs typeface="Times New Roman" panose="02020603050405020304" pitchFamily="18" charset="0"/>
             </a:endParaRPr>
+          </a:p>
+          <a:p>
+            <a:pPr marL="0" indent="0" algn="just">
+              <a:buNone/>
+            </a:pPr>
+            <a:r>
+              <a:rPr lang="pt-BR" sz="2400" dirty="0">
+                <a:solidFill>
+                  <a:schemeClr val="tx1"/>
+                </a:solidFill>
+                <a:latin typeface="Times New Roman" panose="02020603050405020304" pitchFamily="18" charset="0"/>
+                <a:cs typeface="Times New Roman" panose="02020603050405020304" pitchFamily="18" charset="0"/>
+              </a:rPr>
+              <a:t>   Ex.: </a:t>
+            </a:r>
+            <a:r>
+              <a:rPr lang="pt-BR" sz="2400" dirty="0" err="1">
+                <a:solidFill>
+                  <a:schemeClr val="tx1"/>
+                </a:solidFill>
+                <a:latin typeface="Times New Roman" panose="02020603050405020304" pitchFamily="18" charset="0"/>
+                <a:cs typeface="Times New Roman" panose="02020603050405020304" pitchFamily="18" charset="0"/>
+              </a:rPr>
+              <a:t>umaLista.</a:t>
+            </a:r>
+            <a:r>
+              <a:rPr lang="pt-BR" sz="2400" b="1" dirty="0" err="1">
+                <a:solidFill>
+                  <a:schemeClr val="tx1"/>
+                </a:solidFill>
+                <a:latin typeface="Times New Roman" panose="02020603050405020304" pitchFamily="18" charset="0"/>
+                <a:cs typeface="Times New Roman" panose="02020603050405020304" pitchFamily="18" charset="0"/>
+              </a:rPr>
+              <a:t>clear</a:t>
+            </a:r>
+            <a:r>
+              <a:rPr lang="pt-BR" sz="2400" dirty="0">
+                <a:solidFill>
+                  <a:schemeClr val="tx1"/>
+                </a:solidFill>
+                <a:latin typeface="Times New Roman" panose="02020603050405020304" pitchFamily="18" charset="0"/>
+                <a:cs typeface="Times New Roman" panose="02020603050405020304" pitchFamily="18" charset="0"/>
+              </a:rPr>
+              <a:t>()</a:t>
+            </a:r>
           </a:p>
         </p:txBody>
       </p:sp>
@@ -14264,7 +14348,7 @@
                 <a:latin typeface="Times New Roman" panose="02020603050405020304" pitchFamily="18" charset="0"/>
                 <a:cs typeface="Times New Roman" panose="02020603050405020304" pitchFamily="18" charset="0"/>
               </a:rPr>
-              <a:t>– Podemos adicionar elemento com </a:t>
+              <a:t>– adicionar elemento com </a:t>
             </a:r>
             <a:r>
               <a:rPr lang="pt-BR" sz="2400" b="1" dirty="0" err="1">
@@ -14340,7 +14424,7 @@
                 <a:latin typeface="Times New Roman" panose="02020603050405020304" pitchFamily="18" charset="0"/>
                 <a:cs typeface="Times New Roman" panose="02020603050405020304" pitchFamily="18" charset="0"/>
               </a:rPr>
-              <a:t>– Podemos adicionar elemento com </a:t>
+              <a:t>– adicionar elemento com </a:t>
             </a:r>
             <a:r>
               <a:rPr lang="pt-BR" sz="2400" b="1" dirty="0" err="1">
@@ -14433,7 +14517,7 @@
                 <a:latin typeface="Times New Roman" panose="02020603050405020304" pitchFamily="18" charset="0"/>
                 <a:cs typeface="Times New Roman" panose="02020603050405020304" pitchFamily="18" charset="0"/>
               </a:rPr>
-              <a:t>– Podemos excluir elemento com </a:t>
+              <a:t>– excluir elemento com </a:t>
             </a:r>
             <a:r>
               <a:rPr lang="pt-BR" sz="2400" b="1" dirty="0">
@@ -14533,7 +14617,7 @@
                 <a:latin typeface="Times New Roman" panose="02020603050405020304" pitchFamily="18" charset="0"/>
                 <a:cs typeface="Times New Roman" panose="02020603050405020304" pitchFamily="18" charset="0"/>
               </a:rPr>
-              <a:t>– Podemos excluir elemento com </a:t>
+              <a:t>– excluir elemento com </a:t>
             </a:r>
             <a:r>
               <a:rPr lang="pt-BR" sz="2400" b="1" dirty="0">
@@ -14612,6 +14696,60 @@
                 <a:cs typeface="Times New Roman" panose="02020603050405020304" pitchFamily="18" charset="0"/>
               </a:rPr>
               <a:t>senão existir erro</a:t>
+            </a:r>
+            <a:r>
+              <a:rPr lang="pt-BR" sz="2400" b="1" dirty="0">
+                <a:latin typeface="Times New Roman" panose="02020603050405020304" pitchFamily="18" charset="0"/>
+                <a:cs typeface="Times New Roman" panose="02020603050405020304" pitchFamily="18" charset="0"/>
+              </a:rPr>
+              <a:t>.</a:t>
+            </a:r>
+          </a:p>
+          <a:p>
+            <a:pPr marL="0" indent="0" algn="just">
+              <a:buNone/>
+            </a:pPr>
+            <a:r>
+              <a:rPr lang="pt-BR" sz="2400" b="1" dirty="0">
+                <a:latin typeface="Times New Roman" panose="02020603050405020304" pitchFamily="18" charset="0"/>
+                <a:cs typeface="Times New Roman" panose="02020603050405020304" pitchFamily="18" charset="0"/>
+              </a:rPr>
+              <a:t>Nota: </a:t>
+            </a:r>
+            <a:r>
+              <a:rPr lang="pt-BR" sz="2400" dirty="0">
+                <a:latin typeface="Times New Roman" panose="02020603050405020304" pitchFamily="18" charset="0"/>
+                <a:cs typeface="Times New Roman" panose="02020603050405020304" pitchFamily="18" charset="0"/>
+              </a:rPr>
+              <a:t>Ainda existem os métodos</a:t>
+            </a:r>
+            <a:r>
+              <a:rPr lang="pt-BR" sz="2400" b="1" dirty="0">
+                <a:latin typeface="Times New Roman" panose="02020603050405020304" pitchFamily="18" charset="0"/>
+                <a:cs typeface="Times New Roman" panose="02020603050405020304" pitchFamily="18" charset="0"/>
+              </a:rPr>
+              <a:t>: </a:t>
+            </a:r>
+            <a:r>
+              <a:rPr lang="pt-BR" sz="2400" b="1" dirty="0" err="1">
+                <a:latin typeface="Times New Roman" panose="02020603050405020304" pitchFamily="18" charset="0"/>
+                <a:cs typeface="Times New Roman" panose="02020603050405020304" pitchFamily="18" charset="0"/>
+              </a:rPr>
+              <a:t>del</a:t>
+            </a:r>
+            <a:r>
+              <a:rPr lang="pt-BR" sz="2400" b="1" dirty="0">
+                <a:latin typeface="Times New Roman" panose="02020603050405020304" pitchFamily="18" charset="0"/>
+                <a:cs typeface="Times New Roman" panose="02020603050405020304" pitchFamily="18" charset="0"/>
+              </a:rPr>
+              <a:t> e </a:t>
+            </a:r>
+            <a:r>
+              <a:rPr lang="pt-BR" sz="2400" b="1" dirty="0" err="1">
+                <a:latin typeface="Times New Roman" panose="02020603050405020304" pitchFamily="18" charset="0"/>
+                <a:cs typeface="Times New Roman" panose="02020603050405020304" pitchFamily="18" charset="0"/>
+              </a:rPr>
+              <a:t>clear</a:t>
             </a:r>
             <a:r>
               <a:rPr lang="pt-BR" sz="2400" b="1" dirty="0">

--- a/01 Classes/Aula 07 RAD Python - Tipos de Dados Aglomerados.pptx
+++ b/01 Classes/Aula 07 RAD Python - Tipos de Dados Aglomerados.pptx
@@ -5,7 +5,7 @@
     <p:sldMasterId id="2147483671" r:id="rId1"/>
   </p:sldMasterIdLst>
   <p:notesMasterIdLst>
-    <p:notesMasterId r:id="rId29"/>
+    <p:notesMasterId r:id="rId30"/>
   </p:notesMasterIdLst>
   <p:sldIdLst>
     <p:sldId id="355" r:id="rId2"/>
@@ -30,11 +30,12 @@
     <p:sldId id="346" r:id="rId21"/>
     <p:sldId id="347" r:id="rId22"/>
     <p:sldId id="353" r:id="rId23"/>
-    <p:sldId id="323" r:id="rId24"/>
-    <p:sldId id="333" r:id="rId25"/>
-    <p:sldId id="334" r:id="rId26"/>
-    <p:sldId id="337" r:id="rId27"/>
-    <p:sldId id="309" r:id="rId28"/>
+    <p:sldId id="358" r:id="rId24"/>
+    <p:sldId id="323" r:id="rId25"/>
+    <p:sldId id="333" r:id="rId26"/>
+    <p:sldId id="334" r:id="rId27"/>
+    <p:sldId id="337" r:id="rId28"/>
+    <p:sldId id="309" r:id="rId29"/>
   </p:sldIdLst>
   <p:sldSz cx="9144000" cy="5143500" type="screen16x9"/>
   <p:notesSz cx="6858000" cy="9144000"/>
@@ -1241,7 +1242,7 @@
     </p:spTree>
     <p:extLst>
       <p:ext uri="{BB962C8B-B14F-4D97-AF65-F5344CB8AC3E}">
-        <p14:creationId xmlns:p14="http://schemas.microsoft.com/office/powerpoint/2010/main" val="2709569597"/>
+        <p14:creationId xmlns:p14="http://schemas.microsoft.com/office/powerpoint/2010/main" val="2598361263"/>
       </p:ext>
     </p:extLst>
   </p:cSld>
@@ -1307,7 +1308,7 @@
     </p:spTree>
     <p:extLst>
       <p:ext uri="{BB962C8B-B14F-4D97-AF65-F5344CB8AC3E}">
-        <p14:creationId xmlns:p14="http://schemas.microsoft.com/office/powerpoint/2010/main" val="585304384"/>
+        <p14:creationId xmlns:p14="http://schemas.microsoft.com/office/powerpoint/2010/main" val="2709569597"/>
       </p:ext>
     </p:extLst>
   </p:cSld>
@@ -1373,6 +1374,72 @@
     </p:spTree>
     <p:extLst>
       <p:ext uri="{BB962C8B-B14F-4D97-AF65-F5344CB8AC3E}">
+        <p14:creationId xmlns:p14="http://schemas.microsoft.com/office/powerpoint/2010/main" val="585304384"/>
+      </p:ext>
+    </p:extLst>
+  </p:cSld>
+  <p:clrMapOvr>
+    <a:masterClrMapping/>
+  </p:clrMapOvr>
+</p:notes>
+</file>
+
+<file path=ppt/notesSlides/notesSlide24.xml><?xml version="1.0" encoding="utf-8"?>
+<p:notes xmlns:a="http://schemas.openxmlformats.org/drawingml/2006/main" xmlns:r="http://schemas.openxmlformats.org/officeDocument/2006/relationships" xmlns:p="http://schemas.openxmlformats.org/presentationml/2006/main">
+  <p:cSld>
+    <p:spTree>
+      <p:nvGrpSpPr>
+        <p:cNvPr id="1" name=""/>
+        <p:cNvGrpSpPr/>
+        <p:nvPr/>
+      </p:nvGrpSpPr>
+      <p:grpSpPr>
+        <a:xfrm>
+          <a:off x="0" y="0"/>
+          <a:ext cx="0" cy="0"/>
+          <a:chOff x="0" y="0"/>
+          <a:chExt cx="0" cy="0"/>
+        </a:xfrm>
+      </p:grpSpPr>
+      <p:sp>
+        <p:nvSpPr>
+          <p:cNvPr id="2" name="Espaço Reservado para Imagem de Slide 1"/>
+          <p:cNvSpPr>
+            <a:spLocks noGrp="1" noRot="1" noChangeAspect="1"/>
+          </p:cNvSpPr>
+          <p:nvPr>
+            <p:ph type="sldImg"/>
+          </p:nvPr>
+        </p:nvSpPr>
+        <p:spPr>
+          <a:xfrm>
+            <a:off x="381000" y="685800"/>
+            <a:ext cx="6096000" cy="3429000"/>
+          </a:xfrm>
+        </p:spPr>
+      </p:sp>
+      <p:sp>
+        <p:nvSpPr>
+          <p:cNvPr id="3" name="Espaço Reservado para Anotações 2"/>
+          <p:cNvSpPr>
+            <a:spLocks noGrp="1"/>
+          </p:cNvSpPr>
+          <p:nvPr>
+            <p:ph type="body" idx="1"/>
+          </p:nvPr>
+        </p:nvSpPr>
+        <p:spPr/>
+        <p:txBody>
+          <a:bodyPr/>
+          <a:lstStyle/>
+          <a:p>
+            <a:endParaRPr lang="pt-BR" dirty="0"/>
+          </a:p>
+        </p:txBody>
+      </p:sp>
+    </p:spTree>
+    <p:extLst>
+      <p:ext uri="{BB962C8B-B14F-4D97-AF65-F5344CB8AC3E}">
         <p14:creationId xmlns:p14="http://schemas.microsoft.com/office/powerpoint/2010/main" val="2296249050"/>
       </p:ext>
     </p:extLst>
@@ -1383,7 +1450,7 @@
 </p:notes>
 </file>
 
-<file path=ppt/notesSlides/notesSlide24.xml><?xml version="1.0" encoding="utf-8"?>
+<file path=ppt/notesSlides/notesSlide25.xml><?xml version="1.0" encoding="utf-8"?>
 <p:notes xmlns:a="http://schemas.openxmlformats.org/drawingml/2006/main" xmlns:r="http://schemas.openxmlformats.org/officeDocument/2006/relationships" xmlns:p="http://schemas.openxmlformats.org/presentationml/2006/main">
   <p:cSld>
     <p:spTree>
@@ -2050,7 +2117,7 @@
           <a:p>
             <a:fld id="{48A87A34-81AB-432B-8DAE-1953F412C126}" type="datetimeFigureOut">
               <a:rPr lang="en-US" smtClean="0"/>
-              <a:t>9/22/2022</a:t>
+              <a:t>9/25/2022</a:t>
             </a:fld>
             <a:endParaRPr lang="en-US" dirty="0"/>
           </a:p>
@@ -2261,7 +2328,7 @@
           <a:p>
             <a:fld id="{48A87A34-81AB-432B-8DAE-1953F412C126}" type="datetimeFigureOut">
               <a:rPr lang="en-US" smtClean="0"/>
-              <a:t>9/22/2022</a:t>
+              <a:t>9/25/2022</a:t>
             </a:fld>
             <a:endParaRPr lang="en-US" dirty="0"/>
           </a:p>
@@ -2476,7 +2543,7 @@
           <a:p>
             <a:fld id="{48A87A34-81AB-432B-8DAE-1953F412C126}" type="datetimeFigureOut">
               <a:rPr lang="en-US" smtClean="0"/>
-              <a:t>9/22/2022</a:t>
+              <a:t>9/25/2022</a:t>
             </a:fld>
             <a:endParaRPr lang="en-US" dirty="0"/>
           </a:p>
@@ -2844,7 +2911,7 @@
           <a:p>
             <a:fld id="{48A87A34-81AB-432B-8DAE-1953F412C126}" type="datetimeFigureOut">
               <a:rPr lang="en-US" smtClean="0"/>
-              <a:t>9/22/2022</a:t>
+              <a:t>9/25/2022</a:t>
             </a:fld>
             <a:endParaRPr lang="en-US" dirty="0"/>
           </a:p>
@@ -3123,7 +3190,7 @@
           <a:p>
             <a:fld id="{48A87A34-81AB-432B-8DAE-1953F412C126}" type="datetimeFigureOut">
               <a:rPr lang="en-US" smtClean="0"/>
-              <a:t>9/22/2022</a:t>
+              <a:t>9/25/2022</a:t>
             </a:fld>
             <a:endParaRPr lang="en-US" dirty="0"/>
           </a:p>
@@ -3391,7 +3458,7 @@
           <a:p>
             <a:fld id="{48A87A34-81AB-432B-8DAE-1953F412C126}" type="datetimeFigureOut">
               <a:rPr lang="en-US" smtClean="0"/>
-              <a:t>9/22/2022</a:t>
+              <a:t>9/25/2022</a:t>
             </a:fld>
             <a:endParaRPr lang="en-US" dirty="0"/>
           </a:p>
@@ -3807,7 +3874,7 @@
           <a:p>
             <a:fld id="{48A87A34-81AB-432B-8DAE-1953F412C126}" type="datetimeFigureOut">
               <a:rPr lang="en-US" smtClean="0"/>
-              <a:t>9/22/2022</a:t>
+              <a:t>9/25/2022</a:t>
             </a:fld>
             <a:endParaRPr lang="en-US" dirty="0"/>
           </a:p>
@@ -3956,7 +4023,7 @@
           <a:p>
             <a:fld id="{48A87A34-81AB-432B-8DAE-1953F412C126}" type="datetimeFigureOut">
               <a:rPr lang="en-US" smtClean="0"/>
-              <a:t>9/22/2022</a:t>
+              <a:t>9/25/2022</a:t>
             </a:fld>
             <a:endParaRPr lang="en-US" dirty="0"/>
           </a:p>
@@ -4082,7 +4149,7 @@
           <a:p>
             <a:fld id="{48A87A34-81AB-432B-8DAE-1953F412C126}" type="datetimeFigureOut">
               <a:rPr lang="en-US" smtClean="0"/>
-              <a:t>9/22/2022</a:t>
+              <a:t>9/25/2022</a:t>
             </a:fld>
             <a:endParaRPr lang="en-US" dirty="0"/>
           </a:p>
@@ -4333,7 +4400,7 @@
           <a:p>
             <a:fld id="{48A87A34-81AB-432B-8DAE-1953F412C126}" type="datetimeFigureOut">
               <a:rPr lang="en-US" smtClean="0"/>
-              <a:t>9/22/2022</a:t>
+              <a:t>9/25/2022</a:t>
             </a:fld>
             <a:endParaRPr lang="en-US" dirty="0"/>
           </a:p>
@@ -4779,7 +4846,7 @@
             <a:fld id="{48A87A34-81AB-432B-8DAE-1953F412C126}" type="datetimeFigureOut">
               <a:rPr lang="en-US" smtClean="0"/>
               <a:pPr/>
-              <a:t>9/22/2022</a:t>
+              <a:t>9/25/2022</a:t>
             </a:fld>
             <a:endParaRPr lang="en-US" dirty="0"/>
           </a:p>
@@ -5107,7 +5174,7 @@
             <a:fld id="{48A87A34-81AB-432B-8DAE-1953F412C126}" type="datetimeFigureOut">
               <a:rPr lang="en-US" smtClean="0"/>
               <a:pPr/>
-              <a:t>9/22/2022</a:t>
+              <a:t>9/25/2022</a:t>
             </a:fld>
             <a:endParaRPr lang="en-US" dirty="0"/>
           </a:p>
@@ -9611,6 +9678,36 @@
             <a:pPr marL="0" indent="0" algn="just">
               <a:buNone/>
             </a:pPr>
+            <a:endParaRPr lang="pt-BR" dirty="0">
+              <a:solidFill>
+                <a:schemeClr val="tx1"/>
+              </a:solidFill>
+              <a:latin typeface="Times New Roman" panose="02020603050405020304" pitchFamily="18" charset="0"/>
+              <a:cs typeface="Times New Roman" panose="02020603050405020304" pitchFamily="18" charset="0"/>
+            </a:endParaRPr>
+          </a:p>
+          <a:p>
+            <a:pPr algn="just">
+              <a:buFont typeface="Wingdings" panose="05000000000000000000" pitchFamily="2" charset="2"/>
+              <a:buChar char="§"/>
+            </a:pPr>
+            <a:r>
+              <a:rPr lang="pt-BR" b="1" dirty="0">
+                <a:latin typeface="Times New Roman" panose="02020603050405020304" pitchFamily="18" charset="0"/>
+                <a:cs typeface="Times New Roman" panose="02020603050405020304" pitchFamily="18" charset="0"/>
+              </a:rPr>
+              <a:t> </a:t>
+            </a:r>
+            <a:r>
+              <a:rPr lang="pt-BR" b="1" dirty="0">
+                <a:solidFill>
+                  <a:srgbClr val="FF0000"/>
+                </a:solidFill>
+                <a:latin typeface="Times New Roman" panose="02020603050405020304" pitchFamily="18" charset="0"/>
+                <a:cs typeface="Times New Roman" panose="02020603050405020304" pitchFamily="18" charset="0"/>
+              </a:rPr>
+              <a:t>Como guardar dados organizados em Python</a:t>
+            </a:r>
             <a:r>
               <a:rPr lang="pt-BR" dirty="0">
                 <a:solidFill>
@@ -9619,7 +9716,7 @@
                 <a:latin typeface="Times New Roman" panose="02020603050405020304" pitchFamily="18" charset="0"/>
                 <a:cs typeface="Times New Roman" panose="02020603050405020304" pitchFamily="18" charset="0"/>
               </a:rPr>
-              <a:t>• Como guardar dados organizados em Python?</a:t>
+              <a:t>?</a:t>
             </a:r>
           </a:p>
           <a:p>
@@ -10160,7 +10257,21 @@
                 <a:latin typeface="Times New Roman" panose="02020603050405020304" pitchFamily="18" charset="0"/>
                 <a:cs typeface="Times New Roman" panose="02020603050405020304" pitchFamily="18" charset="0"/>
               </a:rPr>
-              <a:t>:</a:t>
+              <a:t>: </a:t>
+            </a:r>
+            <a:r>
+              <a:rPr lang="pt-BR" sz="3200" b="1" dirty="0" err="1">
+                <a:latin typeface="Times New Roman" panose="02020603050405020304" pitchFamily="18" charset="0"/>
+                <a:cs typeface="Times New Roman" panose="02020603050405020304" pitchFamily="18" charset="0"/>
+              </a:rPr>
+              <a:t>Tupla</a:t>
+            </a:r>
+            <a:r>
+              <a:rPr lang="pt-BR" sz="3200" b="1" dirty="0">
+                <a:latin typeface="Times New Roman" panose="02020603050405020304" pitchFamily="18" charset="0"/>
+                <a:cs typeface="Times New Roman" panose="02020603050405020304" pitchFamily="18" charset="0"/>
+              </a:rPr>
+              <a:t> não nomeada</a:t>
             </a:r>
           </a:p>
           <a:p>
@@ -10644,7 +10755,7 @@
                   <a:schemeClr val="bg1"/>
                 </a:solidFill>
               </a:rPr>
-              <a:t>	Tipos de dados aglomerados:	</a:t>
+              <a:t>  Tipos de dados aglomerados:	</a:t>
             </a:r>
             <a:br>
               <a:rPr lang="pt-BR" sz="3200" b="1" dirty="0">
@@ -10659,7 +10770,7 @@
                   <a:schemeClr val="bg1"/>
                 </a:solidFill>
               </a:rPr>
-              <a:t>	Listas, </a:t>
+              <a:t>  Listas, </a:t>
             </a:r>
             <a:r>
               <a:rPr lang="pt-BR" sz="3200" b="1" dirty="0" err="1">
@@ -10675,7 +10786,7 @@
                   <a:schemeClr val="bg1"/>
                 </a:solidFill>
               </a:rPr>
-              <a:t> E </a:t>
+              <a:t>, </a:t>
             </a:r>
             <a:r>
               <a:rPr lang="pt-BR" sz="3200" b="1" dirty="0" err="1">
@@ -10684,6 +10795,14 @@
                 </a:solidFill>
               </a:rPr>
               <a:t>SETs</a:t>
+            </a:r>
+            <a:r>
+              <a:rPr lang="pt-BR" sz="3200" b="1">
+                <a:solidFill>
+                  <a:schemeClr val="bg1"/>
+                </a:solidFill>
+              </a:rPr>
+              <a:t>, DICS</a:t>
             </a:r>
             <a:endParaRPr lang="pt-BR" sz="3200" b="1" dirty="0">
               <a:solidFill>
@@ -11126,27 +11245,17 @@
                 <a:latin typeface="Times New Roman" panose="02020603050405020304" pitchFamily="18" charset="0"/>
                 <a:cs typeface="Times New Roman" panose="02020603050405020304" pitchFamily="18" charset="0"/>
               </a:rPr>
-              <a:t>cliente[1] = "1234“ # </a:t>
-            </a:r>
-            <a:r>
-              <a:rPr lang="pt-BR" b="1" dirty="0" err="1">
+              <a:t>cliente[1] = "12345678900" #</a:t>
+            </a:r>
+            <a:r>
+              <a:rPr lang="pt-BR" b="1" dirty="0">
                 <a:solidFill>
                   <a:srgbClr val="FF0000"/>
                 </a:solidFill>
                 <a:latin typeface="Times New Roman" panose="02020603050405020304" pitchFamily="18" charset="0"/>
                 <a:cs typeface="Times New Roman" panose="02020603050405020304" pitchFamily="18" charset="0"/>
               </a:rPr>
-              <a:t>Tupla</a:t>
-            </a:r>
-            <a:r>
-              <a:rPr lang="pt-BR" b="1" dirty="0">
-                <a:solidFill>
-                  <a:srgbClr val="FF0000"/>
-                </a:solidFill>
-                <a:latin typeface="Times New Roman" panose="02020603050405020304" pitchFamily="18" charset="0"/>
-                <a:cs typeface="Times New Roman" panose="02020603050405020304" pitchFamily="18" charset="0"/>
-              </a:rPr>
-              <a:t>, </a:t>
+              <a:t>Tupla, </a:t>
             </a:r>
             <a:r>
               <a:rPr lang="pt-BR" b="1" dirty="0" err="1">
@@ -11463,11 +11572,25 @@
               <a:buNone/>
             </a:pPr>
             <a:r>
+              <a:rPr lang="pt-BR" sz="2400" b="1" dirty="0" err="1">
+                <a:latin typeface="Times New Roman" panose="02020603050405020304" pitchFamily="18" charset="0"/>
+                <a:cs typeface="Times New Roman" panose="02020603050405020304" pitchFamily="18" charset="0"/>
+              </a:rPr>
+              <a:t>from</a:t>
+            </a:r>
+            <a:r>
+              <a:rPr lang="pt-BR" sz="2400" dirty="0">
+                <a:latin typeface="Times New Roman" panose="02020603050405020304" pitchFamily="18" charset="0"/>
+                <a:cs typeface="Times New Roman" panose="02020603050405020304" pitchFamily="18" charset="0"/>
+              </a:rPr>
+              <a:t> </a:t>
+            </a:r>
+            <a:r>
               <a:rPr lang="pt-BR" sz="2400" dirty="0" err="1">
                 <a:latin typeface="Times New Roman" panose="02020603050405020304" pitchFamily="18" charset="0"/>
                 <a:cs typeface="Times New Roman" panose="02020603050405020304" pitchFamily="18" charset="0"/>
               </a:rPr>
-              <a:t>from</a:t>
+              <a:t>collections</a:t>
             </a:r>
             <a:r>
               <a:rPr lang="pt-BR" sz="2400" dirty="0">
@@ -11477,21 +11600,7 @@
               <a:t> </a:t>
             </a:r>
             <a:r>
-              <a:rPr lang="pt-BR" sz="2400" dirty="0" err="1">
-                <a:latin typeface="Times New Roman" panose="02020603050405020304" pitchFamily="18" charset="0"/>
-                <a:cs typeface="Times New Roman" panose="02020603050405020304" pitchFamily="18" charset="0"/>
-              </a:rPr>
-              <a:t>collections</a:t>
-            </a:r>
-            <a:r>
-              <a:rPr lang="pt-BR" sz="2400" dirty="0">
-                <a:latin typeface="Times New Roman" panose="02020603050405020304" pitchFamily="18" charset="0"/>
-                <a:cs typeface="Times New Roman" panose="02020603050405020304" pitchFamily="18" charset="0"/>
-              </a:rPr>
-              <a:t> </a:t>
-            </a:r>
-            <a:r>
-              <a:rPr lang="pt-BR" sz="2400" dirty="0" err="1">
+              <a:rPr lang="pt-BR" sz="2400" b="1" dirty="0" err="1">
                 <a:latin typeface="Times New Roman" panose="02020603050405020304" pitchFamily="18" charset="0"/>
                 <a:cs typeface="Times New Roman" panose="02020603050405020304" pitchFamily="18" charset="0"/>
               </a:rPr>
@@ -11528,32 +11637,51 @@
               <a:t>Cliente = </a:t>
             </a:r>
             <a:r>
+              <a:rPr lang="pt-BR" sz="2400" b="1" dirty="0" err="1">
+                <a:latin typeface="Times New Roman" panose="02020603050405020304" pitchFamily="18" charset="0"/>
+                <a:cs typeface="Times New Roman" panose="02020603050405020304" pitchFamily="18" charset="0"/>
+              </a:rPr>
+              <a:t>namedtuple</a:t>
+            </a:r>
+            <a:r>
+              <a:rPr lang="pt-BR" sz="2400" dirty="0">
+                <a:latin typeface="Times New Roman" panose="02020603050405020304" pitchFamily="18" charset="0"/>
+                <a:cs typeface="Times New Roman" panose="02020603050405020304" pitchFamily="18" charset="0"/>
+              </a:rPr>
+              <a:t>(‘Cliente’, ‘nome </a:t>
+            </a:r>
+            <a:r>
               <a:rPr lang="pt-BR" sz="2400" dirty="0" err="1">
                 <a:latin typeface="Times New Roman" panose="02020603050405020304" pitchFamily="18" charset="0"/>
                 <a:cs typeface="Times New Roman" panose="02020603050405020304" pitchFamily="18" charset="0"/>
               </a:rPr>
-              <a:t>namedtuple</a:t>
+              <a:t>cpf</a:t>
             </a:r>
             <a:r>
               <a:rPr lang="pt-BR" sz="2400" dirty="0">
                 <a:latin typeface="Times New Roman" panose="02020603050405020304" pitchFamily="18" charset="0"/>
                 <a:cs typeface="Times New Roman" panose="02020603050405020304" pitchFamily="18" charset="0"/>
               </a:rPr>
-              <a:t>(‘Cliente’, ‘nome </a:t>
-            </a:r>
+              <a:t> limite compras’)</a:t>
+            </a:r>
+          </a:p>
+          <a:p>
+            <a:pPr marL="619125" lvl="1" indent="0" algn="just">
+              <a:buNone/>
+            </a:pPr>
             <a:r>
               <a:rPr lang="pt-BR" sz="2400" dirty="0" err="1">
                 <a:latin typeface="Times New Roman" panose="02020603050405020304" pitchFamily="18" charset="0"/>
                 <a:cs typeface="Times New Roman" panose="02020603050405020304" pitchFamily="18" charset="0"/>
               </a:rPr>
-              <a:t>cpf</a:t>
+              <a:t>umCliente</a:t>
             </a:r>
             <a:r>
               <a:rPr lang="pt-BR" sz="2400" dirty="0">
                 <a:latin typeface="Times New Roman" panose="02020603050405020304" pitchFamily="18" charset="0"/>
                 <a:cs typeface="Times New Roman" panose="02020603050405020304" pitchFamily="18" charset="0"/>
               </a:rPr>
-              <a:t> limite compras’)</a:t>
+              <a:t> = Cliente(‘Fulano’, ‘01234567890’, 5000.00, 300.00)</a:t>
             </a:r>
           </a:p>
           <a:p>
@@ -11561,6 +11689,20 @@
               <a:buNone/>
             </a:pPr>
             <a:r>
+              <a:rPr lang="pt-BR" sz="2400" b="1" dirty="0">
+                <a:latin typeface="Times New Roman" panose="02020603050405020304" pitchFamily="18" charset="0"/>
+                <a:cs typeface="Times New Roman" panose="02020603050405020304" pitchFamily="18" charset="0"/>
+              </a:rPr>
+              <a:t>print</a:t>
+            </a:r>
+            <a:r>
+              <a:rPr lang="pt-BR" sz="2400" dirty="0">
+                <a:latin typeface="Times New Roman" panose="02020603050405020304" pitchFamily="18" charset="0"/>
+                <a:cs typeface="Times New Roman" panose="02020603050405020304" pitchFamily="18" charset="0"/>
+              </a:rPr>
+              <a:t>(</a:t>
+            </a:r>
+            <a:r>
               <a:rPr lang="pt-BR" sz="2400" dirty="0" err="1">
                 <a:latin typeface="Times New Roman" panose="02020603050405020304" pitchFamily="18" charset="0"/>
                 <a:cs typeface="Times New Roman" panose="02020603050405020304" pitchFamily="18" charset="0"/>
@@ -11572,7 +11714,7 @@
                 <a:latin typeface="Times New Roman" panose="02020603050405020304" pitchFamily="18" charset="0"/>
                 <a:cs typeface="Times New Roman" panose="02020603050405020304" pitchFamily="18" charset="0"/>
               </a:rPr>
-              <a:t> = Cliente(‘Fulano’, ‘01234567890’, 5000.00, 300.00)</a:t>
+              <a:t>)</a:t>
             </a:r>
           </a:p>
           <a:p>
@@ -11580,37 +11722,18 @@
               <a:buNone/>
             </a:pPr>
             <a:r>
+              <a:rPr lang="pt-BR" sz="2400" b="1" dirty="0">
+                <a:latin typeface="Times New Roman" panose="02020603050405020304" pitchFamily="18" charset="0"/>
+                <a:cs typeface="Times New Roman" panose="02020603050405020304" pitchFamily="18" charset="0"/>
+              </a:rPr>
+              <a:t>print</a:t>
+            </a:r>
+            <a:r>
               <a:rPr lang="pt-BR" sz="2400" dirty="0">
                 <a:latin typeface="Times New Roman" panose="02020603050405020304" pitchFamily="18" charset="0"/>
                 <a:cs typeface="Times New Roman" panose="02020603050405020304" pitchFamily="18" charset="0"/>
               </a:rPr>
-              <a:t>print (</a:t>
-            </a:r>
-            <a:r>
-              <a:rPr lang="pt-BR" sz="2400" dirty="0" err="1">
-                <a:latin typeface="Times New Roman" panose="02020603050405020304" pitchFamily="18" charset="0"/>
-                <a:cs typeface="Times New Roman" panose="02020603050405020304" pitchFamily="18" charset="0"/>
-              </a:rPr>
-              <a:t>umCliente</a:t>
-            </a:r>
-            <a:r>
-              <a:rPr lang="pt-BR" sz="2400" dirty="0">
-                <a:latin typeface="Times New Roman" panose="02020603050405020304" pitchFamily="18" charset="0"/>
-                <a:cs typeface="Times New Roman" panose="02020603050405020304" pitchFamily="18" charset="0"/>
-              </a:rPr>
-              <a:t>)</a:t>
-            </a:r>
-          </a:p>
-          <a:p>
-            <a:pPr marL="619125" lvl="1" indent="0" algn="just">
-              <a:buNone/>
-            </a:pPr>
-            <a:r>
-              <a:rPr lang="pt-BR" sz="2400" dirty="0">
-                <a:latin typeface="Times New Roman" panose="02020603050405020304" pitchFamily="18" charset="0"/>
-                <a:cs typeface="Times New Roman" panose="02020603050405020304" pitchFamily="18" charset="0"/>
-              </a:rPr>
-              <a:t>print(</a:t>
+              <a:t>(</a:t>
             </a:r>
             <a:r>
               <a:rPr lang="pt-BR" sz="2400" dirty="0" err="1">
@@ -11799,7 +11922,7 @@
                 <a:latin typeface="Times New Roman" panose="02020603050405020304" pitchFamily="18" charset="0"/>
                 <a:cs typeface="Times New Roman" panose="02020603050405020304" pitchFamily="18" charset="0"/>
               </a:rPr>
-              <a:t>são estruturas disponíveis como </a:t>
+              <a:t>São estruturas disponíveis como </a:t>
             </a:r>
             <a:r>
               <a:rPr lang="pt-BR" sz="2000" b="1" i="1" dirty="0" err="1">
@@ -11813,7 +11936,7 @@
                 <a:latin typeface="Times New Roman" panose="02020603050405020304" pitchFamily="18" charset="0"/>
                 <a:cs typeface="Times New Roman" panose="02020603050405020304" pitchFamily="18" charset="0"/>
               </a:rPr>
-              <a:t> do Python, utilizadas para representar coleções desordenadas de elementos únicos.</a:t>
+              <a:t> do Python, utilizadas para representar coleções desordenadas de elementos únicos. </a:t>
             </a:r>
           </a:p>
           <a:p>
@@ -11834,21 +11957,66 @@
                 <a:latin typeface="Times New Roman" panose="02020603050405020304" pitchFamily="18" charset="0"/>
                 <a:cs typeface="Times New Roman" panose="02020603050405020304" pitchFamily="18" charset="0"/>
               </a:rPr>
-              <a:t>Os elementos não são armazenados em uma ordem específica e confiável; </a:t>
+              <a:t>Coleções: </a:t>
             </a:r>
             <a:r>
               <a:rPr lang="pt-BR" sz="2000" b="1" dirty="0">
                 <a:latin typeface="Times New Roman" panose="02020603050405020304" pitchFamily="18" charset="0"/>
                 <a:cs typeface="Times New Roman" panose="02020603050405020304" pitchFamily="18" charset="0"/>
               </a:rPr>
-              <a:t>Conjuntos não contém elementos repetidos</a:t>
+              <a:t>Não ordenadas</a:t>
             </a:r>
             <a:r>
               <a:rPr lang="pt-BR" sz="2000" dirty="0">
                 <a:latin typeface="Times New Roman" panose="02020603050405020304" pitchFamily="18" charset="0"/>
                 <a:cs typeface="Times New Roman" panose="02020603050405020304" pitchFamily="18" charset="0"/>
               </a:rPr>
-              <a:t>.</a:t>
+              <a:t>; </a:t>
+            </a:r>
+            <a:r>
+              <a:rPr lang="pt-BR" sz="2000" b="1" dirty="0">
+                <a:latin typeface="Times New Roman" panose="02020603050405020304" pitchFamily="18" charset="0"/>
+                <a:cs typeface="Times New Roman" panose="02020603050405020304" pitchFamily="18" charset="0"/>
+              </a:rPr>
+              <a:t>Mutáveis</a:t>
+            </a:r>
+            <a:r>
+              <a:rPr lang="pt-BR" sz="2000" dirty="0">
+                <a:latin typeface="Times New Roman" panose="02020603050405020304" pitchFamily="18" charset="0"/>
+                <a:cs typeface="Times New Roman" panose="02020603050405020304" pitchFamily="18" charset="0"/>
+              </a:rPr>
+              <a:t>; </a:t>
+            </a:r>
+            <a:r>
+              <a:rPr lang="pt-BR" sz="2000" b="1" dirty="0">
+                <a:solidFill>
+                  <a:srgbClr val="FF0000"/>
+                </a:solidFill>
+                <a:latin typeface="Times New Roman" panose="02020603050405020304" pitchFamily="18" charset="0"/>
+                <a:cs typeface="Times New Roman" panose="02020603050405020304" pitchFamily="18" charset="0"/>
+              </a:rPr>
+              <a:t>Não indexadas</a:t>
+            </a:r>
+            <a:r>
+              <a:rPr lang="pt-BR" sz="2000" dirty="0">
+                <a:latin typeface="Times New Roman" panose="02020603050405020304" pitchFamily="18" charset="0"/>
+                <a:cs typeface="Times New Roman" panose="02020603050405020304" pitchFamily="18" charset="0"/>
+              </a:rPr>
+              <a:t>; </a:t>
+            </a:r>
+            <a:r>
+              <a:rPr lang="pt-BR" sz="2000" b="1" dirty="0">
+                <a:latin typeface="Times New Roman" panose="02020603050405020304" pitchFamily="18" charset="0"/>
+                <a:cs typeface="Times New Roman" panose="02020603050405020304" pitchFamily="18" charset="0"/>
+              </a:rPr>
+              <a:t>não permitem elementos repetidos</a:t>
+            </a:r>
+            <a:r>
+              <a:rPr lang="pt-BR" sz="2000" dirty="0">
+                <a:latin typeface="Times New Roman" panose="02020603050405020304" pitchFamily="18" charset="0"/>
+                <a:cs typeface="Times New Roman" panose="02020603050405020304" pitchFamily="18" charset="0"/>
+              </a:rPr>
+              <a:t>. </a:t>
             </a:r>
           </a:p>
           <a:p>
@@ -12027,7 +12195,12 @@
             <p:ph type="title"/>
           </p:nvPr>
         </p:nvSpPr>
-        <p:spPr/>
+        <p:spPr>
+          <a:xfrm>
+            <a:off x="270164" y="603390"/>
+            <a:ext cx="8020977" cy="786926"/>
+          </a:xfrm>
+        </p:spPr>
         <p:txBody>
           <a:bodyPr>
             <a:normAutofit/>
@@ -12035,12 +12208,20 @@
           <a:lstStyle/>
           <a:p>
             <a:r>
+              <a:rPr lang="en-US" b="1" dirty="0">
+                <a:solidFill>
+                  <a:srgbClr val="0070C0"/>
+                </a:solidFill>
+              </a:rPr>
+              <a:t>Python – </a:t>
+            </a:r>
+            <a:r>
               <a:rPr lang="en-US" b="1" dirty="0" err="1">
                 <a:solidFill>
                   <a:srgbClr val="0070C0"/>
                 </a:solidFill>
               </a:rPr>
-              <a:t>Leitura</a:t>
+              <a:t>TDados</a:t>
             </a:r>
             <a:r>
               <a:rPr lang="en-US" b="1" dirty="0">
@@ -12056,7 +12237,23 @@
                   <a:srgbClr val="0070C0"/>
                 </a:solidFill>
               </a:rPr>
-              <a:t>Específica</a:t>
+              <a:t>Aglomerados</a:t>
+            </a:r>
+            <a:r>
+              <a:rPr lang="en-US" b="1" dirty="0">
+                <a:solidFill>
+                  <a:srgbClr val="0070C0"/>
+                </a:solidFill>
+              </a:rPr>
+              <a:t> </a:t>
+            </a:r>
+            <a:r>
+              <a:rPr lang="en-US" b="1" dirty="0" err="1">
+                <a:solidFill>
+                  <a:srgbClr val="0070C0"/>
+                </a:solidFill>
+              </a:rPr>
+              <a:t>DicIONÁRIO</a:t>
             </a:r>
             <a:endParaRPr lang="en-US" b="1" dirty="0">
               <a:solidFill>
@@ -12078,8 +12275,8 @@
         </p:nvSpPr>
         <p:spPr>
           <a:xfrm>
-            <a:off x="142865" y="1200151"/>
-            <a:ext cx="8865056" cy="3394472"/>
+            <a:off x="142865" y="1200150"/>
+            <a:ext cx="8865056" cy="3737370"/>
           </a:xfrm>
         </p:spPr>
         <p:txBody>
@@ -12088,125 +12285,327 @@
           </a:bodyPr>
           <a:lstStyle/>
           <a:p>
+            <a:pPr algn="just">
+              <a:buFont typeface="Wingdings" panose="05000000000000000000" pitchFamily="2" charset="2"/>
+              <a:buChar char="§"/>
+            </a:pPr>
+            <a:r>
+              <a:rPr lang="pt-BR" sz="2000" b="1" dirty="0">
+                <a:solidFill>
+                  <a:srgbClr val="FF0000"/>
+                </a:solidFill>
+                <a:latin typeface="Times New Roman" panose="02020603050405020304" pitchFamily="18" charset="0"/>
+                <a:cs typeface="Times New Roman" panose="02020603050405020304" pitchFamily="18" charset="0"/>
+              </a:rPr>
+              <a:t> </a:t>
+            </a:r>
+            <a:r>
+              <a:rPr lang="pt-BR" b="1" dirty="0">
+                <a:latin typeface="Times New Roman" panose="02020603050405020304" pitchFamily="18" charset="0"/>
+                <a:cs typeface="Times New Roman" panose="02020603050405020304" pitchFamily="18" charset="0"/>
+              </a:rPr>
+              <a:t>Dicionários</a:t>
+            </a:r>
+            <a:r>
+              <a:rPr lang="pt-BR" sz="2000" dirty="0">
+                <a:latin typeface="Times New Roman" panose="02020603050405020304" pitchFamily="18" charset="0"/>
+                <a:cs typeface="Times New Roman" panose="02020603050405020304" pitchFamily="18" charset="0"/>
+              </a:rPr>
+              <a:t> </a:t>
+            </a:r>
+          </a:p>
+          <a:p>
             <a:pPr marL="0" indent="0" algn="just">
               <a:buNone/>
             </a:pPr>
-            <a:endParaRPr lang="pt-BR" dirty="0">
+            <a:r>
+              <a:rPr lang="pt-BR" sz="2000" dirty="0">
+                <a:latin typeface="Times New Roman" panose="02020603050405020304" pitchFamily="18" charset="0"/>
+                <a:cs typeface="Times New Roman" panose="02020603050405020304" pitchFamily="18" charset="0"/>
+              </a:rPr>
+              <a:t>São estruturas Python, utilizadas para representar coleções que guarda valores </a:t>
+            </a:r>
+            <a:r>
+              <a:rPr lang="pt-BR" sz="2000" b="1" dirty="0">
+                <a:latin typeface="Times New Roman" panose="02020603050405020304" pitchFamily="18" charset="0"/>
+                <a:cs typeface="Times New Roman" panose="02020603050405020304" pitchFamily="18" charset="0"/>
+              </a:rPr>
+              <a:t>multidimensionais</a:t>
+            </a:r>
+            <a:r>
+              <a:rPr lang="pt-BR" sz="2000" dirty="0">
+                <a:latin typeface="Times New Roman" panose="02020603050405020304" pitchFamily="18" charset="0"/>
+                <a:cs typeface="Times New Roman" panose="02020603050405020304" pitchFamily="18" charset="0"/>
+              </a:rPr>
+              <a:t> </a:t>
+            </a:r>
+            <a:r>
+              <a:rPr lang="pt-BR" sz="2000" b="1" dirty="0">
+                <a:solidFill>
+                  <a:srgbClr val="FF0000"/>
+                </a:solidFill>
+                <a:latin typeface="Times New Roman" panose="02020603050405020304" pitchFamily="18" charset="0"/>
+                <a:cs typeface="Times New Roman" panose="02020603050405020304" pitchFamily="18" charset="0"/>
+              </a:rPr>
+              <a:t>para cada índice</a:t>
+            </a:r>
+            <a:r>
+              <a:rPr lang="pt-BR" sz="2000" dirty="0">
+                <a:latin typeface="Times New Roman" panose="02020603050405020304" pitchFamily="18" charset="0"/>
+                <a:cs typeface="Times New Roman" panose="02020603050405020304" pitchFamily="18" charset="0"/>
+              </a:rPr>
+              <a:t>. É um dicionário de chaves (termos) que estão associadas a valores (significados dos termos). </a:t>
+            </a:r>
+          </a:p>
+          <a:p>
+            <a:pPr marL="0" indent="0" algn="just">
+              <a:buNone/>
+            </a:pPr>
+            <a:r>
+              <a:rPr lang="pt-BR" sz="2000" b="1" dirty="0">
+                <a:latin typeface="Times New Roman" panose="02020603050405020304" pitchFamily="18" charset="0"/>
+                <a:cs typeface="Times New Roman" panose="02020603050405020304" pitchFamily="18" charset="0"/>
+              </a:rPr>
+              <a:t>Nota</a:t>
+            </a:r>
+            <a:r>
+              <a:rPr lang="pt-BR" sz="2000" dirty="0">
+                <a:latin typeface="Times New Roman" panose="02020603050405020304" pitchFamily="18" charset="0"/>
+                <a:cs typeface="Times New Roman" panose="02020603050405020304" pitchFamily="18" charset="0"/>
+              </a:rPr>
+              <a:t>: </a:t>
+            </a:r>
+            <a:r>
+              <a:rPr lang="pt-BR" sz="2000" b="1" dirty="0">
+                <a:solidFill>
+                  <a:srgbClr val="FF0000"/>
+                </a:solidFill>
+                <a:latin typeface="Times New Roman" panose="02020603050405020304" pitchFamily="18" charset="0"/>
+                <a:cs typeface="Times New Roman" panose="02020603050405020304" pitchFamily="18" charset="0"/>
+              </a:rPr>
+              <a:t>Métodos</a:t>
+            </a:r>
+            <a:r>
+              <a:rPr lang="pt-BR" sz="2000" dirty="0">
+                <a:latin typeface="Times New Roman" panose="02020603050405020304" pitchFamily="18" charset="0"/>
+                <a:cs typeface="Times New Roman" panose="02020603050405020304" pitchFamily="18" charset="0"/>
+              </a:rPr>
+              <a:t>: </a:t>
+            </a:r>
+            <a:r>
+              <a:rPr lang="pt-BR" sz="2000" dirty="0" err="1">
+                <a:latin typeface="Times New Roman" panose="02020603050405020304" pitchFamily="18" charset="0"/>
+                <a:cs typeface="Times New Roman" panose="02020603050405020304" pitchFamily="18" charset="0"/>
+              </a:rPr>
+              <a:t>dic.</a:t>
+            </a:r>
+            <a:r>
+              <a:rPr lang="pt-BR" sz="2000" b="1" dirty="0" err="1">
+                <a:latin typeface="Times New Roman" panose="02020603050405020304" pitchFamily="18" charset="0"/>
+                <a:cs typeface="Times New Roman" panose="02020603050405020304" pitchFamily="18" charset="0"/>
+              </a:rPr>
+              <a:t>get</a:t>
+            </a:r>
+            <a:r>
+              <a:rPr lang="pt-BR" sz="2000" dirty="0">
+                <a:latin typeface="Times New Roman" panose="02020603050405020304" pitchFamily="18" charset="0"/>
+                <a:cs typeface="Times New Roman" panose="02020603050405020304" pitchFamily="18" charset="0"/>
+              </a:rPr>
+              <a:t>(atributo), </a:t>
+            </a:r>
+            <a:r>
+              <a:rPr lang="pt-BR" sz="2000" dirty="0" err="1">
+                <a:latin typeface="Times New Roman" panose="02020603050405020304" pitchFamily="18" charset="0"/>
+                <a:cs typeface="Times New Roman" panose="02020603050405020304" pitchFamily="18" charset="0"/>
+              </a:rPr>
+              <a:t>dic.</a:t>
+            </a:r>
+            <a:r>
+              <a:rPr lang="pt-BR" sz="2000" b="1" dirty="0" err="1">
+                <a:latin typeface="Times New Roman" panose="02020603050405020304" pitchFamily="18" charset="0"/>
+                <a:cs typeface="Times New Roman" panose="02020603050405020304" pitchFamily="18" charset="0"/>
+              </a:rPr>
+              <a:t>keys</a:t>
+            </a:r>
+            <a:r>
+              <a:rPr lang="pt-BR" sz="2000" dirty="0">
+                <a:latin typeface="Times New Roman" panose="02020603050405020304" pitchFamily="18" charset="0"/>
+                <a:cs typeface="Times New Roman" panose="02020603050405020304" pitchFamily="18" charset="0"/>
+              </a:rPr>
+              <a:t>(); </a:t>
+            </a:r>
+            <a:r>
+              <a:rPr lang="pt-BR" sz="2000" dirty="0" err="1">
+                <a:latin typeface="Times New Roman" panose="02020603050405020304" pitchFamily="18" charset="0"/>
+                <a:cs typeface="Times New Roman" panose="02020603050405020304" pitchFamily="18" charset="0"/>
+              </a:rPr>
+              <a:t>dic.</a:t>
+            </a:r>
+            <a:r>
+              <a:rPr lang="pt-BR" sz="2000" b="1" dirty="0" err="1">
+                <a:latin typeface="Times New Roman" panose="02020603050405020304" pitchFamily="18" charset="0"/>
+                <a:cs typeface="Times New Roman" panose="02020603050405020304" pitchFamily="18" charset="0"/>
+              </a:rPr>
+              <a:t>values</a:t>
+            </a:r>
+            <a:r>
+              <a:rPr lang="pt-BR" sz="2000" dirty="0">
+                <a:latin typeface="Times New Roman" panose="02020603050405020304" pitchFamily="18" charset="0"/>
+                <a:cs typeface="Times New Roman" panose="02020603050405020304" pitchFamily="18" charset="0"/>
+              </a:rPr>
+              <a:t>(); </a:t>
+            </a:r>
+            <a:r>
+              <a:rPr lang="pt-BR" sz="2000" b="1" dirty="0">
+                <a:latin typeface="Times New Roman" panose="02020603050405020304" pitchFamily="18" charset="0"/>
+                <a:cs typeface="Times New Roman" panose="02020603050405020304" pitchFamily="18" charset="0"/>
+              </a:rPr>
+              <a:t>update; pop; </a:t>
+            </a:r>
+            <a:r>
+              <a:rPr lang="pt-BR" sz="2000" b="1" dirty="0" err="1">
+                <a:latin typeface="Times New Roman" panose="02020603050405020304" pitchFamily="18" charset="0"/>
+                <a:cs typeface="Times New Roman" panose="02020603050405020304" pitchFamily="18" charset="0"/>
+              </a:rPr>
+              <a:t>len</a:t>
+            </a:r>
+            <a:r>
+              <a:rPr lang="pt-BR" sz="2000" b="1" dirty="0">
+                <a:latin typeface="Times New Roman" panose="02020603050405020304" pitchFamily="18" charset="0"/>
+                <a:cs typeface="Times New Roman" panose="02020603050405020304" pitchFamily="18" charset="0"/>
+              </a:rPr>
+              <a:t>, etc</a:t>
+            </a:r>
+            <a:r>
+              <a:rPr lang="pt-BR" sz="2000" dirty="0">
+                <a:latin typeface="Times New Roman" panose="02020603050405020304" pitchFamily="18" charset="0"/>
+                <a:cs typeface="Times New Roman" panose="02020603050405020304" pitchFamily="18" charset="0"/>
+              </a:rPr>
+              <a:t>.</a:t>
+            </a:r>
+          </a:p>
+          <a:p>
+            <a:pPr marL="0" indent="0" algn="just">
+              <a:buNone/>
+            </a:pPr>
+            <a:r>
+              <a:rPr lang="da-DK" sz="2000" b="1" dirty="0">
+                <a:latin typeface="Times New Roman" panose="02020603050405020304" pitchFamily="18" charset="0"/>
+                <a:cs typeface="Times New Roman" panose="02020603050405020304" pitchFamily="18" charset="0"/>
+              </a:rPr>
+              <a:t>dicAlu = </a:t>
+            </a:r>
+            <a:r>
+              <a:rPr lang="da-DK" sz="2000" dirty="0">
+                <a:latin typeface="Times New Roman" panose="02020603050405020304" pitchFamily="18" charset="0"/>
+                <a:cs typeface="Times New Roman" panose="02020603050405020304" pitchFamily="18" charset="0"/>
+              </a:rPr>
+              <a:t>{‘nome’: ‘Julila’, ‘idade’:17, ‘disciplina’:[‘java’, ‘python’], ‘altura’:1.55};</a:t>
+            </a:r>
+          </a:p>
+          <a:p>
+            <a:pPr marL="0" indent="0" algn="just">
+              <a:buNone/>
+            </a:pPr>
+            <a:r>
+              <a:rPr lang="en-US" sz="2000" b="1" dirty="0">
+                <a:latin typeface="Times New Roman" panose="02020603050405020304" pitchFamily="18" charset="0"/>
+                <a:cs typeface="Times New Roman" panose="02020603050405020304" pitchFamily="18" charset="0"/>
+              </a:rPr>
+              <a:t>for</a:t>
+            </a:r>
+            <a:r>
+              <a:rPr lang="en-US" sz="2000" dirty="0">
+                <a:latin typeface="Times New Roman" panose="02020603050405020304" pitchFamily="18" charset="0"/>
+                <a:cs typeface="Times New Roman" panose="02020603050405020304" pitchFamily="18" charset="0"/>
+              </a:rPr>
+              <a:t> key </a:t>
+            </a:r>
+            <a:r>
+              <a:rPr lang="en-US" sz="2000" b="1" dirty="0">
+                <a:latin typeface="Times New Roman" panose="02020603050405020304" pitchFamily="18" charset="0"/>
+                <a:cs typeface="Times New Roman" panose="02020603050405020304" pitchFamily="18" charset="0"/>
+              </a:rPr>
+              <a:t>in</a:t>
+            </a:r>
+            <a:r>
+              <a:rPr lang="en-US" sz="2000" dirty="0">
+                <a:latin typeface="Times New Roman" panose="02020603050405020304" pitchFamily="18" charset="0"/>
+                <a:cs typeface="Times New Roman" panose="02020603050405020304" pitchFamily="18" charset="0"/>
+              </a:rPr>
+              <a:t> </a:t>
+            </a:r>
+            <a:r>
+              <a:rPr lang="en-US" sz="2000" dirty="0" err="1">
+                <a:latin typeface="Times New Roman" panose="02020603050405020304" pitchFamily="18" charset="0"/>
+                <a:cs typeface="Times New Roman" panose="02020603050405020304" pitchFamily="18" charset="0"/>
+              </a:rPr>
+              <a:t>dicAlu</a:t>
+            </a:r>
+            <a:r>
+              <a:rPr lang="en-US" sz="2000" dirty="0">
+                <a:latin typeface="Times New Roman" panose="02020603050405020304" pitchFamily="18" charset="0"/>
+                <a:cs typeface="Times New Roman" panose="02020603050405020304" pitchFamily="18" charset="0"/>
+              </a:rPr>
+              <a:t>[</a:t>
+            </a:r>
+            <a:r>
+              <a:rPr lang="en-US" sz="2000" dirty="0" err="1">
+                <a:latin typeface="Times New Roman" panose="02020603050405020304" pitchFamily="18" charset="0"/>
+                <a:cs typeface="Times New Roman" panose="02020603050405020304" pitchFamily="18" charset="0"/>
+              </a:rPr>
+              <a:t>i</a:t>
+            </a:r>
+            <a:r>
+              <a:rPr lang="en-US" sz="2000" dirty="0">
+                <a:latin typeface="Times New Roman" panose="02020603050405020304" pitchFamily="18" charset="0"/>
+                <a:cs typeface="Times New Roman" panose="02020603050405020304" pitchFamily="18" charset="0"/>
+              </a:rPr>
+              <a:t>].</a:t>
+            </a:r>
+            <a:r>
+              <a:rPr lang="en-US" sz="2000" b="1" dirty="0">
+                <a:latin typeface="Times New Roman" panose="02020603050405020304" pitchFamily="18" charset="0"/>
+                <a:cs typeface="Times New Roman" panose="02020603050405020304" pitchFamily="18" charset="0"/>
+              </a:rPr>
+              <a:t>keys</a:t>
+            </a:r>
+            <a:r>
+              <a:rPr lang="en-US" sz="2000" dirty="0">
+                <a:latin typeface="Times New Roman" panose="02020603050405020304" pitchFamily="18" charset="0"/>
+                <a:cs typeface="Times New Roman" panose="02020603050405020304" pitchFamily="18" charset="0"/>
+              </a:rPr>
+              <a:t>():</a:t>
+            </a:r>
+          </a:p>
+          <a:p>
+            <a:pPr marL="0" indent="0" algn="just">
+              <a:buNone/>
+            </a:pPr>
+            <a:r>
+              <a:rPr lang="en-US" sz="2000" dirty="0">
+                <a:latin typeface="Times New Roman" panose="02020603050405020304" pitchFamily="18" charset="0"/>
+                <a:cs typeface="Times New Roman" panose="02020603050405020304" pitchFamily="18" charset="0"/>
+              </a:rPr>
+              <a:t>       </a:t>
+            </a:r>
+            <a:r>
+              <a:rPr lang="en-US" sz="2000" b="1" dirty="0">
+                <a:latin typeface="Times New Roman" panose="02020603050405020304" pitchFamily="18" charset="0"/>
+                <a:cs typeface="Times New Roman" panose="02020603050405020304" pitchFamily="18" charset="0"/>
+              </a:rPr>
+              <a:t>print</a:t>
+            </a:r>
+            <a:r>
+              <a:rPr lang="en-US" sz="2000" dirty="0">
+                <a:latin typeface="Times New Roman" panose="02020603050405020304" pitchFamily="18" charset="0"/>
+                <a:cs typeface="Times New Roman" panose="02020603050405020304" pitchFamily="18" charset="0"/>
+              </a:rPr>
+              <a:t>(key, end = ' ')</a:t>
+            </a:r>
+            <a:endParaRPr lang="pt-BR" sz="2000" dirty="0">
               <a:latin typeface="Times New Roman" panose="02020603050405020304" pitchFamily="18" charset="0"/>
               <a:cs typeface="Times New Roman" panose="02020603050405020304" pitchFamily="18" charset="0"/>
-            </a:endParaRPr>
-          </a:p>
-          <a:p>
-            <a:pPr marL="0" indent="0" algn="just">
-              <a:buNone/>
-            </a:pPr>
-            <a:r>
-              <a:rPr lang="pt-BR" dirty="0">
-                <a:latin typeface="Times New Roman" panose="02020603050405020304" pitchFamily="18" charset="0"/>
-                <a:cs typeface="Times New Roman" panose="02020603050405020304" pitchFamily="18" charset="0"/>
-              </a:rPr>
-              <a:t>[1] Site:</a:t>
-            </a:r>
-          </a:p>
-          <a:p>
-            <a:pPr marL="0" indent="0" algn="just">
-              <a:buNone/>
-            </a:pPr>
-            <a:r>
-              <a:rPr lang="pt-BR" dirty="0">
-                <a:latin typeface="Times New Roman" panose="02020603050405020304" pitchFamily="18" charset="0"/>
-                <a:cs typeface="Times New Roman" panose="02020603050405020304" pitchFamily="18" charset="0"/>
-              </a:rPr>
-              <a:t> </a:t>
-            </a:r>
-            <a:r>
-              <a:rPr lang="pt-BR" dirty="0">
-                <a:latin typeface="Times New Roman" panose="02020603050405020304" pitchFamily="18" charset="0"/>
-                <a:cs typeface="Times New Roman" panose="02020603050405020304" pitchFamily="18" charset="0"/>
-                <a:hlinkClick r:id="rId3"/>
-              </a:rPr>
-              <a:t>https://www.w3schools.com/python/python_variables.asp</a:t>
-            </a:r>
-            <a:endParaRPr lang="pt-BR" dirty="0">
-              <a:latin typeface="Times New Roman" panose="02020603050405020304" pitchFamily="18" charset="0"/>
-              <a:cs typeface="Times New Roman" panose="02020603050405020304" pitchFamily="18" charset="0"/>
-            </a:endParaRPr>
-          </a:p>
-          <a:p>
-            <a:pPr marL="0" indent="0" algn="just">
-              <a:buNone/>
-            </a:pPr>
-            <a:endParaRPr lang="pt-BR" dirty="0">
-              <a:latin typeface="Times New Roman" panose="02020603050405020304" pitchFamily="18" charset="0"/>
-              <a:cs typeface="Times New Roman" panose="02020603050405020304" pitchFamily="18" charset="0"/>
-            </a:endParaRPr>
-          </a:p>
-          <a:p>
-            <a:pPr marL="0" indent="0" algn="just">
-              <a:buNone/>
-            </a:pPr>
-            <a:r>
-              <a:rPr lang="pt-BR" dirty="0">
-                <a:latin typeface="Times New Roman" panose="02020603050405020304" pitchFamily="18" charset="0"/>
-                <a:cs typeface="Times New Roman" panose="02020603050405020304" pitchFamily="18" charset="0"/>
-              </a:rPr>
-              <a:t>[2] Site: </a:t>
-            </a:r>
-            <a:r>
-              <a:rPr lang="pt-BR" dirty="0">
-                <a:latin typeface="Times New Roman" panose="02020603050405020304" pitchFamily="18" charset="0"/>
-                <a:cs typeface="Times New Roman" panose="02020603050405020304" pitchFamily="18" charset="0"/>
-                <a:hlinkClick r:id="rId4"/>
-              </a:rPr>
-              <a:t>https://docs.python.org/pt-br/3/tutorial/</a:t>
-            </a:r>
-            <a:endParaRPr lang="pt-BR" dirty="0">
-              <a:latin typeface="Times New Roman" panose="02020603050405020304" pitchFamily="18" charset="0"/>
-              <a:cs typeface="Times New Roman" panose="02020603050405020304" pitchFamily="18" charset="0"/>
-            </a:endParaRPr>
-          </a:p>
-          <a:p>
-            <a:pPr marL="0" indent="0" algn="just">
-              <a:buNone/>
-            </a:pPr>
-            <a:endParaRPr lang="pt-BR" dirty="0">
-              <a:latin typeface="Times New Roman" panose="02020603050405020304" pitchFamily="18" charset="0"/>
-              <a:cs typeface="Times New Roman" panose="02020603050405020304" pitchFamily="18" charset="0"/>
-            </a:endParaRPr>
-          </a:p>
-          <a:p>
-            <a:pPr marL="0" indent="0" algn="just">
-              <a:buNone/>
-            </a:pPr>
-            <a:endParaRPr lang="pt-BR" dirty="0">
-              <a:latin typeface="Times New Roman" panose="02020603050405020304" pitchFamily="18" charset="0"/>
-              <a:cs typeface="Times New Roman" panose="02020603050405020304" pitchFamily="18" charset="0"/>
-            </a:endParaRPr>
-          </a:p>
-          <a:p>
-            <a:pPr marL="0" indent="0" algn="just">
-              <a:buNone/>
-            </a:pPr>
-            <a:endParaRPr lang="pt-BR" dirty="0">
-              <a:latin typeface="Times New Roman" panose="02020603050405020304" pitchFamily="18" charset="0"/>
-              <a:cs typeface="Times New Roman" panose="02020603050405020304" pitchFamily="18" charset="0"/>
-            </a:endParaRPr>
-          </a:p>
-          <a:p>
-            <a:pPr marL="0" indent="0" algn="just">
-              <a:buNone/>
-            </a:pPr>
-            <a:endParaRPr lang="pt-BR" dirty="0">
-              <a:latin typeface="Times New Roman" panose="02020603050405020304" pitchFamily="18" charset="0"/>
-              <a:cs typeface="Times New Roman" panose="02020603050405020304" pitchFamily="18" charset="0"/>
-            </a:endParaRPr>
-          </a:p>
-          <a:p>
-            <a:pPr marL="0" indent="0" algn="just">
-              <a:buNone/>
-            </a:pPr>
-            <a:endParaRPr lang="pt-BR" dirty="0">
-              <a:latin typeface="Calibri" panose="020F0502020204030204" pitchFamily="34" charset="0"/>
             </a:endParaRPr>
           </a:p>
         </p:txBody>
@@ -12214,7 +12613,7 @@
     </p:spTree>
     <p:extLst>
       <p:ext uri="{BB962C8B-B14F-4D97-AF65-F5344CB8AC3E}">
-        <p14:creationId xmlns:p14="http://schemas.microsoft.com/office/powerpoint/2010/main" val="2747596967"/>
+        <p14:creationId xmlns:p14="http://schemas.microsoft.com/office/powerpoint/2010/main" val="3410658428"/>
       </p:ext>
     </p:extLst>
   </p:cSld>
@@ -12265,7 +12664,7 @@
                   <a:srgbClr val="0070C0"/>
                 </a:solidFill>
               </a:rPr>
-              <a:t>Aprenda</a:t>
+              <a:t>Leitura</a:t>
             </a:r>
             <a:r>
               <a:rPr lang="en-US" b="1" dirty="0">
@@ -12273,8 +12672,21 @@
                   <a:srgbClr val="0070C0"/>
                 </a:solidFill>
               </a:rPr>
-              <a:t>+</a:t>
-            </a:r>
+              <a:t> </a:t>
+            </a:r>
+            <a:r>
+              <a:rPr lang="en-US" b="1" dirty="0" err="1">
+                <a:solidFill>
+                  <a:srgbClr val="0070C0"/>
+                </a:solidFill>
+              </a:rPr>
+              <a:t>Específica</a:t>
+            </a:r>
+            <a:endParaRPr lang="en-US" b="1" dirty="0">
+              <a:solidFill>
+                <a:srgbClr val="0070C0"/>
+              </a:solidFill>
+            </a:endParaRPr>
           </a:p>
         </p:txBody>
       </p:sp>
@@ -12303,7 +12715,7 @@
             <a:pPr marL="0" indent="0" algn="just">
               <a:buNone/>
             </a:pPr>
-            <a:endParaRPr lang="pt-BR" sz="2000" dirty="0">
+            <a:endParaRPr lang="pt-BR" dirty="0">
               <a:latin typeface="Times New Roman" panose="02020603050405020304" pitchFamily="18" charset="0"/>
               <a:cs typeface="Times New Roman" panose="02020603050405020304" pitchFamily="18" charset="0"/>
             </a:endParaRPr>
@@ -12313,21 +12725,33 @@
               <a:buNone/>
             </a:pPr>
             <a:r>
-              <a:rPr lang="pt-BR" sz="2000" dirty="0">
-                <a:latin typeface="Times New Roman" panose="02020603050405020304" pitchFamily="18" charset="0"/>
-                <a:cs typeface="Times New Roman" panose="02020603050405020304" pitchFamily="18" charset="0"/>
-              </a:rPr>
-              <a:t>[1] </a:t>
-            </a:r>
-            <a:r>
-              <a:rPr lang="pt-BR" sz="2000" dirty="0">
+              <a:rPr lang="pt-BR" dirty="0">
+                <a:latin typeface="Times New Roman" panose="02020603050405020304" pitchFamily="18" charset="0"/>
+                <a:cs typeface="Times New Roman" panose="02020603050405020304" pitchFamily="18" charset="0"/>
+              </a:rPr>
+              <a:t>[1] Site:</a:t>
+            </a:r>
+          </a:p>
+          <a:p>
+            <a:pPr marL="0" indent="0" algn="just">
+              <a:buNone/>
+            </a:pPr>
+            <a:r>
+              <a:rPr lang="pt-BR" dirty="0">
+                <a:latin typeface="Times New Roman" panose="02020603050405020304" pitchFamily="18" charset="0"/>
+                <a:cs typeface="Times New Roman" panose="02020603050405020304" pitchFamily="18" charset="0"/>
+              </a:rPr>
+              <a:t> </a:t>
+            </a:r>
+            <a:r>
+              <a:rPr lang="pt-BR" dirty="0">
                 <a:latin typeface="Times New Roman" panose="02020603050405020304" pitchFamily="18" charset="0"/>
                 <a:cs typeface="Times New Roman" panose="02020603050405020304" pitchFamily="18" charset="0"/>
                 <a:hlinkClick r:id="rId3"/>
               </a:rPr>
-              <a:t>https://www.programiz.com/python-programming/variables-constants-literals</a:t>
-            </a:r>
-            <a:endParaRPr lang="pt-BR" sz="2000" dirty="0">
+              <a:t>https://www.w3schools.com/python/python_variables.asp</a:t>
+            </a:r>
+            <a:endParaRPr lang="pt-BR" dirty="0">
               <a:latin typeface="Times New Roman" panose="02020603050405020304" pitchFamily="18" charset="0"/>
               <a:cs typeface="Times New Roman" panose="02020603050405020304" pitchFamily="18" charset="0"/>
             </a:endParaRPr>
@@ -12336,7 +12760,7 @@
             <a:pPr marL="0" indent="0" algn="just">
               <a:buNone/>
             </a:pPr>
-            <a:endParaRPr lang="pt-BR" sz="2000" dirty="0">
+            <a:endParaRPr lang="pt-BR" dirty="0">
               <a:latin typeface="Times New Roman" panose="02020603050405020304" pitchFamily="18" charset="0"/>
               <a:cs typeface="Times New Roman" panose="02020603050405020304" pitchFamily="18" charset="0"/>
             </a:endParaRPr>
@@ -12346,21 +12770,21 @@
               <a:buNone/>
             </a:pPr>
             <a:r>
-              <a:rPr lang="pt-BR" sz="2000" dirty="0">
-                <a:latin typeface="Times New Roman" panose="02020603050405020304" pitchFamily="18" charset="0"/>
-                <a:cs typeface="Times New Roman" panose="02020603050405020304" pitchFamily="18" charset="0"/>
-              </a:rPr>
-              <a:t>[2] </a:t>
-            </a:r>
-            <a:r>
-              <a:rPr lang="pt-BR" sz="2000" dirty="0">
+              <a:rPr lang="pt-BR" dirty="0">
+                <a:latin typeface="Times New Roman" panose="02020603050405020304" pitchFamily="18" charset="0"/>
+                <a:cs typeface="Times New Roman" panose="02020603050405020304" pitchFamily="18" charset="0"/>
+              </a:rPr>
+              <a:t>[2] Site: </a:t>
+            </a:r>
+            <a:r>
+              <a:rPr lang="pt-BR" dirty="0">
                 <a:latin typeface="Times New Roman" panose="02020603050405020304" pitchFamily="18" charset="0"/>
                 <a:cs typeface="Times New Roman" panose="02020603050405020304" pitchFamily="18" charset="0"/>
                 <a:hlinkClick r:id="rId4"/>
               </a:rPr>
-              <a:t>https://www.programiz.com/python-programming/examples/swap-variables</a:t>
-            </a:r>
-            <a:endParaRPr lang="pt-BR" sz="2000" dirty="0">
+              <a:t>https://docs.python.org/pt-br/3/tutorial/</a:t>
+            </a:r>
+            <a:endParaRPr lang="pt-BR" dirty="0">
               <a:latin typeface="Times New Roman" panose="02020603050405020304" pitchFamily="18" charset="0"/>
               <a:cs typeface="Times New Roman" panose="02020603050405020304" pitchFamily="18" charset="0"/>
             </a:endParaRPr>
@@ -12369,7 +12793,7 @@
             <a:pPr marL="0" indent="0" algn="just">
               <a:buNone/>
             </a:pPr>
-            <a:endParaRPr lang="pt-BR" sz="2000" dirty="0">
+            <a:endParaRPr lang="pt-BR" dirty="0">
               <a:latin typeface="Times New Roman" panose="02020603050405020304" pitchFamily="18" charset="0"/>
               <a:cs typeface="Times New Roman" panose="02020603050405020304" pitchFamily="18" charset="0"/>
             </a:endParaRPr>
@@ -12378,48 +12802,7 @@
             <a:pPr marL="0" indent="0" algn="just">
               <a:buNone/>
             </a:pPr>
-            <a:r>
-              <a:rPr lang="pt-BR" sz="2000" dirty="0">
-                <a:latin typeface="Times New Roman" panose="02020603050405020304" pitchFamily="18" charset="0"/>
-                <a:cs typeface="Times New Roman" panose="02020603050405020304" pitchFamily="18" charset="0"/>
-              </a:rPr>
-              <a:t>- </a:t>
-            </a:r>
-            <a:r>
-              <a:rPr lang="pt-BR" sz="2000" dirty="0" err="1">
-                <a:latin typeface="Times New Roman" panose="02020603050405020304" pitchFamily="18" charset="0"/>
-                <a:cs typeface="Times New Roman" panose="02020603050405020304" pitchFamily="18" charset="0"/>
-              </a:rPr>
-              <a:t>Tuplas</a:t>
-            </a:r>
-            <a:r>
-              <a:rPr lang="pt-BR" sz="2000" dirty="0">
-                <a:latin typeface="Times New Roman" panose="02020603050405020304" pitchFamily="18" charset="0"/>
-                <a:cs typeface="Times New Roman" panose="02020603050405020304" pitchFamily="18" charset="0"/>
-              </a:rPr>
-              <a:t> Nomeadas</a:t>
-            </a:r>
-          </a:p>
-          <a:p>
-            <a:pPr marL="0" indent="0" algn="just">
-              <a:buNone/>
-            </a:pPr>
-            <a:r>
-              <a:rPr lang="pt-BR" sz="2000" dirty="0">
-                <a:latin typeface="Times New Roman" panose="02020603050405020304" pitchFamily="18" charset="0"/>
-                <a:cs typeface="Times New Roman" panose="02020603050405020304" pitchFamily="18" charset="0"/>
-              </a:rPr>
-              <a:t>[3] </a:t>
-            </a:r>
-            <a:r>
-              <a:rPr lang="pt-BR" sz="2000" dirty="0">
-                <a:latin typeface="Times New Roman" panose="02020603050405020304" pitchFamily="18" charset="0"/>
-                <a:cs typeface="Times New Roman" panose="02020603050405020304" pitchFamily="18" charset="0"/>
-                <a:hlinkClick r:id="rId5"/>
-              </a:rPr>
-              <a:t>https://www.youtube.com/watch?v=IkoaXbLsUg8</a:t>
-            </a:r>
-            <a:endParaRPr lang="pt-BR" sz="2000" dirty="0">
+            <a:endParaRPr lang="pt-BR" dirty="0">
               <a:latin typeface="Times New Roman" panose="02020603050405020304" pitchFamily="18" charset="0"/>
               <a:cs typeface="Times New Roman" panose="02020603050405020304" pitchFamily="18" charset="0"/>
             </a:endParaRPr>
@@ -12428,7 +12811,7 @@
             <a:pPr marL="0" indent="0" algn="just">
               <a:buNone/>
             </a:pPr>
-            <a:endParaRPr lang="pt-BR" sz="2000" dirty="0">
+            <a:endParaRPr lang="pt-BR" dirty="0">
               <a:latin typeface="Times New Roman" panose="02020603050405020304" pitchFamily="18" charset="0"/>
               <a:cs typeface="Times New Roman" panose="02020603050405020304" pitchFamily="18" charset="0"/>
             </a:endParaRPr>
@@ -12437,7 +12820,7 @@
             <a:pPr marL="0" indent="0" algn="just">
               <a:buNone/>
             </a:pPr>
-            <a:endParaRPr lang="pt-BR" sz="2000" dirty="0">
+            <a:endParaRPr lang="pt-BR" dirty="0">
               <a:latin typeface="Times New Roman" panose="02020603050405020304" pitchFamily="18" charset="0"/>
               <a:cs typeface="Times New Roman" panose="02020603050405020304" pitchFamily="18" charset="0"/>
             </a:endParaRPr>
@@ -12446,7 +12829,7 @@
             <a:pPr marL="0" indent="0" algn="just">
               <a:buNone/>
             </a:pPr>
-            <a:endParaRPr lang="pt-BR" sz="2000" dirty="0">
+            <a:endParaRPr lang="pt-BR" dirty="0">
               <a:latin typeface="Calibri" panose="020F0502020204030204" pitchFamily="34" charset="0"/>
             </a:endParaRPr>
           </a:p>
@@ -12455,7 +12838,7 @@
     </p:spTree>
     <p:extLst>
       <p:ext uri="{BB962C8B-B14F-4D97-AF65-F5344CB8AC3E}">
-        <p14:creationId xmlns:p14="http://schemas.microsoft.com/office/powerpoint/2010/main" val="3680270425"/>
+        <p14:creationId xmlns:p14="http://schemas.microsoft.com/office/powerpoint/2010/main" val="2747596967"/>
       </p:ext>
     </p:extLst>
   </p:cSld>
@@ -12506,7 +12889,7 @@
                   <a:srgbClr val="0070C0"/>
                 </a:solidFill>
               </a:rPr>
-              <a:t>Dinâmica</a:t>
+              <a:t>Aprenda</a:t>
             </a:r>
             <a:r>
               <a:rPr lang="en-US" b="1" dirty="0">
@@ -12514,21 +12897,8 @@
                   <a:srgbClr val="0070C0"/>
                 </a:solidFill>
               </a:rPr>
-              <a:t>/</a:t>
-            </a:r>
-            <a:r>
-              <a:rPr lang="en-US" b="1" dirty="0" err="1">
-                <a:solidFill>
-                  <a:srgbClr val="0070C0"/>
-                </a:solidFill>
-              </a:rPr>
-              <a:t>Atividades</a:t>
-            </a:r>
-            <a:endParaRPr lang="en-US" b="1" dirty="0">
-              <a:solidFill>
-                <a:srgbClr val="0070C0"/>
-              </a:solidFill>
-            </a:endParaRPr>
+              <a:t>+</a:t>
+            </a:r>
           </a:p>
         </p:txBody>
       </p:sp>
@@ -12544,8 +12914,8 @@
         </p:nvSpPr>
         <p:spPr>
           <a:xfrm>
-            <a:off x="139472" y="1063230"/>
-            <a:ext cx="8865056" cy="3606305"/>
+            <a:off x="142865" y="1200151"/>
+            <a:ext cx="8865056" cy="3394472"/>
           </a:xfrm>
         </p:spPr>
         <p:txBody>
@@ -12554,36 +12924,162 @@
           </a:bodyPr>
           <a:lstStyle/>
           <a:p>
-            <a:pPr algn="just">
-              <a:buFontTx/>
-              <a:buChar char="-"/>
+            <a:pPr marL="0" indent="0" algn="just">
+              <a:buNone/>
             </a:pPr>
-            <a:r>
-              <a:rPr lang="pt-BR" dirty="0">
-                <a:latin typeface="Times New Roman" panose="02020603050405020304" pitchFamily="18" charset="0"/>
-                <a:cs typeface="Times New Roman" panose="02020603050405020304" pitchFamily="18" charset="0"/>
-              </a:rPr>
-              <a:t>Exercícios de Fixação</a:t>
-            </a:r>
+            <a:endParaRPr lang="pt-BR" sz="2000" dirty="0">
+              <a:latin typeface="Times New Roman" panose="02020603050405020304" pitchFamily="18" charset="0"/>
+              <a:cs typeface="Times New Roman" panose="02020603050405020304" pitchFamily="18" charset="0"/>
+            </a:endParaRPr>
           </a:p>
           <a:p>
             <a:pPr marL="0" indent="0" algn="just">
               <a:buNone/>
             </a:pPr>
             <a:r>
-              <a:rPr lang="pt-BR" dirty="0">
-                <a:latin typeface="Times New Roman" panose="02020603050405020304" pitchFamily="18" charset="0"/>
-                <a:cs typeface="Times New Roman" panose="02020603050405020304" pitchFamily="18" charset="0"/>
-              </a:rPr>
-              <a:t>	Desafios em Sala de Aula.</a:t>
-            </a:r>
+              <a:rPr lang="pt-BR" sz="2000" dirty="0">
+                <a:latin typeface="Times New Roman" panose="02020603050405020304" pitchFamily="18" charset="0"/>
+                <a:cs typeface="Times New Roman" panose="02020603050405020304" pitchFamily="18" charset="0"/>
+              </a:rPr>
+              <a:t>[1] </a:t>
+            </a:r>
+            <a:r>
+              <a:rPr lang="pt-BR" sz="2000" dirty="0">
+                <a:latin typeface="Times New Roman" panose="02020603050405020304" pitchFamily="18" charset="0"/>
+                <a:cs typeface="Times New Roman" panose="02020603050405020304" pitchFamily="18" charset="0"/>
+                <a:hlinkClick r:id="rId3"/>
+              </a:rPr>
+              <a:t>https://www.programiz.com/python-programming/variables-constants-literals</a:t>
+            </a:r>
+            <a:endParaRPr lang="pt-BR" sz="2000" dirty="0">
+              <a:latin typeface="Times New Roman" panose="02020603050405020304" pitchFamily="18" charset="0"/>
+              <a:cs typeface="Times New Roman" panose="02020603050405020304" pitchFamily="18" charset="0"/>
+            </a:endParaRPr>
+          </a:p>
+          <a:p>
+            <a:pPr marL="0" indent="0" algn="just">
+              <a:buNone/>
+            </a:pPr>
+            <a:endParaRPr lang="pt-BR" sz="2000" dirty="0">
+              <a:latin typeface="Times New Roman" panose="02020603050405020304" pitchFamily="18" charset="0"/>
+              <a:cs typeface="Times New Roman" panose="02020603050405020304" pitchFamily="18" charset="0"/>
+            </a:endParaRPr>
+          </a:p>
+          <a:p>
+            <a:pPr marL="0" indent="0" algn="just">
+              <a:buNone/>
+            </a:pPr>
+            <a:r>
+              <a:rPr lang="pt-BR" sz="2000" dirty="0">
+                <a:latin typeface="Times New Roman" panose="02020603050405020304" pitchFamily="18" charset="0"/>
+                <a:cs typeface="Times New Roman" panose="02020603050405020304" pitchFamily="18" charset="0"/>
+              </a:rPr>
+              <a:t>[2] </a:t>
+            </a:r>
+            <a:r>
+              <a:rPr lang="pt-BR" sz="2000" dirty="0">
+                <a:latin typeface="Times New Roman" panose="02020603050405020304" pitchFamily="18" charset="0"/>
+                <a:cs typeface="Times New Roman" panose="02020603050405020304" pitchFamily="18" charset="0"/>
+                <a:hlinkClick r:id="rId4"/>
+              </a:rPr>
+              <a:t>https://www.programiz.com/python-programming/examples/swap-variables</a:t>
+            </a:r>
+            <a:endParaRPr lang="pt-BR" sz="2000" dirty="0">
+              <a:latin typeface="Times New Roman" panose="02020603050405020304" pitchFamily="18" charset="0"/>
+              <a:cs typeface="Times New Roman" panose="02020603050405020304" pitchFamily="18" charset="0"/>
+            </a:endParaRPr>
+          </a:p>
+          <a:p>
+            <a:pPr marL="0" indent="0" algn="just">
+              <a:buNone/>
+            </a:pPr>
+            <a:endParaRPr lang="pt-BR" sz="2000" dirty="0">
+              <a:latin typeface="Times New Roman" panose="02020603050405020304" pitchFamily="18" charset="0"/>
+              <a:cs typeface="Times New Roman" panose="02020603050405020304" pitchFamily="18" charset="0"/>
+            </a:endParaRPr>
+          </a:p>
+          <a:p>
+            <a:pPr marL="0" indent="0" algn="just">
+              <a:buNone/>
+            </a:pPr>
+            <a:r>
+              <a:rPr lang="pt-BR" sz="2000" dirty="0">
+                <a:latin typeface="Times New Roman" panose="02020603050405020304" pitchFamily="18" charset="0"/>
+                <a:cs typeface="Times New Roman" panose="02020603050405020304" pitchFamily="18" charset="0"/>
+              </a:rPr>
+              <a:t>- </a:t>
+            </a:r>
+            <a:r>
+              <a:rPr lang="pt-BR" sz="2000" dirty="0" err="1">
+                <a:latin typeface="Times New Roman" panose="02020603050405020304" pitchFamily="18" charset="0"/>
+                <a:cs typeface="Times New Roman" panose="02020603050405020304" pitchFamily="18" charset="0"/>
+              </a:rPr>
+              <a:t>Tuplas</a:t>
+            </a:r>
+            <a:r>
+              <a:rPr lang="pt-BR" sz="2000" dirty="0">
+                <a:latin typeface="Times New Roman" panose="02020603050405020304" pitchFamily="18" charset="0"/>
+                <a:cs typeface="Times New Roman" panose="02020603050405020304" pitchFamily="18" charset="0"/>
+              </a:rPr>
+              <a:t> Nomeadas</a:t>
+            </a:r>
+          </a:p>
+          <a:p>
+            <a:pPr marL="0" indent="0" algn="just">
+              <a:buNone/>
+            </a:pPr>
+            <a:r>
+              <a:rPr lang="pt-BR" sz="2000" dirty="0">
+                <a:latin typeface="Times New Roman" panose="02020603050405020304" pitchFamily="18" charset="0"/>
+                <a:cs typeface="Times New Roman" panose="02020603050405020304" pitchFamily="18" charset="0"/>
+              </a:rPr>
+              <a:t>[3] </a:t>
+            </a:r>
+            <a:r>
+              <a:rPr lang="pt-BR" sz="2000" dirty="0">
+                <a:latin typeface="Times New Roman" panose="02020603050405020304" pitchFamily="18" charset="0"/>
+                <a:cs typeface="Times New Roman" panose="02020603050405020304" pitchFamily="18" charset="0"/>
+                <a:hlinkClick r:id="rId5"/>
+              </a:rPr>
+              <a:t>https://www.youtube.com/watch?v=IkoaXbLsUg8</a:t>
+            </a:r>
+            <a:endParaRPr lang="pt-BR" sz="2000" dirty="0">
+              <a:latin typeface="Times New Roman" panose="02020603050405020304" pitchFamily="18" charset="0"/>
+              <a:cs typeface="Times New Roman" panose="02020603050405020304" pitchFamily="18" charset="0"/>
+            </a:endParaRPr>
+          </a:p>
+          <a:p>
+            <a:pPr marL="0" indent="0" algn="just">
+              <a:buNone/>
+            </a:pPr>
+            <a:endParaRPr lang="pt-BR" sz="2000" dirty="0">
+              <a:latin typeface="Times New Roman" panose="02020603050405020304" pitchFamily="18" charset="0"/>
+              <a:cs typeface="Times New Roman" panose="02020603050405020304" pitchFamily="18" charset="0"/>
+            </a:endParaRPr>
+          </a:p>
+          <a:p>
+            <a:pPr marL="0" indent="0" algn="just">
+              <a:buNone/>
+            </a:pPr>
+            <a:endParaRPr lang="pt-BR" sz="2000" dirty="0">
+              <a:latin typeface="Times New Roman" panose="02020603050405020304" pitchFamily="18" charset="0"/>
+              <a:cs typeface="Times New Roman" panose="02020603050405020304" pitchFamily="18" charset="0"/>
+            </a:endParaRPr>
+          </a:p>
+          <a:p>
+            <a:pPr marL="0" indent="0" algn="just">
+              <a:buNone/>
+            </a:pPr>
+            <a:endParaRPr lang="pt-BR" sz="2000" dirty="0">
+              <a:latin typeface="Calibri" panose="020F0502020204030204" pitchFamily="34" charset="0"/>
+            </a:endParaRPr>
           </a:p>
         </p:txBody>
       </p:sp>
     </p:spTree>
     <p:extLst>
       <p:ext uri="{BB962C8B-B14F-4D97-AF65-F5344CB8AC3E}">
-        <p14:creationId xmlns:p14="http://schemas.microsoft.com/office/powerpoint/2010/main" val="2470652989"/>
+        <p14:creationId xmlns:p14="http://schemas.microsoft.com/office/powerpoint/2010/main" val="3680270425"/>
       </p:ext>
     </p:extLst>
   </p:cSld>
@@ -12634,6 +13130,134 @@
                   <a:srgbClr val="0070C0"/>
                 </a:solidFill>
               </a:rPr>
+              <a:t>Dinâmica</a:t>
+            </a:r>
+            <a:r>
+              <a:rPr lang="en-US" b="1" dirty="0">
+                <a:solidFill>
+                  <a:srgbClr val="0070C0"/>
+                </a:solidFill>
+              </a:rPr>
+              <a:t>/</a:t>
+            </a:r>
+            <a:r>
+              <a:rPr lang="en-US" b="1" dirty="0" err="1">
+                <a:solidFill>
+                  <a:srgbClr val="0070C0"/>
+                </a:solidFill>
+              </a:rPr>
+              <a:t>Atividades</a:t>
+            </a:r>
+            <a:endParaRPr lang="en-US" b="1" dirty="0">
+              <a:solidFill>
+                <a:srgbClr val="0070C0"/>
+              </a:solidFill>
+            </a:endParaRPr>
+          </a:p>
+        </p:txBody>
+      </p:sp>
+      <p:sp>
+        <p:nvSpPr>
+          <p:cNvPr id="8" name="Text Placeholder 2"/>
+          <p:cNvSpPr>
+            <a:spLocks noGrp="1"/>
+          </p:cNvSpPr>
+          <p:nvPr>
+            <p:ph type="body" sz="half" idx="1"/>
+          </p:nvPr>
+        </p:nvSpPr>
+        <p:spPr>
+          <a:xfrm>
+            <a:off x="139472" y="1063230"/>
+            <a:ext cx="8865056" cy="3606305"/>
+          </a:xfrm>
+        </p:spPr>
+        <p:txBody>
+          <a:bodyPr>
+            <a:noAutofit/>
+          </a:bodyPr>
+          <a:lstStyle/>
+          <a:p>
+            <a:pPr algn="just">
+              <a:buFontTx/>
+              <a:buChar char="-"/>
+            </a:pPr>
+            <a:r>
+              <a:rPr lang="pt-BR" dirty="0">
+                <a:latin typeface="Times New Roman" panose="02020603050405020304" pitchFamily="18" charset="0"/>
+                <a:cs typeface="Times New Roman" panose="02020603050405020304" pitchFamily="18" charset="0"/>
+              </a:rPr>
+              <a:t>Exercícios de Fixação</a:t>
+            </a:r>
+          </a:p>
+          <a:p>
+            <a:pPr marL="0" indent="0" algn="just">
+              <a:buNone/>
+            </a:pPr>
+            <a:r>
+              <a:rPr lang="pt-BR" dirty="0">
+                <a:latin typeface="Times New Roman" panose="02020603050405020304" pitchFamily="18" charset="0"/>
+                <a:cs typeface="Times New Roman" panose="02020603050405020304" pitchFamily="18" charset="0"/>
+              </a:rPr>
+              <a:t>	Desafios em Sala de Aula.</a:t>
+            </a:r>
+          </a:p>
+        </p:txBody>
+      </p:sp>
+    </p:spTree>
+    <p:extLst>
+      <p:ext uri="{BB962C8B-B14F-4D97-AF65-F5344CB8AC3E}">
+        <p14:creationId xmlns:p14="http://schemas.microsoft.com/office/powerpoint/2010/main" val="2470652989"/>
+      </p:ext>
+    </p:extLst>
+  </p:cSld>
+  <p:clrMapOvr>
+    <a:masterClrMapping/>
+  </p:clrMapOvr>
+  <p:transition spd="med"/>
+</p:sld>
+</file>
+
+<file path=ppt/slides/slide27.xml><?xml version="1.0" encoding="utf-8"?>
+<p:sld xmlns:a="http://schemas.openxmlformats.org/drawingml/2006/main" xmlns:r="http://schemas.openxmlformats.org/officeDocument/2006/relationships" xmlns:p="http://schemas.openxmlformats.org/presentationml/2006/main">
+  <p:cSld>
+    <p:spTree>
+      <p:nvGrpSpPr>
+        <p:cNvPr id="1" name=""/>
+        <p:cNvGrpSpPr/>
+        <p:nvPr/>
+      </p:nvGrpSpPr>
+      <p:grpSpPr>
+        <a:xfrm>
+          <a:off x="0" y="0"/>
+          <a:ext cx="0" cy="0"/>
+          <a:chOff x="0" y="0"/>
+          <a:chExt cx="0" cy="0"/>
+        </a:xfrm>
+      </p:grpSpPr>
+      <p:sp>
+        <p:nvSpPr>
+          <p:cNvPr id="6" name="Title 1"/>
+          <p:cNvSpPr>
+            <a:spLocks noGrp="1"/>
+          </p:cNvSpPr>
+          <p:nvPr>
+            <p:ph type="title"/>
+          </p:nvPr>
+        </p:nvSpPr>
+        <p:spPr/>
+        <p:txBody>
+          <a:bodyPr>
+            <a:normAutofit/>
+          </a:bodyPr>
+          <a:lstStyle/>
+          <a:p>
+            <a:r>
+              <a:rPr lang="en-US" b="1" dirty="0" err="1">
+                <a:solidFill>
+                  <a:srgbClr val="0070C0"/>
+                </a:solidFill>
+              </a:rPr>
               <a:t>Referências</a:t>
             </a:r>
             <a:r>
@@ -12795,7 +13419,7 @@
 </p:sld>
 </file>
 
-<file path=ppt/slides/slide27.xml><?xml version="1.0" encoding="utf-8"?>
+<file path=ppt/slides/slide28.xml><?xml version="1.0" encoding="utf-8"?>
 <p:sld xmlns:a="http://schemas.openxmlformats.org/drawingml/2006/main" xmlns:r="http://schemas.openxmlformats.org/officeDocument/2006/relationships" xmlns:p="http://schemas.openxmlformats.org/presentationml/2006/main">
   <p:cSld>
     <p:spTree>
@@ -14742,7 +15366,7 @@
                 <a:latin typeface="Times New Roman" panose="02020603050405020304" pitchFamily="18" charset="0"/>
                 <a:cs typeface="Times New Roman" panose="02020603050405020304" pitchFamily="18" charset="0"/>
               </a:rPr>
-              <a:t> e </a:t>
+              <a:t>, </a:t>
             </a:r>
             <a:r>
               <a:rPr lang="pt-BR" sz="2400" b="1" dirty="0" err="1">
@@ -14750,6 +15374,27 @@
                 <a:cs typeface="Times New Roman" panose="02020603050405020304" pitchFamily="18" charset="0"/>
               </a:rPr>
               <a:t>clear</a:t>
+            </a:r>
+            <a:r>
+              <a:rPr lang="pt-BR" sz="2400" b="1">
+                <a:latin typeface="Times New Roman" panose="02020603050405020304" pitchFamily="18" charset="0"/>
+                <a:cs typeface="Times New Roman" panose="02020603050405020304" pitchFamily="18" charset="0"/>
+              </a:rPr>
+              <a:t>, reverse</a:t>
+            </a:r>
+            <a:r>
+              <a:rPr lang="pt-BR" sz="2400" b="1" dirty="0">
+                <a:latin typeface="Times New Roman" panose="02020603050405020304" pitchFamily="18" charset="0"/>
+                <a:cs typeface="Times New Roman" panose="02020603050405020304" pitchFamily="18" charset="0"/>
+              </a:rPr>
+              <a:t>, </a:t>
+            </a:r>
+            <a:r>
+              <a:rPr lang="pt-BR" sz="2400" b="1" dirty="0" err="1">
+                <a:latin typeface="Times New Roman" panose="02020603050405020304" pitchFamily="18" charset="0"/>
+                <a:cs typeface="Times New Roman" panose="02020603050405020304" pitchFamily="18" charset="0"/>
+              </a:rPr>
+              <a:t>copy</a:t>
             </a:r>
             <a:r>
               <a:rPr lang="pt-BR" sz="2400" b="1" dirty="0">

--- a/01 Classes/Aula 07 RAD Python - Tipos de Dados Aglomerados.pptx
+++ b/01 Classes/Aula 07 RAD Python - Tipos de Dados Aglomerados.pptx
@@ -2117,7 +2117,7 @@
           <a:p>
             <a:fld id="{48A87A34-81AB-432B-8DAE-1953F412C126}" type="datetimeFigureOut">
               <a:rPr lang="en-US" smtClean="0"/>
-              <a:t>9/25/2022</a:t>
+              <a:t>9/6/2023</a:t>
             </a:fld>
             <a:endParaRPr lang="en-US" dirty="0"/>
           </a:p>
@@ -2328,7 +2328,7 @@
           <a:p>
             <a:fld id="{48A87A34-81AB-432B-8DAE-1953F412C126}" type="datetimeFigureOut">
               <a:rPr lang="en-US" smtClean="0"/>
-              <a:t>9/25/2022</a:t>
+              <a:t>9/6/2023</a:t>
             </a:fld>
             <a:endParaRPr lang="en-US" dirty="0"/>
           </a:p>
@@ -2543,7 +2543,7 @@
           <a:p>
             <a:fld id="{48A87A34-81AB-432B-8DAE-1953F412C126}" type="datetimeFigureOut">
               <a:rPr lang="en-US" smtClean="0"/>
-              <a:t>9/25/2022</a:t>
+              <a:t>9/6/2023</a:t>
             </a:fld>
             <a:endParaRPr lang="en-US" dirty="0"/>
           </a:p>
@@ -2911,7 +2911,7 @@
           <a:p>
             <a:fld id="{48A87A34-81AB-432B-8DAE-1953F412C126}" type="datetimeFigureOut">
               <a:rPr lang="en-US" smtClean="0"/>
-              <a:t>9/25/2022</a:t>
+              <a:t>9/6/2023</a:t>
             </a:fld>
             <a:endParaRPr lang="en-US" dirty="0"/>
           </a:p>
@@ -3190,7 +3190,7 @@
           <a:p>
             <a:fld id="{48A87A34-81AB-432B-8DAE-1953F412C126}" type="datetimeFigureOut">
               <a:rPr lang="en-US" smtClean="0"/>
-              <a:t>9/25/2022</a:t>
+              <a:t>9/6/2023</a:t>
             </a:fld>
             <a:endParaRPr lang="en-US" dirty="0"/>
           </a:p>
@@ -3458,7 +3458,7 @@
           <a:p>
             <a:fld id="{48A87A34-81AB-432B-8DAE-1953F412C126}" type="datetimeFigureOut">
               <a:rPr lang="en-US" smtClean="0"/>
-              <a:t>9/25/2022</a:t>
+              <a:t>9/6/2023</a:t>
             </a:fld>
             <a:endParaRPr lang="en-US" dirty="0"/>
           </a:p>
@@ -3874,7 +3874,7 @@
           <a:p>
             <a:fld id="{48A87A34-81AB-432B-8DAE-1953F412C126}" type="datetimeFigureOut">
               <a:rPr lang="en-US" smtClean="0"/>
-              <a:t>9/25/2022</a:t>
+              <a:t>9/6/2023</a:t>
             </a:fld>
             <a:endParaRPr lang="en-US" dirty="0"/>
           </a:p>
@@ -4023,7 +4023,7 @@
           <a:p>
             <a:fld id="{48A87A34-81AB-432B-8DAE-1953F412C126}" type="datetimeFigureOut">
               <a:rPr lang="en-US" smtClean="0"/>
-              <a:t>9/25/2022</a:t>
+              <a:t>9/6/2023</a:t>
             </a:fld>
             <a:endParaRPr lang="en-US" dirty="0"/>
           </a:p>
@@ -4149,7 +4149,7 @@
           <a:p>
             <a:fld id="{48A87A34-81AB-432B-8DAE-1953F412C126}" type="datetimeFigureOut">
               <a:rPr lang="en-US" smtClean="0"/>
-              <a:t>9/25/2022</a:t>
+              <a:t>9/6/2023</a:t>
             </a:fld>
             <a:endParaRPr lang="en-US" dirty="0"/>
           </a:p>
@@ -4400,7 +4400,7 @@
           <a:p>
             <a:fld id="{48A87A34-81AB-432B-8DAE-1953F412C126}" type="datetimeFigureOut">
               <a:rPr lang="en-US" smtClean="0"/>
-              <a:t>9/25/2022</a:t>
+              <a:t>9/6/2023</a:t>
             </a:fld>
             <a:endParaRPr lang="en-US" dirty="0"/>
           </a:p>
@@ -4846,7 +4846,7 @@
             <a:fld id="{48A87A34-81AB-432B-8DAE-1953F412C126}" type="datetimeFigureOut">
               <a:rPr lang="en-US" smtClean="0"/>
               <a:pPr/>
-              <a:t>9/25/2022</a:t>
+              <a:t>9/6/2023</a:t>
             </a:fld>
             <a:endParaRPr lang="en-US" dirty="0"/>
           </a:p>
@@ -5174,7 +5174,7 @@
             <a:fld id="{48A87A34-81AB-432B-8DAE-1953F412C126}" type="datetimeFigureOut">
               <a:rPr lang="en-US" smtClean="0"/>
               <a:pPr/>
-              <a:t>9/25/2022</a:t>
+              <a:t>9/6/2023</a:t>
             </a:fld>
             <a:endParaRPr lang="en-US" dirty="0"/>
           </a:p>
@@ -6698,7 +6698,7 @@
               <a:buNone/>
             </a:pPr>
             <a:r>
-              <a:rPr lang="pt-BR" b="1" dirty="0">
+              <a:rPr lang="pt-BR" sz="2400" b="1" dirty="0">
                 <a:solidFill>
                   <a:srgbClr val="FF0000"/>
                 </a:solidFill>
@@ -6708,7 +6708,7 @@
               <a:t>Exemplo Lista: </a:t>
             </a:r>
             <a:r>
-              <a:rPr lang="pt-BR" dirty="0" err="1">
+              <a:rPr lang="pt-BR" sz="2400" dirty="0" err="1">
                 <a:solidFill>
                   <a:schemeClr val="tx1"/>
                 </a:solidFill>
@@ -6718,7 +6718,7 @@
               <a:t>umaLista</a:t>
             </a:r>
             <a:r>
-              <a:rPr lang="pt-BR" dirty="0">
+              <a:rPr lang="pt-BR" sz="2400" dirty="0">
                 <a:solidFill>
                   <a:schemeClr val="tx1"/>
                 </a:solidFill>
@@ -6734,7 +6734,7 @@
               <a:buChar char="-"/>
             </a:pPr>
             <a:r>
-              <a:rPr lang="pt-BR" dirty="0">
+              <a:rPr lang="pt-BR" sz="2400" dirty="0">
                 <a:solidFill>
                   <a:schemeClr val="tx1"/>
                 </a:solidFill>
@@ -6744,7 +6744,7 @@
               <a:t>Seleciona faixa, “de tanto em tanto” com”:</a:t>
             </a:r>
             <a:r>
-              <a:rPr lang="pt-BR" b="1" dirty="0">
+              <a:rPr lang="pt-BR" sz="2400" b="1" dirty="0">
                 <a:solidFill>
                   <a:srgbClr val="0070C0"/>
                 </a:solidFill>
@@ -6754,13 +6754,13 @@
               <a:t>:</a:t>
             </a:r>
             <a:r>
-              <a:rPr lang="pt-BR" dirty="0">
+              <a:rPr lang="pt-BR" sz="2400" dirty="0">
                 <a:latin typeface="Times New Roman" panose="02020603050405020304" pitchFamily="18" charset="0"/>
                 <a:cs typeface="Times New Roman" panose="02020603050405020304" pitchFamily="18" charset="0"/>
               </a:rPr>
               <a:t>”</a:t>
             </a:r>
-            <a:endParaRPr lang="pt-BR" b="1" dirty="0">
+            <a:endParaRPr lang="pt-BR" sz="2400" b="1" dirty="0">
               <a:solidFill>
                 <a:srgbClr val="FF0000"/>
               </a:solidFill>
@@ -6773,7 +6773,7 @@
               <a:buNone/>
             </a:pPr>
             <a:r>
-              <a:rPr lang="pt-BR" dirty="0">
+              <a:rPr lang="pt-BR" sz="2400" dirty="0">
                 <a:solidFill>
                   <a:schemeClr val="tx1"/>
                 </a:solidFill>
@@ -6783,7 +6783,7 @@
               <a:t>   Ex.: </a:t>
             </a:r>
             <a:r>
-              <a:rPr lang="pt-BR" b="1" dirty="0">
+              <a:rPr lang="pt-BR" sz="2400" b="1" dirty="0">
                 <a:solidFill>
                   <a:schemeClr val="tx1"/>
                 </a:solidFill>
@@ -6793,7 +6793,7 @@
               <a:t>print</a:t>
             </a:r>
             <a:r>
-              <a:rPr lang="pt-BR" dirty="0">
+              <a:rPr lang="pt-BR" sz="2400" dirty="0">
                 <a:solidFill>
                   <a:schemeClr val="tx1"/>
                 </a:solidFill>
@@ -6803,7 +6803,7 @@
               <a:t>(</a:t>
             </a:r>
             <a:r>
-              <a:rPr lang="pt-BR" dirty="0" err="1">
+              <a:rPr lang="pt-BR" sz="2400" dirty="0" err="1">
                 <a:solidFill>
                   <a:schemeClr val="tx1"/>
                 </a:solidFill>
@@ -6813,7 +6813,7 @@
               <a:t>umaLista</a:t>
             </a:r>
             <a:r>
-              <a:rPr lang="pt-BR" dirty="0">
+              <a:rPr lang="pt-BR" sz="2400" dirty="0">
                 <a:solidFill>
                   <a:schemeClr val="tx1"/>
                 </a:solidFill>
@@ -6829,33 +6829,33 @@
               <a:buChar char="-"/>
             </a:pPr>
             <a:r>
-              <a:rPr lang="pt-BR" dirty="0">
-                <a:solidFill>
-                  <a:schemeClr val="tx1"/>
-                </a:solidFill>
-                <a:latin typeface="Times New Roman" panose="02020603050405020304" pitchFamily="18" charset="0"/>
-                <a:cs typeface="Times New Roman" panose="02020603050405020304" pitchFamily="18" charset="0"/>
-              </a:rPr>
-              <a:t>Seleciona faixa, da posição e inicial com ”</a:t>
-            </a:r>
-            <a:r>
-              <a:rPr lang="pt-BR" b="1" dirty="0">
+              <a:rPr lang="pt-BR" sz="2400" dirty="0">
+                <a:solidFill>
+                  <a:schemeClr val="tx1"/>
+                </a:solidFill>
+                <a:latin typeface="Times New Roman" panose="02020603050405020304" pitchFamily="18" charset="0"/>
+                <a:cs typeface="Times New Roman" panose="02020603050405020304" pitchFamily="18" charset="0"/>
+              </a:rPr>
+              <a:t>Seleciona faixa, da posição inicial com salto de 3 ”</a:t>
+            </a:r>
+            <a:r>
+              <a:rPr lang="pt-BR" sz="2400" b="1" dirty="0">
                 <a:solidFill>
                   <a:srgbClr val="0070C0"/>
                 </a:solidFill>
                 <a:latin typeface="Times New Roman" panose="02020603050405020304" pitchFamily="18" charset="0"/>
                 <a:cs typeface="Times New Roman" panose="02020603050405020304" pitchFamily="18" charset="0"/>
               </a:rPr>
-              <a:t>:</a:t>
-            </a:r>
-            <a:r>
-              <a:rPr lang="pt-BR" dirty="0">
+              <a:t>::</a:t>
+            </a:r>
+            <a:r>
+              <a:rPr lang="pt-BR" sz="2400" dirty="0">
                 <a:latin typeface="Times New Roman" panose="02020603050405020304" pitchFamily="18" charset="0"/>
                 <a:cs typeface="Times New Roman" panose="02020603050405020304" pitchFamily="18" charset="0"/>
               </a:rPr>
               <a:t>”</a:t>
             </a:r>
-            <a:endParaRPr lang="pt-BR" b="1" dirty="0">
+            <a:endParaRPr lang="pt-BR" sz="2400" b="1" dirty="0">
               <a:solidFill>
                 <a:srgbClr val="FF0000"/>
               </a:solidFill>
@@ -6868,7 +6868,7 @@
               <a:buNone/>
             </a:pPr>
             <a:r>
-              <a:rPr lang="pt-BR" dirty="0">
+              <a:rPr lang="pt-BR" sz="2400" dirty="0">
                 <a:solidFill>
                   <a:schemeClr val="tx1"/>
                 </a:solidFill>
@@ -6878,7 +6878,7 @@
               <a:t>   Ex.: </a:t>
             </a:r>
             <a:r>
-              <a:rPr lang="pt-BR" b="1" dirty="0">
+              <a:rPr lang="pt-BR" sz="2400" b="1" dirty="0">
                 <a:solidFill>
                   <a:schemeClr val="tx1"/>
                 </a:solidFill>
@@ -6888,7 +6888,7 @@
               <a:t>print</a:t>
             </a:r>
             <a:r>
-              <a:rPr lang="pt-BR" dirty="0">
+              <a:rPr lang="pt-BR" sz="2400" dirty="0">
                 <a:solidFill>
                   <a:schemeClr val="tx1"/>
                 </a:solidFill>
@@ -6898,7 +6898,7 @@
               <a:t>(</a:t>
             </a:r>
             <a:r>
-              <a:rPr lang="pt-BR" dirty="0" err="1">
+              <a:rPr lang="pt-BR" sz="2400" dirty="0" err="1">
                 <a:solidFill>
                   <a:schemeClr val="tx1"/>
                 </a:solidFill>
@@ -6908,7 +6908,7 @@
               <a:t>umaLista</a:t>
             </a:r>
             <a:r>
-              <a:rPr lang="pt-BR" dirty="0">
+              <a:rPr lang="pt-BR" sz="2400" dirty="0">
                 <a:solidFill>
                   <a:schemeClr val="tx1"/>
                 </a:solidFill>
@@ -6919,10 +6919,117 @@
             </a:r>
           </a:p>
           <a:p>
+            <a:pPr algn="just">
+              <a:buFontTx/>
+              <a:buChar char="-"/>
+            </a:pPr>
+            <a:r>
+              <a:rPr lang="pt-BR" sz="2400" dirty="0">
+                <a:solidFill>
+                  <a:schemeClr val="tx1"/>
+                </a:solidFill>
+                <a:latin typeface="Times New Roman" panose="02020603050405020304" pitchFamily="18" charset="0"/>
+                <a:cs typeface="Times New Roman" panose="02020603050405020304" pitchFamily="18" charset="0"/>
+              </a:rPr>
+              <a:t>Seleciona faixa, da posição inicial com salto de 2 ”</a:t>
+            </a:r>
+            <a:r>
+              <a:rPr lang="pt-BR" sz="2400" b="1" dirty="0">
+                <a:solidFill>
+                  <a:srgbClr val="0070C0"/>
+                </a:solidFill>
+                <a:latin typeface="Times New Roman" panose="02020603050405020304" pitchFamily="18" charset="0"/>
+                <a:cs typeface="Times New Roman" panose="02020603050405020304" pitchFamily="18" charset="0"/>
+              </a:rPr>
+              <a:t>:</a:t>
+            </a:r>
+            <a:r>
+              <a:rPr lang="pt-BR" sz="2400" dirty="0">
+                <a:latin typeface="Times New Roman" panose="02020603050405020304" pitchFamily="18" charset="0"/>
+                <a:cs typeface="Times New Roman" panose="02020603050405020304" pitchFamily="18" charset="0"/>
+              </a:rPr>
+              <a:t>”</a:t>
+            </a:r>
+            <a:endParaRPr lang="pt-BR" sz="2400" b="1" dirty="0">
+              <a:solidFill>
+                <a:srgbClr val="FF0000"/>
+              </a:solidFill>
+              <a:latin typeface="Times New Roman" panose="02020603050405020304" pitchFamily="18" charset="0"/>
+              <a:cs typeface="Times New Roman" panose="02020603050405020304" pitchFamily="18" charset="0"/>
+            </a:endParaRPr>
+          </a:p>
+          <a:p>
             <a:pPr marL="0" indent="0" algn="just">
               <a:buNone/>
             </a:pPr>
-            <a:endParaRPr lang="pt-BR" dirty="0">
+            <a:r>
+              <a:rPr lang="pt-BR" sz="2400" dirty="0">
+                <a:solidFill>
+                  <a:schemeClr val="tx1"/>
+                </a:solidFill>
+                <a:latin typeface="Times New Roman" panose="02020603050405020304" pitchFamily="18" charset="0"/>
+                <a:cs typeface="Times New Roman" panose="02020603050405020304" pitchFamily="18" charset="0"/>
+              </a:rPr>
+              <a:t>   Ex.: </a:t>
+            </a:r>
+            <a:r>
+              <a:rPr lang="pt-BR" sz="2400" b="1" dirty="0">
+                <a:solidFill>
+                  <a:schemeClr val="tx1"/>
+                </a:solidFill>
+                <a:latin typeface="Times New Roman" panose="02020603050405020304" pitchFamily="18" charset="0"/>
+                <a:cs typeface="Times New Roman" panose="02020603050405020304" pitchFamily="18" charset="0"/>
+              </a:rPr>
+              <a:t>print</a:t>
+            </a:r>
+            <a:r>
+              <a:rPr lang="pt-BR" sz="2400" dirty="0">
+                <a:solidFill>
+                  <a:schemeClr val="tx1"/>
+                </a:solidFill>
+                <a:latin typeface="Times New Roman" panose="02020603050405020304" pitchFamily="18" charset="0"/>
+                <a:cs typeface="Times New Roman" panose="02020603050405020304" pitchFamily="18" charset="0"/>
+              </a:rPr>
+              <a:t>(</a:t>
+            </a:r>
+            <a:r>
+              <a:rPr lang="pt-BR" sz="2400" dirty="0" err="1">
+                <a:solidFill>
+                  <a:schemeClr val="tx1"/>
+                </a:solidFill>
+                <a:latin typeface="Times New Roman" panose="02020603050405020304" pitchFamily="18" charset="0"/>
+                <a:cs typeface="Times New Roman" panose="02020603050405020304" pitchFamily="18" charset="0"/>
+              </a:rPr>
+              <a:t>umaLista</a:t>
+            </a:r>
+            <a:r>
+              <a:rPr lang="pt-BR" sz="2400" dirty="0">
+                <a:solidFill>
+                  <a:schemeClr val="tx1"/>
+                </a:solidFill>
+                <a:latin typeface="Times New Roman" panose="02020603050405020304" pitchFamily="18" charset="0"/>
+                <a:cs typeface="Times New Roman" panose="02020603050405020304" pitchFamily="18" charset="0"/>
+              </a:rPr>
+              <a:t>[1:3:2]) =&gt; 4, 7</a:t>
+            </a:r>
+          </a:p>
+          <a:p>
+            <a:pPr marL="0" indent="0" algn="just">
+              <a:buNone/>
+            </a:pPr>
+            <a:endParaRPr lang="pt-BR" sz="2400" dirty="0">
+              <a:solidFill>
+                <a:schemeClr val="tx1"/>
+              </a:solidFill>
+              <a:latin typeface="Times New Roman" panose="02020603050405020304" pitchFamily="18" charset="0"/>
+              <a:cs typeface="Times New Roman" panose="02020603050405020304" pitchFamily="18" charset="0"/>
+            </a:endParaRPr>
+          </a:p>
+          <a:p>
+            <a:pPr marL="0" indent="0" algn="just">
+              <a:buNone/>
+            </a:pPr>
+            <a:endParaRPr lang="pt-BR" sz="2400" dirty="0">
               <a:solidFill>
                 <a:schemeClr val="tx1"/>
               </a:solidFill>
@@ -7197,7 +7304,7 @@
                 <a:latin typeface="Times New Roman" panose="02020603050405020304" pitchFamily="18" charset="0"/>
                 <a:cs typeface="Times New Roman" panose="02020603050405020304" pitchFamily="18" charset="0"/>
               </a:rPr>
-              <a:t>[1:3]; # 1, 5, 7, 9</a:t>
+              <a:t>[1:3] # 1, 5, 7, 9</a:t>
             </a:r>
           </a:p>
           <a:p>
@@ -12063,7 +12170,7 @@
                 <a:latin typeface="Times New Roman" panose="02020603050405020304" pitchFamily="18" charset="0"/>
                 <a:cs typeface="Times New Roman" panose="02020603050405020304" pitchFamily="18" charset="0"/>
               </a:rPr>
-              <a:t>= {1, 2, 3, 4}; </a:t>
+              <a:t>= {1, 2, 3, 4}</a:t>
             </a:r>
           </a:p>
           <a:p>
@@ -12500,7 +12607,7 @@
                 <a:latin typeface="Times New Roman" panose="02020603050405020304" pitchFamily="18" charset="0"/>
                 <a:cs typeface="Times New Roman" panose="02020603050405020304" pitchFamily="18" charset="0"/>
               </a:rPr>
-              <a:t>{‘nome’: ‘Julila’, ‘idade’:17, ‘disciplina’:[‘java’, ‘python’], ‘altura’:1.55};</a:t>
+              <a:t>{‘nome’: ‘Julila’, ‘idade’:17, ‘disciplina’:[‘java’, ‘python’], ‘altura’:1.55}</a:t>
             </a:r>
           </a:p>
           <a:p>

--- a/01 Classes/Aula 07 RAD Python - Tipos de Dados Aglomerados.pptx
+++ b/01 Classes/Aula 07 RAD Python - Tipos de Dados Aglomerados.pptx
@@ -12856,12 +12856,15 @@
                 <a:cs typeface="Times New Roman" panose="02020603050405020304" pitchFamily="18" charset="0"/>
                 <a:hlinkClick r:id="rId3"/>
               </a:rPr>
-              <a:t>https://www.w3schools.com/python/python_variables.asp</a:t>
-            </a:r>
-            <a:endParaRPr lang="pt-BR" dirty="0">
-              <a:latin typeface="Times New Roman" panose="02020603050405020304" pitchFamily="18" charset="0"/>
-              <a:cs typeface="Times New Roman" panose="02020603050405020304" pitchFamily="18" charset="0"/>
-            </a:endParaRPr>
+              <a:t>https://www.w3schools.com/python/python_datatypes.asp</a:t>
+            </a:r>
+            <a:r>
+              <a:rPr lang="pt-BR" dirty="0">
+                <a:latin typeface="Times New Roman" panose="02020603050405020304" pitchFamily="18" charset="0"/>
+                <a:cs typeface="Times New Roman" panose="02020603050405020304" pitchFamily="18" charset="0"/>
+              </a:rPr>
+              <a:t> </a:t>
+            </a:r>
           </a:p>
           <a:p>
             <a:pPr marL="0" indent="0" algn="just">
@@ -13034,7 +13037,36 @@
             <a:pPr marL="0" indent="0" algn="just">
               <a:buNone/>
             </a:pPr>
-            <a:endParaRPr lang="pt-BR" sz="2000" dirty="0">
+            <a:r>
+              <a:rPr lang="pt-BR" sz="2400" dirty="0">
+                <a:latin typeface="Times New Roman" panose="02020603050405020304" pitchFamily="18" charset="0"/>
+                <a:cs typeface="Times New Roman" panose="02020603050405020304" pitchFamily="18" charset="0"/>
+              </a:rPr>
+              <a:t>[1] </a:t>
+            </a:r>
+            <a:r>
+              <a:rPr lang="pt-BR" sz="2400" b="1" dirty="0">
+                <a:latin typeface="Times New Roman" panose="02020603050405020304" pitchFamily="18" charset="0"/>
+                <a:cs typeface="Times New Roman" panose="02020603050405020304" pitchFamily="18" charset="0"/>
+              </a:rPr>
+              <a:t>Aglomerados</a:t>
+            </a:r>
+            <a:r>
+              <a:rPr lang="pt-BR" sz="2400" dirty="0">
+                <a:latin typeface="Times New Roman" panose="02020603050405020304" pitchFamily="18" charset="0"/>
+                <a:cs typeface="Times New Roman" panose="02020603050405020304" pitchFamily="18" charset="0"/>
+              </a:rPr>
+              <a:t>: </a:t>
+            </a:r>
+            <a:r>
+              <a:rPr lang="pt-BR" sz="2400" dirty="0">
+                <a:latin typeface="Times New Roman" panose="02020603050405020304" pitchFamily="18" charset="0"/>
+                <a:cs typeface="Times New Roman" panose="02020603050405020304" pitchFamily="18" charset="0"/>
+                <a:hlinkClick r:id="rId3"/>
+              </a:rPr>
+              <a:t>https://youtu.be/zGlB7Yl5lZc</a:t>
+            </a:r>
+            <a:endParaRPr lang="pt-BR" sz="2400" dirty="0">
               <a:latin typeface="Times New Roman" panose="02020603050405020304" pitchFamily="18" charset="0"/>
               <a:cs typeface="Times New Roman" panose="02020603050405020304" pitchFamily="18" charset="0"/>
             </a:endParaRPr>
@@ -13043,22 +13075,7 @@
             <a:pPr marL="0" indent="0" algn="just">
               <a:buNone/>
             </a:pPr>
-            <a:r>
-              <a:rPr lang="pt-BR" sz="2000" dirty="0">
-                <a:latin typeface="Times New Roman" panose="02020603050405020304" pitchFamily="18" charset="0"/>
-                <a:cs typeface="Times New Roman" panose="02020603050405020304" pitchFamily="18" charset="0"/>
-              </a:rPr>
-              <a:t>[1] </a:t>
-            </a:r>
-            <a:r>
-              <a:rPr lang="pt-BR" sz="2000" dirty="0">
-                <a:latin typeface="Times New Roman" panose="02020603050405020304" pitchFamily="18" charset="0"/>
-                <a:cs typeface="Times New Roman" panose="02020603050405020304" pitchFamily="18" charset="0"/>
-                <a:hlinkClick r:id="rId3"/>
-              </a:rPr>
-              <a:t>https://www.programiz.com/python-programming/variables-constants-literals</a:t>
-            </a:r>
-            <a:endParaRPr lang="pt-BR" sz="2000" dirty="0">
+            <a:endParaRPr lang="pt-BR" sz="2400" dirty="0">
               <a:latin typeface="Times New Roman" panose="02020603050405020304" pitchFamily="18" charset="0"/>
               <a:cs typeface="Times New Roman" panose="02020603050405020304" pitchFamily="18" charset="0"/>
             </a:endParaRPr>
@@ -13067,7 +13084,48 @@
             <a:pPr marL="0" indent="0" algn="just">
               <a:buNone/>
             </a:pPr>
-            <a:endParaRPr lang="pt-BR" sz="2000" dirty="0">
+            <a:r>
+              <a:rPr lang="pt-BR" sz="2400" dirty="0">
+                <a:latin typeface="Times New Roman" panose="02020603050405020304" pitchFamily="18" charset="0"/>
+                <a:cs typeface="Times New Roman" panose="02020603050405020304" pitchFamily="18" charset="0"/>
+              </a:rPr>
+              <a:t>[2] </a:t>
+            </a:r>
+            <a:r>
+              <a:rPr lang="pt-BR" sz="2400" b="1" dirty="0">
+                <a:latin typeface="Times New Roman" panose="02020603050405020304" pitchFamily="18" charset="0"/>
+                <a:cs typeface="Times New Roman" panose="02020603050405020304" pitchFamily="18" charset="0"/>
+              </a:rPr>
+              <a:t>Aglomerados</a:t>
+            </a:r>
+            <a:r>
+              <a:rPr lang="pt-BR" sz="2400" dirty="0">
+                <a:latin typeface="Times New Roman" panose="02020603050405020304" pitchFamily="18" charset="0"/>
+                <a:cs typeface="Times New Roman" panose="02020603050405020304" pitchFamily="18" charset="0"/>
+              </a:rPr>
+              <a:t>: </a:t>
+            </a:r>
+            <a:r>
+              <a:rPr lang="pt-BR" sz="2400" dirty="0">
+                <a:latin typeface="Times New Roman" panose="02020603050405020304" pitchFamily="18" charset="0"/>
+                <a:cs typeface="Times New Roman" panose="02020603050405020304" pitchFamily="18" charset="0"/>
+                <a:hlinkClick r:id="rId4"/>
+              </a:rPr>
+              <a:t>https://youtu.be/FKX07yoxLJ8</a:t>
+            </a:r>
+            <a:r>
+              <a:rPr lang="pt-BR" sz="2400" dirty="0">
+                <a:latin typeface="Times New Roman" panose="02020603050405020304" pitchFamily="18" charset="0"/>
+                <a:cs typeface="Times New Roman" panose="02020603050405020304" pitchFamily="18" charset="0"/>
+              </a:rPr>
+              <a:t> </a:t>
+            </a:r>
+          </a:p>
+          <a:p>
+            <a:pPr marL="0" indent="0" algn="just">
+              <a:buNone/>
+            </a:pPr>
+            <a:endParaRPr lang="pt-BR" sz="2400" dirty="0">
               <a:latin typeface="Times New Roman" panose="02020603050405020304" pitchFamily="18" charset="0"/>
               <a:cs typeface="Times New Roman" panose="02020603050405020304" pitchFamily="18" charset="0"/>
             </a:endParaRPr>
@@ -13077,21 +13135,63 @@
               <a:buNone/>
             </a:pPr>
             <a:r>
-              <a:rPr lang="pt-BR" sz="2000" dirty="0">
-                <a:latin typeface="Times New Roman" panose="02020603050405020304" pitchFamily="18" charset="0"/>
-                <a:cs typeface="Times New Roman" panose="02020603050405020304" pitchFamily="18" charset="0"/>
-              </a:rPr>
-              <a:t>[2] </a:t>
-            </a:r>
-            <a:r>
-              <a:rPr lang="pt-BR" sz="2000" dirty="0">
-                <a:latin typeface="Times New Roman" panose="02020603050405020304" pitchFamily="18" charset="0"/>
-                <a:cs typeface="Times New Roman" panose="02020603050405020304" pitchFamily="18" charset="0"/>
-                <a:hlinkClick r:id="rId4"/>
-              </a:rPr>
-              <a:t>https://www.programiz.com/python-programming/examples/swap-variables</a:t>
-            </a:r>
-            <a:endParaRPr lang="pt-BR" sz="2000" dirty="0">
+              <a:rPr lang="pt-BR" sz="2400" dirty="0">
+                <a:latin typeface="Times New Roman" panose="02020603050405020304" pitchFamily="18" charset="0"/>
+                <a:cs typeface="Times New Roman" panose="02020603050405020304" pitchFamily="18" charset="0"/>
+              </a:rPr>
+              <a:t>[3] </a:t>
+            </a:r>
+            <a:r>
+              <a:rPr lang="pt-BR" sz="2400" b="1" dirty="0">
+                <a:latin typeface="Times New Roman" panose="02020603050405020304" pitchFamily="18" charset="0"/>
+                <a:cs typeface="Times New Roman" panose="02020603050405020304" pitchFamily="18" charset="0"/>
+              </a:rPr>
+              <a:t>Tuplas Nomeadas</a:t>
+            </a:r>
+            <a:r>
+              <a:rPr lang="pt-BR" sz="2400" dirty="0">
+                <a:latin typeface="Times New Roman" panose="02020603050405020304" pitchFamily="18" charset="0"/>
+                <a:cs typeface="Times New Roman" panose="02020603050405020304" pitchFamily="18" charset="0"/>
+              </a:rPr>
+              <a:t>:</a:t>
+            </a:r>
+          </a:p>
+          <a:p>
+            <a:pPr marL="0" indent="0" algn="just">
+              <a:buNone/>
+            </a:pPr>
+            <a:r>
+              <a:rPr lang="pt-BR" sz="2400">
+                <a:latin typeface="Times New Roman" panose="02020603050405020304" pitchFamily="18" charset="0"/>
+                <a:cs typeface="Times New Roman" panose="02020603050405020304" pitchFamily="18" charset="0"/>
+              </a:rPr>
+              <a:t>      </a:t>
+            </a:r>
+            <a:r>
+              <a:rPr lang="pt-BR" sz="2400">
+                <a:latin typeface="Times New Roman" panose="02020603050405020304" pitchFamily="18" charset="0"/>
+                <a:cs typeface="Times New Roman" panose="02020603050405020304" pitchFamily="18" charset="0"/>
+                <a:hlinkClick r:id="rId5"/>
+              </a:rPr>
+              <a:t>https</a:t>
+            </a:r>
+            <a:r>
+              <a:rPr lang="pt-BR" sz="2400" dirty="0">
+                <a:latin typeface="Times New Roman" panose="02020603050405020304" pitchFamily="18" charset="0"/>
+                <a:cs typeface="Times New Roman" panose="02020603050405020304" pitchFamily="18" charset="0"/>
+                <a:hlinkClick r:id="rId5"/>
+              </a:rPr>
+              <a:t>://www.youtube.com/watch?v</a:t>
+            </a:r>
+            <a:r>
+              <a:rPr lang="pt-BR" sz="2400">
+                <a:latin typeface="Times New Roman" panose="02020603050405020304" pitchFamily="18" charset="0"/>
+                <a:cs typeface="Times New Roman" panose="02020603050405020304" pitchFamily="18" charset="0"/>
+                <a:hlinkClick r:id="rId5"/>
+              </a:rPr>
+              <a:t>=IkoaXbLsUg8</a:t>
+            </a:r>
+            <a:endParaRPr lang="pt-BR" sz="2400" dirty="0">
               <a:latin typeface="Times New Roman" panose="02020603050405020304" pitchFamily="18" charset="0"/>
               <a:cs typeface="Times New Roman" panose="02020603050405020304" pitchFamily="18" charset="0"/>
             </a:endParaRPr>
@@ -13100,7 +13200,7 @@
             <a:pPr marL="0" indent="0" algn="just">
               <a:buNone/>
             </a:pPr>
-            <a:endParaRPr lang="pt-BR" sz="2000" dirty="0">
+            <a:endParaRPr lang="pt-BR" sz="2400" dirty="0">
               <a:latin typeface="Times New Roman" panose="02020603050405020304" pitchFamily="18" charset="0"/>
               <a:cs typeface="Times New Roman" panose="02020603050405020304" pitchFamily="18" charset="0"/>
             </a:endParaRPr>
@@ -13109,75 +13209,7 @@
             <a:pPr marL="0" indent="0" algn="just">
               <a:buNone/>
             </a:pPr>
-            <a:r>
-              <a:rPr lang="pt-BR" sz="2000" dirty="0">
-                <a:latin typeface="Times New Roman" panose="02020603050405020304" pitchFamily="18" charset="0"/>
-                <a:cs typeface="Times New Roman" panose="02020603050405020304" pitchFamily="18" charset="0"/>
-              </a:rPr>
-              <a:t>- </a:t>
-            </a:r>
-            <a:r>
-              <a:rPr lang="pt-BR" sz="2000" dirty="0" err="1">
-                <a:latin typeface="Times New Roman" panose="02020603050405020304" pitchFamily="18" charset="0"/>
-                <a:cs typeface="Times New Roman" panose="02020603050405020304" pitchFamily="18" charset="0"/>
-              </a:rPr>
-              <a:t>Tuplas</a:t>
-            </a:r>
-            <a:r>
-              <a:rPr lang="pt-BR" sz="2000" dirty="0">
-                <a:latin typeface="Times New Roman" panose="02020603050405020304" pitchFamily="18" charset="0"/>
-                <a:cs typeface="Times New Roman" panose="02020603050405020304" pitchFamily="18" charset="0"/>
-              </a:rPr>
-              <a:t> Nomeadas</a:t>
-            </a:r>
-          </a:p>
-          <a:p>
-            <a:pPr marL="0" indent="0" algn="just">
-              <a:buNone/>
-            </a:pPr>
-            <a:r>
-              <a:rPr lang="pt-BR" sz="2000" dirty="0">
-                <a:latin typeface="Times New Roman" panose="02020603050405020304" pitchFamily="18" charset="0"/>
-                <a:cs typeface="Times New Roman" panose="02020603050405020304" pitchFamily="18" charset="0"/>
-              </a:rPr>
-              <a:t>[3] </a:t>
-            </a:r>
-            <a:r>
-              <a:rPr lang="pt-BR" sz="2000" dirty="0">
-                <a:latin typeface="Times New Roman" panose="02020603050405020304" pitchFamily="18" charset="0"/>
-                <a:cs typeface="Times New Roman" panose="02020603050405020304" pitchFamily="18" charset="0"/>
-                <a:hlinkClick r:id="rId5"/>
-              </a:rPr>
-              <a:t>https://www.youtube.com/watch?v=IkoaXbLsUg8</a:t>
-            </a:r>
-            <a:endParaRPr lang="pt-BR" sz="2000" dirty="0">
-              <a:latin typeface="Times New Roman" panose="02020603050405020304" pitchFamily="18" charset="0"/>
-              <a:cs typeface="Times New Roman" panose="02020603050405020304" pitchFamily="18" charset="0"/>
-            </a:endParaRPr>
-          </a:p>
-          <a:p>
-            <a:pPr marL="0" indent="0" algn="just">
-              <a:buNone/>
-            </a:pPr>
-            <a:endParaRPr lang="pt-BR" sz="2000" dirty="0">
-              <a:latin typeface="Times New Roman" panose="02020603050405020304" pitchFamily="18" charset="0"/>
-              <a:cs typeface="Times New Roman" panose="02020603050405020304" pitchFamily="18" charset="0"/>
-            </a:endParaRPr>
-          </a:p>
-          <a:p>
-            <a:pPr marL="0" indent="0" algn="just">
-              <a:buNone/>
-            </a:pPr>
-            <a:endParaRPr lang="pt-BR" sz="2000" dirty="0">
-              <a:latin typeface="Times New Roman" panose="02020603050405020304" pitchFamily="18" charset="0"/>
-              <a:cs typeface="Times New Roman" panose="02020603050405020304" pitchFamily="18" charset="0"/>
-            </a:endParaRPr>
-          </a:p>
-          <a:p>
-            <a:pPr marL="0" indent="0" algn="just">
-              <a:buNone/>
-            </a:pPr>
-            <a:endParaRPr lang="pt-BR" sz="2000" dirty="0">
+            <a:endParaRPr lang="pt-BR" sz="2400" dirty="0">
               <a:latin typeface="Calibri" panose="020F0502020204030204" pitchFamily="34" charset="0"/>
             </a:endParaRPr>
           </a:p>

--- a/01 Classes/Aula 07 RAD Python - Tipos de Dados Aglomerados.pptx
+++ b/01 Classes/Aula 07 RAD Python - Tipos de Dados Aglomerados.pptx
@@ -2117,7 +2117,7 @@
           <a:p>
             <a:fld id="{48A87A34-81AB-432B-8DAE-1953F412C126}" type="datetimeFigureOut">
               <a:rPr lang="en-US" smtClean="0"/>
-              <a:t>9/6/2023</a:t>
+              <a:t>9/25/2024</a:t>
             </a:fld>
             <a:endParaRPr lang="en-US" dirty="0"/>
           </a:p>
@@ -2328,7 +2328,7 @@
           <a:p>
             <a:fld id="{48A87A34-81AB-432B-8DAE-1953F412C126}" type="datetimeFigureOut">
               <a:rPr lang="en-US" smtClean="0"/>
-              <a:t>9/6/2023</a:t>
+              <a:t>9/25/2024</a:t>
             </a:fld>
             <a:endParaRPr lang="en-US" dirty="0"/>
           </a:p>
@@ -2543,7 +2543,7 @@
           <a:p>
             <a:fld id="{48A87A34-81AB-432B-8DAE-1953F412C126}" type="datetimeFigureOut">
               <a:rPr lang="en-US" smtClean="0"/>
-              <a:t>9/6/2023</a:t>
+              <a:t>9/25/2024</a:t>
             </a:fld>
             <a:endParaRPr lang="en-US" dirty="0"/>
           </a:p>
@@ -2911,7 +2911,7 @@
           <a:p>
             <a:fld id="{48A87A34-81AB-432B-8DAE-1953F412C126}" type="datetimeFigureOut">
               <a:rPr lang="en-US" smtClean="0"/>
-              <a:t>9/6/2023</a:t>
+              <a:t>9/25/2024</a:t>
             </a:fld>
             <a:endParaRPr lang="en-US" dirty="0"/>
           </a:p>
@@ -3190,7 +3190,7 @@
           <a:p>
             <a:fld id="{48A87A34-81AB-432B-8DAE-1953F412C126}" type="datetimeFigureOut">
               <a:rPr lang="en-US" smtClean="0"/>
-              <a:t>9/6/2023</a:t>
+              <a:t>9/25/2024</a:t>
             </a:fld>
             <a:endParaRPr lang="en-US" dirty="0"/>
           </a:p>
@@ -3458,7 +3458,7 @@
           <a:p>
             <a:fld id="{48A87A34-81AB-432B-8DAE-1953F412C126}" type="datetimeFigureOut">
               <a:rPr lang="en-US" smtClean="0"/>
-              <a:t>9/6/2023</a:t>
+              <a:t>9/25/2024</a:t>
             </a:fld>
             <a:endParaRPr lang="en-US" dirty="0"/>
           </a:p>
@@ -3874,7 +3874,7 @@
           <a:p>
             <a:fld id="{48A87A34-81AB-432B-8DAE-1953F412C126}" type="datetimeFigureOut">
               <a:rPr lang="en-US" smtClean="0"/>
-              <a:t>9/6/2023</a:t>
+              <a:t>9/25/2024</a:t>
             </a:fld>
             <a:endParaRPr lang="en-US" dirty="0"/>
           </a:p>
@@ -4023,7 +4023,7 @@
           <a:p>
             <a:fld id="{48A87A34-81AB-432B-8DAE-1953F412C126}" type="datetimeFigureOut">
               <a:rPr lang="en-US" smtClean="0"/>
-              <a:t>9/6/2023</a:t>
+              <a:t>9/25/2024</a:t>
             </a:fld>
             <a:endParaRPr lang="en-US" dirty="0"/>
           </a:p>
@@ -4149,7 +4149,7 @@
           <a:p>
             <a:fld id="{48A87A34-81AB-432B-8DAE-1953F412C126}" type="datetimeFigureOut">
               <a:rPr lang="en-US" smtClean="0"/>
-              <a:t>9/6/2023</a:t>
+              <a:t>9/25/2024</a:t>
             </a:fld>
             <a:endParaRPr lang="en-US" dirty="0"/>
           </a:p>
@@ -4400,7 +4400,7 @@
           <a:p>
             <a:fld id="{48A87A34-81AB-432B-8DAE-1953F412C126}" type="datetimeFigureOut">
               <a:rPr lang="en-US" smtClean="0"/>
-              <a:t>9/6/2023</a:t>
+              <a:t>9/25/2024</a:t>
             </a:fld>
             <a:endParaRPr lang="en-US" dirty="0"/>
           </a:p>
@@ -4846,7 +4846,7 @@
             <a:fld id="{48A87A34-81AB-432B-8DAE-1953F412C126}" type="datetimeFigureOut">
               <a:rPr lang="en-US" smtClean="0"/>
               <a:pPr/>
-              <a:t>9/6/2023</a:t>
+              <a:t>9/25/2024</a:t>
             </a:fld>
             <a:endParaRPr lang="en-US" dirty="0"/>
           </a:p>
@@ -5174,7 +5174,7 @@
             <a:fld id="{48A87A34-81AB-432B-8DAE-1953F412C126}" type="datetimeFigureOut">
               <a:rPr lang="en-US" smtClean="0"/>
               <a:pPr/>
-              <a:t>9/6/2023</a:t>
+              <a:t>9/25/2024</a:t>
             </a:fld>
             <a:endParaRPr lang="en-US" dirty="0"/>
           </a:p>
@@ -7010,7 +7010,7 @@
                 <a:latin typeface="Times New Roman" panose="02020603050405020304" pitchFamily="18" charset="0"/>
                 <a:cs typeface="Times New Roman" panose="02020603050405020304" pitchFamily="18" charset="0"/>
               </a:rPr>
-              <a:t>[1:3:2]) =&gt; 4, 7</a:t>
+              <a:t>[1:3:2]) =&gt; 4</a:t>
             </a:r>
           </a:p>
           <a:p>
@@ -10397,7 +10397,7 @@
                 <a:latin typeface="Times New Roman" panose="02020603050405020304" pitchFamily="18" charset="0"/>
                 <a:cs typeface="Times New Roman" panose="02020603050405020304" pitchFamily="18" charset="0"/>
               </a:rPr>
-              <a:t> = (15, 9.4, “pera”)</a:t>
+              <a:t> = (15, 9.4, "pera")</a:t>
             </a:r>
           </a:p>
           <a:p>
@@ -10609,7 +10609,7 @@
                 <a:latin typeface="Times New Roman" panose="02020603050405020304" pitchFamily="18" charset="0"/>
                 <a:cs typeface="Times New Roman" panose="02020603050405020304" pitchFamily="18" charset="0"/>
               </a:rPr>
-              <a:t>cliente = (“Julia Cardoso", "01234567890", 7000.0, 17)</a:t>
+              <a:t>cliente = ("Julia Cardoso", "01234567890", 7000.0, 17)</a:t>
             </a:r>
           </a:p>
           <a:p>
@@ -11755,7 +11755,7 @@
                 <a:latin typeface="Times New Roman" panose="02020603050405020304" pitchFamily="18" charset="0"/>
                 <a:cs typeface="Times New Roman" panose="02020603050405020304" pitchFamily="18" charset="0"/>
               </a:rPr>
-              <a:t>(‘Cliente’, ‘nome </a:t>
+              <a:t>("Cliente", "nome </a:t>
             </a:r>
             <a:r>
               <a:rPr lang="pt-BR" sz="2400" dirty="0" err="1">
@@ -11769,7 +11769,7 @@
                 <a:latin typeface="Times New Roman" panose="02020603050405020304" pitchFamily="18" charset="0"/>
                 <a:cs typeface="Times New Roman" panose="02020603050405020304" pitchFamily="18" charset="0"/>
               </a:rPr>
-              <a:t> limite compras’)</a:t>
+              <a:t> limite compras")</a:t>
             </a:r>
           </a:p>
           <a:p>
@@ -11788,7 +11788,7 @@
                 <a:latin typeface="Times New Roman" panose="02020603050405020304" pitchFamily="18" charset="0"/>
                 <a:cs typeface="Times New Roman" panose="02020603050405020304" pitchFamily="18" charset="0"/>
               </a:rPr>
-              <a:t> = Cliente(‘Fulano’, ‘01234567890’, 5000.00, 300.00)</a:t>
+              <a:t> = Cliente("Fulano", "01234567890", 5000.00, 300.00)</a:t>
             </a:r>
           </a:p>
           <a:p>
